--- a/presentation/slides.pptx
+++ b/presentation/slides.pptx
@@ -6,6 +6,11 @@
   </p:sldMasterIdLst>
   <p:sldIdLst>
     <p:sldId id="256" r:id="rId2"/>
+    <p:sldId id="257" r:id="rId3"/>
+    <p:sldId id="258" r:id="rId4"/>
+    <p:sldId id="259" r:id="rId5"/>
+    <p:sldId id="260" r:id="rId6"/>
+    <p:sldId id="261" r:id="rId7"/>
   </p:sldIdLst>
   <p:sldSz cx="9144000" cy="6858000" type="screen4x3"/>
   <p:notesSz cx="6858000" cy="9144000"/>
@@ -288,7 +293,7 @@
           <a:p>
             <a:fld id="{439BD6C3-830F-9543-8A1D-F37F17474F11}" type="datetimeFigureOut">
               <a:rPr lang="en-US" smtClean="0"/>
-              <a:t>2/19/15</a:t>
+              <a:t>2/20/15</a:t>
             </a:fld>
             <a:endParaRPr lang="en-US"/>
           </a:p>
@@ -458,7 +463,7 @@
           <a:p>
             <a:fld id="{439BD6C3-830F-9543-8A1D-F37F17474F11}" type="datetimeFigureOut">
               <a:rPr lang="en-US" smtClean="0"/>
-              <a:t>2/19/15</a:t>
+              <a:t>2/20/15</a:t>
             </a:fld>
             <a:endParaRPr lang="en-US"/>
           </a:p>
@@ -638,7 +643,7 @@
           <a:p>
             <a:fld id="{439BD6C3-830F-9543-8A1D-F37F17474F11}" type="datetimeFigureOut">
               <a:rPr lang="en-US" smtClean="0"/>
-              <a:t>2/19/15</a:t>
+              <a:t>2/20/15</a:t>
             </a:fld>
             <a:endParaRPr lang="en-US"/>
           </a:p>
@@ -808,7 +813,7 @@
           <a:p>
             <a:fld id="{439BD6C3-830F-9543-8A1D-F37F17474F11}" type="datetimeFigureOut">
               <a:rPr lang="en-US" smtClean="0"/>
-              <a:t>2/19/15</a:t>
+              <a:t>2/20/15</a:t>
             </a:fld>
             <a:endParaRPr lang="en-US"/>
           </a:p>
@@ -1054,7 +1059,7 @@
           <a:p>
             <a:fld id="{439BD6C3-830F-9543-8A1D-F37F17474F11}" type="datetimeFigureOut">
               <a:rPr lang="en-US" smtClean="0"/>
-              <a:t>2/19/15</a:t>
+              <a:t>2/20/15</a:t>
             </a:fld>
             <a:endParaRPr lang="en-US"/>
           </a:p>
@@ -1342,7 +1347,7 @@
           <a:p>
             <a:fld id="{439BD6C3-830F-9543-8A1D-F37F17474F11}" type="datetimeFigureOut">
               <a:rPr lang="en-US" smtClean="0"/>
-              <a:t>2/19/15</a:t>
+              <a:t>2/20/15</a:t>
             </a:fld>
             <a:endParaRPr lang="en-US"/>
           </a:p>
@@ -1764,7 +1769,7 @@
           <a:p>
             <a:fld id="{439BD6C3-830F-9543-8A1D-F37F17474F11}" type="datetimeFigureOut">
               <a:rPr lang="en-US" smtClean="0"/>
-              <a:t>2/19/15</a:t>
+              <a:t>2/20/15</a:t>
             </a:fld>
             <a:endParaRPr lang="en-US"/>
           </a:p>
@@ -1882,7 +1887,7 @@
           <a:p>
             <a:fld id="{439BD6C3-830F-9543-8A1D-F37F17474F11}" type="datetimeFigureOut">
               <a:rPr lang="en-US" smtClean="0"/>
-              <a:t>2/19/15</a:t>
+              <a:t>2/20/15</a:t>
             </a:fld>
             <a:endParaRPr lang="en-US"/>
           </a:p>
@@ -1977,7 +1982,7 @@
           <a:p>
             <a:fld id="{439BD6C3-830F-9543-8A1D-F37F17474F11}" type="datetimeFigureOut">
               <a:rPr lang="en-US" smtClean="0"/>
-              <a:t>2/19/15</a:t>
+              <a:t>2/20/15</a:t>
             </a:fld>
             <a:endParaRPr lang="en-US"/>
           </a:p>
@@ -2254,7 +2259,7 @@
           <a:p>
             <a:fld id="{439BD6C3-830F-9543-8A1D-F37F17474F11}" type="datetimeFigureOut">
               <a:rPr lang="en-US" smtClean="0"/>
-              <a:t>2/19/15</a:t>
+              <a:t>2/20/15</a:t>
             </a:fld>
             <a:endParaRPr lang="en-US"/>
           </a:p>
@@ -2507,7 +2512,7 @@
           <a:p>
             <a:fld id="{439BD6C3-830F-9543-8A1D-F37F17474F11}" type="datetimeFigureOut">
               <a:rPr lang="en-US" smtClean="0"/>
-              <a:t>2/19/15</a:t>
+              <a:t>2/20/15</a:t>
             </a:fld>
             <a:endParaRPr lang="en-US"/>
           </a:p>
@@ -2720,7 +2725,7 @@
           <a:p>
             <a:fld id="{439BD6C3-830F-9543-8A1D-F37F17474F11}" type="datetimeFigureOut">
               <a:rPr lang="en-US" smtClean="0"/>
-              <a:t>2/19/15</a:t>
+              <a:t>2/20/15</a:t>
             </a:fld>
             <a:endParaRPr lang="en-US"/>
           </a:p>
@@ -3155,6 +3160,571 @@
     <p:extLst>
       <p:ext uri="{BB962C8B-B14F-4D97-AF65-F5344CB8AC3E}">
         <p14:creationId xmlns:p14="http://schemas.microsoft.com/office/powerpoint/2010/main" val="508809771"/>
+      </p:ext>
+    </p:extLst>
+  </p:cSld>
+  <p:clrMapOvr>
+    <a:masterClrMapping/>
+  </p:clrMapOvr>
+</p:sld>
+</file>
+
+<file path=ppt/slides/slide2.xml><?xml version="1.0" encoding="utf-8"?>
+<p:sld xmlns:a="http://schemas.openxmlformats.org/drawingml/2006/main" xmlns:r="http://schemas.openxmlformats.org/officeDocument/2006/relationships" xmlns:p="http://schemas.openxmlformats.org/presentationml/2006/main">
+  <p:cSld>
+    <p:spTree>
+      <p:nvGrpSpPr>
+        <p:cNvPr id="1" name=""/>
+        <p:cNvGrpSpPr/>
+        <p:nvPr/>
+      </p:nvGrpSpPr>
+      <p:grpSpPr>
+        <a:xfrm>
+          <a:off x="0" y="0"/>
+          <a:ext cx="0" cy="0"/>
+          <a:chOff x="0" y="0"/>
+          <a:chExt cx="0" cy="0"/>
+        </a:xfrm>
+      </p:grpSpPr>
+      <p:sp>
+        <p:nvSpPr>
+          <p:cNvPr id="2" name="Title 1"/>
+          <p:cNvSpPr>
+            <a:spLocks noGrp="1"/>
+          </p:cNvSpPr>
+          <p:nvPr>
+            <p:ph type="title"/>
+          </p:nvPr>
+        </p:nvSpPr>
+        <p:spPr/>
+        <p:txBody>
+          <a:bodyPr/>
+          <a:lstStyle/>
+          <a:p>
+            <a:r>
+              <a:rPr lang="en-US" dirty="0" smtClean="0"/>
+              <a:t>Agenda</a:t>
+            </a:r>
+            <a:endParaRPr lang="en-US" dirty="0"/>
+          </a:p>
+        </p:txBody>
+      </p:sp>
+      <p:sp>
+        <p:nvSpPr>
+          <p:cNvPr id="3" name="Content Placeholder 2"/>
+          <p:cNvSpPr>
+            <a:spLocks noGrp="1"/>
+          </p:cNvSpPr>
+          <p:nvPr>
+            <p:ph idx="1"/>
+          </p:nvPr>
+        </p:nvSpPr>
+        <p:spPr/>
+        <p:txBody>
+          <a:bodyPr/>
+          <a:lstStyle/>
+          <a:p>
+            <a:pPr marL="514350" indent="-514350">
+              <a:buFont typeface="+mj-lt"/>
+              <a:buAutoNum type="arabicPeriod"/>
+            </a:pPr>
+            <a:r>
+              <a:rPr lang="en-US" dirty="0" smtClean="0"/>
+              <a:t>Problem statement</a:t>
+            </a:r>
+          </a:p>
+          <a:p>
+            <a:pPr marL="514350" indent="-514350">
+              <a:buFont typeface="+mj-lt"/>
+              <a:buAutoNum type="arabicPeriod"/>
+            </a:pPr>
+            <a:r>
+              <a:rPr lang="en-US" dirty="0" smtClean="0"/>
+              <a:t>Markov model iterations</a:t>
+            </a:r>
+          </a:p>
+          <a:p>
+            <a:pPr marL="514350" indent="-514350">
+              <a:buFont typeface="+mj-lt"/>
+              <a:buAutoNum type="arabicPeriod"/>
+            </a:pPr>
+            <a:r>
+              <a:rPr lang="en-US" dirty="0" smtClean="0"/>
+              <a:t>Simulation overview</a:t>
+            </a:r>
+          </a:p>
+          <a:p>
+            <a:pPr marL="514350" indent="-514350">
+              <a:buFont typeface="+mj-lt"/>
+              <a:buAutoNum type="arabicPeriod"/>
+            </a:pPr>
+            <a:r>
+              <a:rPr lang="en-US" dirty="0" smtClean="0"/>
+              <a:t>Experimental results and observations</a:t>
+            </a:r>
+          </a:p>
+          <a:p>
+            <a:pPr marL="514350" indent="-514350">
+              <a:buFont typeface="+mj-lt"/>
+              <a:buAutoNum type="arabicPeriod"/>
+            </a:pPr>
+            <a:r>
+              <a:rPr lang="en-US" dirty="0" smtClean="0"/>
+              <a:t>Q&amp;A</a:t>
+            </a:r>
+            <a:endParaRPr lang="en-US" dirty="0"/>
+          </a:p>
+        </p:txBody>
+      </p:sp>
+    </p:spTree>
+    <p:extLst>
+      <p:ext uri="{BB962C8B-B14F-4D97-AF65-F5344CB8AC3E}">
+        <p14:creationId xmlns:p14="http://schemas.microsoft.com/office/powerpoint/2010/main" val="1381462612"/>
+      </p:ext>
+    </p:extLst>
+  </p:cSld>
+  <p:clrMapOvr>
+    <a:masterClrMapping/>
+  </p:clrMapOvr>
+</p:sld>
+</file>
+
+<file path=ppt/slides/slide3.xml><?xml version="1.0" encoding="utf-8"?>
+<p:sld xmlns:a="http://schemas.openxmlformats.org/drawingml/2006/main" xmlns:r="http://schemas.openxmlformats.org/officeDocument/2006/relationships" xmlns:p="http://schemas.openxmlformats.org/presentationml/2006/main">
+  <p:cSld>
+    <p:spTree>
+      <p:nvGrpSpPr>
+        <p:cNvPr id="1" name=""/>
+        <p:cNvGrpSpPr/>
+        <p:nvPr/>
+      </p:nvGrpSpPr>
+      <p:grpSpPr>
+        <a:xfrm>
+          <a:off x="0" y="0"/>
+          <a:ext cx="0" cy="0"/>
+          <a:chOff x="0" y="0"/>
+          <a:chExt cx="0" cy="0"/>
+        </a:xfrm>
+      </p:grpSpPr>
+      <p:sp>
+        <p:nvSpPr>
+          <p:cNvPr id="2" name="Title 1"/>
+          <p:cNvSpPr>
+            <a:spLocks noGrp="1"/>
+          </p:cNvSpPr>
+          <p:nvPr>
+            <p:ph type="title"/>
+          </p:nvPr>
+        </p:nvSpPr>
+        <p:spPr/>
+        <p:txBody>
+          <a:bodyPr/>
+          <a:lstStyle/>
+          <a:p>
+            <a:r>
+              <a:rPr lang="en-US" dirty="0" smtClean="0"/>
+              <a:t>Traffic Trends</a:t>
+            </a:r>
+            <a:endParaRPr lang="en-US" dirty="0"/>
+          </a:p>
+        </p:txBody>
+      </p:sp>
+      <p:sp>
+        <p:nvSpPr>
+          <p:cNvPr id="3" name="Content Placeholder 2"/>
+          <p:cNvSpPr>
+            <a:spLocks noGrp="1"/>
+          </p:cNvSpPr>
+          <p:nvPr>
+            <p:ph idx="1"/>
+          </p:nvPr>
+        </p:nvSpPr>
+        <p:spPr/>
+        <p:txBody>
+          <a:bodyPr>
+            <a:normAutofit fontScale="92500" lnSpcReduction="10000"/>
+          </a:bodyPr>
+          <a:lstStyle/>
+          <a:p>
+            <a:r>
+              <a:rPr lang="en-US" dirty="0" smtClean="0"/>
+              <a:t>Application traffic is becoming increasingly heterogeneous:</a:t>
+            </a:r>
+          </a:p>
+          <a:p>
+            <a:pPr lvl="1"/>
+            <a:r>
+              <a:rPr lang="en-US" dirty="0" smtClean="0"/>
+              <a:t>Real-time video streaming (e.g., Netflix)</a:t>
+            </a:r>
+          </a:p>
+          <a:p>
+            <a:pPr lvl="1"/>
+            <a:r>
+              <a:rPr lang="en-US" dirty="0" smtClean="0"/>
+              <a:t>VoIP (e.g., Skype)</a:t>
+            </a:r>
+          </a:p>
+          <a:p>
+            <a:pPr lvl="1"/>
+            <a:r>
+              <a:rPr lang="en-US" dirty="0" smtClean="0"/>
+              <a:t>Web browsing</a:t>
+            </a:r>
+          </a:p>
+          <a:p>
+            <a:pPr lvl="1"/>
+            <a:r>
+              <a:rPr lang="en-US" dirty="0" smtClean="0"/>
+              <a:t>File downloads</a:t>
+            </a:r>
+          </a:p>
+          <a:p>
+            <a:r>
+              <a:rPr lang="en-US" dirty="0" smtClean="0"/>
+              <a:t>New traffic types vary in packet size, </a:t>
+            </a:r>
+            <a:r>
+              <a:rPr lang="en-US" dirty="0" err="1" smtClean="0"/>
+              <a:t>interarrival</a:t>
+            </a:r>
+            <a:r>
+              <a:rPr lang="en-US" dirty="0" smtClean="0"/>
+              <a:t> times, </a:t>
+            </a:r>
+            <a:r>
+              <a:rPr lang="en-US" dirty="0" err="1" smtClean="0"/>
+              <a:t>burstyness</a:t>
+            </a:r>
+            <a:r>
+              <a:rPr lang="en-US" dirty="0" smtClean="0"/>
+              <a:t>, etc.</a:t>
+            </a:r>
+          </a:p>
+          <a:p>
+            <a:r>
+              <a:rPr lang="en-US" dirty="0" smtClean="0"/>
+              <a:t>Most applications send and receive traffic over wireless PHY mediums – </a:t>
+            </a:r>
+            <a:r>
+              <a:rPr lang="en-US" dirty="0" err="1" smtClean="0"/>
+              <a:t>WiFi</a:t>
+            </a:r>
+            <a:endParaRPr lang="en-US" dirty="0" smtClean="0"/>
+          </a:p>
+        </p:txBody>
+      </p:sp>
+    </p:spTree>
+    <p:extLst>
+      <p:ext uri="{BB962C8B-B14F-4D97-AF65-F5344CB8AC3E}">
+        <p14:creationId xmlns:p14="http://schemas.microsoft.com/office/powerpoint/2010/main" val="3605330759"/>
+      </p:ext>
+    </p:extLst>
+  </p:cSld>
+  <p:clrMapOvr>
+    <a:masterClrMapping/>
+  </p:clrMapOvr>
+</p:sld>
+</file>
+
+<file path=ppt/slides/slide4.xml><?xml version="1.0" encoding="utf-8"?>
+<p:sld xmlns:a="http://schemas.openxmlformats.org/drawingml/2006/main" xmlns:r="http://schemas.openxmlformats.org/officeDocument/2006/relationships" xmlns:p="http://schemas.openxmlformats.org/presentationml/2006/main">
+  <p:cSld>
+    <p:spTree>
+      <p:nvGrpSpPr>
+        <p:cNvPr id="1" name=""/>
+        <p:cNvGrpSpPr/>
+        <p:nvPr/>
+      </p:nvGrpSpPr>
+      <p:grpSpPr>
+        <a:xfrm>
+          <a:off x="0" y="0"/>
+          <a:ext cx="0" cy="0"/>
+          <a:chOff x="0" y="0"/>
+          <a:chExt cx="0" cy="0"/>
+        </a:xfrm>
+      </p:grpSpPr>
+      <p:sp>
+        <p:nvSpPr>
+          <p:cNvPr id="2" name="Title 1"/>
+          <p:cNvSpPr>
+            <a:spLocks noGrp="1"/>
+          </p:cNvSpPr>
+          <p:nvPr>
+            <p:ph type="title"/>
+          </p:nvPr>
+        </p:nvSpPr>
+        <p:spPr/>
+        <p:txBody>
+          <a:bodyPr/>
+          <a:lstStyle/>
+          <a:p>
+            <a:r>
+              <a:rPr lang="en-US" dirty="0" smtClean="0"/>
+              <a:t>Problem Statement</a:t>
+            </a:r>
+            <a:endParaRPr lang="en-US" dirty="0"/>
+          </a:p>
+        </p:txBody>
+      </p:sp>
+      <p:sp>
+        <p:nvSpPr>
+          <p:cNvPr id="3" name="Content Placeholder 2"/>
+          <p:cNvSpPr>
+            <a:spLocks noGrp="1"/>
+          </p:cNvSpPr>
+          <p:nvPr>
+            <p:ph idx="1"/>
+          </p:nvPr>
+        </p:nvSpPr>
+        <p:spPr/>
+        <p:txBody>
+          <a:bodyPr>
+            <a:normAutofit/>
+          </a:bodyPr>
+          <a:lstStyle/>
+          <a:p>
+            <a:r>
+              <a:rPr lang="en-US" b="1" dirty="0" smtClean="0"/>
+              <a:t>Question 1</a:t>
+            </a:r>
+            <a:r>
+              <a:rPr lang="en-US" dirty="0" smtClean="0"/>
+              <a:t>: How does the performance of CSMA/CD vary with increasingly heterogeneous traffic?</a:t>
+            </a:r>
+          </a:p>
+          <a:p>
+            <a:r>
+              <a:rPr lang="en-US" b="1" dirty="0" smtClean="0"/>
+              <a:t>Question 2</a:t>
+            </a:r>
+            <a:r>
+              <a:rPr lang="en-US" dirty="0" smtClean="0"/>
+              <a:t>: Is universal random </a:t>
+            </a:r>
+            <a:r>
+              <a:rPr lang="en-US" dirty="0" err="1" smtClean="0"/>
+              <a:t>backoff</a:t>
+            </a:r>
+            <a:r>
+              <a:rPr lang="en-US" dirty="0" smtClean="0"/>
+              <a:t> the best technique technique to handle collisions? </a:t>
+            </a:r>
+            <a:r>
+              <a:rPr lang="en-US" dirty="0"/>
+              <a:t>Would a deterministic avoidance scheme be better suited for heterogeneous traffic? Or maybe a hybrid approach</a:t>
+            </a:r>
+            <a:r>
+              <a:rPr lang="en-US" dirty="0" smtClean="0"/>
+              <a:t>?</a:t>
+            </a:r>
+            <a:endParaRPr lang="en-US" dirty="0"/>
+          </a:p>
+        </p:txBody>
+      </p:sp>
+    </p:spTree>
+    <p:extLst>
+      <p:ext uri="{BB962C8B-B14F-4D97-AF65-F5344CB8AC3E}">
+        <p14:creationId xmlns:p14="http://schemas.microsoft.com/office/powerpoint/2010/main" val="3364773661"/>
+      </p:ext>
+    </p:extLst>
+  </p:cSld>
+  <p:clrMapOvr>
+    <a:masterClrMapping/>
+  </p:clrMapOvr>
+</p:sld>
+</file>
+
+<file path=ppt/slides/slide5.xml><?xml version="1.0" encoding="utf-8"?>
+<p:sld xmlns:a="http://schemas.openxmlformats.org/drawingml/2006/main" xmlns:r="http://schemas.openxmlformats.org/officeDocument/2006/relationships" xmlns:p="http://schemas.openxmlformats.org/presentationml/2006/main">
+  <p:cSld>
+    <p:spTree>
+      <p:nvGrpSpPr>
+        <p:cNvPr id="1" name=""/>
+        <p:cNvGrpSpPr/>
+        <p:nvPr/>
+      </p:nvGrpSpPr>
+      <p:grpSpPr>
+        <a:xfrm>
+          <a:off x="0" y="0"/>
+          <a:ext cx="0" cy="0"/>
+          <a:chOff x="0" y="0"/>
+          <a:chExt cx="0" cy="0"/>
+        </a:xfrm>
+      </p:grpSpPr>
+      <p:sp>
+        <p:nvSpPr>
+          <p:cNvPr id="2" name="Title 1"/>
+          <p:cNvSpPr>
+            <a:spLocks noGrp="1"/>
+          </p:cNvSpPr>
+          <p:nvPr>
+            <p:ph type="title"/>
+          </p:nvPr>
+        </p:nvSpPr>
+        <p:spPr/>
+        <p:txBody>
+          <a:bodyPr/>
+          <a:lstStyle/>
+          <a:p>
+            <a:r>
+              <a:rPr lang="en-US" dirty="0" smtClean="0"/>
+              <a:t>Problem Approach</a:t>
+            </a:r>
+            <a:endParaRPr lang="en-US" dirty="0"/>
+          </a:p>
+        </p:txBody>
+      </p:sp>
+      <p:sp>
+        <p:nvSpPr>
+          <p:cNvPr id="3" name="Content Placeholder 2"/>
+          <p:cNvSpPr>
+            <a:spLocks noGrp="1"/>
+          </p:cNvSpPr>
+          <p:nvPr>
+            <p:ph idx="1"/>
+          </p:nvPr>
+        </p:nvSpPr>
+        <p:spPr/>
+        <p:txBody>
+          <a:bodyPr>
+            <a:normAutofit fontScale="92500" lnSpcReduction="20000"/>
+          </a:bodyPr>
+          <a:lstStyle/>
+          <a:p>
+            <a:r>
+              <a:rPr lang="en-US" dirty="0" smtClean="0"/>
+              <a:t>Create Markov models that represent varying types of traffic:</a:t>
+            </a:r>
+          </a:p>
+          <a:p>
+            <a:pPr lvl="1"/>
+            <a:r>
+              <a:rPr lang="en-US" dirty="0" smtClean="0"/>
+              <a:t>Media streams</a:t>
+            </a:r>
+          </a:p>
+          <a:p>
+            <a:pPr lvl="1"/>
+            <a:r>
+              <a:rPr lang="en-US" dirty="0" smtClean="0"/>
+              <a:t>Web browsing</a:t>
+            </a:r>
+          </a:p>
+          <a:p>
+            <a:pPr lvl="1"/>
+            <a:r>
+              <a:rPr lang="en-US" dirty="0" smtClean="0"/>
+              <a:t>File downloads</a:t>
+            </a:r>
+          </a:p>
+          <a:p>
+            <a:r>
+              <a:rPr lang="en-US" dirty="0" smtClean="0"/>
+              <a:t>Compute metrics for each of these models individually, i.e., </a:t>
+            </a:r>
+            <a:r>
+              <a:rPr lang="en-US" i="1" dirty="0" smtClean="0"/>
+              <a:t>with a constant conditional collision probability</a:t>
+            </a:r>
+          </a:p>
+          <a:p>
+            <a:r>
+              <a:rPr lang="en-US" dirty="0" smtClean="0"/>
+              <a:t>Compute metrics when different Markov models of these types are superimposed</a:t>
+            </a:r>
+          </a:p>
+          <a:p>
+            <a:r>
+              <a:rPr lang="en-US" dirty="0" smtClean="0"/>
+              <a:t>Analyze the data</a:t>
+            </a:r>
+            <a:endParaRPr lang="en-US" dirty="0"/>
+          </a:p>
+        </p:txBody>
+      </p:sp>
+    </p:spTree>
+    <p:extLst>
+      <p:ext uri="{BB962C8B-B14F-4D97-AF65-F5344CB8AC3E}">
+        <p14:creationId xmlns:p14="http://schemas.microsoft.com/office/powerpoint/2010/main" val="2448596753"/>
+      </p:ext>
+    </p:extLst>
+  </p:cSld>
+  <p:clrMapOvr>
+    <a:masterClrMapping/>
+  </p:clrMapOvr>
+</p:sld>
+</file>
+
+<file path=ppt/slides/slide6.xml><?xml version="1.0" encoding="utf-8"?>
+<p:sld xmlns:a="http://schemas.openxmlformats.org/drawingml/2006/main" xmlns:r="http://schemas.openxmlformats.org/officeDocument/2006/relationships" xmlns:p="http://schemas.openxmlformats.org/presentationml/2006/main">
+  <p:cSld>
+    <p:spTree>
+      <p:nvGrpSpPr>
+        <p:cNvPr id="1" name=""/>
+        <p:cNvGrpSpPr/>
+        <p:nvPr/>
+      </p:nvGrpSpPr>
+      <p:grpSpPr>
+        <a:xfrm>
+          <a:off x="0" y="0"/>
+          <a:ext cx="0" cy="0"/>
+          <a:chOff x="0" y="0"/>
+          <a:chExt cx="0" cy="0"/>
+        </a:xfrm>
+      </p:grpSpPr>
+      <p:sp>
+        <p:nvSpPr>
+          <p:cNvPr id="2" name="Title 1"/>
+          <p:cNvSpPr>
+            <a:spLocks noGrp="1"/>
+          </p:cNvSpPr>
+          <p:nvPr>
+            <p:ph type="title"/>
+          </p:nvPr>
+        </p:nvSpPr>
+        <p:spPr/>
+        <p:txBody>
+          <a:bodyPr>
+            <a:normAutofit fontScale="90000"/>
+          </a:bodyPr>
+          <a:lstStyle/>
+          <a:p>
+            <a:r>
+              <a:rPr lang="en-US" dirty="0" smtClean="0"/>
+              <a:t>802.11 Distributed Control Function</a:t>
+            </a:r>
+            <a:endParaRPr lang="en-US" dirty="0"/>
+          </a:p>
+        </p:txBody>
+      </p:sp>
+      <p:sp>
+        <p:nvSpPr>
+          <p:cNvPr id="3" name="Content Placeholder 2"/>
+          <p:cNvSpPr>
+            <a:spLocks noGrp="1"/>
+          </p:cNvSpPr>
+          <p:nvPr>
+            <p:ph idx="1"/>
+          </p:nvPr>
+        </p:nvSpPr>
+        <p:spPr/>
+        <p:txBody>
+          <a:bodyPr/>
+          <a:lstStyle/>
+          <a:p>
+            <a:r>
+              <a:rPr lang="en-US" smtClean="0"/>
+              <a:t>TODO</a:t>
+            </a:r>
+            <a:endParaRPr lang="en-US"/>
+          </a:p>
+        </p:txBody>
+      </p:sp>
+    </p:spTree>
+    <p:extLst>
+      <p:ext uri="{BB962C8B-B14F-4D97-AF65-F5344CB8AC3E}">
+        <p14:creationId xmlns:p14="http://schemas.microsoft.com/office/powerpoint/2010/main" val="1164583717"/>
       </p:ext>
     </p:extLst>
   </p:cSld>

--- a/presentation/slides.pptx
+++ b/presentation/slides.pptx
@@ -11,6 +11,8 @@
     <p:sldId id="259" r:id="rId5"/>
     <p:sldId id="260" r:id="rId6"/>
     <p:sldId id="261" r:id="rId7"/>
+    <p:sldId id="262" r:id="rId8"/>
+    <p:sldId id="263" r:id="rId9"/>
   </p:sldIdLst>
   <p:sldSz cx="9144000" cy="6858000" type="screen4x3"/>
   <p:notesSz cx="6858000" cy="9144000"/>
@@ -3710,14 +3712,162 @@
         </p:nvSpPr>
         <p:spPr/>
         <p:txBody>
-          <a:bodyPr/>
-          <a:lstStyle/>
-          <a:p>
-            <a:r>
-              <a:rPr lang="en-US" smtClean="0"/>
-              <a:t>TODO</a:t>
-            </a:r>
-            <a:endParaRPr lang="en-US"/>
+          <a:bodyPr>
+            <a:normAutofit fontScale="77500" lnSpcReduction="20000"/>
+          </a:bodyPr>
+          <a:lstStyle/>
+          <a:p>
+            <a:r>
+              <a:rPr lang="en-US" dirty="0" smtClean="0"/>
+              <a:t>A simplistic </a:t>
+            </a:r>
+            <a:r>
+              <a:rPr lang="en-US" dirty="0"/>
+              <a:t>random access scheme based on the </a:t>
+            </a:r>
+            <a:r>
+              <a:rPr lang="en-US" dirty="0" smtClean="0"/>
+              <a:t>CSMA</a:t>
+            </a:r>
+            <a:r>
+              <a:rPr lang="en-US" dirty="0"/>
+              <a:t>/</a:t>
+            </a:r>
+            <a:r>
+              <a:rPr lang="en-US" dirty="0" smtClean="0"/>
+              <a:t>CA </a:t>
+            </a:r>
+            <a:r>
+              <a:rPr lang="en-US" dirty="0"/>
+              <a:t>protocol. </a:t>
+            </a:r>
+            <a:endParaRPr lang="en-US" dirty="0" smtClean="0"/>
+          </a:p>
+          <a:p>
+            <a:r>
+              <a:rPr lang="en-US" dirty="0" smtClean="0"/>
+              <a:t>Failed </a:t>
+            </a:r>
+            <a:r>
+              <a:rPr lang="en-US" dirty="0"/>
+              <a:t>packets are retried according to a binary exponential </a:t>
+            </a:r>
+            <a:r>
+              <a:rPr lang="en-US" dirty="0" err="1"/>
+              <a:t>backoff</a:t>
+            </a:r>
+            <a:r>
+              <a:rPr lang="en-US" dirty="0"/>
+              <a:t> rule. </a:t>
+            </a:r>
+            <a:endParaRPr lang="en-US" dirty="0" smtClean="0"/>
+          </a:p>
+          <a:p>
+            <a:pPr lvl="1"/>
+            <a:r>
+              <a:rPr lang="en-US" dirty="0" smtClean="0"/>
+              <a:t>At </a:t>
+            </a:r>
+            <a:r>
+              <a:rPr lang="en-US" dirty="0"/>
+              <a:t>each packet transmission, the </a:t>
+            </a:r>
+            <a:r>
+              <a:rPr lang="en-US" dirty="0" err="1"/>
+              <a:t>backoff</a:t>
+            </a:r>
+            <a:r>
+              <a:rPr lang="en-US" dirty="0"/>
+              <a:t> is uniformly in the range ($0, w-1$</a:t>
+            </a:r>
+            <a:r>
+              <a:rPr lang="en-US" dirty="0" smtClean="0"/>
+              <a:t>)</a:t>
+            </a:r>
+            <a:endParaRPr lang="en-US" dirty="0"/>
+          </a:p>
+          <a:p>
+            <a:pPr lvl="1"/>
+            <a:r>
+              <a:rPr lang="en-US" dirty="0" smtClean="0"/>
+              <a:t>The </a:t>
+            </a:r>
+            <a:r>
+              <a:rPr lang="en-US" dirty="0"/>
+              <a:t>window $w$ is set to $W_{min}$ to begin, and upon every failure, the </a:t>
+            </a:r>
+            <a:r>
+              <a:rPr lang="en-US" dirty="0" err="1"/>
+              <a:t>backoff</a:t>
+            </a:r>
+            <a:r>
+              <a:rPr lang="en-US" dirty="0"/>
+              <a:t> counter is doubled. </a:t>
+            </a:r>
+            <a:endParaRPr lang="en-US" dirty="0" smtClean="0"/>
+          </a:p>
+          <a:p>
+            <a:pPr lvl="1"/>
+            <a:r>
+              <a:rPr lang="en-US" dirty="0" smtClean="0"/>
+              <a:t>At </a:t>
+            </a:r>
+            <a:r>
+              <a:rPr lang="en-US" dirty="0"/>
+              <a:t>stage $</a:t>
+            </a:r>
+            <a:r>
+              <a:rPr lang="en-US" dirty="0" err="1"/>
+              <a:t>i</a:t>
+            </a:r>
+            <a:r>
+              <a:rPr lang="en-US" dirty="0"/>
+              <a:t>$, the </a:t>
+            </a:r>
+            <a:r>
+              <a:rPr lang="en-US" dirty="0" err="1"/>
+              <a:t>backoff</a:t>
+            </a:r>
+            <a:r>
+              <a:rPr lang="en-US" dirty="0"/>
+              <a:t> timer is $2^iW_{min}$. </a:t>
+            </a:r>
+            <a:endParaRPr lang="en-US" dirty="0" smtClean="0"/>
+          </a:p>
+          <a:p>
+            <a:pPr lvl="1"/>
+            <a:r>
+              <a:rPr lang="en-US" dirty="0" smtClean="0"/>
+              <a:t>The </a:t>
+            </a:r>
+            <a:r>
+              <a:rPr lang="en-US" dirty="0"/>
+              <a:t>maximum </a:t>
+            </a:r>
+            <a:r>
+              <a:rPr lang="en-US" dirty="0" err="1"/>
+              <a:t>backoff</a:t>
+            </a:r>
+            <a:r>
+              <a:rPr lang="en-US" dirty="0"/>
+              <a:t> is bounded by $W_{max} = 2^mW_{min}$. </a:t>
+            </a:r>
+            <a:endParaRPr lang="en-US" dirty="0" smtClean="0"/>
+          </a:p>
+          <a:p>
+            <a:r>
+              <a:rPr lang="en-US" dirty="0" smtClean="0"/>
+              <a:t>Selections </a:t>
+            </a:r>
+            <a:r>
+              <a:rPr lang="en-US" dirty="0"/>
+              <a:t>of $W_{min}$ and $W_{max}$ are dependent upon the physical layer specifications in the 802.11 </a:t>
+            </a:r>
+            <a:r>
+              <a:rPr lang="en-US" dirty="0" smtClean="0"/>
+              <a:t>standard</a:t>
+            </a:r>
+            <a:endParaRPr lang="en-US" dirty="0"/>
           </a:p>
         </p:txBody>
       </p:sp>
@@ -3725,6 +3875,156 @@
     <p:extLst>
       <p:ext uri="{BB962C8B-B14F-4D97-AF65-F5344CB8AC3E}">
         <p14:creationId xmlns:p14="http://schemas.microsoft.com/office/powerpoint/2010/main" val="1164583717"/>
+      </p:ext>
+    </p:extLst>
+  </p:cSld>
+  <p:clrMapOvr>
+    <a:masterClrMapping/>
+  </p:clrMapOvr>
+</p:sld>
+</file>
+
+<file path=ppt/slides/slide7.xml><?xml version="1.0" encoding="utf-8"?>
+<p:sld xmlns:a="http://schemas.openxmlformats.org/drawingml/2006/main" xmlns:r="http://schemas.openxmlformats.org/officeDocument/2006/relationships" xmlns:p="http://schemas.openxmlformats.org/presentationml/2006/main">
+  <p:cSld>
+    <p:spTree>
+      <p:nvGrpSpPr>
+        <p:cNvPr id="1" name=""/>
+        <p:cNvGrpSpPr/>
+        <p:nvPr/>
+      </p:nvGrpSpPr>
+      <p:grpSpPr>
+        <a:xfrm>
+          <a:off x="0" y="0"/>
+          <a:ext cx="0" cy="0"/>
+          <a:chOff x="0" y="0"/>
+          <a:chExt cx="0" cy="0"/>
+        </a:xfrm>
+      </p:grpSpPr>
+      <p:sp>
+        <p:nvSpPr>
+          <p:cNvPr id="2" name="Title 1"/>
+          <p:cNvSpPr>
+            <a:spLocks noGrp="1"/>
+          </p:cNvSpPr>
+          <p:nvPr>
+            <p:ph type="title"/>
+          </p:nvPr>
+        </p:nvSpPr>
+        <p:spPr/>
+        <p:txBody>
+          <a:bodyPr>
+            <a:normAutofit fontScale="90000"/>
+          </a:bodyPr>
+          <a:lstStyle/>
+          <a:p>
+            <a:r>
+              <a:rPr lang="en-US" dirty="0" smtClean="0"/>
+              <a:t>The DCF Model with Saturated Traffic</a:t>
+            </a:r>
+            <a:endParaRPr lang="en-US" dirty="0"/>
+          </a:p>
+        </p:txBody>
+      </p:sp>
+      <p:sp>
+        <p:nvSpPr>
+          <p:cNvPr id="3" name="Content Placeholder 2"/>
+          <p:cNvSpPr>
+            <a:spLocks noGrp="1"/>
+          </p:cNvSpPr>
+          <p:nvPr>
+            <p:ph idx="1"/>
+          </p:nvPr>
+        </p:nvSpPr>
+        <p:spPr/>
+        <p:txBody>
+          <a:bodyPr/>
+          <a:lstStyle/>
+          <a:p>
+            <a:endParaRPr lang="en-US" dirty="0"/>
+          </a:p>
+        </p:txBody>
+      </p:sp>
+    </p:spTree>
+    <p:extLst>
+      <p:ext uri="{BB962C8B-B14F-4D97-AF65-F5344CB8AC3E}">
+        <p14:creationId xmlns:p14="http://schemas.microsoft.com/office/powerpoint/2010/main" val="1892940821"/>
+      </p:ext>
+    </p:extLst>
+  </p:cSld>
+  <p:clrMapOvr>
+    <a:masterClrMapping/>
+  </p:clrMapOvr>
+</p:sld>
+</file>
+
+<file path=ppt/slides/slide8.xml><?xml version="1.0" encoding="utf-8"?>
+<p:sld xmlns:a="http://schemas.openxmlformats.org/drawingml/2006/main" xmlns:r="http://schemas.openxmlformats.org/officeDocument/2006/relationships" xmlns:p="http://schemas.openxmlformats.org/presentationml/2006/main">
+  <p:cSld>
+    <p:spTree>
+      <p:nvGrpSpPr>
+        <p:cNvPr id="1" name=""/>
+        <p:cNvGrpSpPr/>
+        <p:nvPr/>
+      </p:nvGrpSpPr>
+      <p:grpSpPr>
+        <a:xfrm>
+          <a:off x="0" y="0"/>
+          <a:ext cx="0" cy="0"/>
+          <a:chOff x="0" y="0"/>
+          <a:chExt cx="0" cy="0"/>
+        </a:xfrm>
+      </p:grpSpPr>
+      <p:sp>
+        <p:nvSpPr>
+          <p:cNvPr id="2" name="Title 1"/>
+          <p:cNvSpPr>
+            <a:spLocks noGrp="1"/>
+          </p:cNvSpPr>
+          <p:nvPr>
+            <p:ph type="title"/>
+          </p:nvPr>
+        </p:nvSpPr>
+        <p:spPr/>
+        <p:txBody>
+          <a:bodyPr/>
+          <a:lstStyle/>
+          <a:p>
+            <a:r>
+              <a:rPr lang="en-US" dirty="0" smtClean="0"/>
+              <a:t>Supporting </a:t>
+            </a:r>
+            <a:r>
+              <a:rPr lang="en-US" smtClean="0"/>
+              <a:t>Unsaturated Traffic</a:t>
+            </a:r>
+            <a:endParaRPr lang="en-US"/>
+          </a:p>
+        </p:txBody>
+      </p:sp>
+      <p:sp>
+        <p:nvSpPr>
+          <p:cNvPr id="3" name="Content Placeholder 2"/>
+          <p:cNvSpPr>
+            <a:spLocks noGrp="1"/>
+          </p:cNvSpPr>
+          <p:nvPr>
+            <p:ph idx="1"/>
+          </p:nvPr>
+        </p:nvSpPr>
+        <p:spPr/>
+        <p:txBody>
+          <a:bodyPr/>
+          <a:lstStyle/>
+          <a:p>
+            <a:endParaRPr lang="en-US"/>
+          </a:p>
+        </p:txBody>
+      </p:sp>
+    </p:spTree>
+    <p:extLst>
+      <p:ext uri="{BB962C8B-B14F-4D97-AF65-F5344CB8AC3E}">
+        <p14:creationId xmlns:p14="http://schemas.microsoft.com/office/powerpoint/2010/main" val="2467530606"/>
       </p:ext>
     </p:extLst>
   </p:cSld>

--- a/presentation/slides.pptx
+++ b/presentation/slides.pptx
@@ -11,8 +11,21 @@
     <p:sldId id="259" r:id="rId5"/>
     <p:sldId id="260" r:id="rId6"/>
     <p:sldId id="261" r:id="rId7"/>
-    <p:sldId id="262" r:id="rId8"/>
-    <p:sldId id="263" r:id="rId9"/>
+    <p:sldId id="265" r:id="rId8"/>
+    <p:sldId id="262" r:id="rId9"/>
+    <p:sldId id="263" r:id="rId10"/>
+    <p:sldId id="272" r:id="rId11"/>
+    <p:sldId id="264" r:id="rId12"/>
+    <p:sldId id="269" r:id="rId13"/>
+    <p:sldId id="271" r:id="rId14"/>
+    <p:sldId id="266" r:id="rId15"/>
+    <p:sldId id="273" r:id="rId16"/>
+    <p:sldId id="267" r:id="rId17"/>
+    <p:sldId id="274" r:id="rId18"/>
+    <p:sldId id="268" r:id="rId19"/>
+    <p:sldId id="275" r:id="rId20"/>
+    <p:sldId id="276" r:id="rId21"/>
+    <p:sldId id="277" r:id="rId22"/>
   </p:sldIdLst>
   <p:sldSz cx="9144000" cy="6858000" type="screen4x3"/>
   <p:notesSz cx="6858000" cy="9144000"/>
@@ -295,7 +308,7 @@
           <a:p>
             <a:fld id="{439BD6C3-830F-9543-8A1D-F37F17474F11}" type="datetimeFigureOut">
               <a:rPr lang="en-US" smtClean="0"/>
-              <a:t>2/20/15</a:t>
+              <a:t>3/8/15</a:t>
             </a:fld>
             <a:endParaRPr lang="en-US"/>
           </a:p>
@@ -465,7 +478,7 @@
           <a:p>
             <a:fld id="{439BD6C3-830F-9543-8A1D-F37F17474F11}" type="datetimeFigureOut">
               <a:rPr lang="en-US" smtClean="0"/>
-              <a:t>2/20/15</a:t>
+              <a:t>3/8/15</a:t>
             </a:fld>
             <a:endParaRPr lang="en-US"/>
           </a:p>
@@ -645,7 +658,7 @@
           <a:p>
             <a:fld id="{439BD6C3-830F-9543-8A1D-F37F17474F11}" type="datetimeFigureOut">
               <a:rPr lang="en-US" smtClean="0"/>
-              <a:t>2/20/15</a:t>
+              <a:t>3/8/15</a:t>
             </a:fld>
             <a:endParaRPr lang="en-US"/>
           </a:p>
@@ -815,7 +828,7 @@
           <a:p>
             <a:fld id="{439BD6C3-830F-9543-8A1D-F37F17474F11}" type="datetimeFigureOut">
               <a:rPr lang="en-US" smtClean="0"/>
-              <a:t>2/20/15</a:t>
+              <a:t>3/8/15</a:t>
             </a:fld>
             <a:endParaRPr lang="en-US"/>
           </a:p>
@@ -1061,7 +1074,7 @@
           <a:p>
             <a:fld id="{439BD6C3-830F-9543-8A1D-F37F17474F11}" type="datetimeFigureOut">
               <a:rPr lang="en-US" smtClean="0"/>
-              <a:t>2/20/15</a:t>
+              <a:t>3/8/15</a:t>
             </a:fld>
             <a:endParaRPr lang="en-US"/>
           </a:p>
@@ -1349,7 +1362,7 @@
           <a:p>
             <a:fld id="{439BD6C3-830F-9543-8A1D-F37F17474F11}" type="datetimeFigureOut">
               <a:rPr lang="en-US" smtClean="0"/>
-              <a:t>2/20/15</a:t>
+              <a:t>3/8/15</a:t>
             </a:fld>
             <a:endParaRPr lang="en-US"/>
           </a:p>
@@ -1771,7 +1784,7 @@
           <a:p>
             <a:fld id="{439BD6C3-830F-9543-8A1D-F37F17474F11}" type="datetimeFigureOut">
               <a:rPr lang="en-US" smtClean="0"/>
-              <a:t>2/20/15</a:t>
+              <a:t>3/8/15</a:t>
             </a:fld>
             <a:endParaRPr lang="en-US"/>
           </a:p>
@@ -1889,7 +1902,7 @@
           <a:p>
             <a:fld id="{439BD6C3-830F-9543-8A1D-F37F17474F11}" type="datetimeFigureOut">
               <a:rPr lang="en-US" smtClean="0"/>
-              <a:t>2/20/15</a:t>
+              <a:t>3/8/15</a:t>
             </a:fld>
             <a:endParaRPr lang="en-US"/>
           </a:p>
@@ -1984,7 +1997,7 @@
           <a:p>
             <a:fld id="{439BD6C3-830F-9543-8A1D-F37F17474F11}" type="datetimeFigureOut">
               <a:rPr lang="en-US" smtClean="0"/>
-              <a:t>2/20/15</a:t>
+              <a:t>3/8/15</a:t>
             </a:fld>
             <a:endParaRPr lang="en-US"/>
           </a:p>
@@ -2261,7 +2274,7 @@
           <a:p>
             <a:fld id="{439BD6C3-830F-9543-8A1D-F37F17474F11}" type="datetimeFigureOut">
               <a:rPr lang="en-US" smtClean="0"/>
-              <a:t>2/20/15</a:t>
+              <a:t>3/8/15</a:t>
             </a:fld>
             <a:endParaRPr lang="en-US"/>
           </a:p>
@@ -2514,7 +2527,7 @@
           <a:p>
             <a:fld id="{439BD6C3-830F-9543-8A1D-F37F17474F11}" type="datetimeFigureOut">
               <a:rPr lang="en-US" smtClean="0"/>
-              <a:t>2/20/15</a:t>
+              <a:t>3/8/15</a:t>
             </a:fld>
             <a:endParaRPr lang="en-US"/>
           </a:p>
@@ -2727,7 +2740,7 @@
           <a:p>
             <a:fld id="{439BD6C3-830F-9543-8A1D-F37F17474F11}" type="datetimeFigureOut">
               <a:rPr lang="en-US" smtClean="0"/>
-              <a:t>2/20/15</a:t>
+              <a:t>3/8/15</a:t>
             </a:fld>
             <a:endParaRPr lang="en-US"/>
           </a:p>
@@ -3119,7 +3132,15 @@
           <a:p>
             <a:r>
               <a:rPr lang="en-US" dirty="0" smtClean="0"/>
-              <a:t>Coexistence of Heterogeneous Traffic in CDMA/CA Networks</a:t>
+              <a:t>Coexistence of Heterogeneous Traffic in </a:t>
+            </a:r>
+            <a:r>
+              <a:rPr lang="en-US" dirty="0" smtClean="0"/>
+              <a:t>CSMA</a:t>
+            </a:r>
+            <a:r>
+              <a:rPr lang="en-US" dirty="0" smtClean="0"/>
+              <a:t>/CA Networks</a:t>
             </a:r>
             <a:endParaRPr lang="en-US" dirty="0"/>
           </a:p>
@@ -3162,6 +3183,1248 @@
     <p:extLst>
       <p:ext uri="{BB962C8B-B14F-4D97-AF65-F5344CB8AC3E}">
         <p14:creationId xmlns:p14="http://schemas.microsoft.com/office/powerpoint/2010/main" val="508809771"/>
+      </p:ext>
+    </p:extLst>
+  </p:cSld>
+  <p:clrMapOvr>
+    <a:masterClrMapping/>
+  </p:clrMapOvr>
+</p:sld>
+</file>
+
+<file path=ppt/slides/slide10.xml><?xml version="1.0" encoding="utf-8"?>
+<p:sld xmlns:a="http://schemas.openxmlformats.org/drawingml/2006/main" xmlns:r="http://schemas.openxmlformats.org/officeDocument/2006/relationships" xmlns:p="http://schemas.openxmlformats.org/presentationml/2006/main">
+  <p:cSld>
+    <p:spTree>
+      <p:nvGrpSpPr>
+        <p:cNvPr id="1" name=""/>
+        <p:cNvGrpSpPr/>
+        <p:nvPr/>
+      </p:nvGrpSpPr>
+      <p:grpSpPr>
+        <a:xfrm>
+          <a:off x="0" y="0"/>
+          <a:ext cx="0" cy="0"/>
+          <a:chOff x="0" y="0"/>
+          <a:chExt cx="0" cy="0"/>
+        </a:xfrm>
+      </p:grpSpPr>
+      <p:sp>
+        <p:nvSpPr>
+          <p:cNvPr id="2" name="Title 1"/>
+          <p:cNvSpPr>
+            <a:spLocks noGrp="1"/>
+          </p:cNvSpPr>
+          <p:nvPr>
+            <p:ph type="title"/>
+          </p:nvPr>
+        </p:nvSpPr>
+        <p:spPr/>
+        <p:txBody>
+          <a:bodyPr/>
+          <a:lstStyle/>
+          <a:p>
+            <a:r>
+              <a:rPr lang="en-US" dirty="0" smtClean="0"/>
+              <a:t>Size Chain </a:t>
+            </a:r>
+            <a:r>
+              <a:rPr lang="en-US" dirty="0" err="1" smtClean="0"/>
+              <a:t>Blackbox</a:t>
+            </a:r>
+            <a:endParaRPr lang="en-US" dirty="0"/>
+          </a:p>
+        </p:txBody>
+      </p:sp>
+      <p:pic>
+        <p:nvPicPr>
+          <p:cNvPr id="4" name="Picture 3" descr="size_chain_old.png"/>
+          <p:cNvPicPr>
+            <a:picLocks noChangeAspect="1"/>
+          </p:cNvPicPr>
+          <p:nvPr/>
+        </p:nvPicPr>
+        <p:blipFill>
+          <a:blip r:embed="rId2">
+            <a:extLst>
+              <a:ext uri="{28A0092B-C50C-407E-A947-70E740481C1C}">
+                <a14:useLocalDpi xmlns:a14="http://schemas.microsoft.com/office/drawing/2010/main" val="0"/>
+              </a:ext>
+            </a:extLst>
+          </a:blip>
+          <a:stretch>
+            <a:fillRect/>
+          </a:stretch>
+        </p:blipFill>
+        <p:spPr>
+          <a:xfrm>
+            <a:off x="1474901" y="1205957"/>
+            <a:ext cx="4099536" cy="5058707"/>
+          </a:xfrm>
+          <a:prstGeom prst="rect">
+            <a:avLst/>
+          </a:prstGeom>
+        </p:spPr>
+      </p:pic>
+      <p:sp>
+        <p:nvSpPr>
+          <p:cNvPr id="5" name="TextBox 4"/>
+          <p:cNvSpPr txBox="1"/>
+          <p:nvPr/>
+        </p:nvSpPr>
+        <p:spPr>
+          <a:xfrm>
+            <a:off x="5709138" y="1417638"/>
+            <a:ext cx="2828710" cy="646331"/>
+          </a:xfrm>
+          <a:prstGeom prst="rect">
+            <a:avLst/>
+          </a:prstGeom>
+          <a:noFill/>
+        </p:spPr>
+        <p:txBody>
+          <a:bodyPr wrap="square" rtlCol="0">
+            <a:spAutoFit/>
+          </a:bodyPr>
+          <a:lstStyle/>
+          <a:p>
+            <a:r>
+              <a:rPr lang="en-US" dirty="0" smtClean="0"/>
+              <a:t>Equal probability of entering each chain</a:t>
+            </a:r>
+            <a:endParaRPr lang="en-US" dirty="0"/>
+          </a:p>
+        </p:txBody>
+      </p:sp>
+      <p:sp>
+        <p:nvSpPr>
+          <p:cNvPr id="6" name="TextBox 5"/>
+          <p:cNvSpPr txBox="1"/>
+          <p:nvPr/>
+        </p:nvSpPr>
+        <p:spPr>
+          <a:xfrm>
+            <a:off x="5574437" y="4812613"/>
+            <a:ext cx="3335040" cy="646331"/>
+          </a:xfrm>
+          <a:prstGeom prst="rect">
+            <a:avLst/>
+          </a:prstGeom>
+          <a:noFill/>
+        </p:spPr>
+        <p:txBody>
+          <a:bodyPr wrap="square" rtlCol="0">
+            <a:spAutoFit/>
+          </a:bodyPr>
+          <a:lstStyle/>
+          <a:p>
+            <a:r>
+              <a:rPr lang="en-US" dirty="0" smtClean="0"/>
+              <a:t>Exit transition probability is a function of the chain length</a:t>
+            </a:r>
+            <a:endParaRPr lang="en-US" dirty="0"/>
+          </a:p>
+        </p:txBody>
+      </p:sp>
+      <p:cxnSp>
+        <p:nvCxnSpPr>
+          <p:cNvPr id="8" name="Straight Arrow Connector 7"/>
+          <p:cNvCxnSpPr>
+            <a:stCxn id="5" idx="1"/>
+          </p:cNvCxnSpPr>
+          <p:nvPr/>
+        </p:nvCxnSpPr>
+        <p:spPr>
+          <a:xfrm flipH="1" flipV="1">
+            <a:off x="3665778" y="1510636"/>
+            <a:ext cx="2043360" cy="230168"/>
+          </a:xfrm>
+          <a:prstGeom prst="straightConnector1">
+            <a:avLst/>
+          </a:prstGeom>
+          <a:ln>
+            <a:tailEnd type="arrow"/>
+          </a:ln>
+        </p:spPr>
+        <p:style>
+          <a:lnRef idx="2">
+            <a:schemeClr val="accent1"/>
+          </a:lnRef>
+          <a:fillRef idx="0">
+            <a:schemeClr val="accent1"/>
+          </a:fillRef>
+          <a:effectRef idx="1">
+            <a:schemeClr val="accent1"/>
+          </a:effectRef>
+          <a:fontRef idx="minor">
+            <a:schemeClr val="tx1"/>
+          </a:fontRef>
+        </p:style>
+      </p:cxnSp>
+      <p:cxnSp>
+        <p:nvCxnSpPr>
+          <p:cNvPr id="10" name="Straight Arrow Connector 9"/>
+          <p:cNvCxnSpPr>
+            <a:stCxn id="6" idx="1"/>
+          </p:cNvCxnSpPr>
+          <p:nvPr/>
+        </p:nvCxnSpPr>
+        <p:spPr>
+          <a:xfrm flipH="1">
+            <a:off x="3665779" y="5135779"/>
+            <a:ext cx="1908658" cy="502647"/>
+          </a:xfrm>
+          <a:prstGeom prst="straightConnector1">
+            <a:avLst/>
+          </a:prstGeom>
+          <a:ln>
+            <a:tailEnd type="arrow"/>
+          </a:ln>
+        </p:spPr>
+        <p:style>
+          <a:lnRef idx="2">
+            <a:schemeClr val="accent1"/>
+          </a:lnRef>
+          <a:fillRef idx="0">
+            <a:schemeClr val="accent1"/>
+          </a:fillRef>
+          <a:effectRef idx="1">
+            <a:schemeClr val="accent1"/>
+          </a:effectRef>
+          <a:fontRef idx="minor">
+            <a:schemeClr val="tx1"/>
+          </a:fontRef>
+        </p:style>
+      </p:cxnSp>
+      <p:sp>
+        <p:nvSpPr>
+          <p:cNvPr id="13" name="TextBox 12"/>
+          <p:cNvSpPr txBox="1"/>
+          <p:nvPr/>
+        </p:nvSpPr>
+        <p:spPr>
+          <a:xfrm>
+            <a:off x="6184200" y="3429000"/>
+            <a:ext cx="2295922" cy="923330"/>
+          </a:xfrm>
+          <a:prstGeom prst="rect">
+            <a:avLst/>
+          </a:prstGeom>
+          <a:noFill/>
+        </p:spPr>
+        <p:txBody>
+          <a:bodyPr wrap="square" rtlCol="0">
+            <a:spAutoFit/>
+          </a:bodyPr>
+          <a:lstStyle/>
+          <a:p>
+            <a:r>
+              <a:rPr lang="en-US" dirty="0" smtClean="0"/>
+              <a:t>P(success)  = </a:t>
+            </a:r>
+            <a:r>
+              <a:rPr lang="en-US" dirty="0"/>
+              <a:t>(1 – p)^n </a:t>
+            </a:r>
+          </a:p>
+          <a:p>
+            <a:endParaRPr lang="en-US" dirty="0" smtClean="0"/>
+          </a:p>
+          <a:p>
+            <a:endParaRPr lang="en-US" dirty="0"/>
+          </a:p>
+        </p:txBody>
+      </p:sp>
+      <p:cxnSp>
+        <p:nvCxnSpPr>
+          <p:cNvPr id="15" name="Straight Connector 14"/>
+          <p:cNvCxnSpPr/>
+          <p:nvPr/>
+        </p:nvCxnSpPr>
+        <p:spPr>
+          <a:xfrm>
+            <a:off x="5301428" y="2549801"/>
+            <a:ext cx="398089" cy="0"/>
+          </a:xfrm>
+          <a:prstGeom prst="line">
+            <a:avLst/>
+          </a:prstGeom>
+        </p:spPr>
+        <p:style>
+          <a:lnRef idx="2">
+            <a:schemeClr val="accent1"/>
+          </a:lnRef>
+          <a:fillRef idx="0">
+            <a:schemeClr val="accent1"/>
+          </a:fillRef>
+          <a:effectRef idx="1">
+            <a:schemeClr val="accent1"/>
+          </a:effectRef>
+          <a:fontRef idx="minor">
+            <a:schemeClr val="tx1"/>
+          </a:fontRef>
+        </p:style>
+      </p:cxnSp>
+      <p:cxnSp>
+        <p:nvCxnSpPr>
+          <p:cNvPr id="16" name="Straight Connector 15"/>
+          <p:cNvCxnSpPr/>
+          <p:nvPr/>
+        </p:nvCxnSpPr>
+        <p:spPr>
+          <a:xfrm>
+            <a:off x="5301428" y="4769358"/>
+            <a:ext cx="398089" cy="0"/>
+          </a:xfrm>
+          <a:prstGeom prst="line">
+            <a:avLst/>
+          </a:prstGeom>
+        </p:spPr>
+        <p:style>
+          <a:lnRef idx="2">
+            <a:schemeClr val="accent1"/>
+          </a:lnRef>
+          <a:fillRef idx="0">
+            <a:schemeClr val="accent1"/>
+          </a:fillRef>
+          <a:effectRef idx="1">
+            <a:schemeClr val="accent1"/>
+          </a:effectRef>
+          <a:fontRef idx="minor">
+            <a:schemeClr val="tx1"/>
+          </a:fontRef>
+        </p:style>
+      </p:cxnSp>
+      <p:cxnSp>
+        <p:nvCxnSpPr>
+          <p:cNvPr id="18" name="Straight Connector 17"/>
+          <p:cNvCxnSpPr/>
+          <p:nvPr/>
+        </p:nvCxnSpPr>
+        <p:spPr>
+          <a:xfrm flipH="1">
+            <a:off x="5561204" y="2549801"/>
+            <a:ext cx="1" cy="2219557"/>
+          </a:xfrm>
+          <a:prstGeom prst="line">
+            <a:avLst/>
+          </a:prstGeom>
+        </p:spPr>
+        <p:style>
+          <a:lnRef idx="2">
+            <a:schemeClr val="accent1"/>
+          </a:lnRef>
+          <a:fillRef idx="0">
+            <a:schemeClr val="accent1"/>
+          </a:fillRef>
+          <a:effectRef idx="1">
+            <a:schemeClr val="accent1"/>
+          </a:effectRef>
+          <a:fontRef idx="minor">
+            <a:schemeClr val="tx1"/>
+          </a:fontRef>
+        </p:style>
+      </p:cxnSp>
+      <p:sp>
+        <p:nvSpPr>
+          <p:cNvPr id="20" name="Rectangle 19"/>
+          <p:cNvSpPr/>
+          <p:nvPr/>
+        </p:nvSpPr>
+        <p:spPr>
+          <a:xfrm>
+            <a:off x="5522184" y="3429000"/>
+            <a:ext cx="305943" cy="369332"/>
+          </a:xfrm>
+          <a:prstGeom prst="rect">
+            <a:avLst/>
+          </a:prstGeom>
+        </p:spPr>
+        <p:txBody>
+          <a:bodyPr wrap="none">
+            <a:spAutoFit/>
+          </a:bodyPr>
+          <a:lstStyle/>
+          <a:p>
+            <a:r>
+              <a:rPr lang="en-US" dirty="0" smtClean="0"/>
+              <a:t>n</a:t>
+            </a:r>
+            <a:endParaRPr lang="en-US" dirty="0"/>
+          </a:p>
+        </p:txBody>
+      </p:sp>
+    </p:spTree>
+    <p:extLst>
+      <p:ext uri="{BB962C8B-B14F-4D97-AF65-F5344CB8AC3E}">
+        <p14:creationId xmlns:p14="http://schemas.microsoft.com/office/powerpoint/2010/main" val="1260007286"/>
+      </p:ext>
+    </p:extLst>
+  </p:cSld>
+  <p:clrMapOvr>
+    <a:masterClrMapping/>
+  </p:clrMapOvr>
+</p:sld>
+</file>
+
+<file path=ppt/slides/slide11.xml><?xml version="1.0" encoding="utf-8"?>
+<p:sld xmlns:a="http://schemas.openxmlformats.org/drawingml/2006/main" xmlns:r="http://schemas.openxmlformats.org/officeDocument/2006/relationships" xmlns:p="http://schemas.openxmlformats.org/presentationml/2006/main">
+  <p:cSld>
+    <p:spTree>
+      <p:nvGrpSpPr>
+        <p:cNvPr id="1" name=""/>
+        <p:cNvGrpSpPr/>
+        <p:nvPr/>
+      </p:nvGrpSpPr>
+      <p:grpSpPr>
+        <a:xfrm>
+          <a:off x="0" y="0"/>
+          <a:ext cx="0" cy="0"/>
+          <a:chOff x="0" y="0"/>
+          <a:chExt cx="0" cy="0"/>
+        </a:xfrm>
+      </p:grpSpPr>
+      <p:sp>
+        <p:nvSpPr>
+          <p:cNvPr id="2" name="Title 1"/>
+          <p:cNvSpPr>
+            <a:spLocks noGrp="1"/>
+          </p:cNvSpPr>
+          <p:nvPr>
+            <p:ph type="title"/>
+          </p:nvPr>
+        </p:nvSpPr>
+        <p:spPr/>
+        <p:txBody>
+          <a:bodyPr/>
+          <a:lstStyle/>
+          <a:p>
+            <a:r>
+              <a:rPr lang="en-US" dirty="0" smtClean="0"/>
+              <a:t>Variable Packet Size</a:t>
+            </a:r>
+            <a:endParaRPr lang="en-US" dirty="0"/>
+          </a:p>
+        </p:txBody>
+      </p:sp>
+      <p:pic>
+        <p:nvPicPr>
+          <p:cNvPr id="4" name="Picture 3" descr="dcf_model_unsaturated_varpktsize.png"/>
+          <p:cNvPicPr>
+            <a:picLocks noChangeAspect="1"/>
+          </p:cNvPicPr>
+          <p:nvPr/>
+        </p:nvPicPr>
+        <p:blipFill>
+          <a:blip r:embed="rId2">
+            <a:extLst>
+              <a:ext uri="{28A0092B-C50C-407E-A947-70E740481C1C}">
+                <a14:useLocalDpi xmlns:a14="http://schemas.microsoft.com/office/drawing/2010/main" val="0"/>
+              </a:ext>
+            </a:extLst>
+          </a:blip>
+          <a:stretch>
+            <a:fillRect/>
+          </a:stretch>
+        </p:blipFill>
+        <p:spPr>
+          <a:xfrm>
+            <a:off x="1231393" y="1337442"/>
+            <a:ext cx="6869881" cy="5318498"/>
+          </a:xfrm>
+          <a:prstGeom prst="rect">
+            <a:avLst/>
+          </a:prstGeom>
+        </p:spPr>
+      </p:pic>
+    </p:spTree>
+    <p:extLst>
+      <p:ext uri="{BB962C8B-B14F-4D97-AF65-F5344CB8AC3E}">
+        <p14:creationId xmlns:p14="http://schemas.microsoft.com/office/powerpoint/2010/main" val="2057849949"/>
+      </p:ext>
+    </p:extLst>
+  </p:cSld>
+  <p:clrMapOvr>
+    <a:masterClrMapping/>
+  </p:clrMapOvr>
+</p:sld>
+</file>
+
+<file path=ppt/slides/slide12.xml><?xml version="1.0" encoding="utf-8"?>
+<p:sld xmlns:a="http://schemas.openxmlformats.org/drawingml/2006/main" xmlns:r="http://schemas.openxmlformats.org/officeDocument/2006/relationships" xmlns:p="http://schemas.openxmlformats.org/presentationml/2006/main">
+  <p:cSld>
+    <p:spTree>
+      <p:nvGrpSpPr>
+        <p:cNvPr id="1" name=""/>
+        <p:cNvGrpSpPr/>
+        <p:nvPr/>
+      </p:nvGrpSpPr>
+      <p:grpSpPr>
+        <a:xfrm>
+          <a:off x="0" y="0"/>
+          <a:ext cx="0" cy="0"/>
+          <a:chOff x="0" y="0"/>
+          <a:chExt cx="0" cy="0"/>
+        </a:xfrm>
+      </p:grpSpPr>
+      <p:pic>
+        <p:nvPicPr>
+          <p:cNvPr id="4" name="Picture 3" descr="dcf_model_unsaturated_varpktsize_interarrival.png"/>
+          <p:cNvPicPr>
+            <a:picLocks noChangeAspect="1"/>
+          </p:cNvPicPr>
+          <p:nvPr/>
+        </p:nvPicPr>
+        <p:blipFill>
+          <a:blip r:embed="rId2">
+            <a:extLst>
+              <a:ext uri="{28A0092B-C50C-407E-A947-70E740481C1C}">
+                <a14:useLocalDpi xmlns:a14="http://schemas.microsoft.com/office/drawing/2010/main" val="0"/>
+              </a:ext>
+            </a:extLst>
+          </a:blip>
+          <a:stretch>
+            <a:fillRect/>
+          </a:stretch>
+        </p:blipFill>
+        <p:spPr>
+          <a:xfrm>
+            <a:off x="1437970" y="1048786"/>
+            <a:ext cx="6153366" cy="5809214"/>
+          </a:xfrm>
+          <a:prstGeom prst="rect">
+            <a:avLst/>
+          </a:prstGeom>
+        </p:spPr>
+      </p:pic>
+      <p:sp>
+        <p:nvSpPr>
+          <p:cNvPr id="2" name="Title 1"/>
+          <p:cNvSpPr>
+            <a:spLocks noGrp="1"/>
+          </p:cNvSpPr>
+          <p:nvPr>
+            <p:ph type="title"/>
+          </p:nvPr>
+        </p:nvSpPr>
+        <p:spPr/>
+        <p:txBody>
+          <a:bodyPr/>
+          <a:lstStyle/>
+          <a:p>
+            <a:r>
+              <a:rPr lang="en-US" dirty="0" err="1" smtClean="0"/>
+              <a:t>Interarrival</a:t>
+            </a:r>
+            <a:r>
+              <a:rPr lang="en-US" dirty="0" smtClean="0"/>
+              <a:t> Time</a:t>
+            </a:r>
+            <a:endParaRPr lang="en-US" dirty="0"/>
+          </a:p>
+        </p:txBody>
+      </p:sp>
+    </p:spTree>
+    <p:extLst>
+      <p:ext uri="{BB962C8B-B14F-4D97-AF65-F5344CB8AC3E}">
+        <p14:creationId xmlns:p14="http://schemas.microsoft.com/office/powerpoint/2010/main" val="3186502486"/>
+      </p:ext>
+    </p:extLst>
+  </p:cSld>
+  <p:clrMapOvr>
+    <a:masterClrMapping/>
+  </p:clrMapOvr>
+</p:sld>
+</file>
+
+<file path=ppt/slides/slide13.xml><?xml version="1.0" encoding="utf-8"?>
+<p:sld xmlns:a="http://schemas.openxmlformats.org/drawingml/2006/main" xmlns:r="http://schemas.openxmlformats.org/officeDocument/2006/relationships" xmlns:p="http://schemas.openxmlformats.org/presentationml/2006/main">
+  <p:cSld>
+    <p:spTree>
+      <p:nvGrpSpPr>
+        <p:cNvPr id="1" name=""/>
+        <p:cNvGrpSpPr/>
+        <p:nvPr/>
+      </p:nvGrpSpPr>
+      <p:grpSpPr>
+        <a:xfrm>
+          <a:off x="0" y="0"/>
+          <a:ext cx="0" cy="0"/>
+          <a:chOff x="0" y="0"/>
+          <a:chExt cx="0" cy="0"/>
+        </a:xfrm>
+      </p:grpSpPr>
+      <p:sp>
+        <p:nvSpPr>
+          <p:cNvPr id="2" name="Title 1"/>
+          <p:cNvSpPr>
+            <a:spLocks noGrp="1"/>
+          </p:cNvSpPr>
+          <p:nvPr>
+            <p:ph type="title"/>
+          </p:nvPr>
+        </p:nvSpPr>
+        <p:spPr/>
+        <p:txBody>
+          <a:bodyPr/>
+          <a:lstStyle/>
+          <a:p>
+            <a:r>
+              <a:rPr lang="en-US" dirty="0" smtClean="0"/>
+              <a:t>Varying Packet Types</a:t>
+            </a:r>
+            <a:endParaRPr lang="en-US" dirty="0"/>
+          </a:p>
+        </p:txBody>
+      </p:sp>
+      <p:sp>
+        <p:nvSpPr>
+          <p:cNvPr id="3" name="Content Placeholder 2"/>
+          <p:cNvSpPr>
+            <a:spLocks noGrp="1"/>
+          </p:cNvSpPr>
+          <p:nvPr>
+            <p:ph idx="1"/>
+          </p:nvPr>
+        </p:nvSpPr>
+        <p:spPr/>
+        <p:txBody>
+          <a:bodyPr>
+            <a:normAutofit lnSpcReduction="10000"/>
+          </a:bodyPr>
+          <a:lstStyle/>
+          <a:p>
+            <a:r>
+              <a:rPr lang="en-US" dirty="0" smtClean="0"/>
+              <a:t>Packet types differ in size and frequency of arrival</a:t>
+            </a:r>
+          </a:p>
+          <a:p>
+            <a:pPr lvl="1"/>
+            <a:r>
+              <a:rPr lang="en-US" dirty="0" smtClean="0"/>
+              <a:t>E.g., video I packets are larger and less frequent than smaller D packets</a:t>
+            </a:r>
+          </a:p>
+          <a:p>
+            <a:r>
+              <a:rPr lang="en-US" dirty="0" smtClean="0"/>
+              <a:t>Each packet type has a “fixed” packet size, decided at the beginning of the lifetime of the packet</a:t>
+            </a:r>
+          </a:p>
+          <a:p>
+            <a:pPr lvl="1"/>
+            <a:endParaRPr lang="en-US" dirty="0" smtClean="0"/>
+          </a:p>
+          <a:p>
+            <a:r>
+              <a:rPr lang="en-US" dirty="0" smtClean="0"/>
+              <a:t>Packet type transitions are deterministic</a:t>
+            </a:r>
+          </a:p>
+        </p:txBody>
+      </p:sp>
+    </p:spTree>
+    <p:extLst>
+      <p:ext uri="{BB962C8B-B14F-4D97-AF65-F5344CB8AC3E}">
+        <p14:creationId xmlns:p14="http://schemas.microsoft.com/office/powerpoint/2010/main" val="1552303845"/>
+      </p:ext>
+    </p:extLst>
+  </p:cSld>
+  <p:clrMapOvr>
+    <a:masterClrMapping/>
+  </p:clrMapOvr>
+</p:sld>
+</file>
+
+<file path=ppt/slides/slide14.xml><?xml version="1.0" encoding="utf-8"?>
+<p:sld xmlns:a="http://schemas.openxmlformats.org/drawingml/2006/main" xmlns:r="http://schemas.openxmlformats.org/officeDocument/2006/relationships" xmlns:p="http://schemas.openxmlformats.org/presentationml/2006/main">
+  <p:cSld>
+    <p:spTree>
+      <p:nvGrpSpPr>
+        <p:cNvPr id="1" name=""/>
+        <p:cNvGrpSpPr/>
+        <p:nvPr/>
+      </p:nvGrpSpPr>
+      <p:grpSpPr>
+        <a:xfrm>
+          <a:off x="0" y="0"/>
+          <a:ext cx="0" cy="0"/>
+          <a:chOff x="0" y="0"/>
+          <a:chExt cx="0" cy="0"/>
+        </a:xfrm>
+      </p:grpSpPr>
+      <p:sp>
+        <p:nvSpPr>
+          <p:cNvPr id="2" name="Title 1"/>
+          <p:cNvSpPr>
+            <a:spLocks noGrp="1"/>
+          </p:cNvSpPr>
+          <p:nvPr>
+            <p:ph type="title"/>
+          </p:nvPr>
+        </p:nvSpPr>
+        <p:spPr/>
+        <p:txBody>
+          <a:bodyPr/>
+          <a:lstStyle/>
+          <a:p>
+            <a:r>
+              <a:rPr lang="en-US" dirty="0" smtClean="0"/>
+              <a:t>Web Traffic</a:t>
+            </a:r>
+            <a:endParaRPr lang="en-US" dirty="0"/>
+          </a:p>
+        </p:txBody>
+      </p:sp>
+      <p:sp>
+        <p:nvSpPr>
+          <p:cNvPr id="3" name="Content Placeholder 2"/>
+          <p:cNvSpPr>
+            <a:spLocks noGrp="1"/>
+          </p:cNvSpPr>
+          <p:nvPr>
+            <p:ph idx="1"/>
+          </p:nvPr>
+        </p:nvSpPr>
+        <p:spPr/>
+        <p:txBody>
+          <a:bodyPr/>
+          <a:lstStyle/>
+          <a:p>
+            <a:r>
+              <a:rPr lang="en-US" dirty="0" smtClean="0"/>
+              <a:t>Primary characteristics</a:t>
+            </a:r>
+          </a:p>
+          <a:p>
+            <a:pPr lvl="1"/>
+            <a:r>
+              <a:rPr lang="en-US" dirty="0" smtClean="0"/>
+              <a:t>Randomly sized packets</a:t>
+            </a:r>
+          </a:p>
+          <a:p>
+            <a:pPr lvl="1"/>
+            <a:r>
+              <a:rPr lang="en-US" dirty="0" smtClean="0"/>
+              <a:t>Random </a:t>
+            </a:r>
+            <a:r>
+              <a:rPr lang="en-US" dirty="0" err="1" smtClean="0"/>
+              <a:t>interarrival</a:t>
+            </a:r>
+            <a:r>
+              <a:rPr lang="en-US" dirty="0" smtClean="0"/>
+              <a:t> time</a:t>
+            </a:r>
+          </a:p>
+          <a:p>
+            <a:r>
+              <a:rPr lang="en-US" dirty="0" smtClean="0"/>
+              <a:t>Parameters to tune:</a:t>
+            </a:r>
+          </a:p>
+          <a:p>
+            <a:pPr lvl="1"/>
+            <a:r>
+              <a:rPr lang="en-US" dirty="0" smtClean="0"/>
+              <a:t>Packet size (random)</a:t>
+            </a:r>
+          </a:p>
+          <a:p>
+            <a:pPr lvl="1"/>
+            <a:r>
+              <a:rPr lang="en-US" dirty="0" err="1" smtClean="0"/>
+              <a:t>Interarrival</a:t>
+            </a:r>
+            <a:r>
+              <a:rPr lang="en-US" dirty="0" smtClean="0"/>
+              <a:t> time (random)</a:t>
+            </a:r>
+            <a:endParaRPr lang="en-US" dirty="0"/>
+          </a:p>
+        </p:txBody>
+      </p:sp>
+    </p:spTree>
+    <p:extLst>
+      <p:ext uri="{BB962C8B-B14F-4D97-AF65-F5344CB8AC3E}">
+        <p14:creationId xmlns:p14="http://schemas.microsoft.com/office/powerpoint/2010/main" val="289021001"/>
+      </p:ext>
+    </p:extLst>
+  </p:cSld>
+  <p:clrMapOvr>
+    <a:masterClrMapping/>
+  </p:clrMapOvr>
+</p:sld>
+</file>
+
+<file path=ppt/slides/slide15.xml><?xml version="1.0" encoding="utf-8"?>
+<p:sld xmlns:a="http://schemas.openxmlformats.org/drawingml/2006/main" xmlns:r="http://schemas.openxmlformats.org/officeDocument/2006/relationships" xmlns:p="http://schemas.openxmlformats.org/presentationml/2006/main">
+  <p:cSld>
+    <p:spTree>
+      <p:nvGrpSpPr>
+        <p:cNvPr id="1" name=""/>
+        <p:cNvGrpSpPr/>
+        <p:nvPr/>
+      </p:nvGrpSpPr>
+      <p:grpSpPr>
+        <a:xfrm>
+          <a:off x="0" y="0"/>
+          <a:ext cx="0" cy="0"/>
+          <a:chOff x="0" y="0"/>
+          <a:chExt cx="0" cy="0"/>
+        </a:xfrm>
+      </p:grpSpPr>
+      <p:sp>
+        <p:nvSpPr>
+          <p:cNvPr id="2" name="Title 1"/>
+          <p:cNvSpPr>
+            <a:spLocks noGrp="1"/>
+          </p:cNvSpPr>
+          <p:nvPr>
+            <p:ph type="title"/>
+          </p:nvPr>
+        </p:nvSpPr>
+        <p:spPr/>
+        <p:txBody>
+          <a:bodyPr/>
+          <a:lstStyle/>
+          <a:p>
+            <a:r>
+              <a:rPr lang="en-US" dirty="0" smtClean="0"/>
+              <a:t>Web Traffic Illustrated</a:t>
+            </a:r>
+            <a:endParaRPr lang="en-US" dirty="0"/>
+          </a:p>
+        </p:txBody>
+      </p:sp>
+      <p:sp>
+        <p:nvSpPr>
+          <p:cNvPr id="3" name="Content Placeholder 2"/>
+          <p:cNvSpPr>
+            <a:spLocks noGrp="1"/>
+          </p:cNvSpPr>
+          <p:nvPr>
+            <p:ph idx="1"/>
+          </p:nvPr>
+        </p:nvSpPr>
+        <p:spPr/>
+        <p:txBody>
+          <a:bodyPr/>
+          <a:lstStyle/>
+          <a:p>
+            <a:r>
+              <a:rPr lang="en-US" dirty="0" err="1"/>
+              <a:t>Timeseries</a:t>
+            </a:r>
+            <a:r>
+              <a:rPr lang="en-US" dirty="0"/>
+              <a:t> image here</a:t>
+            </a:r>
+          </a:p>
+          <a:p>
+            <a:endParaRPr lang="en-US" dirty="0"/>
+          </a:p>
+        </p:txBody>
+      </p:sp>
+    </p:spTree>
+    <p:extLst>
+      <p:ext uri="{BB962C8B-B14F-4D97-AF65-F5344CB8AC3E}">
+        <p14:creationId xmlns:p14="http://schemas.microsoft.com/office/powerpoint/2010/main" val="841357015"/>
+      </p:ext>
+    </p:extLst>
+  </p:cSld>
+  <p:clrMapOvr>
+    <a:masterClrMapping/>
+  </p:clrMapOvr>
+</p:sld>
+</file>
+
+<file path=ppt/slides/slide16.xml><?xml version="1.0" encoding="utf-8"?>
+<p:sld xmlns:a="http://schemas.openxmlformats.org/drawingml/2006/main" xmlns:r="http://schemas.openxmlformats.org/officeDocument/2006/relationships" xmlns:p="http://schemas.openxmlformats.org/presentationml/2006/main">
+  <p:cSld>
+    <p:spTree>
+      <p:nvGrpSpPr>
+        <p:cNvPr id="1" name=""/>
+        <p:cNvGrpSpPr/>
+        <p:nvPr/>
+      </p:nvGrpSpPr>
+      <p:grpSpPr>
+        <a:xfrm>
+          <a:off x="0" y="0"/>
+          <a:ext cx="0" cy="0"/>
+          <a:chOff x="0" y="0"/>
+          <a:chExt cx="0" cy="0"/>
+        </a:xfrm>
+      </p:grpSpPr>
+      <p:sp>
+        <p:nvSpPr>
+          <p:cNvPr id="2" name="Title 1"/>
+          <p:cNvSpPr>
+            <a:spLocks noGrp="1"/>
+          </p:cNvSpPr>
+          <p:nvPr>
+            <p:ph type="title"/>
+          </p:nvPr>
+        </p:nvSpPr>
+        <p:spPr/>
+        <p:txBody>
+          <a:bodyPr/>
+          <a:lstStyle/>
+          <a:p>
+            <a:r>
+              <a:rPr lang="en-US" dirty="0" smtClean="0"/>
+              <a:t>File Downloads</a:t>
+            </a:r>
+            <a:endParaRPr lang="en-US" dirty="0"/>
+          </a:p>
+        </p:txBody>
+      </p:sp>
+      <p:sp>
+        <p:nvSpPr>
+          <p:cNvPr id="3" name="Content Placeholder 2"/>
+          <p:cNvSpPr>
+            <a:spLocks noGrp="1"/>
+          </p:cNvSpPr>
+          <p:nvPr>
+            <p:ph idx="1"/>
+          </p:nvPr>
+        </p:nvSpPr>
+        <p:spPr/>
+        <p:txBody>
+          <a:bodyPr/>
+          <a:lstStyle/>
+          <a:p>
+            <a:r>
+              <a:rPr lang="en-US" dirty="0" smtClean="0"/>
+              <a:t>Primary characteristics:</a:t>
+            </a:r>
+          </a:p>
+          <a:p>
+            <a:pPr lvl="1"/>
+            <a:r>
+              <a:rPr lang="en-US" dirty="0" smtClean="0"/>
+              <a:t>Long periods of activity and long inter-burst time</a:t>
+            </a:r>
+          </a:p>
+          <a:p>
+            <a:pPr lvl="1"/>
+            <a:r>
+              <a:rPr lang="en-US" dirty="0" smtClean="0"/>
+              <a:t>Usually large packet sizes</a:t>
+            </a:r>
+          </a:p>
+          <a:p>
+            <a:r>
+              <a:rPr lang="en-US" dirty="0" smtClean="0"/>
+              <a:t>Parameters to tune:</a:t>
+            </a:r>
+          </a:p>
+          <a:p>
+            <a:pPr lvl="1"/>
+            <a:r>
+              <a:rPr lang="en-US" dirty="0" smtClean="0"/>
+              <a:t>Packet size (high)</a:t>
+            </a:r>
+          </a:p>
+          <a:p>
+            <a:pPr lvl="1"/>
+            <a:r>
+              <a:rPr lang="en-US" dirty="0" smtClean="0"/>
+              <a:t>Queue arrival time (long)</a:t>
+            </a:r>
+          </a:p>
+          <a:p>
+            <a:pPr lvl="1"/>
+            <a:r>
+              <a:rPr lang="en-US" dirty="0" err="1" smtClean="0"/>
+              <a:t>Interarrival</a:t>
+            </a:r>
+            <a:r>
+              <a:rPr lang="en-US" dirty="0" smtClean="0"/>
+              <a:t> time (short)</a:t>
+            </a:r>
+            <a:endParaRPr lang="en-US" dirty="0"/>
+          </a:p>
+        </p:txBody>
+      </p:sp>
+    </p:spTree>
+    <p:extLst>
+      <p:ext uri="{BB962C8B-B14F-4D97-AF65-F5344CB8AC3E}">
+        <p14:creationId xmlns:p14="http://schemas.microsoft.com/office/powerpoint/2010/main" val="3951976114"/>
+      </p:ext>
+    </p:extLst>
+  </p:cSld>
+  <p:clrMapOvr>
+    <a:masterClrMapping/>
+  </p:clrMapOvr>
+</p:sld>
+</file>
+
+<file path=ppt/slides/slide17.xml><?xml version="1.0" encoding="utf-8"?>
+<p:sld xmlns:a="http://schemas.openxmlformats.org/drawingml/2006/main" xmlns:r="http://schemas.openxmlformats.org/officeDocument/2006/relationships" xmlns:p="http://schemas.openxmlformats.org/presentationml/2006/main">
+  <p:cSld>
+    <p:spTree>
+      <p:nvGrpSpPr>
+        <p:cNvPr id="1" name=""/>
+        <p:cNvGrpSpPr/>
+        <p:nvPr/>
+      </p:nvGrpSpPr>
+      <p:grpSpPr>
+        <a:xfrm>
+          <a:off x="0" y="0"/>
+          <a:ext cx="0" cy="0"/>
+          <a:chOff x="0" y="0"/>
+          <a:chExt cx="0" cy="0"/>
+        </a:xfrm>
+      </p:grpSpPr>
+      <p:sp>
+        <p:nvSpPr>
+          <p:cNvPr id="2" name="Title 1"/>
+          <p:cNvSpPr>
+            <a:spLocks noGrp="1"/>
+          </p:cNvSpPr>
+          <p:nvPr>
+            <p:ph type="title"/>
+          </p:nvPr>
+        </p:nvSpPr>
+        <p:spPr/>
+        <p:txBody>
+          <a:bodyPr/>
+          <a:lstStyle/>
+          <a:p>
+            <a:r>
+              <a:rPr lang="en-US" dirty="0" smtClean="0"/>
+              <a:t>File Downloads Illustrated</a:t>
+            </a:r>
+            <a:endParaRPr lang="en-US" dirty="0"/>
+          </a:p>
+        </p:txBody>
+      </p:sp>
+      <p:sp>
+        <p:nvSpPr>
+          <p:cNvPr id="3" name="Content Placeholder 2"/>
+          <p:cNvSpPr>
+            <a:spLocks noGrp="1"/>
+          </p:cNvSpPr>
+          <p:nvPr>
+            <p:ph idx="1"/>
+          </p:nvPr>
+        </p:nvSpPr>
+        <p:spPr/>
+        <p:txBody>
+          <a:bodyPr/>
+          <a:lstStyle/>
+          <a:p>
+            <a:r>
+              <a:rPr lang="en-US" dirty="0" err="1"/>
+              <a:t>Timeseries</a:t>
+            </a:r>
+            <a:r>
+              <a:rPr lang="en-US" dirty="0"/>
+              <a:t> image here</a:t>
+            </a:r>
+          </a:p>
+          <a:p>
+            <a:endParaRPr lang="en-US" dirty="0"/>
+          </a:p>
+        </p:txBody>
+      </p:sp>
+    </p:spTree>
+    <p:extLst>
+      <p:ext uri="{BB962C8B-B14F-4D97-AF65-F5344CB8AC3E}">
+        <p14:creationId xmlns:p14="http://schemas.microsoft.com/office/powerpoint/2010/main" val="1134954466"/>
+      </p:ext>
+    </p:extLst>
+  </p:cSld>
+  <p:clrMapOvr>
+    <a:masterClrMapping/>
+  </p:clrMapOvr>
+</p:sld>
+</file>
+
+<file path=ppt/slides/slide18.xml><?xml version="1.0" encoding="utf-8"?>
+<p:sld xmlns:a="http://schemas.openxmlformats.org/drawingml/2006/main" xmlns:r="http://schemas.openxmlformats.org/officeDocument/2006/relationships" xmlns:p="http://schemas.openxmlformats.org/presentationml/2006/main">
+  <p:cSld>
+    <p:spTree>
+      <p:nvGrpSpPr>
+        <p:cNvPr id="1" name=""/>
+        <p:cNvGrpSpPr/>
+        <p:nvPr/>
+      </p:nvGrpSpPr>
+      <p:grpSpPr>
+        <a:xfrm>
+          <a:off x="0" y="0"/>
+          <a:ext cx="0" cy="0"/>
+          <a:chOff x="0" y="0"/>
+          <a:chExt cx="0" cy="0"/>
+        </a:xfrm>
+      </p:grpSpPr>
+      <p:sp>
+        <p:nvSpPr>
+          <p:cNvPr id="2" name="Title 1"/>
+          <p:cNvSpPr>
+            <a:spLocks noGrp="1"/>
+          </p:cNvSpPr>
+          <p:nvPr>
+            <p:ph type="title"/>
+          </p:nvPr>
+        </p:nvSpPr>
+        <p:spPr/>
+        <p:txBody>
+          <a:bodyPr/>
+          <a:lstStyle/>
+          <a:p>
+            <a:r>
+              <a:rPr lang="en-US" dirty="0" smtClean="0"/>
+              <a:t>Multimedia Traffic</a:t>
+            </a:r>
+            <a:endParaRPr lang="en-US" dirty="0"/>
+          </a:p>
+        </p:txBody>
+      </p:sp>
+      <p:sp>
+        <p:nvSpPr>
+          <p:cNvPr id="3" name="Content Placeholder 2"/>
+          <p:cNvSpPr>
+            <a:spLocks noGrp="1"/>
+          </p:cNvSpPr>
+          <p:nvPr>
+            <p:ph idx="1"/>
+          </p:nvPr>
+        </p:nvSpPr>
+        <p:spPr/>
+        <p:txBody>
+          <a:bodyPr/>
+          <a:lstStyle/>
+          <a:p>
+            <a:r>
+              <a:rPr lang="en-US" dirty="0" smtClean="0"/>
+              <a:t>Primary characteristics:</a:t>
+            </a:r>
+          </a:p>
+          <a:p>
+            <a:pPr lvl="1"/>
+            <a:r>
+              <a:rPr lang="en-US" dirty="0" smtClean="0"/>
+              <a:t>Streams of different types of packets, each of a different length</a:t>
+            </a:r>
+          </a:p>
+          <a:p>
+            <a:pPr lvl="2"/>
+            <a:r>
+              <a:rPr lang="en-US" dirty="0" smtClean="0"/>
+              <a:t>E.g., Big I frames (packets) and many small D packets</a:t>
+            </a:r>
+          </a:p>
+          <a:p>
+            <a:r>
+              <a:rPr lang="en-US" dirty="0" smtClean="0"/>
+              <a:t>Parameters to tune:</a:t>
+            </a:r>
+          </a:p>
+          <a:p>
+            <a:pPr lvl="1"/>
+            <a:r>
+              <a:rPr lang="en-US" dirty="0" smtClean="0"/>
+              <a:t>Packet size</a:t>
+            </a:r>
+          </a:p>
+          <a:p>
+            <a:pPr lvl="1"/>
+            <a:r>
+              <a:rPr lang="en-US" dirty="0" smtClean="0"/>
+              <a:t>Packet type</a:t>
+            </a:r>
+            <a:endParaRPr lang="en-US" dirty="0"/>
+          </a:p>
+        </p:txBody>
+      </p:sp>
+    </p:spTree>
+    <p:extLst>
+      <p:ext uri="{BB962C8B-B14F-4D97-AF65-F5344CB8AC3E}">
+        <p14:creationId xmlns:p14="http://schemas.microsoft.com/office/powerpoint/2010/main" val="1352096163"/>
+      </p:ext>
+    </p:extLst>
+  </p:cSld>
+  <p:clrMapOvr>
+    <a:masterClrMapping/>
+  </p:clrMapOvr>
+</p:sld>
+</file>
+
+<file path=ppt/slides/slide19.xml><?xml version="1.0" encoding="utf-8"?>
+<p:sld xmlns:a="http://schemas.openxmlformats.org/drawingml/2006/main" xmlns:r="http://schemas.openxmlformats.org/officeDocument/2006/relationships" xmlns:p="http://schemas.openxmlformats.org/presentationml/2006/main">
+  <p:cSld>
+    <p:spTree>
+      <p:nvGrpSpPr>
+        <p:cNvPr id="1" name=""/>
+        <p:cNvGrpSpPr/>
+        <p:nvPr/>
+      </p:nvGrpSpPr>
+      <p:grpSpPr>
+        <a:xfrm>
+          <a:off x="0" y="0"/>
+          <a:ext cx="0" cy="0"/>
+          <a:chOff x="0" y="0"/>
+          <a:chExt cx="0" cy="0"/>
+        </a:xfrm>
+      </p:grpSpPr>
+      <p:sp>
+        <p:nvSpPr>
+          <p:cNvPr id="2" name="Title 1"/>
+          <p:cNvSpPr>
+            <a:spLocks noGrp="1"/>
+          </p:cNvSpPr>
+          <p:nvPr>
+            <p:ph type="title"/>
+          </p:nvPr>
+        </p:nvSpPr>
+        <p:spPr/>
+        <p:txBody>
+          <a:bodyPr/>
+          <a:lstStyle/>
+          <a:p>
+            <a:r>
+              <a:rPr lang="en-US" dirty="0" smtClean="0"/>
+              <a:t>Multimedia Illustrated</a:t>
+            </a:r>
+            <a:endParaRPr lang="en-US" dirty="0"/>
+          </a:p>
+        </p:txBody>
+      </p:sp>
+      <p:sp>
+        <p:nvSpPr>
+          <p:cNvPr id="3" name="Content Placeholder 2"/>
+          <p:cNvSpPr>
+            <a:spLocks noGrp="1"/>
+          </p:cNvSpPr>
+          <p:nvPr>
+            <p:ph idx="1"/>
+          </p:nvPr>
+        </p:nvSpPr>
+        <p:spPr/>
+        <p:txBody>
+          <a:bodyPr/>
+          <a:lstStyle/>
+          <a:p>
+            <a:r>
+              <a:rPr lang="en-US" dirty="0" err="1" smtClean="0"/>
+              <a:t>Timeseries</a:t>
+            </a:r>
+            <a:r>
+              <a:rPr lang="en-US" dirty="0" smtClean="0"/>
+              <a:t> image here</a:t>
+            </a:r>
+            <a:endParaRPr lang="en-US" dirty="0"/>
+          </a:p>
+        </p:txBody>
+      </p:sp>
+    </p:spTree>
+    <p:extLst>
+      <p:ext uri="{BB962C8B-B14F-4D97-AF65-F5344CB8AC3E}">
+        <p14:creationId xmlns:p14="http://schemas.microsoft.com/office/powerpoint/2010/main" val="807016509"/>
       </p:ext>
     </p:extLst>
   </p:cSld>
@@ -3291,6 +4554,193 @@
 </p:sld>
 </file>
 
+<file path=ppt/slides/slide20.xml><?xml version="1.0" encoding="utf-8"?>
+<p:sld xmlns:a="http://schemas.openxmlformats.org/drawingml/2006/main" xmlns:r="http://schemas.openxmlformats.org/officeDocument/2006/relationships" xmlns:p="http://schemas.openxmlformats.org/presentationml/2006/main">
+  <p:cSld>
+    <p:spTree>
+      <p:nvGrpSpPr>
+        <p:cNvPr id="1" name=""/>
+        <p:cNvGrpSpPr/>
+        <p:nvPr/>
+      </p:nvGrpSpPr>
+      <p:grpSpPr>
+        <a:xfrm>
+          <a:off x="0" y="0"/>
+          <a:ext cx="0" cy="0"/>
+          <a:chOff x="0" y="0"/>
+          <a:chExt cx="0" cy="0"/>
+        </a:xfrm>
+      </p:grpSpPr>
+      <p:sp>
+        <p:nvSpPr>
+          <p:cNvPr id="2" name="Title 1"/>
+          <p:cNvSpPr>
+            <a:spLocks noGrp="1"/>
+          </p:cNvSpPr>
+          <p:nvPr>
+            <p:ph type="title"/>
+          </p:nvPr>
+        </p:nvSpPr>
+        <p:spPr/>
+        <p:txBody>
+          <a:bodyPr/>
+          <a:lstStyle/>
+          <a:p>
+            <a:r>
+              <a:rPr lang="en-US" dirty="0" smtClean="0"/>
+              <a:t>Experimental Metrics</a:t>
+            </a:r>
+            <a:endParaRPr lang="en-US" dirty="0"/>
+          </a:p>
+        </p:txBody>
+      </p:sp>
+      <p:sp>
+        <p:nvSpPr>
+          <p:cNvPr id="3" name="Content Placeholder 2"/>
+          <p:cNvSpPr>
+            <a:spLocks noGrp="1"/>
+          </p:cNvSpPr>
+          <p:nvPr>
+            <p:ph idx="1"/>
+          </p:nvPr>
+        </p:nvSpPr>
+        <p:spPr/>
+        <p:txBody>
+          <a:bodyPr/>
+          <a:lstStyle/>
+          <a:p>
+            <a:r>
+              <a:rPr lang="en-US" dirty="0" smtClean="0"/>
+              <a:t>Average and individual node:</a:t>
+            </a:r>
+          </a:p>
+          <a:p>
+            <a:pPr lvl="1"/>
+            <a:r>
+              <a:rPr lang="en-US" dirty="0" smtClean="0"/>
+              <a:t>Throughput (cumulative and variance)</a:t>
+            </a:r>
+          </a:p>
+          <a:p>
+            <a:pPr lvl="1"/>
+            <a:r>
+              <a:rPr lang="en-US" dirty="0" smtClean="0"/>
+              <a:t>Idle time (</a:t>
+            </a:r>
+            <a:r>
+              <a:rPr lang="en-US" dirty="0" err="1" smtClean="0"/>
+              <a:t>backoff</a:t>
+            </a:r>
+            <a:r>
+              <a:rPr lang="en-US" dirty="0" smtClean="0"/>
+              <a:t>, post-</a:t>
+            </a:r>
+            <a:r>
+              <a:rPr lang="en-US" dirty="0" err="1" smtClean="0"/>
+              <a:t>backoff</a:t>
+            </a:r>
+            <a:r>
+              <a:rPr lang="en-US" dirty="0" smtClean="0"/>
+              <a:t>)</a:t>
+            </a:r>
+          </a:p>
+          <a:p>
+            <a:pPr lvl="1"/>
+            <a:r>
+              <a:rPr lang="en-US" dirty="0" smtClean="0"/>
+              <a:t>Packet transmit probability</a:t>
+            </a:r>
+          </a:p>
+          <a:p>
+            <a:pPr lvl="1"/>
+            <a:r>
+              <a:rPr lang="en-US" dirty="0" smtClean="0"/>
+              <a:t>Packet loss probability</a:t>
+            </a:r>
+          </a:p>
+        </p:txBody>
+      </p:sp>
+    </p:spTree>
+    <p:extLst>
+      <p:ext uri="{BB962C8B-B14F-4D97-AF65-F5344CB8AC3E}">
+        <p14:creationId xmlns:p14="http://schemas.microsoft.com/office/powerpoint/2010/main" val="2065468025"/>
+      </p:ext>
+    </p:extLst>
+  </p:cSld>
+  <p:clrMapOvr>
+    <a:masterClrMapping/>
+  </p:clrMapOvr>
+</p:sld>
+</file>
+
+<file path=ppt/slides/slide21.xml><?xml version="1.0" encoding="utf-8"?>
+<p:sld xmlns:a="http://schemas.openxmlformats.org/drawingml/2006/main" xmlns:r="http://schemas.openxmlformats.org/officeDocument/2006/relationships" xmlns:p="http://schemas.openxmlformats.org/presentationml/2006/main">
+  <p:cSld>
+    <p:spTree>
+      <p:nvGrpSpPr>
+        <p:cNvPr id="1" name=""/>
+        <p:cNvGrpSpPr/>
+        <p:nvPr/>
+      </p:nvGrpSpPr>
+      <p:grpSpPr>
+        <a:xfrm>
+          <a:off x="0" y="0"/>
+          <a:ext cx="0" cy="0"/>
+          <a:chOff x="0" y="0"/>
+          <a:chExt cx="0" cy="0"/>
+        </a:xfrm>
+      </p:grpSpPr>
+      <p:sp>
+        <p:nvSpPr>
+          <p:cNvPr id="2" name="Title 1"/>
+          <p:cNvSpPr>
+            <a:spLocks noGrp="1"/>
+          </p:cNvSpPr>
+          <p:nvPr>
+            <p:ph type="title"/>
+          </p:nvPr>
+        </p:nvSpPr>
+        <p:spPr/>
+        <p:txBody>
+          <a:bodyPr/>
+          <a:lstStyle/>
+          <a:p>
+            <a:endParaRPr lang="en-US"/>
+          </a:p>
+        </p:txBody>
+      </p:sp>
+      <p:sp>
+        <p:nvSpPr>
+          <p:cNvPr id="3" name="Content Placeholder 2"/>
+          <p:cNvSpPr>
+            <a:spLocks noGrp="1"/>
+          </p:cNvSpPr>
+          <p:nvPr>
+            <p:ph idx="1"/>
+          </p:nvPr>
+        </p:nvSpPr>
+        <p:spPr/>
+        <p:txBody>
+          <a:bodyPr/>
+          <a:lstStyle/>
+          <a:p>
+            <a:endParaRPr lang="en-US"/>
+          </a:p>
+        </p:txBody>
+      </p:sp>
+    </p:spTree>
+    <p:extLst>
+      <p:ext uri="{BB962C8B-B14F-4D97-AF65-F5344CB8AC3E}">
+        <p14:creationId xmlns:p14="http://schemas.microsoft.com/office/powerpoint/2010/main" val="2793871312"/>
+      </p:ext>
+    </p:extLst>
+  </p:cSld>
+  <p:clrMapOvr>
+    <a:masterClrMapping/>
+  </p:clrMapOvr>
+</p:sld>
+</file>
+
 <file path=ppt/slides/slide3.xml><?xml version="1.0" encoding="utf-8"?>
 <p:sld xmlns:a="http://schemas.openxmlformats.org/drawingml/2006/main" xmlns:r="http://schemas.openxmlformats.org/officeDocument/2006/relationships" xmlns:p="http://schemas.openxmlformats.org/presentationml/2006/main">
   <p:cSld>
@@ -3364,27 +4814,40 @@
             <a:pPr lvl="1"/>
             <a:r>
               <a:rPr lang="en-US" dirty="0" smtClean="0"/>
+              <a:t>Web </a:t>
+            </a:r>
+            <a:r>
+              <a:rPr lang="en-US" dirty="0" smtClean="0"/>
+              <a:t>browsing</a:t>
+            </a:r>
+          </a:p>
+          <a:p>
+            <a:pPr lvl="1"/>
+            <a:r>
+              <a:rPr lang="en-US" dirty="0" smtClean="0"/>
+              <a:t>File </a:t>
+            </a:r>
+            <a:r>
+              <a:rPr lang="en-US" dirty="0" smtClean="0"/>
+              <a:t>downloads</a:t>
+            </a:r>
+          </a:p>
+          <a:p>
+            <a:pPr lvl="1"/>
+            <a:r>
+              <a:rPr lang="en-US" dirty="0" smtClean="0"/>
               <a:t>VoIP (e.g., Skype)</a:t>
             </a:r>
-          </a:p>
-          <a:p>
-            <a:pPr lvl="1"/>
-            <a:r>
-              <a:rPr lang="en-US" dirty="0" smtClean="0"/>
-              <a:t>Web browsing</a:t>
-            </a:r>
-          </a:p>
-          <a:p>
-            <a:pPr lvl="1"/>
-            <a:r>
-              <a:rPr lang="en-US" dirty="0" smtClean="0"/>
-              <a:t>File downloads</a:t>
-            </a:r>
-          </a:p>
-          <a:p>
-            <a:r>
-              <a:rPr lang="en-US" dirty="0" smtClean="0"/>
-              <a:t>New traffic types vary in packet size, </a:t>
+            <a:endParaRPr lang="en-US" dirty="0" smtClean="0"/>
+          </a:p>
+          <a:p>
+            <a:r>
+              <a:rPr lang="en-US" dirty="0" smtClean="0"/>
+              <a:t>New </a:t>
+            </a:r>
+            <a:r>
+              <a:rPr lang="en-US" dirty="0" smtClean="0"/>
+              <a:t>traffic types vary in packet size, </a:t>
             </a:r>
             <a:r>
               <a:rPr lang="en-US" dirty="0" err="1" smtClean="0"/>
@@ -3482,7 +4945,7 @@
         <p:spPr/>
         <p:txBody>
           <a:bodyPr>
-            <a:normAutofit/>
+            <a:normAutofit fontScale="92500"/>
           </a:bodyPr>
           <a:lstStyle/>
           <a:p>
@@ -3492,7 +4955,15 @@
             </a:r>
             <a:r>
               <a:rPr lang="en-US" dirty="0" smtClean="0"/>
-              <a:t>: How does the performance of CSMA/CD vary with increasingly heterogeneous traffic?</a:t>
+              <a:t>: How does the performance of CSMA/</a:t>
+            </a:r>
+            <a:r>
+              <a:rPr lang="en-US" dirty="0" smtClean="0"/>
+              <a:t>CA </a:t>
+            </a:r>
+            <a:r>
+              <a:rPr lang="en-US" dirty="0" smtClean="0"/>
+              <a:t>vary with increasingly heterogeneous traffic?</a:t>
             </a:r>
           </a:p>
           <a:p>
@@ -3520,7 +4991,25 @@
               <a:rPr lang="en-US" dirty="0" smtClean="0"/>
               <a:t>?</a:t>
             </a:r>
-            <a:endParaRPr lang="en-US" dirty="0"/>
+          </a:p>
+          <a:p>
+            <a:r>
+              <a:rPr lang="en-US" b="1" dirty="0" smtClean="0"/>
+              <a:t>Question 3:</a:t>
+            </a:r>
+            <a:r>
+              <a:rPr lang="en-US" dirty="0" smtClean="0"/>
+              <a:t> Should </a:t>
+            </a:r>
+            <a:r>
+              <a:rPr lang="en-US" dirty="0" err="1" smtClean="0"/>
+              <a:t>backoffs</a:t>
+            </a:r>
+            <a:r>
+              <a:rPr lang="en-US" dirty="0" smtClean="0"/>
+              <a:t> be tailored to the type of traffic?</a:t>
+            </a:r>
+            <a:endParaRPr lang="en-US" b="1" dirty="0"/>
           </a:p>
         </p:txBody>
       </p:sp>
@@ -3571,7 +5060,7 @@
           <a:p>
             <a:r>
               <a:rPr lang="en-US" dirty="0" smtClean="0"/>
-              <a:t>Problem Approach</a:t>
+              <a:t>Research Approach</a:t>
             </a:r>
             <a:endParaRPr lang="en-US" dirty="0"/>
           </a:p>
@@ -3713,7 +5202,7 @@
         <p:spPr/>
         <p:txBody>
           <a:bodyPr>
-            <a:normAutofit fontScale="77500" lnSpcReduction="20000"/>
+            <a:normAutofit fontScale="85000" lnSpcReduction="10000"/>
           </a:bodyPr>
           <a:lstStyle/>
           <a:p>
@@ -3778,11 +5267,19 @@
             </a:r>
             <a:r>
               <a:rPr lang="en-US" dirty="0"/>
-              <a:t> is uniformly in the range ($0, w-1$</a:t>
-            </a:r>
-            <a:r>
-              <a:rPr lang="en-US" dirty="0" smtClean="0"/>
-              <a:t>)</a:t>
+              <a:t> is uniformly in the range </a:t>
+            </a:r>
+            <a:r>
+              <a:rPr lang="en-US" dirty="0" smtClean="0"/>
+              <a:t>(0</a:t>
+            </a:r>
+            <a:r>
+              <a:rPr lang="en-US" dirty="0"/>
+              <a:t>, w-</a:t>
+            </a:r>
+            <a:r>
+              <a:rPr lang="en-US" dirty="0" smtClean="0"/>
+              <a:t>1)</a:t>
             </a:r>
             <a:endParaRPr lang="en-US" dirty="0"/>
           </a:p>
@@ -3794,7 +5291,31 @@
             </a:r>
             <a:r>
               <a:rPr lang="en-US" dirty="0"/>
-              <a:t>window $w$ is set to $W_{min}$ to begin, and upon every failure, the </a:t>
+              <a:t>window </a:t>
+            </a:r>
+            <a:r>
+              <a:rPr lang="en-US" dirty="0" smtClean="0"/>
+              <a:t>w </a:t>
+            </a:r>
+            <a:r>
+              <a:rPr lang="en-US" dirty="0"/>
+              <a:t>is set to </a:t>
+            </a:r>
+            <a:r>
+              <a:rPr lang="en-US" dirty="0" err="1" smtClean="0"/>
+              <a:t>W</a:t>
+            </a:r>
+            <a:r>
+              <a:rPr lang="en-US" baseline="-25000" dirty="0" err="1" smtClean="0"/>
+              <a:t>min</a:t>
+            </a:r>
+            <a:r>
+              <a:rPr lang="en-US" dirty="0" smtClean="0"/>
+              <a:t> </a:t>
+            </a:r>
+            <a:r>
+              <a:rPr lang="en-US" dirty="0"/>
+              <a:t>to begin, and upon every failure, the </a:t>
             </a:r>
             <a:r>
               <a:rPr lang="en-US" dirty="0" err="1"/>
@@ -3810,19 +5331,11 @@
             <a:pPr lvl="1"/>
             <a:r>
               <a:rPr lang="en-US" dirty="0" smtClean="0"/>
-              <a:t>At </a:t>
+              <a:t>The </a:t>
             </a:r>
             <a:r>
               <a:rPr lang="en-US" dirty="0"/>
-              <a:t>stage $</a:t>
-            </a:r>
-            <a:r>
-              <a:rPr lang="en-US" dirty="0" err="1"/>
-              <a:t>i</a:t>
-            </a:r>
-            <a:r>
-              <a:rPr lang="en-US" dirty="0"/>
-              <a:t>$, the </a:t>
+              <a:t>maximum </a:t>
             </a:r>
             <a:r>
               <a:rPr lang="en-US" dirty="0" err="1"/>
@@ -3830,38 +5343,90 @@
             </a:r>
             <a:r>
               <a:rPr lang="en-US" dirty="0"/>
-              <a:t> timer is $2^iW_{min}$. </a:t>
+              <a:t> is bounded by </a:t>
+            </a:r>
+            <a:r>
+              <a:rPr lang="en-US" dirty="0" err="1" smtClean="0"/>
+              <a:t>W</a:t>
+            </a:r>
+            <a:r>
+              <a:rPr lang="en-US" baseline="-25000" dirty="0" err="1" smtClean="0"/>
+              <a:t>max</a:t>
+            </a:r>
+            <a:r>
+              <a:rPr lang="en-US" dirty="0" smtClean="0"/>
+              <a:t> </a:t>
+            </a:r>
+            <a:r>
+              <a:rPr lang="en-US" dirty="0"/>
+              <a:t>= </a:t>
+            </a:r>
+            <a:r>
+              <a:rPr lang="en-US" dirty="0" smtClean="0"/>
+              <a:t>2</a:t>
+            </a:r>
+            <a:r>
+              <a:rPr lang="en-US" baseline="30000" dirty="0" smtClean="0"/>
+              <a:t>m</a:t>
+            </a:r>
+            <a:r>
+              <a:rPr lang="en-US" dirty="0" smtClean="0"/>
+              <a:t>W</a:t>
+            </a:r>
+            <a:r>
+              <a:rPr lang="en-US" baseline="-25000" dirty="0" smtClean="0"/>
+              <a:t>min</a:t>
+            </a:r>
+            <a:r>
+              <a:rPr lang="en-US" dirty="0" smtClean="0"/>
+              <a:t>. </a:t>
             </a:r>
             <a:endParaRPr lang="en-US" dirty="0" smtClean="0"/>
           </a:p>
           <a:p>
-            <a:pPr lvl="1"/>
-            <a:r>
-              <a:rPr lang="en-US" dirty="0" smtClean="0"/>
-              <a:t>The </a:t>
+            <a:r>
+              <a:rPr lang="en-US" dirty="0" smtClean="0"/>
+              <a:t>Selections </a:t>
             </a:r>
             <a:r>
               <a:rPr lang="en-US" dirty="0"/>
-              <a:t>maximum </a:t>
+              <a:t>of </a:t>
             </a:r>
             <a:r>
               <a:rPr lang="en-US" dirty="0" err="1"/>
-              <a:t>backoff</a:t>
+              <a:t>W</a:t>
+            </a:r>
+            <a:r>
+              <a:rPr lang="en-US" baseline="-25000" dirty="0" err="1"/>
+              <a:t>min</a:t>
             </a:r>
             <a:r>
               <a:rPr lang="en-US" dirty="0"/>
-              <a:t> is bounded by $W_{max} = 2^mW_{min}$. </a:t>
-            </a:r>
-            <a:endParaRPr lang="en-US" dirty="0" smtClean="0"/>
-          </a:p>
-          <a:p>
-            <a:r>
-              <a:rPr lang="en-US" dirty="0" smtClean="0"/>
-              <a:t>Selections </a:t>
+              <a:t> </a:t>
+            </a:r>
+            <a:r>
+              <a:rPr lang="en-US" dirty="0" smtClean="0"/>
+              <a:t>and </a:t>
+            </a:r>
+            <a:r>
+              <a:rPr lang="en-US" dirty="0" err="1"/>
+              <a:t>W</a:t>
+            </a:r>
+            <a:r>
+              <a:rPr lang="en-US" baseline="-25000" dirty="0" err="1"/>
+              <a:t>max</a:t>
+            </a:r>
+            <a:r>
+              <a:rPr lang="en-US" dirty="0" err="1" smtClean="0"/>
+              <a:t>are</a:t>
+            </a:r>
+            <a:r>
+              <a:rPr lang="en-US" dirty="0" smtClean="0"/>
+              <a:t> </a:t>
             </a:r>
             <a:r>
               <a:rPr lang="en-US" dirty="0"/>
-              <a:t>of $W_{min}$ and $W_{max}$ are dependent upon the physical layer specifications in the 802.11 </a:t>
+              <a:t>dependent upon the physical layer specifications in the 802.11 </a:t>
             </a:r>
             <a:r>
               <a:rPr lang="en-US" dirty="0" smtClean="0"/>
@@ -3913,42 +5478,125 @@
         </p:nvSpPr>
         <p:spPr/>
         <p:txBody>
+          <a:bodyPr/>
+          <a:lstStyle/>
+          <a:p>
+            <a:r>
+              <a:rPr lang="en-US" dirty="0" smtClean="0"/>
+              <a:t>Traffic Models</a:t>
+            </a:r>
+            <a:endParaRPr lang="en-US" dirty="0"/>
+          </a:p>
+        </p:txBody>
+      </p:sp>
+      <p:sp>
+        <p:nvSpPr>
+          <p:cNvPr id="3" name="Content Placeholder 2"/>
+          <p:cNvSpPr>
+            <a:spLocks noGrp="1"/>
+          </p:cNvSpPr>
+          <p:nvPr>
+            <p:ph idx="1"/>
+          </p:nvPr>
+        </p:nvSpPr>
+        <p:spPr/>
+        <p:txBody>
           <a:bodyPr>
-            <a:normAutofit fontScale="90000"/>
+            <a:normAutofit fontScale="85000" lnSpcReduction="20000"/>
           </a:bodyPr>
           <a:lstStyle/>
           <a:p>
             <a:r>
               <a:rPr lang="en-US" dirty="0" smtClean="0"/>
-              <a:t>The DCF Model with Saturated Traffic</a:t>
-            </a:r>
-            <a:endParaRPr lang="en-US" dirty="0"/>
-          </a:p>
-        </p:txBody>
-      </p:sp>
-      <p:sp>
-        <p:nvSpPr>
-          <p:cNvPr id="3" name="Content Placeholder 2"/>
-          <p:cNvSpPr>
-            <a:spLocks noGrp="1"/>
-          </p:cNvSpPr>
-          <p:nvPr>
-            <p:ph idx="1"/>
-          </p:nvPr>
-        </p:nvSpPr>
-        <p:spPr/>
-        <p:txBody>
-          <a:bodyPr/>
-          <a:lstStyle/>
-          <a:p>
-            <a:endParaRPr lang="en-US" dirty="0"/>
+              <a:t>We focus on three types of traffic</a:t>
+            </a:r>
+          </a:p>
+          <a:p>
+            <a:pPr lvl="1"/>
+            <a:r>
+              <a:rPr lang="en-US" dirty="0" smtClean="0"/>
+              <a:t>Multimedia</a:t>
+            </a:r>
+          </a:p>
+          <a:p>
+            <a:pPr lvl="1"/>
+            <a:r>
+              <a:rPr lang="en-US" dirty="0" smtClean="0"/>
+              <a:t>Web browsing</a:t>
+            </a:r>
+          </a:p>
+          <a:p>
+            <a:pPr lvl="1"/>
+            <a:r>
+              <a:rPr lang="en-US" dirty="0" smtClean="0"/>
+              <a:t>File downloads</a:t>
+            </a:r>
+          </a:p>
+          <a:p>
+            <a:r>
+              <a:rPr lang="en-US" dirty="0" smtClean="0"/>
+              <a:t>Each traffic can be characterized according to</a:t>
+            </a:r>
+          </a:p>
+          <a:p>
+            <a:pPr lvl="1"/>
+            <a:r>
+              <a:rPr lang="en-US" dirty="0" smtClean="0"/>
+              <a:t>Packet size </a:t>
+            </a:r>
+          </a:p>
+          <a:p>
+            <a:pPr lvl="1"/>
+            <a:r>
+              <a:rPr lang="en-US" dirty="0" err="1" smtClean="0"/>
+              <a:t>Interarrival</a:t>
+            </a:r>
+            <a:r>
+              <a:rPr lang="en-US" dirty="0" smtClean="0"/>
+              <a:t> time and packet queue saturation</a:t>
+            </a:r>
+          </a:p>
+          <a:p>
+            <a:pPr lvl="1"/>
+            <a:r>
+              <a:rPr lang="en-US" dirty="0" smtClean="0"/>
+              <a:t>Type of packet</a:t>
+            </a:r>
+          </a:p>
+          <a:p>
+            <a:pPr marL="0" indent="0">
+              <a:buNone/>
+            </a:pPr>
+            <a:endParaRPr lang="en-US" b="1" dirty="0" smtClean="0"/>
+          </a:p>
+          <a:p>
+            <a:pPr marL="0" indent="0">
+              <a:buNone/>
+            </a:pPr>
+            <a:r>
+              <a:rPr lang="en-US" b="1" dirty="0" smtClean="0"/>
+              <a:t>Consequence: </a:t>
+            </a:r>
+            <a:r>
+              <a:rPr lang="en-US" dirty="0" smtClean="0"/>
+              <a:t>our model needs to </a:t>
+            </a:r>
+            <a:r>
+              <a:rPr lang="en-US" i="1" dirty="0" smtClean="0"/>
+              <a:t>parameterize </a:t>
+            </a:r>
+            <a:r>
+              <a:rPr lang="en-US" dirty="0" smtClean="0"/>
+              <a:t>each of these characteristics to model each type of traffic</a:t>
+            </a:r>
+            <a:endParaRPr lang="en-US" b="1" dirty="0" smtClean="0"/>
           </a:p>
         </p:txBody>
       </p:sp>
     </p:spTree>
     <p:extLst>
       <p:ext uri="{BB962C8B-B14F-4D97-AF65-F5344CB8AC3E}">
-        <p14:creationId xmlns:p14="http://schemas.microsoft.com/office/powerpoint/2010/main" val="1892940821"/>
+        <p14:creationId xmlns:p14="http://schemas.microsoft.com/office/powerpoint/2010/main" val="1566023973"/>
       </p:ext>
     </p:extLst>
   </p:cSld>
@@ -3987,40 +5635,132 @@
         </p:nvSpPr>
         <p:spPr/>
         <p:txBody>
-          <a:bodyPr/>
-          <a:lstStyle/>
-          <a:p>
-            <a:r>
-              <a:rPr lang="en-US" dirty="0" smtClean="0"/>
-              <a:t>Supporting </a:t>
-            </a:r>
-            <a:r>
-              <a:rPr lang="en-US" smtClean="0"/>
-              <a:t>Unsaturated Traffic</a:t>
-            </a:r>
-            <a:endParaRPr lang="en-US"/>
-          </a:p>
-        </p:txBody>
-      </p:sp>
-      <p:sp>
-        <p:nvSpPr>
-          <p:cNvPr id="3" name="Content Placeholder 2"/>
-          <p:cNvSpPr>
-            <a:spLocks noGrp="1"/>
-          </p:cNvSpPr>
-          <p:nvPr>
-            <p:ph idx="1"/>
-          </p:nvPr>
-        </p:nvSpPr>
-        <p:spPr/>
-        <p:txBody>
-          <a:bodyPr/>
-          <a:lstStyle/>
-          <a:p>
-            <a:endParaRPr lang="en-US"/>
-          </a:p>
-        </p:txBody>
-      </p:sp>
+          <a:bodyPr>
+            <a:normAutofit fontScale="90000"/>
+          </a:bodyPr>
+          <a:lstStyle/>
+          <a:p>
+            <a:r>
+              <a:rPr lang="en-US" dirty="0" smtClean="0"/>
+              <a:t>The DCF Model with Saturated Traffic</a:t>
+            </a:r>
+            <a:endParaRPr lang="en-US" dirty="0"/>
+          </a:p>
+        </p:txBody>
+      </p:sp>
+      <p:pic>
+        <p:nvPicPr>
+          <p:cNvPr id="5" name="Picture 4" descr="dcf_model.png"/>
+          <p:cNvPicPr>
+            <a:picLocks noChangeAspect="1"/>
+          </p:cNvPicPr>
+          <p:nvPr/>
+        </p:nvPicPr>
+        <p:blipFill>
+          <a:blip r:embed="rId2">
+            <a:extLst>
+              <a:ext uri="{28A0092B-C50C-407E-A947-70E740481C1C}">
+                <a14:useLocalDpi xmlns:a14="http://schemas.microsoft.com/office/drawing/2010/main" val="0"/>
+              </a:ext>
+            </a:extLst>
+          </a:blip>
+          <a:stretch>
+            <a:fillRect/>
+          </a:stretch>
+        </p:blipFill>
+        <p:spPr>
+          <a:xfrm>
+            <a:off x="914040" y="1417638"/>
+            <a:ext cx="7562472" cy="5217948"/>
+          </a:xfrm>
+          <a:prstGeom prst="rect">
+            <a:avLst/>
+          </a:prstGeom>
+        </p:spPr>
+      </p:pic>
+    </p:spTree>
+    <p:extLst>
+      <p:ext uri="{BB962C8B-B14F-4D97-AF65-F5344CB8AC3E}">
+        <p14:creationId xmlns:p14="http://schemas.microsoft.com/office/powerpoint/2010/main" val="1892940821"/>
+      </p:ext>
+    </p:extLst>
+  </p:cSld>
+  <p:clrMapOvr>
+    <a:masterClrMapping/>
+  </p:clrMapOvr>
+</p:sld>
+</file>
+
+<file path=ppt/slides/slide9.xml><?xml version="1.0" encoding="utf-8"?>
+<p:sld xmlns:a="http://schemas.openxmlformats.org/drawingml/2006/main" xmlns:r="http://schemas.openxmlformats.org/officeDocument/2006/relationships" xmlns:p="http://schemas.openxmlformats.org/presentationml/2006/main">
+  <p:cSld>
+    <p:spTree>
+      <p:nvGrpSpPr>
+        <p:cNvPr id="1" name=""/>
+        <p:cNvGrpSpPr/>
+        <p:nvPr/>
+      </p:nvGrpSpPr>
+      <p:grpSpPr>
+        <a:xfrm>
+          <a:off x="0" y="0"/>
+          <a:ext cx="0" cy="0"/>
+          <a:chOff x="0" y="0"/>
+          <a:chExt cx="0" cy="0"/>
+        </a:xfrm>
+      </p:grpSpPr>
+      <p:sp>
+        <p:nvSpPr>
+          <p:cNvPr id="2" name="Title 1"/>
+          <p:cNvSpPr>
+            <a:spLocks noGrp="1"/>
+          </p:cNvSpPr>
+          <p:nvPr>
+            <p:ph type="title"/>
+          </p:nvPr>
+        </p:nvSpPr>
+        <p:spPr/>
+        <p:txBody>
+          <a:bodyPr/>
+          <a:lstStyle/>
+          <a:p>
+            <a:r>
+              <a:rPr lang="en-US" dirty="0" smtClean="0"/>
+              <a:t>Supporting Unsaturated Traffic</a:t>
+            </a:r>
+            <a:endParaRPr lang="en-US" dirty="0"/>
+          </a:p>
+        </p:txBody>
+      </p:sp>
+      <p:pic>
+        <p:nvPicPr>
+          <p:cNvPr id="4" name="Picture 3" descr="dcf_model_nonsaturated.png"/>
+          <p:cNvPicPr>
+            <a:picLocks noChangeAspect="1"/>
+          </p:cNvPicPr>
+          <p:nvPr/>
+        </p:nvPicPr>
+        <p:blipFill>
+          <a:blip r:embed="rId2">
+            <a:extLst>
+              <a:ext uri="{28A0092B-C50C-407E-A947-70E740481C1C}">
+                <a14:useLocalDpi xmlns:a14="http://schemas.microsoft.com/office/drawing/2010/main" val="0"/>
+              </a:ext>
+            </a:extLst>
+          </a:blip>
+          <a:stretch>
+            <a:fillRect/>
+          </a:stretch>
+        </p:blipFill>
+        <p:spPr>
+          <a:xfrm>
+            <a:off x="1396796" y="1173870"/>
+            <a:ext cx="6079859" cy="5597532"/>
+          </a:xfrm>
+          <a:prstGeom prst="rect">
+            <a:avLst/>
+          </a:prstGeom>
+        </p:spPr>
+      </p:pic>
     </p:spTree>
     <p:extLst>
       <p:ext uri="{BB962C8B-B14F-4D97-AF65-F5344CB8AC3E}">

--- a/presentation/slides.pptx
+++ b/presentation/slides.pptx
@@ -24,8 +24,9 @@
     <p:sldId id="274" r:id="rId18"/>
     <p:sldId id="268" r:id="rId19"/>
     <p:sldId id="275" r:id="rId20"/>
-    <p:sldId id="276" r:id="rId21"/>
-    <p:sldId id="277" r:id="rId22"/>
+    <p:sldId id="278" r:id="rId21"/>
+    <p:sldId id="276" r:id="rId22"/>
+    <p:sldId id="277" r:id="rId23"/>
   </p:sldIdLst>
   <p:sldSz cx="9144000" cy="6858000" type="screen4x3"/>
   <p:notesSz cx="6858000" cy="9144000"/>
@@ -3946,6 +3947,36 @@
           </a:p>
         </p:txBody>
       </p:sp>
+      <p:pic>
+        <p:nvPicPr>
+          <p:cNvPr id="5" name="Picture 4" descr="browse_histogram.jpg"/>
+          <p:cNvPicPr>
+            <a:picLocks noChangeAspect="1"/>
+          </p:cNvPicPr>
+          <p:nvPr/>
+        </p:nvPicPr>
+        <p:blipFill>
+          <a:blip r:embed="rId2">
+            <a:extLst>
+              <a:ext uri="{28A0092B-C50C-407E-A947-70E740481C1C}">
+                <a14:useLocalDpi xmlns:a14="http://schemas.microsoft.com/office/drawing/2010/main" val="0"/>
+              </a:ext>
+            </a:extLst>
+          </a:blip>
+          <a:stretch>
+            <a:fillRect/>
+          </a:stretch>
+        </p:blipFill>
+        <p:spPr>
+          <a:xfrm>
+            <a:off x="5003381" y="1600200"/>
+            <a:ext cx="4140619" cy="3105464"/>
+          </a:xfrm>
+          <a:prstGeom prst="rect">
+            <a:avLst/>
+          </a:prstGeom>
+        </p:spPr>
+      </p:pic>
     </p:spTree>
     <p:extLst>
       <p:ext uri="{BB962C8B-B14F-4D97-AF65-F5344CB8AC3E}">
@@ -3999,31 +4030,122 @@
           </a:p>
         </p:txBody>
       </p:sp>
-      <p:sp>
-        <p:nvSpPr>
-          <p:cNvPr id="3" name="Content Placeholder 2"/>
-          <p:cNvSpPr>
-            <a:spLocks noGrp="1"/>
-          </p:cNvSpPr>
-          <p:nvPr>
-            <p:ph idx="1"/>
-          </p:nvPr>
-        </p:nvSpPr>
-        <p:spPr/>
-        <p:txBody>
-          <a:bodyPr/>
-          <a:lstStyle/>
-          <a:p>
-            <a:r>
-              <a:rPr lang="en-US" dirty="0" err="1"/>
-              <a:t>Timeseries</a:t>
-            </a:r>
-            <a:r>
-              <a:rPr lang="en-US" dirty="0"/>
-              <a:t> image here</a:t>
-            </a:r>
-          </a:p>
-          <a:p>
+      <p:pic>
+        <p:nvPicPr>
+          <p:cNvPr id="5" name="Picture 4" descr="browse_time.jpg"/>
+          <p:cNvPicPr>
+            <a:picLocks noChangeAspect="1"/>
+          </p:cNvPicPr>
+          <p:nvPr/>
+        </p:nvPicPr>
+        <p:blipFill>
+          <a:blip r:embed="rId2">
+            <a:extLst>
+              <a:ext uri="{28A0092B-C50C-407E-A947-70E740481C1C}">
+                <a14:useLocalDpi xmlns:a14="http://schemas.microsoft.com/office/drawing/2010/main" val="0"/>
+              </a:ext>
+            </a:extLst>
+          </a:blip>
+          <a:stretch>
+            <a:fillRect/>
+          </a:stretch>
+        </p:blipFill>
+        <p:spPr>
+          <a:xfrm>
+            <a:off x="298265" y="1568503"/>
+            <a:ext cx="8378914" cy="5045291"/>
+          </a:xfrm>
+          <a:prstGeom prst="rect">
+            <a:avLst/>
+          </a:prstGeom>
+        </p:spPr>
+      </p:pic>
+      <p:sp>
+        <p:nvSpPr>
+          <p:cNvPr id="6" name="TextBox 5"/>
+          <p:cNvSpPr txBox="1"/>
+          <p:nvPr/>
+        </p:nvSpPr>
+        <p:spPr>
+          <a:xfrm>
+            <a:off x="524547" y="3779549"/>
+            <a:ext cx="1433599" cy="369332"/>
+          </a:xfrm>
+          <a:prstGeom prst="rect">
+            <a:avLst/>
+          </a:prstGeom>
+          <a:noFill/>
+        </p:spPr>
+        <p:txBody>
+          <a:bodyPr wrap="square" rtlCol="0">
+            <a:spAutoFit/>
+          </a:bodyPr>
+          <a:lstStyle/>
+          <a:p>
+            <a:r>
+              <a:rPr lang="en-US" dirty="0" smtClean="0"/>
+              <a:t>Wait</a:t>
+            </a:r>
+            <a:endParaRPr lang="en-US" dirty="0"/>
+          </a:p>
+        </p:txBody>
+      </p:sp>
+      <p:sp>
+        <p:nvSpPr>
+          <p:cNvPr id="7" name="TextBox 6"/>
+          <p:cNvSpPr txBox="1"/>
+          <p:nvPr/>
+        </p:nvSpPr>
+        <p:spPr>
+          <a:xfrm>
+            <a:off x="279379" y="5713848"/>
+            <a:ext cx="2015517" cy="369332"/>
+          </a:xfrm>
+          <a:prstGeom prst="rect">
+            <a:avLst/>
+          </a:prstGeom>
+          <a:noFill/>
+        </p:spPr>
+        <p:txBody>
+          <a:bodyPr wrap="square" rtlCol="0">
+            <a:spAutoFit/>
+          </a:bodyPr>
+          <a:lstStyle/>
+          <a:p>
+            <a:r>
+              <a:rPr lang="en-US" dirty="0" smtClean="0"/>
+              <a:t>Failure</a:t>
+            </a:r>
+            <a:endParaRPr lang="en-US" dirty="0"/>
+          </a:p>
+        </p:txBody>
+      </p:sp>
+      <p:sp>
+        <p:nvSpPr>
+          <p:cNvPr id="8" name="TextBox 7"/>
+          <p:cNvSpPr txBox="1"/>
+          <p:nvPr/>
+        </p:nvSpPr>
+        <p:spPr>
+          <a:xfrm>
+            <a:off x="317863" y="1780046"/>
+            <a:ext cx="1433599" cy="369332"/>
+          </a:xfrm>
+          <a:prstGeom prst="rect">
+            <a:avLst/>
+          </a:prstGeom>
+          <a:noFill/>
+        </p:spPr>
+        <p:txBody>
+          <a:bodyPr wrap="square" rtlCol="0">
+            <a:spAutoFit/>
+          </a:bodyPr>
+          <a:lstStyle/>
+          <a:p>
+            <a:r>
+              <a:rPr lang="en-US" dirty="0" smtClean="0"/>
+              <a:t>Success</a:t>
+            </a:r>
             <a:endParaRPr lang="en-US" dirty="0"/>
           </a:p>
         </p:txBody>
@@ -4058,6 +4180,36 @@
           <a:chExt cx="0" cy="0"/>
         </a:xfrm>
       </p:grpSpPr>
+      <p:pic>
+        <p:nvPicPr>
+          <p:cNvPr id="4" name="Picture 3" descr="files_histogram.jpg"/>
+          <p:cNvPicPr>
+            <a:picLocks noChangeAspect="1"/>
+          </p:cNvPicPr>
+          <p:nvPr/>
+        </p:nvPicPr>
+        <p:blipFill>
+          <a:blip r:embed="rId2">
+            <a:extLst>
+              <a:ext uri="{28A0092B-C50C-407E-A947-70E740481C1C}">
+                <a14:useLocalDpi xmlns:a14="http://schemas.microsoft.com/office/drawing/2010/main" val="0"/>
+              </a:ext>
+            </a:extLst>
+          </a:blip>
+          <a:stretch>
+            <a:fillRect/>
+          </a:stretch>
+        </p:blipFill>
+        <p:spPr>
+          <a:xfrm>
+            <a:off x="4305392" y="3473501"/>
+            <a:ext cx="4838608" cy="3278657"/>
+          </a:xfrm>
+          <a:prstGeom prst="rect">
+            <a:avLst/>
+          </a:prstGeom>
+        </p:spPr>
+      </p:pic>
       <p:sp>
         <p:nvSpPr>
           <p:cNvPr id="2" name="Title 1"/>
@@ -4202,31 +4354,122 @@
           </a:p>
         </p:txBody>
       </p:sp>
-      <p:sp>
-        <p:nvSpPr>
-          <p:cNvPr id="3" name="Content Placeholder 2"/>
-          <p:cNvSpPr>
-            <a:spLocks noGrp="1"/>
-          </p:cNvSpPr>
-          <p:nvPr>
-            <p:ph idx="1"/>
-          </p:nvPr>
-        </p:nvSpPr>
-        <p:spPr/>
-        <p:txBody>
-          <a:bodyPr/>
-          <a:lstStyle/>
-          <a:p>
-            <a:r>
-              <a:rPr lang="en-US" dirty="0" err="1"/>
-              <a:t>Timeseries</a:t>
-            </a:r>
-            <a:r>
-              <a:rPr lang="en-US" dirty="0"/>
-              <a:t> image here</a:t>
-            </a:r>
-          </a:p>
-          <a:p>
+      <p:pic>
+        <p:nvPicPr>
+          <p:cNvPr id="5" name="Picture 4" descr="file_time.jpg"/>
+          <p:cNvPicPr>
+            <a:picLocks noChangeAspect="1"/>
+          </p:cNvPicPr>
+          <p:nvPr/>
+        </p:nvPicPr>
+        <p:blipFill>
+          <a:blip r:embed="rId2">
+            <a:extLst>
+              <a:ext uri="{28A0092B-C50C-407E-A947-70E740481C1C}">
+                <a14:useLocalDpi xmlns:a14="http://schemas.microsoft.com/office/drawing/2010/main" val="0"/>
+              </a:ext>
+            </a:extLst>
+          </a:blip>
+          <a:stretch>
+            <a:fillRect/>
+          </a:stretch>
+        </p:blipFill>
+        <p:spPr>
+          <a:xfrm>
+            <a:off x="9621" y="1668840"/>
+            <a:ext cx="9144000" cy="4860169"/>
+          </a:xfrm>
+          <a:prstGeom prst="rect">
+            <a:avLst/>
+          </a:prstGeom>
+        </p:spPr>
+      </p:pic>
+      <p:sp>
+        <p:nvSpPr>
+          <p:cNvPr id="6" name="TextBox 5"/>
+          <p:cNvSpPr txBox="1"/>
+          <p:nvPr/>
+        </p:nvSpPr>
+        <p:spPr>
+          <a:xfrm>
+            <a:off x="293989" y="3769927"/>
+            <a:ext cx="1433599" cy="369332"/>
+          </a:xfrm>
+          <a:prstGeom prst="rect">
+            <a:avLst/>
+          </a:prstGeom>
+          <a:noFill/>
+        </p:spPr>
+        <p:txBody>
+          <a:bodyPr wrap="square" rtlCol="0">
+            <a:spAutoFit/>
+          </a:bodyPr>
+          <a:lstStyle/>
+          <a:p>
+            <a:r>
+              <a:rPr lang="en-US" dirty="0" smtClean="0"/>
+              <a:t>Wait</a:t>
+            </a:r>
+            <a:endParaRPr lang="en-US" dirty="0"/>
+          </a:p>
+        </p:txBody>
+      </p:sp>
+      <p:sp>
+        <p:nvSpPr>
+          <p:cNvPr id="7" name="TextBox 6"/>
+          <p:cNvSpPr txBox="1"/>
+          <p:nvPr/>
+        </p:nvSpPr>
+        <p:spPr>
+          <a:xfrm>
+            <a:off x="221653" y="5752336"/>
+            <a:ext cx="2015517" cy="369332"/>
+          </a:xfrm>
+          <a:prstGeom prst="rect">
+            <a:avLst/>
+          </a:prstGeom>
+          <a:noFill/>
+        </p:spPr>
+        <p:txBody>
+          <a:bodyPr wrap="square" rtlCol="0">
+            <a:spAutoFit/>
+          </a:bodyPr>
+          <a:lstStyle/>
+          <a:p>
+            <a:r>
+              <a:rPr lang="en-US" dirty="0" smtClean="0"/>
+              <a:t>Failure</a:t>
+            </a:r>
+            <a:endParaRPr lang="en-US" dirty="0"/>
+          </a:p>
+        </p:txBody>
+      </p:sp>
+      <p:sp>
+        <p:nvSpPr>
+          <p:cNvPr id="8" name="TextBox 7"/>
+          <p:cNvSpPr txBox="1"/>
+          <p:nvPr/>
+        </p:nvSpPr>
+        <p:spPr>
+          <a:xfrm>
+            <a:off x="192790" y="1866644"/>
+            <a:ext cx="1433599" cy="369332"/>
+          </a:xfrm>
+          <a:prstGeom prst="rect">
+            <a:avLst/>
+          </a:prstGeom>
+          <a:noFill/>
+        </p:spPr>
+        <p:txBody>
+          <a:bodyPr wrap="square" rtlCol="0">
+            <a:spAutoFit/>
+          </a:bodyPr>
+          <a:lstStyle/>
+          <a:p>
+            <a:r>
+              <a:rPr lang="en-US" dirty="0" smtClean="0"/>
+              <a:t>Success</a:t>
+            </a:r>
             <a:endParaRPr lang="en-US" dirty="0"/>
           </a:p>
         </p:txBody>
@@ -4261,6 +4504,36 @@
           <a:chExt cx="0" cy="0"/>
         </a:xfrm>
       </p:grpSpPr>
+      <p:pic>
+        <p:nvPicPr>
+          <p:cNvPr id="4" name="Picture 3" descr="video_histogram.jpg"/>
+          <p:cNvPicPr>
+            <a:picLocks noChangeAspect="1"/>
+          </p:cNvPicPr>
+          <p:nvPr/>
+        </p:nvPicPr>
+        <p:blipFill>
+          <a:blip r:embed="rId2">
+            <a:extLst>
+              <a:ext uri="{28A0092B-C50C-407E-A947-70E740481C1C}">
+                <a14:useLocalDpi xmlns:a14="http://schemas.microsoft.com/office/drawing/2010/main" val="0"/>
+              </a:ext>
+            </a:extLst>
+          </a:blip>
+          <a:stretch>
+            <a:fillRect/>
+          </a:stretch>
+        </p:blipFill>
+        <p:spPr>
+          <a:xfrm>
+            <a:off x="4339281" y="3332284"/>
+            <a:ext cx="4700954" cy="3525716"/>
+          </a:xfrm>
+          <a:prstGeom prst="rect">
+            <a:avLst/>
+          </a:prstGeom>
+        </p:spPr>
+      </p:pic>
       <p:sp>
         <p:nvSpPr>
           <p:cNvPr id="2" name="Title 1"/>
@@ -4394,28 +4667,155 @@
           </a:p>
         </p:txBody>
       </p:sp>
-      <p:sp>
-        <p:nvSpPr>
-          <p:cNvPr id="3" name="Content Placeholder 2"/>
-          <p:cNvSpPr>
-            <a:spLocks noGrp="1"/>
-          </p:cNvSpPr>
-          <p:nvPr>
-            <p:ph idx="1"/>
-          </p:nvPr>
-        </p:nvSpPr>
-        <p:spPr/>
-        <p:txBody>
-          <a:bodyPr/>
+      <p:pic>
+        <p:nvPicPr>
+          <p:cNvPr id="5" name="Picture 4" descr="video_time.jpg"/>
+          <p:cNvPicPr>
+            <a:picLocks noChangeAspect="1"/>
+          </p:cNvPicPr>
+          <p:nvPr/>
+        </p:nvPicPr>
+        <p:blipFill>
+          <a:blip r:embed="rId2">
+            <a:extLst>
+              <a:ext uri="{28A0092B-C50C-407E-A947-70E740481C1C}">
+                <a14:useLocalDpi xmlns:a14="http://schemas.microsoft.com/office/drawing/2010/main" val="0"/>
+              </a:ext>
+            </a:extLst>
+          </a:blip>
+          <a:stretch>
+            <a:fillRect/>
+          </a:stretch>
+        </p:blipFill>
+        <p:spPr>
+          <a:xfrm>
+            <a:off x="90207" y="1475890"/>
+            <a:ext cx="8938341" cy="5334000"/>
+          </a:xfrm>
+          <a:prstGeom prst="rect">
+            <a:avLst/>
+          </a:prstGeom>
+        </p:spPr>
+      </p:pic>
+      <p:sp>
+        <p:nvSpPr>
+          <p:cNvPr id="6" name="TextBox 5"/>
+          <p:cNvSpPr txBox="1"/>
+          <p:nvPr/>
+        </p:nvSpPr>
+        <p:spPr>
+          <a:xfrm>
+            <a:off x="457200" y="4551151"/>
+            <a:ext cx="1433599" cy="369332"/>
+          </a:xfrm>
+          <a:prstGeom prst="rect">
+            <a:avLst/>
+          </a:prstGeom>
+          <a:noFill/>
+        </p:spPr>
+        <p:txBody>
+          <a:bodyPr wrap="square" rtlCol="0">
+            <a:spAutoFit/>
+          </a:bodyPr>
+          <a:lstStyle/>
+          <a:p>
+            <a:r>
+              <a:rPr lang="en-US" dirty="0" smtClean="0"/>
+              <a:t>Wait</a:t>
+            </a:r>
+            <a:endParaRPr lang="en-US" dirty="0"/>
+          </a:p>
+        </p:txBody>
+      </p:sp>
+      <p:sp>
+        <p:nvSpPr>
+          <p:cNvPr id="7" name="TextBox 6"/>
+          <p:cNvSpPr txBox="1"/>
+          <p:nvPr/>
+        </p:nvSpPr>
+        <p:spPr>
+          <a:xfrm>
+            <a:off x="210655" y="5251999"/>
+            <a:ext cx="2015517" cy="369332"/>
+          </a:xfrm>
+          <a:prstGeom prst="rect">
+            <a:avLst/>
+          </a:prstGeom>
+          <a:noFill/>
+        </p:spPr>
+        <p:txBody>
+          <a:bodyPr wrap="square" rtlCol="0">
+            <a:spAutoFit/>
+          </a:bodyPr>
+          <a:lstStyle/>
+          <a:p>
+            <a:r>
+              <a:rPr lang="en-US" dirty="0" smtClean="0"/>
+              <a:t>Failure</a:t>
+            </a:r>
+            <a:endParaRPr lang="en-US" dirty="0"/>
+          </a:p>
+        </p:txBody>
+      </p:sp>
+      <p:sp>
+        <p:nvSpPr>
+          <p:cNvPr id="8" name="TextBox 7"/>
+          <p:cNvSpPr txBox="1"/>
+          <p:nvPr/>
+        </p:nvSpPr>
+        <p:spPr>
+          <a:xfrm>
+            <a:off x="229897" y="5994434"/>
+            <a:ext cx="1433599" cy="369332"/>
+          </a:xfrm>
+          <a:prstGeom prst="rect">
+            <a:avLst/>
+          </a:prstGeom>
+          <a:noFill/>
+        </p:spPr>
+        <p:txBody>
+          <a:bodyPr wrap="square" rtlCol="0">
+            <a:spAutoFit/>
+          </a:bodyPr>
+          <a:lstStyle/>
+          <a:p>
+            <a:r>
+              <a:rPr lang="en-US" dirty="0" smtClean="0"/>
+              <a:t>Success</a:t>
+            </a:r>
+            <a:endParaRPr lang="en-US" dirty="0"/>
+          </a:p>
+        </p:txBody>
+      </p:sp>
+      <p:sp>
+        <p:nvSpPr>
+          <p:cNvPr id="9" name="TextBox 8"/>
+          <p:cNvSpPr txBox="1"/>
+          <p:nvPr/>
+        </p:nvSpPr>
+        <p:spPr>
+          <a:xfrm>
+            <a:off x="215280" y="1624547"/>
+            <a:ext cx="1433599" cy="646331"/>
+          </a:xfrm>
+          <a:prstGeom prst="rect">
+            <a:avLst/>
+          </a:prstGeom>
+          <a:noFill/>
+        </p:spPr>
+        <p:txBody>
+          <a:bodyPr wrap="square" rtlCol="0">
+            <a:spAutoFit/>
+          </a:bodyPr>
           <a:lstStyle/>
           <a:p>
             <a:r>
               <a:rPr lang="en-US" dirty="0" err="1" smtClean="0"/>
-              <a:t>Timeseries</a:t>
-            </a:r>
-            <a:r>
-              <a:rPr lang="en-US" dirty="0" smtClean="0"/>
-              <a:t> image here</a:t>
+              <a:t>Iframe</a:t>
+            </a:r>
+            <a:r>
+              <a:rPr lang="en-US" dirty="0" smtClean="0"/>
+              <a:t> Success</a:t>
             </a:r>
             <a:endParaRPr lang="en-US" dirty="0"/>
           </a:p>
@@ -4588,74 +4988,268 @@
           <a:p>
             <a:r>
               <a:rPr lang="en-US" dirty="0" smtClean="0"/>
-              <a:t>Experimental Metrics</a:t>
+              <a:t>All Together</a:t>
             </a:r>
             <a:endParaRPr lang="en-US" dirty="0"/>
           </a:p>
         </p:txBody>
       </p:sp>
-      <p:sp>
-        <p:nvSpPr>
-          <p:cNvPr id="3" name="Content Placeholder 2"/>
-          <p:cNvSpPr>
-            <a:spLocks noGrp="1"/>
-          </p:cNvSpPr>
-          <p:nvPr>
-            <p:ph idx="1"/>
-          </p:nvPr>
-        </p:nvSpPr>
-        <p:spPr/>
-        <p:txBody>
-          <a:bodyPr/>
-          <a:lstStyle/>
-          <a:p>
-            <a:r>
-              <a:rPr lang="en-US" dirty="0" smtClean="0"/>
-              <a:t>Average and individual node:</a:t>
-            </a:r>
-          </a:p>
-          <a:p>
-            <a:pPr lvl="1"/>
-            <a:r>
-              <a:rPr lang="en-US" dirty="0" smtClean="0"/>
-              <a:t>Throughput (cumulative and variance)</a:t>
-            </a:r>
-          </a:p>
-          <a:p>
-            <a:pPr lvl="1"/>
-            <a:r>
-              <a:rPr lang="en-US" dirty="0" smtClean="0"/>
-              <a:t>Idle time (</a:t>
-            </a:r>
-            <a:r>
-              <a:rPr lang="en-US" dirty="0" err="1" smtClean="0"/>
-              <a:t>backoff</a:t>
-            </a:r>
-            <a:r>
-              <a:rPr lang="en-US" dirty="0" smtClean="0"/>
-              <a:t>, post-</a:t>
-            </a:r>
-            <a:r>
-              <a:rPr lang="en-US" dirty="0" err="1" smtClean="0"/>
-              <a:t>backoff</a:t>
-            </a:r>
-            <a:r>
-              <a:rPr lang="en-US" dirty="0" smtClean="0"/>
-              <a:t>)</a:t>
-            </a:r>
-          </a:p>
-          <a:p>
-            <a:pPr lvl="1"/>
-            <a:r>
-              <a:rPr lang="en-US" dirty="0" smtClean="0"/>
-              <a:t>Packet transmit probability</a:t>
-            </a:r>
-          </a:p>
-          <a:p>
-            <a:pPr lvl="1"/>
-            <a:r>
-              <a:rPr lang="en-US" dirty="0" smtClean="0"/>
-              <a:t>Packet loss probability</a:t>
+      <p:pic>
+        <p:nvPicPr>
+          <p:cNvPr id="4" name="Picture 3" descr="browse_time.jpg"/>
+          <p:cNvPicPr>
+            <a:picLocks noChangeAspect="1"/>
+          </p:cNvPicPr>
+          <p:nvPr/>
+        </p:nvPicPr>
+        <p:blipFill>
+          <a:blip r:embed="rId2">
+            <a:extLst>
+              <a:ext uri="{28A0092B-C50C-407E-A947-70E740481C1C}">
+                <a14:useLocalDpi xmlns:a14="http://schemas.microsoft.com/office/drawing/2010/main" val="0"/>
+              </a:ext>
+            </a:extLst>
+          </a:blip>
+          <a:stretch>
+            <a:fillRect/>
+          </a:stretch>
+        </p:blipFill>
+        <p:spPr>
+          <a:xfrm>
+            <a:off x="577288" y="1645342"/>
+            <a:ext cx="9355673" cy="1478792"/>
+          </a:xfrm>
+          <a:prstGeom prst="rect">
+            <a:avLst/>
+          </a:prstGeom>
+        </p:spPr>
+      </p:pic>
+      <p:pic>
+        <p:nvPicPr>
+          <p:cNvPr id="5" name="Picture 4" descr="file_time.jpg"/>
+          <p:cNvPicPr>
+            <a:picLocks noChangeAspect="1"/>
+          </p:cNvPicPr>
+          <p:nvPr/>
+        </p:nvPicPr>
+        <p:blipFill>
+          <a:blip r:embed="rId3">
+            <a:extLst>
+              <a:ext uri="{28A0092B-C50C-407E-A947-70E740481C1C}">
+                <a14:useLocalDpi xmlns:a14="http://schemas.microsoft.com/office/drawing/2010/main" val="0"/>
+              </a:ext>
+            </a:extLst>
+          </a:blip>
+          <a:stretch>
+            <a:fillRect/>
+          </a:stretch>
+        </p:blipFill>
+        <p:spPr>
+          <a:xfrm>
+            <a:off x="615776" y="3309929"/>
+            <a:ext cx="9269079" cy="1439031"/>
+          </a:xfrm>
+          <a:prstGeom prst="rect">
+            <a:avLst/>
+          </a:prstGeom>
+        </p:spPr>
+      </p:pic>
+      <p:pic>
+        <p:nvPicPr>
+          <p:cNvPr id="6" name="Picture 5" descr="video_time.jpg"/>
+          <p:cNvPicPr>
+            <a:picLocks noChangeAspect="1"/>
+          </p:cNvPicPr>
+          <p:nvPr/>
+        </p:nvPicPr>
+        <p:blipFill>
+          <a:blip r:embed="rId4">
+            <a:extLst>
+              <a:ext uri="{28A0092B-C50C-407E-A947-70E740481C1C}">
+                <a14:useLocalDpi xmlns:a14="http://schemas.microsoft.com/office/drawing/2010/main" val="0"/>
+              </a:ext>
+            </a:extLst>
+          </a:blip>
+          <a:stretch>
+            <a:fillRect/>
+          </a:stretch>
+        </p:blipFill>
+        <p:spPr>
+          <a:xfrm>
+            <a:off x="615776" y="4839809"/>
+            <a:ext cx="9269079" cy="1498607"/>
+          </a:xfrm>
+          <a:prstGeom prst="rect">
+            <a:avLst/>
+          </a:prstGeom>
+        </p:spPr>
+      </p:pic>
+      <p:sp>
+        <p:nvSpPr>
+          <p:cNvPr id="7" name="TextBox 6"/>
+          <p:cNvSpPr txBox="1"/>
+          <p:nvPr/>
+        </p:nvSpPr>
+        <p:spPr>
+          <a:xfrm>
+            <a:off x="279023" y="2068706"/>
+            <a:ext cx="1202683" cy="646331"/>
+          </a:xfrm>
+          <a:prstGeom prst="rect">
+            <a:avLst/>
+          </a:prstGeom>
+          <a:noFill/>
+        </p:spPr>
+        <p:txBody>
+          <a:bodyPr wrap="square" rtlCol="0">
+            <a:spAutoFit/>
+          </a:bodyPr>
+          <a:lstStyle/>
+          <a:p>
+            <a:r>
+              <a:rPr lang="en-US" dirty="0" smtClean="0"/>
+              <a:t>Web</a:t>
+            </a:r>
+          </a:p>
+          <a:p>
+            <a:r>
+              <a:rPr lang="en-US" dirty="0" smtClean="0"/>
+              <a:t>Browsing</a:t>
+            </a:r>
+            <a:endParaRPr lang="en-US" dirty="0"/>
+          </a:p>
+        </p:txBody>
+      </p:sp>
+      <p:sp>
+        <p:nvSpPr>
+          <p:cNvPr id="8" name="TextBox 7"/>
+          <p:cNvSpPr txBox="1"/>
+          <p:nvPr/>
+        </p:nvSpPr>
+        <p:spPr>
+          <a:xfrm>
+            <a:off x="211673" y="3702877"/>
+            <a:ext cx="1528269" cy="646331"/>
+          </a:xfrm>
+          <a:prstGeom prst="rect">
+            <a:avLst/>
+          </a:prstGeom>
+          <a:noFill/>
+        </p:spPr>
+        <p:txBody>
+          <a:bodyPr wrap="square" rtlCol="0">
+            <a:spAutoFit/>
+          </a:bodyPr>
+          <a:lstStyle/>
+          <a:p>
+            <a:r>
+              <a:rPr lang="en-US" dirty="0" smtClean="0"/>
+              <a:t>File</a:t>
+            </a:r>
+          </a:p>
+          <a:p>
+            <a:r>
+              <a:rPr lang="en-US" dirty="0" smtClean="0"/>
+              <a:t>Downloads</a:t>
+            </a:r>
+            <a:endParaRPr lang="en-US" dirty="0"/>
+          </a:p>
+        </p:txBody>
+      </p:sp>
+      <p:sp>
+        <p:nvSpPr>
+          <p:cNvPr id="9" name="TextBox 8"/>
+          <p:cNvSpPr txBox="1"/>
+          <p:nvPr/>
+        </p:nvSpPr>
+        <p:spPr>
+          <a:xfrm>
+            <a:off x="279023" y="5279317"/>
+            <a:ext cx="1528269" cy="646331"/>
+          </a:xfrm>
+          <a:prstGeom prst="rect">
+            <a:avLst/>
+          </a:prstGeom>
+          <a:noFill/>
+        </p:spPr>
+        <p:txBody>
+          <a:bodyPr wrap="square" rtlCol="0">
+            <a:spAutoFit/>
+          </a:bodyPr>
+          <a:lstStyle/>
+          <a:p>
+            <a:r>
+              <a:rPr lang="en-US" dirty="0" smtClean="0"/>
+              <a:t>Multimedia</a:t>
+            </a:r>
+          </a:p>
+          <a:p>
+            <a:r>
+              <a:rPr lang="en-US" dirty="0" smtClean="0"/>
+              <a:t>Streaming</a:t>
+            </a:r>
+            <a:endParaRPr lang="en-US" dirty="0"/>
+          </a:p>
+        </p:txBody>
+      </p:sp>
+      <p:cxnSp>
+        <p:nvCxnSpPr>
+          <p:cNvPr id="11" name="Straight Arrow Connector 10"/>
+          <p:cNvCxnSpPr/>
+          <p:nvPr/>
+        </p:nvCxnSpPr>
+        <p:spPr>
+          <a:xfrm flipV="1">
+            <a:off x="1807292" y="6523639"/>
+            <a:ext cx="7188778" cy="9622"/>
+          </a:xfrm>
+          <a:prstGeom prst="straightConnector1">
+            <a:avLst/>
+          </a:prstGeom>
+          <a:ln>
+            <a:tailEnd type="arrow"/>
+          </a:ln>
+        </p:spPr>
+        <p:style>
+          <a:lnRef idx="2">
+            <a:schemeClr val="accent1"/>
+          </a:lnRef>
+          <a:fillRef idx="0">
+            <a:schemeClr val="accent1"/>
+          </a:fillRef>
+          <a:effectRef idx="1">
+            <a:schemeClr val="accent1"/>
+          </a:effectRef>
+          <a:fontRef idx="minor">
+            <a:schemeClr val="tx1"/>
+          </a:fontRef>
+        </p:style>
+      </p:cxnSp>
+      <p:sp>
+        <p:nvSpPr>
+          <p:cNvPr id="12" name="TextBox 11"/>
+          <p:cNvSpPr txBox="1"/>
+          <p:nvPr/>
+        </p:nvSpPr>
+        <p:spPr>
+          <a:xfrm>
+            <a:off x="4864144" y="6475968"/>
+            <a:ext cx="2034127" cy="277485"/>
+          </a:xfrm>
+          <a:prstGeom prst="rect">
+            <a:avLst/>
+          </a:prstGeom>
+          <a:noFill/>
+        </p:spPr>
+        <p:txBody>
+          <a:bodyPr wrap="square" rtlCol="0">
+            <a:spAutoFit/>
+          </a:bodyPr>
+          <a:lstStyle/>
+          <a:p>
+            <a:r>
+              <a:rPr lang="en-US" dirty="0" smtClean="0"/>
+              <a:t>time</a:t>
             </a:r>
           </a:p>
         </p:txBody>
@@ -4663,7 +5257,7 @@
     </p:spTree>
     <p:extLst>
       <p:ext uri="{BB962C8B-B14F-4D97-AF65-F5344CB8AC3E}">
-        <p14:creationId xmlns:p14="http://schemas.microsoft.com/office/powerpoint/2010/main" val="2065468025"/>
+        <p14:creationId xmlns:p14="http://schemas.microsoft.com/office/powerpoint/2010/main" val="2180034387"/>
       </p:ext>
     </p:extLst>
   </p:cSld>
@@ -4705,7 +5299,126 @@
           <a:bodyPr/>
           <a:lstStyle/>
           <a:p>
-            <a:endParaRPr lang="en-US"/>
+            <a:r>
+              <a:rPr lang="en-US" dirty="0" smtClean="0"/>
+              <a:t>Experimental Metrics</a:t>
+            </a:r>
+            <a:endParaRPr lang="en-US" dirty="0"/>
+          </a:p>
+        </p:txBody>
+      </p:sp>
+      <p:sp>
+        <p:nvSpPr>
+          <p:cNvPr id="3" name="Content Placeholder 2"/>
+          <p:cNvSpPr>
+            <a:spLocks noGrp="1"/>
+          </p:cNvSpPr>
+          <p:nvPr>
+            <p:ph idx="1"/>
+          </p:nvPr>
+        </p:nvSpPr>
+        <p:spPr/>
+        <p:txBody>
+          <a:bodyPr/>
+          <a:lstStyle/>
+          <a:p>
+            <a:r>
+              <a:rPr lang="en-US" dirty="0" smtClean="0"/>
+              <a:t>Average and individual node:</a:t>
+            </a:r>
+          </a:p>
+          <a:p>
+            <a:pPr lvl="1"/>
+            <a:r>
+              <a:rPr lang="en-US" dirty="0" smtClean="0"/>
+              <a:t>Throughput (cumulative and variance)</a:t>
+            </a:r>
+          </a:p>
+          <a:p>
+            <a:pPr lvl="1"/>
+            <a:r>
+              <a:rPr lang="en-US" dirty="0" smtClean="0"/>
+              <a:t>Idle time (</a:t>
+            </a:r>
+            <a:r>
+              <a:rPr lang="en-US" dirty="0" err="1" smtClean="0"/>
+              <a:t>backoff</a:t>
+            </a:r>
+            <a:r>
+              <a:rPr lang="en-US" dirty="0" smtClean="0"/>
+              <a:t>, post-</a:t>
+            </a:r>
+            <a:r>
+              <a:rPr lang="en-US" dirty="0" err="1" smtClean="0"/>
+              <a:t>backoff</a:t>
+            </a:r>
+            <a:r>
+              <a:rPr lang="en-US" dirty="0" smtClean="0"/>
+              <a:t>)</a:t>
+            </a:r>
+          </a:p>
+          <a:p>
+            <a:pPr lvl="1"/>
+            <a:r>
+              <a:rPr lang="en-US" dirty="0" smtClean="0"/>
+              <a:t>Packet transmit probability</a:t>
+            </a:r>
+          </a:p>
+          <a:p>
+            <a:pPr lvl="1"/>
+            <a:r>
+              <a:rPr lang="en-US" dirty="0" smtClean="0"/>
+              <a:t>Packet loss probability</a:t>
+            </a:r>
+          </a:p>
+        </p:txBody>
+      </p:sp>
+    </p:spTree>
+    <p:extLst>
+      <p:ext uri="{BB962C8B-B14F-4D97-AF65-F5344CB8AC3E}">
+        <p14:creationId xmlns:p14="http://schemas.microsoft.com/office/powerpoint/2010/main" val="2065468025"/>
+      </p:ext>
+    </p:extLst>
+  </p:cSld>
+  <p:clrMapOvr>
+    <a:masterClrMapping/>
+  </p:clrMapOvr>
+</p:sld>
+</file>
+
+<file path=ppt/slides/slide22.xml><?xml version="1.0" encoding="utf-8"?>
+<p:sld xmlns:a="http://schemas.openxmlformats.org/drawingml/2006/main" xmlns:r="http://schemas.openxmlformats.org/officeDocument/2006/relationships" xmlns:p="http://schemas.openxmlformats.org/presentationml/2006/main">
+  <p:cSld>
+    <p:spTree>
+      <p:nvGrpSpPr>
+        <p:cNvPr id="1" name=""/>
+        <p:cNvGrpSpPr/>
+        <p:nvPr/>
+      </p:nvGrpSpPr>
+      <p:grpSpPr>
+        <a:xfrm>
+          <a:off x="0" y="0"/>
+          <a:ext cx="0" cy="0"/>
+          <a:chOff x="0" y="0"/>
+          <a:chExt cx="0" cy="0"/>
+        </a:xfrm>
+      </p:grpSpPr>
+      <p:sp>
+        <p:nvSpPr>
+          <p:cNvPr id="2" name="Title 1"/>
+          <p:cNvSpPr>
+            <a:spLocks noGrp="1"/>
+          </p:cNvSpPr>
+          <p:nvPr>
+            <p:ph type="title"/>
+          </p:nvPr>
+        </p:nvSpPr>
+        <p:spPr/>
+        <p:txBody>
+          <a:bodyPr/>
+          <a:lstStyle/>
+          <a:p>
+            <a:endParaRPr lang="en-US" dirty="0"/>
           </a:p>
         </p:txBody>
       </p:sp>

--- a/presentation/slides.pptx
+++ b/presentation/slides.pptx
@@ -4114,7 +4114,7 @@
           <a:p>
             <a:r>
               <a:rPr lang="en-US" dirty="0" smtClean="0"/>
-              <a:t>Failure</a:t>
+              <a:t>Transmit</a:t>
             </a:r>
             <a:endParaRPr lang="en-US" dirty="0"/>
           </a:p>
@@ -4144,7 +4144,7 @@
           <a:p>
             <a:r>
               <a:rPr lang="en-US" dirty="0" smtClean="0"/>
-              <a:t>Success</a:t>
+              <a:t>Size chain</a:t>
             </a:r>
             <a:endParaRPr lang="en-US" dirty="0"/>
           </a:p>
@@ -4422,7 +4422,7 @@
         </p:nvSpPr>
         <p:spPr>
           <a:xfrm>
-            <a:off x="221653" y="5752336"/>
+            <a:off x="183169" y="5742714"/>
             <a:ext cx="2015517" cy="369332"/>
           </a:xfrm>
           <a:prstGeom prst="rect">
@@ -4438,7 +4438,7 @@
           <a:p>
             <a:r>
               <a:rPr lang="en-US" dirty="0" smtClean="0"/>
-              <a:t>Failure</a:t>
+              <a:t>Transmit</a:t>
             </a:r>
             <a:endParaRPr lang="en-US" dirty="0"/>
           </a:p>
@@ -4452,7 +4452,7 @@
         </p:nvSpPr>
         <p:spPr>
           <a:xfrm>
-            <a:off x="192790" y="1866644"/>
+            <a:off x="96580" y="1866644"/>
             <a:ext cx="1433599" cy="369332"/>
           </a:xfrm>
           <a:prstGeom prst="rect">
@@ -4468,7 +4468,7 @@
           <a:p>
             <a:r>
               <a:rPr lang="en-US" dirty="0" smtClean="0"/>
-              <a:t>Success</a:t>
+              <a:t>Size chain</a:t>
             </a:r>
             <a:endParaRPr lang="en-US" dirty="0"/>
           </a:p>

--- a/presentation/slides.pptx
+++ b/presentation/slides.pptx
@@ -4,6 +4,9 @@
   <p:sldMasterIdLst>
     <p:sldMasterId id="2147483648" r:id="rId1"/>
   </p:sldMasterIdLst>
+  <p:notesMasterIdLst>
+    <p:notesMasterId r:id="rId33"/>
+  </p:notesMasterIdLst>
   <p:sldIdLst>
     <p:sldId id="256" r:id="rId2"/>
     <p:sldId id="257" r:id="rId3"/>
@@ -27,6 +30,15 @@
     <p:sldId id="278" r:id="rId21"/>
     <p:sldId id="276" r:id="rId22"/>
     <p:sldId id="277" r:id="rId23"/>
+    <p:sldId id="279" r:id="rId24"/>
+    <p:sldId id="282" r:id="rId25"/>
+    <p:sldId id="280" r:id="rId26"/>
+    <p:sldId id="281" r:id="rId27"/>
+    <p:sldId id="283" r:id="rId28"/>
+    <p:sldId id="284" r:id="rId29"/>
+    <p:sldId id="285" r:id="rId30"/>
+    <p:sldId id="286" r:id="rId31"/>
+    <p:sldId id="287" r:id="rId32"/>
   </p:sldIdLst>
   <p:sldSz cx="9144000" cy="6858000" type="screen4x3"/>
   <p:notesSz cx="6858000" cy="9144000"/>
@@ -126,6 +138,440 @@
     </a:lvl9pPr>
   </p:defaultTextStyle>
 </p:presentation>
+</file>
+
+<file path=ppt/notesMasters/notesMaster1.xml><?xml version="1.0" encoding="utf-8"?>
+<p:notesMaster xmlns:a="http://schemas.openxmlformats.org/drawingml/2006/main" xmlns:r="http://schemas.openxmlformats.org/officeDocument/2006/relationships" xmlns:p="http://schemas.openxmlformats.org/presentationml/2006/main">
+  <p:cSld>
+    <p:bg>
+      <p:bgRef idx="1001">
+        <a:schemeClr val="bg1"/>
+      </p:bgRef>
+    </p:bg>
+    <p:spTree>
+      <p:nvGrpSpPr>
+        <p:cNvPr id="1" name=""/>
+        <p:cNvGrpSpPr/>
+        <p:nvPr/>
+      </p:nvGrpSpPr>
+      <p:grpSpPr>
+        <a:xfrm>
+          <a:off x="0" y="0"/>
+          <a:ext cx="0" cy="0"/>
+          <a:chOff x="0" y="0"/>
+          <a:chExt cx="0" cy="0"/>
+        </a:xfrm>
+      </p:grpSpPr>
+      <p:sp>
+        <p:nvSpPr>
+          <p:cNvPr id="2" name="Header Placeholder 1"/>
+          <p:cNvSpPr>
+            <a:spLocks noGrp="1"/>
+          </p:cNvSpPr>
+          <p:nvPr>
+            <p:ph type="hdr" sz="quarter"/>
+          </p:nvPr>
+        </p:nvSpPr>
+        <p:spPr>
+          <a:xfrm>
+            <a:off x="0" y="0"/>
+            <a:ext cx="2971800" cy="457200"/>
+          </a:xfrm>
+          <a:prstGeom prst="rect">
+            <a:avLst/>
+          </a:prstGeom>
+        </p:spPr>
+        <p:txBody>
+          <a:bodyPr vert="horz" lIns="91440" tIns="45720" rIns="91440" bIns="45720" rtlCol="0"/>
+          <a:lstStyle>
+            <a:lvl1pPr algn="l">
+              <a:defRPr sz="1200"/>
+            </a:lvl1pPr>
+          </a:lstStyle>
+          <a:p>
+            <a:endParaRPr lang="en-US"/>
+          </a:p>
+        </p:txBody>
+      </p:sp>
+      <p:sp>
+        <p:nvSpPr>
+          <p:cNvPr id="3" name="Date Placeholder 2"/>
+          <p:cNvSpPr>
+            <a:spLocks noGrp="1"/>
+          </p:cNvSpPr>
+          <p:nvPr>
+            <p:ph type="dt" idx="1"/>
+          </p:nvPr>
+        </p:nvSpPr>
+        <p:spPr>
+          <a:xfrm>
+            <a:off x="3884613" y="0"/>
+            <a:ext cx="2971800" cy="457200"/>
+          </a:xfrm>
+          <a:prstGeom prst="rect">
+            <a:avLst/>
+          </a:prstGeom>
+        </p:spPr>
+        <p:txBody>
+          <a:bodyPr vert="horz" lIns="91440" tIns="45720" rIns="91440" bIns="45720" rtlCol="0"/>
+          <a:lstStyle>
+            <a:lvl1pPr algn="r">
+              <a:defRPr sz="1200"/>
+            </a:lvl1pPr>
+          </a:lstStyle>
+          <a:p>
+            <a:fld id="{81A0CA93-770D-5346-B8C8-0E7C9C8E8EDB}" type="datetimeFigureOut">
+              <a:rPr lang="en-US" smtClean="0"/>
+              <a:t>3/9/15</a:t>
+            </a:fld>
+            <a:endParaRPr lang="en-US"/>
+          </a:p>
+        </p:txBody>
+      </p:sp>
+      <p:sp>
+        <p:nvSpPr>
+          <p:cNvPr id="4" name="Slide Image Placeholder 3"/>
+          <p:cNvSpPr>
+            <a:spLocks noGrp="1" noRot="1" noChangeAspect="1"/>
+          </p:cNvSpPr>
+          <p:nvPr>
+            <p:ph type="sldImg" idx="2"/>
+          </p:nvPr>
+        </p:nvSpPr>
+        <p:spPr>
+          <a:xfrm>
+            <a:off x="1143000" y="685800"/>
+            <a:ext cx="4572000" cy="3429000"/>
+          </a:xfrm>
+          <a:prstGeom prst="rect">
+            <a:avLst/>
+          </a:prstGeom>
+          <a:noFill/>
+          <a:ln w="12700">
+            <a:solidFill>
+              <a:prstClr val="black"/>
+            </a:solidFill>
+          </a:ln>
+        </p:spPr>
+        <p:txBody>
+          <a:bodyPr vert="horz" lIns="91440" tIns="45720" rIns="91440" bIns="45720" rtlCol="0" anchor="ctr"/>
+          <a:lstStyle/>
+          <a:p>
+            <a:endParaRPr lang="en-US"/>
+          </a:p>
+        </p:txBody>
+      </p:sp>
+      <p:sp>
+        <p:nvSpPr>
+          <p:cNvPr id="5" name="Notes Placeholder 4"/>
+          <p:cNvSpPr>
+            <a:spLocks noGrp="1"/>
+          </p:cNvSpPr>
+          <p:nvPr>
+            <p:ph type="body" sz="quarter" idx="3"/>
+          </p:nvPr>
+        </p:nvSpPr>
+        <p:spPr>
+          <a:xfrm>
+            <a:off x="685800" y="4343400"/>
+            <a:ext cx="5486400" cy="4114800"/>
+          </a:xfrm>
+          <a:prstGeom prst="rect">
+            <a:avLst/>
+          </a:prstGeom>
+        </p:spPr>
+        <p:txBody>
+          <a:bodyPr vert="horz" lIns="91440" tIns="45720" rIns="91440" bIns="45720" rtlCol="0"/>
+          <a:lstStyle/>
+          <a:p>
+            <a:pPr lvl="0"/>
+            <a:r>
+              <a:rPr lang="en-US" smtClean="0"/>
+              <a:t>Click to edit Master text styles</a:t>
+            </a:r>
+          </a:p>
+          <a:p>
+            <a:pPr lvl="1"/>
+            <a:r>
+              <a:rPr lang="en-US" smtClean="0"/>
+              <a:t>Second level</a:t>
+            </a:r>
+          </a:p>
+          <a:p>
+            <a:pPr lvl="2"/>
+            <a:r>
+              <a:rPr lang="en-US" smtClean="0"/>
+              <a:t>Third level</a:t>
+            </a:r>
+          </a:p>
+          <a:p>
+            <a:pPr lvl="3"/>
+            <a:r>
+              <a:rPr lang="en-US" smtClean="0"/>
+              <a:t>Fourth level</a:t>
+            </a:r>
+          </a:p>
+          <a:p>
+            <a:pPr lvl="4"/>
+            <a:r>
+              <a:rPr lang="en-US" smtClean="0"/>
+              <a:t>Fifth level</a:t>
+            </a:r>
+            <a:endParaRPr lang="en-US"/>
+          </a:p>
+        </p:txBody>
+      </p:sp>
+      <p:sp>
+        <p:nvSpPr>
+          <p:cNvPr id="6" name="Footer Placeholder 5"/>
+          <p:cNvSpPr>
+            <a:spLocks noGrp="1"/>
+          </p:cNvSpPr>
+          <p:nvPr>
+            <p:ph type="ftr" sz="quarter" idx="4"/>
+          </p:nvPr>
+        </p:nvSpPr>
+        <p:spPr>
+          <a:xfrm>
+            <a:off x="0" y="8685213"/>
+            <a:ext cx="2971800" cy="457200"/>
+          </a:xfrm>
+          <a:prstGeom prst="rect">
+            <a:avLst/>
+          </a:prstGeom>
+        </p:spPr>
+        <p:txBody>
+          <a:bodyPr vert="horz" lIns="91440" tIns="45720" rIns="91440" bIns="45720" rtlCol="0" anchor="b"/>
+          <a:lstStyle>
+            <a:lvl1pPr algn="l">
+              <a:defRPr sz="1200"/>
+            </a:lvl1pPr>
+          </a:lstStyle>
+          <a:p>
+            <a:endParaRPr lang="en-US"/>
+          </a:p>
+        </p:txBody>
+      </p:sp>
+      <p:sp>
+        <p:nvSpPr>
+          <p:cNvPr id="7" name="Slide Number Placeholder 6"/>
+          <p:cNvSpPr>
+            <a:spLocks noGrp="1"/>
+          </p:cNvSpPr>
+          <p:nvPr>
+            <p:ph type="sldNum" sz="quarter" idx="5"/>
+          </p:nvPr>
+        </p:nvSpPr>
+        <p:spPr>
+          <a:xfrm>
+            <a:off x="3884613" y="8685213"/>
+            <a:ext cx="2971800" cy="457200"/>
+          </a:xfrm>
+          <a:prstGeom prst="rect">
+            <a:avLst/>
+          </a:prstGeom>
+        </p:spPr>
+        <p:txBody>
+          <a:bodyPr vert="horz" lIns="91440" tIns="45720" rIns="91440" bIns="45720" rtlCol="0" anchor="b"/>
+          <a:lstStyle>
+            <a:lvl1pPr algn="r">
+              <a:defRPr sz="1200"/>
+            </a:lvl1pPr>
+          </a:lstStyle>
+          <a:p>
+            <a:fld id="{ADDCD681-2043-5F43-A640-05D49BF5737D}" type="slidenum">
+              <a:rPr lang="en-US" smtClean="0"/>
+              <a:t>‹#›</a:t>
+            </a:fld>
+            <a:endParaRPr lang="en-US"/>
+          </a:p>
+        </p:txBody>
+      </p:sp>
+    </p:spTree>
+    <p:extLst>
+      <p:ext uri="{BB962C8B-B14F-4D97-AF65-F5344CB8AC3E}">
+        <p14:creationId xmlns:p14="http://schemas.microsoft.com/office/powerpoint/2010/main" val="2802950932"/>
+      </p:ext>
+    </p:extLst>
+  </p:cSld>
+  <p:clrMap bg1="lt1" tx1="dk1" bg2="lt2" tx2="dk2" accent1="accent1" accent2="accent2" accent3="accent3" accent4="accent4" accent5="accent5" accent6="accent6" hlink="hlink" folHlink="folHlink"/>
+  <p:notesStyle>
+    <a:lvl1pPr marL="0" algn="l" defTabSz="457200" rtl="0" eaLnBrk="1" latinLnBrk="0" hangingPunct="1">
+      <a:defRPr sz="1200" kern="1200">
+        <a:solidFill>
+          <a:schemeClr val="tx1"/>
+        </a:solidFill>
+        <a:latin typeface="+mn-lt"/>
+        <a:ea typeface="+mn-ea"/>
+        <a:cs typeface="+mn-cs"/>
+      </a:defRPr>
+    </a:lvl1pPr>
+    <a:lvl2pPr marL="457200" algn="l" defTabSz="457200" rtl="0" eaLnBrk="1" latinLnBrk="0" hangingPunct="1">
+      <a:defRPr sz="1200" kern="1200">
+        <a:solidFill>
+          <a:schemeClr val="tx1"/>
+        </a:solidFill>
+        <a:latin typeface="+mn-lt"/>
+        <a:ea typeface="+mn-ea"/>
+        <a:cs typeface="+mn-cs"/>
+      </a:defRPr>
+    </a:lvl2pPr>
+    <a:lvl3pPr marL="914400" algn="l" defTabSz="457200" rtl="0" eaLnBrk="1" latinLnBrk="0" hangingPunct="1">
+      <a:defRPr sz="1200" kern="1200">
+        <a:solidFill>
+          <a:schemeClr val="tx1"/>
+        </a:solidFill>
+        <a:latin typeface="+mn-lt"/>
+        <a:ea typeface="+mn-ea"/>
+        <a:cs typeface="+mn-cs"/>
+      </a:defRPr>
+    </a:lvl3pPr>
+    <a:lvl4pPr marL="1371600" algn="l" defTabSz="457200" rtl="0" eaLnBrk="1" latinLnBrk="0" hangingPunct="1">
+      <a:defRPr sz="1200" kern="1200">
+        <a:solidFill>
+          <a:schemeClr val="tx1"/>
+        </a:solidFill>
+        <a:latin typeface="+mn-lt"/>
+        <a:ea typeface="+mn-ea"/>
+        <a:cs typeface="+mn-cs"/>
+      </a:defRPr>
+    </a:lvl4pPr>
+    <a:lvl5pPr marL="1828800" algn="l" defTabSz="457200" rtl="0" eaLnBrk="1" latinLnBrk="0" hangingPunct="1">
+      <a:defRPr sz="1200" kern="1200">
+        <a:solidFill>
+          <a:schemeClr val="tx1"/>
+        </a:solidFill>
+        <a:latin typeface="+mn-lt"/>
+        <a:ea typeface="+mn-ea"/>
+        <a:cs typeface="+mn-cs"/>
+      </a:defRPr>
+    </a:lvl5pPr>
+    <a:lvl6pPr marL="2286000" algn="l" defTabSz="457200" rtl="0" eaLnBrk="1" latinLnBrk="0" hangingPunct="1">
+      <a:defRPr sz="1200" kern="1200">
+        <a:solidFill>
+          <a:schemeClr val="tx1"/>
+        </a:solidFill>
+        <a:latin typeface="+mn-lt"/>
+        <a:ea typeface="+mn-ea"/>
+        <a:cs typeface="+mn-cs"/>
+      </a:defRPr>
+    </a:lvl6pPr>
+    <a:lvl7pPr marL="2743200" algn="l" defTabSz="457200" rtl="0" eaLnBrk="1" latinLnBrk="0" hangingPunct="1">
+      <a:defRPr sz="1200" kern="1200">
+        <a:solidFill>
+          <a:schemeClr val="tx1"/>
+        </a:solidFill>
+        <a:latin typeface="+mn-lt"/>
+        <a:ea typeface="+mn-ea"/>
+        <a:cs typeface="+mn-cs"/>
+      </a:defRPr>
+    </a:lvl7pPr>
+    <a:lvl8pPr marL="3200400" algn="l" defTabSz="457200" rtl="0" eaLnBrk="1" latinLnBrk="0" hangingPunct="1">
+      <a:defRPr sz="1200" kern="1200">
+        <a:solidFill>
+          <a:schemeClr val="tx1"/>
+        </a:solidFill>
+        <a:latin typeface="+mn-lt"/>
+        <a:ea typeface="+mn-ea"/>
+        <a:cs typeface="+mn-cs"/>
+      </a:defRPr>
+    </a:lvl8pPr>
+    <a:lvl9pPr marL="3657600" algn="l" defTabSz="457200" rtl="0" eaLnBrk="1" latinLnBrk="0" hangingPunct="1">
+      <a:defRPr sz="1200" kern="1200">
+        <a:solidFill>
+          <a:schemeClr val="tx1"/>
+        </a:solidFill>
+        <a:latin typeface="+mn-lt"/>
+        <a:ea typeface="+mn-ea"/>
+        <a:cs typeface="+mn-cs"/>
+      </a:defRPr>
+    </a:lvl9pPr>
+  </p:notesStyle>
+</p:notesMaster>
+</file>
+
+<file path=ppt/notesSlides/notesSlide1.xml><?xml version="1.0" encoding="utf-8"?>
+<p:notes xmlns:a="http://schemas.openxmlformats.org/drawingml/2006/main" xmlns:r="http://schemas.openxmlformats.org/officeDocument/2006/relationships" xmlns:p="http://schemas.openxmlformats.org/presentationml/2006/main">
+  <p:cSld>
+    <p:spTree>
+      <p:nvGrpSpPr>
+        <p:cNvPr id="1" name=""/>
+        <p:cNvGrpSpPr/>
+        <p:nvPr/>
+      </p:nvGrpSpPr>
+      <p:grpSpPr>
+        <a:xfrm>
+          <a:off x="0" y="0"/>
+          <a:ext cx="0" cy="0"/>
+          <a:chOff x="0" y="0"/>
+          <a:chExt cx="0" cy="0"/>
+        </a:xfrm>
+      </p:grpSpPr>
+      <p:sp>
+        <p:nvSpPr>
+          <p:cNvPr id="2" name="Slide Image Placeholder 1"/>
+          <p:cNvSpPr>
+            <a:spLocks noGrp="1" noRot="1" noChangeAspect="1"/>
+          </p:cNvSpPr>
+          <p:nvPr>
+            <p:ph type="sldImg"/>
+          </p:nvPr>
+        </p:nvSpPr>
+        <p:spPr/>
+      </p:sp>
+      <p:sp>
+        <p:nvSpPr>
+          <p:cNvPr id="3" name="Notes Placeholder 2"/>
+          <p:cNvSpPr>
+            <a:spLocks noGrp="1"/>
+          </p:cNvSpPr>
+          <p:nvPr>
+            <p:ph type="body" idx="1"/>
+          </p:nvPr>
+        </p:nvSpPr>
+        <p:spPr/>
+        <p:txBody>
+          <a:bodyPr/>
+          <a:lstStyle/>
+          <a:p>
+            <a:endParaRPr lang="en-US" dirty="0"/>
+          </a:p>
+        </p:txBody>
+      </p:sp>
+      <p:sp>
+        <p:nvSpPr>
+          <p:cNvPr id="4" name="Slide Number Placeholder 3"/>
+          <p:cNvSpPr>
+            <a:spLocks noGrp="1"/>
+          </p:cNvSpPr>
+          <p:nvPr>
+            <p:ph type="sldNum" sz="quarter" idx="10"/>
+          </p:nvPr>
+        </p:nvSpPr>
+        <p:spPr/>
+        <p:txBody>
+          <a:bodyPr/>
+          <a:lstStyle/>
+          <a:p>
+            <a:fld id="{ADDCD681-2043-5F43-A640-05D49BF5737D}" type="slidenum">
+              <a:rPr lang="en-US" smtClean="0"/>
+              <a:t>17</a:t>
+            </a:fld>
+            <a:endParaRPr lang="en-US"/>
+          </a:p>
+        </p:txBody>
+      </p:sp>
+    </p:spTree>
+    <p:extLst>
+      <p:ext uri="{BB962C8B-B14F-4D97-AF65-F5344CB8AC3E}">
+        <p14:creationId xmlns:p14="http://schemas.microsoft.com/office/powerpoint/2010/main" val="475455062"/>
+      </p:ext>
+    </p:extLst>
+  </p:cSld>
+  <p:clrMapOvr>
+    <a:masterClrMapping/>
+  </p:clrMapOvr>
+</p:notes>
 </file>
 
 <file path=ppt/slideLayouts/slideLayout1.xml><?xml version="1.0" encoding="utf-8"?>
@@ -4363,7 +4809,7 @@
           <p:nvPr/>
         </p:nvPicPr>
         <p:blipFill>
-          <a:blip r:embed="rId2">
+          <a:blip r:embed="rId3">
             <a:extLst>
               <a:ext uri="{28A0092B-C50C-407E-A947-70E740481C1C}">
                 <a14:useLocalDpi xmlns:a14="http://schemas.microsoft.com/office/drawing/2010/main" val="0"/>
@@ -4422,7 +4868,7 @@
         </p:nvSpPr>
         <p:spPr>
           <a:xfrm>
-            <a:off x="183169" y="5742714"/>
+            <a:off x="163927" y="5723470"/>
             <a:ext cx="2015517" cy="369332"/>
           </a:xfrm>
           <a:prstGeom prst="rect">
@@ -4468,7 +4914,7 @@
           <a:p>
             <a:r>
               <a:rPr lang="en-US" dirty="0" smtClean="0"/>
-              <a:t>Size chain</a:t>
+              <a:t>Size Chain</a:t>
             </a:r>
             <a:endParaRPr lang="en-US" dirty="0"/>
           </a:p>
@@ -5330,7 +5776,7 @@
           <a:p>
             <a:pPr lvl="1"/>
             <a:r>
-              <a:rPr lang="en-US" dirty="0" smtClean="0"/>
+              <a:rPr lang="en-US" b="1" dirty="0" smtClean="0"/>
               <a:t>Throughput (cumulative and variance)</a:t>
             </a:r>
           </a:p>
@@ -5418,6 +5864,14 @@
           <a:bodyPr/>
           <a:lstStyle/>
           <a:p>
+            <a:r>
+              <a:rPr lang="en-US" dirty="0" smtClean="0"/>
+              <a:t>The Case for Small </a:t>
+            </a:r>
+            <a:r>
+              <a:rPr lang="en-US" dirty="0" err="1" smtClean="0"/>
+              <a:t>Backoffs</a:t>
+            </a:r>
             <a:endParaRPr lang="en-US" dirty="0"/>
           </a:p>
         </p:txBody>
@@ -5437,14 +5891,674 @@
           <a:bodyPr/>
           <a:lstStyle/>
           <a:p>
-            <a:endParaRPr lang="en-US"/>
-          </a:p>
-        </p:txBody>
-      </p:sp>
+            <a:pPr marL="0" indent="0">
+              <a:buNone/>
+            </a:pPr>
+            <a:r>
+              <a:rPr lang="en-US" dirty="0" smtClean="0"/>
+              <a:t>Simulations with large </a:t>
+            </a:r>
+            <a:r>
+              <a:rPr lang="en-US" dirty="0" err="1" smtClean="0"/>
+              <a:t>backoff</a:t>
+            </a:r>
+            <a:r>
+              <a:rPr lang="en-US" dirty="0" smtClean="0"/>
+              <a:t> values make metrics less “visible”</a:t>
+            </a:r>
+            <a:endParaRPr lang="en-US" baseline="-25000" dirty="0"/>
+          </a:p>
+        </p:txBody>
+      </p:sp>
+      <p:pic>
+        <p:nvPicPr>
+          <p:cNvPr id="4" name="Picture 3" descr="normal-largewmin-2.jpg"/>
+          <p:cNvPicPr>
+            <a:picLocks noChangeAspect="1"/>
+          </p:cNvPicPr>
+          <p:nvPr/>
+        </p:nvPicPr>
+        <p:blipFill>
+          <a:blip r:embed="rId2">
+            <a:extLst>
+              <a:ext uri="{28A0092B-C50C-407E-A947-70E740481C1C}">
+                <a14:useLocalDpi xmlns:a14="http://schemas.microsoft.com/office/drawing/2010/main" val="0"/>
+              </a:ext>
+            </a:extLst>
+          </a:blip>
+          <a:stretch>
+            <a:fillRect/>
+          </a:stretch>
+        </p:blipFill>
+        <p:spPr>
+          <a:xfrm>
+            <a:off x="4350685" y="2687580"/>
+            <a:ext cx="4555122" cy="3416341"/>
+          </a:xfrm>
+          <a:prstGeom prst="rect">
+            <a:avLst/>
+          </a:prstGeom>
+        </p:spPr>
+      </p:pic>
+      <p:pic>
+        <p:nvPicPr>
+          <p:cNvPr id="5" name="Picture 4" descr="normal-smallwmin-2.jpg"/>
+          <p:cNvPicPr>
+            <a:picLocks noChangeAspect="1"/>
+          </p:cNvPicPr>
+          <p:nvPr/>
+        </p:nvPicPr>
+        <p:blipFill>
+          <a:blip r:embed="rId3">
+            <a:extLst>
+              <a:ext uri="{28A0092B-C50C-407E-A947-70E740481C1C}">
+                <a14:useLocalDpi xmlns:a14="http://schemas.microsoft.com/office/drawing/2010/main" val="0"/>
+              </a:ext>
+            </a:extLst>
+          </a:blip>
+          <a:stretch>
+            <a:fillRect/>
+          </a:stretch>
+        </p:blipFill>
+        <p:spPr>
+          <a:xfrm>
+            <a:off x="339055" y="2713775"/>
+            <a:ext cx="4523597" cy="3392698"/>
+          </a:xfrm>
+          <a:prstGeom prst="rect">
+            <a:avLst/>
+          </a:prstGeom>
+        </p:spPr>
+      </p:pic>
     </p:spTree>
     <p:extLst>
       <p:ext uri="{BB962C8B-B14F-4D97-AF65-F5344CB8AC3E}">
         <p14:creationId xmlns:p14="http://schemas.microsoft.com/office/powerpoint/2010/main" val="2793871312"/>
+      </p:ext>
+    </p:extLst>
+  </p:cSld>
+  <p:clrMapOvr>
+    <a:masterClrMapping/>
+  </p:clrMapOvr>
+</p:sld>
+</file>
+
+<file path=ppt/slides/slide23.xml><?xml version="1.0" encoding="utf-8"?>
+<p:sld xmlns:a="http://schemas.openxmlformats.org/drawingml/2006/main" xmlns:r="http://schemas.openxmlformats.org/officeDocument/2006/relationships" xmlns:p="http://schemas.openxmlformats.org/presentationml/2006/main">
+  <p:cSld>
+    <p:spTree>
+      <p:nvGrpSpPr>
+        <p:cNvPr id="1" name=""/>
+        <p:cNvGrpSpPr/>
+        <p:nvPr/>
+      </p:nvGrpSpPr>
+      <p:grpSpPr>
+        <a:xfrm>
+          <a:off x="0" y="0"/>
+          <a:ext cx="0" cy="0"/>
+          <a:chOff x="0" y="0"/>
+          <a:chExt cx="0" cy="0"/>
+        </a:xfrm>
+      </p:grpSpPr>
+      <p:sp>
+        <p:nvSpPr>
+          <p:cNvPr id="2" name="Title 1"/>
+          <p:cNvSpPr>
+            <a:spLocks noGrp="1"/>
+          </p:cNvSpPr>
+          <p:nvPr>
+            <p:ph type="title"/>
+          </p:nvPr>
+        </p:nvSpPr>
+        <p:spPr/>
+        <p:txBody>
+          <a:bodyPr/>
+          <a:lstStyle/>
+          <a:p>
+            <a:r>
+              <a:rPr lang="en-US" dirty="0" smtClean="0"/>
+              <a:t>The Case for Few Nodes</a:t>
+            </a:r>
+            <a:endParaRPr lang="en-US" dirty="0"/>
+          </a:p>
+        </p:txBody>
+      </p:sp>
+      <p:sp>
+        <p:nvSpPr>
+          <p:cNvPr id="3" name="Content Placeholder 2"/>
+          <p:cNvSpPr>
+            <a:spLocks noGrp="1"/>
+          </p:cNvSpPr>
+          <p:nvPr>
+            <p:ph idx="1"/>
+          </p:nvPr>
+        </p:nvSpPr>
+        <p:spPr/>
+        <p:txBody>
+          <a:bodyPr/>
+          <a:lstStyle/>
+          <a:p>
+            <a:pPr marL="0" indent="0">
+              <a:buNone/>
+            </a:pPr>
+            <a:r>
+              <a:rPr lang="en-US" dirty="0" smtClean="0"/>
+              <a:t>Simulations with many nodes obfuscate the effects of traffic parameters </a:t>
+            </a:r>
+            <a:endParaRPr lang="en-US" dirty="0"/>
+          </a:p>
+        </p:txBody>
+      </p:sp>
+      <p:pic>
+        <p:nvPicPr>
+          <p:cNvPr id="5" name="Picture 4" descr="fig-multinode.jpg"/>
+          <p:cNvPicPr>
+            <a:picLocks noChangeAspect="1"/>
+          </p:cNvPicPr>
+          <p:nvPr/>
+        </p:nvPicPr>
+        <p:blipFill>
+          <a:blip r:embed="rId2">
+            <a:extLst>
+              <a:ext uri="{28A0092B-C50C-407E-A947-70E740481C1C}">
+                <a14:useLocalDpi xmlns:a14="http://schemas.microsoft.com/office/drawing/2010/main" val="0"/>
+              </a:ext>
+            </a:extLst>
+          </a:blip>
+          <a:stretch>
+            <a:fillRect/>
+          </a:stretch>
+        </p:blipFill>
+        <p:spPr>
+          <a:xfrm>
+            <a:off x="1522062" y="2597910"/>
+            <a:ext cx="6116313" cy="4260089"/>
+          </a:xfrm>
+          <a:prstGeom prst="rect">
+            <a:avLst/>
+          </a:prstGeom>
+        </p:spPr>
+      </p:pic>
+    </p:spTree>
+    <p:extLst>
+      <p:ext uri="{BB962C8B-B14F-4D97-AF65-F5344CB8AC3E}">
+        <p14:creationId xmlns:p14="http://schemas.microsoft.com/office/powerpoint/2010/main" val="2835695773"/>
+      </p:ext>
+    </p:extLst>
+  </p:cSld>
+  <p:clrMapOvr>
+    <a:masterClrMapping/>
+  </p:clrMapOvr>
+</p:sld>
+</file>
+
+<file path=ppt/slides/slide24.xml><?xml version="1.0" encoding="utf-8"?>
+<p:sld xmlns:a="http://schemas.openxmlformats.org/drawingml/2006/main" xmlns:r="http://schemas.openxmlformats.org/officeDocument/2006/relationships" xmlns:p="http://schemas.openxmlformats.org/presentationml/2006/main">
+  <p:cSld>
+    <p:spTree>
+      <p:nvGrpSpPr>
+        <p:cNvPr id="1" name=""/>
+        <p:cNvGrpSpPr/>
+        <p:nvPr/>
+      </p:nvGrpSpPr>
+      <p:grpSpPr>
+        <a:xfrm>
+          <a:off x="0" y="0"/>
+          <a:ext cx="0" cy="0"/>
+          <a:chOff x="0" y="0"/>
+          <a:chExt cx="0" cy="0"/>
+        </a:xfrm>
+      </p:grpSpPr>
+      <p:sp>
+        <p:nvSpPr>
+          <p:cNvPr id="2" name="Title 1"/>
+          <p:cNvSpPr>
+            <a:spLocks noGrp="1"/>
+          </p:cNvSpPr>
+          <p:nvPr>
+            <p:ph type="title"/>
+          </p:nvPr>
+        </p:nvSpPr>
+        <p:spPr/>
+        <p:txBody>
+          <a:bodyPr/>
+          <a:lstStyle/>
+          <a:p>
+            <a:r>
+              <a:rPr lang="en-US" dirty="0" smtClean="0"/>
+              <a:t>Experimental Setup</a:t>
+            </a:r>
+            <a:endParaRPr lang="en-US" dirty="0"/>
+          </a:p>
+        </p:txBody>
+      </p:sp>
+      <p:sp>
+        <p:nvSpPr>
+          <p:cNvPr id="3" name="Content Placeholder 2"/>
+          <p:cNvSpPr>
+            <a:spLocks noGrp="1"/>
+          </p:cNvSpPr>
+          <p:nvPr>
+            <p:ph idx="1"/>
+          </p:nvPr>
+        </p:nvSpPr>
+        <p:spPr/>
+        <p:txBody>
+          <a:bodyPr/>
+          <a:lstStyle/>
+          <a:p>
+            <a:r>
+              <a:rPr lang="en-US" dirty="0" smtClean="0"/>
+              <a:t>Choose one </a:t>
+            </a:r>
+            <a:r>
+              <a:rPr lang="en-US" b="1" dirty="0" smtClean="0"/>
+              <a:t>fixed</a:t>
+            </a:r>
+            <a:r>
+              <a:rPr lang="en-US" dirty="0" smtClean="0"/>
+              <a:t> random node</a:t>
+            </a:r>
+          </a:p>
+          <a:p>
+            <a:r>
+              <a:rPr lang="en-US" dirty="0" smtClean="0"/>
+              <a:t>Choose another node of the target traffic type and vary a </a:t>
+            </a:r>
+            <a:r>
+              <a:rPr lang="en-US" b="1" dirty="0" smtClean="0"/>
+              <a:t>single </a:t>
+            </a:r>
+            <a:r>
+              <a:rPr lang="en-US" dirty="0" smtClean="0"/>
+              <a:t>parameters,</a:t>
+            </a:r>
+          </a:p>
+          <a:p>
+            <a:pPr lvl="1"/>
+            <a:r>
+              <a:rPr lang="en-US" dirty="0" err="1" smtClean="0"/>
+              <a:t>Interarrival</a:t>
+            </a:r>
+            <a:r>
+              <a:rPr lang="en-US" dirty="0" smtClean="0"/>
+              <a:t> time</a:t>
+            </a:r>
+          </a:p>
+          <a:p>
+            <a:pPr lvl="1"/>
+            <a:r>
+              <a:rPr lang="en-US" dirty="0" smtClean="0"/>
+              <a:t>Packet size distribution</a:t>
+            </a:r>
+          </a:p>
+          <a:p>
+            <a:pPr lvl="1"/>
+            <a:r>
+              <a:rPr lang="en-US" dirty="0" smtClean="0"/>
+              <a:t>…</a:t>
+            </a:r>
+          </a:p>
+        </p:txBody>
+      </p:sp>
+    </p:spTree>
+    <p:extLst>
+      <p:ext uri="{BB962C8B-B14F-4D97-AF65-F5344CB8AC3E}">
+        <p14:creationId xmlns:p14="http://schemas.microsoft.com/office/powerpoint/2010/main" val="3927377414"/>
+      </p:ext>
+    </p:extLst>
+  </p:cSld>
+  <p:clrMapOvr>
+    <a:masterClrMapping/>
+  </p:clrMapOvr>
+</p:sld>
+</file>
+
+<file path=ppt/slides/slide25.xml><?xml version="1.0" encoding="utf-8"?>
+<p:sld xmlns:a="http://schemas.openxmlformats.org/drawingml/2006/main" xmlns:r="http://schemas.openxmlformats.org/officeDocument/2006/relationships" xmlns:p="http://schemas.openxmlformats.org/presentationml/2006/main">
+  <p:cSld>
+    <p:spTree>
+      <p:nvGrpSpPr>
+        <p:cNvPr id="1" name=""/>
+        <p:cNvGrpSpPr/>
+        <p:nvPr/>
+      </p:nvGrpSpPr>
+      <p:grpSpPr>
+        <a:xfrm>
+          <a:off x="0" y="0"/>
+          <a:ext cx="0" cy="0"/>
+          <a:chOff x="0" y="0"/>
+          <a:chExt cx="0" cy="0"/>
+        </a:xfrm>
+      </p:grpSpPr>
+      <p:sp>
+        <p:nvSpPr>
+          <p:cNvPr id="2" name="Title 1"/>
+          <p:cNvSpPr>
+            <a:spLocks noGrp="1"/>
+          </p:cNvSpPr>
+          <p:nvPr>
+            <p:ph type="title"/>
+          </p:nvPr>
+        </p:nvSpPr>
+        <p:spPr/>
+        <p:txBody>
+          <a:bodyPr>
+            <a:normAutofit fontScale="90000"/>
+          </a:bodyPr>
+          <a:lstStyle/>
+          <a:p>
+            <a:r>
+              <a:rPr lang="en-US" dirty="0" smtClean="0"/>
+              <a:t>File Downloads: Varying </a:t>
+            </a:r>
+            <a:r>
+              <a:rPr lang="en-US" dirty="0" err="1" smtClean="0"/>
+              <a:t>Interarrival</a:t>
+            </a:r>
+            <a:r>
+              <a:rPr lang="en-US" dirty="0" smtClean="0"/>
+              <a:t> Time</a:t>
+            </a:r>
+            <a:endParaRPr lang="en-US" dirty="0"/>
+          </a:p>
+        </p:txBody>
+      </p:sp>
+    </p:spTree>
+    <p:extLst>
+      <p:ext uri="{BB962C8B-B14F-4D97-AF65-F5344CB8AC3E}">
+        <p14:creationId xmlns:p14="http://schemas.microsoft.com/office/powerpoint/2010/main" val="451484042"/>
+      </p:ext>
+    </p:extLst>
+  </p:cSld>
+  <p:clrMapOvr>
+    <a:masterClrMapping/>
+  </p:clrMapOvr>
+</p:sld>
+</file>
+
+<file path=ppt/slides/slide26.xml><?xml version="1.0" encoding="utf-8"?>
+<p:sld xmlns:a="http://schemas.openxmlformats.org/drawingml/2006/main" xmlns:r="http://schemas.openxmlformats.org/officeDocument/2006/relationships" xmlns:p="http://schemas.openxmlformats.org/presentationml/2006/main">
+  <p:cSld>
+    <p:spTree>
+      <p:nvGrpSpPr>
+        <p:cNvPr id="1" name=""/>
+        <p:cNvGrpSpPr/>
+        <p:nvPr/>
+      </p:nvGrpSpPr>
+      <p:grpSpPr>
+        <a:xfrm>
+          <a:off x="0" y="0"/>
+          <a:ext cx="0" cy="0"/>
+          <a:chOff x="0" y="0"/>
+          <a:chExt cx="0" cy="0"/>
+        </a:xfrm>
+      </p:grpSpPr>
+      <p:sp>
+        <p:nvSpPr>
+          <p:cNvPr id="2" name="Title 1"/>
+          <p:cNvSpPr>
+            <a:spLocks noGrp="1"/>
+          </p:cNvSpPr>
+          <p:nvPr>
+            <p:ph type="title"/>
+          </p:nvPr>
+        </p:nvSpPr>
+        <p:spPr/>
+        <p:txBody>
+          <a:bodyPr>
+            <a:normAutofit fontScale="90000"/>
+          </a:bodyPr>
+          <a:lstStyle/>
+          <a:p>
+            <a:r>
+              <a:rPr lang="en-US" dirty="0" smtClean="0"/>
+              <a:t>File Downloads: Varying Packet Size</a:t>
+            </a:r>
+            <a:endParaRPr lang="en-US" dirty="0"/>
+          </a:p>
+        </p:txBody>
+      </p:sp>
+    </p:spTree>
+    <p:extLst>
+      <p:ext uri="{BB962C8B-B14F-4D97-AF65-F5344CB8AC3E}">
+        <p14:creationId xmlns:p14="http://schemas.microsoft.com/office/powerpoint/2010/main" val="3186649161"/>
+      </p:ext>
+    </p:extLst>
+  </p:cSld>
+  <p:clrMapOvr>
+    <a:masterClrMapping/>
+  </p:clrMapOvr>
+</p:sld>
+</file>
+
+<file path=ppt/slides/slide27.xml><?xml version="1.0" encoding="utf-8"?>
+<p:sld xmlns:a="http://schemas.openxmlformats.org/drawingml/2006/main" xmlns:r="http://schemas.openxmlformats.org/officeDocument/2006/relationships" xmlns:p="http://schemas.openxmlformats.org/presentationml/2006/main">
+  <p:cSld>
+    <p:spTree>
+      <p:nvGrpSpPr>
+        <p:cNvPr id="1" name=""/>
+        <p:cNvGrpSpPr/>
+        <p:nvPr/>
+      </p:nvGrpSpPr>
+      <p:grpSpPr>
+        <a:xfrm>
+          <a:off x="0" y="0"/>
+          <a:ext cx="0" cy="0"/>
+          <a:chOff x="0" y="0"/>
+          <a:chExt cx="0" cy="0"/>
+        </a:xfrm>
+      </p:grpSpPr>
+      <p:sp>
+        <p:nvSpPr>
+          <p:cNvPr id="2" name="Title 1"/>
+          <p:cNvSpPr>
+            <a:spLocks noGrp="1"/>
+          </p:cNvSpPr>
+          <p:nvPr>
+            <p:ph type="title"/>
+          </p:nvPr>
+        </p:nvSpPr>
+        <p:spPr/>
+        <p:txBody>
+          <a:bodyPr>
+            <a:normAutofit fontScale="90000"/>
+          </a:bodyPr>
+          <a:lstStyle/>
+          <a:p>
+            <a:r>
+              <a:rPr lang="en-US" dirty="0" smtClean="0"/>
+              <a:t>Web Browsing: Varying </a:t>
+            </a:r>
+            <a:r>
+              <a:rPr lang="en-US" dirty="0" err="1" smtClean="0"/>
+              <a:t>Interarrival</a:t>
+            </a:r>
+            <a:r>
+              <a:rPr lang="en-US" dirty="0" smtClean="0"/>
+              <a:t> Time</a:t>
+            </a:r>
+            <a:endParaRPr lang="en-US" dirty="0"/>
+          </a:p>
+        </p:txBody>
+      </p:sp>
+      <p:sp>
+        <p:nvSpPr>
+          <p:cNvPr id="3" name="Content Placeholder 2"/>
+          <p:cNvSpPr>
+            <a:spLocks noGrp="1"/>
+          </p:cNvSpPr>
+          <p:nvPr>
+            <p:ph idx="1"/>
+          </p:nvPr>
+        </p:nvSpPr>
+        <p:spPr/>
+        <p:txBody>
+          <a:bodyPr/>
+          <a:lstStyle/>
+          <a:p>
+            <a:endParaRPr lang="en-US"/>
+          </a:p>
+        </p:txBody>
+      </p:sp>
+    </p:spTree>
+    <p:extLst>
+      <p:ext uri="{BB962C8B-B14F-4D97-AF65-F5344CB8AC3E}">
+        <p14:creationId xmlns:p14="http://schemas.microsoft.com/office/powerpoint/2010/main" val="3605966855"/>
+      </p:ext>
+    </p:extLst>
+  </p:cSld>
+  <p:clrMapOvr>
+    <a:masterClrMapping/>
+  </p:clrMapOvr>
+</p:sld>
+</file>
+
+<file path=ppt/slides/slide28.xml><?xml version="1.0" encoding="utf-8"?>
+<p:sld xmlns:a="http://schemas.openxmlformats.org/drawingml/2006/main" xmlns:r="http://schemas.openxmlformats.org/officeDocument/2006/relationships" xmlns:p="http://schemas.openxmlformats.org/presentationml/2006/main">
+  <p:cSld>
+    <p:spTree>
+      <p:nvGrpSpPr>
+        <p:cNvPr id="1" name=""/>
+        <p:cNvGrpSpPr/>
+        <p:nvPr/>
+      </p:nvGrpSpPr>
+      <p:grpSpPr>
+        <a:xfrm>
+          <a:off x="0" y="0"/>
+          <a:ext cx="0" cy="0"/>
+          <a:chOff x="0" y="0"/>
+          <a:chExt cx="0" cy="0"/>
+        </a:xfrm>
+      </p:grpSpPr>
+      <p:sp>
+        <p:nvSpPr>
+          <p:cNvPr id="2" name="Title 1"/>
+          <p:cNvSpPr>
+            <a:spLocks noGrp="1"/>
+          </p:cNvSpPr>
+          <p:nvPr>
+            <p:ph type="title"/>
+          </p:nvPr>
+        </p:nvSpPr>
+        <p:spPr/>
+        <p:txBody>
+          <a:bodyPr>
+            <a:normAutofit fontScale="90000"/>
+          </a:bodyPr>
+          <a:lstStyle/>
+          <a:p>
+            <a:r>
+              <a:rPr lang="en-US" dirty="0" smtClean="0"/>
+              <a:t>Web Browsing: Varying </a:t>
+            </a:r>
+            <a:r>
+              <a:rPr lang="en-US" dirty="0" err="1" smtClean="0"/>
+              <a:t>Interarrival</a:t>
+            </a:r>
+            <a:r>
+              <a:rPr lang="en-US" dirty="0" smtClean="0"/>
+              <a:t> Time</a:t>
+            </a:r>
+            <a:endParaRPr lang="en-US" dirty="0"/>
+          </a:p>
+        </p:txBody>
+      </p:sp>
+      <p:sp>
+        <p:nvSpPr>
+          <p:cNvPr id="3" name="Content Placeholder 2"/>
+          <p:cNvSpPr>
+            <a:spLocks noGrp="1"/>
+          </p:cNvSpPr>
+          <p:nvPr>
+            <p:ph idx="1"/>
+          </p:nvPr>
+        </p:nvSpPr>
+        <p:spPr/>
+        <p:txBody>
+          <a:bodyPr/>
+          <a:lstStyle/>
+          <a:p>
+            <a:endParaRPr lang="en-US"/>
+          </a:p>
+        </p:txBody>
+      </p:sp>
+    </p:spTree>
+    <p:extLst>
+      <p:ext uri="{BB962C8B-B14F-4D97-AF65-F5344CB8AC3E}">
+        <p14:creationId xmlns:p14="http://schemas.microsoft.com/office/powerpoint/2010/main" val="1633313395"/>
+      </p:ext>
+    </p:extLst>
+  </p:cSld>
+  <p:clrMapOvr>
+    <a:masterClrMapping/>
+  </p:clrMapOvr>
+</p:sld>
+</file>
+
+<file path=ppt/slides/slide29.xml><?xml version="1.0" encoding="utf-8"?>
+<p:sld xmlns:a="http://schemas.openxmlformats.org/drawingml/2006/main" xmlns:r="http://schemas.openxmlformats.org/officeDocument/2006/relationships" xmlns:p="http://schemas.openxmlformats.org/presentationml/2006/main">
+  <p:cSld>
+    <p:spTree>
+      <p:nvGrpSpPr>
+        <p:cNvPr id="1" name=""/>
+        <p:cNvGrpSpPr/>
+        <p:nvPr/>
+      </p:nvGrpSpPr>
+      <p:grpSpPr>
+        <a:xfrm>
+          <a:off x="0" y="0"/>
+          <a:ext cx="0" cy="0"/>
+          <a:chOff x="0" y="0"/>
+          <a:chExt cx="0" cy="0"/>
+        </a:xfrm>
+      </p:grpSpPr>
+      <p:sp>
+        <p:nvSpPr>
+          <p:cNvPr id="2" name="Title 1"/>
+          <p:cNvSpPr>
+            <a:spLocks noGrp="1"/>
+          </p:cNvSpPr>
+          <p:nvPr>
+            <p:ph type="title"/>
+          </p:nvPr>
+        </p:nvSpPr>
+        <p:spPr/>
+        <p:txBody>
+          <a:bodyPr/>
+          <a:lstStyle/>
+          <a:p>
+            <a:r>
+              <a:rPr lang="en-US" dirty="0" smtClean="0"/>
+              <a:t>Multimedia: Varying Streaming BPS</a:t>
+            </a:r>
+            <a:endParaRPr lang="en-US" dirty="0"/>
+          </a:p>
+        </p:txBody>
+      </p:sp>
+      <p:sp>
+        <p:nvSpPr>
+          <p:cNvPr id="3" name="Content Placeholder 2"/>
+          <p:cNvSpPr>
+            <a:spLocks noGrp="1"/>
+          </p:cNvSpPr>
+          <p:nvPr>
+            <p:ph idx="1"/>
+          </p:nvPr>
+        </p:nvSpPr>
+        <p:spPr/>
+        <p:txBody>
+          <a:bodyPr/>
+          <a:lstStyle/>
+          <a:p>
+            <a:endParaRPr lang="en-US"/>
+          </a:p>
+        </p:txBody>
+      </p:sp>
+    </p:spTree>
+    <p:extLst>
+      <p:ext uri="{BB962C8B-B14F-4D97-AF65-F5344CB8AC3E}">
+        <p14:creationId xmlns:p14="http://schemas.microsoft.com/office/powerpoint/2010/main" val="1110711269"/>
       </p:ext>
     </p:extLst>
   </p:cSld>
@@ -5596,6 +6710,152 @@
     <p:extLst>
       <p:ext uri="{BB962C8B-B14F-4D97-AF65-F5344CB8AC3E}">
         <p14:creationId xmlns:p14="http://schemas.microsoft.com/office/powerpoint/2010/main" val="3605330759"/>
+      </p:ext>
+    </p:extLst>
+  </p:cSld>
+  <p:clrMapOvr>
+    <a:masterClrMapping/>
+  </p:clrMapOvr>
+</p:sld>
+</file>
+
+<file path=ppt/slides/slide30.xml><?xml version="1.0" encoding="utf-8"?>
+<p:sld xmlns:a="http://schemas.openxmlformats.org/drawingml/2006/main" xmlns:r="http://schemas.openxmlformats.org/officeDocument/2006/relationships" xmlns:p="http://schemas.openxmlformats.org/presentationml/2006/main">
+  <p:cSld>
+    <p:spTree>
+      <p:nvGrpSpPr>
+        <p:cNvPr id="1" name=""/>
+        <p:cNvGrpSpPr/>
+        <p:nvPr/>
+      </p:nvGrpSpPr>
+      <p:grpSpPr>
+        <a:xfrm>
+          <a:off x="0" y="0"/>
+          <a:ext cx="0" cy="0"/>
+          <a:chOff x="0" y="0"/>
+          <a:chExt cx="0" cy="0"/>
+        </a:xfrm>
+      </p:grpSpPr>
+      <p:sp>
+        <p:nvSpPr>
+          <p:cNvPr id="2" name="Title 1"/>
+          <p:cNvSpPr>
+            <a:spLocks noGrp="1"/>
+          </p:cNvSpPr>
+          <p:nvPr>
+            <p:ph type="title"/>
+          </p:nvPr>
+        </p:nvSpPr>
+        <p:spPr/>
+        <p:txBody>
+          <a:bodyPr>
+            <a:normAutofit fontScale="90000"/>
+          </a:bodyPr>
+          <a:lstStyle/>
+          <a:p>
+            <a:r>
+              <a:rPr lang="en-US" dirty="0" smtClean="0"/>
+              <a:t>Multimedia: Varying Payload Size</a:t>
+            </a:r>
+            <a:endParaRPr lang="en-US" dirty="0"/>
+          </a:p>
+        </p:txBody>
+      </p:sp>
+      <p:sp>
+        <p:nvSpPr>
+          <p:cNvPr id="3" name="Content Placeholder 2"/>
+          <p:cNvSpPr>
+            <a:spLocks noGrp="1"/>
+          </p:cNvSpPr>
+          <p:nvPr>
+            <p:ph idx="1"/>
+          </p:nvPr>
+        </p:nvSpPr>
+        <p:spPr/>
+        <p:txBody>
+          <a:bodyPr/>
+          <a:lstStyle/>
+          <a:p>
+            <a:endParaRPr lang="en-US"/>
+          </a:p>
+        </p:txBody>
+      </p:sp>
+    </p:spTree>
+    <p:extLst>
+      <p:ext uri="{BB962C8B-B14F-4D97-AF65-F5344CB8AC3E}">
+        <p14:creationId xmlns:p14="http://schemas.microsoft.com/office/powerpoint/2010/main" val="104946808"/>
+      </p:ext>
+    </p:extLst>
+  </p:cSld>
+  <p:clrMapOvr>
+    <a:masterClrMapping/>
+  </p:clrMapOvr>
+</p:sld>
+</file>
+
+<file path=ppt/slides/slide31.xml><?xml version="1.0" encoding="utf-8"?>
+<p:sld xmlns:a="http://schemas.openxmlformats.org/drawingml/2006/main" xmlns:r="http://schemas.openxmlformats.org/officeDocument/2006/relationships" xmlns:p="http://schemas.openxmlformats.org/presentationml/2006/main">
+  <p:cSld>
+    <p:spTree>
+      <p:nvGrpSpPr>
+        <p:cNvPr id="1" name=""/>
+        <p:cNvGrpSpPr/>
+        <p:nvPr/>
+      </p:nvGrpSpPr>
+      <p:grpSpPr>
+        <a:xfrm>
+          <a:off x="0" y="0"/>
+          <a:ext cx="0" cy="0"/>
+          <a:chOff x="0" y="0"/>
+          <a:chExt cx="0" cy="0"/>
+        </a:xfrm>
+      </p:grpSpPr>
+      <p:sp>
+        <p:nvSpPr>
+          <p:cNvPr id="2" name="Title 1"/>
+          <p:cNvSpPr>
+            <a:spLocks noGrp="1"/>
+          </p:cNvSpPr>
+          <p:nvPr>
+            <p:ph type="title"/>
+          </p:nvPr>
+        </p:nvSpPr>
+        <p:spPr/>
+        <p:txBody>
+          <a:bodyPr/>
+          <a:lstStyle/>
+          <a:p>
+            <a:r>
+              <a:rPr lang="en-US" dirty="0" smtClean="0"/>
+              <a:t>Conclusions</a:t>
+            </a:r>
+            <a:endParaRPr lang="en-US" dirty="0"/>
+          </a:p>
+        </p:txBody>
+      </p:sp>
+      <p:sp>
+        <p:nvSpPr>
+          <p:cNvPr id="3" name="Content Placeholder 2"/>
+          <p:cNvSpPr>
+            <a:spLocks noGrp="1"/>
+          </p:cNvSpPr>
+          <p:nvPr>
+            <p:ph idx="1"/>
+          </p:nvPr>
+        </p:nvSpPr>
+        <p:spPr/>
+        <p:txBody>
+          <a:bodyPr/>
+          <a:lstStyle/>
+          <a:p>
+            <a:endParaRPr lang="en-US" dirty="0"/>
+          </a:p>
+        </p:txBody>
+      </p:sp>
+    </p:spTree>
+    <p:extLst>
+      <p:ext uri="{BB962C8B-B14F-4D97-AF65-F5344CB8AC3E}">
+        <p14:creationId xmlns:p14="http://schemas.microsoft.com/office/powerpoint/2010/main" val="1278045240"/>
       </p:ext>
     </p:extLst>
   </p:cSld>
@@ -6805,4 +8065,324 @@
   </a:objectDefaults>
   <a:extraClrSchemeLst/>
 </a:theme>
+</file>
+
+<file path=ppt/theme/theme2.xml><?xml version="1.0" encoding="utf-8"?>
+<a:theme xmlns:a="http://schemas.openxmlformats.org/drawingml/2006/main" name="Office Theme">
+  <a:themeElements>
+    <a:clrScheme name="Office">
+      <a:dk1>
+        <a:sysClr val="windowText" lastClr="000000"/>
+      </a:dk1>
+      <a:lt1>
+        <a:sysClr val="window" lastClr="FFFFFF"/>
+      </a:lt1>
+      <a:dk2>
+        <a:srgbClr val="1F497D"/>
+      </a:dk2>
+      <a:lt2>
+        <a:srgbClr val="EEECE1"/>
+      </a:lt2>
+      <a:accent1>
+        <a:srgbClr val="4F81BD"/>
+      </a:accent1>
+      <a:accent2>
+        <a:srgbClr val="C0504D"/>
+      </a:accent2>
+      <a:accent3>
+        <a:srgbClr val="9BBB59"/>
+      </a:accent3>
+      <a:accent4>
+        <a:srgbClr val="8064A2"/>
+      </a:accent4>
+      <a:accent5>
+        <a:srgbClr val="4BACC6"/>
+      </a:accent5>
+      <a:accent6>
+        <a:srgbClr val="F79646"/>
+      </a:accent6>
+      <a:hlink>
+        <a:srgbClr val="0000FF"/>
+      </a:hlink>
+      <a:folHlink>
+        <a:srgbClr val="800080"/>
+      </a:folHlink>
+    </a:clrScheme>
+    <a:fontScheme name="Office">
+      <a:majorFont>
+        <a:latin typeface="Calibri"/>
+        <a:ea typeface=""/>
+        <a:cs typeface=""/>
+        <a:font script="Jpan" typeface="ＭＳ Ｐゴシック"/>
+        <a:font script="Hang" typeface="맑은 고딕"/>
+        <a:font script="Hans" typeface="宋体"/>
+        <a:font script="Hant" typeface="新細明體"/>
+        <a:font script="Arab" typeface="Times New Roman"/>
+        <a:font script="Hebr" typeface="Times New Roman"/>
+        <a:font script="Thai" typeface="Angsana New"/>
+        <a:font script="Ethi" typeface="Nyala"/>
+        <a:font script="Beng" typeface="Vrinda"/>
+        <a:font script="Gujr" typeface="Shruti"/>
+        <a:font script="Khmr" typeface="MoolBoran"/>
+        <a:font script="Knda" typeface="Tunga"/>
+        <a:font script="Guru" typeface="Raavi"/>
+        <a:font script="Cans" typeface="Euphemia"/>
+        <a:font script="Cher" typeface="Plantagenet Cherokee"/>
+        <a:font script="Yiii" typeface="Microsoft Yi Baiti"/>
+        <a:font script="Tibt" typeface="Microsoft Himalaya"/>
+        <a:font script="Thaa" typeface="MV Boli"/>
+        <a:font script="Deva" typeface="Mangal"/>
+        <a:font script="Telu" typeface="Gautami"/>
+        <a:font script="Taml" typeface="Latha"/>
+        <a:font script="Syrc" typeface="Estrangelo Edessa"/>
+        <a:font script="Orya" typeface="Kalinga"/>
+        <a:font script="Mlym" typeface="Kartika"/>
+        <a:font script="Laoo" typeface="DokChampa"/>
+        <a:font script="Sinh" typeface="Iskoola Pota"/>
+        <a:font script="Mong" typeface="Mongolian Baiti"/>
+        <a:font script="Viet" typeface="Times New Roman"/>
+        <a:font script="Uigh" typeface="Microsoft Uighur"/>
+        <a:font script="Geor" typeface="Sylfaen"/>
+      </a:majorFont>
+      <a:minorFont>
+        <a:latin typeface="Calibri"/>
+        <a:ea typeface=""/>
+        <a:cs typeface=""/>
+        <a:font script="Jpan" typeface="ＭＳ Ｐゴシック"/>
+        <a:font script="Hang" typeface="맑은 고딕"/>
+        <a:font script="Hans" typeface="宋体"/>
+        <a:font script="Hant" typeface="新細明體"/>
+        <a:font script="Arab" typeface="Arial"/>
+        <a:font script="Hebr" typeface="Arial"/>
+        <a:font script="Thai" typeface="Cordia New"/>
+        <a:font script="Ethi" typeface="Nyala"/>
+        <a:font script="Beng" typeface="Vrinda"/>
+        <a:font script="Gujr" typeface="Shruti"/>
+        <a:font script="Khmr" typeface="DaunPenh"/>
+        <a:font script="Knda" typeface="Tunga"/>
+        <a:font script="Guru" typeface="Raavi"/>
+        <a:font script="Cans" typeface="Euphemia"/>
+        <a:font script="Cher" typeface="Plantagenet Cherokee"/>
+        <a:font script="Yiii" typeface="Microsoft Yi Baiti"/>
+        <a:font script="Tibt" typeface="Microsoft Himalaya"/>
+        <a:font script="Thaa" typeface="MV Boli"/>
+        <a:font script="Deva" typeface="Mangal"/>
+        <a:font script="Telu" typeface="Gautami"/>
+        <a:font script="Taml" typeface="Latha"/>
+        <a:font script="Syrc" typeface="Estrangelo Edessa"/>
+        <a:font script="Orya" typeface="Kalinga"/>
+        <a:font script="Mlym" typeface="Kartika"/>
+        <a:font script="Laoo" typeface="DokChampa"/>
+        <a:font script="Sinh" typeface="Iskoola Pota"/>
+        <a:font script="Mong" typeface="Mongolian Baiti"/>
+        <a:font script="Viet" typeface="Arial"/>
+        <a:font script="Uigh" typeface="Microsoft Uighur"/>
+        <a:font script="Geor" typeface="Sylfaen"/>
+      </a:minorFont>
+    </a:fontScheme>
+    <a:fmtScheme name="Office">
+      <a:fillStyleLst>
+        <a:solidFill>
+          <a:schemeClr val="phClr"/>
+        </a:solidFill>
+        <a:gradFill rotWithShape="1">
+          <a:gsLst>
+            <a:gs pos="0">
+              <a:schemeClr val="phClr">
+                <a:tint val="50000"/>
+                <a:satMod val="300000"/>
+              </a:schemeClr>
+            </a:gs>
+            <a:gs pos="35000">
+              <a:schemeClr val="phClr">
+                <a:tint val="37000"/>
+                <a:satMod val="300000"/>
+              </a:schemeClr>
+            </a:gs>
+            <a:gs pos="100000">
+              <a:schemeClr val="phClr">
+                <a:tint val="15000"/>
+                <a:satMod val="350000"/>
+              </a:schemeClr>
+            </a:gs>
+          </a:gsLst>
+          <a:lin ang="16200000" scaled="1"/>
+        </a:gradFill>
+        <a:gradFill rotWithShape="1">
+          <a:gsLst>
+            <a:gs pos="0">
+              <a:schemeClr val="phClr">
+                <a:tint val="100000"/>
+                <a:shade val="100000"/>
+                <a:satMod val="130000"/>
+              </a:schemeClr>
+            </a:gs>
+            <a:gs pos="100000">
+              <a:schemeClr val="phClr">
+                <a:tint val="50000"/>
+                <a:shade val="100000"/>
+                <a:satMod val="350000"/>
+              </a:schemeClr>
+            </a:gs>
+          </a:gsLst>
+          <a:lin ang="16200000" scaled="0"/>
+        </a:gradFill>
+      </a:fillStyleLst>
+      <a:lnStyleLst>
+        <a:ln w="9525" cap="flat" cmpd="sng" algn="ctr">
+          <a:solidFill>
+            <a:schemeClr val="phClr">
+              <a:shade val="95000"/>
+              <a:satMod val="105000"/>
+            </a:schemeClr>
+          </a:solidFill>
+          <a:prstDash val="solid"/>
+        </a:ln>
+        <a:ln w="25400" cap="flat" cmpd="sng" algn="ctr">
+          <a:solidFill>
+            <a:schemeClr val="phClr"/>
+          </a:solidFill>
+          <a:prstDash val="solid"/>
+        </a:ln>
+        <a:ln w="38100" cap="flat" cmpd="sng" algn="ctr">
+          <a:solidFill>
+            <a:schemeClr val="phClr"/>
+          </a:solidFill>
+          <a:prstDash val="solid"/>
+        </a:ln>
+      </a:lnStyleLst>
+      <a:effectStyleLst>
+        <a:effectStyle>
+          <a:effectLst>
+            <a:outerShdw blurRad="40000" dist="20000" dir="5400000" rotWithShape="0">
+              <a:srgbClr val="000000">
+                <a:alpha val="38000"/>
+              </a:srgbClr>
+            </a:outerShdw>
+          </a:effectLst>
+        </a:effectStyle>
+        <a:effectStyle>
+          <a:effectLst>
+            <a:outerShdw blurRad="40000" dist="23000" dir="5400000" rotWithShape="0">
+              <a:srgbClr val="000000">
+                <a:alpha val="35000"/>
+              </a:srgbClr>
+            </a:outerShdw>
+          </a:effectLst>
+        </a:effectStyle>
+        <a:effectStyle>
+          <a:effectLst>
+            <a:outerShdw blurRad="40000" dist="23000" dir="5400000" rotWithShape="0">
+              <a:srgbClr val="000000">
+                <a:alpha val="35000"/>
+              </a:srgbClr>
+            </a:outerShdw>
+          </a:effectLst>
+          <a:scene3d>
+            <a:camera prst="orthographicFront">
+              <a:rot lat="0" lon="0" rev="0"/>
+            </a:camera>
+            <a:lightRig rig="threePt" dir="t">
+              <a:rot lat="0" lon="0" rev="1200000"/>
+            </a:lightRig>
+          </a:scene3d>
+          <a:sp3d>
+            <a:bevelT w="63500" h="25400"/>
+          </a:sp3d>
+        </a:effectStyle>
+      </a:effectStyleLst>
+      <a:bgFillStyleLst>
+        <a:solidFill>
+          <a:schemeClr val="phClr"/>
+        </a:solidFill>
+        <a:gradFill rotWithShape="1">
+          <a:gsLst>
+            <a:gs pos="0">
+              <a:schemeClr val="phClr">
+                <a:tint val="40000"/>
+                <a:satMod val="350000"/>
+              </a:schemeClr>
+            </a:gs>
+            <a:gs pos="40000">
+              <a:schemeClr val="phClr">
+                <a:tint val="45000"/>
+                <a:shade val="99000"/>
+                <a:satMod val="350000"/>
+              </a:schemeClr>
+            </a:gs>
+            <a:gs pos="100000">
+              <a:schemeClr val="phClr">
+                <a:shade val="20000"/>
+                <a:satMod val="255000"/>
+              </a:schemeClr>
+            </a:gs>
+          </a:gsLst>
+          <a:path path="circle">
+            <a:fillToRect l="50000" t="-80000" r="50000" b="180000"/>
+          </a:path>
+        </a:gradFill>
+        <a:gradFill rotWithShape="1">
+          <a:gsLst>
+            <a:gs pos="0">
+              <a:schemeClr val="phClr">
+                <a:tint val="80000"/>
+                <a:satMod val="300000"/>
+              </a:schemeClr>
+            </a:gs>
+            <a:gs pos="100000">
+              <a:schemeClr val="phClr">
+                <a:shade val="30000"/>
+                <a:satMod val="200000"/>
+              </a:schemeClr>
+            </a:gs>
+          </a:gsLst>
+          <a:path path="circle">
+            <a:fillToRect l="50000" t="50000" r="50000" b="50000"/>
+          </a:path>
+        </a:gradFill>
+      </a:bgFillStyleLst>
+    </a:fmtScheme>
+  </a:themeElements>
+  <a:objectDefaults>
+    <a:spDef>
+      <a:spPr/>
+      <a:bodyPr/>
+      <a:lstStyle/>
+      <a:style>
+        <a:lnRef idx="1">
+          <a:schemeClr val="accent1"/>
+        </a:lnRef>
+        <a:fillRef idx="3">
+          <a:schemeClr val="accent1"/>
+        </a:fillRef>
+        <a:effectRef idx="2">
+          <a:schemeClr val="accent1"/>
+        </a:effectRef>
+        <a:fontRef idx="minor">
+          <a:schemeClr val="lt1"/>
+        </a:fontRef>
+      </a:style>
+    </a:spDef>
+    <a:lnDef>
+      <a:spPr/>
+      <a:bodyPr/>
+      <a:lstStyle/>
+      <a:style>
+        <a:lnRef idx="2">
+          <a:schemeClr val="accent1"/>
+        </a:lnRef>
+        <a:fillRef idx="0">
+          <a:schemeClr val="accent1"/>
+        </a:fillRef>
+        <a:effectRef idx="1">
+          <a:schemeClr val="accent1"/>
+        </a:effectRef>
+        <a:fontRef idx="minor">
+          <a:schemeClr val="tx1"/>
+        </a:fontRef>
+      </a:style>
+    </a:lnDef>
+  </a:objectDefaults>
+  <a:extraClrSchemeLst/>
+</a:theme>
 </file>
--- a/presentation/slides.pptx
+++ b/presentation/slides.pptx
@@ -5,7 +5,7 @@
     <p:sldMasterId id="2147483648" r:id="rId1"/>
   </p:sldMasterIdLst>
   <p:notesMasterIdLst>
-    <p:notesMasterId r:id="rId33"/>
+    <p:notesMasterId r:id="rId35"/>
   </p:notesMasterIdLst>
   <p:sldIdLst>
     <p:sldId id="256" r:id="rId2"/>
@@ -34,11 +34,13 @@
     <p:sldId id="282" r:id="rId25"/>
     <p:sldId id="280" r:id="rId26"/>
     <p:sldId id="281" r:id="rId27"/>
-    <p:sldId id="283" r:id="rId28"/>
-    <p:sldId id="284" r:id="rId29"/>
-    <p:sldId id="285" r:id="rId30"/>
-    <p:sldId id="286" r:id="rId31"/>
-    <p:sldId id="287" r:id="rId32"/>
+    <p:sldId id="288" r:id="rId28"/>
+    <p:sldId id="283" r:id="rId29"/>
+    <p:sldId id="289" r:id="rId30"/>
+    <p:sldId id="285" r:id="rId31"/>
+    <p:sldId id="290" r:id="rId32"/>
+    <p:sldId id="287" r:id="rId33"/>
+    <p:sldId id="291" r:id="rId34"/>
   </p:sldIdLst>
   <p:sldSz cx="9144000" cy="6858000" type="screen4x3"/>
   <p:notesSz cx="6858000" cy="9144000"/>
@@ -4476,36 +4478,6 @@
           </a:p>
         </p:txBody>
       </p:sp>
-      <p:pic>
-        <p:nvPicPr>
-          <p:cNvPr id="5" name="Picture 4" descr="browse_time.jpg"/>
-          <p:cNvPicPr>
-            <a:picLocks noChangeAspect="1"/>
-          </p:cNvPicPr>
-          <p:nvPr/>
-        </p:nvPicPr>
-        <p:blipFill>
-          <a:blip r:embed="rId2">
-            <a:extLst>
-              <a:ext uri="{28A0092B-C50C-407E-A947-70E740481C1C}">
-                <a14:useLocalDpi xmlns:a14="http://schemas.microsoft.com/office/drawing/2010/main" val="0"/>
-              </a:ext>
-            </a:extLst>
-          </a:blip>
-          <a:stretch>
-            <a:fillRect/>
-          </a:stretch>
-        </p:blipFill>
-        <p:spPr>
-          <a:xfrm>
-            <a:off x="298265" y="1568503"/>
-            <a:ext cx="8378914" cy="5045291"/>
-          </a:xfrm>
-          <a:prstGeom prst="rect">
-            <a:avLst/>
-          </a:prstGeom>
-        </p:spPr>
-      </p:pic>
       <p:sp>
         <p:nvSpPr>
           <p:cNvPr id="6" name="TextBox 5"/>
@@ -4514,7 +4486,7 @@
         </p:nvSpPr>
         <p:spPr>
           <a:xfrm>
-            <a:off x="524547" y="3779549"/>
+            <a:off x="524547" y="1850006"/>
             <a:ext cx="1433599" cy="369332"/>
           </a:xfrm>
           <a:prstGeom prst="rect">
@@ -4544,7 +4516,7 @@
         </p:nvSpPr>
         <p:spPr>
           <a:xfrm>
-            <a:off x="279379" y="5713848"/>
+            <a:off x="457200" y="5014881"/>
             <a:ext cx="2015517" cy="369332"/>
           </a:xfrm>
           <a:prstGeom prst="rect">
@@ -4561,36 +4533,6 @@
             <a:r>
               <a:rPr lang="en-US" dirty="0" smtClean="0"/>
               <a:t>Transmit</a:t>
-            </a:r>
-            <a:endParaRPr lang="en-US" dirty="0"/>
-          </a:p>
-        </p:txBody>
-      </p:sp>
-      <p:sp>
-        <p:nvSpPr>
-          <p:cNvPr id="8" name="TextBox 7"/>
-          <p:cNvSpPr txBox="1"/>
-          <p:nvPr/>
-        </p:nvSpPr>
-        <p:spPr>
-          <a:xfrm>
-            <a:off x="317863" y="1780046"/>
-            <a:ext cx="1433599" cy="369332"/>
-          </a:xfrm>
-          <a:prstGeom prst="rect">
-            <a:avLst/>
-          </a:prstGeom>
-          <a:noFill/>
-        </p:spPr>
-        <p:txBody>
-          <a:bodyPr wrap="square" rtlCol="0">
-            <a:spAutoFit/>
-          </a:bodyPr>
-          <a:lstStyle/>
-          <a:p>
-            <a:r>
-              <a:rPr lang="en-US" dirty="0" smtClean="0"/>
-              <a:t>Size chain</a:t>
             </a:r>
             <a:endParaRPr lang="en-US" dirty="0"/>
           </a:p>
@@ -4800,36 +4742,6 @@
           </a:p>
         </p:txBody>
       </p:sp>
-      <p:pic>
-        <p:nvPicPr>
-          <p:cNvPr id="5" name="Picture 4" descr="file_time.jpg"/>
-          <p:cNvPicPr>
-            <a:picLocks noChangeAspect="1"/>
-          </p:cNvPicPr>
-          <p:nvPr/>
-        </p:nvPicPr>
-        <p:blipFill>
-          <a:blip r:embed="rId3">
-            <a:extLst>
-              <a:ext uri="{28A0092B-C50C-407E-A947-70E740481C1C}">
-                <a14:useLocalDpi xmlns:a14="http://schemas.microsoft.com/office/drawing/2010/main" val="0"/>
-              </a:ext>
-            </a:extLst>
-          </a:blip>
-          <a:stretch>
-            <a:fillRect/>
-          </a:stretch>
-        </p:blipFill>
-        <p:spPr>
-          <a:xfrm>
-            <a:off x="9621" y="1668840"/>
-            <a:ext cx="9144000" cy="4860169"/>
-          </a:xfrm>
-          <a:prstGeom prst="rect">
-            <a:avLst/>
-          </a:prstGeom>
-        </p:spPr>
-      </p:pic>
       <p:sp>
         <p:nvSpPr>
           <p:cNvPr id="6" name="TextBox 5"/>
@@ -5113,36 +5025,6 @@
           </a:p>
         </p:txBody>
       </p:sp>
-      <p:pic>
-        <p:nvPicPr>
-          <p:cNvPr id="5" name="Picture 4" descr="video_time.jpg"/>
-          <p:cNvPicPr>
-            <a:picLocks noChangeAspect="1"/>
-          </p:cNvPicPr>
-          <p:nvPr/>
-        </p:nvPicPr>
-        <p:blipFill>
-          <a:blip r:embed="rId2">
-            <a:extLst>
-              <a:ext uri="{28A0092B-C50C-407E-A947-70E740481C1C}">
-                <a14:useLocalDpi xmlns:a14="http://schemas.microsoft.com/office/drawing/2010/main" val="0"/>
-              </a:ext>
-            </a:extLst>
-          </a:blip>
-          <a:stretch>
-            <a:fillRect/>
-          </a:stretch>
-        </p:blipFill>
-        <p:spPr>
-          <a:xfrm>
-            <a:off x="90207" y="1475890"/>
-            <a:ext cx="8938341" cy="5334000"/>
-          </a:xfrm>
-          <a:prstGeom prst="rect">
-            <a:avLst/>
-          </a:prstGeom>
-        </p:spPr>
-      </p:pic>
       <p:sp>
         <p:nvSpPr>
           <p:cNvPr id="6" name="TextBox 5"/>
@@ -5440,96 +5322,6 @@
           </a:p>
         </p:txBody>
       </p:sp>
-      <p:pic>
-        <p:nvPicPr>
-          <p:cNvPr id="4" name="Picture 3" descr="browse_time.jpg"/>
-          <p:cNvPicPr>
-            <a:picLocks noChangeAspect="1"/>
-          </p:cNvPicPr>
-          <p:nvPr/>
-        </p:nvPicPr>
-        <p:blipFill>
-          <a:blip r:embed="rId2">
-            <a:extLst>
-              <a:ext uri="{28A0092B-C50C-407E-A947-70E740481C1C}">
-                <a14:useLocalDpi xmlns:a14="http://schemas.microsoft.com/office/drawing/2010/main" val="0"/>
-              </a:ext>
-            </a:extLst>
-          </a:blip>
-          <a:stretch>
-            <a:fillRect/>
-          </a:stretch>
-        </p:blipFill>
-        <p:spPr>
-          <a:xfrm>
-            <a:off x="577288" y="1645342"/>
-            <a:ext cx="9355673" cy="1478792"/>
-          </a:xfrm>
-          <a:prstGeom prst="rect">
-            <a:avLst/>
-          </a:prstGeom>
-        </p:spPr>
-      </p:pic>
-      <p:pic>
-        <p:nvPicPr>
-          <p:cNvPr id="5" name="Picture 4" descr="file_time.jpg"/>
-          <p:cNvPicPr>
-            <a:picLocks noChangeAspect="1"/>
-          </p:cNvPicPr>
-          <p:nvPr/>
-        </p:nvPicPr>
-        <p:blipFill>
-          <a:blip r:embed="rId3">
-            <a:extLst>
-              <a:ext uri="{28A0092B-C50C-407E-A947-70E740481C1C}">
-                <a14:useLocalDpi xmlns:a14="http://schemas.microsoft.com/office/drawing/2010/main" val="0"/>
-              </a:ext>
-            </a:extLst>
-          </a:blip>
-          <a:stretch>
-            <a:fillRect/>
-          </a:stretch>
-        </p:blipFill>
-        <p:spPr>
-          <a:xfrm>
-            <a:off x="615776" y="3309929"/>
-            <a:ext cx="9269079" cy="1439031"/>
-          </a:xfrm>
-          <a:prstGeom prst="rect">
-            <a:avLst/>
-          </a:prstGeom>
-        </p:spPr>
-      </p:pic>
-      <p:pic>
-        <p:nvPicPr>
-          <p:cNvPr id="6" name="Picture 5" descr="video_time.jpg"/>
-          <p:cNvPicPr>
-            <a:picLocks noChangeAspect="1"/>
-          </p:cNvPicPr>
-          <p:nvPr/>
-        </p:nvPicPr>
-        <p:blipFill>
-          <a:blip r:embed="rId4">
-            <a:extLst>
-              <a:ext uri="{28A0092B-C50C-407E-A947-70E740481C1C}">
-                <a14:useLocalDpi xmlns:a14="http://schemas.microsoft.com/office/drawing/2010/main" val="0"/>
-              </a:ext>
-            </a:extLst>
-          </a:blip>
-          <a:stretch>
-            <a:fillRect/>
-          </a:stretch>
-        </p:blipFill>
-        <p:spPr>
-          <a:xfrm>
-            <a:off x="615776" y="4839809"/>
-            <a:ext cx="9269079" cy="1498607"/>
-          </a:xfrm>
-          <a:prstGeom prst="rect">
-            <a:avLst/>
-          </a:prstGeom>
-        </p:spPr>
-      </p:pic>
       <p:sp>
         <p:nvSpPr>
           <p:cNvPr id="7" name="TextBox 6"/>
@@ -5700,6 +5492,36 @@
           </a:p>
         </p:txBody>
       </p:sp>
+      <p:pic>
+        <p:nvPicPr>
+          <p:cNvPr id="13" name="Picture 12" descr="all.jpg"/>
+          <p:cNvPicPr>
+            <a:picLocks noChangeAspect="1"/>
+          </p:cNvPicPr>
+          <p:nvPr/>
+        </p:nvPicPr>
+        <p:blipFill>
+          <a:blip r:embed="rId2">
+            <a:extLst>
+              <a:ext uri="{28A0092B-C50C-407E-A947-70E740481C1C}">
+                <a14:useLocalDpi xmlns:a14="http://schemas.microsoft.com/office/drawing/2010/main" val="0"/>
+              </a:ext>
+            </a:extLst>
+          </a:blip>
+          <a:stretch>
+            <a:fillRect/>
+          </a:stretch>
+        </p:blipFill>
+        <p:spPr>
+          <a:xfrm>
+            <a:off x="0" y="282110"/>
+            <a:ext cx="9144000" cy="5539437"/>
+          </a:xfrm>
+          <a:prstGeom prst="rect">
+            <a:avLst/>
+          </a:prstGeom>
+        </p:spPr>
+      </p:pic>
     </p:spTree>
     <p:extLst>
       <p:ext uri="{BB962C8B-B14F-4D97-AF65-F5344CB8AC3E}">
@@ -6264,6 +6086,126 @@
           </a:p>
         </p:txBody>
       </p:sp>
+      <p:pic>
+        <p:nvPicPr>
+          <p:cNvPr id="5" name="Picture 4" descr="fig-simulation_random_download-interarival-1_0_1_0_1_1_25.jpg"/>
+          <p:cNvPicPr>
+            <a:picLocks noChangeAspect="1"/>
+          </p:cNvPicPr>
+          <p:nvPr/>
+        </p:nvPicPr>
+        <p:blipFill>
+          <a:blip r:embed="rId2">
+            <a:extLst>
+              <a:ext uri="{28A0092B-C50C-407E-A947-70E740481C1C}">
+                <a14:useLocalDpi xmlns:a14="http://schemas.microsoft.com/office/drawing/2010/main" val="0"/>
+              </a:ext>
+            </a:extLst>
+          </a:blip>
+          <a:stretch>
+            <a:fillRect/>
+          </a:stretch>
+        </p:blipFill>
+        <p:spPr>
+          <a:xfrm>
+            <a:off x="0" y="1919698"/>
+            <a:ext cx="4923676" cy="3692757"/>
+          </a:xfrm>
+          <a:prstGeom prst="rect">
+            <a:avLst/>
+          </a:prstGeom>
+        </p:spPr>
+      </p:pic>
+      <p:pic>
+        <p:nvPicPr>
+          <p:cNvPr id="4" name="Picture 3" descr="fig-simulation_random_download-interarival-1_0_5_0_1_1_25.jpg"/>
+          <p:cNvPicPr>
+            <a:picLocks noChangeAspect="1"/>
+          </p:cNvPicPr>
+          <p:nvPr/>
+        </p:nvPicPr>
+        <p:blipFill>
+          <a:blip r:embed="rId3">
+            <a:extLst>
+              <a:ext uri="{28A0092B-C50C-407E-A947-70E740481C1C}">
+                <a14:useLocalDpi xmlns:a14="http://schemas.microsoft.com/office/drawing/2010/main" val="0"/>
+              </a:ext>
+            </a:extLst>
+          </a:blip>
+          <a:stretch>
+            <a:fillRect/>
+          </a:stretch>
+        </p:blipFill>
+        <p:spPr>
+          <a:xfrm>
+            <a:off x="4558462" y="1919697"/>
+            <a:ext cx="4923675" cy="3692757"/>
+          </a:xfrm>
+          <a:prstGeom prst="rect">
+            <a:avLst/>
+          </a:prstGeom>
+        </p:spPr>
+      </p:pic>
+      <p:sp>
+        <p:nvSpPr>
+          <p:cNvPr id="6" name="TextBox 5"/>
+          <p:cNvSpPr txBox="1"/>
+          <p:nvPr/>
+        </p:nvSpPr>
+        <p:spPr>
+          <a:xfrm>
+            <a:off x="1466978" y="5675257"/>
+            <a:ext cx="2185699" cy="369332"/>
+          </a:xfrm>
+          <a:prstGeom prst="rect">
+            <a:avLst/>
+          </a:prstGeom>
+          <a:noFill/>
+        </p:spPr>
+        <p:txBody>
+          <a:bodyPr wrap="square" rtlCol="0">
+            <a:spAutoFit/>
+          </a:bodyPr>
+          <a:lstStyle/>
+          <a:p>
+            <a:r>
+              <a:rPr lang="en-US" dirty="0" smtClean="0"/>
+              <a:t>Packet Size = [1]</a:t>
+            </a:r>
+            <a:endParaRPr lang="en-US" dirty="0"/>
+          </a:p>
+        </p:txBody>
+      </p:sp>
+      <p:sp>
+        <p:nvSpPr>
+          <p:cNvPr id="7" name="TextBox 6"/>
+          <p:cNvSpPr txBox="1"/>
+          <p:nvPr/>
+        </p:nvSpPr>
+        <p:spPr>
+          <a:xfrm>
+            <a:off x="5769458" y="5646752"/>
+            <a:ext cx="2731919" cy="369332"/>
+          </a:xfrm>
+          <a:prstGeom prst="rect">
+            <a:avLst/>
+          </a:prstGeom>
+          <a:noFill/>
+        </p:spPr>
+        <p:txBody>
+          <a:bodyPr wrap="square" rtlCol="0">
+            <a:spAutoFit/>
+          </a:bodyPr>
+          <a:lstStyle/>
+          <a:p>
+            <a:r>
+              <a:rPr lang="en-US" dirty="0" smtClean="0"/>
+              <a:t>Packet Size = [1,2,3,4,5]</a:t>
+            </a:r>
+            <a:endParaRPr lang="en-US" dirty="0"/>
+          </a:p>
+        </p:txBody>
+      </p:sp>
     </p:spTree>
     <p:extLst>
       <p:ext uri="{BB962C8B-B14F-4D97-AF65-F5344CB8AC3E}">
@@ -6319,6 +6261,126 @@
           </a:p>
         </p:txBody>
       </p:sp>
+      <p:pic>
+        <p:nvPicPr>
+          <p:cNvPr id="4" name="Picture 3" descr="fig-simulation_random_download-maxpackets-1_0_1_0_1_1_25.jpg"/>
+          <p:cNvPicPr>
+            <a:picLocks noChangeAspect="1"/>
+          </p:cNvPicPr>
+          <p:nvPr/>
+        </p:nvPicPr>
+        <p:blipFill>
+          <a:blip r:embed="rId2">
+            <a:extLst>
+              <a:ext uri="{28A0092B-C50C-407E-A947-70E740481C1C}">
+                <a14:useLocalDpi xmlns:a14="http://schemas.microsoft.com/office/drawing/2010/main" val="0"/>
+              </a:ext>
+            </a:extLst>
+          </a:blip>
+          <a:stretch>
+            <a:fillRect/>
+          </a:stretch>
+        </p:blipFill>
+        <p:spPr>
+          <a:xfrm>
+            <a:off x="-246137" y="1772044"/>
+            <a:ext cx="5027293" cy="3770470"/>
+          </a:xfrm>
+          <a:prstGeom prst="rect">
+            <a:avLst/>
+          </a:prstGeom>
+        </p:spPr>
+      </p:pic>
+      <p:pic>
+        <p:nvPicPr>
+          <p:cNvPr id="5" name="Picture 4" descr="fig-simulation_random_download-maxpackets-1_0_5_0_1_1_25.jpg"/>
+          <p:cNvPicPr>
+            <a:picLocks noChangeAspect="1"/>
+          </p:cNvPicPr>
+          <p:nvPr/>
+        </p:nvPicPr>
+        <p:blipFill>
+          <a:blip r:embed="rId3">
+            <a:extLst>
+              <a:ext uri="{28A0092B-C50C-407E-A947-70E740481C1C}">
+                <a14:useLocalDpi xmlns:a14="http://schemas.microsoft.com/office/drawing/2010/main" val="0"/>
+              </a:ext>
+            </a:extLst>
+          </a:blip>
+          <a:stretch>
+            <a:fillRect/>
+          </a:stretch>
+        </p:blipFill>
+        <p:spPr>
+          <a:xfrm>
+            <a:off x="4302681" y="1772044"/>
+            <a:ext cx="5323749" cy="3841335"/>
+          </a:xfrm>
+          <a:prstGeom prst="rect">
+            <a:avLst/>
+          </a:prstGeom>
+        </p:spPr>
+      </p:pic>
+      <p:sp>
+        <p:nvSpPr>
+          <p:cNvPr id="6" name="TextBox 5"/>
+          <p:cNvSpPr txBox="1"/>
+          <p:nvPr/>
+        </p:nvSpPr>
+        <p:spPr>
+          <a:xfrm>
+            <a:off x="1466978" y="5675257"/>
+            <a:ext cx="2185699" cy="369332"/>
+          </a:xfrm>
+          <a:prstGeom prst="rect">
+            <a:avLst/>
+          </a:prstGeom>
+          <a:noFill/>
+        </p:spPr>
+        <p:txBody>
+          <a:bodyPr wrap="square" rtlCol="0">
+            <a:spAutoFit/>
+          </a:bodyPr>
+          <a:lstStyle/>
+          <a:p>
+            <a:r>
+              <a:rPr lang="en-US" dirty="0" smtClean="0"/>
+              <a:t>Packet Size = [1]</a:t>
+            </a:r>
+            <a:endParaRPr lang="en-US" dirty="0"/>
+          </a:p>
+        </p:txBody>
+      </p:sp>
+      <p:sp>
+        <p:nvSpPr>
+          <p:cNvPr id="7" name="TextBox 6"/>
+          <p:cNvSpPr txBox="1"/>
+          <p:nvPr/>
+        </p:nvSpPr>
+        <p:spPr>
+          <a:xfrm>
+            <a:off x="5769458" y="5646752"/>
+            <a:ext cx="2731919" cy="369332"/>
+          </a:xfrm>
+          <a:prstGeom prst="rect">
+            <a:avLst/>
+          </a:prstGeom>
+          <a:noFill/>
+        </p:spPr>
+        <p:txBody>
+          <a:bodyPr wrap="square" rtlCol="0">
+            <a:spAutoFit/>
+          </a:bodyPr>
+          <a:lstStyle/>
+          <a:p>
+            <a:r>
+              <a:rPr lang="en-US" dirty="0" smtClean="0"/>
+              <a:t>Packet Size = [1,2,3,4,5]</a:t>
+            </a:r>
+            <a:endParaRPr lang="en-US" dirty="0"/>
+          </a:p>
+        </p:txBody>
+      </p:sp>
     </p:spTree>
     <p:extLst>
       <p:ext uri="{BB962C8B-B14F-4D97-AF65-F5344CB8AC3E}">
@@ -6361,50 +6423,81 @@
         </p:nvSpPr>
         <p:spPr/>
         <p:txBody>
+          <a:bodyPr/>
+          <a:lstStyle/>
+          <a:p>
+            <a:r>
+              <a:rPr lang="en-US" dirty="0" smtClean="0"/>
+              <a:t>Observations</a:t>
+            </a:r>
+            <a:endParaRPr lang="en-US" dirty="0"/>
+          </a:p>
+        </p:txBody>
+      </p:sp>
+      <p:sp>
+        <p:nvSpPr>
+          <p:cNvPr id="3" name="Content Placeholder 2"/>
+          <p:cNvSpPr>
+            <a:spLocks noGrp="1"/>
+          </p:cNvSpPr>
+          <p:nvPr>
+            <p:ph idx="1"/>
+          </p:nvPr>
+        </p:nvSpPr>
+        <p:spPr/>
+        <p:txBody>
           <a:bodyPr>
-            <a:normAutofit fontScale="90000"/>
+            <a:normAutofit lnSpcReduction="10000"/>
           </a:bodyPr>
           <a:lstStyle/>
           <a:p>
             <a:r>
-              <a:rPr lang="en-US" dirty="0" smtClean="0"/>
-              <a:t>Web Browsing: Varying </a:t>
-            </a:r>
-            <a:r>
-              <a:rPr lang="en-US" dirty="0" err="1" smtClean="0"/>
-              <a:t>Interarrival</a:t>
-            </a:r>
-            <a:r>
-              <a:rPr lang="en-US" dirty="0" smtClean="0"/>
-              <a:t> Time</a:t>
-            </a:r>
+              <a:rPr lang="en-US" b="1" dirty="0" smtClean="0"/>
+              <a:t>Average throughput</a:t>
+            </a:r>
+            <a:r>
+              <a:rPr lang="en-US" dirty="0" smtClean="0"/>
+              <a:t> increases as the time between file download bursts of packets increases</a:t>
+            </a:r>
+          </a:p>
+          <a:p>
+            <a:r>
+              <a:rPr lang="en-US" b="1" dirty="0" smtClean="0"/>
+              <a:t>Average throughput</a:t>
+            </a:r>
+            <a:r>
+              <a:rPr lang="en-US" dirty="0" smtClean="0"/>
+              <a:t> decreases as the size of packets increases</a:t>
+            </a:r>
+          </a:p>
+          <a:p>
+            <a:r>
+              <a:rPr lang="en-US" b="1" dirty="0" smtClean="0"/>
+              <a:t>Download throughput</a:t>
+            </a:r>
+            <a:r>
+              <a:rPr lang="en-US" dirty="0" smtClean="0"/>
+              <a:t> is starved due to increasing packet sizes</a:t>
+            </a:r>
+          </a:p>
+          <a:p>
+            <a:r>
+              <a:rPr lang="en-US" dirty="0" smtClean="0"/>
+              <a:t>Long times between bursts leave more room for other nodes to transmit </a:t>
+            </a:r>
+          </a:p>
+          <a:p>
+            <a:pPr marL="0" indent="0">
+              <a:buNone/>
+            </a:pPr>
             <a:endParaRPr lang="en-US" dirty="0"/>
-          </a:p>
-        </p:txBody>
-      </p:sp>
-      <p:sp>
-        <p:nvSpPr>
-          <p:cNvPr id="3" name="Content Placeholder 2"/>
-          <p:cNvSpPr>
-            <a:spLocks noGrp="1"/>
-          </p:cNvSpPr>
-          <p:nvPr>
-            <p:ph idx="1"/>
-          </p:nvPr>
-        </p:nvSpPr>
-        <p:spPr/>
-        <p:txBody>
-          <a:bodyPr/>
-          <a:lstStyle/>
-          <a:p>
-            <a:endParaRPr lang="en-US"/>
           </a:p>
         </p:txBody>
       </p:sp>
     </p:spTree>
     <p:extLst>
       <p:ext uri="{BB962C8B-B14F-4D97-AF65-F5344CB8AC3E}">
-        <p14:creationId xmlns:p14="http://schemas.microsoft.com/office/powerpoint/2010/main" val="3605966855"/>
+        <p14:creationId xmlns:p14="http://schemas.microsoft.com/office/powerpoint/2010/main" val="68225269"/>
       </p:ext>
     </p:extLst>
   </p:cSld>
@@ -6450,7 +6543,7 @@
           <a:p>
             <a:r>
               <a:rPr lang="en-US" dirty="0" smtClean="0"/>
-              <a:t>Web Browsing: Varying </a:t>
+              <a:t>Web Browsing: Probability of Varying </a:t>
             </a:r>
             <a:r>
               <a:rPr lang="en-US" dirty="0" err="1" smtClean="0"/>
@@ -6458,35 +6551,136 @@
             </a:r>
             <a:r>
               <a:rPr lang="en-US" dirty="0" smtClean="0"/>
-              <a:t> Time</a:t>
+              <a:t> </a:t>
             </a:r>
             <a:endParaRPr lang="en-US" dirty="0"/>
           </a:p>
         </p:txBody>
       </p:sp>
-      <p:sp>
-        <p:nvSpPr>
-          <p:cNvPr id="3" name="Content Placeholder 2"/>
-          <p:cNvSpPr>
-            <a:spLocks noGrp="1"/>
-          </p:cNvSpPr>
-          <p:nvPr>
-            <p:ph idx="1"/>
-          </p:nvPr>
-        </p:nvSpPr>
-        <p:spPr/>
-        <p:txBody>
-          <a:bodyPr/>
-          <a:lstStyle/>
-          <a:p>
-            <a:endParaRPr lang="en-US"/>
+      <p:pic>
+        <p:nvPicPr>
+          <p:cNvPr id="4" name="Picture 3" descr="fig-simulation_random_web-penter-1_0_1_0_1_20_20.jpg"/>
+          <p:cNvPicPr>
+            <a:picLocks noChangeAspect="1"/>
+          </p:cNvPicPr>
+          <p:nvPr/>
+        </p:nvPicPr>
+        <p:blipFill>
+          <a:blip r:embed="rId2">
+            <a:extLst>
+              <a:ext uri="{28A0092B-C50C-407E-A947-70E740481C1C}">
+                <a14:useLocalDpi xmlns:a14="http://schemas.microsoft.com/office/drawing/2010/main" val="0"/>
+              </a:ext>
+            </a:extLst>
+          </a:blip>
+          <a:stretch>
+            <a:fillRect/>
+          </a:stretch>
+        </p:blipFill>
+        <p:spPr>
+          <a:xfrm>
+            <a:off x="-127991" y="1821252"/>
+            <a:ext cx="5070428" cy="3802821"/>
+          </a:xfrm>
+          <a:prstGeom prst="rect">
+            <a:avLst/>
+          </a:prstGeom>
+        </p:spPr>
+      </p:pic>
+      <p:pic>
+        <p:nvPicPr>
+          <p:cNvPr id="5" name="Picture 4" descr="fig-simulation_random_web-penter-1_0_5_0_1_20_20.jpg"/>
+          <p:cNvPicPr>
+            <a:picLocks noChangeAspect="1"/>
+          </p:cNvPicPr>
+          <p:nvPr/>
+        </p:nvPicPr>
+        <p:blipFill>
+          <a:blip r:embed="rId3">
+            <a:extLst>
+              <a:ext uri="{28A0092B-C50C-407E-A947-70E740481C1C}">
+                <a14:useLocalDpi xmlns:a14="http://schemas.microsoft.com/office/drawing/2010/main" val="0"/>
+              </a:ext>
+            </a:extLst>
+          </a:blip>
+          <a:stretch>
+            <a:fillRect/>
+          </a:stretch>
+        </p:blipFill>
+        <p:spPr>
+          <a:xfrm>
+            <a:off x="4469854" y="1808330"/>
+            <a:ext cx="5087657" cy="3815743"/>
+          </a:xfrm>
+          <a:prstGeom prst="rect">
+            <a:avLst/>
+          </a:prstGeom>
+        </p:spPr>
+      </p:pic>
+      <p:sp>
+        <p:nvSpPr>
+          <p:cNvPr id="6" name="TextBox 5"/>
+          <p:cNvSpPr txBox="1"/>
+          <p:nvPr/>
+        </p:nvSpPr>
+        <p:spPr>
+          <a:xfrm>
+            <a:off x="1466978" y="5675257"/>
+            <a:ext cx="2185699" cy="369332"/>
+          </a:xfrm>
+          <a:prstGeom prst="rect">
+            <a:avLst/>
+          </a:prstGeom>
+          <a:noFill/>
+        </p:spPr>
+        <p:txBody>
+          <a:bodyPr wrap="square" rtlCol="0">
+            <a:spAutoFit/>
+          </a:bodyPr>
+          <a:lstStyle/>
+          <a:p>
+            <a:r>
+              <a:rPr lang="en-US" dirty="0" smtClean="0"/>
+              <a:t>Packet Size = [1]</a:t>
+            </a:r>
+            <a:endParaRPr lang="en-US" dirty="0"/>
+          </a:p>
+        </p:txBody>
+      </p:sp>
+      <p:sp>
+        <p:nvSpPr>
+          <p:cNvPr id="7" name="TextBox 6"/>
+          <p:cNvSpPr txBox="1"/>
+          <p:nvPr/>
+        </p:nvSpPr>
+        <p:spPr>
+          <a:xfrm>
+            <a:off x="5769458" y="5646752"/>
+            <a:ext cx="2731919" cy="369332"/>
+          </a:xfrm>
+          <a:prstGeom prst="rect">
+            <a:avLst/>
+          </a:prstGeom>
+          <a:noFill/>
+        </p:spPr>
+        <p:txBody>
+          <a:bodyPr wrap="square" rtlCol="0">
+            <a:spAutoFit/>
+          </a:bodyPr>
+          <a:lstStyle/>
+          <a:p>
+            <a:r>
+              <a:rPr lang="en-US" dirty="0" smtClean="0"/>
+              <a:t>Packet Size = [1,2,3,4,5]</a:t>
+            </a:r>
+            <a:endParaRPr lang="en-US" dirty="0"/>
           </a:p>
         </p:txBody>
       </p:sp>
     </p:spTree>
     <p:extLst>
       <p:ext uri="{BB962C8B-B14F-4D97-AF65-F5344CB8AC3E}">
-        <p14:creationId xmlns:p14="http://schemas.microsoft.com/office/powerpoint/2010/main" val="1633313395"/>
+        <p14:creationId xmlns:p14="http://schemas.microsoft.com/office/powerpoint/2010/main" val="3605966855"/>
       </p:ext>
     </p:extLst>
   </p:cSld>
@@ -6530,7 +6724,7 @@
           <a:p>
             <a:r>
               <a:rPr lang="en-US" dirty="0" smtClean="0"/>
-              <a:t>Multimedia: Varying Streaming BPS</a:t>
+              <a:t>Observations</a:t>
             </a:r>
             <a:endParaRPr lang="en-US" dirty="0"/>
           </a:p>
@@ -6551,14 +6745,18 @@
           <a:bodyPr/>
           <a:lstStyle/>
           <a:p>
-            <a:endParaRPr lang="en-US"/>
+            <a:r>
+              <a:rPr lang="en-US" dirty="0" smtClean="0"/>
+              <a:t>TODO</a:t>
+            </a:r>
+            <a:endParaRPr lang="en-US" dirty="0"/>
           </a:p>
         </p:txBody>
       </p:sp>
     </p:spTree>
     <p:extLst>
       <p:ext uri="{BB962C8B-B14F-4D97-AF65-F5344CB8AC3E}">
-        <p14:creationId xmlns:p14="http://schemas.microsoft.com/office/powerpoint/2010/main" val="1110711269"/>
+        <p14:creationId xmlns:p14="http://schemas.microsoft.com/office/powerpoint/2010/main" val="3202165143"/>
       </p:ext>
     </p:extLst>
   </p:cSld>
@@ -6748,14 +6946,102 @@
         </p:nvSpPr>
         <p:spPr/>
         <p:txBody>
-          <a:bodyPr>
-            <a:normAutofit fontScale="90000"/>
+          <a:bodyPr/>
+          <a:lstStyle/>
+          <a:p>
+            <a:r>
+              <a:rPr lang="en-US" dirty="0" smtClean="0"/>
+              <a:t>Multimedia: Varying Streaming BPS</a:t>
+            </a:r>
+            <a:endParaRPr lang="en-US" dirty="0"/>
+          </a:p>
+        </p:txBody>
+      </p:sp>
+      <p:pic>
+        <p:nvPicPr>
+          <p:cNvPr id="4" name="Picture 3" descr="fig-simulation_random_multimedia-bps-1_0_5_0_12000.jpg"/>
+          <p:cNvPicPr>
+            <a:picLocks noChangeAspect="1"/>
+          </p:cNvPicPr>
+          <p:nvPr/>
+        </p:nvPicPr>
+        <p:blipFill>
+          <a:blip r:embed="rId2">
+            <a:extLst>
+              <a:ext uri="{28A0092B-C50C-407E-A947-70E740481C1C}">
+                <a14:useLocalDpi xmlns:a14="http://schemas.microsoft.com/office/drawing/2010/main" val="0"/>
+              </a:ext>
+            </a:extLst>
+          </a:blip>
+          <a:stretch>
+            <a:fillRect/>
+          </a:stretch>
+        </p:blipFill>
+        <p:spPr>
+          <a:xfrm>
+            <a:off x="4558461" y="1610879"/>
+            <a:ext cx="4975513" cy="3923859"/>
+          </a:xfrm>
+          <a:prstGeom prst="rect">
+            <a:avLst/>
+          </a:prstGeom>
+        </p:spPr>
+      </p:pic>
+      <p:pic>
+        <p:nvPicPr>
+          <p:cNvPr id="5" name="Picture 4" descr="fig-simulation_random_multimedia-bps-1_0_1_0_12000.jpg"/>
+          <p:cNvPicPr>
+            <a:picLocks noChangeAspect="1"/>
+          </p:cNvPicPr>
+          <p:nvPr/>
+        </p:nvPicPr>
+        <p:blipFill>
+          <a:blip r:embed="rId3">
+            <a:extLst>
+              <a:ext uri="{28A0092B-C50C-407E-A947-70E740481C1C}">
+                <a14:useLocalDpi xmlns:a14="http://schemas.microsoft.com/office/drawing/2010/main" val="0"/>
+              </a:ext>
+            </a:extLst>
+          </a:blip>
+          <a:stretch>
+            <a:fillRect/>
+          </a:stretch>
+        </p:blipFill>
+        <p:spPr>
+          <a:xfrm>
+            <a:off x="-277993" y="1610879"/>
+            <a:ext cx="5182476" cy="3886857"/>
+          </a:xfrm>
+          <a:prstGeom prst="rect">
+            <a:avLst/>
+          </a:prstGeom>
+        </p:spPr>
+      </p:pic>
+      <p:sp>
+        <p:nvSpPr>
+          <p:cNvPr id="6" name="TextBox 5"/>
+          <p:cNvSpPr txBox="1"/>
+          <p:nvPr/>
+        </p:nvSpPr>
+        <p:spPr>
+          <a:xfrm>
+            <a:off x="1466978" y="5675257"/>
+            <a:ext cx="2185699" cy="369332"/>
+          </a:xfrm>
+          <a:prstGeom prst="rect">
+            <a:avLst/>
+          </a:prstGeom>
+          <a:noFill/>
+        </p:spPr>
+        <p:txBody>
+          <a:bodyPr wrap="square" rtlCol="0">
+            <a:spAutoFit/>
           </a:bodyPr>
           <a:lstStyle/>
           <a:p>
             <a:r>
               <a:rPr lang="en-US" dirty="0" smtClean="0"/>
-              <a:t>Multimedia: Varying Payload Size</a:t>
+              <a:t>Packet Size = [1]</a:t>
             </a:r>
             <a:endParaRPr lang="en-US" dirty="0"/>
           </a:p>
@@ -6763,27 +7049,38 @@
       </p:sp>
       <p:sp>
         <p:nvSpPr>
-          <p:cNvPr id="3" name="Content Placeholder 2"/>
-          <p:cNvSpPr>
-            <a:spLocks noGrp="1"/>
-          </p:cNvSpPr>
-          <p:nvPr>
-            <p:ph idx="1"/>
-          </p:nvPr>
-        </p:nvSpPr>
-        <p:spPr/>
-        <p:txBody>
-          <a:bodyPr/>
-          <a:lstStyle/>
-          <a:p>
-            <a:endParaRPr lang="en-US"/>
+          <p:cNvPr id="7" name="TextBox 6"/>
+          <p:cNvSpPr txBox="1"/>
+          <p:nvPr/>
+        </p:nvSpPr>
+        <p:spPr>
+          <a:xfrm>
+            <a:off x="5769458" y="5646752"/>
+            <a:ext cx="2731919" cy="369332"/>
+          </a:xfrm>
+          <a:prstGeom prst="rect">
+            <a:avLst/>
+          </a:prstGeom>
+          <a:noFill/>
+        </p:spPr>
+        <p:txBody>
+          <a:bodyPr wrap="square" rtlCol="0">
+            <a:spAutoFit/>
+          </a:bodyPr>
+          <a:lstStyle/>
+          <a:p>
+            <a:r>
+              <a:rPr lang="en-US" dirty="0" smtClean="0"/>
+              <a:t>Packet Size = [1,2,3,4,5]</a:t>
+            </a:r>
+            <a:endParaRPr lang="en-US" dirty="0"/>
           </a:p>
         </p:txBody>
       </p:sp>
     </p:spTree>
     <p:extLst>
       <p:ext uri="{BB962C8B-B14F-4D97-AF65-F5344CB8AC3E}">
-        <p14:creationId xmlns:p14="http://schemas.microsoft.com/office/powerpoint/2010/main" val="104946808"/>
+        <p14:creationId xmlns:p14="http://schemas.microsoft.com/office/powerpoint/2010/main" val="1110711269"/>
       </p:ext>
     </p:extLst>
   </p:cSld>
@@ -6827,6 +7124,106 @@
           <a:p>
             <a:r>
               <a:rPr lang="en-US" dirty="0" smtClean="0"/>
+              <a:t>Observations</a:t>
+            </a:r>
+            <a:endParaRPr lang="en-US" dirty="0"/>
+          </a:p>
+        </p:txBody>
+      </p:sp>
+      <p:sp>
+        <p:nvSpPr>
+          <p:cNvPr id="3" name="Content Placeholder 2"/>
+          <p:cNvSpPr>
+            <a:spLocks noGrp="1"/>
+          </p:cNvSpPr>
+          <p:nvPr>
+            <p:ph idx="1"/>
+          </p:nvPr>
+        </p:nvSpPr>
+        <p:spPr/>
+        <p:txBody>
+          <a:bodyPr/>
+          <a:lstStyle/>
+          <a:p>
+            <a:r>
+              <a:rPr lang="en-US" dirty="0" smtClean="0"/>
+              <a:t>Higher streaming constraints starve other nodes in the network</a:t>
+            </a:r>
+          </a:p>
+          <a:p>
+            <a:pPr lvl="1"/>
+            <a:r>
+              <a:rPr lang="en-US" dirty="0" smtClean="0"/>
+              <a:t>Multimedia node throughput increases and random node throughput decreases as a function of streaming quality</a:t>
+            </a:r>
+          </a:p>
+          <a:p>
+            <a:r>
+              <a:rPr lang="en-US" dirty="0" smtClean="0"/>
+              <a:t>Small packet sizes for random nodes aren’t affected by multimedia streaming</a:t>
+            </a:r>
+          </a:p>
+          <a:p>
+            <a:pPr lvl="1"/>
+            <a:r>
+              <a:rPr lang="en-US" dirty="0" smtClean="0"/>
+              <a:t>Probable cause: streams of traffic are </a:t>
+            </a:r>
+            <a:r>
+              <a:rPr lang="en-US" i="1" dirty="0" smtClean="0"/>
+              <a:t>mixed together</a:t>
+            </a:r>
+            <a:endParaRPr lang="en-US" i="1" dirty="0"/>
+          </a:p>
+        </p:txBody>
+      </p:sp>
+    </p:spTree>
+    <p:extLst>
+      <p:ext uri="{BB962C8B-B14F-4D97-AF65-F5344CB8AC3E}">
+        <p14:creationId xmlns:p14="http://schemas.microsoft.com/office/powerpoint/2010/main" val="3600294198"/>
+      </p:ext>
+    </p:extLst>
+  </p:cSld>
+  <p:clrMapOvr>
+    <a:masterClrMapping/>
+  </p:clrMapOvr>
+</p:sld>
+</file>
+
+<file path=ppt/slides/slide32.xml><?xml version="1.0" encoding="utf-8"?>
+<p:sld xmlns:a="http://schemas.openxmlformats.org/drawingml/2006/main" xmlns:r="http://schemas.openxmlformats.org/officeDocument/2006/relationships" xmlns:p="http://schemas.openxmlformats.org/presentationml/2006/main">
+  <p:cSld>
+    <p:spTree>
+      <p:nvGrpSpPr>
+        <p:cNvPr id="1" name=""/>
+        <p:cNvGrpSpPr/>
+        <p:nvPr/>
+      </p:nvGrpSpPr>
+      <p:grpSpPr>
+        <a:xfrm>
+          <a:off x="0" y="0"/>
+          <a:ext cx="0" cy="0"/>
+          <a:chOff x="0" y="0"/>
+          <a:chExt cx="0" cy="0"/>
+        </a:xfrm>
+      </p:grpSpPr>
+      <p:sp>
+        <p:nvSpPr>
+          <p:cNvPr id="2" name="Title 1"/>
+          <p:cNvSpPr>
+            <a:spLocks noGrp="1"/>
+          </p:cNvSpPr>
+          <p:nvPr>
+            <p:ph type="title"/>
+          </p:nvPr>
+        </p:nvSpPr>
+        <p:spPr/>
+        <p:txBody>
+          <a:bodyPr/>
+          <a:lstStyle/>
+          <a:p>
+            <a:r>
+              <a:rPr lang="en-US" dirty="0" smtClean="0"/>
               <a:t>Conclusions</a:t>
             </a:r>
             <a:endParaRPr lang="en-US" dirty="0"/>
@@ -6845,8 +7242,50 @@
         </p:nvSpPr>
         <p:spPr/>
         <p:txBody>
-          <a:bodyPr/>
-          <a:lstStyle/>
+          <a:bodyPr>
+            <a:normAutofit fontScale="85000" lnSpcReduction="10000"/>
+          </a:bodyPr>
+          <a:lstStyle/>
+          <a:p>
+            <a:r>
+              <a:rPr lang="en-US" dirty="0" smtClean="0"/>
+              <a:t>The 802.11 DCF function behaves differently depending on the type of traffic being transmitted</a:t>
+            </a:r>
+          </a:p>
+          <a:p>
+            <a:r>
+              <a:rPr lang="en-US" dirty="0" smtClean="0"/>
+              <a:t>Throughput quickly degrades as more than one node is using the channel (higher collision probability)</a:t>
+            </a:r>
+          </a:p>
+          <a:p>
+            <a:r>
+              <a:rPr lang="en-US" dirty="0" smtClean="0"/>
+              <a:t>Application-agnostic random </a:t>
+            </a:r>
+            <a:r>
+              <a:rPr lang="en-US" dirty="0" err="1" smtClean="0"/>
+              <a:t>backoffs</a:t>
+            </a:r>
+            <a:r>
+              <a:rPr lang="en-US" dirty="0" smtClean="0"/>
+              <a:t> are perhaps not the best choice for collision avoidance when dealing with non-multimedia streams</a:t>
+            </a:r>
+          </a:p>
+          <a:p>
+            <a:r>
+              <a:rPr lang="en-US" dirty="0" smtClean="0"/>
+              <a:t>Random </a:t>
+            </a:r>
+            <a:r>
+              <a:rPr lang="en-US" dirty="0" err="1" smtClean="0"/>
+              <a:t>backoffs</a:t>
+            </a:r>
+            <a:r>
+              <a:rPr lang="en-US" dirty="0" smtClean="0"/>
+              <a:t> serve multimedia traffic quite well in the presence of other nodes</a:t>
+            </a:r>
+          </a:p>
           <a:p>
             <a:endParaRPr lang="en-US" dirty="0"/>
           </a:p>
@@ -6856,6 +7295,64 @@
     <p:extLst>
       <p:ext uri="{BB962C8B-B14F-4D97-AF65-F5344CB8AC3E}">
         <p14:creationId xmlns:p14="http://schemas.microsoft.com/office/powerpoint/2010/main" val="1278045240"/>
+      </p:ext>
+    </p:extLst>
+  </p:cSld>
+  <p:clrMapOvr>
+    <a:masterClrMapping/>
+  </p:clrMapOvr>
+</p:sld>
+</file>
+
+<file path=ppt/slides/slide33.xml><?xml version="1.0" encoding="utf-8"?>
+<p:sld xmlns:a="http://schemas.openxmlformats.org/drawingml/2006/main" xmlns:r="http://schemas.openxmlformats.org/officeDocument/2006/relationships" xmlns:p="http://schemas.openxmlformats.org/presentationml/2006/main">
+  <p:cSld>
+    <p:spTree>
+      <p:nvGrpSpPr>
+        <p:cNvPr id="1" name=""/>
+        <p:cNvGrpSpPr/>
+        <p:nvPr/>
+      </p:nvGrpSpPr>
+      <p:grpSpPr>
+        <a:xfrm>
+          <a:off x="0" y="0"/>
+          <a:ext cx="0" cy="0"/>
+          <a:chOff x="0" y="0"/>
+          <a:chExt cx="0" cy="0"/>
+        </a:xfrm>
+      </p:grpSpPr>
+      <p:sp>
+        <p:nvSpPr>
+          <p:cNvPr id="2" name="Title 1"/>
+          <p:cNvSpPr>
+            <a:spLocks noGrp="1"/>
+          </p:cNvSpPr>
+          <p:nvPr>
+            <p:ph type="title"/>
+          </p:nvPr>
+        </p:nvSpPr>
+        <p:spPr>
+          <a:xfrm>
+            <a:off x="388281" y="2706255"/>
+            <a:ext cx="8229600" cy="1143000"/>
+          </a:xfrm>
+        </p:spPr>
+        <p:txBody>
+          <a:bodyPr/>
+          <a:lstStyle/>
+          <a:p>
+            <a:r>
+              <a:rPr lang="en-US" dirty="0" smtClean="0"/>
+              <a:t>Questions?</a:t>
+            </a:r>
+            <a:endParaRPr lang="en-US" dirty="0"/>
+          </a:p>
+        </p:txBody>
+      </p:sp>
+    </p:spTree>
+    <p:extLst>
+      <p:ext uri="{BB962C8B-B14F-4D97-AF65-F5344CB8AC3E}">
+        <p14:creationId xmlns:p14="http://schemas.microsoft.com/office/powerpoint/2010/main" val="2962913224"/>
       </p:ext>
     </p:extLst>
   </p:cSld>

--- a/presentation/slides.pptx
+++ b/presentation/slides.pptx
@@ -11,20 +11,20 @@
     <p:sldId id="256" r:id="rId2"/>
     <p:sldId id="257" r:id="rId3"/>
     <p:sldId id="258" r:id="rId4"/>
-    <p:sldId id="259" r:id="rId5"/>
-    <p:sldId id="260" r:id="rId6"/>
-    <p:sldId id="261" r:id="rId7"/>
-    <p:sldId id="262" r:id="rId8"/>
-    <p:sldId id="263" r:id="rId9"/>
-    <p:sldId id="272" r:id="rId10"/>
-    <p:sldId id="264" r:id="rId11"/>
-    <p:sldId id="269" r:id="rId12"/>
-    <p:sldId id="271" r:id="rId13"/>
-    <p:sldId id="292" r:id="rId14"/>
-    <p:sldId id="293" r:id="rId15"/>
-    <p:sldId id="294" r:id="rId16"/>
-    <p:sldId id="295" r:id="rId17"/>
-    <p:sldId id="296" r:id="rId18"/>
+    <p:sldId id="261" r:id="rId5"/>
+    <p:sldId id="262" r:id="rId6"/>
+    <p:sldId id="259" r:id="rId7"/>
+    <p:sldId id="298" r:id="rId8"/>
+    <p:sldId id="299" r:id="rId9"/>
+    <p:sldId id="260" r:id="rId10"/>
+    <p:sldId id="263" r:id="rId11"/>
+    <p:sldId id="292" r:id="rId12"/>
+    <p:sldId id="293" r:id="rId13"/>
+    <p:sldId id="294" r:id="rId14"/>
+    <p:sldId id="295" r:id="rId15"/>
+    <p:sldId id="296" r:id="rId16"/>
+    <p:sldId id="264" r:id="rId17"/>
+    <p:sldId id="271" r:id="rId18"/>
     <p:sldId id="297" r:id="rId19"/>
     <p:sldId id="266" r:id="rId20"/>
     <p:sldId id="273" r:id="rId21"/>
@@ -3680,7 +3680,7 @@
           <a:p>
             <a:r>
               <a:rPr lang="en-US" dirty="0" smtClean="0"/>
-              <a:t>Variable Packet Size</a:t>
+              <a:t>Supporting Unsaturated Traffic</a:t>
             </a:r>
             <a:endParaRPr lang="en-US" dirty="0"/>
           </a:p>
@@ -3688,7 +3688,7 @@
       </p:sp>
       <p:pic>
         <p:nvPicPr>
-          <p:cNvPr id="4" name="Picture 3" descr="dcf_model_unsaturated_varpktsize.png"/>
+          <p:cNvPr id="4" name="Picture 3" descr="dcf_model_nonsaturated.png"/>
           <p:cNvPicPr>
             <a:picLocks noChangeAspect="1"/>
           </p:cNvPicPr>
@@ -3708,8 +3708,8 @@
         </p:blipFill>
         <p:spPr>
           <a:xfrm>
-            <a:off x="1231393" y="1337442"/>
-            <a:ext cx="6869881" cy="5318498"/>
+            <a:off x="1396796" y="1173870"/>
+            <a:ext cx="6079859" cy="5597532"/>
           </a:xfrm>
           <a:prstGeom prst="rect">
             <a:avLst/>
@@ -3719,7 +3719,7 @@
     </p:spTree>
     <p:extLst>
       <p:ext uri="{BB962C8B-B14F-4D97-AF65-F5344CB8AC3E}">
-        <p14:creationId xmlns:p14="http://schemas.microsoft.com/office/powerpoint/2010/main" val="2057849949"/>
+        <p14:creationId xmlns:p14="http://schemas.microsoft.com/office/powerpoint/2010/main" val="2467530606"/>
       </p:ext>
     </p:extLst>
   </p:cSld>
@@ -3746,36 +3746,6 @@
           <a:chExt cx="0" cy="0"/>
         </a:xfrm>
       </p:grpSpPr>
-      <p:pic>
-        <p:nvPicPr>
-          <p:cNvPr id="4" name="Picture 3" descr="dcf_model_unsaturated_varpktsize_interarrival.png"/>
-          <p:cNvPicPr>
-            <a:picLocks noChangeAspect="1"/>
-          </p:cNvPicPr>
-          <p:nvPr/>
-        </p:nvPicPr>
-        <p:blipFill>
-          <a:blip r:embed="rId2">
-            <a:extLst>
-              <a:ext uri="{28A0092B-C50C-407E-A947-70E740481C1C}">
-                <a14:useLocalDpi xmlns:a14="http://schemas.microsoft.com/office/drawing/2010/main" val="0"/>
-              </a:ext>
-            </a:extLst>
-          </a:blip>
-          <a:stretch>
-            <a:fillRect/>
-          </a:stretch>
-        </p:blipFill>
-        <p:spPr>
-          <a:xfrm>
-            <a:off x="1437970" y="1048786"/>
-            <a:ext cx="6153366" cy="5809214"/>
-          </a:xfrm>
-          <a:prstGeom prst="rect">
-            <a:avLst/>
-          </a:prstGeom>
-        </p:spPr>
-      </p:pic>
       <p:sp>
         <p:nvSpPr>
           <p:cNvPr id="2" name="Title 1"/>
@@ -3792,13 +3762,103 @@
           <a:lstStyle/>
           <a:p>
             <a:r>
+              <a:rPr lang="en-US" dirty="0" smtClean="0"/>
+              <a:t>Creating a more complex DCF</a:t>
+            </a:r>
+            <a:endParaRPr lang="en-US" dirty="0"/>
+          </a:p>
+        </p:txBody>
+      </p:sp>
+      <p:sp>
+        <p:nvSpPr>
+          <p:cNvPr id="3" name="Content Placeholder 2"/>
+          <p:cNvSpPr>
+            <a:spLocks noGrp="1"/>
+          </p:cNvSpPr>
+          <p:nvPr>
+            <p:ph idx="1"/>
+          </p:nvPr>
+        </p:nvSpPr>
+        <p:spPr/>
+        <p:txBody>
+          <a:bodyPr>
+            <a:normAutofit fontScale="92500" lnSpcReduction="10000"/>
+          </a:bodyPr>
+          <a:lstStyle/>
+          <a:p>
+            <a:r>
+              <a:rPr lang="en-US" dirty="0" smtClean="0"/>
+              <a:t>Adding features adds new dimensions to the 2D DCF</a:t>
+            </a:r>
+          </a:p>
+          <a:p>
+            <a:pPr lvl="1"/>
+            <a:r>
               <a:rPr lang="en-US" dirty="0" err="1" smtClean="0"/>
-              <a:t>Interarrival</a:t>
-            </a:r>
-            <a:r>
-              <a:rPr lang="en-US" dirty="0" smtClean="0"/>
-              <a:t> Time</a:t>
-            </a:r>
+              <a:t>Packetsize</a:t>
+            </a:r>
+            <a:r>
+              <a:rPr lang="en-US" dirty="0" smtClean="0"/>
+              <a:t>, </a:t>
+            </a:r>
+            <a:r>
+              <a:rPr lang="en-US" dirty="0" err="1" smtClean="0"/>
+              <a:t>interarrival</a:t>
+            </a:r>
+            <a:r>
+              <a:rPr lang="en-US" dirty="0" smtClean="0"/>
+              <a:t>, </a:t>
+            </a:r>
+            <a:r>
+              <a:rPr lang="en-US" dirty="0" err="1" smtClean="0"/>
+              <a:t>postbackoff</a:t>
+            </a:r>
+            <a:r>
+              <a:rPr lang="en-US" dirty="0" smtClean="0"/>
+              <a:t>, etc…</a:t>
+            </a:r>
+          </a:p>
+          <a:p>
+            <a:r>
+              <a:rPr lang="en-US" dirty="0" smtClean="0"/>
+              <a:t>Create small Markov models</a:t>
+            </a:r>
+          </a:p>
+          <a:p>
+            <a:pPr lvl="1"/>
+            <a:r>
+              <a:rPr lang="en-US" dirty="0" smtClean="0"/>
+              <a:t>Treat each as a black box</a:t>
+            </a:r>
+          </a:p>
+          <a:p>
+            <a:pPr lvl="1"/>
+            <a:r>
+              <a:rPr lang="en-US" dirty="0" smtClean="0"/>
+              <a:t>Connect them through instantaneous transitions</a:t>
+            </a:r>
+          </a:p>
+          <a:p>
+            <a:r>
+              <a:rPr lang="en-US" dirty="0" smtClean="0"/>
+              <a:t>Compressible states</a:t>
+            </a:r>
+          </a:p>
+          <a:p>
+            <a:pPr lvl="1"/>
+            <a:r>
+              <a:rPr lang="en-US" dirty="0" smtClean="0"/>
+              <a:t>Temporary logical states</a:t>
+            </a:r>
+          </a:p>
+          <a:p>
+            <a:pPr lvl="1"/>
+            <a:r>
+              <a:rPr lang="en-US" dirty="0" smtClean="0"/>
+              <a:t>Probabilities distributed to real states in preprocessing</a:t>
+            </a:r>
+          </a:p>
+          <a:p>
             <a:endParaRPr lang="en-US" dirty="0"/>
           </a:p>
         </p:txBody>
@@ -3806,13 +3866,20 @@
     </p:spTree>
     <p:extLst>
       <p:ext uri="{BB962C8B-B14F-4D97-AF65-F5344CB8AC3E}">
-        <p14:creationId xmlns:p14="http://schemas.microsoft.com/office/powerpoint/2010/main" val="3186502486"/>
+        <p14:creationId xmlns:p14="http://schemas.microsoft.com/office/powerpoint/2010/main" val="2913508524"/>
       </p:ext>
     </p:extLst>
   </p:cSld>
   <p:clrMapOvr>
     <a:masterClrMapping/>
   </p:clrMapOvr>
+  <p:timing>
+    <p:tnLst>
+      <p:par>
+        <p:cTn xmlns:p14="http://schemas.microsoft.com/office/powerpoint/2010/main" id="1" dur="indefinite" restart="never" nodeType="tmRoot"/>
+      </p:par>
+    </p:tnLst>
+  </p:timing>
 </p:sld>
 </file>
 
@@ -3850,69 +3917,1106 @@
           <a:p>
             <a:r>
               <a:rPr lang="en-US" dirty="0" smtClean="0"/>
-              <a:t>Varying Packet Types</a:t>
+              <a:t>Compressible States</a:t>
             </a:r>
             <a:endParaRPr lang="en-US" dirty="0"/>
           </a:p>
         </p:txBody>
       </p:sp>
-      <p:sp>
-        <p:nvSpPr>
-          <p:cNvPr id="3" name="Content Placeholder 2"/>
-          <p:cNvSpPr>
-            <a:spLocks noGrp="1"/>
-          </p:cNvSpPr>
-          <p:nvPr>
-            <p:ph idx="1"/>
-          </p:nvPr>
-        </p:nvSpPr>
-        <p:spPr/>
-        <p:txBody>
-          <a:bodyPr>
-            <a:normAutofit lnSpcReduction="10000"/>
+      <p:cxnSp>
+        <p:nvCxnSpPr>
+          <p:cNvPr id="5" name="Straight Connector 4"/>
+          <p:cNvCxnSpPr>
+            <a:stCxn id="2" idx="2"/>
+          </p:cNvCxnSpPr>
+          <p:nvPr/>
+        </p:nvCxnSpPr>
+        <p:spPr>
+          <a:xfrm flipH="1">
+            <a:off x="4559643" y="1690688"/>
+            <a:ext cx="12357" cy="4907820"/>
+          </a:xfrm>
+          <a:prstGeom prst="line">
+            <a:avLst/>
+          </a:prstGeom>
+        </p:spPr>
+        <p:style>
+          <a:lnRef idx="1">
+            <a:schemeClr val="accent1"/>
+          </a:lnRef>
+          <a:fillRef idx="0">
+            <a:schemeClr val="accent1"/>
+          </a:fillRef>
+          <a:effectRef idx="0">
+            <a:schemeClr val="accent1"/>
+          </a:effectRef>
+          <a:fontRef idx="minor">
+            <a:schemeClr val="tx1"/>
+          </a:fontRef>
+        </p:style>
+      </p:cxnSp>
+      <p:sp>
+        <p:nvSpPr>
+          <p:cNvPr id="7" name="Rectangle 6"/>
+          <p:cNvSpPr/>
+          <p:nvPr/>
+        </p:nvSpPr>
+        <p:spPr>
+          <a:xfrm>
+            <a:off x="1686698" y="2508423"/>
+            <a:ext cx="657997" cy="877329"/>
+          </a:xfrm>
+          <a:prstGeom prst="rect">
+            <a:avLst/>
+          </a:prstGeom>
+          <a:solidFill>
+            <a:schemeClr val="accent6">
+              <a:lumMod val="20000"/>
+              <a:lumOff val="80000"/>
+            </a:schemeClr>
+          </a:solidFill>
+        </p:spPr>
+        <p:style>
+          <a:lnRef idx="2">
+            <a:schemeClr val="accent1">
+              <a:shade val="50000"/>
+            </a:schemeClr>
+          </a:lnRef>
+          <a:fillRef idx="1">
+            <a:schemeClr val="accent1"/>
+          </a:fillRef>
+          <a:effectRef idx="0">
+            <a:schemeClr val="accent1"/>
+          </a:effectRef>
+          <a:fontRef idx="minor">
+            <a:schemeClr val="lt1"/>
+          </a:fontRef>
+        </p:style>
+        <p:txBody>
+          <a:bodyPr rtlCol="0" anchor="ctr"/>
+          <a:lstStyle/>
+          <a:p>
+            <a:pPr algn="ctr"/>
+            <a:r>
+              <a:rPr lang="en-US" dirty="0" smtClean="0">
+                <a:solidFill>
+                  <a:schemeClr val="tx1"/>
+                </a:solidFill>
+              </a:rPr>
+              <a:t>x1</a:t>
+            </a:r>
+            <a:endParaRPr lang="en-US" dirty="0">
+              <a:solidFill>
+                <a:schemeClr val="tx1"/>
+              </a:solidFill>
+            </a:endParaRPr>
+          </a:p>
+        </p:txBody>
+      </p:sp>
+      <p:sp>
+        <p:nvSpPr>
+          <p:cNvPr id="8" name="Rectangle 7"/>
+          <p:cNvSpPr/>
+          <p:nvPr/>
+        </p:nvSpPr>
+        <p:spPr>
+          <a:xfrm>
+            <a:off x="1686698" y="5156888"/>
+            <a:ext cx="657997" cy="877329"/>
+          </a:xfrm>
+          <a:prstGeom prst="rect">
+            <a:avLst/>
+          </a:prstGeom>
+          <a:solidFill>
+            <a:schemeClr val="accent6">
+              <a:lumMod val="20000"/>
+              <a:lumOff val="80000"/>
+            </a:schemeClr>
+          </a:solidFill>
+        </p:spPr>
+        <p:style>
+          <a:lnRef idx="2">
+            <a:schemeClr val="accent1">
+              <a:shade val="50000"/>
+            </a:schemeClr>
+          </a:lnRef>
+          <a:fillRef idx="1">
+            <a:schemeClr val="accent1"/>
+          </a:fillRef>
+          <a:effectRef idx="0">
+            <a:schemeClr val="accent1"/>
+          </a:effectRef>
+          <a:fontRef idx="minor">
+            <a:schemeClr val="lt1"/>
+          </a:fontRef>
+        </p:style>
+        <p:txBody>
+          <a:bodyPr rtlCol="0" anchor="ctr"/>
+          <a:lstStyle/>
+          <a:p>
+            <a:pPr algn="ctr"/>
+            <a:r>
+              <a:rPr lang="en-US" dirty="0" smtClean="0">
+                <a:solidFill>
+                  <a:schemeClr val="tx1"/>
+                </a:solidFill>
+              </a:rPr>
+              <a:t>x2</a:t>
+            </a:r>
+            <a:endParaRPr lang="en-US" dirty="0">
+              <a:solidFill>
+                <a:schemeClr val="tx1"/>
+              </a:solidFill>
+            </a:endParaRPr>
+          </a:p>
+        </p:txBody>
+      </p:sp>
+      <p:sp>
+        <p:nvSpPr>
+          <p:cNvPr id="10" name="Oval 9"/>
+          <p:cNvSpPr/>
+          <p:nvPr/>
+        </p:nvSpPr>
+        <p:spPr>
+          <a:xfrm>
+            <a:off x="3104635" y="2458995"/>
+            <a:ext cx="695068" cy="926757"/>
+          </a:xfrm>
+          <a:prstGeom prst="ellipse">
+            <a:avLst/>
+          </a:prstGeom>
+        </p:spPr>
+        <p:style>
+          <a:lnRef idx="2">
+            <a:schemeClr val="accent1">
+              <a:shade val="50000"/>
+            </a:schemeClr>
+          </a:lnRef>
+          <a:fillRef idx="1">
+            <a:schemeClr val="accent1"/>
+          </a:fillRef>
+          <a:effectRef idx="0">
+            <a:schemeClr val="accent1"/>
+          </a:effectRef>
+          <a:fontRef idx="minor">
+            <a:schemeClr val="lt1"/>
+          </a:fontRef>
+        </p:style>
+        <p:txBody>
+          <a:bodyPr rtlCol="0" anchor="ctr"/>
+          <a:lstStyle/>
+          <a:p>
+            <a:pPr algn="ctr"/>
+            <a:r>
+              <a:rPr lang="en-US" dirty="0" smtClean="0"/>
+              <a:t>a</a:t>
+            </a:r>
+            <a:endParaRPr lang="en-US" dirty="0"/>
+          </a:p>
+        </p:txBody>
+      </p:sp>
+      <p:sp>
+        <p:nvSpPr>
+          <p:cNvPr id="11" name="Oval 10"/>
+          <p:cNvSpPr/>
+          <p:nvPr/>
+        </p:nvSpPr>
+        <p:spPr>
+          <a:xfrm>
+            <a:off x="3137072" y="3690679"/>
+            <a:ext cx="695068" cy="926757"/>
+          </a:xfrm>
+          <a:prstGeom prst="ellipse">
+            <a:avLst/>
+          </a:prstGeom>
+        </p:spPr>
+        <p:style>
+          <a:lnRef idx="2">
+            <a:schemeClr val="accent1">
+              <a:shade val="50000"/>
+            </a:schemeClr>
+          </a:lnRef>
+          <a:fillRef idx="1">
+            <a:schemeClr val="accent1"/>
+          </a:fillRef>
+          <a:effectRef idx="0">
+            <a:schemeClr val="accent1"/>
+          </a:effectRef>
+          <a:fontRef idx="minor">
+            <a:schemeClr val="lt1"/>
+          </a:fontRef>
+        </p:style>
+        <p:txBody>
+          <a:bodyPr rtlCol="0" anchor="ctr"/>
+          <a:lstStyle/>
+          <a:p>
+            <a:pPr algn="ctr"/>
+            <a:r>
+              <a:rPr lang="en-US" dirty="0" smtClean="0"/>
+              <a:t>b</a:t>
+            </a:r>
+            <a:endParaRPr lang="en-US" dirty="0"/>
+          </a:p>
+        </p:txBody>
+      </p:sp>
+      <p:sp>
+        <p:nvSpPr>
+          <p:cNvPr id="12" name="Oval 11"/>
+          <p:cNvSpPr/>
+          <p:nvPr/>
+        </p:nvSpPr>
+        <p:spPr>
+          <a:xfrm>
+            <a:off x="3137072" y="4922363"/>
+            <a:ext cx="695068" cy="926757"/>
+          </a:xfrm>
+          <a:prstGeom prst="ellipse">
+            <a:avLst/>
+          </a:prstGeom>
+        </p:spPr>
+        <p:style>
+          <a:lnRef idx="2">
+            <a:schemeClr val="accent1">
+              <a:shade val="50000"/>
+            </a:schemeClr>
+          </a:lnRef>
+          <a:fillRef idx="1">
+            <a:schemeClr val="accent1"/>
+          </a:fillRef>
+          <a:effectRef idx="0">
+            <a:schemeClr val="accent1"/>
+          </a:effectRef>
+          <a:fontRef idx="minor">
+            <a:schemeClr val="lt1"/>
+          </a:fontRef>
+        </p:style>
+        <p:txBody>
+          <a:bodyPr rtlCol="0" anchor="ctr"/>
+          <a:lstStyle/>
+          <a:p>
+            <a:pPr algn="ctr"/>
+            <a:r>
+              <a:rPr lang="en-US" dirty="0" smtClean="0"/>
+              <a:t>c</a:t>
+            </a:r>
+            <a:endParaRPr lang="en-US" dirty="0"/>
+          </a:p>
+        </p:txBody>
+      </p:sp>
+      <p:cxnSp>
+        <p:nvCxnSpPr>
+          <p:cNvPr id="14" name="Straight Arrow Connector 13"/>
+          <p:cNvCxnSpPr>
+            <a:endCxn id="7" idx="1"/>
+          </p:cNvCxnSpPr>
+          <p:nvPr/>
+        </p:nvCxnSpPr>
+        <p:spPr>
+          <a:xfrm flipV="1">
+            <a:off x="616293" y="2947088"/>
+            <a:ext cx="1070405" cy="1206969"/>
+          </a:xfrm>
+          <a:prstGeom prst="straightConnector1">
+            <a:avLst/>
+          </a:prstGeom>
+          <a:ln>
+            <a:tailEnd type="triangle"/>
+          </a:ln>
+        </p:spPr>
+        <p:style>
+          <a:lnRef idx="1">
+            <a:schemeClr val="accent1"/>
+          </a:lnRef>
+          <a:fillRef idx="0">
+            <a:schemeClr val="accent1"/>
+          </a:fillRef>
+          <a:effectRef idx="0">
+            <a:schemeClr val="accent1"/>
+          </a:effectRef>
+          <a:fontRef idx="minor">
+            <a:schemeClr val="tx1"/>
+          </a:fontRef>
+        </p:style>
+      </p:cxnSp>
+      <p:cxnSp>
+        <p:nvCxnSpPr>
+          <p:cNvPr id="17" name="Straight Arrow Connector 16"/>
+          <p:cNvCxnSpPr/>
+          <p:nvPr/>
+        </p:nvCxnSpPr>
+        <p:spPr>
+          <a:xfrm>
+            <a:off x="616293" y="4154057"/>
+            <a:ext cx="2520779" cy="1002831"/>
+          </a:xfrm>
+          <a:prstGeom prst="straightConnector1">
+            <a:avLst/>
+          </a:prstGeom>
+          <a:ln>
+            <a:tailEnd type="triangle"/>
+          </a:ln>
+        </p:spPr>
+        <p:style>
+          <a:lnRef idx="1">
+            <a:schemeClr val="accent1"/>
+          </a:lnRef>
+          <a:fillRef idx="0">
+            <a:schemeClr val="accent1"/>
+          </a:fillRef>
+          <a:effectRef idx="0">
+            <a:schemeClr val="accent1"/>
+          </a:effectRef>
+          <a:fontRef idx="minor">
+            <a:schemeClr val="tx1"/>
+          </a:fontRef>
+        </p:style>
+      </p:cxnSp>
+      <p:cxnSp>
+        <p:nvCxnSpPr>
+          <p:cNvPr id="19" name="Straight Arrow Connector 18"/>
+          <p:cNvCxnSpPr/>
+          <p:nvPr/>
+        </p:nvCxnSpPr>
+        <p:spPr>
+          <a:xfrm>
+            <a:off x="616293" y="4203485"/>
+            <a:ext cx="1070405" cy="1392066"/>
+          </a:xfrm>
+          <a:prstGeom prst="straightConnector1">
+            <a:avLst/>
+          </a:prstGeom>
+          <a:ln>
+            <a:tailEnd type="triangle"/>
+          </a:ln>
+        </p:spPr>
+        <p:style>
+          <a:lnRef idx="1">
+            <a:schemeClr val="accent1"/>
+          </a:lnRef>
+          <a:fillRef idx="0">
+            <a:schemeClr val="accent1"/>
+          </a:fillRef>
+          <a:effectRef idx="0">
+            <a:schemeClr val="accent1"/>
+          </a:effectRef>
+          <a:fontRef idx="minor">
+            <a:schemeClr val="tx1"/>
+          </a:fontRef>
+        </p:style>
+      </p:cxnSp>
+      <p:sp>
+        <p:nvSpPr>
+          <p:cNvPr id="6" name="Oval 5"/>
+          <p:cNvSpPr/>
+          <p:nvPr/>
+        </p:nvSpPr>
+        <p:spPr>
+          <a:xfrm>
+            <a:off x="281116" y="3681220"/>
+            <a:ext cx="695068" cy="926757"/>
+          </a:xfrm>
+          <a:prstGeom prst="ellipse">
+            <a:avLst/>
+          </a:prstGeom>
+        </p:spPr>
+        <p:style>
+          <a:lnRef idx="2">
+            <a:schemeClr val="accent1">
+              <a:shade val="50000"/>
+            </a:schemeClr>
+          </a:lnRef>
+          <a:fillRef idx="1">
+            <a:schemeClr val="accent1"/>
+          </a:fillRef>
+          <a:effectRef idx="0">
+            <a:schemeClr val="accent1"/>
+          </a:effectRef>
+          <a:fontRef idx="minor">
+            <a:schemeClr val="lt1"/>
+          </a:fontRef>
+        </p:style>
+        <p:txBody>
+          <a:bodyPr rtlCol="0" anchor="ctr"/>
+          <a:lstStyle/>
+          <a:p>
+            <a:pPr algn="ctr"/>
+            <a:r>
+              <a:rPr lang="en-US" dirty="0" smtClean="0"/>
+              <a:t>s</a:t>
+            </a:r>
+            <a:endParaRPr lang="en-US" dirty="0"/>
+          </a:p>
+        </p:txBody>
+      </p:sp>
+      <p:sp>
+        <p:nvSpPr>
+          <p:cNvPr id="20" name="TextBox 19"/>
+          <p:cNvSpPr txBox="1"/>
+          <p:nvPr/>
+        </p:nvSpPr>
+        <p:spPr>
+          <a:xfrm>
+            <a:off x="1075038" y="2947086"/>
+            <a:ext cx="476926" cy="369332"/>
+          </a:xfrm>
+          <a:prstGeom prst="rect">
+            <a:avLst/>
+          </a:prstGeom>
+          <a:noFill/>
+        </p:spPr>
+        <p:txBody>
+          <a:bodyPr wrap="none" rtlCol="0">
+            <a:spAutoFit/>
           </a:bodyPr>
           <a:lstStyle/>
           <a:p>
             <a:r>
               <a:rPr lang="en-US" dirty="0" smtClean="0"/>
-              <a:t>Packet types differ in size and frequency of arrival</a:t>
-            </a:r>
-          </a:p>
-          <a:p>
-            <a:pPr lvl="1"/>
-            <a:r>
-              <a:rPr lang="en-US" dirty="0" smtClean="0"/>
-              <a:t>E.g., video I packets are larger and less frequent than smaller D packets</a:t>
-            </a:r>
-          </a:p>
-          <a:p>
-            <a:r>
-              <a:rPr lang="en-US" dirty="0" smtClean="0"/>
-              <a:t>Each packet type has a “fixed” packet size, decided at the beginning of the lifetime of the packet</a:t>
-            </a:r>
-          </a:p>
-          <a:p>
-            <a:pPr lvl="1"/>
-            <a:endParaRPr lang="en-US" dirty="0" smtClean="0"/>
-          </a:p>
-          <a:p>
-            <a:r>
-              <a:rPr lang="en-US" dirty="0" smtClean="0"/>
-              <a:t>Packet type transitions are deterministic</a:t>
-            </a:r>
-          </a:p>
-        </p:txBody>
-      </p:sp>
+              <a:t>0.5</a:t>
+            </a:r>
+            <a:endParaRPr lang="en-US" dirty="0"/>
+          </a:p>
+        </p:txBody>
+      </p:sp>
+      <p:sp>
+        <p:nvSpPr>
+          <p:cNvPr id="21" name="TextBox 20"/>
+          <p:cNvSpPr txBox="1"/>
+          <p:nvPr/>
+        </p:nvSpPr>
+        <p:spPr>
+          <a:xfrm>
+            <a:off x="1548149" y="4163105"/>
+            <a:ext cx="593920" cy="369332"/>
+          </a:xfrm>
+          <a:prstGeom prst="rect">
+            <a:avLst/>
+          </a:prstGeom>
+          <a:noFill/>
+        </p:spPr>
+        <p:txBody>
+          <a:bodyPr wrap="none" rtlCol="0">
+            <a:spAutoFit/>
+          </a:bodyPr>
+          <a:lstStyle/>
+          <a:p>
+            <a:r>
+              <a:rPr lang="en-US" dirty="0" smtClean="0"/>
+              <a:t>0.25</a:t>
+            </a:r>
+            <a:endParaRPr lang="en-US" dirty="0"/>
+          </a:p>
+        </p:txBody>
+      </p:sp>
+      <p:sp>
+        <p:nvSpPr>
+          <p:cNvPr id="22" name="TextBox 21"/>
+          <p:cNvSpPr txBox="1"/>
+          <p:nvPr/>
+        </p:nvSpPr>
+        <p:spPr>
+          <a:xfrm>
+            <a:off x="1209810" y="4737695"/>
+            <a:ext cx="593920" cy="369332"/>
+          </a:xfrm>
+          <a:prstGeom prst="rect">
+            <a:avLst/>
+          </a:prstGeom>
+          <a:noFill/>
+        </p:spPr>
+        <p:txBody>
+          <a:bodyPr wrap="none" rtlCol="0">
+            <a:spAutoFit/>
+          </a:bodyPr>
+          <a:lstStyle/>
+          <a:p>
+            <a:r>
+              <a:rPr lang="en-US" dirty="0" smtClean="0"/>
+              <a:t>0.25</a:t>
+            </a:r>
+            <a:endParaRPr lang="en-US" dirty="0"/>
+          </a:p>
+        </p:txBody>
+      </p:sp>
+      <p:cxnSp>
+        <p:nvCxnSpPr>
+          <p:cNvPr id="24" name="Straight Arrow Connector 23"/>
+          <p:cNvCxnSpPr>
+            <a:stCxn id="7" idx="3"/>
+          </p:cNvCxnSpPr>
+          <p:nvPr/>
+        </p:nvCxnSpPr>
+        <p:spPr>
+          <a:xfrm flipV="1">
+            <a:off x="2344694" y="2947087"/>
+            <a:ext cx="759941" cy="1"/>
+          </a:xfrm>
+          <a:prstGeom prst="straightConnector1">
+            <a:avLst/>
+          </a:prstGeom>
+          <a:ln>
+            <a:tailEnd type="triangle"/>
+          </a:ln>
+        </p:spPr>
+        <p:style>
+          <a:lnRef idx="1">
+            <a:schemeClr val="accent1"/>
+          </a:lnRef>
+          <a:fillRef idx="0">
+            <a:schemeClr val="accent1"/>
+          </a:fillRef>
+          <a:effectRef idx="0">
+            <a:schemeClr val="accent1"/>
+          </a:effectRef>
+          <a:fontRef idx="minor">
+            <a:schemeClr val="tx1"/>
+          </a:fontRef>
+        </p:style>
+      </p:cxnSp>
+      <p:cxnSp>
+        <p:nvCxnSpPr>
+          <p:cNvPr id="26" name="Straight Arrow Connector 25"/>
+          <p:cNvCxnSpPr>
+            <a:stCxn id="7" idx="3"/>
+            <a:endCxn id="11" idx="2"/>
+          </p:cNvCxnSpPr>
+          <p:nvPr/>
+        </p:nvCxnSpPr>
+        <p:spPr>
+          <a:xfrm>
+            <a:off x="2344695" y="2947087"/>
+            <a:ext cx="792377" cy="1206970"/>
+          </a:xfrm>
+          <a:prstGeom prst="straightConnector1">
+            <a:avLst/>
+          </a:prstGeom>
+          <a:ln>
+            <a:tailEnd type="triangle"/>
+          </a:ln>
+        </p:spPr>
+        <p:style>
+          <a:lnRef idx="1">
+            <a:schemeClr val="accent1"/>
+          </a:lnRef>
+          <a:fillRef idx="0">
+            <a:schemeClr val="accent1"/>
+          </a:fillRef>
+          <a:effectRef idx="0">
+            <a:schemeClr val="accent1"/>
+          </a:effectRef>
+          <a:fontRef idx="minor">
+            <a:schemeClr val="tx1"/>
+          </a:fontRef>
+        </p:style>
+      </p:cxnSp>
+      <p:sp>
+        <p:nvSpPr>
+          <p:cNvPr id="27" name="TextBox 26"/>
+          <p:cNvSpPr txBox="1"/>
+          <p:nvPr/>
+        </p:nvSpPr>
+        <p:spPr>
+          <a:xfrm>
+            <a:off x="2599045" y="2543088"/>
+            <a:ext cx="479618" cy="369332"/>
+          </a:xfrm>
+          <a:prstGeom prst="rect">
+            <a:avLst/>
+          </a:prstGeom>
+          <a:noFill/>
+        </p:spPr>
+        <p:txBody>
+          <a:bodyPr wrap="none" rtlCol="0">
+            <a:spAutoFit/>
+          </a:bodyPr>
+          <a:lstStyle/>
+          <a:p>
+            <a:r>
+              <a:rPr lang="en-US" dirty="0" smtClean="0"/>
+              <a:t>0.8</a:t>
+            </a:r>
+            <a:endParaRPr lang="en-US" dirty="0"/>
+          </a:p>
+        </p:txBody>
+      </p:sp>
+      <p:sp>
+        <p:nvSpPr>
+          <p:cNvPr id="28" name="TextBox 27"/>
+          <p:cNvSpPr txBox="1"/>
+          <p:nvPr/>
+        </p:nvSpPr>
+        <p:spPr>
+          <a:xfrm>
+            <a:off x="2697646" y="3185766"/>
+            <a:ext cx="476926" cy="369332"/>
+          </a:xfrm>
+          <a:prstGeom prst="rect">
+            <a:avLst/>
+          </a:prstGeom>
+          <a:noFill/>
+        </p:spPr>
+        <p:txBody>
+          <a:bodyPr wrap="none" rtlCol="0">
+            <a:spAutoFit/>
+          </a:bodyPr>
+          <a:lstStyle/>
+          <a:p>
+            <a:r>
+              <a:rPr lang="en-US" dirty="0" smtClean="0"/>
+              <a:t>0.2</a:t>
+            </a:r>
+            <a:endParaRPr lang="en-US" dirty="0"/>
+          </a:p>
+        </p:txBody>
+      </p:sp>
+      <p:cxnSp>
+        <p:nvCxnSpPr>
+          <p:cNvPr id="30" name="Straight Arrow Connector 29"/>
+          <p:cNvCxnSpPr>
+            <a:stCxn id="8" idx="3"/>
+            <a:endCxn id="12" idx="2"/>
+          </p:cNvCxnSpPr>
+          <p:nvPr/>
+        </p:nvCxnSpPr>
+        <p:spPr>
+          <a:xfrm flipV="1">
+            <a:off x="2344695" y="5385742"/>
+            <a:ext cx="792377" cy="209811"/>
+          </a:xfrm>
+          <a:prstGeom prst="straightConnector1">
+            <a:avLst/>
+          </a:prstGeom>
+          <a:ln>
+            <a:tailEnd type="triangle"/>
+          </a:ln>
+        </p:spPr>
+        <p:style>
+          <a:lnRef idx="1">
+            <a:schemeClr val="accent1"/>
+          </a:lnRef>
+          <a:fillRef idx="0">
+            <a:schemeClr val="accent1"/>
+          </a:fillRef>
+          <a:effectRef idx="0">
+            <a:schemeClr val="accent1"/>
+          </a:effectRef>
+          <a:fontRef idx="minor">
+            <a:schemeClr val="tx1"/>
+          </a:fontRef>
+        </p:style>
+      </p:cxnSp>
+      <p:sp>
+        <p:nvSpPr>
+          <p:cNvPr id="31" name="TextBox 30"/>
+          <p:cNvSpPr txBox="1"/>
+          <p:nvPr/>
+        </p:nvSpPr>
+        <p:spPr>
+          <a:xfrm>
+            <a:off x="2599045" y="5385740"/>
+            <a:ext cx="476926" cy="369332"/>
+          </a:xfrm>
+          <a:prstGeom prst="rect">
+            <a:avLst/>
+          </a:prstGeom>
+          <a:noFill/>
+        </p:spPr>
+        <p:txBody>
+          <a:bodyPr wrap="none" rtlCol="0">
+            <a:spAutoFit/>
+          </a:bodyPr>
+          <a:lstStyle/>
+          <a:p>
+            <a:r>
+              <a:rPr lang="en-US" dirty="0" smtClean="0"/>
+              <a:t>1.0</a:t>
+            </a:r>
+            <a:endParaRPr lang="en-US" dirty="0"/>
+          </a:p>
+        </p:txBody>
+      </p:sp>
+      <p:sp>
+        <p:nvSpPr>
+          <p:cNvPr id="34" name="Oval 33"/>
+          <p:cNvSpPr/>
+          <p:nvPr/>
+        </p:nvSpPr>
+        <p:spPr>
+          <a:xfrm>
+            <a:off x="7730696" y="2452816"/>
+            <a:ext cx="695068" cy="926757"/>
+          </a:xfrm>
+          <a:prstGeom prst="ellipse">
+            <a:avLst/>
+          </a:prstGeom>
+        </p:spPr>
+        <p:style>
+          <a:lnRef idx="2">
+            <a:schemeClr val="accent1">
+              <a:shade val="50000"/>
+            </a:schemeClr>
+          </a:lnRef>
+          <a:fillRef idx="1">
+            <a:schemeClr val="accent1"/>
+          </a:fillRef>
+          <a:effectRef idx="0">
+            <a:schemeClr val="accent1"/>
+          </a:effectRef>
+          <a:fontRef idx="minor">
+            <a:schemeClr val="lt1"/>
+          </a:fontRef>
+        </p:style>
+        <p:txBody>
+          <a:bodyPr rtlCol="0" anchor="ctr"/>
+          <a:lstStyle/>
+          <a:p>
+            <a:pPr algn="ctr"/>
+            <a:r>
+              <a:rPr lang="en-US" dirty="0" smtClean="0"/>
+              <a:t>a</a:t>
+            </a:r>
+            <a:endParaRPr lang="en-US" dirty="0"/>
+          </a:p>
+        </p:txBody>
+      </p:sp>
+      <p:sp>
+        <p:nvSpPr>
+          <p:cNvPr id="35" name="Oval 34"/>
+          <p:cNvSpPr/>
+          <p:nvPr/>
+        </p:nvSpPr>
+        <p:spPr>
+          <a:xfrm>
+            <a:off x="7763132" y="3684500"/>
+            <a:ext cx="695068" cy="926757"/>
+          </a:xfrm>
+          <a:prstGeom prst="ellipse">
+            <a:avLst/>
+          </a:prstGeom>
+        </p:spPr>
+        <p:style>
+          <a:lnRef idx="2">
+            <a:schemeClr val="accent1">
+              <a:shade val="50000"/>
+            </a:schemeClr>
+          </a:lnRef>
+          <a:fillRef idx="1">
+            <a:schemeClr val="accent1"/>
+          </a:fillRef>
+          <a:effectRef idx="0">
+            <a:schemeClr val="accent1"/>
+          </a:effectRef>
+          <a:fontRef idx="minor">
+            <a:schemeClr val="lt1"/>
+          </a:fontRef>
+        </p:style>
+        <p:txBody>
+          <a:bodyPr rtlCol="0" anchor="ctr"/>
+          <a:lstStyle/>
+          <a:p>
+            <a:pPr algn="ctr"/>
+            <a:r>
+              <a:rPr lang="en-US" dirty="0" smtClean="0"/>
+              <a:t>b</a:t>
+            </a:r>
+            <a:endParaRPr lang="en-US" dirty="0"/>
+          </a:p>
+        </p:txBody>
+      </p:sp>
+      <p:sp>
+        <p:nvSpPr>
+          <p:cNvPr id="36" name="Oval 35"/>
+          <p:cNvSpPr/>
+          <p:nvPr/>
+        </p:nvSpPr>
+        <p:spPr>
+          <a:xfrm>
+            <a:off x="7763132" y="4916184"/>
+            <a:ext cx="695068" cy="926757"/>
+          </a:xfrm>
+          <a:prstGeom prst="ellipse">
+            <a:avLst/>
+          </a:prstGeom>
+        </p:spPr>
+        <p:style>
+          <a:lnRef idx="2">
+            <a:schemeClr val="accent1">
+              <a:shade val="50000"/>
+            </a:schemeClr>
+          </a:lnRef>
+          <a:fillRef idx="1">
+            <a:schemeClr val="accent1"/>
+          </a:fillRef>
+          <a:effectRef idx="0">
+            <a:schemeClr val="accent1"/>
+          </a:effectRef>
+          <a:fontRef idx="minor">
+            <a:schemeClr val="lt1"/>
+          </a:fontRef>
+        </p:style>
+        <p:txBody>
+          <a:bodyPr rtlCol="0" anchor="ctr"/>
+          <a:lstStyle/>
+          <a:p>
+            <a:pPr algn="ctr"/>
+            <a:r>
+              <a:rPr lang="en-US" dirty="0" smtClean="0"/>
+              <a:t>c</a:t>
+            </a:r>
+            <a:endParaRPr lang="en-US" dirty="0"/>
+          </a:p>
+        </p:txBody>
+      </p:sp>
+      <p:cxnSp>
+        <p:nvCxnSpPr>
+          <p:cNvPr id="37" name="Straight Arrow Connector 36"/>
+          <p:cNvCxnSpPr/>
+          <p:nvPr/>
+        </p:nvCxnSpPr>
+        <p:spPr>
+          <a:xfrm flipV="1">
+            <a:off x="5242354" y="2912420"/>
+            <a:ext cx="2403778" cy="1235458"/>
+          </a:xfrm>
+          <a:prstGeom prst="straightConnector1">
+            <a:avLst/>
+          </a:prstGeom>
+          <a:ln>
+            <a:tailEnd type="triangle"/>
+          </a:ln>
+        </p:spPr>
+        <p:style>
+          <a:lnRef idx="1">
+            <a:schemeClr val="accent1"/>
+          </a:lnRef>
+          <a:fillRef idx="0">
+            <a:schemeClr val="accent1"/>
+          </a:fillRef>
+          <a:effectRef idx="0">
+            <a:schemeClr val="accent1"/>
+          </a:effectRef>
+          <a:fontRef idx="minor">
+            <a:schemeClr val="tx1"/>
+          </a:fontRef>
+        </p:style>
+      </p:cxnSp>
+      <p:sp>
+        <p:nvSpPr>
+          <p:cNvPr id="40" name="Oval 39"/>
+          <p:cNvSpPr/>
+          <p:nvPr/>
+        </p:nvSpPr>
+        <p:spPr>
+          <a:xfrm>
+            <a:off x="4907177" y="3675041"/>
+            <a:ext cx="695068" cy="926757"/>
+          </a:xfrm>
+          <a:prstGeom prst="ellipse">
+            <a:avLst/>
+          </a:prstGeom>
+        </p:spPr>
+        <p:style>
+          <a:lnRef idx="2">
+            <a:schemeClr val="accent1">
+              <a:shade val="50000"/>
+            </a:schemeClr>
+          </a:lnRef>
+          <a:fillRef idx="1">
+            <a:schemeClr val="accent1"/>
+          </a:fillRef>
+          <a:effectRef idx="0">
+            <a:schemeClr val="accent1"/>
+          </a:effectRef>
+          <a:fontRef idx="minor">
+            <a:schemeClr val="lt1"/>
+          </a:fontRef>
+        </p:style>
+        <p:txBody>
+          <a:bodyPr rtlCol="0" anchor="ctr"/>
+          <a:lstStyle/>
+          <a:p>
+            <a:pPr algn="ctr"/>
+            <a:r>
+              <a:rPr lang="en-US" dirty="0" smtClean="0"/>
+              <a:t>s</a:t>
+            </a:r>
+            <a:endParaRPr lang="en-US" dirty="0"/>
+          </a:p>
+        </p:txBody>
+      </p:sp>
+      <p:sp>
+        <p:nvSpPr>
+          <p:cNvPr id="42" name="TextBox 41"/>
+          <p:cNvSpPr txBox="1"/>
+          <p:nvPr/>
+        </p:nvSpPr>
+        <p:spPr>
+          <a:xfrm>
+            <a:off x="5517431" y="5290714"/>
+            <a:ext cx="2245702" cy="369332"/>
+          </a:xfrm>
+          <a:prstGeom prst="rect">
+            <a:avLst/>
+          </a:prstGeom>
+          <a:noFill/>
+        </p:spPr>
+        <p:txBody>
+          <a:bodyPr wrap="none" rtlCol="0">
+            <a:spAutoFit/>
+          </a:bodyPr>
+          <a:lstStyle/>
+          <a:p>
+            <a:r>
+              <a:rPr lang="en-US" dirty="0" smtClean="0"/>
+              <a:t>0.25 + 0.25 * 1.0 = 0.5</a:t>
+            </a:r>
+            <a:endParaRPr lang="en-US" dirty="0"/>
+          </a:p>
+        </p:txBody>
+      </p:sp>
+      <p:sp>
+        <p:nvSpPr>
+          <p:cNvPr id="46" name="TextBox 45"/>
+          <p:cNvSpPr txBox="1"/>
+          <p:nvPr/>
+        </p:nvSpPr>
+        <p:spPr>
+          <a:xfrm>
+            <a:off x="6230578" y="2536409"/>
+            <a:ext cx="1500118" cy="369332"/>
+          </a:xfrm>
+          <a:prstGeom prst="rect">
+            <a:avLst/>
+          </a:prstGeom>
+          <a:noFill/>
+        </p:spPr>
+        <p:txBody>
+          <a:bodyPr wrap="none" rtlCol="0">
+            <a:spAutoFit/>
+          </a:bodyPr>
+          <a:lstStyle/>
+          <a:p>
+            <a:r>
+              <a:rPr lang="en-US" dirty="0" smtClean="0"/>
+              <a:t>0.5 * 0.8 = 0.4</a:t>
+            </a:r>
+            <a:endParaRPr lang="en-US" dirty="0"/>
+          </a:p>
+        </p:txBody>
+      </p:sp>
+      <p:sp>
+        <p:nvSpPr>
+          <p:cNvPr id="47" name="TextBox 46"/>
+          <p:cNvSpPr txBox="1"/>
+          <p:nvPr/>
+        </p:nvSpPr>
+        <p:spPr>
+          <a:xfrm>
+            <a:off x="6263015" y="3670318"/>
+            <a:ext cx="1500118" cy="369332"/>
+          </a:xfrm>
+          <a:prstGeom prst="rect">
+            <a:avLst/>
+          </a:prstGeom>
+          <a:noFill/>
+        </p:spPr>
+        <p:txBody>
+          <a:bodyPr wrap="none" rtlCol="0">
+            <a:spAutoFit/>
+          </a:bodyPr>
+          <a:lstStyle/>
+          <a:p>
+            <a:r>
+              <a:rPr lang="en-US" dirty="0" smtClean="0"/>
+              <a:t>0.5 * 0.2 = 0.1</a:t>
+            </a:r>
+            <a:endParaRPr lang="en-US" dirty="0"/>
+          </a:p>
+        </p:txBody>
+      </p:sp>
+      <p:cxnSp>
+        <p:nvCxnSpPr>
+          <p:cNvPr id="48" name="Straight Arrow Connector 47"/>
+          <p:cNvCxnSpPr/>
+          <p:nvPr/>
+        </p:nvCxnSpPr>
+        <p:spPr>
+          <a:xfrm>
+            <a:off x="5299504" y="4289482"/>
+            <a:ext cx="2463629" cy="1090080"/>
+          </a:xfrm>
+          <a:prstGeom prst="straightConnector1">
+            <a:avLst/>
+          </a:prstGeom>
+          <a:ln>
+            <a:tailEnd type="triangle"/>
+          </a:ln>
+        </p:spPr>
+        <p:style>
+          <a:lnRef idx="1">
+            <a:schemeClr val="accent1"/>
+          </a:lnRef>
+          <a:fillRef idx="0">
+            <a:schemeClr val="accent1"/>
+          </a:fillRef>
+          <a:effectRef idx="0">
+            <a:schemeClr val="accent1"/>
+          </a:effectRef>
+          <a:fontRef idx="minor">
+            <a:schemeClr val="tx1"/>
+          </a:fontRef>
+        </p:style>
+      </p:cxnSp>
+      <p:cxnSp>
+        <p:nvCxnSpPr>
+          <p:cNvPr id="52" name="Straight Arrow Connector 51"/>
+          <p:cNvCxnSpPr/>
+          <p:nvPr/>
+        </p:nvCxnSpPr>
+        <p:spPr>
+          <a:xfrm flipV="1">
+            <a:off x="5254710" y="4138418"/>
+            <a:ext cx="2475986" cy="50482"/>
+          </a:xfrm>
+          <a:prstGeom prst="straightConnector1">
+            <a:avLst/>
+          </a:prstGeom>
+          <a:ln>
+            <a:tailEnd type="triangle"/>
+          </a:ln>
+        </p:spPr>
+        <p:style>
+          <a:lnRef idx="1">
+            <a:schemeClr val="accent1"/>
+          </a:lnRef>
+          <a:fillRef idx="0">
+            <a:schemeClr val="accent1"/>
+          </a:fillRef>
+          <a:effectRef idx="0">
+            <a:schemeClr val="accent1"/>
+          </a:effectRef>
+          <a:fontRef idx="minor">
+            <a:schemeClr val="tx1"/>
+          </a:fontRef>
+        </p:style>
+      </p:cxnSp>
     </p:spTree>
     <p:extLst>
       <p:ext uri="{BB962C8B-B14F-4D97-AF65-F5344CB8AC3E}">
-        <p14:creationId xmlns:p14="http://schemas.microsoft.com/office/powerpoint/2010/main" val="1552303845"/>
+        <p14:creationId xmlns:p14="http://schemas.microsoft.com/office/powerpoint/2010/main" val="136327829"/>
       </p:ext>
     </p:extLst>
   </p:cSld>
   <p:clrMapOvr>
     <a:masterClrMapping/>
   </p:clrMapOvr>
+  <p:timing>
+    <p:tnLst>
+      <p:par>
+        <p:cTn xmlns:p14="http://schemas.microsoft.com/office/powerpoint/2010/main" id="1" dur="indefinite" restart="never" nodeType="tmRoot"/>
+      </p:par>
+    </p:tnLst>
+  </p:timing>
 </p:sld>
 </file>
 
@@ -3950,7 +5054,7 @@
           <a:p>
             <a:r>
               <a:rPr lang="en-US" dirty="0" smtClean="0"/>
-              <a:t>Creating a more complex DCF</a:t>
+              <a:t>Compressible DCF</a:t>
             </a:r>
             <a:endParaRPr lang="en-US" dirty="0"/>
           </a:p>
@@ -3958,102 +5062,1309 @@
       </p:sp>
       <p:sp>
         <p:nvSpPr>
-          <p:cNvPr id="3" name="Content Placeholder 2"/>
-          <p:cNvSpPr>
-            <a:spLocks noGrp="1"/>
-          </p:cNvSpPr>
-          <p:nvPr>
-            <p:ph idx="1"/>
-          </p:nvPr>
-        </p:nvSpPr>
-        <p:spPr/>
-        <p:txBody>
-          <a:bodyPr>
-            <a:normAutofit fontScale="92500" lnSpcReduction="10000"/>
+          <p:cNvPr id="5" name="Oval 4"/>
+          <p:cNvSpPr/>
+          <p:nvPr/>
+        </p:nvSpPr>
+        <p:spPr>
+          <a:xfrm>
+            <a:off x="4436876" y="2462161"/>
+            <a:ext cx="597449" cy="796598"/>
+          </a:xfrm>
+          <a:prstGeom prst="ellipse">
+            <a:avLst/>
+          </a:prstGeom>
+        </p:spPr>
+        <p:style>
+          <a:lnRef idx="2">
+            <a:schemeClr val="accent1">
+              <a:shade val="50000"/>
+            </a:schemeClr>
+          </a:lnRef>
+          <a:fillRef idx="1">
+            <a:schemeClr val="accent1"/>
+          </a:fillRef>
+          <a:effectRef idx="0">
+            <a:schemeClr val="accent1"/>
+          </a:effectRef>
+          <a:fontRef idx="minor">
+            <a:schemeClr val="lt1"/>
+          </a:fontRef>
+        </p:style>
+        <p:txBody>
+          <a:bodyPr rtlCol="0" anchor="ctr"/>
+          <a:lstStyle/>
+          <a:p>
+            <a:pPr algn="ctr"/>
+            <a:r>
+              <a:rPr lang="en-US" dirty="0" smtClean="0">
+                <a:solidFill>
+                  <a:schemeClr val="tx1"/>
+                </a:solidFill>
+              </a:rPr>
+              <a:t>1,1</a:t>
+            </a:r>
+            <a:endParaRPr lang="en-US" dirty="0">
+              <a:solidFill>
+                <a:schemeClr val="tx1"/>
+              </a:solidFill>
+            </a:endParaRPr>
+          </a:p>
+        </p:txBody>
+      </p:sp>
+      <p:sp>
+        <p:nvSpPr>
+          <p:cNvPr id="6" name="Oval 5"/>
+          <p:cNvSpPr/>
+          <p:nvPr/>
+        </p:nvSpPr>
+        <p:spPr>
+          <a:xfrm>
+            <a:off x="5708944" y="2462161"/>
+            <a:ext cx="597449" cy="796598"/>
+          </a:xfrm>
+          <a:prstGeom prst="ellipse">
+            <a:avLst/>
+          </a:prstGeom>
+          <a:solidFill>
+            <a:schemeClr val="accent4">
+              <a:lumMod val="20000"/>
+              <a:lumOff val="80000"/>
+            </a:schemeClr>
+          </a:solidFill>
+        </p:spPr>
+        <p:style>
+          <a:lnRef idx="2">
+            <a:schemeClr val="accent1">
+              <a:shade val="50000"/>
+            </a:schemeClr>
+          </a:lnRef>
+          <a:fillRef idx="1">
+            <a:schemeClr val="accent1"/>
+          </a:fillRef>
+          <a:effectRef idx="0">
+            <a:schemeClr val="accent1"/>
+          </a:effectRef>
+          <a:fontRef idx="minor">
+            <a:schemeClr val="lt1"/>
+          </a:fontRef>
+        </p:style>
+        <p:txBody>
+          <a:bodyPr rtlCol="0" anchor="ctr"/>
+          <a:lstStyle/>
+          <a:p>
+            <a:pPr algn="ctr"/>
+            <a:r>
+              <a:rPr lang="en-US" dirty="0" smtClean="0">
+                <a:solidFill>
+                  <a:schemeClr val="tx1"/>
+                </a:solidFill>
+              </a:rPr>
+              <a:t>1,2</a:t>
+            </a:r>
+            <a:endParaRPr lang="en-US" dirty="0">
+              <a:solidFill>
+                <a:schemeClr val="tx1"/>
+              </a:solidFill>
+            </a:endParaRPr>
+          </a:p>
+        </p:txBody>
+      </p:sp>
+      <p:sp>
+        <p:nvSpPr>
+          <p:cNvPr id="7" name="Oval 6"/>
+          <p:cNvSpPr/>
+          <p:nvPr/>
+        </p:nvSpPr>
+        <p:spPr>
+          <a:xfrm>
+            <a:off x="4436876" y="4437061"/>
+            <a:ext cx="597449" cy="796598"/>
+          </a:xfrm>
+          <a:prstGeom prst="ellipse">
+            <a:avLst/>
+          </a:prstGeom>
+        </p:spPr>
+        <p:style>
+          <a:lnRef idx="2">
+            <a:schemeClr val="accent1">
+              <a:shade val="50000"/>
+            </a:schemeClr>
+          </a:lnRef>
+          <a:fillRef idx="1">
+            <a:schemeClr val="accent1"/>
+          </a:fillRef>
+          <a:effectRef idx="0">
+            <a:schemeClr val="accent1"/>
+          </a:effectRef>
+          <a:fontRef idx="minor">
+            <a:schemeClr val="lt1"/>
+          </a:fontRef>
+        </p:style>
+        <p:txBody>
+          <a:bodyPr rtlCol="0" anchor="ctr"/>
+          <a:lstStyle/>
+          <a:p>
+            <a:pPr algn="ctr"/>
+            <a:r>
+              <a:rPr lang="en-US" dirty="0" smtClean="0">
+                <a:solidFill>
+                  <a:schemeClr val="tx1"/>
+                </a:solidFill>
+              </a:rPr>
+              <a:t>2,1</a:t>
+            </a:r>
+            <a:endParaRPr lang="en-US" dirty="0">
+              <a:solidFill>
+                <a:schemeClr val="tx1"/>
+              </a:solidFill>
+            </a:endParaRPr>
+          </a:p>
+        </p:txBody>
+      </p:sp>
+      <p:sp>
+        <p:nvSpPr>
+          <p:cNvPr id="8" name="Oval 7"/>
+          <p:cNvSpPr/>
+          <p:nvPr/>
+        </p:nvSpPr>
+        <p:spPr>
+          <a:xfrm>
+            <a:off x="5708944" y="4437060"/>
+            <a:ext cx="597449" cy="796598"/>
+          </a:xfrm>
+          <a:prstGeom prst="ellipse">
+            <a:avLst/>
+          </a:prstGeom>
+          <a:solidFill>
+            <a:schemeClr val="accent4">
+              <a:lumMod val="20000"/>
+              <a:lumOff val="80000"/>
+            </a:schemeClr>
+          </a:solidFill>
+        </p:spPr>
+        <p:style>
+          <a:lnRef idx="2">
+            <a:schemeClr val="accent1">
+              <a:shade val="50000"/>
+            </a:schemeClr>
+          </a:lnRef>
+          <a:fillRef idx="1">
+            <a:schemeClr val="accent1"/>
+          </a:fillRef>
+          <a:effectRef idx="0">
+            <a:schemeClr val="accent1"/>
+          </a:effectRef>
+          <a:fontRef idx="minor">
+            <a:schemeClr val="lt1"/>
+          </a:fontRef>
+        </p:style>
+        <p:txBody>
+          <a:bodyPr rtlCol="0" anchor="ctr"/>
+          <a:lstStyle/>
+          <a:p>
+            <a:pPr algn="ctr"/>
+            <a:r>
+              <a:rPr lang="en-US" dirty="0" smtClean="0">
+                <a:solidFill>
+                  <a:schemeClr val="tx1"/>
+                </a:solidFill>
+              </a:rPr>
+              <a:t>2,2</a:t>
+            </a:r>
+            <a:endParaRPr lang="en-US" dirty="0">
+              <a:solidFill>
+                <a:schemeClr val="tx1"/>
+              </a:solidFill>
+            </a:endParaRPr>
+          </a:p>
+        </p:txBody>
+      </p:sp>
+      <p:sp>
+        <p:nvSpPr>
+          <p:cNvPr id="9" name="Oval 8"/>
+          <p:cNvSpPr/>
+          <p:nvPr/>
+        </p:nvSpPr>
+        <p:spPr>
+          <a:xfrm>
+            <a:off x="6981012" y="4437060"/>
+            <a:ext cx="597449" cy="796598"/>
+          </a:xfrm>
+          <a:prstGeom prst="ellipse">
+            <a:avLst/>
+          </a:prstGeom>
+          <a:solidFill>
+            <a:schemeClr val="accent4">
+              <a:lumMod val="20000"/>
+              <a:lumOff val="80000"/>
+            </a:schemeClr>
+          </a:solidFill>
+        </p:spPr>
+        <p:style>
+          <a:lnRef idx="2">
+            <a:schemeClr val="accent1">
+              <a:shade val="50000"/>
+            </a:schemeClr>
+          </a:lnRef>
+          <a:fillRef idx="1">
+            <a:schemeClr val="accent1"/>
+          </a:fillRef>
+          <a:effectRef idx="0">
+            <a:schemeClr val="accent1"/>
+          </a:effectRef>
+          <a:fontRef idx="minor">
+            <a:schemeClr val="lt1"/>
+          </a:fontRef>
+        </p:style>
+        <p:txBody>
+          <a:bodyPr rtlCol="0" anchor="ctr"/>
+          <a:lstStyle/>
+          <a:p>
+            <a:pPr algn="ctr"/>
+            <a:r>
+              <a:rPr lang="en-US" dirty="0" smtClean="0">
+                <a:solidFill>
+                  <a:schemeClr val="tx1"/>
+                </a:solidFill>
+              </a:rPr>
+              <a:t>2,3</a:t>
+            </a:r>
+            <a:endParaRPr lang="en-US" dirty="0">
+              <a:solidFill>
+                <a:schemeClr val="tx1"/>
+              </a:solidFill>
+            </a:endParaRPr>
+          </a:p>
+        </p:txBody>
+      </p:sp>
+      <p:sp>
+        <p:nvSpPr>
+          <p:cNvPr id="10" name="Oval 9"/>
+          <p:cNvSpPr/>
+          <p:nvPr/>
+        </p:nvSpPr>
+        <p:spPr>
+          <a:xfrm>
+            <a:off x="8253080" y="4437059"/>
+            <a:ext cx="597449" cy="796598"/>
+          </a:xfrm>
+          <a:prstGeom prst="ellipse">
+            <a:avLst/>
+          </a:prstGeom>
+          <a:solidFill>
+            <a:schemeClr val="accent4">
+              <a:lumMod val="20000"/>
+              <a:lumOff val="80000"/>
+            </a:schemeClr>
+          </a:solidFill>
+        </p:spPr>
+        <p:style>
+          <a:lnRef idx="2">
+            <a:schemeClr val="accent1">
+              <a:shade val="50000"/>
+            </a:schemeClr>
+          </a:lnRef>
+          <a:fillRef idx="1">
+            <a:schemeClr val="accent1"/>
+          </a:fillRef>
+          <a:effectRef idx="0">
+            <a:schemeClr val="accent1"/>
+          </a:effectRef>
+          <a:fontRef idx="minor">
+            <a:schemeClr val="lt1"/>
+          </a:fontRef>
+        </p:style>
+        <p:txBody>
+          <a:bodyPr rtlCol="0" anchor="ctr"/>
+          <a:lstStyle/>
+          <a:p>
+            <a:pPr algn="ctr"/>
+            <a:r>
+              <a:rPr lang="en-US" dirty="0" smtClean="0">
+                <a:solidFill>
+                  <a:schemeClr val="tx1"/>
+                </a:solidFill>
+              </a:rPr>
+              <a:t>2,4</a:t>
+            </a:r>
+            <a:endParaRPr lang="en-US" dirty="0">
+              <a:solidFill>
+                <a:schemeClr val="tx1"/>
+              </a:solidFill>
+            </a:endParaRPr>
+          </a:p>
+        </p:txBody>
+      </p:sp>
+      <p:cxnSp>
+        <p:nvCxnSpPr>
+          <p:cNvPr id="11" name="Straight Arrow Connector 10"/>
+          <p:cNvCxnSpPr/>
+          <p:nvPr/>
+        </p:nvCxnSpPr>
+        <p:spPr>
+          <a:xfrm flipH="1">
+            <a:off x="3762257" y="1873011"/>
+            <a:ext cx="1152578" cy="589151"/>
+          </a:xfrm>
+          <a:prstGeom prst="straightConnector1">
+            <a:avLst/>
+          </a:prstGeom>
+          <a:ln>
+            <a:tailEnd type="triangle"/>
+          </a:ln>
+        </p:spPr>
+        <p:style>
+          <a:lnRef idx="1">
+            <a:schemeClr val="accent1"/>
+          </a:lnRef>
+          <a:fillRef idx="0">
+            <a:schemeClr val="accent1"/>
+          </a:fillRef>
+          <a:effectRef idx="0">
+            <a:schemeClr val="accent1"/>
+          </a:effectRef>
+          <a:fontRef idx="minor">
+            <a:schemeClr val="tx1"/>
+          </a:fontRef>
+        </p:style>
+      </p:cxnSp>
+      <p:cxnSp>
+        <p:nvCxnSpPr>
+          <p:cNvPr id="12" name="Straight Arrow Connector 11"/>
+          <p:cNvCxnSpPr>
+            <a:stCxn id="5" idx="5"/>
+          </p:cNvCxnSpPr>
+          <p:nvPr/>
+        </p:nvCxnSpPr>
+        <p:spPr>
+          <a:xfrm>
+            <a:off x="4946832" y="3142101"/>
+            <a:ext cx="416090" cy="325766"/>
+          </a:xfrm>
+          <a:prstGeom prst="straightConnector1">
+            <a:avLst/>
+          </a:prstGeom>
+          <a:ln>
+            <a:tailEnd type="triangle"/>
+          </a:ln>
+        </p:spPr>
+        <p:style>
+          <a:lnRef idx="1">
+            <a:schemeClr val="accent1"/>
+          </a:lnRef>
+          <a:fillRef idx="0">
+            <a:schemeClr val="accent1"/>
+          </a:fillRef>
+          <a:effectRef idx="0">
+            <a:schemeClr val="accent1"/>
+          </a:effectRef>
+          <a:fontRef idx="minor">
+            <a:schemeClr val="tx1"/>
+          </a:fontRef>
+        </p:style>
+      </p:cxnSp>
+      <p:cxnSp>
+        <p:nvCxnSpPr>
+          <p:cNvPr id="13" name="Straight Arrow Connector 12"/>
+          <p:cNvCxnSpPr/>
+          <p:nvPr/>
+        </p:nvCxnSpPr>
+        <p:spPr>
+          <a:xfrm flipH="1">
+            <a:off x="5034325" y="3899011"/>
+            <a:ext cx="379738" cy="634306"/>
+          </a:xfrm>
+          <a:prstGeom prst="straightConnector1">
+            <a:avLst/>
+          </a:prstGeom>
+          <a:ln>
+            <a:tailEnd type="triangle"/>
+          </a:ln>
+        </p:spPr>
+        <p:style>
+          <a:lnRef idx="1">
+            <a:schemeClr val="accent1"/>
+          </a:lnRef>
+          <a:fillRef idx="0">
+            <a:schemeClr val="accent1"/>
+          </a:fillRef>
+          <a:effectRef idx="0">
+            <a:schemeClr val="accent1"/>
+          </a:effectRef>
+          <a:fontRef idx="minor">
+            <a:schemeClr val="tx1"/>
+          </a:fontRef>
+        </p:style>
+      </p:cxnSp>
+      <p:cxnSp>
+        <p:nvCxnSpPr>
+          <p:cNvPr id="14" name="Straight Arrow Connector 13"/>
+          <p:cNvCxnSpPr/>
+          <p:nvPr/>
+        </p:nvCxnSpPr>
+        <p:spPr>
+          <a:xfrm>
+            <a:off x="5466542" y="3899011"/>
+            <a:ext cx="366870" cy="534244"/>
+          </a:xfrm>
+          <a:prstGeom prst="straightConnector1">
+            <a:avLst/>
+          </a:prstGeom>
+          <a:ln>
+            <a:tailEnd type="triangle"/>
+          </a:ln>
+        </p:spPr>
+        <p:style>
+          <a:lnRef idx="1">
+            <a:schemeClr val="accent1"/>
+          </a:lnRef>
+          <a:fillRef idx="0">
+            <a:schemeClr val="accent1"/>
+          </a:fillRef>
+          <a:effectRef idx="0">
+            <a:schemeClr val="accent1"/>
+          </a:effectRef>
+          <a:fontRef idx="minor">
+            <a:schemeClr val="tx1"/>
+          </a:fontRef>
+        </p:style>
+      </p:cxnSp>
+      <p:cxnSp>
+        <p:nvCxnSpPr>
+          <p:cNvPr id="15" name="Straight Arrow Connector 14"/>
+          <p:cNvCxnSpPr/>
+          <p:nvPr/>
+        </p:nvCxnSpPr>
+        <p:spPr>
+          <a:xfrm>
+            <a:off x="5453674" y="3815324"/>
+            <a:ext cx="1626290" cy="568630"/>
+          </a:xfrm>
+          <a:prstGeom prst="straightConnector1">
+            <a:avLst/>
+          </a:prstGeom>
+          <a:ln>
+            <a:tailEnd type="triangle"/>
+          </a:ln>
+        </p:spPr>
+        <p:style>
+          <a:lnRef idx="1">
+            <a:schemeClr val="accent1"/>
+          </a:lnRef>
+          <a:fillRef idx="0">
+            <a:schemeClr val="accent1"/>
+          </a:fillRef>
+          <a:effectRef idx="0">
+            <a:schemeClr val="accent1"/>
+          </a:effectRef>
+          <a:fontRef idx="minor">
+            <a:schemeClr val="tx1"/>
+          </a:fontRef>
+        </p:style>
+      </p:cxnSp>
+      <p:cxnSp>
+        <p:nvCxnSpPr>
+          <p:cNvPr id="16" name="Straight Arrow Connector 15"/>
+          <p:cNvCxnSpPr/>
+          <p:nvPr/>
+        </p:nvCxnSpPr>
+        <p:spPr>
+          <a:xfrm>
+            <a:off x="5414063" y="3815326"/>
+            <a:ext cx="3040655" cy="513377"/>
+          </a:xfrm>
+          <a:prstGeom prst="straightConnector1">
+            <a:avLst/>
+          </a:prstGeom>
+          <a:ln>
+            <a:tailEnd type="triangle"/>
+          </a:ln>
+        </p:spPr>
+        <p:style>
+          <a:lnRef idx="1">
+            <a:schemeClr val="accent1"/>
+          </a:lnRef>
+          <a:fillRef idx="0">
+            <a:schemeClr val="accent1"/>
+          </a:fillRef>
+          <a:effectRef idx="0">
+            <a:schemeClr val="accent1"/>
+          </a:effectRef>
+          <a:fontRef idx="minor">
+            <a:schemeClr val="tx1"/>
+          </a:fontRef>
+        </p:style>
+      </p:cxnSp>
+      <p:cxnSp>
+        <p:nvCxnSpPr>
+          <p:cNvPr id="17" name="Straight Arrow Connector 16"/>
+          <p:cNvCxnSpPr/>
+          <p:nvPr/>
+        </p:nvCxnSpPr>
+        <p:spPr>
+          <a:xfrm flipH="1">
+            <a:off x="5154876" y="2860459"/>
+            <a:ext cx="478764" cy="0"/>
+          </a:xfrm>
+          <a:prstGeom prst="straightConnector1">
+            <a:avLst/>
+          </a:prstGeom>
+          <a:ln>
+            <a:tailEnd type="triangle"/>
+          </a:ln>
+        </p:spPr>
+        <p:style>
+          <a:lnRef idx="1">
+            <a:schemeClr val="accent1"/>
+          </a:lnRef>
+          <a:fillRef idx="0">
+            <a:schemeClr val="accent1"/>
+          </a:fillRef>
+          <a:effectRef idx="0">
+            <a:schemeClr val="accent1"/>
+          </a:effectRef>
+          <a:fontRef idx="minor">
+            <a:schemeClr val="tx1"/>
+          </a:fontRef>
+        </p:style>
+      </p:cxnSp>
+      <p:cxnSp>
+        <p:nvCxnSpPr>
+          <p:cNvPr id="18" name="Straight Arrow Connector 17"/>
+          <p:cNvCxnSpPr/>
+          <p:nvPr/>
+        </p:nvCxnSpPr>
+        <p:spPr>
+          <a:xfrm flipH="1">
+            <a:off x="5154876" y="4835358"/>
+            <a:ext cx="478764" cy="0"/>
+          </a:xfrm>
+          <a:prstGeom prst="straightConnector1">
+            <a:avLst/>
+          </a:prstGeom>
+          <a:ln>
+            <a:tailEnd type="triangle"/>
+          </a:ln>
+        </p:spPr>
+        <p:style>
+          <a:lnRef idx="1">
+            <a:schemeClr val="accent1"/>
+          </a:lnRef>
+          <a:fillRef idx="0">
+            <a:schemeClr val="accent1"/>
+          </a:fillRef>
+          <a:effectRef idx="0">
+            <a:schemeClr val="accent1"/>
+          </a:effectRef>
+          <a:fontRef idx="minor">
+            <a:schemeClr val="tx1"/>
+          </a:fontRef>
+        </p:style>
+      </p:cxnSp>
+      <p:cxnSp>
+        <p:nvCxnSpPr>
+          <p:cNvPr id="19" name="Straight Arrow Connector 18"/>
+          <p:cNvCxnSpPr/>
+          <p:nvPr/>
+        </p:nvCxnSpPr>
+        <p:spPr>
+          <a:xfrm flipH="1">
+            <a:off x="6423393" y="4835358"/>
+            <a:ext cx="410746" cy="0"/>
+          </a:xfrm>
+          <a:prstGeom prst="straightConnector1">
+            <a:avLst/>
+          </a:prstGeom>
+          <a:ln>
+            <a:tailEnd type="triangle"/>
+          </a:ln>
+        </p:spPr>
+        <p:style>
+          <a:lnRef idx="1">
+            <a:schemeClr val="accent1"/>
+          </a:lnRef>
+          <a:fillRef idx="0">
+            <a:schemeClr val="accent1"/>
+          </a:fillRef>
+          <a:effectRef idx="0">
+            <a:schemeClr val="accent1"/>
+          </a:effectRef>
+          <a:fontRef idx="minor">
+            <a:schemeClr val="tx1"/>
+          </a:fontRef>
+        </p:style>
+      </p:cxnSp>
+      <p:cxnSp>
+        <p:nvCxnSpPr>
+          <p:cNvPr id="20" name="Straight Arrow Connector 19"/>
+          <p:cNvCxnSpPr/>
+          <p:nvPr/>
+        </p:nvCxnSpPr>
+        <p:spPr>
+          <a:xfrm flipH="1">
+            <a:off x="7692971" y="4835358"/>
+            <a:ext cx="395810" cy="0"/>
+          </a:xfrm>
+          <a:prstGeom prst="straightConnector1">
+            <a:avLst/>
+          </a:prstGeom>
+          <a:ln>
+            <a:tailEnd type="triangle"/>
+          </a:ln>
+        </p:spPr>
+        <p:style>
+          <a:lnRef idx="1">
+            <a:schemeClr val="accent1"/>
+          </a:lnRef>
+          <a:fillRef idx="0">
+            <a:schemeClr val="accent1"/>
+          </a:fillRef>
+          <a:effectRef idx="0">
+            <a:schemeClr val="accent1"/>
+          </a:effectRef>
+          <a:fontRef idx="minor">
+            <a:schemeClr val="tx1"/>
+          </a:fontRef>
+        </p:style>
+      </p:cxnSp>
+      <p:cxnSp>
+        <p:nvCxnSpPr>
+          <p:cNvPr id="21" name="Straight Arrow Connector 20"/>
+          <p:cNvCxnSpPr/>
+          <p:nvPr/>
+        </p:nvCxnSpPr>
+        <p:spPr>
+          <a:xfrm flipH="1" flipV="1">
+            <a:off x="4946832" y="5233659"/>
+            <a:ext cx="416090" cy="681601"/>
+          </a:xfrm>
+          <a:prstGeom prst="straightConnector1">
+            <a:avLst/>
+          </a:prstGeom>
+          <a:ln>
+            <a:tailEnd type="triangle"/>
+          </a:ln>
+        </p:spPr>
+        <p:style>
+          <a:lnRef idx="1">
+            <a:schemeClr val="accent1"/>
+          </a:lnRef>
+          <a:fillRef idx="0">
+            <a:schemeClr val="accent1"/>
+          </a:fillRef>
+          <a:effectRef idx="0">
+            <a:schemeClr val="accent1"/>
+          </a:effectRef>
+          <a:fontRef idx="minor">
+            <a:schemeClr val="tx1"/>
+          </a:fontRef>
+        </p:style>
+      </p:cxnSp>
+      <p:cxnSp>
+        <p:nvCxnSpPr>
+          <p:cNvPr id="22" name="Straight Arrow Connector 21"/>
+          <p:cNvCxnSpPr/>
+          <p:nvPr/>
+        </p:nvCxnSpPr>
+        <p:spPr>
+          <a:xfrm flipV="1">
+            <a:off x="5362921" y="5309515"/>
+            <a:ext cx="577754" cy="700343"/>
+          </a:xfrm>
+          <a:prstGeom prst="straightConnector1">
+            <a:avLst/>
+          </a:prstGeom>
+          <a:ln>
+            <a:tailEnd type="triangle"/>
+          </a:ln>
+        </p:spPr>
+        <p:style>
+          <a:lnRef idx="1">
+            <a:schemeClr val="accent1"/>
+          </a:lnRef>
+          <a:fillRef idx="0">
+            <a:schemeClr val="accent1"/>
+          </a:fillRef>
+          <a:effectRef idx="0">
+            <a:schemeClr val="accent1"/>
+          </a:effectRef>
+          <a:fontRef idx="minor">
+            <a:schemeClr val="tx1"/>
+          </a:fontRef>
+        </p:style>
+      </p:cxnSp>
+      <p:cxnSp>
+        <p:nvCxnSpPr>
+          <p:cNvPr id="23" name="Straight Arrow Connector 22"/>
+          <p:cNvCxnSpPr/>
+          <p:nvPr/>
+        </p:nvCxnSpPr>
+        <p:spPr>
+          <a:xfrm flipV="1">
+            <a:off x="5394258" y="5309514"/>
+            <a:ext cx="1836935" cy="700342"/>
+          </a:xfrm>
+          <a:prstGeom prst="straightConnector1">
+            <a:avLst/>
+          </a:prstGeom>
+          <a:ln>
+            <a:tailEnd type="triangle"/>
+          </a:ln>
+        </p:spPr>
+        <p:style>
+          <a:lnRef idx="1">
+            <a:schemeClr val="accent1"/>
+          </a:lnRef>
+          <a:fillRef idx="0">
+            <a:schemeClr val="accent1"/>
+          </a:fillRef>
+          <a:effectRef idx="0">
+            <a:schemeClr val="accent1"/>
+          </a:effectRef>
+          <a:fontRef idx="minor">
+            <a:schemeClr val="tx1"/>
+          </a:fontRef>
+        </p:style>
+      </p:cxnSp>
+      <p:cxnSp>
+        <p:nvCxnSpPr>
+          <p:cNvPr id="24" name="Straight Arrow Connector 23"/>
+          <p:cNvCxnSpPr/>
+          <p:nvPr/>
+        </p:nvCxnSpPr>
+        <p:spPr>
+          <a:xfrm flipV="1">
+            <a:off x="5362921" y="5309514"/>
+            <a:ext cx="3091797" cy="700342"/>
+          </a:xfrm>
+          <a:prstGeom prst="straightConnector1">
+            <a:avLst/>
+          </a:prstGeom>
+          <a:ln>
+            <a:tailEnd type="triangle"/>
+          </a:ln>
+        </p:spPr>
+        <p:style>
+          <a:lnRef idx="1">
+            <a:schemeClr val="accent1"/>
+          </a:lnRef>
+          <a:fillRef idx="0">
+            <a:schemeClr val="accent1"/>
+          </a:fillRef>
+          <a:effectRef idx="0">
+            <a:schemeClr val="accent1"/>
+          </a:effectRef>
+          <a:fontRef idx="minor">
+            <a:schemeClr val="tx1"/>
+          </a:fontRef>
+        </p:style>
+      </p:cxnSp>
+      <p:sp>
+        <p:nvSpPr>
+          <p:cNvPr id="25" name="Rectangle 24"/>
+          <p:cNvSpPr/>
+          <p:nvPr/>
+        </p:nvSpPr>
+        <p:spPr>
+          <a:xfrm>
+            <a:off x="5014519" y="3511622"/>
+            <a:ext cx="799088" cy="607406"/>
+          </a:xfrm>
+          <a:prstGeom prst="rect">
+            <a:avLst/>
+          </a:prstGeom>
+          <a:solidFill>
+            <a:schemeClr val="accent6">
+              <a:lumMod val="20000"/>
+              <a:lumOff val="80000"/>
+            </a:schemeClr>
+          </a:solidFill>
+        </p:spPr>
+        <p:style>
+          <a:lnRef idx="2">
+            <a:schemeClr val="accent1">
+              <a:shade val="50000"/>
+            </a:schemeClr>
+          </a:lnRef>
+          <a:fillRef idx="1">
+            <a:schemeClr val="accent1"/>
+          </a:fillRef>
+          <a:effectRef idx="0">
+            <a:schemeClr val="accent1"/>
+          </a:effectRef>
+          <a:fontRef idx="minor">
+            <a:schemeClr val="lt1"/>
+          </a:fontRef>
+        </p:style>
+        <p:txBody>
+          <a:bodyPr rtlCol="0" anchor="ctr"/>
+          <a:lstStyle/>
+          <a:p>
+            <a:pPr algn="ctr"/>
+            <a:r>
+              <a:rPr lang="en-US" dirty="0" smtClean="0">
+                <a:solidFill>
+                  <a:schemeClr val="tx1"/>
+                </a:solidFill>
+              </a:rPr>
+              <a:t>failure, 1</a:t>
+            </a:r>
+            <a:endParaRPr lang="en-US" dirty="0">
+              <a:solidFill>
+                <a:schemeClr val="tx1"/>
+              </a:solidFill>
+            </a:endParaRPr>
+          </a:p>
+        </p:txBody>
+      </p:sp>
+      <p:sp>
+        <p:nvSpPr>
+          <p:cNvPr id="26" name="Rectangle 25"/>
+          <p:cNvSpPr/>
+          <p:nvPr/>
+        </p:nvSpPr>
+        <p:spPr>
+          <a:xfrm>
+            <a:off x="5034325" y="1569307"/>
+            <a:ext cx="906350" cy="607406"/>
+          </a:xfrm>
+          <a:prstGeom prst="rect">
+            <a:avLst/>
+          </a:prstGeom>
+          <a:solidFill>
+            <a:schemeClr val="accent6">
+              <a:lumMod val="20000"/>
+              <a:lumOff val="80000"/>
+            </a:schemeClr>
+          </a:solidFill>
+        </p:spPr>
+        <p:style>
+          <a:lnRef idx="2">
+            <a:schemeClr val="accent1">
+              <a:shade val="50000"/>
+            </a:schemeClr>
+          </a:lnRef>
+          <a:fillRef idx="1">
+            <a:schemeClr val="accent1"/>
+          </a:fillRef>
+          <a:effectRef idx="0">
+            <a:schemeClr val="accent1"/>
+          </a:effectRef>
+          <a:fontRef idx="minor">
+            <a:schemeClr val="lt1"/>
+          </a:fontRef>
+        </p:style>
+        <p:txBody>
+          <a:bodyPr rtlCol="0" anchor="ctr"/>
+          <a:lstStyle/>
+          <a:p>
+            <a:pPr algn="ctr"/>
+            <a:r>
+              <a:rPr lang="en-US" dirty="0" smtClean="0">
+                <a:solidFill>
+                  <a:schemeClr val="tx1"/>
+                </a:solidFill>
+              </a:rPr>
+              <a:t>success</a:t>
+            </a:r>
+            <a:endParaRPr lang="en-US" dirty="0">
+              <a:solidFill>
+                <a:schemeClr val="tx1"/>
+              </a:solidFill>
+            </a:endParaRPr>
+          </a:p>
+        </p:txBody>
+      </p:sp>
+      <p:sp>
+        <p:nvSpPr>
+          <p:cNvPr id="27" name="Rectangle 26"/>
+          <p:cNvSpPr/>
+          <p:nvPr/>
+        </p:nvSpPr>
+        <p:spPr>
+          <a:xfrm>
+            <a:off x="2796120" y="2556756"/>
+            <a:ext cx="966138" cy="607406"/>
+          </a:xfrm>
+          <a:prstGeom prst="rect">
+            <a:avLst/>
+          </a:prstGeom>
+          <a:solidFill>
+            <a:schemeClr val="accent6">
+              <a:lumMod val="20000"/>
+              <a:lumOff val="80000"/>
+            </a:schemeClr>
+          </a:solidFill>
+        </p:spPr>
+        <p:style>
+          <a:lnRef idx="2">
+            <a:schemeClr val="accent1">
+              <a:shade val="50000"/>
+            </a:schemeClr>
+          </a:lnRef>
+          <a:fillRef idx="1">
+            <a:schemeClr val="accent1"/>
+          </a:fillRef>
+          <a:effectRef idx="0">
+            <a:schemeClr val="accent1"/>
+          </a:effectRef>
+          <a:fontRef idx="minor">
+            <a:schemeClr val="lt1"/>
+          </a:fontRef>
+        </p:style>
+        <p:txBody>
+          <a:bodyPr rtlCol="0" anchor="ctr"/>
+          <a:lstStyle/>
+          <a:p>
+            <a:pPr algn="ctr"/>
+            <a:r>
+              <a:rPr lang="en-US" dirty="0" smtClean="0">
+                <a:solidFill>
+                  <a:schemeClr val="tx1"/>
+                </a:solidFill>
+              </a:rPr>
+              <a:t>transmit</a:t>
+            </a:r>
+            <a:endParaRPr lang="en-US" dirty="0">
+              <a:solidFill>
+                <a:schemeClr val="tx1"/>
+              </a:solidFill>
+            </a:endParaRPr>
+          </a:p>
+        </p:txBody>
+      </p:sp>
+      <p:sp>
+        <p:nvSpPr>
+          <p:cNvPr id="28" name="Rectangle 27"/>
+          <p:cNvSpPr/>
+          <p:nvPr/>
+        </p:nvSpPr>
+        <p:spPr>
+          <a:xfrm>
+            <a:off x="4994713" y="5611556"/>
+            <a:ext cx="799088" cy="607406"/>
+          </a:xfrm>
+          <a:prstGeom prst="rect">
+            <a:avLst/>
+          </a:prstGeom>
+          <a:solidFill>
+            <a:schemeClr val="accent6">
+              <a:lumMod val="20000"/>
+              <a:lumOff val="80000"/>
+            </a:schemeClr>
+          </a:solidFill>
+        </p:spPr>
+        <p:style>
+          <a:lnRef idx="2">
+            <a:schemeClr val="accent1">
+              <a:shade val="50000"/>
+            </a:schemeClr>
+          </a:lnRef>
+          <a:fillRef idx="1">
+            <a:schemeClr val="accent1"/>
+          </a:fillRef>
+          <a:effectRef idx="0">
+            <a:schemeClr val="accent1"/>
+          </a:effectRef>
+          <a:fontRef idx="minor">
+            <a:schemeClr val="lt1"/>
+          </a:fontRef>
+        </p:style>
+        <p:txBody>
+          <a:bodyPr rtlCol="0" anchor="ctr"/>
+          <a:lstStyle/>
+          <a:p>
+            <a:pPr algn="ctr"/>
+            <a:r>
+              <a:rPr lang="en-US" dirty="0" smtClean="0">
+                <a:solidFill>
+                  <a:schemeClr val="tx1"/>
+                </a:solidFill>
+              </a:rPr>
+              <a:t>failure, 2</a:t>
+            </a:r>
+            <a:endParaRPr lang="en-US" dirty="0">
+              <a:solidFill>
+                <a:schemeClr val="tx1"/>
+              </a:solidFill>
+            </a:endParaRPr>
+          </a:p>
+        </p:txBody>
+      </p:sp>
+      <p:cxnSp>
+        <p:nvCxnSpPr>
+          <p:cNvPr id="29" name="Straight Arrow Connector 28"/>
+          <p:cNvCxnSpPr>
+            <a:endCxn id="26" idx="1"/>
+          </p:cNvCxnSpPr>
+          <p:nvPr/>
+        </p:nvCxnSpPr>
+        <p:spPr>
+          <a:xfrm flipV="1">
+            <a:off x="4735601" y="1873010"/>
+            <a:ext cx="298724" cy="589154"/>
+          </a:xfrm>
+          <a:prstGeom prst="straightConnector1">
+            <a:avLst/>
+          </a:prstGeom>
+          <a:ln>
+            <a:tailEnd type="triangle"/>
+          </a:ln>
+        </p:spPr>
+        <p:style>
+          <a:lnRef idx="1">
+            <a:schemeClr val="accent1"/>
+          </a:lnRef>
+          <a:fillRef idx="0">
+            <a:schemeClr val="accent1"/>
+          </a:fillRef>
+          <a:effectRef idx="0">
+            <a:schemeClr val="accent1"/>
+          </a:effectRef>
+          <a:fontRef idx="minor">
+            <a:schemeClr val="tx1"/>
+          </a:fontRef>
+        </p:style>
+      </p:cxnSp>
+      <p:cxnSp>
+        <p:nvCxnSpPr>
+          <p:cNvPr id="30" name="Straight Arrow Connector 29"/>
+          <p:cNvCxnSpPr>
+            <a:stCxn id="26" idx="2"/>
+          </p:cNvCxnSpPr>
+          <p:nvPr/>
+        </p:nvCxnSpPr>
+        <p:spPr>
+          <a:xfrm flipH="1">
+            <a:off x="4994714" y="2176713"/>
+            <a:ext cx="492786" cy="380044"/>
+          </a:xfrm>
+          <a:prstGeom prst="straightConnector1">
+            <a:avLst/>
+          </a:prstGeom>
+          <a:ln>
+            <a:tailEnd type="triangle"/>
+          </a:ln>
+        </p:spPr>
+        <p:style>
+          <a:lnRef idx="1">
+            <a:schemeClr val="accent1"/>
+          </a:lnRef>
+          <a:fillRef idx="0">
+            <a:schemeClr val="accent1"/>
+          </a:fillRef>
+          <a:effectRef idx="0">
+            <a:schemeClr val="accent1"/>
+          </a:effectRef>
+          <a:fontRef idx="minor">
+            <a:schemeClr val="tx1"/>
+          </a:fontRef>
+        </p:style>
+      </p:cxnSp>
+      <p:cxnSp>
+        <p:nvCxnSpPr>
+          <p:cNvPr id="31" name="Straight Arrow Connector 30"/>
+          <p:cNvCxnSpPr>
+            <a:stCxn id="26" idx="2"/>
+          </p:cNvCxnSpPr>
+          <p:nvPr/>
+        </p:nvCxnSpPr>
+        <p:spPr>
+          <a:xfrm>
+            <a:off x="5487500" y="2176713"/>
+            <a:ext cx="345912" cy="281642"/>
+          </a:xfrm>
+          <a:prstGeom prst="straightConnector1">
+            <a:avLst/>
+          </a:prstGeom>
+          <a:ln>
+            <a:tailEnd type="triangle"/>
+          </a:ln>
+        </p:spPr>
+        <p:style>
+          <a:lnRef idx="1">
+            <a:schemeClr val="accent1"/>
+          </a:lnRef>
+          <a:fillRef idx="0">
+            <a:schemeClr val="accent1"/>
+          </a:fillRef>
+          <a:effectRef idx="0">
+            <a:schemeClr val="accent1"/>
+          </a:effectRef>
+          <a:fontRef idx="minor">
+            <a:schemeClr val="tx1"/>
+          </a:fontRef>
+        </p:style>
+      </p:cxnSp>
+      <p:cxnSp>
+        <p:nvCxnSpPr>
+          <p:cNvPr id="32" name="Straight Arrow Connector 31"/>
+          <p:cNvCxnSpPr>
+            <a:stCxn id="27" idx="3"/>
+          </p:cNvCxnSpPr>
+          <p:nvPr/>
+        </p:nvCxnSpPr>
+        <p:spPr>
+          <a:xfrm>
+            <a:off x="3762258" y="2860459"/>
+            <a:ext cx="576289" cy="0"/>
+          </a:xfrm>
+          <a:prstGeom prst="straightConnector1">
+            <a:avLst/>
+          </a:prstGeom>
+          <a:ln>
+            <a:tailEnd type="triangle"/>
+          </a:ln>
+        </p:spPr>
+        <p:style>
+          <a:lnRef idx="1">
+            <a:schemeClr val="accent1"/>
+          </a:lnRef>
+          <a:fillRef idx="0">
+            <a:schemeClr val="accent1"/>
+          </a:fillRef>
+          <a:effectRef idx="0">
+            <a:schemeClr val="accent1"/>
+          </a:effectRef>
+          <a:fontRef idx="minor">
+            <a:schemeClr val="tx1"/>
+          </a:fontRef>
+        </p:style>
+      </p:cxnSp>
+      <p:cxnSp>
+        <p:nvCxnSpPr>
+          <p:cNvPr id="33" name="Straight Arrow Connector 32"/>
+          <p:cNvCxnSpPr>
+            <a:stCxn id="7" idx="4"/>
+          </p:cNvCxnSpPr>
+          <p:nvPr/>
+        </p:nvCxnSpPr>
+        <p:spPr>
+          <a:xfrm>
+            <a:off x="4735601" y="5233660"/>
+            <a:ext cx="211230" cy="340799"/>
+          </a:xfrm>
+          <a:prstGeom prst="straightConnector1">
+            <a:avLst/>
+          </a:prstGeom>
+          <a:ln>
+            <a:tailEnd type="triangle"/>
+          </a:ln>
+        </p:spPr>
+        <p:style>
+          <a:lnRef idx="1">
+            <a:schemeClr val="accent1"/>
+          </a:lnRef>
+          <a:fillRef idx="0">
+            <a:schemeClr val="accent1"/>
+          </a:fillRef>
+          <a:effectRef idx="0">
+            <a:schemeClr val="accent1"/>
+          </a:effectRef>
+          <a:fontRef idx="minor">
+            <a:schemeClr val="tx1"/>
+          </a:fontRef>
+        </p:style>
+      </p:cxnSp>
+      <p:cxnSp>
+        <p:nvCxnSpPr>
+          <p:cNvPr id="34" name="Straight Arrow Connector 33"/>
+          <p:cNvCxnSpPr>
+            <a:endCxn id="26" idx="2"/>
+          </p:cNvCxnSpPr>
+          <p:nvPr/>
+        </p:nvCxnSpPr>
+        <p:spPr>
+          <a:xfrm flipV="1">
+            <a:off x="4735601" y="2176713"/>
+            <a:ext cx="751899" cy="2207242"/>
+          </a:xfrm>
+          <a:prstGeom prst="straightConnector1">
+            <a:avLst/>
+          </a:prstGeom>
+          <a:ln>
+            <a:tailEnd type="triangle"/>
+          </a:ln>
+        </p:spPr>
+        <p:style>
+          <a:lnRef idx="1">
+            <a:schemeClr val="accent1"/>
+          </a:lnRef>
+          <a:fillRef idx="0">
+            <a:schemeClr val="accent1"/>
+          </a:fillRef>
+          <a:effectRef idx="0">
+            <a:schemeClr val="accent1"/>
+          </a:effectRef>
+          <a:fontRef idx="minor">
+            <a:schemeClr val="tx1"/>
+          </a:fontRef>
+        </p:style>
+      </p:cxnSp>
+      <p:sp>
+        <p:nvSpPr>
+          <p:cNvPr id="35" name="TextBox 34"/>
+          <p:cNvSpPr txBox="1"/>
+          <p:nvPr/>
+        </p:nvSpPr>
+        <p:spPr>
+          <a:xfrm>
+            <a:off x="426309" y="1934776"/>
+            <a:ext cx="2536861" cy="1938992"/>
+          </a:xfrm>
+          <a:prstGeom prst="rect">
+            <a:avLst/>
+          </a:prstGeom>
+          <a:noFill/>
+        </p:spPr>
+        <p:txBody>
+          <a:bodyPr wrap="square" rtlCol="0">
+            <a:spAutoFit/>
           </a:bodyPr>
           <a:lstStyle/>
           <a:p>
-            <a:r>
-              <a:rPr lang="en-US" dirty="0" smtClean="0"/>
-              <a:t>Adding features adds new dimensions to the 2D DCF</a:t>
-            </a:r>
-          </a:p>
-          <a:p>
-            <a:pPr lvl="1"/>
-            <a:r>
-              <a:rPr lang="en-US" dirty="0" err="1" smtClean="0"/>
-              <a:t>Packetsize</a:t>
-            </a:r>
-            <a:r>
-              <a:rPr lang="en-US" dirty="0" smtClean="0"/>
-              <a:t>, </a:t>
-            </a:r>
-            <a:r>
-              <a:rPr lang="en-US" dirty="0" err="1" smtClean="0"/>
-              <a:t>interarrival</a:t>
-            </a:r>
-            <a:r>
-              <a:rPr lang="en-US" dirty="0" smtClean="0"/>
-              <a:t>, </a:t>
-            </a:r>
-            <a:r>
-              <a:rPr lang="en-US" dirty="0" err="1" smtClean="0"/>
-              <a:t>postbackoff</a:t>
-            </a:r>
-            <a:r>
-              <a:rPr lang="en-US" dirty="0" smtClean="0"/>
-              <a:t>, etc…</a:t>
-            </a:r>
-          </a:p>
-          <a:p>
-            <a:r>
-              <a:rPr lang="en-US" dirty="0" smtClean="0"/>
-              <a:t>Create small Markov models</a:t>
-            </a:r>
-          </a:p>
-          <a:p>
-            <a:pPr lvl="1"/>
-            <a:r>
-              <a:rPr lang="en-US" dirty="0" smtClean="0"/>
-              <a:t>Treat each as a black box</a:t>
-            </a:r>
-          </a:p>
-          <a:p>
-            <a:pPr lvl="1"/>
-            <a:r>
-              <a:rPr lang="en-US" dirty="0" smtClean="0"/>
-              <a:t>Connect them through instantaneous transitions</a:t>
-            </a:r>
-          </a:p>
-          <a:p>
-            <a:r>
-              <a:rPr lang="en-US" dirty="0" smtClean="0"/>
-              <a:t>Compressible states</a:t>
-            </a:r>
-          </a:p>
-          <a:p>
-            <a:pPr lvl="1"/>
-            <a:r>
-              <a:rPr lang="en-US" dirty="0" smtClean="0"/>
-              <a:t>Temporary logical states</a:t>
-            </a:r>
-          </a:p>
-          <a:p>
-            <a:pPr lvl="1"/>
-            <a:r>
-              <a:rPr lang="en-US" dirty="0" smtClean="0"/>
-              <a:t>Probabilities distributed to real states in preprocessing</a:t>
-            </a:r>
-          </a:p>
-          <a:p>
-            <a:endParaRPr lang="en-US" dirty="0"/>
+            <a:pPr marL="285750" indent="-285750">
+              <a:buFont typeface="Arial" panose="020B0604020202020204" pitchFamily="34" charset="0"/>
+              <a:buChar char="•"/>
+            </a:pPr>
+            <a:r>
+              <a:rPr lang="en-US" sz="2000" dirty="0" smtClean="0"/>
+              <a:t>Blue: Original DCF Transmit</a:t>
+            </a:r>
+          </a:p>
+          <a:p>
+            <a:pPr marL="285750" indent="-285750">
+              <a:buFont typeface="Arial" panose="020B0604020202020204" pitchFamily="34" charset="0"/>
+              <a:buChar char="•"/>
+            </a:pPr>
+            <a:r>
+              <a:rPr lang="en-US" sz="2000" dirty="0" smtClean="0"/>
+              <a:t>Yellow: Original DCF </a:t>
+            </a:r>
+            <a:r>
+              <a:rPr lang="en-US" sz="2000" dirty="0" err="1" smtClean="0"/>
+              <a:t>Backoff</a:t>
+            </a:r>
+            <a:endParaRPr lang="en-US" sz="2000" dirty="0" smtClean="0"/>
+          </a:p>
+          <a:p>
+            <a:pPr marL="285750" indent="-285750">
+              <a:buFont typeface="Arial" panose="020B0604020202020204" pitchFamily="34" charset="0"/>
+              <a:buChar char="•"/>
+            </a:pPr>
+            <a:r>
+              <a:rPr lang="en-US" sz="2000" dirty="0" smtClean="0"/>
+              <a:t>Green: Compressible states</a:t>
+            </a:r>
+            <a:endParaRPr lang="en-US" sz="2000" dirty="0"/>
           </a:p>
         </p:txBody>
       </p:sp>
     </p:spTree>
     <p:extLst>
       <p:ext uri="{BB962C8B-B14F-4D97-AF65-F5344CB8AC3E}">
-        <p14:creationId xmlns:p14="http://schemas.microsoft.com/office/powerpoint/2010/main" val="2913508524"/>
+        <p14:creationId xmlns:p14="http://schemas.microsoft.com/office/powerpoint/2010/main" val="3088044582"/>
       </p:ext>
     </p:extLst>
   </p:cSld>
@@ -4097,2504 +6408,6 @@
             <p:ph type="title"/>
           </p:nvPr>
         </p:nvSpPr>
-        <p:spPr/>
-        <p:txBody>
-          <a:bodyPr/>
-          <a:lstStyle/>
-          <a:p>
-            <a:r>
-              <a:rPr lang="en-US" dirty="0" smtClean="0"/>
-              <a:t>Compressible States</a:t>
-            </a:r>
-            <a:endParaRPr lang="en-US" dirty="0"/>
-          </a:p>
-        </p:txBody>
-      </p:sp>
-      <p:cxnSp>
-        <p:nvCxnSpPr>
-          <p:cNvPr id="5" name="Straight Connector 4"/>
-          <p:cNvCxnSpPr>
-            <a:stCxn id="2" idx="2"/>
-          </p:cNvCxnSpPr>
-          <p:nvPr/>
-        </p:nvCxnSpPr>
-        <p:spPr>
-          <a:xfrm flipH="1">
-            <a:off x="4559643" y="1690688"/>
-            <a:ext cx="12357" cy="4907820"/>
-          </a:xfrm>
-          <a:prstGeom prst="line">
-            <a:avLst/>
-          </a:prstGeom>
-        </p:spPr>
-        <p:style>
-          <a:lnRef idx="1">
-            <a:schemeClr val="accent1"/>
-          </a:lnRef>
-          <a:fillRef idx="0">
-            <a:schemeClr val="accent1"/>
-          </a:fillRef>
-          <a:effectRef idx="0">
-            <a:schemeClr val="accent1"/>
-          </a:effectRef>
-          <a:fontRef idx="minor">
-            <a:schemeClr val="tx1"/>
-          </a:fontRef>
-        </p:style>
-      </p:cxnSp>
-      <p:sp>
-        <p:nvSpPr>
-          <p:cNvPr id="7" name="Rectangle 6"/>
-          <p:cNvSpPr/>
-          <p:nvPr/>
-        </p:nvSpPr>
-        <p:spPr>
-          <a:xfrm>
-            <a:off x="1686698" y="2508423"/>
-            <a:ext cx="657997" cy="877329"/>
-          </a:xfrm>
-          <a:prstGeom prst="rect">
-            <a:avLst/>
-          </a:prstGeom>
-          <a:solidFill>
-            <a:schemeClr val="accent6">
-              <a:lumMod val="20000"/>
-              <a:lumOff val="80000"/>
-            </a:schemeClr>
-          </a:solidFill>
-        </p:spPr>
-        <p:style>
-          <a:lnRef idx="2">
-            <a:schemeClr val="accent1">
-              <a:shade val="50000"/>
-            </a:schemeClr>
-          </a:lnRef>
-          <a:fillRef idx="1">
-            <a:schemeClr val="accent1"/>
-          </a:fillRef>
-          <a:effectRef idx="0">
-            <a:schemeClr val="accent1"/>
-          </a:effectRef>
-          <a:fontRef idx="minor">
-            <a:schemeClr val="lt1"/>
-          </a:fontRef>
-        </p:style>
-        <p:txBody>
-          <a:bodyPr rtlCol="0" anchor="ctr"/>
-          <a:lstStyle/>
-          <a:p>
-            <a:pPr algn="ctr"/>
-            <a:r>
-              <a:rPr lang="en-US" dirty="0" smtClean="0">
-                <a:solidFill>
-                  <a:schemeClr val="tx1"/>
-                </a:solidFill>
-              </a:rPr>
-              <a:t>x1</a:t>
-            </a:r>
-            <a:endParaRPr lang="en-US" dirty="0">
-              <a:solidFill>
-                <a:schemeClr val="tx1"/>
-              </a:solidFill>
-            </a:endParaRPr>
-          </a:p>
-        </p:txBody>
-      </p:sp>
-      <p:sp>
-        <p:nvSpPr>
-          <p:cNvPr id="8" name="Rectangle 7"/>
-          <p:cNvSpPr/>
-          <p:nvPr/>
-        </p:nvSpPr>
-        <p:spPr>
-          <a:xfrm>
-            <a:off x="1686698" y="5156888"/>
-            <a:ext cx="657997" cy="877329"/>
-          </a:xfrm>
-          <a:prstGeom prst="rect">
-            <a:avLst/>
-          </a:prstGeom>
-          <a:solidFill>
-            <a:schemeClr val="accent6">
-              <a:lumMod val="20000"/>
-              <a:lumOff val="80000"/>
-            </a:schemeClr>
-          </a:solidFill>
-        </p:spPr>
-        <p:style>
-          <a:lnRef idx="2">
-            <a:schemeClr val="accent1">
-              <a:shade val="50000"/>
-            </a:schemeClr>
-          </a:lnRef>
-          <a:fillRef idx="1">
-            <a:schemeClr val="accent1"/>
-          </a:fillRef>
-          <a:effectRef idx="0">
-            <a:schemeClr val="accent1"/>
-          </a:effectRef>
-          <a:fontRef idx="minor">
-            <a:schemeClr val="lt1"/>
-          </a:fontRef>
-        </p:style>
-        <p:txBody>
-          <a:bodyPr rtlCol="0" anchor="ctr"/>
-          <a:lstStyle/>
-          <a:p>
-            <a:pPr algn="ctr"/>
-            <a:r>
-              <a:rPr lang="en-US" dirty="0" smtClean="0">
-                <a:solidFill>
-                  <a:schemeClr val="tx1"/>
-                </a:solidFill>
-              </a:rPr>
-              <a:t>x2</a:t>
-            </a:r>
-            <a:endParaRPr lang="en-US" dirty="0">
-              <a:solidFill>
-                <a:schemeClr val="tx1"/>
-              </a:solidFill>
-            </a:endParaRPr>
-          </a:p>
-        </p:txBody>
-      </p:sp>
-      <p:sp>
-        <p:nvSpPr>
-          <p:cNvPr id="10" name="Oval 9"/>
-          <p:cNvSpPr/>
-          <p:nvPr/>
-        </p:nvSpPr>
-        <p:spPr>
-          <a:xfrm>
-            <a:off x="3104635" y="2458995"/>
-            <a:ext cx="695068" cy="926757"/>
-          </a:xfrm>
-          <a:prstGeom prst="ellipse">
-            <a:avLst/>
-          </a:prstGeom>
-        </p:spPr>
-        <p:style>
-          <a:lnRef idx="2">
-            <a:schemeClr val="accent1">
-              <a:shade val="50000"/>
-            </a:schemeClr>
-          </a:lnRef>
-          <a:fillRef idx="1">
-            <a:schemeClr val="accent1"/>
-          </a:fillRef>
-          <a:effectRef idx="0">
-            <a:schemeClr val="accent1"/>
-          </a:effectRef>
-          <a:fontRef idx="minor">
-            <a:schemeClr val="lt1"/>
-          </a:fontRef>
-        </p:style>
-        <p:txBody>
-          <a:bodyPr rtlCol="0" anchor="ctr"/>
-          <a:lstStyle/>
-          <a:p>
-            <a:pPr algn="ctr"/>
-            <a:r>
-              <a:rPr lang="en-US" dirty="0" smtClean="0"/>
-              <a:t>a</a:t>
-            </a:r>
-            <a:endParaRPr lang="en-US" dirty="0"/>
-          </a:p>
-        </p:txBody>
-      </p:sp>
-      <p:sp>
-        <p:nvSpPr>
-          <p:cNvPr id="11" name="Oval 10"/>
-          <p:cNvSpPr/>
-          <p:nvPr/>
-        </p:nvSpPr>
-        <p:spPr>
-          <a:xfrm>
-            <a:off x="3137072" y="3690679"/>
-            <a:ext cx="695068" cy="926757"/>
-          </a:xfrm>
-          <a:prstGeom prst="ellipse">
-            <a:avLst/>
-          </a:prstGeom>
-        </p:spPr>
-        <p:style>
-          <a:lnRef idx="2">
-            <a:schemeClr val="accent1">
-              <a:shade val="50000"/>
-            </a:schemeClr>
-          </a:lnRef>
-          <a:fillRef idx="1">
-            <a:schemeClr val="accent1"/>
-          </a:fillRef>
-          <a:effectRef idx="0">
-            <a:schemeClr val="accent1"/>
-          </a:effectRef>
-          <a:fontRef idx="minor">
-            <a:schemeClr val="lt1"/>
-          </a:fontRef>
-        </p:style>
-        <p:txBody>
-          <a:bodyPr rtlCol="0" anchor="ctr"/>
-          <a:lstStyle/>
-          <a:p>
-            <a:pPr algn="ctr"/>
-            <a:r>
-              <a:rPr lang="en-US" dirty="0" smtClean="0"/>
-              <a:t>b</a:t>
-            </a:r>
-            <a:endParaRPr lang="en-US" dirty="0"/>
-          </a:p>
-        </p:txBody>
-      </p:sp>
-      <p:sp>
-        <p:nvSpPr>
-          <p:cNvPr id="12" name="Oval 11"/>
-          <p:cNvSpPr/>
-          <p:nvPr/>
-        </p:nvSpPr>
-        <p:spPr>
-          <a:xfrm>
-            <a:off x="3137072" y="4922363"/>
-            <a:ext cx="695068" cy="926757"/>
-          </a:xfrm>
-          <a:prstGeom prst="ellipse">
-            <a:avLst/>
-          </a:prstGeom>
-        </p:spPr>
-        <p:style>
-          <a:lnRef idx="2">
-            <a:schemeClr val="accent1">
-              <a:shade val="50000"/>
-            </a:schemeClr>
-          </a:lnRef>
-          <a:fillRef idx="1">
-            <a:schemeClr val="accent1"/>
-          </a:fillRef>
-          <a:effectRef idx="0">
-            <a:schemeClr val="accent1"/>
-          </a:effectRef>
-          <a:fontRef idx="minor">
-            <a:schemeClr val="lt1"/>
-          </a:fontRef>
-        </p:style>
-        <p:txBody>
-          <a:bodyPr rtlCol="0" anchor="ctr"/>
-          <a:lstStyle/>
-          <a:p>
-            <a:pPr algn="ctr"/>
-            <a:r>
-              <a:rPr lang="en-US" dirty="0" smtClean="0"/>
-              <a:t>c</a:t>
-            </a:r>
-            <a:endParaRPr lang="en-US" dirty="0"/>
-          </a:p>
-        </p:txBody>
-      </p:sp>
-      <p:cxnSp>
-        <p:nvCxnSpPr>
-          <p:cNvPr id="14" name="Straight Arrow Connector 13"/>
-          <p:cNvCxnSpPr>
-            <a:endCxn id="7" idx="1"/>
-          </p:cNvCxnSpPr>
-          <p:nvPr/>
-        </p:nvCxnSpPr>
-        <p:spPr>
-          <a:xfrm flipV="1">
-            <a:off x="616293" y="2947088"/>
-            <a:ext cx="1070405" cy="1206969"/>
-          </a:xfrm>
-          <a:prstGeom prst="straightConnector1">
-            <a:avLst/>
-          </a:prstGeom>
-          <a:ln>
-            <a:tailEnd type="triangle"/>
-          </a:ln>
-        </p:spPr>
-        <p:style>
-          <a:lnRef idx="1">
-            <a:schemeClr val="accent1"/>
-          </a:lnRef>
-          <a:fillRef idx="0">
-            <a:schemeClr val="accent1"/>
-          </a:fillRef>
-          <a:effectRef idx="0">
-            <a:schemeClr val="accent1"/>
-          </a:effectRef>
-          <a:fontRef idx="minor">
-            <a:schemeClr val="tx1"/>
-          </a:fontRef>
-        </p:style>
-      </p:cxnSp>
-      <p:cxnSp>
-        <p:nvCxnSpPr>
-          <p:cNvPr id="17" name="Straight Arrow Connector 16"/>
-          <p:cNvCxnSpPr/>
-          <p:nvPr/>
-        </p:nvCxnSpPr>
-        <p:spPr>
-          <a:xfrm>
-            <a:off x="616293" y="4154057"/>
-            <a:ext cx="2520779" cy="1002831"/>
-          </a:xfrm>
-          <a:prstGeom prst="straightConnector1">
-            <a:avLst/>
-          </a:prstGeom>
-          <a:ln>
-            <a:tailEnd type="triangle"/>
-          </a:ln>
-        </p:spPr>
-        <p:style>
-          <a:lnRef idx="1">
-            <a:schemeClr val="accent1"/>
-          </a:lnRef>
-          <a:fillRef idx="0">
-            <a:schemeClr val="accent1"/>
-          </a:fillRef>
-          <a:effectRef idx="0">
-            <a:schemeClr val="accent1"/>
-          </a:effectRef>
-          <a:fontRef idx="minor">
-            <a:schemeClr val="tx1"/>
-          </a:fontRef>
-        </p:style>
-      </p:cxnSp>
-      <p:cxnSp>
-        <p:nvCxnSpPr>
-          <p:cNvPr id="19" name="Straight Arrow Connector 18"/>
-          <p:cNvCxnSpPr/>
-          <p:nvPr/>
-        </p:nvCxnSpPr>
-        <p:spPr>
-          <a:xfrm>
-            <a:off x="616293" y="4203485"/>
-            <a:ext cx="1070405" cy="1392066"/>
-          </a:xfrm>
-          <a:prstGeom prst="straightConnector1">
-            <a:avLst/>
-          </a:prstGeom>
-          <a:ln>
-            <a:tailEnd type="triangle"/>
-          </a:ln>
-        </p:spPr>
-        <p:style>
-          <a:lnRef idx="1">
-            <a:schemeClr val="accent1"/>
-          </a:lnRef>
-          <a:fillRef idx="0">
-            <a:schemeClr val="accent1"/>
-          </a:fillRef>
-          <a:effectRef idx="0">
-            <a:schemeClr val="accent1"/>
-          </a:effectRef>
-          <a:fontRef idx="minor">
-            <a:schemeClr val="tx1"/>
-          </a:fontRef>
-        </p:style>
-      </p:cxnSp>
-      <p:sp>
-        <p:nvSpPr>
-          <p:cNvPr id="6" name="Oval 5"/>
-          <p:cNvSpPr/>
-          <p:nvPr/>
-        </p:nvSpPr>
-        <p:spPr>
-          <a:xfrm>
-            <a:off x="281116" y="3681220"/>
-            <a:ext cx="695068" cy="926757"/>
-          </a:xfrm>
-          <a:prstGeom prst="ellipse">
-            <a:avLst/>
-          </a:prstGeom>
-        </p:spPr>
-        <p:style>
-          <a:lnRef idx="2">
-            <a:schemeClr val="accent1">
-              <a:shade val="50000"/>
-            </a:schemeClr>
-          </a:lnRef>
-          <a:fillRef idx="1">
-            <a:schemeClr val="accent1"/>
-          </a:fillRef>
-          <a:effectRef idx="0">
-            <a:schemeClr val="accent1"/>
-          </a:effectRef>
-          <a:fontRef idx="minor">
-            <a:schemeClr val="lt1"/>
-          </a:fontRef>
-        </p:style>
-        <p:txBody>
-          <a:bodyPr rtlCol="0" anchor="ctr"/>
-          <a:lstStyle/>
-          <a:p>
-            <a:pPr algn="ctr"/>
-            <a:r>
-              <a:rPr lang="en-US" dirty="0" smtClean="0"/>
-              <a:t>s</a:t>
-            </a:r>
-            <a:endParaRPr lang="en-US" dirty="0"/>
-          </a:p>
-        </p:txBody>
-      </p:sp>
-      <p:sp>
-        <p:nvSpPr>
-          <p:cNvPr id="20" name="TextBox 19"/>
-          <p:cNvSpPr txBox="1"/>
-          <p:nvPr/>
-        </p:nvSpPr>
-        <p:spPr>
-          <a:xfrm>
-            <a:off x="1075038" y="2947086"/>
-            <a:ext cx="476926" cy="369332"/>
-          </a:xfrm>
-          <a:prstGeom prst="rect">
-            <a:avLst/>
-          </a:prstGeom>
-          <a:noFill/>
-        </p:spPr>
-        <p:txBody>
-          <a:bodyPr wrap="none" rtlCol="0">
-            <a:spAutoFit/>
-          </a:bodyPr>
-          <a:lstStyle/>
-          <a:p>
-            <a:r>
-              <a:rPr lang="en-US" dirty="0" smtClean="0"/>
-              <a:t>0.5</a:t>
-            </a:r>
-            <a:endParaRPr lang="en-US" dirty="0"/>
-          </a:p>
-        </p:txBody>
-      </p:sp>
-      <p:sp>
-        <p:nvSpPr>
-          <p:cNvPr id="21" name="TextBox 20"/>
-          <p:cNvSpPr txBox="1"/>
-          <p:nvPr/>
-        </p:nvSpPr>
-        <p:spPr>
-          <a:xfrm>
-            <a:off x="1548149" y="4163105"/>
-            <a:ext cx="593920" cy="369332"/>
-          </a:xfrm>
-          <a:prstGeom prst="rect">
-            <a:avLst/>
-          </a:prstGeom>
-          <a:noFill/>
-        </p:spPr>
-        <p:txBody>
-          <a:bodyPr wrap="none" rtlCol="0">
-            <a:spAutoFit/>
-          </a:bodyPr>
-          <a:lstStyle/>
-          <a:p>
-            <a:r>
-              <a:rPr lang="en-US" dirty="0" smtClean="0"/>
-              <a:t>0.25</a:t>
-            </a:r>
-            <a:endParaRPr lang="en-US" dirty="0"/>
-          </a:p>
-        </p:txBody>
-      </p:sp>
-      <p:sp>
-        <p:nvSpPr>
-          <p:cNvPr id="22" name="TextBox 21"/>
-          <p:cNvSpPr txBox="1"/>
-          <p:nvPr/>
-        </p:nvSpPr>
-        <p:spPr>
-          <a:xfrm>
-            <a:off x="1209810" y="4737695"/>
-            <a:ext cx="593920" cy="369332"/>
-          </a:xfrm>
-          <a:prstGeom prst="rect">
-            <a:avLst/>
-          </a:prstGeom>
-          <a:noFill/>
-        </p:spPr>
-        <p:txBody>
-          <a:bodyPr wrap="none" rtlCol="0">
-            <a:spAutoFit/>
-          </a:bodyPr>
-          <a:lstStyle/>
-          <a:p>
-            <a:r>
-              <a:rPr lang="en-US" dirty="0" smtClean="0"/>
-              <a:t>0.25</a:t>
-            </a:r>
-            <a:endParaRPr lang="en-US" dirty="0"/>
-          </a:p>
-        </p:txBody>
-      </p:sp>
-      <p:cxnSp>
-        <p:nvCxnSpPr>
-          <p:cNvPr id="24" name="Straight Arrow Connector 23"/>
-          <p:cNvCxnSpPr>
-            <a:stCxn id="7" idx="3"/>
-          </p:cNvCxnSpPr>
-          <p:nvPr/>
-        </p:nvCxnSpPr>
-        <p:spPr>
-          <a:xfrm flipV="1">
-            <a:off x="2344694" y="2947087"/>
-            <a:ext cx="759941" cy="1"/>
-          </a:xfrm>
-          <a:prstGeom prst="straightConnector1">
-            <a:avLst/>
-          </a:prstGeom>
-          <a:ln>
-            <a:tailEnd type="triangle"/>
-          </a:ln>
-        </p:spPr>
-        <p:style>
-          <a:lnRef idx="1">
-            <a:schemeClr val="accent1"/>
-          </a:lnRef>
-          <a:fillRef idx="0">
-            <a:schemeClr val="accent1"/>
-          </a:fillRef>
-          <a:effectRef idx="0">
-            <a:schemeClr val="accent1"/>
-          </a:effectRef>
-          <a:fontRef idx="minor">
-            <a:schemeClr val="tx1"/>
-          </a:fontRef>
-        </p:style>
-      </p:cxnSp>
-      <p:cxnSp>
-        <p:nvCxnSpPr>
-          <p:cNvPr id="26" name="Straight Arrow Connector 25"/>
-          <p:cNvCxnSpPr>
-            <a:stCxn id="7" idx="3"/>
-            <a:endCxn id="11" idx="2"/>
-          </p:cNvCxnSpPr>
-          <p:nvPr/>
-        </p:nvCxnSpPr>
-        <p:spPr>
-          <a:xfrm>
-            <a:off x="2344695" y="2947087"/>
-            <a:ext cx="792377" cy="1206970"/>
-          </a:xfrm>
-          <a:prstGeom prst="straightConnector1">
-            <a:avLst/>
-          </a:prstGeom>
-          <a:ln>
-            <a:tailEnd type="triangle"/>
-          </a:ln>
-        </p:spPr>
-        <p:style>
-          <a:lnRef idx="1">
-            <a:schemeClr val="accent1"/>
-          </a:lnRef>
-          <a:fillRef idx="0">
-            <a:schemeClr val="accent1"/>
-          </a:fillRef>
-          <a:effectRef idx="0">
-            <a:schemeClr val="accent1"/>
-          </a:effectRef>
-          <a:fontRef idx="minor">
-            <a:schemeClr val="tx1"/>
-          </a:fontRef>
-        </p:style>
-      </p:cxnSp>
-      <p:sp>
-        <p:nvSpPr>
-          <p:cNvPr id="27" name="TextBox 26"/>
-          <p:cNvSpPr txBox="1"/>
-          <p:nvPr/>
-        </p:nvSpPr>
-        <p:spPr>
-          <a:xfrm>
-            <a:off x="2599045" y="2543088"/>
-            <a:ext cx="479618" cy="369332"/>
-          </a:xfrm>
-          <a:prstGeom prst="rect">
-            <a:avLst/>
-          </a:prstGeom>
-          <a:noFill/>
-        </p:spPr>
-        <p:txBody>
-          <a:bodyPr wrap="none" rtlCol="0">
-            <a:spAutoFit/>
-          </a:bodyPr>
-          <a:lstStyle/>
-          <a:p>
-            <a:r>
-              <a:rPr lang="en-US" dirty="0" smtClean="0"/>
-              <a:t>0.8</a:t>
-            </a:r>
-            <a:endParaRPr lang="en-US" dirty="0"/>
-          </a:p>
-        </p:txBody>
-      </p:sp>
-      <p:sp>
-        <p:nvSpPr>
-          <p:cNvPr id="28" name="TextBox 27"/>
-          <p:cNvSpPr txBox="1"/>
-          <p:nvPr/>
-        </p:nvSpPr>
-        <p:spPr>
-          <a:xfrm>
-            <a:off x="2697646" y="3185766"/>
-            <a:ext cx="476926" cy="369332"/>
-          </a:xfrm>
-          <a:prstGeom prst="rect">
-            <a:avLst/>
-          </a:prstGeom>
-          <a:noFill/>
-        </p:spPr>
-        <p:txBody>
-          <a:bodyPr wrap="none" rtlCol="0">
-            <a:spAutoFit/>
-          </a:bodyPr>
-          <a:lstStyle/>
-          <a:p>
-            <a:r>
-              <a:rPr lang="en-US" dirty="0" smtClean="0"/>
-              <a:t>0.2</a:t>
-            </a:r>
-            <a:endParaRPr lang="en-US" dirty="0"/>
-          </a:p>
-        </p:txBody>
-      </p:sp>
-      <p:cxnSp>
-        <p:nvCxnSpPr>
-          <p:cNvPr id="30" name="Straight Arrow Connector 29"/>
-          <p:cNvCxnSpPr>
-            <a:stCxn id="8" idx="3"/>
-            <a:endCxn id="12" idx="2"/>
-          </p:cNvCxnSpPr>
-          <p:nvPr/>
-        </p:nvCxnSpPr>
-        <p:spPr>
-          <a:xfrm flipV="1">
-            <a:off x="2344695" y="5385742"/>
-            <a:ext cx="792377" cy="209811"/>
-          </a:xfrm>
-          <a:prstGeom prst="straightConnector1">
-            <a:avLst/>
-          </a:prstGeom>
-          <a:ln>
-            <a:tailEnd type="triangle"/>
-          </a:ln>
-        </p:spPr>
-        <p:style>
-          <a:lnRef idx="1">
-            <a:schemeClr val="accent1"/>
-          </a:lnRef>
-          <a:fillRef idx="0">
-            <a:schemeClr val="accent1"/>
-          </a:fillRef>
-          <a:effectRef idx="0">
-            <a:schemeClr val="accent1"/>
-          </a:effectRef>
-          <a:fontRef idx="minor">
-            <a:schemeClr val="tx1"/>
-          </a:fontRef>
-        </p:style>
-      </p:cxnSp>
-      <p:sp>
-        <p:nvSpPr>
-          <p:cNvPr id="31" name="TextBox 30"/>
-          <p:cNvSpPr txBox="1"/>
-          <p:nvPr/>
-        </p:nvSpPr>
-        <p:spPr>
-          <a:xfrm>
-            <a:off x="2599045" y="5385740"/>
-            <a:ext cx="476926" cy="369332"/>
-          </a:xfrm>
-          <a:prstGeom prst="rect">
-            <a:avLst/>
-          </a:prstGeom>
-          <a:noFill/>
-        </p:spPr>
-        <p:txBody>
-          <a:bodyPr wrap="none" rtlCol="0">
-            <a:spAutoFit/>
-          </a:bodyPr>
-          <a:lstStyle/>
-          <a:p>
-            <a:r>
-              <a:rPr lang="en-US" dirty="0" smtClean="0"/>
-              <a:t>1.0</a:t>
-            </a:r>
-            <a:endParaRPr lang="en-US" dirty="0"/>
-          </a:p>
-        </p:txBody>
-      </p:sp>
-      <p:sp>
-        <p:nvSpPr>
-          <p:cNvPr id="34" name="Oval 33"/>
-          <p:cNvSpPr/>
-          <p:nvPr/>
-        </p:nvSpPr>
-        <p:spPr>
-          <a:xfrm>
-            <a:off x="7730696" y="2452816"/>
-            <a:ext cx="695068" cy="926757"/>
-          </a:xfrm>
-          <a:prstGeom prst="ellipse">
-            <a:avLst/>
-          </a:prstGeom>
-        </p:spPr>
-        <p:style>
-          <a:lnRef idx="2">
-            <a:schemeClr val="accent1">
-              <a:shade val="50000"/>
-            </a:schemeClr>
-          </a:lnRef>
-          <a:fillRef idx="1">
-            <a:schemeClr val="accent1"/>
-          </a:fillRef>
-          <a:effectRef idx="0">
-            <a:schemeClr val="accent1"/>
-          </a:effectRef>
-          <a:fontRef idx="minor">
-            <a:schemeClr val="lt1"/>
-          </a:fontRef>
-        </p:style>
-        <p:txBody>
-          <a:bodyPr rtlCol="0" anchor="ctr"/>
-          <a:lstStyle/>
-          <a:p>
-            <a:pPr algn="ctr"/>
-            <a:r>
-              <a:rPr lang="en-US" dirty="0" smtClean="0"/>
-              <a:t>a</a:t>
-            </a:r>
-            <a:endParaRPr lang="en-US" dirty="0"/>
-          </a:p>
-        </p:txBody>
-      </p:sp>
-      <p:sp>
-        <p:nvSpPr>
-          <p:cNvPr id="35" name="Oval 34"/>
-          <p:cNvSpPr/>
-          <p:nvPr/>
-        </p:nvSpPr>
-        <p:spPr>
-          <a:xfrm>
-            <a:off x="7763132" y="3684500"/>
-            <a:ext cx="695068" cy="926757"/>
-          </a:xfrm>
-          <a:prstGeom prst="ellipse">
-            <a:avLst/>
-          </a:prstGeom>
-        </p:spPr>
-        <p:style>
-          <a:lnRef idx="2">
-            <a:schemeClr val="accent1">
-              <a:shade val="50000"/>
-            </a:schemeClr>
-          </a:lnRef>
-          <a:fillRef idx="1">
-            <a:schemeClr val="accent1"/>
-          </a:fillRef>
-          <a:effectRef idx="0">
-            <a:schemeClr val="accent1"/>
-          </a:effectRef>
-          <a:fontRef idx="minor">
-            <a:schemeClr val="lt1"/>
-          </a:fontRef>
-        </p:style>
-        <p:txBody>
-          <a:bodyPr rtlCol="0" anchor="ctr"/>
-          <a:lstStyle/>
-          <a:p>
-            <a:pPr algn="ctr"/>
-            <a:r>
-              <a:rPr lang="en-US" dirty="0" smtClean="0"/>
-              <a:t>b</a:t>
-            </a:r>
-            <a:endParaRPr lang="en-US" dirty="0"/>
-          </a:p>
-        </p:txBody>
-      </p:sp>
-      <p:sp>
-        <p:nvSpPr>
-          <p:cNvPr id="36" name="Oval 35"/>
-          <p:cNvSpPr/>
-          <p:nvPr/>
-        </p:nvSpPr>
-        <p:spPr>
-          <a:xfrm>
-            <a:off x="7763132" y="4916184"/>
-            <a:ext cx="695068" cy="926757"/>
-          </a:xfrm>
-          <a:prstGeom prst="ellipse">
-            <a:avLst/>
-          </a:prstGeom>
-        </p:spPr>
-        <p:style>
-          <a:lnRef idx="2">
-            <a:schemeClr val="accent1">
-              <a:shade val="50000"/>
-            </a:schemeClr>
-          </a:lnRef>
-          <a:fillRef idx="1">
-            <a:schemeClr val="accent1"/>
-          </a:fillRef>
-          <a:effectRef idx="0">
-            <a:schemeClr val="accent1"/>
-          </a:effectRef>
-          <a:fontRef idx="minor">
-            <a:schemeClr val="lt1"/>
-          </a:fontRef>
-        </p:style>
-        <p:txBody>
-          <a:bodyPr rtlCol="0" anchor="ctr"/>
-          <a:lstStyle/>
-          <a:p>
-            <a:pPr algn="ctr"/>
-            <a:r>
-              <a:rPr lang="en-US" dirty="0" smtClean="0"/>
-              <a:t>c</a:t>
-            </a:r>
-            <a:endParaRPr lang="en-US" dirty="0"/>
-          </a:p>
-        </p:txBody>
-      </p:sp>
-      <p:cxnSp>
-        <p:nvCxnSpPr>
-          <p:cNvPr id="37" name="Straight Arrow Connector 36"/>
-          <p:cNvCxnSpPr/>
-          <p:nvPr/>
-        </p:nvCxnSpPr>
-        <p:spPr>
-          <a:xfrm flipV="1">
-            <a:off x="5242354" y="2912420"/>
-            <a:ext cx="2403778" cy="1235458"/>
-          </a:xfrm>
-          <a:prstGeom prst="straightConnector1">
-            <a:avLst/>
-          </a:prstGeom>
-          <a:ln>
-            <a:tailEnd type="triangle"/>
-          </a:ln>
-        </p:spPr>
-        <p:style>
-          <a:lnRef idx="1">
-            <a:schemeClr val="accent1"/>
-          </a:lnRef>
-          <a:fillRef idx="0">
-            <a:schemeClr val="accent1"/>
-          </a:fillRef>
-          <a:effectRef idx="0">
-            <a:schemeClr val="accent1"/>
-          </a:effectRef>
-          <a:fontRef idx="minor">
-            <a:schemeClr val="tx1"/>
-          </a:fontRef>
-        </p:style>
-      </p:cxnSp>
-      <p:sp>
-        <p:nvSpPr>
-          <p:cNvPr id="40" name="Oval 39"/>
-          <p:cNvSpPr/>
-          <p:nvPr/>
-        </p:nvSpPr>
-        <p:spPr>
-          <a:xfrm>
-            <a:off x="4907177" y="3675041"/>
-            <a:ext cx="695068" cy="926757"/>
-          </a:xfrm>
-          <a:prstGeom prst="ellipse">
-            <a:avLst/>
-          </a:prstGeom>
-        </p:spPr>
-        <p:style>
-          <a:lnRef idx="2">
-            <a:schemeClr val="accent1">
-              <a:shade val="50000"/>
-            </a:schemeClr>
-          </a:lnRef>
-          <a:fillRef idx="1">
-            <a:schemeClr val="accent1"/>
-          </a:fillRef>
-          <a:effectRef idx="0">
-            <a:schemeClr val="accent1"/>
-          </a:effectRef>
-          <a:fontRef idx="minor">
-            <a:schemeClr val="lt1"/>
-          </a:fontRef>
-        </p:style>
-        <p:txBody>
-          <a:bodyPr rtlCol="0" anchor="ctr"/>
-          <a:lstStyle/>
-          <a:p>
-            <a:pPr algn="ctr"/>
-            <a:r>
-              <a:rPr lang="en-US" dirty="0" smtClean="0"/>
-              <a:t>s</a:t>
-            </a:r>
-            <a:endParaRPr lang="en-US" dirty="0"/>
-          </a:p>
-        </p:txBody>
-      </p:sp>
-      <p:sp>
-        <p:nvSpPr>
-          <p:cNvPr id="42" name="TextBox 41"/>
-          <p:cNvSpPr txBox="1"/>
-          <p:nvPr/>
-        </p:nvSpPr>
-        <p:spPr>
-          <a:xfrm>
-            <a:off x="5517431" y="5290714"/>
-            <a:ext cx="2245702" cy="369332"/>
-          </a:xfrm>
-          <a:prstGeom prst="rect">
-            <a:avLst/>
-          </a:prstGeom>
-          <a:noFill/>
-        </p:spPr>
-        <p:txBody>
-          <a:bodyPr wrap="none" rtlCol="0">
-            <a:spAutoFit/>
-          </a:bodyPr>
-          <a:lstStyle/>
-          <a:p>
-            <a:r>
-              <a:rPr lang="en-US" dirty="0" smtClean="0"/>
-              <a:t>0.25 + 0.25 * 1.0 = 0.5</a:t>
-            </a:r>
-            <a:endParaRPr lang="en-US" dirty="0"/>
-          </a:p>
-        </p:txBody>
-      </p:sp>
-      <p:sp>
-        <p:nvSpPr>
-          <p:cNvPr id="46" name="TextBox 45"/>
-          <p:cNvSpPr txBox="1"/>
-          <p:nvPr/>
-        </p:nvSpPr>
-        <p:spPr>
-          <a:xfrm>
-            <a:off x="6230578" y="2536409"/>
-            <a:ext cx="1500118" cy="369332"/>
-          </a:xfrm>
-          <a:prstGeom prst="rect">
-            <a:avLst/>
-          </a:prstGeom>
-          <a:noFill/>
-        </p:spPr>
-        <p:txBody>
-          <a:bodyPr wrap="none" rtlCol="0">
-            <a:spAutoFit/>
-          </a:bodyPr>
-          <a:lstStyle/>
-          <a:p>
-            <a:r>
-              <a:rPr lang="en-US" dirty="0" smtClean="0"/>
-              <a:t>0.5 * 0.8 = 0.4</a:t>
-            </a:r>
-            <a:endParaRPr lang="en-US" dirty="0"/>
-          </a:p>
-        </p:txBody>
-      </p:sp>
-      <p:sp>
-        <p:nvSpPr>
-          <p:cNvPr id="47" name="TextBox 46"/>
-          <p:cNvSpPr txBox="1"/>
-          <p:nvPr/>
-        </p:nvSpPr>
-        <p:spPr>
-          <a:xfrm>
-            <a:off x="6263015" y="3670318"/>
-            <a:ext cx="1500118" cy="369332"/>
-          </a:xfrm>
-          <a:prstGeom prst="rect">
-            <a:avLst/>
-          </a:prstGeom>
-          <a:noFill/>
-        </p:spPr>
-        <p:txBody>
-          <a:bodyPr wrap="none" rtlCol="0">
-            <a:spAutoFit/>
-          </a:bodyPr>
-          <a:lstStyle/>
-          <a:p>
-            <a:r>
-              <a:rPr lang="en-US" dirty="0" smtClean="0"/>
-              <a:t>0.5 * 0.2 = 0.1</a:t>
-            </a:r>
-            <a:endParaRPr lang="en-US" dirty="0"/>
-          </a:p>
-        </p:txBody>
-      </p:sp>
-      <p:cxnSp>
-        <p:nvCxnSpPr>
-          <p:cNvPr id="48" name="Straight Arrow Connector 47"/>
-          <p:cNvCxnSpPr/>
-          <p:nvPr/>
-        </p:nvCxnSpPr>
-        <p:spPr>
-          <a:xfrm>
-            <a:off x="5299504" y="4289482"/>
-            <a:ext cx="2463629" cy="1090080"/>
-          </a:xfrm>
-          <a:prstGeom prst="straightConnector1">
-            <a:avLst/>
-          </a:prstGeom>
-          <a:ln>
-            <a:tailEnd type="triangle"/>
-          </a:ln>
-        </p:spPr>
-        <p:style>
-          <a:lnRef idx="1">
-            <a:schemeClr val="accent1"/>
-          </a:lnRef>
-          <a:fillRef idx="0">
-            <a:schemeClr val="accent1"/>
-          </a:fillRef>
-          <a:effectRef idx="0">
-            <a:schemeClr val="accent1"/>
-          </a:effectRef>
-          <a:fontRef idx="minor">
-            <a:schemeClr val="tx1"/>
-          </a:fontRef>
-        </p:style>
-      </p:cxnSp>
-      <p:cxnSp>
-        <p:nvCxnSpPr>
-          <p:cNvPr id="52" name="Straight Arrow Connector 51"/>
-          <p:cNvCxnSpPr/>
-          <p:nvPr/>
-        </p:nvCxnSpPr>
-        <p:spPr>
-          <a:xfrm flipV="1">
-            <a:off x="5254710" y="4138418"/>
-            <a:ext cx="2475986" cy="50482"/>
-          </a:xfrm>
-          <a:prstGeom prst="straightConnector1">
-            <a:avLst/>
-          </a:prstGeom>
-          <a:ln>
-            <a:tailEnd type="triangle"/>
-          </a:ln>
-        </p:spPr>
-        <p:style>
-          <a:lnRef idx="1">
-            <a:schemeClr val="accent1"/>
-          </a:lnRef>
-          <a:fillRef idx="0">
-            <a:schemeClr val="accent1"/>
-          </a:fillRef>
-          <a:effectRef idx="0">
-            <a:schemeClr val="accent1"/>
-          </a:effectRef>
-          <a:fontRef idx="minor">
-            <a:schemeClr val="tx1"/>
-          </a:fontRef>
-        </p:style>
-      </p:cxnSp>
-    </p:spTree>
-    <p:extLst>
-      <p:ext uri="{BB962C8B-B14F-4D97-AF65-F5344CB8AC3E}">
-        <p14:creationId xmlns:p14="http://schemas.microsoft.com/office/powerpoint/2010/main" val="136327829"/>
-      </p:ext>
-    </p:extLst>
-  </p:cSld>
-  <p:clrMapOvr>
-    <a:masterClrMapping/>
-  </p:clrMapOvr>
-  <p:timing>
-    <p:tnLst>
-      <p:par>
-        <p:cTn xmlns:p14="http://schemas.microsoft.com/office/powerpoint/2010/main" id="1" dur="indefinite" restart="never" nodeType="tmRoot"/>
-      </p:par>
-    </p:tnLst>
-  </p:timing>
-</p:sld>
-</file>
-
-<file path=ppt/slides/slide15.xml><?xml version="1.0" encoding="utf-8"?>
-<p:sld xmlns:a="http://schemas.openxmlformats.org/drawingml/2006/main" xmlns:r="http://schemas.openxmlformats.org/officeDocument/2006/relationships" xmlns:p="http://schemas.openxmlformats.org/presentationml/2006/main">
-  <p:cSld>
-    <p:spTree>
-      <p:nvGrpSpPr>
-        <p:cNvPr id="1" name=""/>
-        <p:cNvGrpSpPr/>
-        <p:nvPr/>
-      </p:nvGrpSpPr>
-      <p:grpSpPr>
-        <a:xfrm>
-          <a:off x="0" y="0"/>
-          <a:ext cx="0" cy="0"/>
-          <a:chOff x="0" y="0"/>
-          <a:chExt cx="0" cy="0"/>
-        </a:xfrm>
-      </p:grpSpPr>
-      <p:sp>
-        <p:nvSpPr>
-          <p:cNvPr id="2" name="Title 1"/>
-          <p:cNvSpPr>
-            <a:spLocks noGrp="1"/>
-          </p:cNvSpPr>
-          <p:nvPr>
-            <p:ph type="title"/>
-          </p:nvPr>
-        </p:nvSpPr>
-        <p:spPr/>
-        <p:txBody>
-          <a:bodyPr/>
-          <a:lstStyle/>
-          <a:p>
-            <a:r>
-              <a:rPr lang="en-US" dirty="0" smtClean="0"/>
-              <a:t>Compressible DCF</a:t>
-            </a:r>
-            <a:endParaRPr lang="en-US" dirty="0"/>
-          </a:p>
-        </p:txBody>
-      </p:sp>
-      <p:sp>
-        <p:nvSpPr>
-          <p:cNvPr id="5" name="Oval 4"/>
-          <p:cNvSpPr/>
-          <p:nvPr/>
-        </p:nvSpPr>
-        <p:spPr>
-          <a:xfrm>
-            <a:off x="4436876" y="2462161"/>
-            <a:ext cx="597449" cy="796598"/>
-          </a:xfrm>
-          <a:prstGeom prst="ellipse">
-            <a:avLst/>
-          </a:prstGeom>
-        </p:spPr>
-        <p:style>
-          <a:lnRef idx="2">
-            <a:schemeClr val="accent1">
-              <a:shade val="50000"/>
-            </a:schemeClr>
-          </a:lnRef>
-          <a:fillRef idx="1">
-            <a:schemeClr val="accent1"/>
-          </a:fillRef>
-          <a:effectRef idx="0">
-            <a:schemeClr val="accent1"/>
-          </a:effectRef>
-          <a:fontRef idx="minor">
-            <a:schemeClr val="lt1"/>
-          </a:fontRef>
-        </p:style>
-        <p:txBody>
-          <a:bodyPr rtlCol="0" anchor="ctr"/>
-          <a:lstStyle/>
-          <a:p>
-            <a:pPr algn="ctr"/>
-            <a:r>
-              <a:rPr lang="en-US" dirty="0" smtClean="0">
-                <a:solidFill>
-                  <a:schemeClr val="tx1"/>
-                </a:solidFill>
-              </a:rPr>
-              <a:t>1,1</a:t>
-            </a:r>
-            <a:endParaRPr lang="en-US" dirty="0">
-              <a:solidFill>
-                <a:schemeClr val="tx1"/>
-              </a:solidFill>
-            </a:endParaRPr>
-          </a:p>
-        </p:txBody>
-      </p:sp>
-      <p:sp>
-        <p:nvSpPr>
-          <p:cNvPr id="6" name="Oval 5"/>
-          <p:cNvSpPr/>
-          <p:nvPr/>
-        </p:nvSpPr>
-        <p:spPr>
-          <a:xfrm>
-            <a:off x="5708944" y="2462161"/>
-            <a:ext cx="597449" cy="796598"/>
-          </a:xfrm>
-          <a:prstGeom prst="ellipse">
-            <a:avLst/>
-          </a:prstGeom>
-          <a:solidFill>
-            <a:schemeClr val="accent4">
-              <a:lumMod val="20000"/>
-              <a:lumOff val="80000"/>
-            </a:schemeClr>
-          </a:solidFill>
-        </p:spPr>
-        <p:style>
-          <a:lnRef idx="2">
-            <a:schemeClr val="accent1">
-              <a:shade val="50000"/>
-            </a:schemeClr>
-          </a:lnRef>
-          <a:fillRef idx="1">
-            <a:schemeClr val="accent1"/>
-          </a:fillRef>
-          <a:effectRef idx="0">
-            <a:schemeClr val="accent1"/>
-          </a:effectRef>
-          <a:fontRef idx="minor">
-            <a:schemeClr val="lt1"/>
-          </a:fontRef>
-        </p:style>
-        <p:txBody>
-          <a:bodyPr rtlCol="0" anchor="ctr"/>
-          <a:lstStyle/>
-          <a:p>
-            <a:pPr algn="ctr"/>
-            <a:r>
-              <a:rPr lang="en-US" dirty="0" smtClean="0">
-                <a:solidFill>
-                  <a:schemeClr val="tx1"/>
-                </a:solidFill>
-              </a:rPr>
-              <a:t>1,2</a:t>
-            </a:r>
-            <a:endParaRPr lang="en-US" dirty="0">
-              <a:solidFill>
-                <a:schemeClr val="tx1"/>
-              </a:solidFill>
-            </a:endParaRPr>
-          </a:p>
-        </p:txBody>
-      </p:sp>
-      <p:sp>
-        <p:nvSpPr>
-          <p:cNvPr id="7" name="Oval 6"/>
-          <p:cNvSpPr/>
-          <p:nvPr/>
-        </p:nvSpPr>
-        <p:spPr>
-          <a:xfrm>
-            <a:off x="4436876" y="4437061"/>
-            <a:ext cx="597449" cy="796598"/>
-          </a:xfrm>
-          <a:prstGeom prst="ellipse">
-            <a:avLst/>
-          </a:prstGeom>
-        </p:spPr>
-        <p:style>
-          <a:lnRef idx="2">
-            <a:schemeClr val="accent1">
-              <a:shade val="50000"/>
-            </a:schemeClr>
-          </a:lnRef>
-          <a:fillRef idx="1">
-            <a:schemeClr val="accent1"/>
-          </a:fillRef>
-          <a:effectRef idx="0">
-            <a:schemeClr val="accent1"/>
-          </a:effectRef>
-          <a:fontRef idx="minor">
-            <a:schemeClr val="lt1"/>
-          </a:fontRef>
-        </p:style>
-        <p:txBody>
-          <a:bodyPr rtlCol="0" anchor="ctr"/>
-          <a:lstStyle/>
-          <a:p>
-            <a:pPr algn="ctr"/>
-            <a:r>
-              <a:rPr lang="en-US" dirty="0" smtClean="0">
-                <a:solidFill>
-                  <a:schemeClr val="tx1"/>
-                </a:solidFill>
-              </a:rPr>
-              <a:t>2,1</a:t>
-            </a:r>
-            <a:endParaRPr lang="en-US" dirty="0">
-              <a:solidFill>
-                <a:schemeClr val="tx1"/>
-              </a:solidFill>
-            </a:endParaRPr>
-          </a:p>
-        </p:txBody>
-      </p:sp>
-      <p:sp>
-        <p:nvSpPr>
-          <p:cNvPr id="8" name="Oval 7"/>
-          <p:cNvSpPr/>
-          <p:nvPr/>
-        </p:nvSpPr>
-        <p:spPr>
-          <a:xfrm>
-            <a:off x="5708944" y="4437060"/>
-            <a:ext cx="597449" cy="796598"/>
-          </a:xfrm>
-          <a:prstGeom prst="ellipse">
-            <a:avLst/>
-          </a:prstGeom>
-          <a:solidFill>
-            <a:schemeClr val="accent4">
-              <a:lumMod val="20000"/>
-              <a:lumOff val="80000"/>
-            </a:schemeClr>
-          </a:solidFill>
-        </p:spPr>
-        <p:style>
-          <a:lnRef idx="2">
-            <a:schemeClr val="accent1">
-              <a:shade val="50000"/>
-            </a:schemeClr>
-          </a:lnRef>
-          <a:fillRef idx="1">
-            <a:schemeClr val="accent1"/>
-          </a:fillRef>
-          <a:effectRef idx="0">
-            <a:schemeClr val="accent1"/>
-          </a:effectRef>
-          <a:fontRef idx="minor">
-            <a:schemeClr val="lt1"/>
-          </a:fontRef>
-        </p:style>
-        <p:txBody>
-          <a:bodyPr rtlCol="0" anchor="ctr"/>
-          <a:lstStyle/>
-          <a:p>
-            <a:pPr algn="ctr"/>
-            <a:r>
-              <a:rPr lang="en-US" dirty="0" smtClean="0">
-                <a:solidFill>
-                  <a:schemeClr val="tx1"/>
-                </a:solidFill>
-              </a:rPr>
-              <a:t>2,2</a:t>
-            </a:r>
-            <a:endParaRPr lang="en-US" dirty="0">
-              <a:solidFill>
-                <a:schemeClr val="tx1"/>
-              </a:solidFill>
-            </a:endParaRPr>
-          </a:p>
-        </p:txBody>
-      </p:sp>
-      <p:sp>
-        <p:nvSpPr>
-          <p:cNvPr id="9" name="Oval 8"/>
-          <p:cNvSpPr/>
-          <p:nvPr/>
-        </p:nvSpPr>
-        <p:spPr>
-          <a:xfrm>
-            <a:off x="6981012" y="4437060"/>
-            <a:ext cx="597449" cy="796598"/>
-          </a:xfrm>
-          <a:prstGeom prst="ellipse">
-            <a:avLst/>
-          </a:prstGeom>
-          <a:solidFill>
-            <a:schemeClr val="accent4">
-              <a:lumMod val="20000"/>
-              <a:lumOff val="80000"/>
-            </a:schemeClr>
-          </a:solidFill>
-        </p:spPr>
-        <p:style>
-          <a:lnRef idx="2">
-            <a:schemeClr val="accent1">
-              <a:shade val="50000"/>
-            </a:schemeClr>
-          </a:lnRef>
-          <a:fillRef idx="1">
-            <a:schemeClr val="accent1"/>
-          </a:fillRef>
-          <a:effectRef idx="0">
-            <a:schemeClr val="accent1"/>
-          </a:effectRef>
-          <a:fontRef idx="minor">
-            <a:schemeClr val="lt1"/>
-          </a:fontRef>
-        </p:style>
-        <p:txBody>
-          <a:bodyPr rtlCol="0" anchor="ctr"/>
-          <a:lstStyle/>
-          <a:p>
-            <a:pPr algn="ctr"/>
-            <a:r>
-              <a:rPr lang="en-US" dirty="0" smtClean="0">
-                <a:solidFill>
-                  <a:schemeClr val="tx1"/>
-                </a:solidFill>
-              </a:rPr>
-              <a:t>2,3</a:t>
-            </a:r>
-            <a:endParaRPr lang="en-US" dirty="0">
-              <a:solidFill>
-                <a:schemeClr val="tx1"/>
-              </a:solidFill>
-            </a:endParaRPr>
-          </a:p>
-        </p:txBody>
-      </p:sp>
-      <p:sp>
-        <p:nvSpPr>
-          <p:cNvPr id="10" name="Oval 9"/>
-          <p:cNvSpPr/>
-          <p:nvPr/>
-        </p:nvSpPr>
-        <p:spPr>
-          <a:xfrm>
-            <a:off x="8253080" y="4437059"/>
-            <a:ext cx="597449" cy="796598"/>
-          </a:xfrm>
-          <a:prstGeom prst="ellipse">
-            <a:avLst/>
-          </a:prstGeom>
-          <a:solidFill>
-            <a:schemeClr val="accent4">
-              <a:lumMod val="20000"/>
-              <a:lumOff val="80000"/>
-            </a:schemeClr>
-          </a:solidFill>
-        </p:spPr>
-        <p:style>
-          <a:lnRef idx="2">
-            <a:schemeClr val="accent1">
-              <a:shade val="50000"/>
-            </a:schemeClr>
-          </a:lnRef>
-          <a:fillRef idx="1">
-            <a:schemeClr val="accent1"/>
-          </a:fillRef>
-          <a:effectRef idx="0">
-            <a:schemeClr val="accent1"/>
-          </a:effectRef>
-          <a:fontRef idx="minor">
-            <a:schemeClr val="lt1"/>
-          </a:fontRef>
-        </p:style>
-        <p:txBody>
-          <a:bodyPr rtlCol="0" anchor="ctr"/>
-          <a:lstStyle/>
-          <a:p>
-            <a:pPr algn="ctr"/>
-            <a:r>
-              <a:rPr lang="en-US" dirty="0" smtClean="0">
-                <a:solidFill>
-                  <a:schemeClr val="tx1"/>
-                </a:solidFill>
-              </a:rPr>
-              <a:t>2,4</a:t>
-            </a:r>
-            <a:endParaRPr lang="en-US" dirty="0">
-              <a:solidFill>
-                <a:schemeClr val="tx1"/>
-              </a:solidFill>
-            </a:endParaRPr>
-          </a:p>
-        </p:txBody>
-      </p:sp>
-      <p:cxnSp>
-        <p:nvCxnSpPr>
-          <p:cNvPr id="11" name="Straight Arrow Connector 10"/>
-          <p:cNvCxnSpPr/>
-          <p:nvPr/>
-        </p:nvCxnSpPr>
-        <p:spPr>
-          <a:xfrm flipH="1">
-            <a:off x="3762257" y="1873011"/>
-            <a:ext cx="1152578" cy="589151"/>
-          </a:xfrm>
-          <a:prstGeom prst="straightConnector1">
-            <a:avLst/>
-          </a:prstGeom>
-          <a:ln>
-            <a:tailEnd type="triangle"/>
-          </a:ln>
-        </p:spPr>
-        <p:style>
-          <a:lnRef idx="1">
-            <a:schemeClr val="accent1"/>
-          </a:lnRef>
-          <a:fillRef idx="0">
-            <a:schemeClr val="accent1"/>
-          </a:fillRef>
-          <a:effectRef idx="0">
-            <a:schemeClr val="accent1"/>
-          </a:effectRef>
-          <a:fontRef idx="minor">
-            <a:schemeClr val="tx1"/>
-          </a:fontRef>
-        </p:style>
-      </p:cxnSp>
-      <p:cxnSp>
-        <p:nvCxnSpPr>
-          <p:cNvPr id="12" name="Straight Arrow Connector 11"/>
-          <p:cNvCxnSpPr>
-            <a:stCxn id="5" idx="5"/>
-          </p:cNvCxnSpPr>
-          <p:nvPr/>
-        </p:nvCxnSpPr>
-        <p:spPr>
-          <a:xfrm>
-            <a:off x="4946832" y="3142101"/>
-            <a:ext cx="416090" cy="325766"/>
-          </a:xfrm>
-          <a:prstGeom prst="straightConnector1">
-            <a:avLst/>
-          </a:prstGeom>
-          <a:ln>
-            <a:tailEnd type="triangle"/>
-          </a:ln>
-        </p:spPr>
-        <p:style>
-          <a:lnRef idx="1">
-            <a:schemeClr val="accent1"/>
-          </a:lnRef>
-          <a:fillRef idx="0">
-            <a:schemeClr val="accent1"/>
-          </a:fillRef>
-          <a:effectRef idx="0">
-            <a:schemeClr val="accent1"/>
-          </a:effectRef>
-          <a:fontRef idx="minor">
-            <a:schemeClr val="tx1"/>
-          </a:fontRef>
-        </p:style>
-      </p:cxnSp>
-      <p:cxnSp>
-        <p:nvCxnSpPr>
-          <p:cNvPr id="13" name="Straight Arrow Connector 12"/>
-          <p:cNvCxnSpPr/>
-          <p:nvPr/>
-        </p:nvCxnSpPr>
-        <p:spPr>
-          <a:xfrm flipH="1">
-            <a:off x="5034325" y="3899011"/>
-            <a:ext cx="379738" cy="634306"/>
-          </a:xfrm>
-          <a:prstGeom prst="straightConnector1">
-            <a:avLst/>
-          </a:prstGeom>
-          <a:ln>
-            <a:tailEnd type="triangle"/>
-          </a:ln>
-        </p:spPr>
-        <p:style>
-          <a:lnRef idx="1">
-            <a:schemeClr val="accent1"/>
-          </a:lnRef>
-          <a:fillRef idx="0">
-            <a:schemeClr val="accent1"/>
-          </a:fillRef>
-          <a:effectRef idx="0">
-            <a:schemeClr val="accent1"/>
-          </a:effectRef>
-          <a:fontRef idx="minor">
-            <a:schemeClr val="tx1"/>
-          </a:fontRef>
-        </p:style>
-      </p:cxnSp>
-      <p:cxnSp>
-        <p:nvCxnSpPr>
-          <p:cNvPr id="14" name="Straight Arrow Connector 13"/>
-          <p:cNvCxnSpPr/>
-          <p:nvPr/>
-        </p:nvCxnSpPr>
-        <p:spPr>
-          <a:xfrm>
-            <a:off x="5466542" y="3899011"/>
-            <a:ext cx="366870" cy="534244"/>
-          </a:xfrm>
-          <a:prstGeom prst="straightConnector1">
-            <a:avLst/>
-          </a:prstGeom>
-          <a:ln>
-            <a:tailEnd type="triangle"/>
-          </a:ln>
-        </p:spPr>
-        <p:style>
-          <a:lnRef idx="1">
-            <a:schemeClr val="accent1"/>
-          </a:lnRef>
-          <a:fillRef idx="0">
-            <a:schemeClr val="accent1"/>
-          </a:fillRef>
-          <a:effectRef idx="0">
-            <a:schemeClr val="accent1"/>
-          </a:effectRef>
-          <a:fontRef idx="minor">
-            <a:schemeClr val="tx1"/>
-          </a:fontRef>
-        </p:style>
-      </p:cxnSp>
-      <p:cxnSp>
-        <p:nvCxnSpPr>
-          <p:cNvPr id="15" name="Straight Arrow Connector 14"/>
-          <p:cNvCxnSpPr/>
-          <p:nvPr/>
-        </p:nvCxnSpPr>
-        <p:spPr>
-          <a:xfrm>
-            <a:off x="5453674" y="3815324"/>
-            <a:ext cx="1626290" cy="568630"/>
-          </a:xfrm>
-          <a:prstGeom prst="straightConnector1">
-            <a:avLst/>
-          </a:prstGeom>
-          <a:ln>
-            <a:tailEnd type="triangle"/>
-          </a:ln>
-        </p:spPr>
-        <p:style>
-          <a:lnRef idx="1">
-            <a:schemeClr val="accent1"/>
-          </a:lnRef>
-          <a:fillRef idx="0">
-            <a:schemeClr val="accent1"/>
-          </a:fillRef>
-          <a:effectRef idx="0">
-            <a:schemeClr val="accent1"/>
-          </a:effectRef>
-          <a:fontRef idx="minor">
-            <a:schemeClr val="tx1"/>
-          </a:fontRef>
-        </p:style>
-      </p:cxnSp>
-      <p:cxnSp>
-        <p:nvCxnSpPr>
-          <p:cNvPr id="16" name="Straight Arrow Connector 15"/>
-          <p:cNvCxnSpPr/>
-          <p:nvPr/>
-        </p:nvCxnSpPr>
-        <p:spPr>
-          <a:xfrm>
-            <a:off x="5414063" y="3815326"/>
-            <a:ext cx="3040655" cy="513377"/>
-          </a:xfrm>
-          <a:prstGeom prst="straightConnector1">
-            <a:avLst/>
-          </a:prstGeom>
-          <a:ln>
-            <a:tailEnd type="triangle"/>
-          </a:ln>
-        </p:spPr>
-        <p:style>
-          <a:lnRef idx="1">
-            <a:schemeClr val="accent1"/>
-          </a:lnRef>
-          <a:fillRef idx="0">
-            <a:schemeClr val="accent1"/>
-          </a:fillRef>
-          <a:effectRef idx="0">
-            <a:schemeClr val="accent1"/>
-          </a:effectRef>
-          <a:fontRef idx="minor">
-            <a:schemeClr val="tx1"/>
-          </a:fontRef>
-        </p:style>
-      </p:cxnSp>
-      <p:cxnSp>
-        <p:nvCxnSpPr>
-          <p:cNvPr id="17" name="Straight Arrow Connector 16"/>
-          <p:cNvCxnSpPr/>
-          <p:nvPr/>
-        </p:nvCxnSpPr>
-        <p:spPr>
-          <a:xfrm flipH="1">
-            <a:off x="5154876" y="2860459"/>
-            <a:ext cx="478764" cy="0"/>
-          </a:xfrm>
-          <a:prstGeom prst="straightConnector1">
-            <a:avLst/>
-          </a:prstGeom>
-          <a:ln>
-            <a:tailEnd type="triangle"/>
-          </a:ln>
-        </p:spPr>
-        <p:style>
-          <a:lnRef idx="1">
-            <a:schemeClr val="accent1"/>
-          </a:lnRef>
-          <a:fillRef idx="0">
-            <a:schemeClr val="accent1"/>
-          </a:fillRef>
-          <a:effectRef idx="0">
-            <a:schemeClr val="accent1"/>
-          </a:effectRef>
-          <a:fontRef idx="minor">
-            <a:schemeClr val="tx1"/>
-          </a:fontRef>
-        </p:style>
-      </p:cxnSp>
-      <p:cxnSp>
-        <p:nvCxnSpPr>
-          <p:cNvPr id="18" name="Straight Arrow Connector 17"/>
-          <p:cNvCxnSpPr/>
-          <p:nvPr/>
-        </p:nvCxnSpPr>
-        <p:spPr>
-          <a:xfrm flipH="1">
-            <a:off x="5154876" y="4835358"/>
-            <a:ext cx="478764" cy="0"/>
-          </a:xfrm>
-          <a:prstGeom prst="straightConnector1">
-            <a:avLst/>
-          </a:prstGeom>
-          <a:ln>
-            <a:tailEnd type="triangle"/>
-          </a:ln>
-        </p:spPr>
-        <p:style>
-          <a:lnRef idx="1">
-            <a:schemeClr val="accent1"/>
-          </a:lnRef>
-          <a:fillRef idx="0">
-            <a:schemeClr val="accent1"/>
-          </a:fillRef>
-          <a:effectRef idx="0">
-            <a:schemeClr val="accent1"/>
-          </a:effectRef>
-          <a:fontRef idx="minor">
-            <a:schemeClr val="tx1"/>
-          </a:fontRef>
-        </p:style>
-      </p:cxnSp>
-      <p:cxnSp>
-        <p:nvCxnSpPr>
-          <p:cNvPr id="19" name="Straight Arrow Connector 18"/>
-          <p:cNvCxnSpPr/>
-          <p:nvPr/>
-        </p:nvCxnSpPr>
-        <p:spPr>
-          <a:xfrm flipH="1">
-            <a:off x="6423393" y="4835358"/>
-            <a:ext cx="410746" cy="0"/>
-          </a:xfrm>
-          <a:prstGeom prst="straightConnector1">
-            <a:avLst/>
-          </a:prstGeom>
-          <a:ln>
-            <a:tailEnd type="triangle"/>
-          </a:ln>
-        </p:spPr>
-        <p:style>
-          <a:lnRef idx="1">
-            <a:schemeClr val="accent1"/>
-          </a:lnRef>
-          <a:fillRef idx="0">
-            <a:schemeClr val="accent1"/>
-          </a:fillRef>
-          <a:effectRef idx="0">
-            <a:schemeClr val="accent1"/>
-          </a:effectRef>
-          <a:fontRef idx="minor">
-            <a:schemeClr val="tx1"/>
-          </a:fontRef>
-        </p:style>
-      </p:cxnSp>
-      <p:cxnSp>
-        <p:nvCxnSpPr>
-          <p:cNvPr id="20" name="Straight Arrow Connector 19"/>
-          <p:cNvCxnSpPr/>
-          <p:nvPr/>
-        </p:nvCxnSpPr>
-        <p:spPr>
-          <a:xfrm flipH="1">
-            <a:off x="7692971" y="4835358"/>
-            <a:ext cx="395810" cy="0"/>
-          </a:xfrm>
-          <a:prstGeom prst="straightConnector1">
-            <a:avLst/>
-          </a:prstGeom>
-          <a:ln>
-            <a:tailEnd type="triangle"/>
-          </a:ln>
-        </p:spPr>
-        <p:style>
-          <a:lnRef idx="1">
-            <a:schemeClr val="accent1"/>
-          </a:lnRef>
-          <a:fillRef idx="0">
-            <a:schemeClr val="accent1"/>
-          </a:fillRef>
-          <a:effectRef idx="0">
-            <a:schemeClr val="accent1"/>
-          </a:effectRef>
-          <a:fontRef idx="minor">
-            <a:schemeClr val="tx1"/>
-          </a:fontRef>
-        </p:style>
-      </p:cxnSp>
-      <p:cxnSp>
-        <p:nvCxnSpPr>
-          <p:cNvPr id="21" name="Straight Arrow Connector 20"/>
-          <p:cNvCxnSpPr/>
-          <p:nvPr/>
-        </p:nvCxnSpPr>
-        <p:spPr>
-          <a:xfrm flipH="1" flipV="1">
-            <a:off x="4946832" y="5233659"/>
-            <a:ext cx="416090" cy="681601"/>
-          </a:xfrm>
-          <a:prstGeom prst="straightConnector1">
-            <a:avLst/>
-          </a:prstGeom>
-          <a:ln>
-            <a:tailEnd type="triangle"/>
-          </a:ln>
-        </p:spPr>
-        <p:style>
-          <a:lnRef idx="1">
-            <a:schemeClr val="accent1"/>
-          </a:lnRef>
-          <a:fillRef idx="0">
-            <a:schemeClr val="accent1"/>
-          </a:fillRef>
-          <a:effectRef idx="0">
-            <a:schemeClr val="accent1"/>
-          </a:effectRef>
-          <a:fontRef idx="minor">
-            <a:schemeClr val="tx1"/>
-          </a:fontRef>
-        </p:style>
-      </p:cxnSp>
-      <p:cxnSp>
-        <p:nvCxnSpPr>
-          <p:cNvPr id="22" name="Straight Arrow Connector 21"/>
-          <p:cNvCxnSpPr/>
-          <p:nvPr/>
-        </p:nvCxnSpPr>
-        <p:spPr>
-          <a:xfrm flipV="1">
-            <a:off x="5362921" y="5309515"/>
-            <a:ext cx="577754" cy="700343"/>
-          </a:xfrm>
-          <a:prstGeom prst="straightConnector1">
-            <a:avLst/>
-          </a:prstGeom>
-          <a:ln>
-            <a:tailEnd type="triangle"/>
-          </a:ln>
-        </p:spPr>
-        <p:style>
-          <a:lnRef idx="1">
-            <a:schemeClr val="accent1"/>
-          </a:lnRef>
-          <a:fillRef idx="0">
-            <a:schemeClr val="accent1"/>
-          </a:fillRef>
-          <a:effectRef idx="0">
-            <a:schemeClr val="accent1"/>
-          </a:effectRef>
-          <a:fontRef idx="minor">
-            <a:schemeClr val="tx1"/>
-          </a:fontRef>
-        </p:style>
-      </p:cxnSp>
-      <p:cxnSp>
-        <p:nvCxnSpPr>
-          <p:cNvPr id="23" name="Straight Arrow Connector 22"/>
-          <p:cNvCxnSpPr/>
-          <p:nvPr/>
-        </p:nvCxnSpPr>
-        <p:spPr>
-          <a:xfrm flipV="1">
-            <a:off x="5394258" y="5309514"/>
-            <a:ext cx="1836935" cy="700342"/>
-          </a:xfrm>
-          <a:prstGeom prst="straightConnector1">
-            <a:avLst/>
-          </a:prstGeom>
-          <a:ln>
-            <a:tailEnd type="triangle"/>
-          </a:ln>
-        </p:spPr>
-        <p:style>
-          <a:lnRef idx="1">
-            <a:schemeClr val="accent1"/>
-          </a:lnRef>
-          <a:fillRef idx="0">
-            <a:schemeClr val="accent1"/>
-          </a:fillRef>
-          <a:effectRef idx="0">
-            <a:schemeClr val="accent1"/>
-          </a:effectRef>
-          <a:fontRef idx="minor">
-            <a:schemeClr val="tx1"/>
-          </a:fontRef>
-        </p:style>
-      </p:cxnSp>
-      <p:cxnSp>
-        <p:nvCxnSpPr>
-          <p:cNvPr id="24" name="Straight Arrow Connector 23"/>
-          <p:cNvCxnSpPr/>
-          <p:nvPr/>
-        </p:nvCxnSpPr>
-        <p:spPr>
-          <a:xfrm flipV="1">
-            <a:off x="5362921" y="5309514"/>
-            <a:ext cx="3091797" cy="700342"/>
-          </a:xfrm>
-          <a:prstGeom prst="straightConnector1">
-            <a:avLst/>
-          </a:prstGeom>
-          <a:ln>
-            <a:tailEnd type="triangle"/>
-          </a:ln>
-        </p:spPr>
-        <p:style>
-          <a:lnRef idx="1">
-            <a:schemeClr val="accent1"/>
-          </a:lnRef>
-          <a:fillRef idx="0">
-            <a:schemeClr val="accent1"/>
-          </a:fillRef>
-          <a:effectRef idx="0">
-            <a:schemeClr val="accent1"/>
-          </a:effectRef>
-          <a:fontRef idx="minor">
-            <a:schemeClr val="tx1"/>
-          </a:fontRef>
-        </p:style>
-      </p:cxnSp>
-      <p:sp>
-        <p:nvSpPr>
-          <p:cNvPr id="25" name="Rectangle 24"/>
-          <p:cNvSpPr/>
-          <p:nvPr/>
-        </p:nvSpPr>
-        <p:spPr>
-          <a:xfrm>
-            <a:off x="5014519" y="3511622"/>
-            <a:ext cx="799088" cy="607406"/>
-          </a:xfrm>
-          <a:prstGeom prst="rect">
-            <a:avLst/>
-          </a:prstGeom>
-          <a:solidFill>
-            <a:schemeClr val="accent6">
-              <a:lumMod val="20000"/>
-              <a:lumOff val="80000"/>
-            </a:schemeClr>
-          </a:solidFill>
-        </p:spPr>
-        <p:style>
-          <a:lnRef idx="2">
-            <a:schemeClr val="accent1">
-              <a:shade val="50000"/>
-            </a:schemeClr>
-          </a:lnRef>
-          <a:fillRef idx="1">
-            <a:schemeClr val="accent1"/>
-          </a:fillRef>
-          <a:effectRef idx="0">
-            <a:schemeClr val="accent1"/>
-          </a:effectRef>
-          <a:fontRef idx="minor">
-            <a:schemeClr val="lt1"/>
-          </a:fontRef>
-        </p:style>
-        <p:txBody>
-          <a:bodyPr rtlCol="0" anchor="ctr"/>
-          <a:lstStyle/>
-          <a:p>
-            <a:pPr algn="ctr"/>
-            <a:r>
-              <a:rPr lang="en-US" dirty="0" smtClean="0">
-                <a:solidFill>
-                  <a:schemeClr val="tx1"/>
-                </a:solidFill>
-              </a:rPr>
-              <a:t>failure, 1</a:t>
-            </a:r>
-            <a:endParaRPr lang="en-US" dirty="0">
-              <a:solidFill>
-                <a:schemeClr val="tx1"/>
-              </a:solidFill>
-            </a:endParaRPr>
-          </a:p>
-        </p:txBody>
-      </p:sp>
-      <p:sp>
-        <p:nvSpPr>
-          <p:cNvPr id="26" name="Rectangle 25"/>
-          <p:cNvSpPr/>
-          <p:nvPr/>
-        </p:nvSpPr>
-        <p:spPr>
-          <a:xfrm>
-            <a:off x="5034325" y="1569307"/>
-            <a:ext cx="906350" cy="607406"/>
-          </a:xfrm>
-          <a:prstGeom prst="rect">
-            <a:avLst/>
-          </a:prstGeom>
-          <a:solidFill>
-            <a:schemeClr val="accent6">
-              <a:lumMod val="20000"/>
-              <a:lumOff val="80000"/>
-            </a:schemeClr>
-          </a:solidFill>
-        </p:spPr>
-        <p:style>
-          <a:lnRef idx="2">
-            <a:schemeClr val="accent1">
-              <a:shade val="50000"/>
-            </a:schemeClr>
-          </a:lnRef>
-          <a:fillRef idx="1">
-            <a:schemeClr val="accent1"/>
-          </a:fillRef>
-          <a:effectRef idx="0">
-            <a:schemeClr val="accent1"/>
-          </a:effectRef>
-          <a:fontRef idx="minor">
-            <a:schemeClr val="lt1"/>
-          </a:fontRef>
-        </p:style>
-        <p:txBody>
-          <a:bodyPr rtlCol="0" anchor="ctr"/>
-          <a:lstStyle/>
-          <a:p>
-            <a:pPr algn="ctr"/>
-            <a:r>
-              <a:rPr lang="en-US" dirty="0" smtClean="0">
-                <a:solidFill>
-                  <a:schemeClr val="tx1"/>
-                </a:solidFill>
-              </a:rPr>
-              <a:t>success</a:t>
-            </a:r>
-            <a:endParaRPr lang="en-US" dirty="0">
-              <a:solidFill>
-                <a:schemeClr val="tx1"/>
-              </a:solidFill>
-            </a:endParaRPr>
-          </a:p>
-        </p:txBody>
-      </p:sp>
-      <p:sp>
-        <p:nvSpPr>
-          <p:cNvPr id="27" name="Rectangle 26"/>
-          <p:cNvSpPr/>
-          <p:nvPr/>
-        </p:nvSpPr>
-        <p:spPr>
-          <a:xfrm>
-            <a:off x="2796120" y="2556756"/>
-            <a:ext cx="966138" cy="607406"/>
-          </a:xfrm>
-          <a:prstGeom prst="rect">
-            <a:avLst/>
-          </a:prstGeom>
-          <a:solidFill>
-            <a:schemeClr val="accent6">
-              <a:lumMod val="20000"/>
-              <a:lumOff val="80000"/>
-            </a:schemeClr>
-          </a:solidFill>
-        </p:spPr>
-        <p:style>
-          <a:lnRef idx="2">
-            <a:schemeClr val="accent1">
-              <a:shade val="50000"/>
-            </a:schemeClr>
-          </a:lnRef>
-          <a:fillRef idx="1">
-            <a:schemeClr val="accent1"/>
-          </a:fillRef>
-          <a:effectRef idx="0">
-            <a:schemeClr val="accent1"/>
-          </a:effectRef>
-          <a:fontRef idx="minor">
-            <a:schemeClr val="lt1"/>
-          </a:fontRef>
-        </p:style>
-        <p:txBody>
-          <a:bodyPr rtlCol="0" anchor="ctr"/>
-          <a:lstStyle/>
-          <a:p>
-            <a:pPr algn="ctr"/>
-            <a:r>
-              <a:rPr lang="en-US" dirty="0" smtClean="0">
-                <a:solidFill>
-                  <a:schemeClr val="tx1"/>
-                </a:solidFill>
-              </a:rPr>
-              <a:t>transmit</a:t>
-            </a:r>
-            <a:endParaRPr lang="en-US" dirty="0">
-              <a:solidFill>
-                <a:schemeClr val="tx1"/>
-              </a:solidFill>
-            </a:endParaRPr>
-          </a:p>
-        </p:txBody>
-      </p:sp>
-      <p:sp>
-        <p:nvSpPr>
-          <p:cNvPr id="28" name="Rectangle 27"/>
-          <p:cNvSpPr/>
-          <p:nvPr/>
-        </p:nvSpPr>
-        <p:spPr>
-          <a:xfrm>
-            <a:off x="4994713" y="5611556"/>
-            <a:ext cx="799088" cy="607406"/>
-          </a:xfrm>
-          <a:prstGeom prst="rect">
-            <a:avLst/>
-          </a:prstGeom>
-          <a:solidFill>
-            <a:schemeClr val="accent6">
-              <a:lumMod val="20000"/>
-              <a:lumOff val="80000"/>
-            </a:schemeClr>
-          </a:solidFill>
-        </p:spPr>
-        <p:style>
-          <a:lnRef idx="2">
-            <a:schemeClr val="accent1">
-              <a:shade val="50000"/>
-            </a:schemeClr>
-          </a:lnRef>
-          <a:fillRef idx="1">
-            <a:schemeClr val="accent1"/>
-          </a:fillRef>
-          <a:effectRef idx="0">
-            <a:schemeClr val="accent1"/>
-          </a:effectRef>
-          <a:fontRef idx="minor">
-            <a:schemeClr val="lt1"/>
-          </a:fontRef>
-        </p:style>
-        <p:txBody>
-          <a:bodyPr rtlCol="0" anchor="ctr"/>
-          <a:lstStyle/>
-          <a:p>
-            <a:pPr algn="ctr"/>
-            <a:r>
-              <a:rPr lang="en-US" dirty="0" smtClean="0">
-                <a:solidFill>
-                  <a:schemeClr val="tx1"/>
-                </a:solidFill>
-              </a:rPr>
-              <a:t>failure, 2</a:t>
-            </a:r>
-            <a:endParaRPr lang="en-US" dirty="0">
-              <a:solidFill>
-                <a:schemeClr val="tx1"/>
-              </a:solidFill>
-            </a:endParaRPr>
-          </a:p>
-        </p:txBody>
-      </p:sp>
-      <p:cxnSp>
-        <p:nvCxnSpPr>
-          <p:cNvPr id="29" name="Straight Arrow Connector 28"/>
-          <p:cNvCxnSpPr>
-            <a:endCxn id="26" idx="1"/>
-          </p:cNvCxnSpPr>
-          <p:nvPr/>
-        </p:nvCxnSpPr>
-        <p:spPr>
-          <a:xfrm flipV="1">
-            <a:off x="4735601" y="1873010"/>
-            <a:ext cx="298724" cy="589154"/>
-          </a:xfrm>
-          <a:prstGeom prst="straightConnector1">
-            <a:avLst/>
-          </a:prstGeom>
-          <a:ln>
-            <a:tailEnd type="triangle"/>
-          </a:ln>
-        </p:spPr>
-        <p:style>
-          <a:lnRef idx="1">
-            <a:schemeClr val="accent1"/>
-          </a:lnRef>
-          <a:fillRef idx="0">
-            <a:schemeClr val="accent1"/>
-          </a:fillRef>
-          <a:effectRef idx="0">
-            <a:schemeClr val="accent1"/>
-          </a:effectRef>
-          <a:fontRef idx="minor">
-            <a:schemeClr val="tx1"/>
-          </a:fontRef>
-        </p:style>
-      </p:cxnSp>
-      <p:cxnSp>
-        <p:nvCxnSpPr>
-          <p:cNvPr id="30" name="Straight Arrow Connector 29"/>
-          <p:cNvCxnSpPr>
-            <a:stCxn id="26" idx="2"/>
-          </p:cNvCxnSpPr>
-          <p:nvPr/>
-        </p:nvCxnSpPr>
-        <p:spPr>
-          <a:xfrm flipH="1">
-            <a:off x="4994714" y="2176713"/>
-            <a:ext cx="492786" cy="380044"/>
-          </a:xfrm>
-          <a:prstGeom prst="straightConnector1">
-            <a:avLst/>
-          </a:prstGeom>
-          <a:ln>
-            <a:tailEnd type="triangle"/>
-          </a:ln>
-        </p:spPr>
-        <p:style>
-          <a:lnRef idx="1">
-            <a:schemeClr val="accent1"/>
-          </a:lnRef>
-          <a:fillRef idx="0">
-            <a:schemeClr val="accent1"/>
-          </a:fillRef>
-          <a:effectRef idx="0">
-            <a:schemeClr val="accent1"/>
-          </a:effectRef>
-          <a:fontRef idx="minor">
-            <a:schemeClr val="tx1"/>
-          </a:fontRef>
-        </p:style>
-      </p:cxnSp>
-      <p:cxnSp>
-        <p:nvCxnSpPr>
-          <p:cNvPr id="31" name="Straight Arrow Connector 30"/>
-          <p:cNvCxnSpPr>
-            <a:stCxn id="26" idx="2"/>
-          </p:cNvCxnSpPr>
-          <p:nvPr/>
-        </p:nvCxnSpPr>
-        <p:spPr>
-          <a:xfrm>
-            <a:off x="5487500" y="2176713"/>
-            <a:ext cx="345912" cy="281642"/>
-          </a:xfrm>
-          <a:prstGeom prst="straightConnector1">
-            <a:avLst/>
-          </a:prstGeom>
-          <a:ln>
-            <a:tailEnd type="triangle"/>
-          </a:ln>
-        </p:spPr>
-        <p:style>
-          <a:lnRef idx="1">
-            <a:schemeClr val="accent1"/>
-          </a:lnRef>
-          <a:fillRef idx="0">
-            <a:schemeClr val="accent1"/>
-          </a:fillRef>
-          <a:effectRef idx="0">
-            <a:schemeClr val="accent1"/>
-          </a:effectRef>
-          <a:fontRef idx="minor">
-            <a:schemeClr val="tx1"/>
-          </a:fontRef>
-        </p:style>
-      </p:cxnSp>
-      <p:cxnSp>
-        <p:nvCxnSpPr>
-          <p:cNvPr id="32" name="Straight Arrow Connector 31"/>
-          <p:cNvCxnSpPr>
-            <a:stCxn id="27" idx="3"/>
-          </p:cNvCxnSpPr>
-          <p:nvPr/>
-        </p:nvCxnSpPr>
-        <p:spPr>
-          <a:xfrm>
-            <a:off x="3762258" y="2860459"/>
-            <a:ext cx="576289" cy="0"/>
-          </a:xfrm>
-          <a:prstGeom prst="straightConnector1">
-            <a:avLst/>
-          </a:prstGeom>
-          <a:ln>
-            <a:tailEnd type="triangle"/>
-          </a:ln>
-        </p:spPr>
-        <p:style>
-          <a:lnRef idx="1">
-            <a:schemeClr val="accent1"/>
-          </a:lnRef>
-          <a:fillRef idx="0">
-            <a:schemeClr val="accent1"/>
-          </a:fillRef>
-          <a:effectRef idx="0">
-            <a:schemeClr val="accent1"/>
-          </a:effectRef>
-          <a:fontRef idx="minor">
-            <a:schemeClr val="tx1"/>
-          </a:fontRef>
-        </p:style>
-      </p:cxnSp>
-      <p:cxnSp>
-        <p:nvCxnSpPr>
-          <p:cNvPr id="33" name="Straight Arrow Connector 32"/>
-          <p:cNvCxnSpPr>
-            <a:stCxn id="7" idx="4"/>
-          </p:cNvCxnSpPr>
-          <p:nvPr/>
-        </p:nvCxnSpPr>
-        <p:spPr>
-          <a:xfrm>
-            <a:off x="4735601" y="5233660"/>
-            <a:ext cx="211230" cy="340799"/>
-          </a:xfrm>
-          <a:prstGeom prst="straightConnector1">
-            <a:avLst/>
-          </a:prstGeom>
-          <a:ln>
-            <a:tailEnd type="triangle"/>
-          </a:ln>
-        </p:spPr>
-        <p:style>
-          <a:lnRef idx="1">
-            <a:schemeClr val="accent1"/>
-          </a:lnRef>
-          <a:fillRef idx="0">
-            <a:schemeClr val="accent1"/>
-          </a:fillRef>
-          <a:effectRef idx="0">
-            <a:schemeClr val="accent1"/>
-          </a:effectRef>
-          <a:fontRef idx="minor">
-            <a:schemeClr val="tx1"/>
-          </a:fontRef>
-        </p:style>
-      </p:cxnSp>
-      <p:cxnSp>
-        <p:nvCxnSpPr>
-          <p:cNvPr id="34" name="Straight Arrow Connector 33"/>
-          <p:cNvCxnSpPr>
-            <a:endCxn id="26" idx="2"/>
-          </p:cNvCxnSpPr>
-          <p:nvPr/>
-        </p:nvCxnSpPr>
-        <p:spPr>
-          <a:xfrm flipV="1">
-            <a:off x="4735601" y="2176713"/>
-            <a:ext cx="751899" cy="2207242"/>
-          </a:xfrm>
-          <a:prstGeom prst="straightConnector1">
-            <a:avLst/>
-          </a:prstGeom>
-          <a:ln>
-            <a:tailEnd type="triangle"/>
-          </a:ln>
-        </p:spPr>
-        <p:style>
-          <a:lnRef idx="1">
-            <a:schemeClr val="accent1"/>
-          </a:lnRef>
-          <a:fillRef idx="0">
-            <a:schemeClr val="accent1"/>
-          </a:fillRef>
-          <a:effectRef idx="0">
-            <a:schemeClr val="accent1"/>
-          </a:effectRef>
-          <a:fontRef idx="minor">
-            <a:schemeClr val="tx1"/>
-          </a:fontRef>
-        </p:style>
-      </p:cxnSp>
-      <p:sp>
-        <p:nvSpPr>
-          <p:cNvPr id="35" name="TextBox 34"/>
-          <p:cNvSpPr txBox="1"/>
-          <p:nvPr/>
-        </p:nvSpPr>
-        <p:spPr>
-          <a:xfrm>
-            <a:off x="426309" y="1934776"/>
-            <a:ext cx="2536861" cy="1938992"/>
-          </a:xfrm>
-          <a:prstGeom prst="rect">
-            <a:avLst/>
-          </a:prstGeom>
-          <a:noFill/>
-        </p:spPr>
-        <p:txBody>
-          <a:bodyPr wrap="square" rtlCol="0">
-            <a:spAutoFit/>
-          </a:bodyPr>
-          <a:lstStyle/>
-          <a:p>
-            <a:pPr marL="285750" indent="-285750">
-              <a:buFont typeface="Arial" panose="020B0604020202020204" pitchFamily="34" charset="0"/>
-              <a:buChar char="•"/>
-            </a:pPr>
-            <a:r>
-              <a:rPr lang="en-US" sz="2000" dirty="0" smtClean="0"/>
-              <a:t>Blue: Original DCF Transmit</a:t>
-            </a:r>
-          </a:p>
-          <a:p>
-            <a:pPr marL="285750" indent="-285750">
-              <a:buFont typeface="Arial" panose="020B0604020202020204" pitchFamily="34" charset="0"/>
-              <a:buChar char="•"/>
-            </a:pPr>
-            <a:r>
-              <a:rPr lang="en-US" sz="2000" dirty="0" smtClean="0"/>
-              <a:t>Yellow: Original DCF </a:t>
-            </a:r>
-            <a:r>
-              <a:rPr lang="en-US" sz="2000" dirty="0" err="1" smtClean="0"/>
-              <a:t>Backoff</a:t>
-            </a:r>
-            <a:endParaRPr lang="en-US" sz="2000" dirty="0" smtClean="0"/>
-          </a:p>
-          <a:p>
-            <a:pPr marL="285750" indent="-285750">
-              <a:buFont typeface="Arial" panose="020B0604020202020204" pitchFamily="34" charset="0"/>
-              <a:buChar char="•"/>
-            </a:pPr>
-            <a:r>
-              <a:rPr lang="en-US" sz="2000" dirty="0" smtClean="0"/>
-              <a:t>Green: Compressible states</a:t>
-            </a:r>
-            <a:endParaRPr lang="en-US" sz="2000" dirty="0"/>
-          </a:p>
-        </p:txBody>
-      </p:sp>
-    </p:spTree>
-    <p:extLst>
-      <p:ext uri="{BB962C8B-B14F-4D97-AF65-F5344CB8AC3E}">
-        <p14:creationId xmlns:p14="http://schemas.microsoft.com/office/powerpoint/2010/main" val="3088044582"/>
-      </p:ext>
-    </p:extLst>
-  </p:cSld>
-  <p:clrMapOvr>
-    <a:masterClrMapping/>
-  </p:clrMapOvr>
-  <p:timing>
-    <p:tnLst>
-      <p:par>
-        <p:cTn xmlns:p14="http://schemas.microsoft.com/office/powerpoint/2010/main" id="1" dur="indefinite" restart="never" nodeType="tmRoot"/>
-      </p:par>
-    </p:tnLst>
-  </p:timing>
-</p:sld>
-</file>
-
-<file path=ppt/slides/slide16.xml><?xml version="1.0" encoding="utf-8"?>
-<p:sld xmlns:a="http://schemas.openxmlformats.org/drawingml/2006/main" xmlns:r="http://schemas.openxmlformats.org/officeDocument/2006/relationships" xmlns:p="http://schemas.openxmlformats.org/presentationml/2006/main">
-  <p:cSld>
-    <p:spTree>
-      <p:nvGrpSpPr>
-        <p:cNvPr id="1" name=""/>
-        <p:cNvGrpSpPr/>
-        <p:nvPr/>
-      </p:nvGrpSpPr>
-      <p:grpSpPr>
-        <a:xfrm>
-          <a:off x="0" y="0"/>
-          <a:ext cx="0" cy="0"/>
-          <a:chOff x="0" y="0"/>
-          <a:chExt cx="0" cy="0"/>
-        </a:xfrm>
-      </p:grpSpPr>
-      <p:sp>
-        <p:nvSpPr>
-          <p:cNvPr id="2" name="Title 1"/>
-          <p:cNvSpPr>
-            <a:spLocks noGrp="1"/>
-          </p:cNvSpPr>
-          <p:nvPr>
-            <p:ph type="title"/>
-          </p:nvPr>
-        </p:nvSpPr>
         <p:spPr>
           <a:xfrm>
             <a:off x="548198" y="272523"/>
@@ -8429,7 +8242,7 @@
 </p:sld>
 </file>
 
-<file path=ppt/slides/slide17.xml><?xml version="1.0" encoding="utf-8"?>
+<file path=ppt/slides/slide15.xml><?xml version="1.0" encoding="utf-8"?>
 <p:sld xmlns:a="http://schemas.openxmlformats.org/drawingml/2006/main" xmlns:r="http://schemas.openxmlformats.org/officeDocument/2006/relationships" xmlns:p="http://schemas.openxmlformats.org/presentationml/2006/main">
   <p:cSld>
     <p:spTree>
@@ -13723,6 +13536,189 @@
 </p:sld>
 </file>
 
+<file path=ppt/slides/slide16.xml><?xml version="1.0" encoding="utf-8"?>
+<p:sld xmlns:a="http://schemas.openxmlformats.org/drawingml/2006/main" xmlns:r="http://schemas.openxmlformats.org/officeDocument/2006/relationships" xmlns:p="http://schemas.openxmlformats.org/presentationml/2006/main">
+  <p:cSld>
+    <p:spTree>
+      <p:nvGrpSpPr>
+        <p:cNvPr id="1" name=""/>
+        <p:cNvGrpSpPr/>
+        <p:nvPr/>
+      </p:nvGrpSpPr>
+      <p:grpSpPr>
+        <a:xfrm>
+          <a:off x="0" y="0"/>
+          <a:ext cx="0" cy="0"/>
+          <a:chOff x="0" y="0"/>
+          <a:chExt cx="0" cy="0"/>
+        </a:xfrm>
+      </p:grpSpPr>
+      <p:sp>
+        <p:nvSpPr>
+          <p:cNvPr id="2" name="Title 1"/>
+          <p:cNvSpPr>
+            <a:spLocks noGrp="1"/>
+          </p:cNvSpPr>
+          <p:nvPr>
+            <p:ph type="title"/>
+          </p:nvPr>
+        </p:nvSpPr>
+        <p:spPr/>
+        <p:txBody>
+          <a:bodyPr/>
+          <a:lstStyle/>
+          <a:p>
+            <a:r>
+              <a:rPr lang="en-US" dirty="0" smtClean="0"/>
+              <a:t>Variable Packet Size</a:t>
+            </a:r>
+            <a:endParaRPr lang="en-US" dirty="0"/>
+          </a:p>
+        </p:txBody>
+      </p:sp>
+      <p:pic>
+        <p:nvPicPr>
+          <p:cNvPr id="4" name="Picture 3" descr="dcf_model_unsaturated_varpktsize.png"/>
+          <p:cNvPicPr>
+            <a:picLocks noChangeAspect="1"/>
+          </p:cNvPicPr>
+          <p:nvPr/>
+        </p:nvPicPr>
+        <p:blipFill>
+          <a:blip r:embed="rId2">
+            <a:extLst>
+              <a:ext uri="{28A0092B-C50C-407E-A947-70E740481C1C}">
+                <a14:useLocalDpi xmlns:a14="http://schemas.microsoft.com/office/drawing/2010/main" val="0"/>
+              </a:ext>
+            </a:extLst>
+          </a:blip>
+          <a:stretch>
+            <a:fillRect/>
+          </a:stretch>
+        </p:blipFill>
+        <p:spPr>
+          <a:xfrm>
+            <a:off x="1231393" y="1337442"/>
+            <a:ext cx="6869881" cy="5318498"/>
+          </a:xfrm>
+          <a:prstGeom prst="rect">
+            <a:avLst/>
+          </a:prstGeom>
+        </p:spPr>
+      </p:pic>
+    </p:spTree>
+    <p:extLst>
+      <p:ext uri="{BB962C8B-B14F-4D97-AF65-F5344CB8AC3E}">
+        <p14:creationId xmlns:p14="http://schemas.microsoft.com/office/powerpoint/2010/main" val="2057849949"/>
+      </p:ext>
+    </p:extLst>
+  </p:cSld>
+  <p:clrMapOvr>
+    <a:masterClrMapping/>
+  </p:clrMapOvr>
+</p:sld>
+</file>
+
+<file path=ppt/slides/slide17.xml><?xml version="1.0" encoding="utf-8"?>
+<p:sld xmlns:a="http://schemas.openxmlformats.org/drawingml/2006/main" xmlns:r="http://schemas.openxmlformats.org/officeDocument/2006/relationships" xmlns:p="http://schemas.openxmlformats.org/presentationml/2006/main">
+  <p:cSld>
+    <p:spTree>
+      <p:nvGrpSpPr>
+        <p:cNvPr id="1" name=""/>
+        <p:cNvGrpSpPr/>
+        <p:nvPr/>
+      </p:nvGrpSpPr>
+      <p:grpSpPr>
+        <a:xfrm>
+          <a:off x="0" y="0"/>
+          <a:ext cx="0" cy="0"/>
+          <a:chOff x="0" y="0"/>
+          <a:chExt cx="0" cy="0"/>
+        </a:xfrm>
+      </p:grpSpPr>
+      <p:sp>
+        <p:nvSpPr>
+          <p:cNvPr id="2" name="Title 1"/>
+          <p:cNvSpPr>
+            <a:spLocks noGrp="1"/>
+          </p:cNvSpPr>
+          <p:nvPr>
+            <p:ph type="title"/>
+          </p:nvPr>
+        </p:nvSpPr>
+        <p:spPr/>
+        <p:txBody>
+          <a:bodyPr/>
+          <a:lstStyle/>
+          <a:p>
+            <a:r>
+              <a:rPr lang="en-US" dirty="0" smtClean="0"/>
+              <a:t>Varying Packet Types</a:t>
+            </a:r>
+            <a:endParaRPr lang="en-US" dirty="0"/>
+          </a:p>
+        </p:txBody>
+      </p:sp>
+      <p:sp>
+        <p:nvSpPr>
+          <p:cNvPr id="3" name="Content Placeholder 2"/>
+          <p:cNvSpPr>
+            <a:spLocks noGrp="1"/>
+          </p:cNvSpPr>
+          <p:nvPr>
+            <p:ph idx="1"/>
+          </p:nvPr>
+        </p:nvSpPr>
+        <p:spPr/>
+        <p:txBody>
+          <a:bodyPr>
+            <a:normAutofit lnSpcReduction="10000"/>
+          </a:bodyPr>
+          <a:lstStyle/>
+          <a:p>
+            <a:r>
+              <a:rPr lang="en-US" dirty="0" smtClean="0"/>
+              <a:t>Packet types differ in size and frequency of arrival</a:t>
+            </a:r>
+          </a:p>
+          <a:p>
+            <a:pPr lvl="1"/>
+            <a:r>
+              <a:rPr lang="en-US" dirty="0" smtClean="0"/>
+              <a:t>E.g., video I packets are larger and less frequent than smaller D packets</a:t>
+            </a:r>
+          </a:p>
+          <a:p>
+            <a:r>
+              <a:rPr lang="en-US" dirty="0" smtClean="0"/>
+              <a:t>Each packet type has a “fixed” packet size, decided at the beginning of the lifetime of the packet</a:t>
+            </a:r>
+          </a:p>
+          <a:p>
+            <a:pPr lvl="1"/>
+            <a:endParaRPr lang="en-US" dirty="0" smtClean="0"/>
+          </a:p>
+          <a:p>
+            <a:r>
+              <a:rPr lang="en-US" dirty="0" smtClean="0"/>
+              <a:t>Packet type transitions are deterministic</a:t>
+            </a:r>
+          </a:p>
+        </p:txBody>
+      </p:sp>
+    </p:spTree>
+    <p:extLst>
+      <p:ext uri="{BB962C8B-B14F-4D97-AF65-F5344CB8AC3E}">
+        <p14:creationId xmlns:p14="http://schemas.microsoft.com/office/powerpoint/2010/main" val="1552303845"/>
+      </p:ext>
+    </p:extLst>
+  </p:cSld>
+  <p:clrMapOvr>
+    <a:masterClrMapping/>
+  </p:clrMapOvr>
+</p:sld>
+</file>
+
 <file path=ppt/slides/slide18.xml><?xml version="1.0" encoding="utf-8"?>
 <p:sld xmlns:a="http://schemas.openxmlformats.org/drawingml/2006/main" xmlns:r="http://schemas.openxmlformats.org/officeDocument/2006/relationships" xmlns:p="http://schemas.openxmlformats.org/presentationml/2006/main">
   <p:cSld>
@@ -14023,6 +14019,96 @@
           </a:prstGeom>
         </p:spPr>
       </p:pic>
+      <p:sp>
+        <p:nvSpPr>
+          <p:cNvPr id="7" name="TextBox 6"/>
+          <p:cNvSpPr txBox="1"/>
+          <p:nvPr/>
+        </p:nvSpPr>
+        <p:spPr>
+          <a:xfrm rot="5400000">
+            <a:off x="6628540" y="4520998"/>
+            <a:ext cx="462738" cy="369332"/>
+          </a:xfrm>
+          <a:prstGeom prst="rect">
+            <a:avLst/>
+          </a:prstGeom>
+          <a:noFill/>
+        </p:spPr>
+        <p:txBody>
+          <a:bodyPr wrap="square" rtlCol="0">
+            <a:spAutoFit/>
+          </a:bodyPr>
+          <a:lstStyle/>
+          <a:p>
+            <a:r>
+              <a:rPr lang="en-US" dirty="0" err="1" smtClean="0"/>
+              <a:t>Tx</a:t>
+            </a:r>
+            <a:endParaRPr lang="en-US" dirty="0"/>
+          </a:p>
+        </p:txBody>
+      </p:sp>
+      <p:sp>
+        <p:nvSpPr>
+          <p:cNvPr id="8" name="TextBox 7"/>
+          <p:cNvSpPr txBox="1"/>
+          <p:nvPr/>
+        </p:nvSpPr>
+        <p:spPr>
+          <a:xfrm rot="5400000">
+            <a:off x="7046640" y="4533328"/>
+            <a:ext cx="714003" cy="369332"/>
+          </a:xfrm>
+          <a:prstGeom prst="rect">
+            <a:avLst/>
+          </a:prstGeom>
+          <a:noFill/>
+        </p:spPr>
+        <p:txBody>
+          <a:bodyPr wrap="square" rtlCol="0">
+            <a:spAutoFit/>
+          </a:bodyPr>
+          <a:lstStyle/>
+          <a:p>
+            <a:r>
+              <a:rPr lang="en-US" dirty="0" smtClean="0"/>
+              <a:t>Wait</a:t>
+            </a:r>
+            <a:endParaRPr lang="en-US" dirty="0"/>
+          </a:p>
+        </p:txBody>
+      </p:sp>
+      <p:sp>
+        <p:nvSpPr>
+          <p:cNvPr id="9" name="TextBox 8"/>
+          <p:cNvSpPr txBox="1"/>
+          <p:nvPr/>
+        </p:nvSpPr>
+        <p:spPr>
+          <a:xfrm rot="5400000">
+            <a:off x="7609904" y="4607251"/>
+            <a:ext cx="714003" cy="369332"/>
+          </a:xfrm>
+          <a:prstGeom prst="rect">
+            <a:avLst/>
+          </a:prstGeom>
+          <a:noFill/>
+        </p:spPr>
+        <p:txBody>
+          <a:bodyPr wrap="square" rtlCol="0">
+            <a:spAutoFit/>
+          </a:bodyPr>
+          <a:lstStyle/>
+          <a:p>
+            <a:r>
+              <a:rPr lang="en-US" dirty="0" smtClean="0"/>
+              <a:t>Size</a:t>
+            </a:r>
+            <a:endParaRPr lang="en-US" dirty="0"/>
+          </a:p>
+        </p:txBody>
+      </p:sp>
     </p:spTree>
     <p:extLst>
       <p:ext uri="{BB962C8B-B14F-4D97-AF65-F5344CB8AC3E}">
@@ -14460,7 +14546,7 @@
         </p:blipFill>
         <p:spPr>
           <a:xfrm>
-            <a:off x="4305392" y="3473501"/>
+            <a:off x="4305392" y="3128940"/>
             <a:ext cx="4838608" cy="3278657"/>
           </a:xfrm>
           <a:prstGeom prst="rect">
@@ -14554,6 +14640,96 @@
             <a:r>
               <a:rPr lang="en-US" dirty="0" smtClean="0"/>
               <a:t> time (short)</a:t>
+            </a:r>
+            <a:endParaRPr lang="en-US" dirty="0"/>
+          </a:p>
+        </p:txBody>
+      </p:sp>
+      <p:sp>
+        <p:nvSpPr>
+          <p:cNvPr id="5" name="TextBox 4"/>
+          <p:cNvSpPr txBox="1"/>
+          <p:nvPr/>
+        </p:nvSpPr>
+        <p:spPr>
+          <a:xfrm rot="5400000">
+            <a:off x="6259207" y="6234921"/>
+            <a:ext cx="462738" cy="369332"/>
+          </a:xfrm>
+          <a:prstGeom prst="rect">
+            <a:avLst/>
+          </a:prstGeom>
+          <a:noFill/>
+        </p:spPr>
+        <p:txBody>
+          <a:bodyPr wrap="square" rtlCol="0">
+            <a:spAutoFit/>
+          </a:bodyPr>
+          <a:lstStyle/>
+          <a:p>
+            <a:r>
+              <a:rPr lang="en-US" dirty="0" err="1" smtClean="0"/>
+              <a:t>Tx</a:t>
+            </a:r>
+            <a:endParaRPr lang="en-US" dirty="0"/>
+          </a:p>
+        </p:txBody>
+      </p:sp>
+      <p:sp>
+        <p:nvSpPr>
+          <p:cNvPr id="6" name="TextBox 5"/>
+          <p:cNvSpPr txBox="1"/>
+          <p:nvPr/>
+        </p:nvSpPr>
+        <p:spPr>
+          <a:xfrm rot="5400000">
+            <a:off x="6756067" y="6247251"/>
+            <a:ext cx="714003" cy="369332"/>
+          </a:xfrm>
+          <a:prstGeom prst="rect">
+            <a:avLst/>
+          </a:prstGeom>
+          <a:noFill/>
+        </p:spPr>
+        <p:txBody>
+          <a:bodyPr wrap="square" rtlCol="0">
+            <a:spAutoFit/>
+          </a:bodyPr>
+          <a:lstStyle/>
+          <a:p>
+            <a:r>
+              <a:rPr lang="en-US" dirty="0" smtClean="0"/>
+              <a:t>Wait</a:t>
+            </a:r>
+            <a:endParaRPr lang="en-US" dirty="0"/>
+          </a:p>
+        </p:txBody>
+      </p:sp>
+      <p:sp>
+        <p:nvSpPr>
+          <p:cNvPr id="7" name="TextBox 6"/>
+          <p:cNvSpPr txBox="1"/>
+          <p:nvPr/>
+        </p:nvSpPr>
+        <p:spPr>
+          <a:xfrm rot="5400000">
+            <a:off x="7425237" y="6321175"/>
+            <a:ext cx="714003" cy="369332"/>
+          </a:xfrm>
+          <a:prstGeom prst="rect">
+            <a:avLst/>
+          </a:prstGeom>
+          <a:noFill/>
+        </p:spPr>
+        <p:txBody>
+          <a:bodyPr wrap="square" rtlCol="0">
+            <a:spAutoFit/>
+          </a:bodyPr>
+          <a:lstStyle/>
+          <a:p>
+            <a:r>
+              <a:rPr lang="en-US" dirty="0" smtClean="0"/>
+              <a:t>Size</a:t>
             </a:r>
             <a:endParaRPr lang="en-US" dirty="0"/>
           </a:p>
@@ -14936,7 +15112,7 @@
         </p:blipFill>
         <p:spPr>
           <a:xfrm>
-            <a:off x="4339281" y="3332284"/>
+            <a:off x="3985846" y="2751452"/>
             <a:ext cx="4700954" cy="3525716"/>
           </a:xfrm>
           <a:prstGeom prst="rect">
@@ -14995,13 +15171,6 @@
             </a:r>
           </a:p>
           <a:p>
-            <a:pPr lvl="2"/>
-            <a:r>
-              <a:rPr lang="en-US" dirty="0" smtClean="0"/>
-              <a:t>E.g., Big I frames (packets) and many small D packets</a:t>
-            </a:r>
-          </a:p>
-          <a:p>
             <a:r>
               <a:rPr lang="en-US" dirty="0" smtClean="0"/>
               <a:t>Parameters to tune:</a:t>
@@ -15019,6 +15188,126 @@
             <a:r>
               <a:rPr lang="en-US" dirty="0" smtClean="0"/>
               <a:t>Packet type</a:t>
+            </a:r>
+            <a:endParaRPr lang="en-US" dirty="0"/>
+          </a:p>
+        </p:txBody>
+      </p:sp>
+      <p:sp>
+        <p:nvSpPr>
+          <p:cNvPr id="5" name="TextBox 4"/>
+          <p:cNvSpPr txBox="1"/>
+          <p:nvPr/>
+        </p:nvSpPr>
+        <p:spPr>
+          <a:xfrm rot="5400000">
+            <a:off x="5932980" y="6076446"/>
+            <a:ext cx="462738" cy="369332"/>
+          </a:xfrm>
+          <a:prstGeom prst="rect">
+            <a:avLst/>
+          </a:prstGeom>
+          <a:noFill/>
+        </p:spPr>
+        <p:txBody>
+          <a:bodyPr wrap="square" rtlCol="0">
+            <a:spAutoFit/>
+          </a:bodyPr>
+          <a:lstStyle/>
+          <a:p>
+            <a:r>
+              <a:rPr lang="en-US" dirty="0" err="1" smtClean="0"/>
+              <a:t>Tx</a:t>
+            </a:r>
+            <a:endParaRPr lang="en-US" dirty="0"/>
+          </a:p>
+        </p:txBody>
+      </p:sp>
+      <p:sp>
+        <p:nvSpPr>
+          <p:cNvPr id="6" name="TextBox 5"/>
+          <p:cNvSpPr txBox="1"/>
+          <p:nvPr/>
+        </p:nvSpPr>
+        <p:spPr>
+          <a:xfrm rot="5400000">
+            <a:off x="6370770" y="6118311"/>
+            <a:ext cx="714003" cy="369332"/>
+          </a:xfrm>
+          <a:prstGeom prst="rect">
+            <a:avLst/>
+          </a:prstGeom>
+          <a:noFill/>
+        </p:spPr>
+        <p:txBody>
+          <a:bodyPr wrap="square" rtlCol="0">
+            <a:spAutoFit/>
+          </a:bodyPr>
+          <a:lstStyle/>
+          <a:p>
+            <a:r>
+              <a:rPr lang="en-US" dirty="0" smtClean="0"/>
+              <a:t>Wait</a:t>
+            </a:r>
+            <a:endParaRPr lang="en-US" dirty="0"/>
+          </a:p>
+        </p:txBody>
+      </p:sp>
+      <p:sp>
+        <p:nvSpPr>
+          <p:cNvPr id="7" name="TextBox 6"/>
+          <p:cNvSpPr txBox="1"/>
+          <p:nvPr/>
+        </p:nvSpPr>
+        <p:spPr>
+          <a:xfrm rot="5400000">
+            <a:off x="6963573" y="6206923"/>
+            <a:ext cx="714003" cy="369332"/>
+          </a:xfrm>
+          <a:prstGeom prst="rect">
+            <a:avLst/>
+          </a:prstGeom>
+          <a:noFill/>
+        </p:spPr>
+        <p:txBody>
+          <a:bodyPr wrap="square" rtlCol="0">
+            <a:spAutoFit/>
+          </a:bodyPr>
+          <a:lstStyle/>
+          <a:p>
+            <a:r>
+              <a:rPr lang="en-US" dirty="0" smtClean="0"/>
+              <a:t>Size</a:t>
+            </a:r>
+            <a:endParaRPr lang="en-US" dirty="0"/>
+          </a:p>
+        </p:txBody>
+      </p:sp>
+      <p:sp>
+        <p:nvSpPr>
+          <p:cNvPr id="8" name="TextBox 7"/>
+          <p:cNvSpPr txBox="1"/>
+          <p:nvPr/>
+        </p:nvSpPr>
+        <p:spPr>
+          <a:xfrm rot="5400000">
+            <a:off x="7531904" y="6036465"/>
+            <a:ext cx="827306" cy="646331"/>
+          </a:xfrm>
+          <a:prstGeom prst="rect">
+            <a:avLst/>
+          </a:prstGeom>
+          <a:noFill/>
+        </p:spPr>
+        <p:txBody>
+          <a:bodyPr wrap="square" rtlCol="0">
+            <a:spAutoFit/>
+          </a:bodyPr>
+          <a:lstStyle/>
+          <a:p>
+            <a:r>
+              <a:rPr lang="en-US" dirty="0" smtClean="0"/>
+              <a:t>Switch Type</a:t>
             </a:r>
             <a:endParaRPr lang="en-US" dirty="0"/>
           </a:p>
@@ -16084,7 +16373,7 @@
             </a:r>
             <a:r>
               <a:rPr lang="en-US" dirty="0" smtClean="0"/>
-              <a:t> time</a:t>
+              <a:t> time (chain length)</a:t>
             </a:r>
           </a:p>
           <a:p>
@@ -16093,12 +16382,21 @@
               <a:rPr lang="en-US" dirty="0" smtClean="0"/>
               <a:t>Packet size distribution</a:t>
             </a:r>
+            <a:endParaRPr lang="en-US" dirty="0"/>
           </a:p>
           <a:p>
             <a:pPr lvl="1"/>
             <a:r>
               <a:rPr lang="en-US" dirty="0" smtClean="0"/>
-              <a:t>…</a:t>
+              <a:t>Likelihood of entering an </a:t>
+            </a:r>
+            <a:r>
+              <a:rPr lang="en-US" dirty="0" err="1" smtClean="0"/>
+              <a:t>interarrival</a:t>
+            </a:r>
+            <a:r>
+              <a:rPr lang="en-US" dirty="0" smtClean="0"/>
+              <a:t> chain</a:t>
             </a:r>
           </a:p>
         </p:txBody>
@@ -16169,7 +16467,7 @@
         <p:spPr/>
         <p:txBody>
           <a:bodyPr>
-            <a:normAutofit fontScale="92500" lnSpcReduction="10000"/>
+            <a:normAutofit fontScale="85000" lnSpcReduction="20000"/>
           </a:bodyPr>
           <a:lstStyle/>
           <a:p>
@@ -16213,16 +16511,30 @@
               <a:rPr lang="en-US" dirty="0" smtClean="0"/>
               <a:t>VoIP (e.g., Skype)</a:t>
             </a:r>
+          </a:p>
+          <a:p>
+            <a:pPr lvl="1"/>
+            <a:r>
+              <a:rPr lang="en-US" dirty="0" smtClean="0"/>
+              <a:t>Video games</a:t>
+            </a:r>
+          </a:p>
+          <a:p>
+            <a:pPr lvl="1"/>
+            <a:r>
+              <a:rPr lang="en-US" dirty="0" smtClean="0"/>
+              <a:t>…</a:t>
+            </a:r>
             <a:endParaRPr lang="en-US" dirty="0" smtClean="0"/>
           </a:p>
           <a:p>
             <a:r>
               <a:rPr lang="en-US" dirty="0" smtClean="0"/>
-              <a:t>New </a:t>
-            </a:r>
-            <a:r>
-              <a:rPr lang="en-US" dirty="0" smtClean="0"/>
-              <a:t>traffic types vary in packet size, </a:t>
+              <a:t>Emerging traffic </a:t>
+            </a:r>
+            <a:r>
+              <a:rPr lang="en-US" dirty="0" smtClean="0"/>
+              <a:t>types vary in packet size, </a:t>
             </a:r>
             <a:r>
               <a:rPr lang="en-US" dirty="0" err="1" smtClean="0"/>
@@ -16234,7 +16546,11 @@
             </a:r>
             <a:r>
               <a:rPr lang="en-US" dirty="0" err="1" smtClean="0"/>
-              <a:t>burstyness</a:t>
+              <a:t>bursty</a:t>
+            </a:r>
+            <a:r>
+              <a:rPr lang="en-US" dirty="0" smtClean="0"/>
+              <a:t>-ness</a:t>
             </a:r>
             <a:r>
               <a:rPr lang="en-US" dirty="0" smtClean="0"/>
@@ -16244,7 +16560,11 @@
           <a:p>
             <a:r>
               <a:rPr lang="en-US" dirty="0" smtClean="0"/>
-              <a:t>Most applications send and receive traffic over wireless PHY mediums – </a:t>
+              <a:t>Many applications </a:t>
+            </a:r>
+            <a:r>
+              <a:rPr lang="en-US" dirty="0" smtClean="0"/>
+              <a:t>send and receive traffic over wireless PHY mediums – </a:t>
             </a:r>
             <a:r>
               <a:rPr lang="en-US" dirty="0" err="1" smtClean="0"/>
@@ -16678,7 +16998,7 @@
         <p:spPr/>
         <p:txBody>
           <a:bodyPr>
-            <a:normAutofit lnSpcReduction="10000"/>
+            <a:normAutofit fontScale="92500" lnSpcReduction="10000"/>
           </a:bodyPr>
           <a:lstStyle/>
           <a:p>
@@ -16698,7 +17018,7 @@
             </a:r>
             <a:r>
               <a:rPr lang="en-US" dirty="0" smtClean="0"/>
-              <a:t> decreases as the size of packets increases</a:t>
+              <a:t> increases as the size of packets increases</a:t>
             </a:r>
           </a:p>
           <a:p>
@@ -16708,7 +17028,15 @@
             </a:r>
             <a:r>
               <a:rPr lang="en-US" dirty="0" smtClean="0"/>
-              <a:t> is starved due to increasing packet sizes</a:t>
+              <a:t> is starved due to increasing packet sizes and long </a:t>
+            </a:r>
+            <a:r>
+              <a:rPr lang="en-US" dirty="0" err="1" smtClean="0"/>
+              <a:t>interarrival</a:t>
+            </a:r>
+            <a:r>
+              <a:rPr lang="en-US" dirty="0" smtClean="0"/>
+              <a:t> time (longer time between attempts)</a:t>
             </a:r>
           </a:p>
           <a:p>
@@ -16774,15 +17102,7 @@
           <a:p>
             <a:r>
               <a:rPr lang="en-US" dirty="0" smtClean="0"/>
-              <a:t>Web Browsing: Probability of Varying </a:t>
-            </a:r>
-            <a:r>
-              <a:rPr lang="en-US" dirty="0" err="1" smtClean="0"/>
-              <a:t>Interarrival</a:t>
-            </a:r>
-            <a:r>
-              <a:rPr lang="en-US" dirty="0" smtClean="0"/>
-              <a:t> </a:t>
+              <a:t>Web Browsing: Probability Traffic Gaps</a:t>
             </a:r>
             <a:endParaRPr lang="en-US" dirty="0"/>
           </a:p>
@@ -16790,7 +17110,7 @@
       </p:sp>
       <p:pic>
         <p:nvPicPr>
-          <p:cNvPr id="4" name="Picture 3" descr="fig-simulation_random_web-penter-1_0_1_0_1_20_20.jpg"/>
+          <p:cNvPr id="9" name="Picture 8" descr="enter.jpg"/>
           <p:cNvPicPr>
             <a:picLocks noChangeAspect="1"/>
           </p:cNvPicPr>
@@ -16810,8 +17130,8 @@
         </p:blipFill>
         <p:spPr>
           <a:xfrm>
-            <a:off x="-127991" y="1821252"/>
-            <a:ext cx="5070428" cy="3802821"/>
+            <a:off x="4382074" y="1932352"/>
+            <a:ext cx="5244360" cy="3933270"/>
           </a:xfrm>
           <a:prstGeom prst="rect">
             <a:avLst/>
@@ -16820,7 +17140,7 @@
       </p:pic>
       <p:pic>
         <p:nvPicPr>
-          <p:cNvPr id="5" name="Picture 4" descr="fig-simulation_random_web-penter-1_0_5_0_1_20_20.jpg"/>
+          <p:cNvPr id="10" name="Picture 9" descr="enter1.jpg"/>
           <p:cNvPicPr>
             <a:picLocks noChangeAspect="1"/>
           </p:cNvPicPr>
@@ -16840,8 +17160,8 @@
         </p:blipFill>
         <p:spPr>
           <a:xfrm>
-            <a:off x="4469854" y="1808330"/>
-            <a:ext cx="5087657" cy="3815743"/>
+            <a:off x="-255980" y="1932352"/>
+            <a:ext cx="4981819" cy="3736364"/>
           </a:xfrm>
           <a:prstGeom prst="rect">
             <a:avLst/>
@@ -16850,7 +17170,7 @@
       </p:pic>
       <p:sp>
         <p:nvSpPr>
-          <p:cNvPr id="6" name="TextBox 5"/>
+          <p:cNvPr id="11" name="TextBox 10"/>
           <p:cNvSpPr txBox="1"/>
           <p:nvPr/>
         </p:nvSpPr>
@@ -16880,7 +17200,7 @@
       </p:sp>
       <p:sp>
         <p:nvSpPr>
-          <p:cNvPr id="7" name="TextBox 6"/>
+          <p:cNvPr id="12" name="TextBox 11"/>
           <p:cNvSpPr txBox="1"/>
           <p:nvPr/>
         </p:nvSpPr>
@@ -16978,8 +17298,30 @@
           <a:p>
             <a:r>
               <a:rPr lang="en-US" dirty="0" smtClean="0"/>
-              <a:t>TODO</a:t>
-            </a:r>
+              <a:t>For small gaps, random node throughput unaffected</a:t>
+            </a:r>
+          </a:p>
+          <a:p>
+            <a:r>
+              <a:rPr lang="en-US" dirty="0" smtClean="0"/>
+              <a:t>For large gaps, random node throughput increases with respect</a:t>
+            </a:r>
+          </a:p>
+          <a:p>
+            <a:r>
+              <a:rPr lang="en-US" b="1" dirty="0" smtClean="0"/>
+              <a:t>Overall:</a:t>
+            </a:r>
+            <a:r>
+              <a:rPr lang="en-US" dirty="0" smtClean="0"/>
+              <a:t> Sporadic nature of web traffic characteristics favors other nodes in the system</a:t>
+            </a:r>
+            <a:endParaRPr lang="en-US" dirty="0"/>
+          </a:p>
+          <a:p>
+            <a:endParaRPr lang="en-US" b="1" dirty="0" smtClean="0"/>
+          </a:p>
+          <a:p>
             <a:endParaRPr lang="en-US" dirty="0"/>
           </a:p>
         </p:txBody>
@@ -17471,12 +17813,14 @@
         </p:nvSpPr>
         <p:spPr/>
         <p:txBody>
-          <a:bodyPr/>
-          <a:lstStyle/>
-          <a:p>
-            <a:r>
-              <a:rPr lang="en-US" dirty="0" smtClean="0"/>
-              <a:t>Problem Statement</a:t>
+          <a:bodyPr>
+            <a:normAutofit fontScale="90000"/>
+          </a:bodyPr>
+          <a:lstStyle/>
+          <a:p>
+            <a:r>
+              <a:rPr lang="en-US" dirty="0" smtClean="0"/>
+              <a:t>802.11 Distributed Control Function</a:t>
             </a:r>
             <a:endParaRPr lang="en-US" dirty="0"/>
           </a:p>
@@ -17495,78 +17839,272 @@
         <p:spPr/>
         <p:txBody>
           <a:bodyPr>
-            <a:normAutofit fontScale="92500"/>
+            <a:normAutofit fontScale="85000" lnSpcReduction="10000"/>
           </a:bodyPr>
           <a:lstStyle/>
           <a:p>
             <a:r>
-              <a:rPr lang="en-US" b="1" dirty="0" smtClean="0"/>
-              <a:t>Question 1</a:t>
-            </a:r>
-            <a:r>
-              <a:rPr lang="en-US" dirty="0" smtClean="0"/>
-              <a:t>: How does the performance of CSMA/</a:t>
+              <a:rPr lang="en-US" dirty="0" smtClean="0"/>
+              <a:t>A simplistic </a:t>
+            </a:r>
+            <a:r>
+              <a:rPr lang="en-US" dirty="0"/>
+              <a:t>random access scheme based on the </a:t>
+            </a:r>
+            <a:r>
+              <a:rPr lang="en-US" dirty="0" smtClean="0"/>
+              <a:t>CSMA</a:t>
+            </a:r>
+            <a:r>
+              <a:rPr lang="en-US" dirty="0"/>
+              <a:t>/</a:t>
             </a:r>
             <a:r>
               <a:rPr lang="en-US" dirty="0" smtClean="0"/>
               <a:t>CA </a:t>
             </a:r>
             <a:r>
-              <a:rPr lang="en-US" dirty="0" smtClean="0"/>
-              <a:t>vary with increasingly heterogeneous traffic?</a:t>
-            </a:r>
-          </a:p>
-          <a:p>
-            <a:r>
-              <a:rPr lang="en-US" b="1" dirty="0" smtClean="0"/>
-              <a:t>Question 2</a:t>
-            </a:r>
-            <a:r>
-              <a:rPr lang="en-US" dirty="0" smtClean="0"/>
-              <a:t>: Is universal random </a:t>
+              <a:rPr lang="en-US" dirty="0"/>
+              <a:t>protocol. </a:t>
+            </a:r>
+            <a:endParaRPr lang="en-US" dirty="0" smtClean="0"/>
+          </a:p>
+          <a:p>
+            <a:r>
+              <a:rPr lang="en-US" dirty="0" smtClean="0"/>
+              <a:t>Failed </a:t>
+            </a:r>
+            <a:r>
+              <a:rPr lang="en-US" dirty="0"/>
+              <a:t>packets are retried according to a binary exponential </a:t>
+            </a:r>
+            <a:r>
+              <a:rPr lang="en-US" dirty="0" err="1"/>
+              <a:t>backoff</a:t>
+            </a:r>
+            <a:r>
+              <a:rPr lang="en-US" dirty="0"/>
+              <a:t> rule. </a:t>
+            </a:r>
+            <a:endParaRPr lang="en-US" dirty="0" smtClean="0"/>
+          </a:p>
+          <a:p>
+            <a:pPr lvl="1"/>
+            <a:r>
+              <a:rPr lang="en-US" dirty="0" smtClean="0"/>
+              <a:t>At </a:t>
+            </a:r>
+            <a:r>
+              <a:rPr lang="en-US" dirty="0"/>
+              <a:t>each packet transmission, the </a:t>
+            </a:r>
+            <a:r>
+              <a:rPr lang="en-US" dirty="0" err="1"/>
+              <a:t>backoff</a:t>
+            </a:r>
+            <a:r>
+              <a:rPr lang="en-US" dirty="0"/>
+              <a:t> is uniformly in the range </a:t>
+            </a:r>
+            <a:r>
+              <a:rPr lang="en-US" dirty="0" smtClean="0"/>
+              <a:t>(0</a:t>
+            </a:r>
+            <a:r>
+              <a:rPr lang="en-US" dirty="0"/>
+              <a:t>, w-</a:t>
+            </a:r>
+            <a:r>
+              <a:rPr lang="en-US" dirty="0" smtClean="0"/>
+              <a:t>1)</a:t>
+            </a:r>
+            <a:endParaRPr lang="en-US" dirty="0"/>
+          </a:p>
+          <a:p>
+            <a:pPr lvl="1"/>
+            <a:r>
+              <a:rPr lang="en-US" dirty="0" smtClean="0"/>
+              <a:t>The </a:t>
+            </a:r>
+            <a:r>
+              <a:rPr lang="en-US" dirty="0"/>
+              <a:t>window </a:t>
+            </a:r>
+            <a:r>
+              <a:rPr lang="en-US" dirty="0" smtClean="0"/>
+              <a:t>w </a:t>
+            </a:r>
+            <a:r>
+              <a:rPr lang="en-US" dirty="0"/>
+              <a:t>is set to </a:t>
             </a:r>
             <a:r>
               <a:rPr lang="en-US" dirty="0" err="1" smtClean="0"/>
+              <a:t>W</a:t>
+            </a:r>
+            <a:r>
+              <a:rPr lang="en-US" baseline="-25000" dirty="0" err="1" smtClean="0"/>
+              <a:t>min</a:t>
+            </a:r>
+            <a:r>
+              <a:rPr lang="en-US" dirty="0" smtClean="0"/>
+              <a:t> </a:t>
+            </a:r>
+            <a:r>
+              <a:rPr lang="en-US" dirty="0"/>
+              <a:t>to begin, and upon every failure, the </a:t>
+            </a:r>
+            <a:r>
+              <a:rPr lang="en-US" dirty="0" err="1"/>
               <a:t>backoff</a:t>
             </a:r>
             <a:r>
-              <a:rPr lang="en-US" dirty="0" smtClean="0"/>
-              <a:t> the best technique technique to handle collisions? </a:t>
-            </a:r>
-            <a:r>
               <a:rPr lang="en-US" dirty="0"/>
-              <a:t>Would a deterministic avoidance scheme be better suited for heterogeneous traffic? Or maybe a hybrid approach</a:t>
-            </a:r>
-            <a:r>
-              <a:rPr lang="en-US" dirty="0" smtClean="0"/>
-              <a:t>?</a:t>
-            </a:r>
-          </a:p>
-          <a:p>
-            <a:r>
-              <a:rPr lang="en-US" b="1" dirty="0" smtClean="0"/>
-              <a:t>Question 3:</a:t>
-            </a:r>
-            <a:r>
-              <a:rPr lang="en-US" dirty="0" smtClean="0"/>
-              <a:t> Should </a:t>
+              <a:t> </a:t>
+            </a:r>
+            <a:r>
+              <a:rPr lang="en-US" dirty="0" smtClean="0"/>
+              <a:t>counter window is </a:t>
+            </a:r>
+            <a:r>
+              <a:rPr lang="en-US" dirty="0"/>
+              <a:t>doubled. </a:t>
+            </a:r>
+            <a:endParaRPr lang="en-US" dirty="0" smtClean="0"/>
+          </a:p>
+          <a:p>
+            <a:pPr lvl="1"/>
+            <a:r>
+              <a:rPr lang="en-US" dirty="0" smtClean="0"/>
+              <a:t>The </a:t>
+            </a:r>
+            <a:r>
+              <a:rPr lang="en-US" dirty="0"/>
+              <a:t>maximum </a:t>
+            </a:r>
+            <a:r>
+              <a:rPr lang="en-US" dirty="0" err="1"/>
+              <a:t>backoff</a:t>
+            </a:r>
+            <a:r>
+              <a:rPr lang="en-US" dirty="0"/>
+              <a:t> </a:t>
+            </a:r>
+            <a:r>
+              <a:rPr lang="en-US" dirty="0" smtClean="0"/>
+              <a:t>time is </a:t>
+            </a:r>
+            <a:r>
+              <a:rPr lang="en-US" dirty="0"/>
+              <a:t>bounded by </a:t>
             </a:r>
             <a:r>
               <a:rPr lang="en-US" dirty="0" err="1" smtClean="0"/>
-              <a:t>backoffs</a:t>
-            </a:r>
-            <a:r>
-              <a:rPr lang="en-US" dirty="0" smtClean="0"/>
-              <a:t> be tailored to the type of traffic?</a:t>
-            </a:r>
-            <a:endParaRPr lang="en-US" b="1" dirty="0"/>
+              <a:t>W</a:t>
+            </a:r>
+            <a:r>
+              <a:rPr lang="en-US" baseline="-25000" dirty="0" err="1" smtClean="0"/>
+              <a:t>max</a:t>
+            </a:r>
+            <a:r>
+              <a:rPr lang="en-US" dirty="0" smtClean="0"/>
+              <a:t> </a:t>
+            </a:r>
+            <a:r>
+              <a:rPr lang="en-US" dirty="0"/>
+              <a:t>= </a:t>
+            </a:r>
+            <a:r>
+              <a:rPr lang="en-US" dirty="0" smtClean="0"/>
+              <a:t>2</a:t>
+            </a:r>
+            <a:r>
+              <a:rPr lang="en-US" baseline="30000" dirty="0" smtClean="0"/>
+              <a:t>m</a:t>
+            </a:r>
+            <a:r>
+              <a:rPr lang="en-US" dirty="0" smtClean="0"/>
+              <a:t>W</a:t>
+            </a:r>
+            <a:r>
+              <a:rPr lang="en-US" baseline="-25000" dirty="0" smtClean="0"/>
+              <a:t>min</a:t>
+            </a:r>
+            <a:r>
+              <a:rPr lang="en-US" dirty="0" smtClean="0"/>
+              <a:t>. </a:t>
+            </a:r>
+            <a:endParaRPr lang="en-US" dirty="0" smtClean="0"/>
+          </a:p>
+          <a:p>
+            <a:r>
+              <a:rPr lang="en-US" dirty="0" smtClean="0"/>
+              <a:t>Selections </a:t>
+            </a:r>
+            <a:r>
+              <a:rPr lang="en-US" dirty="0"/>
+              <a:t>of </a:t>
+            </a:r>
+            <a:r>
+              <a:rPr lang="en-US" dirty="0" err="1"/>
+              <a:t>W</a:t>
+            </a:r>
+            <a:r>
+              <a:rPr lang="en-US" baseline="-25000" dirty="0" err="1"/>
+              <a:t>min</a:t>
+            </a:r>
+            <a:r>
+              <a:rPr lang="en-US" dirty="0"/>
+              <a:t> </a:t>
+            </a:r>
+            <a:r>
+              <a:rPr lang="en-US" dirty="0" smtClean="0"/>
+              <a:t>and </a:t>
+            </a:r>
+            <a:r>
+              <a:rPr lang="en-US" dirty="0" err="1" smtClean="0"/>
+              <a:t>W</a:t>
+            </a:r>
+            <a:r>
+              <a:rPr lang="en-US" baseline="-25000" dirty="0" err="1" smtClean="0"/>
+              <a:t>max</a:t>
+            </a:r>
+            <a:r>
+              <a:rPr lang="en-US" baseline="-25000" dirty="0" smtClean="0"/>
+              <a:t> </a:t>
+            </a:r>
+            <a:r>
+              <a:rPr lang="en-US" dirty="0" smtClean="0"/>
+              <a:t>depend on </a:t>
+            </a:r>
+            <a:r>
+              <a:rPr lang="en-US" dirty="0" smtClean="0"/>
+              <a:t>the </a:t>
+            </a:r>
+            <a:r>
+              <a:rPr lang="en-US" dirty="0"/>
+              <a:t>physical </a:t>
+            </a:r>
+            <a:r>
+              <a:rPr lang="en-US" dirty="0" smtClean="0"/>
+              <a:t>layer </a:t>
+            </a:r>
+            <a:r>
+              <a:rPr lang="en-US" dirty="0"/>
+              <a:t>specifications in the 802.11 </a:t>
+            </a:r>
+            <a:r>
+              <a:rPr lang="en-US" dirty="0" smtClean="0"/>
+              <a:t>standard</a:t>
+            </a:r>
+            <a:endParaRPr lang="en-US" dirty="0"/>
           </a:p>
         </p:txBody>
       </p:sp>
     </p:spTree>
     <p:extLst>
       <p:ext uri="{BB962C8B-B14F-4D97-AF65-F5344CB8AC3E}">
-        <p14:creationId xmlns:p14="http://schemas.microsoft.com/office/powerpoint/2010/main" val="3364773661"/>
+        <p14:creationId xmlns:p14="http://schemas.microsoft.com/office/powerpoint/2010/main" val="1164583717"/>
       </p:ext>
     </p:extLst>
   </p:cSld>
@@ -17605,80 +18143,86 @@
         </p:nvSpPr>
         <p:spPr/>
         <p:txBody>
-          <a:bodyPr/>
-          <a:lstStyle/>
-          <a:p>
-            <a:r>
-              <a:rPr lang="en-US" dirty="0" smtClean="0"/>
-              <a:t>Research Approach</a:t>
+          <a:bodyPr>
+            <a:normAutofit fontScale="90000"/>
+          </a:bodyPr>
+          <a:lstStyle/>
+          <a:p>
+            <a:r>
+              <a:rPr lang="en-US" dirty="0" smtClean="0"/>
+              <a:t>The DCF Model with Saturated Traffic</a:t>
             </a:r>
             <a:endParaRPr lang="en-US" dirty="0"/>
           </a:p>
         </p:txBody>
       </p:sp>
-      <p:sp>
-        <p:nvSpPr>
-          <p:cNvPr id="3" name="Content Placeholder 2"/>
-          <p:cNvSpPr>
-            <a:spLocks noGrp="1"/>
-          </p:cNvSpPr>
-          <p:nvPr>
-            <p:ph idx="1"/>
-          </p:nvPr>
-        </p:nvSpPr>
-        <p:spPr/>
-        <p:txBody>
-          <a:bodyPr>
-            <a:normAutofit fontScale="92500" lnSpcReduction="20000"/>
-          </a:bodyPr>
-          <a:lstStyle/>
-          <a:p>
-            <a:r>
-              <a:rPr lang="en-US" dirty="0" smtClean="0"/>
-              <a:t>Create Markov models that represent varying types of traffic:</a:t>
-            </a:r>
-          </a:p>
-          <a:p>
-            <a:pPr lvl="1"/>
-            <a:r>
-              <a:rPr lang="en-US" dirty="0" smtClean="0"/>
-              <a:t>Media streams</a:t>
-            </a:r>
-          </a:p>
-          <a:p>
-            <a:pPr lvl="1"/>
-            <a:r>
-              <a:rPr lang="en-US" dirty="0" smtClean="0"/>
-              <a:t>Web browsing</a:t>
-            </a:r>
-          </a:p>
-          <a:p>
-            <a:pPr lvl="1"/>
-            <a:r>
-              <a:rPr lang="en-US" dirty="0" smtClean="0"/>
-              <a:t>File downloads</a:t>
-            </a:r>
-          </a:p>
-          <a:p>
-            <a:r>
-              <a:rPr lang="en-US" dirty="0" smtClean="0"/>
-              <a:t>Compute metrics for each of these models individually, i.e., </a:t>
-            </a:r>
-            <a:r>
-              <a:rPr lang="en-US" i="1" dirty="0" smtClean="0"/>
-              <a:t>with a constant conditional collision probability</a:t>
-            </a:r>
-          </a:p>
-          <a:p>
-            <a:r>
-              <a:rPr lang="en-US" dirty="0" smtClean="0"/>
-              <a:t>Compute metrics when different Markov models of these types are superimposed</a:t>
-            </a:r>
-          </a:p>
-          <a:p>
-            <a:r>
-              <a:rPr lang="en-US" dirty="0" smtClean="0"/>
-              <a:t>Analyze the data</a:t>
+      <p:pic>
+        <p:nvPicPr>
+          <p:cNvPr id="5" name="Picture 4" descr="dcf_model.png"/>
+          <p:cNvPicPr>
+            <a:picLocks noChangeAspect="1"/>
+          </p:cNvPicPr>
+          <p:nvPr/>
+        </p:nvPicPr>
+        <p:blipFill>
+          <a:blip r:embed="rId2">
+            <a:extLst>
+              <a:ext uri="{28A0092B-C50C-407E-A947-70E740481C1C}">
+                <a14:useLocalDpi xmlns:a14="http://schemas.microsoft.com/office/drawing/2010/main" val="0"/>
+              </a:ext>
+            </a:extLst>
+          </a:blip>
+          <a:stretch>
+            <a:fillRect/>
+          </a:stretch>
+        </p:blipFill>
+        <p:spPr>
+          <a:xfrm>
+            <a:off x="914040" y="1417638"/>
+            <a:ext cx="7562472" cy="5217948"/>
+          </a:xfrm>
+          <a:prstGeom prst="rect">
+            <a:avLst/>
+          </a:prstGeom>
+        </p:spPr>
+      </p:pic>
+      <p:sp>
+        <p:nvSpPr>
+          <p:cNvPr id="6" name="Rectangle 5"/>
+          <p:cNvSpPr/>
+          <p:nvPr/>
+        </p:nvSpPr>
+        <p:spPr>
+          <a:xfrm>
+            <a:off x="1516209" y="1260114"/>
+            <a:ext cx="866403" cy="561142"/>
+          </a:xfrm>
+          <a:prstGeom prst="rect">
+            <a:avLst/>
+          </a:prstGeom>
+        </p:spPr>
+        <p:style>
+          <a:lnRef idx="1">
+            <a:schemeClr val="accent1"/>
+          </a:lnRef>
+          <a:fillRef idx="3">
+            <a:schemeClr val="accent1"/>
+          </a:fillRef>
+          <a:effectRef idx="2">
+            <a:schemeClr val="accent1"/>
+          </a:effectRef>
+          <a:fontRef idx="minor">
+            <a:schemeClr val="lt1"/>
+          </a:fontRef>
+        </p:style>
+        <p:txBody>
+          <a:bodyPr rtlCol="0" anchor="ctr"/>
+          <a:lstStyle/>
+          <a:p>
+            <a:pPr algn="ctr"/>
+            <a:r>
+              <a:rPr lang="en-US" dirty="0" smtClean="0"/>
+              <a:t>Buffer</a:t>
             </a:r>
             <a:endParaRPr lang="en-US" dirty="0"/>
           </a:p>
@@ -17687,7 +18231,7 @@
     </p:spTree>
     <p:extLst>
       <p:ext uri="{BB962C8B-B14F-4D97-AF65-F5344CB8AC3E}">
-        <p14:creationId xmlns:p14="http://schemas.microsoft.com/office/powerpoint/2010/main" val="2448596753"/>
+        <p14:creationId xmlns:p14="http://schemas.microsoft.com/office/powerpoint/2010/main" val="1892940821"/>
       </p:ext>
     </p:extLst>
   </p:cSld>
@@ -17726,14 +18270,12 @@
         </p:nvSpPr>
         <p:spPr/>
         <p:txBody>
-          <a:bodyPr>
-            <a:normAutofit fontScale="90000"/>
-          </a:bodyPr>
-          <a:lstStyle/>
-          <a:p>
-            <a:r>
-              <a:rPr lang="en-US" dirty="0" smtClean="0"/>
-              <a:t>802.11 Distributed Control Function</a:t>
+          <a:bodyPr/>
+          <a:lstStyle/>
+          <a:p>
+            <a:r>
+              <a:rPr lang="en-US" dirty="0" smtClean="0"/>
+              <a:t>Question 1</a:t>
             </a:r>
             <a:endParaRPr lang="en-US" dirty="0"/>
           </a:p>
@@ -17752,244 +18294,53 @@
         <p:spPr/>
         <p:txBody>
           <a:bodyPr>
-            <a:normAutofit fontScale="85000" lnSpcReduction="10000"/>
+            <a:normAutofit/>
           </a:bodyPr>
           <a:lstStyle/>
           <a:p>
-            <a:r>
-              <a:rPr lang="en-US" dirty="0" smtClean="0"/>
-              <a:t>A simplistic </a:t>
-            </a:r>
-            <a:r>
-              <a:rPr lang="en-US" dirty="0"/>
-              <a:t>random access scheme based on the </a:t>
-            </a:r>
-            <a:r>
-              <a:rPr lang="en-US" dirty="0" smtClean="0"/>
-              <a:t>CSMA</a:t>
-            </a:r>
-            <a:r>
-              <a:rPr lang="en-US" dirty="0"/>
-              <a:t>/</a:t>
-            </a:r>
-            <a:r>
-              <a:rPr lang="en-US" dirty="0" smtClean="0"/>
-              <a:t>CA </a:t>
-            </a:r>
-            <a:r>
-              <a:rPr lang="en-US" dirty="0"/>
-              <a:t>protocol. </a:t>
-            </a:r>
+            <a:pPr marL="0" indent="0">
+              <a:buNone/>
+            </a:pPr>
             <a:endParaRPr lang="en-US" dirty="0" smtClean="0"/>
           </a:p>
           <a:p>
-            <a:r>
-              <a:rPr lang="en-US" dirty="0" smtClean="0"/>
-              <a:t>Failed </a:t>
-            </a:r>
-            <a:r>
-              <a:rPr lang="en-US" dirty="0"/>
-              <a:t>packets are retried according to a binary exponential </a:t>
-            </a:r>
-            <a:r>
-              <a:rPr lang="en-US" dirty="0" err="1"/>
-              <a:t>backoff</a:t>
-            </a:r>
-            <a:r>
-              <a:rPr lang="en-US" dirty="0"/>
-              <a:t> rule. </a:t>
-            </a:r>
+            <a:pPr marL="0" indent="0">
+              <a:buNone/>
+            </a:pPr>
             <a:endParaRPr lang="en-US" dirty="0" smtClean="0"/>
           </a:p>
           <a:p>
-            <a:pPr lvl="1"/>
-            <a:r>
-              <a:rPr lang="en-US" dirty="0" smtClean="0"/>
-              <a:t>At </a:t>
-            </a:r>
-            <a:r>
-              <a:rPr lang="en-US" dirty="0"/>
-              <a:t>each packet transmission, the </a:t>
-            </a:r>
-            <a:r>
-              <a:rPr lang="en-US" dirty="0" err="1"/>
-              <a:t>backoff</a:t>
-            </a:r>
-            <a:r>
-              <a:rPr lang="en-US" dirty="0"/>
-              <a:t> is uniformly in the range </a:t>
-            </a:r>
-            <a:r>
-              <a:rPr lang="en-US" dirty="0" smtClean="0"/>
-              <a:t>(0</a:t>
-            </a:r>
-            <a:r>
-              <a:rPr lang="en-US" dirty="0"/>
-              <a:t>, w-</a:t>
-            </a:r>
-            <a:r>
-              <a:rPr lang="en-US" dirty="0" smtClean="0"/>
-              <a:t>1)</a:t>
-            </a:r>
-            <a:endParaRPr lang="en-US" dirty="0"/>
-          </a:p>
-          <a:p>
-            <a:pPr lvl="1"/>
-            <a:r>
-              <a:rPr lang="en-US" dirty="0" smtClean="0"/>
-              <a:t>The </a:t>
-            </a:r>
-            <a:r>
-              <a:rPr lang="en-US" dirty="0"/>
-              <a:t>window </a:t>
-            </a:r>
-            <a:r>
-              <a:rPr lang="en-US" dirty="0" smtClean="0"/>
-              <a:t>w </a:t>
-            </a:r>
-            <a:r>
-              <a:rPr lang="en-US" dirty="0"/>
-              <a:t>is set to </a:t>
-            </a:r>
-            <a:r>
-              <a:rPr lang="en-US" dirty="0" err="1" smtClean="0"/>
-              <a:t>W</a:t>
-            </a:r>
-            <a:r>
-              <a:rPr lang="en-US" baseline="-25000" dirty="0" err="1" smtClean="0"/>
-              <a:t>min</a:t>
-            </a:r>
-            <a:r>
-              <a:rPr lang="en-US" dirty="0" smtClean="0"/>
-              <a:t> </a:t>
-            </a:r>
-            <a:r>
-              <a:rPr lang="en-US" dirty="0"/>
-              <a:t>to begin, and upon every failure, the </a:t>
-            </a:r>
-            <a:r>
-              <a:rPr lang="en-US" dirty="0" err="1"/>
-              <a:t>backoff</a:t>
-            </a:r>
-            <a:r>
-              <a:rPr lang="en-US" dirty="0"/>
-              <a:t> counter is doubled. </a:t>
+            <a:pPr marL="0" indent="0">
+              <a:buNone/>
+            </a:pPr>
+            <a:r>
+              <a:rPr lang="en-US" dirty="0" smtClean="0"/>
+              <a:t>How </a:t>
+            </a:r>
+            <a:r>
+              <a:rPr lang="en-US" dirty="0" smtClean="0"/>
+              <a:t>does the performance of </a:t>
+            </a:r>
+            <a:r>
+              <a:rPr lang="en-US" dirty="0" smtClean="0"/>
+              <a:t>the DCF vary </a:t>
+            </a:r>
+            <a:r>
+              <a:rPr lang="en-US" dirty="0" smtClean="0"/>
+              <a:t>with increasingly heterogeneous traffic</a:t>
+            </a:r>
+            <a:r>
+              <a:rPr lang="en-US" dirty="0" smtClean="0"/>
+              <a:t>?</a:t>
             </a:r>
             <a:endParaRPr lang="en-US" dirty="0" smtClean="0"/>
-          </a:p>
-          <a:p>
-            <a:pPr lvl="1"/>
-            <a:r>
-              <a:rPr lang="en-US" dirty="0" smtClean="0"/>
-              <a:t>The </a:t>
-            </a:r>
-            <a:r>
-              <a:rPr lang="en-US" dirty="0"/>
-              <a:t>maximum </a:t>
-            </a:r>
-            <a:r>
-              <a:rPr lang="en-US" dirty="0" err="1"/>
-              <a:t>backoff</a:t>
-            </a:r>
-            <a:r>
-              <a:rPr lang="en-US" dirty="0"/>
-              <a:t> is bounded by </a:t>
-            </a:r>
-            <a:r>
-              <a:rPr lang="en-US" dirty="0" err="1" smtClean="0"/>
-              <a:t>W</a:t>
-            </a:r>
-            <a:r>
-              <a:rPr lang="en-US" baseline="-25000" dirty="0" err="1" smtClean="0"/>
-              <a:t>max</a:t>
-            </a:r>
-            <a:r>
-              <a:rPr lang="en-US" dirty="0" smtClean="0"/>
-              <a:t> </a:t>
-            </a:r>
-            <a:r>
-              <a:rPr lang="en-US" dirty="0"/>
-              <a:t>= </a:t>
-            </a:r>
-            <a:r>
-              <a:rPr lang="en-US" dirty="0" smtClean="0"/>
-              <a:t>2</a:t>
-            </a:r>
-            <a:r>
-              <a:rPr lang="en-US" baseline="30000" dirty="0" smtClean="0"/>
-              <a:t>m</a:t>
-            </a:r>
-            <a:r>
-              <a:rPr lang="en-US" dirty="0" smtClean="0"/>
-              <a:t>W</a:t>
-            </a:r>
-            <a:r>
-              <a:rPr lang="en-US" baseline="-25000" dirty="0" smtClean="0"/>
-              <a:t>min</a:t>
-            </a:r>
-            <a:r>
-              <a:rPr lang="en-US" dirty="0" smtClean="0"/>
-              <a:t>. </a:t>
-            </a:r>
-            <a:endParaRPr lang="en-US" dirty="0" smtClean="0"/>
-          </a:p>
-          <a:p>
-            <a:r>
-              <a:rPr lang="en-US" dirty="0" smtClean="0"/>
-              <a:t>Selections </a:t>
-            </a:r>
-            <a:r>
-              <a:rPr lang="en-US" dirty="0"/>
-              <a:t>of </a:t>
-            </a:r>
-            <a:r>
-              <a:rPr lang="en-US" dirty="0" err="1"/>
-              <a:t>W</a:t>
-            </a:r>
-            <a:r>
-              <a:rPr lang="en-US" baseline="-25000" dirty="0" err="1"/>
-              <a:t>min</a:t>
-            </a:r>
-            <a:r>
-              <a:rPr lang="en-US" dirty="0"/>
-              <a:t> </a:t>
-            </a:r>
-            <a:r>
-              <a:rPr lang="en-US" dirty="0" smtClean="0"/>
-              <a:t>and </a:t>
-            </a:r>
-            <a:r>
-              <a:rPr lang="en-US" dirty="0" err="1"/>
-              <a:t>W</a:t>
-            </a:r>
-            <a:r>
-              <a:rPr lang="en-US" baseline="-25000" dirty="0" err="1"/>
-              <a:t>max</a:t>
-            </a:r>
-            <a:r>
-              <a:rPr lang="en-US" dirty="0" err="1" smtClean="0"/>
-              <a:t>are</a:t>
-            </a:r>
-            <a:r>
-              <a:rPr lang="en-US" dirty="0" smtClean="0"/>
-              <a:t> </a:t>
-            </a:r>
-            <a:r>
-              <a:rPr lang="en-US" dirty="0"/>
-              <a:t>dependent upon the physical layer specifications in the 802.11 </a:t>
-            </a:r>
-            <a:r>
-              <a:rPr lang="en-US" dirty="0" smtClean="0"/>
-              <a:t>standard</a:t>
-            </a:r>
-            <a:endParaRPr lang="en-US" dirty="0"/>
           </a:p>
         </p:txBody>
       </p:sp>
     </p:spTree>
     <p:extLst>
       <p:ext uri="{BB962C8B-B14F-4D97-AF65-F5344CB8AC3E}">
-        <p14:creationId xmlns:p14="http://schemas.microsoft.com/office/powerpoint/2010/main" val="1164583717"/>
+        <p14:creationId xmlns:p14="http://schemas.microsoft.com/office/powerpoint/2010/main" val="3364773661"/>
       </p:ext>
     </p:extLst>
   </p:cSld>
@@ -18028,53 +18379,73 @@
         </p:nvSpPr>
         <p:spPr/>
         <p:txBody>
-          <a:bodyPr>
-            <a:normAutofit fontScale="90000"/>
-          </a:bodyPr>
-          <a:lstStyle/>
-          <a:p>
-            <a:r>
-              <a:rPr lang="en-US" dirty="0" smtClean="0"/>
-              <a:t>The DCF Model with Saturated Traffic</a:t>
+          <a:bodyPr/>
+          <a:lstStyle/>
+          <a:p>
+            <a:r>
+              <a:rPr lang="en-US" dirty="0" smtClean="0"/>
+              <a:t>Question 2</a:t>
             </a:r>
             <a:endParaRPr lang="en-US" dirty="0"/>
           </a:p>
         </p:txBody>
       </p:sp>
-      <p:pic>
-        <p:nvPicPr>
-          <p:cNvPr id="5" name="Picture 4" descr="dcf_model.png"/>
-          <p:cNvPicPr>
-            <a:picLocks noChangeAspect="1"/>
-          </p:cNvPicPr>
-          <p:nvPr/>
-        </p:nvPicPr>
-        <p:blipFill>
-          <a:blip r:embed="rId2">
-            <a:extLst>
-              <a:ext uri="{28A0092B-C50C-407E-A947-70E740481C1C}">
-                <a14:useLocalDpi xmlns:a14="http://schemas.microsoft.com/office/drawing/2010/main" val="0"/>
-              </a:ext>
-            </a:extLst>
-          </a:blip>
-          <a:stretch>
-            <a:fillRect/>
-          </a:stretch>
-        </p:blipFill>
-        <p:spPr>
-          <a:xfrm>
-            <a:off x="914040" y="1417638"/>
-            <a:ext cx="7562472" cy="5217948"/>
-          </a:xfrm>
-          <a:prstGeom prst="rect">
-            <a:avLst/>
-          </a:prstGeom>
-        </p:spPr>
-      </p:pic>
+      <p:sp>
+        <p:nvSpPr>
+          <p:cNvPr id="3" name="Content Placeholder 2"/>
+          <p:cNvSpPr>
+            <a:spLocks noGrp="1"/>
+          </p:cNvSpPr>
+          <p:nvPr>
+            <p:ph idx="1"/>
+          </p:nvPr>
+        </p:nvSpPr>
+        <p:spPr/>
+        <p:txBody>
+          <a:bodyPr/>
+          <a:lstStyle/>
+          <a:p>
+            <a:pPr marL="0" indent="0">
+              <a:buNone/>
+            </a:pPr>
+            <a:endParaRPr lang="en-US" b="1" dirty="0" smtClean="0"/>
+          </a:p>
+          <a:p>
+            <a:pPr marL="0" indent="0">
+              <a:buNone/>
+            </a:pPr>
+            <a:endParaRPr lang="en-US" b="1" dirty="0"/>
+          </a:p>
+          <a:p>
+            <a:pPr marL="0" indent="0">
+              <a:buNone/>
+            </a:pPr>
+            <a:r>
+              <a:rPr lang="en-US" dirty="0" smtClean="0"/>
+              <a:t>Is </a:t>
+            </a:r>
+            <a:r>
+              <a:rPr lang="en-US" dirty="0"/>
+              <a:t>universal random </a:t>
+            </a:r>
+            <a:r>
+              <a:rPr lang="en-US" dirty="0" err="1"/>
+              <a:t>backoff</a:t>
+            </a:r>
+            <a:r>
+              <a:rPr lang="en-US" dirty="0"/>
+              <a:t> the best technique technique to handle collisions? Would a deterministic avoidance scheme be better suited for heterogeneous traffic? Or maybe a hybrid approach?</a:t>
+            </a:r>
+          </a:p>
+          <a:p>
+            <a:endParaRPr lang="en-US" dirty="0"/>
+          </a:p>
+        </p:txBody>
+      </p:sp>
     </p:spTree>
     <p:extLst>
       <p:ext uri="{BB962C8B-B14F-4D97-AF65-F5344CB8AC3E}">
-        <p14:creationId xmlns:p14="http://schemas.microsoft.com/office/powerpoint/2010/main" val="1892940821"/>
+        <p14:creationId xmlns:p14="http://schemas.microsoft.com/office/powerpoint/2010/main" val="1541154371"/>
       </p:ext>
     </p:extLst>
   </p:cSld>
@@ -18118,46 +18489,71 @@
           <a:p>
             <a:r>
               <a:rPr lang="en-US" dirty="0" smtClean="0"/>
-              <a:t>Supporting Unsaturated Traffic</a:t>
+              <a:t>Question 3</a:t>
             </a:r>
             <a:endParaRPr lang="en-US" dirty="0"/>
           </a:p>
         </p:txBody>
       </p:sp>
-      <p:pic>
-        <p:nvPicPr>
-          <p:cNvPr id="4" name="Picture 3" descr="dcf_model_nonsaturated.png"/>
-          <p:cNvPicPr>
-            <a:picLocks noChangeAspect="1"/>
-          </p:cNvPicPr>
-          <p:nvPr/>
-        </p:nvPicPr>
-        <p:blipFill>
-          <a:blip r:embed="rId2">
-            <a:extLst>
-              <a:ext uri="{28A0092B-C50C-407E-A947-70E740481C1C}">
-                <a14:useLocalDpi xmlns:a14="http://schemas.microsoft.com/office/drawing/2010/main" val="0"/>
-              </a:ext>
-            </a:extLst>
-          </a:blip>
-          <a:stretch>
-            <a:fillRect/>
-          </a:stretch>
-        </p:blipFill>
-        <p:spPr>
-          <a:xfrm>
-            <a:off x="1396796" y="1173870"/>
-            <a:ext cx="6079859" cy="5597532"/>
-          </a:xfrm>
-          <a:prstGeom prst="rect">
-            <a:avLst/>
-          </a:prstGeom>
-        </p:spPr>
-      </p:pic>
+      <p:sp>
+        <p:nvSpPr>
+          <p:cNvPr id="3" name="Content Placeholder 2"/>
+          <p:cNvSpPr>
+            <a:spLocks noGrp="1"/>
+          </p:cNvSpPr>
+          <p:nvPr>
+            <p:ph idx="1"/>
+          </p:nvPr>
+        </p:nvSpPr>
+        <p:spPr/>
+        <p:txBody>
+          <a:bodyPr/>
+          <a:lstStyle/>
+          <a:p>
+            <a:pPr marL="0" indent="0">
+              <a:buNone/>
+            </a:pPr>
+            <a:endParaRPr lang="en-US" b="1" dirty="0" smtClean="0"/>
+          </a:p>
+          <a:p>
+            <a:pPr marL="0" indent="0">
+              <a:buNone/>
+            </a:pPr>
+            <a:endParaRPr lang="en-US" b="1" dirty="0"/>
+          </a:p>
+          <a:p>
+            <a:pPr marL="0" indent="0">
+              <a:buNone/>
+            </a:pPr>
+            <a:endParaRPr lang="en-US" b="1" dirty="0" smtClean="0"/>
+          </a:p>
+          <a:p>
+            <a:pPr marL="0" indent="0">
+              <a:buNone/>
+            </a:pPr>
+            <a:r>
+              <a:rPr lang="en-US" dirty="0" smtClean="0"/>
+              <a:t>Should </a:t>
+            </a:r>
+            <a:r>
+              <a:rPr lang="en-US" dirty="0" err="1"/>
+              <a:t>backoffs</a:t>
+            </a:r>
+            <a:r>
+              <a:rPr lang="en-US" dirty="0"/>
+              <a:t> be tailored to the type of traffic?</a:t>
+            </a:r>
+            <a:endParaRPr lang="en-US" b="1" dirty="0"/>
+          </a:p>
+          <a:p>
+            <a:endParaRPr lang="en-US" dirty="0"/>
+          </a:p>
+        </p:txBody>
+      </p:sp>
     </p:spTree>
     <p:extLst>
       <p:ext uri="{BB962C8B-B14F-4D97-AF65-F5344CB8AC3E}">
-        <p14:creationId xmlns:p14="http://schemas.microsoft.com/office/powerpoint/2010/main" val="2467530606"/>
+        <p14:creationId xmlns:p14="http://schemas.microsoft.com/office/powerpoint/2010/main" val="425885329"/>
       </p:ext>
     </p:extLst>
   </p:cSld>
@@ -18201,329 +18597,75 @@
           <a:p>
             <a:r>
               <a:rPr lang="en-US" dirty="0" smtClean="0"/>
-              <a:t>Size Chain </a:t>
-            </a:r>
-            <a:r>
-              <a:rPr lang="en-US" dirty="0" err="1" smtClean="0"/>
-              <a:t>Blackbox</a:t>
+              <a:t>Research Approach</a:t>
             </a:r>
             <a:endParaRPr lang="en-US" dirty="0"/>
           </a:p>
         </p:txBody>
       </p:sp>
-      <p:pic>
-        <p:nvPicPr>
-          <p:cNvPr id="4" name="Picture 3" descr="size_chain_old.png"/>
-          <p:cNvPicPr>
-            <a:picLocks noChangeAspect="1"/>
-          </p:cNvPicPr>
-          <p:nvPr/>
-        </p:nvPicPr>
-        <p:blipFill>
-          <a:blip r:embed="rId2">
-            <a:extLst>
-              <a:ext uri="{28A0092B-C50C-407E-A947-70E740481C1C}">
-                <a14:useLocalDpi xmlns:a14="http://schemas.microsoft.com/office/drawing/2010/main" val="0"/>
-              </a:ext>
-            </a:extLst>
-          </a:blip>
-          <a:stretch>
-            <a:fillRect/>
-          </a:stretch>
-        </p:blipFill>
-        <p:spPr>
-          <a:xfrm>
-            <a:off x="1474901" y="1205957"/>
-            <a:ext cx="4099536" cy="5058707"/>
-          </a:xfrm>
-          <a:prstGeom prst="rect">
-            <a:avLst/>
-          </a:prstGeom>
-        </p:spPr>
-      </p:pic>
-      <p:sp>
-        <p:nvSpPr>
-          <p:cNvPr id="5" name="TextBox 4"/>
-          <p:cNvSpPr txBox="1"/>
-          <p:nvPr/>
-        </p:nvSpPr>
-        <p:spPr>
-          <a:xfrm>
-            <a:off x="5709138" y="1417638"/>
-            <a:ext cx="2828710" cy="646331"/>
-          </a:xfrm>
-          <a:prstGeom prst="rect">
-            <a:avLst/>
-          </a:prstGeom>
-          <a:noFill/>
-        </p:spPr>
-        <p:txBody>
-          <a:bodyPr wrap="square" rtlCol="0">
-            <a:spAutoFit/>
+      <p:sp>
+        <p:nvSpPr>
+          <p:cNvPr id="3" name="Content Placeholder 2"/>
+          <p:cNvSpPr>
+            <a:spLocks noGrp="1"/>
+          </p:cNvSpPr>
+          <p:nvPr>
+            <p:ph idx="1"/>
+          </p:nvPr>
+        </p:nvSpPr>
+        <p:spPr/>
+        <p:txBody>
+          <a:bodyPr>
+            <a:normAutofit fontScale="92500" lnSpcReduction="20000"/>
           </a:bodyPr>
           <a:lstStyle/>
           <a:p>
             <a:r>
               <a:rPr lang="en-US" dirty="0" smtClean="0"/>
-              <a:t>Equal probability of entering each chain</a:t>
-            </a:r>
-            <a:endParaRPr lang="en-US" dirty="0"/>
-          </a:p>
-        </p:txBody>
-      </p:sp>
-      <p:sp>
-        <p:nvSpPr>
-          <p:cNvPr id="6" name="TextBox 5"/>
-          <p:cNvSpPr txBox="1"/>
-          <p:nvPr/>
-        </p:nvSpPr>
-        <p:spPr>
-          <a:xfrm>
-            <a:off x="5574437" y="4812613"/>
-            <a:ext cx="3335040" cy="646331"/>
-          </a:xfrm>
-          <a:prstGeom prst="rect">
-            <a:avLst/>
-          </a:prstGeom>
-          <a:noFill/>
-        </p:spPr>
-        <p:txBody>
-          <a:bodyPr wrap="square" rtlCol="0">
-            <a:spAutoFit/>
-          </a:bodyPr>
-          <a:lstStyle/>
-          <a:p>
-            <a:r>
-              <a:rPr lang="en-US" dirty="0" smtClean="0"/>
-              <a:t>Exit transition probability is a function of the chain length</a:t>
-            </a:r>
-            <a:endParaRPr lang="en-US" dirty="0"/>
-          </a:p>
-        </p:txBody>
-      </p:sp>
-      <p:cxnSp>
-        <p:nvCxnSpPr>
-          <p:cNvPr id="8" name="Straight Arrow Connector 7"/>
-          <p:cNvCxnSpPr>
-            <a:stCxn id="5" idx="1"/>
-          </p:cNvCxnSpPr>
-          <p:nvPr/>
-        </p:nvCxnSpPr>
-        <p:spPr>
-          <a:xfrm flipH="1" flipV="1">
-            <a:off x="3665778" y="1510636"/>
-            <a:ext cx="2043360" cy="230168"/>
-          </a:xfrm>
-          <a:prstGeom prst="straightConnector1">
-            <a:avLst/>
-          </a:prstGeom>
-          <a:ln>
-            <a:tailEnd type="arrow"/>
-          </a:ln>
-        </p:spPr>
-        <p:style>
-          <a:lnRef idx="2">
-            <a:schemeClr val="accent1"/>
-          </a:lnRef>
-          <a:fillRef idx="0">
-            <a:schemeClr val="accent1"/>
-          </a:fillRef>
-          <a:effectRef idx="1">
-            <a:schemeClr val="accent1"/>
-          </a:effectRef>
-          <a:fontRef idx="minor">
-            <a:schemeClr val="tx1"/>
-          </a:fontRef>
-        </p:style>
-      </p:cxnSp>
-      <p:cxnSp>
-        <p:nvCxnSpPr>
-          <p:cNvPr id="10" name="Straight Arrow Connector 9"/>
-          <p:cNvCxnSpPr>
-            <a:stCxn id="6" idx="1"/>
-          </p:cNvCxnSpPr>
-          <p:nvPr/>
-        </p:nvCxnSpPr>
-        <p:spPr>
-          <a:xfrm flipH="1">
-            <a:off x="3665779" y="5135779"/>
-            <a:ext cx="1908658" cy="502647"/>
-          </a:xfrm>
-          <a:prstGeom prst="straightConnector1">
-            <a:avLst/>
-          </a:prstGeom>
-          <a:ln>
-            <a:tailEnd type="arrow"/>
-          </a:ln>
-        </p:spPr>
-        <p:style>
-          <a:lnRef idx="2">
-            <a:schemeClr val="accent1"/>
-          </a:lnRef>
-          <a:fillRef idx="0">
-            <a:schemeClr val="accent1"/>
-          </a:fillRef>
-          <a:effectRef idx="1">
-            <a:schemeClr val="accent1"/>
-          </a:effectRef>
-          <a:fontRef idx="minor">
-            <a:schemeClr val="tx1"/>
-          </a:fontRef>
-        </p:style>
-      </p:cxnSp>
-      <p:sp>
-        <p:nvSpPr>
-          <p:cNvPr id="13" name="TextBox 12"/>
-          <p:cNvSpPr txBox="1"/>
-          <p:nvPr/>
-        </p:nvSpPr>
-        <p:spPr>
-          <a:xfrm>
-            <a:off x="6184200" y="3429000"/>
-            <a:ext cx="2295922" cy="923330"/>
-          </a:xfrm>
-          <a:prstGeom prst="rect">
-            <a:avLst/>
-          </a:prstGeom>
-          <a:noFill/>
-        </p:spPr>
-        <p:txBody>
-          <a:bodyPr wrap="square" rtlCol="0">
-            <a:spAutoFit/>
-          </a:bodyPr>
-          <a:lstStyle/>
-          <a:p>
-            <a:r>
-              <a:rPr lang="en-US" dirty="0" smtClean="0"/>
-              <a:t>P(success)  = </a:t>
-            </a:r>
-            <a:r>
-              <a:rPr lang="en-US" dirty="0"/>
-              <a:t>(1 – p)^n </a:t>
-            </a:r>
-          </a:p>
-          <a:p>
-            <a:endParaRPr lang="en-US" dirty="0" smtClean="0"/>
-          </a:p>
-          <a:p>
-            <a:endParaRPr lang="en-US" dirty="0"/>
-          </a:p>
-        </p:txBody>
-      </p:sp>
-      <p:cxnSp>
-        <p:nvCxnSpPr>
-          <p:cNvPr id="15" name="Straight Connector 14"/>
-          <p:cNvCxnSpPr/>
-          <p:nvPr/>
-        </p:nvCxnSpPr>
-        <p:spPr>
-          <a:xfrm>
-            <a:off x="5301428" y="2549801"/>
-            <a:ext cx="398089" cy="0"/>
-          </a:xfrm>
-          <a:prstGeom prst="line">
-            <a:avLst/>
-          </a:prstGeom>
-        </p:spPr>
-        <p:style>
-          <a:lnRef idx="2">
-            <a:schemeClr val="accent1"/>
-          </a:lnRef>
-          <a:fillRef idx="0">
-            <a:schemeClr val="accent1"/>
-          </a:fillRef>
-          <a:effectRef idx="1">
-            <a:schemeClr val="accent1"/>
-          </a:effectRef>
-          <a:fontRef idx="minor">
-            <a:schemeClr val="tx1"/>
-          </a:fontRef>
-        </p:style>
-      </p:cxnSp>
-      <p:cxnSp>
-        <p:nvCxnSpPr>
-          <p:cNvPr id="16" name="Straight Connector 15"/>
-          <p:cNvCxnSpPr/>
-          <p:nvPr/>
-        </p:nvCxnSpPr>
-        <p:spPr>
-          <a:xfrm>
-            <a:off x="5301428" y="4769358"/>
-            <a:ext cx="398089" cy="0"/>
-          </a:xfrm>
-          <a:prstGeom prst="line">
-            <a:avLst/>
-          </a:prstGeom>
-        </p:spPr>
-        <p:style>
-          <a:lnRef idx="2">
-            <a:schemeClr val="accent1"/>
-          </a:lnRef>
-          <a:fillRef idx="0">
-            <a:schemeClr val="accent1"/>
-          </a:fillRef>
-          <a:effectRef idx="1">
-            <a:schemeClr val="accent1"/>
-          </a:effectRef>
-          <a:fontRef idx="minor">
-            <a:schemeClr val="tx1"/>
-          </a:fontRef>
-        </p:style>
-      </p:cxnSp>
-      <p:cxnSp>
-        <p:nvCxnSpPr>
-          <p:cNvPr id="18" name="Straight Connector 17"/>
-          <p:cNvCxnSpPr/>
-          <p:nvPr/>
-        </p:nvCxnSpPr>
-        <p:spPr>
-          <a:xfrm flipH="1">
-            <a:off x="5561204" y="2549801"/>
-            <a:ext cx="1" cy="2219557"/>
-          </a:xfrm>
-          <a:prstGeom prst="line">
-            <a:avLst/>
-          </a:prstGeom>
-        </p:spPr>
-        <p:style>
-          <a:lnRef idx="2">
-            <a:schemeClr val="accent1"/>
-          </a:lnRef>
-          <a:fillRef idx="0">
-            <a:schemeClr val="accent1"/>
-          </a:fillRef>
-          <a:effectRef idx="1">
-            <a:schemeClr val="accent1"/>
-          </a:effectRef>
-          <a:fontRef idx="minor">
-            <a:schemeClr val="tx1"/>
-          </a:fontRef>
-        </p:style>
-      </p:cxnSp>
-      <p:sp>
-        <p:nvSpPr>
-          <p:cNvPr id="20" name="Rectangle 19"/>
-          <p:cNvSpPr/>
-          <p:nvPr/>
-        </p:nvSpPr>
-        <p:spPr>
-          <a:xfrm>
-            <a:off x="5522184" y="3429000"/>
-            <a:ext cx="305943" cy="369332"/>
-          </a:xfrm>
-          <a:prstGeom prst="rect">
-            <a:avLst/>
-          </a:prstGeom>
-        </p:spPr>
-        <p:txBody>
-          <a:bodyPr wrap="none">
-            <a:spAutoFit/>
-          </a:bodyPr>
-          <a:lstStyle/>
-          <a:p>
-            <a:r>
-              <a:rPr lang="en-US" dirty="0" smtClean="0"/>
-              <a:t>n</a:t>
+              <a:t>Create Markov models that represent varying types of traffic:</a:t>
+            </a:r>
+          </a:p>
+          <a:p>
+            <a:pPr lvl="1"/>
+            <a:r>
+              <a:rPr lang="en-US" dirty="0" smtClean="0"/>
+              <a:t>Media streams</a:t>
+            </a:r>
+          </a:p>
+          <a:p>
+            <a:pPr lvl="1"/>
+            <a:r>
+              <a:rPr lang="en-US" dirty="0" smtClean="0"/>
+              <a:t>Web browsing</a:t>
+            </a:r>
+          </a:p>
+          <a:p>
+            <a:pPr lvl="1"/>
+            <a:r>
+              <a:rPr lang="en-US" dirty="0" smtClean="0"/>
+              <a:t>File downloads</a:t>
+            </a:r>
+          </a:p>
+          <a:p>
+            <a:r>
+              <a:rPr lang="en-US" dirty="0" smtClean="0"/>
+              <a:t>Compute metrics for each of these models individually, i.e., </a:t>
+            </a:r>
+            <a:r>
+              <a:rPr lang="en-US" i="1" dirty="0" smtClean="0"/>
+              <a:t>with a constant conditional collision probability</a:t>
+            </a:r>
+          </a:p>
+          <a:p>
+            <a:r>
+              <a:rPr lang="en-US" dirty="0" smtClean="0"/>
+              <a:t>Compute metrics when different Markov models of these types are superimposed</a:t>
+            </a:r>
+          </a:p>
+          <a:p>
+            <a:r>
+              <a:rPr lang="en-US" dirty="0" smtClean="0"/>
+              <a:t>Analyze the data</a:t>
             </a:r>
             <a:endParaRPr lang="en-US" dirty="0"/>
           </a:p>
@@ -18532,7 +18674,7 @@
     </p:spTree>
     <p:extLst>
       <p:ext uri="{BB962C8B-B14F-4D97-AF65-F5344CB8AC3E}">
-        <p14:creationId xmlns:p14="http://schemas.microsoft.com/office/powerpoint/2010/main" val="1260007286"/>
+        <p14:creationId xmlns:p14="http://schemas.microsoft.com/office/powerpoint/2010/main" val="2448596753"/>
       </p:ext>
     </p:extLst>
   </p:cSld>

--- a/presentation/slides.pptx
+++ b/presentation/slides.pptx
@@ -5,7 +5,7 @@
     <p:sldMasterId id="2147483648" r:id="rId1"/>
   </p:sldMasterIdLst>
   <p:notesMasterIdLst>
-    <p:notesMasterId r:id="rId41"/>
+    <p:notesMasterId r:id="rId42"/>
   </p:notesMasterIdLst>
   <p:sldIdLst>
     <p:sldId id="256" r:id="rId2"/>
@@ -32,21 +32,22 @@
     <p:sldId id="267" r:id="rId23"/>
     <p:sldId id="274" r:id="rId24"/>
     <p:sldId id="268" r:id="rId25"/>
-    <p:sldId id="275" r:id="rId26"/>
-    <p:sldId id="278" r:id="rId27"/>
-    <p:sldId id="276" r:id="rId28"/>
-    <p:sldId id="277" r:id="rId29"/>
-    <p:sldId id="279" r:id="rId30"/>
-    <p:sldId id="282" r:id="rId31"/>
-    <p:sldId id="280" r:id="rId32"/>
-    <p:sldId id="281" r:id="rId33"/>
-    <p:sldId id="288" r:id="rId34"/>
-    <p:sldId id="283" r:id="rId35"/>
-    <p:sldId id="289" r:id="rId36"/>
-    <p:sldId id="285" r:id="rId37"/>
-    <p:sldId id="290" r:id="rId38"/>
-    <p:sldId id="287" r:id="rId39"/>
-    <p:sldId id="291" r:id="rId40"/>
+    <p:sldId id="302" r:id="rId26"/>
+    <p:sldId id="275" r:id="rId27"/>
+    <p:sldId id="278" r:id="rId28"/>
+    <p:sldId id="276" r:id="rId29"/>
+    <p:sldId id="277" r:id="rId30"/>
+    <p:sldId id="279" r:id="rId31"/>
+    <p:sldId id="282" r:id="rId32"/>
+    <p:sldId id="280" r:id="rId33"/>
+    <p:sldId id="281" r:id="rId34"/>
+    <p:sldId id="288" r:id="rId35"/>
+    <p:sldId id="283" r:id="rId36"/>
+    <p:sldId id="289" r:id="rId37"/>
+    <p:sldId id="285" r:id="rId38"/>
+    <p:sldId id="290" r:id="rId39"/>
+    <p:sldId id="287" r:id="rId40"/>
+    <p:sldId id="291" r:id="rId41"/>
   </p:sldIdLst>
   <p:sldSz cx="9144000" cy="6858000" type="screen4x3"/>
   <p:notesSz cx="6858000" cy="9144000"/>
@@ -9229,7 +9230,22 @@
             </a:r>
             <a:r>
               <a:rPr lang="en-US" dirty="0" smtClean="0"/>
-              <a:t> Chains (a new dimension)</a:t>
+              <a:t> </a:t>
+            </a:r>
+            <a:r>
+              <a:rPr lang="en-US" dirty="0" smtClean="0"/>
+              <a:t>Chains</a:t>
+            </a:r>
+            <a:br>
+              <a:rPr lang="en-US" dirty="0" smtClean="0"/>
+            </a:br>
+            <a:r>
+              <a:rPr lang="en-US" dirty="0" smtClean="0"/>
+              <a:t>(a </a:t>
+            </a:r>
+            <a:r>
+              <a:rPr lang="en-US" dirty="0" smtClean="0"/>
+              <a:t>new dimension)</a:t>
             </a:r>
             <a:endParaRPr lang="en-US" dirty="0"/>
           </a:p>
@@ -9860,1569 +9876,6 @@
       </p:sp>
       <p:cxnSp>
         <p:nvCxnSpPr>
-          <p:cNvPr id="17" name="Straight Arrow Connector 16"/>
-          <p:cNvCxnSpPr/>
-          <p:nvPr/>
-        </p:nvCxnSpPr>
-        <p:spPr>
-          <a:xfrm flipH="1">
-            <a:off x="7025614" y="5358285"/>
-            <a:ext cx="152372" cy="0"/>
-          </a:xfrm>
-          <a:prstGeom prst="straightConnector1">
-            <a:avLst/>
-          </a:prstGeom>
-          <a:ln>
-            <a:tailEnd type="triangle"/>
-          </a:ln>
-        </p:spPr>
-        <p:style>
-          <a:lnRef idx="1">
-            <a:schemeClr val="accent1"/>
-          </a:lnRef>
-          <a:fillRef idx="0">
-            <a:schemeClr val="accent1"/>
-          </a:fillRef>
-          <a:effectRef idx="0">
-            <a:schemeClr val="accent1"/>
-          </a:effectRef>
-          <a:fontRef idx="minor">
-            <a:schemeClr val="tx1"/>
-          </a:fontRef>
-        </p:style>
-      </p:cxnSp>
-      <p:sp>
-        <p:nvSpPr>
-          <p:cNvPr id="26" name="Rectangle 25"/>
-          <p:cNvSpPr/>
-          <p:nvPr/>
-        </p:nvSpPr>
-        <p:spPr>
-          <a:xfrm>
-            <a:off x="6987247" y="4947361"/>
-            <a:ext cx="254319" cy="193314"/>
-          </a:xfrm>
-          <a:prstGeom prst="rect">
-            <a:avLst/>
-          </a:prstGeom>
-          <a:solidFill>
-            <a:schemeClr val="accent3">
-              <a:lumMod val="40000"/>
-              <a:lumOff val="60000"/>
-            </a:schemeClr>
-          </a:solidFill>
-        </p:spPr>
-        <p:style>
-          <a:lnRef idx="2">
-            <a:schemeClr val="accent1">
-              <a:shade val="50000"/>
-            </a:schemeClr>
-          </a:lnRef>
-          <a:fillRef idx="1">
-            <a:schemeClr val="accent1"/>
-          </a:fillRef>
-          <a:effectRef idx="0">
-            <a:schemeClr val="accent1"/>
-          </a:effectRef>
-          <a:fontRef idx="minor">
-            <a:schemeClr val="lt1"/>
-          </a:fontRef>
-        </p:style>
-        <p:txBody>
-          <a:bodyPr rtlCol="0" anchor="ctr"/>
-          <a:lstStyle/>
-          <a:p>
-            <a:pPr algn="ctr"/>
-            <a:endParaRPr lang="en-US" dirty="0">
-              <a:solidFill>
-                <a:schemeClr val="tx1"/>
-              </a:solidFill>
-            </a:endParaRPr>
-          </a:p>
-        </p:txBody>
-      </p:sp>
-      <p:sp>
-        <p:nvSpPr>
-          <p:cNvPr id="27" name="Rectangle 26"/>
-          <p:cNvSpPr/>
-          <p:nvPr/>
-        </p:nvSpPr>
-        <p:spPr>
-          <a:xfrm>
-            <a:off x="5644840" y="5245108"/>
-            <a:ext cx="254319" cy="193314"/>
-          </a:xfrm>
-          <a:prstGeom prst="rect">
-            <a:avLst/>
-          </a:prstGeom>
-          <a:solidFill>
-            <a:schemeClr val="accent3">
-              <a:lumMod val="40000"/>
-              <a:lumOff val="60000"/>
-            </a:schemeClr>
-          </a:solidFill>
-        </p:spPr>
-        <p:style>
-          <a:lnRef idx="2">
-            <a:schemeClr val="accent1">
-              <a:shade val="50000"/>
-            </a:schemeClr>
-          </a:lnRef>
-          <a:fillRef idx="1">
-            <a:schemeClr val="accent1"/>
-          </a:fillRef>
-          <a:effectRef idx="0">
-            <a:schemeClr val="accent1"/>
-          </a:effectRef>
-          <a:fontRef idx="minor">
-            <a:schemeClr val="lt1"/>
-          </a:fontRef>
-        </p:style>
-        <p:txBody>
-          <a:bodyPr rtlCol="0" anchor="ctr"/>
-          <a:lstStyle/>
-          <a:p>
-            <a:pPr algn="ctr"/>
-            <a:endParaRPr lang="en-US" dirty="0">
-              <a:solidFill>
-                <a:schemeClr val="tx1"/>
-              </a:solidFill>
-            </a:endParaRPr>
-          </a:p>
-        </p:txBody>
-      </p:sp>
-      <p:cxnSp>
-        <p:nvCxnSpPr>
-          <p:cNvPr id="29" name="Straight Arrow Connector 28"/>
-          <p:cNvCxnSpPr/>
-          <p:nvPr/>
-        </p:nvCxnSpPr>
-        <p:spPr>
-          <a:xfrm flipV="1">
-            <a:off x="6892174" y="5044018"/>
-            <a:ext cx="95072" cy="187504"/>
-          </a:xfrm>
-          <a:prstGeom prst="straightConnector1">
-            <a:avLst/>
-          </a:prstGeom>
-          <a:ln>
-            <a:tailEnd type="triangle"/>
-          </a:ln>
-        </p:spPr>
-        <p:style>
-          <a:lnRef idx="1">
-            <a:schemeClr val="accent1"/>
-          </a:lnRef>
-          <a:fillRef idx="0">
-            <a:schemeClr val="accent1"/>
-          </a:fillRef>
-          <a:effectRef idx="0">
-            <a:schemeClr val="accent1"/>
-          </a:effectRef>
-          <a:fontRef idx="minor">
-            <a:schemeClr val="tx1"/>
-          </a:fontRef>
-        </p:style>
-      </p:cxnSp>
-      <p:cxnSp>
-        <p:nvCxnSpPr>
-          <p:cNvPr id="30" name="Straight Arrow Connector 29"/>
-          <p:cNvCxnSpPr>
-            <a:stCxn id="26" idx="2"/>
-          </p:cNvCxnSpPr>
-          <p:nvPr/>
-        </p:nvCxnSpPr>
-        <p:spPr>
-          <a:xfrm flipH="1">
-            <a:off x="6974640" y="5140675"/>
-            <a:ext cx="139766" cy="120953"/>
-          </a:xfrm>
-          <a:prstGeom prst="straightConnector1">
-            <a:avLst/>
-          </a:prstGeom>
-          <a:ln>
-            <a:tailEnd type="triangle"/>
-          </a:ln>
-        </p:spPr>
-        <p:style>
-          <a:lnRef idx="1">
-            <a:schemeClr val="accent1"/>
-          </a:lnRef>
-          <a:fillRef idx="0">
-            <a:schemeClr val="accent1"/>
-          </a:fillRef>
-          <a:effectRef idx="0">
-            <a:schemeClr val="accent1"/>
-          </a:effectRef>
-          <a:fontRef idx="minor">
-            <a:schemeClr val="tx1"/>
-          </a:fontRef>
-        </p:style>
-      </p:cxnSp>
-      <p:cxnSp>
-        <p:nvCxnSpPr>
-          <p:cNvPr id="31" name="Straight Arrow Connector 30"/>
-          <p:cNvCxnSpPr>
-            <a:stCxn id="26" idx="2"/>
-          </p:cNvCxnSpPr>
-          <p:nvPr/>
-        </p:nvCxnSpPr>
-        <p:spPr>
-          <a:xfrm>
-            <a:off x="7114407" y="5140675"/>
-            <a:ext cx="127159" cy="89636"/>
-          </a:xfrm>
-          <a:prstGeom prst="straightConnector1">
-            <a:avLst/>
-          </a:prstGeom>
-          <a:ln>
-            <a:tailEnd type="triangle"/>
-          </a:ln>
-        </p:spPr>
-        <p:style>
-          <a:lnRef idx="1">
-            <a:schemeClr val="accent1"/>
-          </a:lnRef>
-          <a:fillRef idx="0">
-            <a:schemeClr val="accent1"/>
-          </a:fillRef>
-          <a:effectRef idx="0">
-            <a:schemeClr val="accent1"/>
-          </a:effectRef>
-          <a:fontRef idx="minor">
-            <a:schemeClr val="tx1"/>
-          </a:fontRef>
-        </p:style>
-      </p:cxnSp>
-      <p:sp>
-        <p:nvSpPr>
-          <p:cNvPr id="5" name="Oval 4"/>
-          <p:cNvSpPr/>
-          <p:nvPr/>
-        </p:nvSpPr>
-        <p:spPr>
-          <a:xfrm>
-            <a:off x="6797102" y="5231522"/>
-            <a:ext cx="190145" cy="253527"/>
-          </a:xfrm>
-          <a:prstGeom prst="ellipse">
-            <a:avLst/>
-          </a:prstGeom>
-        </p:spPr>
-        <p:style>
-          <a:lnRef idx="2">
-            <a:schemeClr val="accent1">
-              <a:shade val="50000"/>
-            </a:schemeClr>
-          </a:lnRef>
-          <a:fillRef idx="1">
-            <a:schemeClr val="accent1"/>
-          </a:fillRef>
-          <a:effectRef idx="0">
-            <a:schemeClr val="accent1"/>
-          </a:effectRef>
-          <a:fontRef idx="minor">
-            <a:schemeClr val="lt1"/>
-          </a:fontRef>
-        </p:style>
-        <p:txBody>
-          <a:bodyPr rtlCol="0" anchor="ctr"/>
-          <a:lstStyle/>
-          <a:p>
-            <a:pPr algn="ctr"/>
-            <a:endParaRPr lang="en-US" dirty="0"/>
-          </a:p>
-        </p:txBody>
-      </p:sp>
-      <p:sp>
-        <p:nvSpPr>
-          <p:cNvPr id="6" name="Oval 5"/>
-          <p:cNvSpPr/>
-          <p:nvPr/>
-        </p:nvSpPr>
-        <p:spPr>
-          <a:xfrm>
-            <a:off x="7201953" y="5231522"/>
-            <a:ext cx="190145" cy="253527"/>
-          </a:xfrm>
-          <a:prstGeom prst="ellipse">
-            <a:avLst/>
-          </a:prstGeom>
-          <a:solidFill>
-            <a:srgbClr val="FFFF00"/>
-          </a:solidFill>
-        </p:spPr>
-        <p:style>
-          <a:lnRef idx="2">
-            <a:schemeClr val="accent1">
-              <a:shade val="50000"/>
-            </a:schemeClr>
-          </a:lnRef>
-          <a:fillRef idx="1">
-            <a:schemeClr val="accent1"/>
-          </a:fillRef>
-          <a:effectRef idx="0">
-            <a:schemeClr val="accent1"/>
-          </a:effectRef>
-          <a:fontRef idx="minor">
-            <a:schemeClr val="lt1"/>
-          </a:fontRef>
-        </p:style>
-        <p:txBody>
-          <a:bodyPr rtlCol="0" anchor="ctr"/>
-          <a:lstStyle/>
-          <a:p>
-            <a:pPr algn="ctr"/>
-            <a:endParaRPr lang="en-US" dirty="0"/>
-          </a:p>
-        </p:txBody>
-      </p:sp>
-      <p:sp>
-        <p:nvSpPr>
-          <p:cNvPr id="7" name="Oval 6"/>
-          <p:cNvSpPr/>
-          <p:nvPr/>
-        </p:nvSpPr>
-        <p:spPr>
-          <a:xfrm>
-            <a:off x="6797102" y="5860058"/>
-            <a:ext cx="190145" cy="253527"/>
-          </a:xfrm>
-          <a:prstGeom prst="ellipse">
-            <a:avLst/>
-          </a:prstGeom>
-        </p:spPr>
-        <p:style>
-          <a:lnRef idx="2">
-            <a:schemeClr val="accent1">
-              <a:shade val="50000"/>
-            </a:schemeClr>
-          </a:lnRef>
-          <a:fillRef idx="1">
-            <a:schemeClr val="accent1"/>
-          </a:fillRef>
-          <a:effectRef idx="0">
-            <a:schemeClr val="accent1"/>
-          </a:effectRef>
-          <a:fontRef idx="minor">
-            <a:schemeClr val="lt1"/>
-          </a:fontRef>
-        </p:style>
-        <p:txBody>
-          <a:bodyPr rtlCol="0" anchor="ctr"/>
-          <a:lstStyle/>
-          <a:p>
-            <a:pPr algn="ctr"/>
-            <a:endParaRPr lang="en-US" dirty="0"/>
-          </a:p>
-        </p:txBody>
-      </p:sp>
-      <p:sp>
-        <p:nvSpPr>
-          <p:cNvPr id="8" name="Oval 7"/>
-          <p:cNvSpPr/>
-          <p:nvPr/>
-        </p:nvSpPr>
-        <p:spPr>
-          <a:xfrm>
-            <a:off x="7201953" y="5860057"/>
-            <a:ext cx="190145" cy="253527"/>
-          </a:xfrm>
-          <a:prstGeom prst="ellipse">
-            <a:avLst/>
-          </a:prstGeom>
-          <a:solidFill>
-            <a:srgbClr val="FFFF00"/>
-          </a:solidFill>
-        </p:spPr>
-        <p:style>
-          <a:lnRef idx="2">
-            <a:schemeClr val="accent1">
-              <a:shade val="50000"/>
-            </a:schemeClr>
-          </a:lnRef>
-          <a:fillRef idx="1">
-            <a:schemeClr val="accent1"/>
-          </a:fillRef>
-          <a:effectRef idx="0">
-            <a:schemeClr val="accent1"/>
-          </a:effectRef>
-          <a:fontRef idx="minor">
-            <a:schemeClr val="lt1"/>
-          </a:fontRef>
-        </p:style>
-        <p:txBody>
-          <a:bodyPr rtlCol="0" anchor="ctr"/>
-          <a:lstStyle/>
-          <a:p>
-            <a:pPr algn="ctr"/>
-            <a:endParaRPr lang="en-US" dirty="0"/>
-          </a:p>
-        </p:txBody>
-      </p:sp>
-      <p:sp>
-        <p:nvSpPr>
-          <p:cNvPr id="9" name="Oval 8"/>
-          <p:cNvSpPr/>
-          <p:nvPr/>
-        </p:nvSpPr>
-        <p:spPr>
-          <a:xfrm>
-            <a:off x="7606803" y="5860057"/>
-            <a:ext cx="190145" cy="253527"/>
-          </a:xfrm>
-          <a:prstGeom prst="ellipse">
-            <a:avLst/>
-          </a:prstGeom>
-          <a:solidFill>
-            <a:srgbClr val="FFFF00"/>
-          </a:solidFill>
-        </p:spPr>
-        <p:style>
-          <a:lnRef idx="2">
-            <a:schemeClr val="accent1">
-              <a:shade val="50000"/>
-            </a:schemeClr>
-          </a:lnRef>
-          <a:fillRef idx="1">
-            <a:schemeClr val="accent1"/>
-          </a:fillRef>
-          <a:effectRef idx="0">
-            <a:schemeClr val="accent1"/>
-          </a:effectRef>
-          <a:fontRef idx="minor">
-            <a:schemeClr val="lt1"/>
-          </a:fontRef>
-        </p:style>
-        <p:txBody>
-          <a:bodyPr rtlCol="0" anchor="ctr"/>
-          <a:lstStyle/>
-          <a:p>
-            <a:pPr algn="ctr"/>
-            <a:endParaRPr lang="en-US" dirty="0"/>
-          </a:p>
-        </p:txBody>
-      </p:sp>
-      <p:sp>
-        <p:nvSpPr>
-          <p:cNvPr id="10" name="Oval 9"/>
-          <p:cNvSpPr/>
-          <p:nvPr/>
-        </p:nvSpPr>
-        <p:spPr>
-          <a:xfrm>
-            <a:off x="8011654" y="5860057"/>
-            <a:ext cx="190145" cy="253527"/>
-          </a:xfrm>
-          <a:prstGeom prst="ellipse">
-            <a:avLst/>
-          </a:prstGeom>
-          <a:solidFill>
-            <a:srgbClr val="FFFF00"/>
-          </a:solidFill>
-        </p:spPr>
-        <p:style>
-          <a:lnRef idx="2">
-            <a:schemeClr val="accent1">
-              <a:shade val="50000"/>
-            </a:schemeClr>
-          </a:lnRef>
-          <a:fillRef idx="1">
-            <a:schemeClr val="accent1"/>
-          </a:fillRef>
-          <a:effectRef idx="0">
-            <a:schemeClr val="accent1"/>
-          </a:effectRef>
-          <a:fontRef idx="minor">
-            <a:schemeClr val="lt1"/>
-          </a:fontRef>
-        </p:style>
-        <p:txBody>
-          <a:bodyPr rtlCol="0" anchor="ctr"/>
-          <a:lstStyle/>
-          <a:p>
-            <a:pPr algn="ctr"/>
-            <a:endParaRPr lang="en-US" dirty="0"/>
-          </a:p>
-        </p:txBody>
-      </p:sp>
-      <p:cxnSp>
-        <p:nvCxnSpPr>
-          <p:cNvPr id="12" name="Straight Arrow Connector 11"/>
-          <p:cNvCxnSpPr>
-            <a:stCxn id="5" idx="5"/>
-          </p:cNvCxnSpPr>
-          <p:nvPr/>
-        </p:nvCxnSpPr>
-        <p:spPr>
-          <a:xfrm>
-            <a:off x="6959402" y="5447921"/>
-            <a:ext cx="132426" cy="103679"/>
-          </a:xfrm>
-          <a:prstGeom prst="straightConnector1">
-            <a:avLst/>
-          </a:prstGeom>
-          <a:ln>
-            <a:tailEnd type="triangle"/>
-          </a:ln>
-        </p:spPr>
-        <p:style>
-          <a:lnRef idx="1">
-            <a:schemeClr val="accent1"/>
-          </a:lnRef>
-          <a:fillRef idx="0">
-            <a:schemeClr val="accent1"/>
-          </a:fillRef>
-          <a:effectRef idx="0">
-            <a:schemeClr val="accent1"/>
-          </a:effectRef>
-          <a:fontRef idx="minor">
-            <a:schemeClr val="tx1"/>
-          </a:fontRef>
-        </p:style>
-      </p:cxnSp>
-      <p:cxnSp>
-        <p:nvCxnSpPr>
-          <p:cNvPr id="13" name="Straight Arrow Connector 12"/>
-          <p:cNvCxnSpPr/>
-          <p:nvPr/>
-        </p:nvCxnSpPr>
-        <p:spPr>
-          <a:xfrm flipH="1">
-            <a:off x="6987247" y="5688817"/>
-            <a:ext cx="120856" cy="201875"/>
-          </a:xfrm>
-          <a:prstGeom prst="straightConnector1">
-            <a:avLst/>
-          </a:prstGeom>
-          <a:ln>
-            <a:tailEnd type="triangle"/>
-          </a:ln>
-        </p:spPr>
-        <p:style>
-          <a:lnRef idx="1">
-            <a:schemeClr val="accent1"/>
-          </a:lnRef>
-          <a:fillRef idx="0">
-            <a:schemeClr val="accent1"/>
-          </a:fillRef>
-          <a:effectRef idx="0">
-            <a:schemeClr val="accent1"/>
-          </a:effectRef>
-          <a:fontRef idx="minor">
-            <a:schemeClr val="tx1"/>
-          </a:fontRef>
-        </p:style>
-      </p:cxnSp>
-      <p:cxnSp>
-        <p:nvCxnSpPr>
-          <p:cNvPr id="14" name="Straight Arrow Connector 13"/>
-          <p:cNvCxnSpPr/>
-          <p:nvPr/>
-        </p:nvCxnSpPr>
-        <p:spPr>
-          <a:xfrm>
-            <a:off x="7124805" y="5688817"/>
-            <a:ext cx="116760" cy="170029"/>
-          </a:xfrm>
-          <a:prstGeom prst="straightConnector1">
-            <a:avLst/>
-          </a:prstGeom>
-          <a:ln>
-            <a:tailEnd type="triangle"/>
-          </a:ln>
-        </p:spPr>
-        <p:style>
-          <a:lnRef idx="1">
-            <a:schemeClr val="accent1"/>
-          </a:lnRef>
-          <a:fillRef idx="0">
-            <a:schemeClr val="accent1"/>
-          </a:fillRef>
-          <a:effectRef idx="0">
-            <a:schemeClr val="accent1"/>
-          </a:effectRef>
-          <a:fontRef idx="minor">
-            <a:schemeClr val="tx1"/>
-          </a:fontRef>
-        </p:style>
-      </p:cxnSp>
-      <p:cxnSp>
-        <p:nvCxnSpPr>
-          <p:cNvPr id="15" name="Straight Arrow Connector 14"/>
-          <p:cNvCxnSpPr/>
-          <p:nvPr/>
-        </p:nvCxnSpPr>
-        <p:spPr>
-          <a:xfrm>
-            <a:off x="7120710" y="5662183"/>
-            <a:ext cx="517586" cy="180973"/>
-          </a:xfrm>
-          <a:prstGeom prst="straightConnector1">
-            <a:avLst/>
-          </a:prstGeom>
-          <a:ln>
-            <a:tailEnd type="triangle"/>
-          </a:ln>
-        </p:spPr>
-        <p:style>
-          <a:lnRef idx="1">
-            <a:schemeClr val="accent1"/>
-          </a:lnRef>
-          <a:fillRef idx="0">
-            <a:schemeClr val="accent1"/>
-          </a:fillRef>
-          <a:effectRef idx="0">
-            <a:schemeClr val="accent1"/>
-          </a:effectRef>
-          <a:fontRef idx="minor">
-            <a:schemeClr val="tx1"/>
-          </a:fontRef>
-        </p:style>
-      </p:cxnSp>
-      <p:cxnSp>
-        <p:nvCxnSpPr>
-          <p:cNvPr id="16" name="Straight Arrow Connector 15"/>
-          <p:cNvCxnSpPr/>
-          <p:nvPr/>
-        </p:nvCxnSpPr>
-        <p:spPr>
-          <a:xfrm>
-            <a:off x="7108103" y="5662183"/>
-            <a:ext cx="967724" cy="163388"/>
-          </a:xfrm>
-          <a:prstGeom prst="straightConnector1">
-            <a:avLst/>
-          </a:prstGeom>
-          <a:ln>
-            <a:tailEnd type="triangle"/>
-          </a:ln>
-        </p:spPr>
-        <p:style>
-          <a:lnRef idx="1">
-            <a:schemeClr val="accent1"/>
-          </a:lnRef>
-          <a:fillRef idx="0">
-            <a:schemeClr val="accent1"/>
-          </a:fillRef>
-          <a:effectRef idx="0">
-            <a:schemeClr val="accent1"/>
-          </a:effectRef>
-          <a:fontRef idx="minor">
-            <a:schemeClr val="tx1"/>
-          </a:fontRef>
-        </p:style>
-      </p:cxnSp>
-      <p:cxnSp>
-        <p:nvCxnSpPr>
-          <p:cNvPr id="18" name="Straight Arrow Connector 17"/>
-          <p:cNvCxnSpPr/>
-          <p:nvPr/>
-        </p:nvCxnSpPr>
-        <p:spPr>
-          <a:xfrm flipH="1">
-            <a:off x="7025614" y="5986820"/>
-            <a:ext cx="152372" cy="0"/>
-          </a:xfrm>
-          <a:prstGeom prst="straightConnector1">
-            <a:avLst/>
-          </a:prstGeom>
-          <a:ln>
-            <a:tailEnd type="triangle"/>
-          </a:ln>
-        </p:spPr>
-        <p:style>
-          <a:lnRef idx="1">
-            <a:schemeClr val="accent1"/>
-          </a:lnRef>
-          <a:fillRef idx="0">
-            <a:schemeClr val="accent1"/>
-          </a:fillRef>
-          <a:effectRef idx="0">
-            <a:schemeClr val="accent1"/>
-          </a:effectRef>
-          <a:fontRef idx="minor">
-            <a:schemeClr val="tx1"/>
-          </a:fontRef>
-        </p:style>
-      </p:cxnSp>
-      <p:cxnSp>
-        <p:nvCxnSpPr>
-          <p:cNvPr id="19" name="Straight Arrow Connector 18"/>
-          <p:cNvCxnSpPr/>
-          <p:nvPr/>
-        </p:nvCxnSpPr>
-        <p:spPr>
-          <a:xfrm flipH="1">
-            <a:off x="7429334" y="5986820"/>
-            <a:ext cx="130725" cy="0"/>
-          </a:xfrm>
-          <a:prstGeom prst="straightConnector1">
-            <a:avLst/>
-          </a:prstGeom>
-          <a:ln>
-            <a:tailEnd type="triangle"/>
-          </a:ln>
-        </p:spPr>
-        <p:style>
-          <a:lnRef idx="1">
-            <a:schemeClr val="accent1"/>
-          </a:lnRef>
-          <a:fillRef idx="0">
-            <a:schemeClr val="accent1"/>
-          </a:fillRef>
-          <a:effectRef idx="0">
-            <a:schemeClr val="accent1"/>
-          </a:effectRef>
-          <a:fontRef idx="minor">
-            <a:schemeClr val="tx1"/>
-          </a:fontRef>
-        </p:style>
-      </p:cxnSp>
-      <p:cxnSp>
-        <p:nvCxnSpPr>
-          <p:cNvPr id="20" name="Straight Arrow Connector 19"/>
-          <p:cNvCxnSpPr/>
-          <p:nvPr/>
-        </p:nvCxnSpPr>
-        <p:spPr>
-          <a:xfrm flipH="1">
-            <a:off x="7833393" y="5986820"/>
-            <a:ext cx="125971" cy="0"/>
-          </a:xfrm>
-          <a:prstGeom prst="straightConnector1">
-            <a:avLst/>
-          </a:prstGeom>
-          <a:ln>
-            <a:tailEnd type="triangle"/>
-          </a:ln>
-        </p:spPr>
-        <p:style>
-          <a:lnRef idx="1">
-            <a:schemeClr val="accent1"/>
-          </a:lnRef>
-          <a:fillRef idx="0">
-            <a:schemeClr val="accent1"/>
-          </a:fillRef>
-          <a:effectRef idx="0">
-            <a:schemeClr val="accent1"/>
-          </a:effectRef>
-          <a:fontRef idx="minor">
-            <a:schemeClr val="tx1"/>
-          </a:fontRef>
-        </p:style>
-      </p:cxnSp>
-      <p:cxnSp>
-        <p:nvCxnSpPr>
-          <p:cNvPr id="21" name="Straight Arrow Connector 20"/>
-          <p:cNvCxnSpPr/>
-          <p:nvPr/>
-        </p:nvCxnSpPr>
-        <p:spPr>
-          <a:xfrm flipH="1" flipV="1">
-            <a:off x="6959402" y="6113584"/>
-            <a:ext cx="132426" cy="216927"/>
-          </a:xfrm>
-          <a:prstGeom prst="straightConnector1">
-            <a:avLst/>
-          </a:prstGeom>
-          <a:ln>
-            <a:tailEnd type="triangle"/>
-          </a:ln>
-        </p:spPr>
-        <p:style>
-          <a:lnRef idx="1">
-            <a:schemeClr val="accent1"/>
-          </a:lnRef>
-          <a:fillRef idx="0">
-            <a:schemeClr val="accent1"/>
-          </a:fillRef>
-          <a:effectRef idx="0">
-            <a:schemeClr val="accent1"/>
-          </a:effectRef>
-          <a:fontRef idx="minor">
-            <a:schemeClr val="tx1"/>
-          </a:fontRef>
-        </p:style>
-      </p:cxnSp>
-      <p:cxnSp>
-        <p:nvCxnSpPr>
-          <p:cNvPr id="22" name="Straight Arrow Connector 21"/>
-          <p:cNvCxnSpPr/>
-          <p:nvPr/>
-        </p:nvCxnSpPr>
-        <p:spPr>
-          <a:xfrm flipV="1">
-            <a:off x="7091827" y="6137726"/>
-            <a:ext cx="183877" cy="222892"/>
-          </a:xfrm>
-          <a:prstGeom prst="straightConnector1">
-            <a:avLst/>
-          </a:prstGeom>
-          <a:ln>
-            <a:tailEnd type="triangle"/>
-          </a:ln>
-        </p:spPr>
-        <p:style>
-          <a:lnRef idx="1">
-            <a:schemeClr val="accent1"/>
-          </a:lnRef>
-          <a:fillRef idx="0">
-            <a:schemeClr val="accent1"/>
-          </a:fillRef>
-          <a:effectRef idx="0">
-            <a:schemeClr val="accent1"/>
-          </a:effectRef>
-          <a:fontRef idx="minor">
-            <a:schemeClr val="tx1"/>
-          </a:fontRef>
-        </p:style>
-      </p:cxnSp>
-      <p:cxnSp>
-        <p:nvCxnSpPr>
-          <p:cNvPr id="23" name="Straight Arrow Connector 22"/>
-          <p:cNvCxnSpPr/>
-          <p:nvPr/>
-        </p:nvCxnSpPr>
-        <p:spPr>
-          <a:xfrm flipV="1">
-            <a:off x="7101800" y="6137726"/>
-            <a:ext cx="584626" cy="222892"/>
-          </a:xfrm>
-          <a:prstGeom prst="straightConnector1">
-            <a:avLst/>
-          </a:prstGeom>
-          <a:ln>
-            <a:tailEnd type="triangle"/>
-          </a:ln>
-        </p:spPr>
-        <p:style>
-          <a:lnRef idx="1">
-            <a:schemeClr val="accent1"/>
-          </a:lnRef>
-          <a:fillRef idx="0">
-            <a:schemeClr val="accent1"/>
-          </a:fillRef>
-          <a:effectRef idx="0">
-            <a:schemeClr val="accent1"/>
-          </a:effectRef>
-          <a:fontRef idx="minor">
-            <a:schemeClr val="tx1"/>
-          </a:fontRef>
-        </p:style>
-      </p:cxnSp>
-      <p:cxnSp>
-        <p:nvCxnSpPr>
-          <p:cNvPr id="24" name="Straight Arrow Connector 23"/>
-          <p:cNvCxnSpPr/>
-          <p:nvPr/>
-        </p:nvCxnSpPr>
-        <p:spPr>
-          <a:xfrm flipV="1">
-            <a:off x="7091827" y="6137726"/>
-            <a:ext cx="984001" cy="222892"/>
-          </a:xfrm>
-          <a:prstGeom prst="straightConnector1">
-            <a:avLst/>
-          </a:prstGeom>
-          <a:ln>
-            <a:tailEnd type="triangle"/>
-          </a:ln>
-        </p:spPr>
-        <p:style>
-          <a:lnRef idx="1">
-            <a:schemeClr val="accent1"/>
-          </a:lnRef>
-          <a:fillRef idx="0">
-            <a:schemeClr val="accent1"/>
-          </a:fillRef>
-          <a:effectRef idx="0">
-            <a:schemeClr val="accent1"/>
-          </a:effectRef>
-          <a:fontRef idx="minor">
-            <a:schemeClr val="tx1"/>
-          </a:fontRef>
-        </p:style>
-      </p:cxnSp>
-      <p:sp>
-        <p:nvSpPr>
-          <p:cNvPr id="25" name="Rectangle 24"/>
-          <p:cNvSpPr/>
-          <p:nvPr/>
-        </p:nvSpPr>
-        <p:spPr>
-          <a:xfrm>
-            <a:off x="6980944" y="5565526"/>
-            <a:ext cx="254319" cy="193314"/>
-          </a:xfrm>
-          <a:prstGeom prst="rect">
-            <a:avLst/>
-          </a:prstGeom>
-          <a:solidFill>
-            <a:schemeClr val="accent3">
-              <a:lumMod val="40000"/>
-              <a:lumOff val="60000"/>
-            </a:schemeClr>
-          </a:solidFill>
-        </p:spPr>
-        <p:style>
-          <a:lnRef idx="2">
-            <a:schemeClr val="accent1">
-              <a:shade val="50000"/>
-            </a:schemeClr>
-          </a:lnRef>
-          <a:fillRef idx="1">
-            <a:schemeClr val="accent1"/>
-          </a:fillRef>
-          <a:effectRef idx="0">
-            <a:schemeClr val="accent1"/>
-          </a:effectRef>
-          <a:fontRef idx="minor">
-            <a:schemeClr val="lt1"/>
-          </a:fontRef>
-        </p:style>
-        <p:txBody>
-          <a:bodyPr rtlCol="0" anchor="ctr"/>
-          <a:lstStyle/>
-          <a:p>
-            <a:pPr algn="ctr"/>
-            <a:endParaRPr lang="en-US" dirty="0">
-              <a:solidFill>
-                <a:schemeClr val="tx1"/>
-              </a:solidFill>
-            </a:endParaRPr>
-          </a:p>
-        </p:txBody>
-      </p:sp>
-      <p:sp>
-        <p:nvSpPr>
-          <p:cNvPr id="28" name="Rectangle 27"/>
-          <p:cNvSpPr/>
-          <p:nvPr/>
-        </p:nvSpPr>
-        <p:spPr>
-          <a:xfrm>
-            <a:off x="6974641" y="6233855"/>
-            <a:ext cx="254319" cy="193314"/>
-          </a:xfrm>
-          <a:prstGeom prst="rect">
-            <a:avLst/>
-          </a:prstGeom>
-          <a:solidFill>
-            <a:schemeClr val="accent3">
-              <a:lumMod val="40000"/>
-              <a:lumOff val="60000"/>
-            </a:schemeClr>
-          </a:solidFill>
-        </p:spPr>
-        <p:style>
-          <a:lnRef idx="2">
-            <a:schemeClr val="accent1">
-              <a:shade val="50000"/>
-            </a:schemeClr>
-          </a:lnRef>
-          <a:fillRef idx="1">
-            <a:schemeClr val="accent1"/>
-          </a:fillRef>
-          <a:effectRef idx="0">
-            <a:schemeClr val="accent1"/>
-          </a:effectRef>
-          <a:fontRef idx="minor">
-            <a:schemeClr val="lt1"/>
-          </a:fontRef>
-        </p:style>
-        <p:txBody>
-          <a:bodyPr rtlCol="0" anchor="ctr"/>
-          <a:lstStyle/>
-          <a:p>
-            <a:pPr algn="ctr"/>
-            <a:endParaRPr lang="en-US" dirty="0">
-              <a:solidFill>
-                <a:schemeClr val="tx1"/>
-              </a:solidFill>
-            </a:endParaRPr>
-          </a:p>
-        </p:txBody>
-      </p:sp>
-      <p:cxnSp>
-        <p:nvCxnSpPr>
-          <p:cNvPr id="33" name="Straight Arrow Connector 32"/>
-          <p:cNvCxnSpPr>
-            <a:stCxn id="7" idx="4"/>
-          </p:cNvCxnSpPr>
-          <p:nvPr/>
-        </p:nvCxnSpPr>
-        <p:spPr>
-          <a:xfrm>
-            <a:off x="6892175" y="6113585"/>
-            <a:ext cx="67227" cy="108463"/>
-          </a:xfrm>
-          <a:prstGeom prst="straightConnector1">
-            <a:avLst/>
-          </a:prstGeom>
-          <a:ln>
-            <a:tailEnd type="triangle"/>
-          </a:ln>
-        </p:spPr>
-        <p:style>
-          <a:lnRef idx="1">
-            <a:schemeClr val="accent1"/>
-          </a:lnRef>
-          <a:fillRef idx="0">
-            <a:schemeClr val="accent1"/>
-          </a:fillRef>
-          <a:effectRef idx="0">
-            <a:schemeClr val="accent1"/>
-          </a:effectRef>
-          <a:fontRef idx="minor">
-            <a:schemeClr val="tx1"/>
-          </a:fontRef>
-        </p:style>
-      </p:cxnSp>
-      <p:cxnSp>
-        <p:nvCxnSpPr>
-          <p:cNvPr id="34" name="Straight Arrow Connector 33"/>
-          <p:cNvCxnSpPr/>
-          <p:nvPr/>
-        </p:nvCxnSpPr>
-        <p:spPr>
-          <a:xfrm flipV="1">
-            <a:off x="6892174" y="5201152"/>
-            <a:ext cx="179414" cy="642004"/>
-          </a:xfrm>
-          <a:prstGeom prst="straightConnector1">
-            <a:avLst/>
-          </a:prstGeom>
-          <a:ln>
-            <a:tailEnd type="triangle"/>
-          </a:ln>
-        </p:spPr>
-        <p:style>
-          <a:lnRef idx="1">
-            <a:schemeClr val="accent1"/>
-          </a:lnRef>
-          <a:fillRef idx="0">
-            <a:schemeClr val="accent1"/>
-          </a:fillRef>
-          <a:effectRef idx="0">
-            <a:schemeClr val="accent1"/>
-          </a:effectRef>
-          <a:fontRef idx="minor">
-            <a:schemeClr val="tx1"/>
-          </a:fontRef>
-        </p:style>
-      </p:cxnSp>
-      <p:sp>
-        <p:nvSpPr>
-          <p:cNvPr id="61" name="Oval 60"/>
-          <p:cNvSpPr/>
-          <p:nvPr/>
-        </p:nvSpPr>
-        <p:spPr>
-          <a:xfrm>
-            <a:off x="6510845" y="5234038"/>
-            <a:ext cx="190145" cy="253527"/>
-          </a:xfrm>
-          <a:prstGeom prst="ellipse">
-            <a:avLst/>
-          </a:prstGeom>
-          <a:solidFill>
-            <a:srgbClr val="FF0000"/>
-          </a:solidFill>
-        </p:spPr>
-        <p:style>
-          <a:lnRef idx="2">
-            <a:schemeClr val="accent1">
-              <a:shade val="50000"/>
-            </a:schemeClr>
-          </a:lnRef>
-          <a:fillRef idx="1">
-            <a:schemeClr val="accent1"/>
-          </a:fillRef>
-          <a:effectRef idx="0">
-            <a:schemeClr val="accent1"/>
-          </a:effectRef>
-          <a:fontRef idx="minor">
-            <a:schemeClr val="lt1"/>
-          </a:fontRef>
-        </p:style>
-        <p:txBody>
-          <a:bodyPr rtlCol="0" anchor="ctr"/>
-          <a:lstStyle/>
-          <a:p>
-            <a:pPr algn="ctr"/>
-            <a:endParaRPr lang="en-US" dirty="0"/>
-          </a:p>
-        </p:txBody>
-      </p:sp>
-      <p:sp>
-        <p:nvSpPr>
-          <p:cNvPr id="62" name="Oval 61"/>
-          <p:cNvSpPr/>
-          <p:nvPr/>
-        </p:nvSpPr>
-        <p:spPr>
-          <a:xfrm>
-            <a:off x="6260884" y="5234038"/>
-            <a:ext cx="190145" cy="253527"/>
-          </a:xfrm>
-          <a:prstGeom prst="ellipse">
-            <a:avLst/>
-          </a:prstGeom>
-          <a:solidFill>
-            <a:srgbClr val="FF0000"/>
-          </a:solidFill>
-        </p:spPr>
-        <p:style>
-          <a:lnRef idx="2">
-            <a:schemeClr val="accent1">
-              <a:shade val="50000"/>
-            </a:schemeClr>
-          </a:lnRef>
-          <a:fillRef idx="1">
-            <a:schemeClr val="accent1"/>
-          </a:fillRef>
-          <a:effectRef idx="0">
-            <a:schemeClr val="accent1"/>
-          </a:effectRef>
-          <a:fontRef idx="minor">
-            <a:schemeClr val="lt1"/>
-          </a:fontRef>
-        </p:style>
-        <p:txBody>
-          <a:bodyPr rtlCol="0" anchor="ctr"/>
-          <a:lstStyle/>
-          <a:p>
-            <a:pPr algn="ctr"/>
-            <a:endParaRPr lang="en-US" dirty="0"/>
-          </a:p>
-        </p:txBody>
-      </p:sp>
-      <p:sp>
-        <p:nvSpPr>
-          <p:cNvPr id="63" name="Oval 62"/>
-          <p:cNvSpPr/>
-          <p:nvPr/>
-        </p:nvSpPr>
-        <p:spPr>
-          <a:xfrm>
-            <a:off x="6005557" y="5229656"/>
-            <a:ext cx="190145" cy="253527"/>
-          </a:xfrm>
-          <a:prstGeom prst="ellipse">
-            <a:avLst/>
-          </a:prstGeom>
-          <a:solidFill>
-            <a:srgbClr val="FF0000"/>
-          </a:solidFill>
-        </p:spPr>
-        <p:style>
-          <a:lnRef idx="2">
-            <a:schemeClr val="accent1">
-              <a:shade val="50000"/>
-            </a:schemeClr>
-          </a:lnRef>
-          <a:fillRef idx="1">
-            <a:schemeClr val="accent1"/>
-          </a:fillRef>
-          <a:effectRef idx="0">
-            <a:schemeClr val="accent1"/>
-          </a:effectRef>
-          <a:fontRef idx="minor">
-            <a:schemeClr val="lt1"/>
-          </a:fontRef>
-        </p:style>
-        <p:txBody>
-          <a:bodyPr rtlCol="0" anchor="ctr"/>
-          <a:lstStyle/>
-          <a:p>
-            <a:pPr algn="ctr"/>
-            <a:endParaRPr lang="en-US" dirty="0"/>
-          </a:p>
-        </p:txBody>
-      </p:sp>
-      <p:cxnSp>
-        <p:nvCxnSpPr>
-          <p:cNvPr id="68" name="Straight Arrow Connector 67"/>
-          <p:cNvCxnSpPr>
-            <a:stCxn id="63" idx="6"/>
-            <a:endCxn id="62" idx="2"/>
-          </p:cNvCxnSpPr>
-          <p:nvPr/>
-        </p:nvCxnSpPr>
-        <p:spPr>
-          <a:xfrm>
-            <a:off x="6195702" y="5356420"/>
-            <a:ext cx="65182" cy="4381"/>
-          </a:xfrm>
-          <a:prstGeom prst="straightConnector1">
-            <a:avLst/>
-          </a:prstGeom>
-          <a:ln>
-            <a:tailEnd type="triangle"/>
-          </a:ln>
-        </p:spPr>
-        <p:style>
-          <a:lnRef idx="1">
-            <a:schemeClr val="accent1"/>
-          </a:lnRef>
-          <a:fillRef idx="0">
-            <a:schemeClr val="accent1"/>
-          </a:fillRef>
-          <a:effectRef idx="0">
-            <a:schemeClr val="accent1"/>
-          </a:effectRef>
-          <a:fontRef idx="minor">
-            <a:schemeClr val="tx1"/>
-          </a:fontRef>
-        </p:style>
-      </p:cxnSp>
-      <p:cxnSp>
-        <p:nvCxnSpPr>
-          <p:cNvPr id="70" name="Straight Arrow Connector 69"/>
-          <p:cNvCxnSpPr>
-            <a:stCxn id="62" idx="6"/>
-            <a:endCxn id="61" idx="2"/>
-          </p:cNvCxnSpPr>
-          <p:nvPr/>
-        </p:nvCxnSpPr>
-        <p:spPr>
-          <a:xfrm>
-            <a:off x="6451029" y="5360801"/>
-            <a:ext cx="59816" cy="1"/>
-          </a:xfrm>
-          <a:prstGeom prst="straightConnector1">
-            <a:avLst/>
-          </a:prstGeom>
-          <a:ln>
-            <a:tailEnd type="triangle"/>
-          </a:ln>
-        </p:spPr>
-        <p:style>
-          <a:lnRef idx="1">
-            <a:schemeClr val="accent1"/>
-          </a:lnRef>
-          <a:fillRef idx="0">
-            <a:schemeClr val="accent1"/>
-          </a:fillRef>
-          <a:effectRef idx="0">
-            <a:schemeClr val="accent1"/>
-          </a:effectRef>
-          <a:fontRef idx="minor">
-            <a:schemeClr val="tx1"/>
-          </a:fontRef>
-        </p:style>
-      </p:cxnSp>
-      <p:cxnSp>
-        <p:nvCxnSpPr>
-          <p:cNvPr id="72" name="Straight Arrow Connector 71"/>
-          <p:cNvCxnSpPr>
-            <a:stCxn id="61" idx="6"/>
-            <a:endCxn id="5" idx="2"/>
-          </p:cNvCxnSpPr>
-          <p:nvPr/>
-        </p:nvCxnSpPr>
-        <p:spPr>
-          <a:xfrm flipV="1">
-            <a:off x="6700990" y="5358286"/>
-            <a:ext cx="96113" cy="2516"/>
-          </a:xfrm>
-          <a:prstGeom prst="straightConnector1">
-            <a:avLst/>
-          </a:prstGeom>
-          <a:ln>
-            <a:tailEnd type="triangle"/>
-          </a:ln>
-        </p:spPr>
-        <p:style>
-          <a:lnRef idx="1">
-            <a:schemeClr val="accent1"/>
-          </a:lnRef>
-          <a:fillRef idx="0">
-            <a:schemeClr val="accent1"/>
-          </a:fillRef>
-          <a:effectRef idx="0">
-            <a:schemeClr val="accent1"/>
-          </a:effectRef>
-          <a:fontRef idx="minor">
-            <a:schemeClr val="tx1"/>
-          </a:fontRef>
-        </p:style>
-      </p:cxnSp>
-      <p:sp>
-        <p:nvSpPr>
-          <p:cNvPr id="73" name="Oval 72"/>
-          <p:cNvSpPr/>
-          <p:nvPr/>
-        </p:nvSpPr>
-        <p:spPr>
-          <a:xfrm>
-            <a:off x="6512254" y="5860057"/>
-            <a:ext cx="190145" cy="253527"/>
-          </a:xfrm>
-          <a:prstGeom prst="ellipse">
-            <a:avLst/>
-          </a:prstGeom>
-          <a:solidFill>
-            <a:srgbClr val="FF0000"/>
-          </a:solidFill>
-        </p:spPr>
-        <p:style>
-          <a:lnRef idx="2">
-            <a:schemeClr val="accent1">
-              <a:shade val="50000"/>
-            </a:schemeClr>
-          </a:lnRef>
-          <a:fillRef idx="1">
-            <a:schemeClr val="accent1"/>
-          </a:fillRef>
-          <a:effectRef idx="0">
-            <a:schemeClr val="accent1"/>
-          </a:effectRef>
-          <a:fontRef idx="minor">
-            <a:schemeClr val="lt1"/>
-          </a:fontRef>
-        </p:style>
-        <p:txBody>
-          <a:bodyPr rtlCol="0" anchor="ctr"/>
-          <a:lstStyle/>
-          <a:p>
-            <a:pPr algn="ctr"/>
-            <a:endParaRPr lang="en-US" dirty="0"/>
-          </a:p>
-        </p:txBody>
-      </p:sp>
-      <p:sp>
-        <p:nvSpPr>
-          <p:cNvPr id="74" name="Oval 73"/>
-          <p:cNvSpPr/>
-          <p:nvPr/>
-        </p:nvSpPr>
-        <p:spPr>
-          <a:xfrm>
-            <a:off x="6262293" y="5860057"/>
-            <a:ext cx="190145" cy="253527"/>
-          </a:xfrm>
-          <a:prstGeom prst="ellipse">
-            <a:avLst/>
-          </a:prstGeom>
-          <a:solidFill>
-            <a:srgbClr val="FF0000"/>
-          </a:solidFill>
-        </p:spPr>
-        <p:style>
-          <a:lnRef idx="2">
-            <a:schemeClr val="accent1">
-              <a:shade val="50000"/>
-            </a:schemeClr>
-          </a:lnRef>
-          <a:fillRef idx="1">
-            <a:schemeClr val="accent1"/>
-          </a:fillRef>
-          <a:effectRef idx="0">
-            <a:schemeClr val="accent1"/>
-          </a:effectRef>
-          <a:fontRef idx="minor">
-            <a:schemeClr val="lt1"/>
-          </a:fontRef>
-        </p:style>
-        <p:txBody>
-          <a:bodyPr rtlCol="0" anchor="ctr"/>
-          <a:lstStyle/>
-          <a:p>
-            <a:pPr algn="ctr"/>
-            <a:endParaRPr lang="en-US" dirty="0"/>
-          </a:p>
-        </p:txBody>
-      </p:sp>
-      <p:sp>
-        <p:nvSpPr>
-          <p:cNvPr id="75" name="Oval 74"/>
-          <p:cNvSpPr/>
-          <p:nvPr/>
-        </p:nvSpPr>
-        <p:spPr>
-          <a:xfrm>
-            <a:off x="6006966" y="5855675"/>
-            <a:ext cx="190145" cy="253527"/>
-          </a:xfrm>
-          <a:prstGeom prst="ellipse">
-            <a:avLst/>
-          </a:prstGeom>
-          <a:solidFill>
-            <a:srgbClr val="FF0000"/>
-          </a:solidFill>
-        </p:spPr>
-        <p:style>
-          <a:lnRef idx="2">
-            <a:schemeClr val="accent1">
-              <a:shade val="50000"/>
-            </a:schemeClr>
-          </a:lnRef>
-          <a:fillRef idx="1">
-            <a:schemeClr val="accent1"/>
-          </a:fillRef>
-          <a:effectRef idx="0">
-            <a:schemeClr val="accent1"/>
-          </a:effectRef>
-          <a:fontRef idx="minor">
-            <a:schemeClr val="lt1"/>
-          </a:fontRef>
-        </p:style>
-        <p:txBody>
-          <a:bodyPr rtlCol="0" anchor="ctr"/>
-          <a:lstStyle/>
-          <a:p>
-            <a:pPr algn="ctr"/>
-            <a:endParaRPr lang="en-US" dirty="0"/>
-          </a:p>
-        </p:txBody>
-      </p:sp>
-      <p:cxnSp>
-        <p:nvCxnSpPr>
-          <p:cNvPr id="76" name="Straight Arrow Connector 75"/>
-          <p:cNvCxnSpPr>
-            <a:stCxn id="75" idx="6"/>
-            <a:endCxn id="74" idx="2"/>
-          </p:cNvCxnSpPr>
-          <p:nvPr/>
-        </p:nvCxnSpPr>
-        <p:spPr>
-          <a:xfrm>
-            <a:off x="6197111" y="5982439"/>
-            <a:ext cx="65182" cy="4381"/>
-          </a:xfrm>
-          <a:prstGeom prst="straightConnector1">
-            <a:avLst/>
-          </a:prstGeom>
-          <a:ln>
-            <a:tailEnd type="triangle"/>
-          </a:ln>
-        </p:spPr>
-        <p:style>
-          <a:lnRef idx="1">
-            <a:schemeClr val="accent1"/>
-          </a:lnRef>
-          <a:fillRef idx="0">
-            <a:schemeClr val="accent1"/>
-          </a:fillRef>
-          <a:effectRef idx="0">
-            <a:schemeClr val="accent1"/>
-          </a:effectRef>
-          <a:fontRef idx="minor">
-            <a:schemeClr val="tx1"/>
-          </a:fontRef>
-        </p:style>
-      </p:cxnSp>
-      <p:cxnSp>
-        <p:nvCxnSpPr>
-          <p:cNvPr id="77" name="Straight Arrow Connector 76"/>
-          <p:cNvCxnSpPr>
-            <a:stCxn id="74" idx="6"/>
-            <a:endCxn id="73" idx="2"/>
-          </p:cNvCxnSpPr>
-          <p:nvPr/>
-        </p:nvCxnSpPr>
-        <p:spPr>
-          <a:xfrm>
-            <a:off x="6452438" y="5986820"/>
-            <a:ext cx="59816" cy="1"/>
-          </a:xfrm>
-          <a:prstGeom prst="straightConnector1">
-            <a:avLst/>
-          </a:prstGeom>
-          <a:ln>
-            <a:tailEnd type="triangle"/>
-          </a:ln>
-        </p:spPr>
-        <p:style>
-          <a:lnRef idx="1">
-            <a:schemeClr val="accent1"/>
-          </a:lnRef>
-          <a:fillRef idx="0">
-            <a:schemeClr val="accent1"/>
-          </a:fillRef>
-          <a:effectRef idx="0">
-            <a:schemeClr val="accent1"/>
-          </a:effectRef>
-          <a:fontRef idx="minor">
-            <a:schemeClr val="tx1"/>
-          </a:fontRef>
-        </p:style>
-      </p:cxnSp>
-      <p:cxnSp>
-        <p:nvCxnSpPr>
-          <p:cNvPr id="78" name="Straight Arrow Connector 77"/>
-          <p:cNvCxnSpPr>
-            <a:stCxn id="73" idx="6"/>
-          </p:cNvCxnSpPr>
-          <p:nvPr/>
-        </p:nvCxnSpPr>
-        <p:spPr>
-          <a:xfrm flipV="1">
-            <a:off x="6702399" y="5984305"/>
-            <a:ext cx="96113" cy="2516"/>
-          </a:xfrm>
-          <a:prstGeom prst="straightConnector1">
-            <a:avLst/>
-          </a:prstGeom>
-          <a:ln>
-            <a:tailEnd type="triangle"/>
-          </a:ln>
-        </p:spPr>
-        <p:style>
-          <a:lnRef idx="1">
-            <a:schemeClr val="accent1"/>
-          </a:lnRef>
-          <a:fillRef idx="0">
-            <a:schemeClr val="accent1"/>
-          </a:fillRef>
-          <a:effectRef idx="0">
-            <a:schemeClr val="accent1"/>
-          </a:effectRef>
-          <a:fontRef idx="minor">
-            <a:schemeClr val="tx1"/>
-          </a:fontRef>
-        </p:style>
-      </p:cxnSp>
-      <p:cxnSp>
-        <p:nvCxnSpPr>
-          <p:cNvPr id="80" name="Straight Arrow Connector 79"/>
-          <p:cNvCxnSpPr>
-            <a:stCxn id="27" idx="3"/>
-            <a:endCxn id="63" idx="2"/>
-          </p:cNvCxnSpPr>
-          <p:nvPr/>
-        </p:nvCxnSpPr>
-        <p:spPr>
-          <a:xfrm>
-            <a:off x="5899159" y="5341766"/>
-            <a:ext cx="106398" cy="14654"/>
-          </a:xfrm>
-          <a:prstGeom prst="straightConnector1">
-            <a:avLst/>
-          </a:prstGeom>
-          <a:ln>
-            <a:tailEnd type="triangle"/>
-          </a:ln>
-        </p:spPr>
-        <p:style>
-          <a:lnRef idx="1">
-            <a:schemeClr val="accent1"/>
-          </a:lnRef>
-          <a:fillRef idx="0">
-            <a:schemeClr val="accent1"/>
-          </a:fillRef>
-          <a:effectRef idx="0">
-            <a:schemeClr val="accent1"/>
-          </a:effectRef>
-          <a:fontRef idx="minor">
-            <a:schemeClr val="tx1"/>
-          </a:fontRef>
-        </p:style>
-      </p:cxnSp>
-      <p:cxnSp>
-        <p:nvCxnSpPr>
           <p:cNvPr id="125" name="Straight Arrow Connector 124"/>
           <p:cNvCxnSpPr/>
           <p:nvPr/>
@@ -14154,47 +12607,1625 @@
           </a:p>
         </p:txBody>
       </p:sp>
-      <p:sp>
-        <p:nvSpPr>
-          <p:cNvPr id="213" name="Rectangle 212"/>
-          <p:cNvSpPr/>
-          <p:nvPr/>
-        </p:nvSpPr>
-        <p:spPr>
+      <p:grpSp>
+        <p:nvGrpSpPr>
+          <p:cNvPr id="3" name="Group 2"/>
+          <p:cNvGrpSpPr/>
+          <p:nvPr/>
+        </p:nvGrpSpPr>
+        <p:grpSpPr>
           <a:xfrm>
             <a:off x="5638625" y="4944192"/>
             <a:ext cx="2649634" cy="1616954"/>
-          </a:xfrm>
-          <a:prstGeom prst="rect">
-            <a:avLst/>
-          </a:prstGeom>
-          <a:noFill/>
-        </p:spPr>
-        <p:style>
-          <a:lnRef idx="2">
-            <a:schemeClr val="accent1">
-              <a:shade val="50000"/>
-            </a:schemeClr>
-          </a:lnRef>
-          <a:fillRef idx="1">
-            <a:schemeClr val="accent1"/>
-          </a:fillRef>
-          <a:effectRef idx="0">
-            <a:schemeClr val="accent1"/>
-          </a:effectRef>
-          <a:fontRef idx="minor">
-            <a:schemeClr val="lt1"/>
-          </a:fontRef>
-        </p:style>
-        <p:txBody>
-          <a:bodyPr rtlCol="0" anchor="ctr"/>
-          <a:lstStyle/>
-          <a:p>
-            <a:pPr algn="ctr"/>
-            <a:endParaRPr lang="en-US"/>
-          </a:p>
-        </p:txBody>
-      </p:sp>
+            <a:chOff x="5638625" y="4944192"/>
+            <a:chExt cx="2649634" cy="1616954"/>
+          </a:xfrm>
+        </p:grpSpPr>
+        <p:cxnSp>
+          <p:nvCxnSpPr>
+            <p:cNvPr id="17" name="Straight Arrow Connector 16"/>
+            <p:cNvCxnSpPr/>
+            <p:nvPr/>
+          </p:nvCxnSpPr>
+          <p:spPr>
+            <a:xfrm flipH="1">
+              <a:off x="7025614" y="5358285"/>
+              <a:ext cx="152372" cy="0"/>
+            </a:xfrm>
+            <a:prstGeom prst="straightConnector1">
+              <a:avLst/>
+            </a:prstGeom>
+            <a:ln>
+              <a:tailEnd type="triangle"/>
+            </a:ln>
+          </p:spPr>
+          <p:style>
+            <a:lnRef idx="1">
+              <a:schemeClr val="accent1"/>
+            </a:lnRef>
+            <a:fillRef idx="0">
+              <a:schemeClr val="accent1"/>
+            </a:fillRef>
+            <a:effectRef idx="0">
+              <a:schemeClr val="accent1"/>
+            </a:effectRef>
+            <a:fontRef idx="minor">
+              <a:schemeClr val="tx1"/>
+            </a:fontRef>
+          </p:style>
+        </p:cxnSp>
+        <p:sp>
+          <p:nvSpPr>
+            <p:cNvPr id="26" name="Rectangle 25"/>
+            <p:cNvSpPr/>
+            <p:nvPr/>
+          </p:nvSpPr>
+          <p:spPr>
+            <a:xfrm>
+              <a:off x="6987247" y="4947361"/>
+              <a:ext cx="254319" cy="193314"/>
+            </a:xfrm>
+            <a:prstGeom prst="rect">
+              <a:avLst/>
+            </a:prstGeom>
+            <a:solidFill>
+              <a:schemeClr val="accent3">
+                <a:lumMod val="40000"/>
+                <a:lumOff val="60000"/>
+              </a:schemeClr>
+            </a:solidFill>
+          </p:spPr>
+          <p:style>
+            <a:lnRef idx="2">
+              <a:schemeClr val="accent1">
+                <a:shade val="50000"/>
+              </a:schemeClr>
+            </a:lnRef>
+            <a:fillRef idx="1">
+              <a:schemeClr val="accent1"/>
+            </a:fillRef>
+            <a:effectRef idx="0">
+              <a:schemeClr val="accent1"/>
+            </a:effectRef>
+            <a:fontRef idx="minor">
+              <a:schemeClr val="lt1"/>
+            </a:fontRef>
+          </p:style>
+          <p:txBody>
+            <a:bodyPr rtlCol="0" anchor="ctr"/>
+            <a:lstStyle/>
+            <a:p>
+              <a:pPr algn="ctr"/>
+              <a:endParaRPr lang="en-US" dirty="0">
+                <a:solidFill>
+                  <a:schemeClr val="tx1"/>
+                </a:solidFill>
+              </a:endParaRPr>
+            </a:p>
+          </p:txBody>
+        </p:sp>
+        <p:sp>
+          <p:nvSpPr>
+            <p:cNvPr id="27" name="Rectangle 26"/>
+            <p:cNvSpPr/>
+            <p:nvPr/>
+          </p:nvSpPr>
+          <p:spPr>
+            <a:xfrm>
+              <a:off x="5644840" y="5245108"/>
+              <a:ext cx="254319" cy="193314"/>
+            </a:xfrm>
+            <a:prstGeom prst="rect">
+              <a:avLst/>
+            </a:prstGeom>
+            <a:solidFill>
+              <a:schemeClr val="accent3">
+                <a:lumMod val="40000"/>
+                <a:lumOff val="60000"/>
+              </a:schemeClr>
+            </a:solidFill>
+          </p:spPr>
+          <p:style>
+            <a:lnRef idx="2">
+              <a:schemeClr val="accent1">
+                <a:shade val="50000"/>
+              </a:schemeClr>
+            </a:lnRef>
+            <a:fillRef idx="1">
+              <a:schemeClr val="accent1"/>
+            </a:fillRef>
+            <a:effectRef idx="0">
+              <a:schemeClr val="accent1"/>
+            </a:effectRef>
+            <a:fontRef idx="minor">
+              <a:schemeClr val="lt1"/>
+            </a:fontRef>
+          </p:style>
+          <p:txBody>
+            <a:bodyPr rtlCol="0" anchor="ctr"/>
+            <a:lstStyle/>
+            <a:p>
+              <a:pPr algn="ctr"/>
+              <a:endParaRPr lang="en-US" dirty="0">
+                <a:solidFill>
+                  <a:schemeClr val="tx1"/>
+                </a:solidFill>
+              </a:endParaRPr>
+            </a:p>
+          </p:txBody>
+        </p:sp>
+        <p:cxnSp>
+          <p:nvCxnSpPr>
+            <p:cNvPr id="29" name="Straight Arrow Connector 28"/>
+            <p:cNvCxnSpPr/>
+            <p:nvPr/>
+          </p:nvCxnSpPr>
+          <p:spPr>
+            <a:xfrm flipV="1">
+              <a:off x="6892174" y="5044018"/>
+              <a:ext cx="95072" cy="187504"/>
+            </a:xfrm>
+            <a:prstGeom prst="straightConnector1">
+              <a:avLst/>
+            </a:prstGeom>
+            <a:ln>
+              <a:tailEnd type="triangle"/>
+            </a:ln>
+          </p:spPr>
+          <p:style>
+            <a:lnRef idx="1">
+              <a:schemeClr val="accent1"/>
+            </a:lnRef>
+            <a:fillRef idx="0">
+              <a:schemeClr val="accent1"/>
+            </a:fillRef>
+            <a:effectRef idx="0">
+              <a:schemeClr val="accent1"/>
+            </a:effectRef>
+            <a:fontRef idx="minor">
+              <a:schemeClr val="tx1"/>
+            </a:fontRef>
+          </p:style>
+        </p:cxnSp>
+        <p:cxnSp>
+          <p:nvCxnSpPr>
+            <p:cNvPr id="30" name="Straight Arrow Connector 29"/>
+            <p:cNvCxnSpPr>
+              <a:stCxn id="26" idx="2"/>
+            </p:cNvCxnSpPr>
+            <p:nvPr/>
+          </p:nvCxnSpPr>
+          <p:spPr>
+            <a:xfrm flipH="1">
+              <a:off x="6974640" y="5140675"/>
+              <a:ext cx="139766" cy="120953"/>
+            </a:xfrm>
+            <a:prstGeom prst="straightConnector1">
+              <a:avLst/>
+            </a:prstGeom>
+            <a:ln>
+              <a:tailEnd type="triangle"/>
+            </a:ln>
+          </p:spPr>
+          <p:style>
+            <a:lnRef idx="1">
+              <a:schemeClr val="accent1"/>
+            </a:lnRef>
+            <a:fillRef idx="0">
+              <a:schemeClr val="accent1"/>
+            </a:fillRef>
+            <a:effectRef idx="0">
+              <a:schemeClr val="accent1"/>
+            </a:effectRef>
+            <a:fontRef idx="minor">
+              <a:schemeClr val="tx1"/>
+            </a:fontRef>
+          </p:style>
+        </p:cxnSp>
+        <p:cxnSp>
+          <p:nvCxnSpPr>
+            <p:cNvPr id="31" name="Straight Arrow Connector 30"/>
+            <p:cNvCxnSpPr>
+              <a:stCxn id="26" idx="2"/>
+            </p:cNvCxnSpPr>
+            <p:nvPr/>
+          </p:nvCxnSpPr>
+          <p:spPr>
+            <a:xfrm>
+              <a:off x="7114407" y="5140675"/>
+              <a:ext cx="127159" cy="89636"/>
+            </a:xfrm>
+            <a:prstGeom prst="straightConnector1">
+              <a:avLst/>
+            </a:prstGeom>
+            <a:ln>
+              <a:tailEnd type="triangle"/>
+            </a:ln>
+          </p:spPr>
+          <p:style>
+            <a:lnRef idx="1">
+              <a:schemeClr val="accent1"/>
+            </a:lnRef>
+            <a:fillRef idx="0">
+              <a:schemeClr val="accent1"/>
+            </a:fillRef>
+            <a:effectRef idx="0">
+              <a:schemeClr val="accent1"/>
+            </a:effectRef>
+            <a:fontRef idx="minor">
+              <a:schemeClr val="tx1"/>
+            </a:fontRef>
+          </p:style>
+        </p:cxnSp>
+        <p:sp>
+          <p:nvSpPr>
+            <p:cNvPr id="5" name="Oval 4"/>
+            <p:cNvSpPr/>
+            <p:nvPr/>
+          </p:nvSpPr>
+          <p:spPr>
+            <a:xfrm>
+              <a:off x="6797102" y="5231522"/>
+              <a:ext cx="190145" cy="253527"/>
+            </a:xfrm>
+            <a:prstGeom prst="ellipse">
+              <a:avLst/>
+            </a:prstGeom>
+          </p:spPr>
+          <p:style>
+            <a:lnRef idx="2">
+              <a:schemeClr val="accent1">
+                <a:shade val="50000"/>
+              </a:schemeClr>
+            </a:lnRef>
+            <a:fillRef idx="1">
+              <a:schemeClr val="accent1"/>
+            </a:fillRef>
+            <a:effectRef idx="0">
+              <a:schemeClr val="accent1"/>
+            </a:effectRef>
+            <a:fontRef idx="minor">
+              <a:schemeClr val="lt1"/>
+            </a:fontRef>
+          </p:style>
+          <p:txBody>
+            <a:bodyPr rtlCol="0" anchor="ctr"/>
+            <a:lstStyle/>
+            <a:p>
+              <a:pPr algn="ctr"/>
+              <a:endParaRPr lang="en-US" dirty="0"/>
+            </a:p>
+          </p:txBody>
+        </p:sp>
+        <p:sp>
+          <p:nvSpPr>
+            <p:cNvPr id="6" name="Oval 5"/>
+            <p:cNvSpPr/>
+            <p:nvPr/>
+          </p:nvSpPr>
+          <p:spPr>
+            <a:xfrm>
+              <a:off x="7201953" y="5231522"/>
+              <a:ext cx="190145" cy="253527"/>
+            </a:xfrm>
+            <a:prstGeom prst="ellipse">
+              <a:avLst/>
+            </a:prstGeom>
+            <a:solidFill>
+              <a:srgbClr val="FFFF00"/>
+            </a:solidFill>
+          </p:spPr>
+          <p:style>
+            <a:lnRef idx="2">
+              <a:schemeClr val="accent1">
+                <a:shade val="50000"/>
+              </a:schemeClr>
+            </a:lnRef>
+            <a:fillRef idx="1">
+              <a:schemeClr val="accent1"/>
+            </a:fillRef>
+            <a:effectRef idx="0">
+              <a:schemeClr val="accent1"/>
+            </a:effectRef>
+            <a:fontRef idx="minor">
+              <a:schemeClr val="lt1"/>
+            </a:fontRef>
+          </p:style>
+          <p:txBody>
+            <a:bodyPr rtlCol="0" anchor="ctr"/>
+            <a:lstStyle/>
+            <a:p>
+              <a:pPr algn="ctr"/>
+              <a:endParaRPr lang="en-US" dirty="0"/>
+            </a:p>
+          </p:txBody>
+        </p:sp>
+        <p:sp>
+          <p:nvSpPr>
+            <p:cNvPr id="7" name="Oval 6"/>
+            <p:cNvSpPr/>
+            <p:nvPr/>
+          </p:nvSpPr>
+          <p:spPr>
+            <a:xfrm>
+              <a:off x="6797102" y="5860058"/>
+              <a:ext cx="190145" cy="253527"/>
+            </a:xfrm>
+            <a:prstGeom prst="ellipse">
+              <a:avLst/>
+            </a:prstGeom>
+          </p:spPr>
+          <p:style>
+            <a:lnRef idx="2">
+              <a:schemeClr val="accent1">
+                <a:shade val="50000"/>
+              </a:schemeClr>
+            </a:lnRef>
+            <a:fillRef idx="1">
+              <a:schemeClr val="accent1"/>
+            </a:fillRef>
+            <a:effectRef idx="0">
+              <a:schemeClr val="accent1"/>
+            </a:effectRef>
+            <a:fontRef idx="minor">
+              <a:schemeClr val="lt1"/>
+            </a:fontRef>
+          </p:style>
+          <p:txBody>
+            <a:bodyPr rtlCol="0" anchor="ctr"/>
+            <a:lstStyle/>
+            <a:p>
+              <a:pPr algn="ctr"/>
+              <a:endParaRPr lang="en-US" dirty="0"/>
+            </a:p>
+          </p:txBody>
+        </p:sp>
+        <p:sp>
+          <p:nvSpPr>
+            <p:cNvPr id="8" name="Oval 7"/>
+            <p:cNvSpPr/>
+            <p:nvPr/>
+          </p:nvSpPr>
+          <p:spPr>
+            <a:xfrm>
+              <a:off x="7201953" y="5860057"/>
+              <a:ext cx="190145" cy="253527"/>
+            </a:xfrm>
+            <a:prstGeom prst="ellipse">
+              <a:avLst/>
+            </a:prstGeom>
+            <a:solidFill>
+              <a:srgbClr val="FFFF00"/>
+            </a:solidFill>
+          </p:spPr>
+          <p:style>
+            <a:lnRef idx="2">
+              <a:schemeClr val="accent1">
+                <a:shade val="50000"/>
+              </a:schemeClr>
+            </a:lnRef>
+            <a:fillRef idx="1">
+              <a:schemeClr val="accent1"/>
+            </a:fillRef>
+            <a:effectRef idx="0">
+              <a:schemeClr val="accent1"/>
+            </a:effectRef>
+            <a:fontRef idx="minor">
+              <a:schemeClr val="lt1"/>
+            </a:fontRef>
+          </p:style>
+          <p:txBody>
+            <a:bodyPr rtlCol="0" anchor="ctr"/>
+            <a:lstStyle/>
+            <a:p>
+              <a:pPr algn="ctr"/>
+              <a:endParaRPr lang="en-US" dirty="0"/>
+            </a:p>
+          </p:txBody>
+        </p:sp>
+        <p:sp>
+          <p:nvSpPr>
+            <p:cNvPr id="9" name="Oval 8"/>
+            <p:cNvSpPr/>
+            <p:nvPr/>
+          </p:nvSpPr>
+          <p:spPr>
+            <a:xfrm>
+              <a:off x="7606803" y="5860057"/>
+              <a:ext cx="190145" cy="253527"/>
+            </a:xfrm>
+            <a:prstGeom prst="ellipse">
+              <a:avLst/>
+            </a:prstGeom>
+            <a:solidFill>
+              <a:srgbClr val="FFFF00"/>
+            </a:solidFill>
+          </p:spPr>
+          <p:style>
+            <a:lnRef idx="2">
+              <a:schemeClr val="accent1">
+                <a:shade val="50000"/>
+              </a:schemeClr>
+            </a:lnRef>
+            <a:fillRef idx="1">
+              <a:schemeClr val="accent1"/>
+            </a:fillRef>
+            <a:effectRef idx="0">
+              <a:schemeClr val="accent1"/>
+            </a:effectRef>
+            <a:fontRef idx="minor">
+              <a:schemeClr val="lt1"/>
+            </a:fontRef>
+          </p:style>
+          <p:txBody>
+            <a:bodyPr rtlCol="0" anchor="ctr"/>
+            <a:lstStyle/>
+            <a:p>
+              <a:pPr algn="ctr"/>
+              <a:endParaRPr lang="en-US" dirty="0"/>
+            </a:p>
+          </p:txBody>
+        </p:sp>
+        <p:sp>
+          <p:nvSpPr>
+            <p:cNvPr id="10" name="Oval 9"/>
+            <p:cNvSpPr/>
+            <p:nvPr/>
+          </p:nvSpPr>
+          <p:spPr>
+            <a:xfrm>
+              <a:off x="8011654" y="5860057"/>
+              <a:ext cx="190145" cy="253527"/>
+            </a:xfrm>
+            <a:prstGeom prst="ellipse">
+              <a:avLst/>
+            </a:prstGeom>
+            <a:solidFill>
+              <a:srgbClr val="FFFF00"/>
+            </a:solidFill>
+          </p:spPr>
+          <p:style>
+            <a:lnRef idx="2">
+              <a:schemeClr val="accent1">
+                <a:shade val="50000"/>
+              </a:schemeClr>
+            </a:lnRef>
+            <a:fillRef idx="1">
+              <a:schemeClr val="accent1"/>
+            </a:fillRef>
+            <a:effectRef idx="0">
+              <a:schemeClr val="accent1"/>
+            </a:effectRef>
+            <a:fontRef idx="minor">
+              <a:schemeClr val="lt1"/>
+            </a:fontRef>
+          </p:style>
+          <p:txBody>
+            <a:bodyPr rtlCol="0" anchor="ctr"/>
+            <a:lstStyle/>
+            <a:p>
+              <a:pPr algn="ctr"/>
+              <a:endParaRPr lang="en-US" dirty="0"/>
+            </a:p>
+          </p:txBody>
+        </p:sp>
+        <p:cxnSp>
+          <p:nvCxnSpPr>
+            <p:cNvPr id="12" name="Straight Arrow Connector 11"/>
+            <p:cNvCxnSpPr>
+              <a:stCxn id="5" idx="5"/>
+            </p:cNvCxnSpPr>
+            <p:nvPr/>
+          </p:nvCxnSpPr>
+          <p:spPr>
+            <a:xfrm>
+              <a:off x="6959402" y="5447921"/>
+              <a:ext cx="132426" cy="103679"/>
+            </a:xfrm>
+            <a:prstGeom prst="straightConnector1">
+              <a:avLst/>
+            </a:prstGeom>
+            <a:ln>
+              <a:tailEnd type="triangle"/>
+            </a:ln>
+          </p:spPr>
+          <p:style>
+            <a:lnRef idx="1">
+              <a:schemeClr val="accent1"/>
+            </a:lnRef>
+            <a:fillRef idx="0">
+              <a:schemeClr val="accent1"/>
+            </a:fillRef>
+            <a:effectRef idx="0">
+              <a:schemeClr val="accent1"/>
+            </a:effectRef>
+            <a:fontRef idx="minor">
+              <a:schemeClr val="tx1"/>
+            </a:fontRef>
+          </p:style>
+        </p:cxnSp>
+        <p:cxnSp>
+          <p:nvCxnSpPr>
+            <p:cNvPr id="13" name="Straight Arrow Connector 12"/>
+            <p:cNvCxnSpPr/>
+            <p:nvPr/>
+          </p:nvCxnSpPr>
+          <p:spPr>
+            <a:xfrm flipH="1">
+              <a:off x="6987247" y="5688817"/>
+              <a:ext cx="120856" cy="201875"/>
+            </a:xfrm>
+            <a:prstGeom prst="straightConnector1">
+              <a:avLst/>
+            </a:prstGeom>
+            <a:ln>
+              <a:tailEnd type="triangle"/>
+            </a:ln>
+          </p:spPr>
+          <p:style>
+            <a:lnRef idx="1">
+              <a:schemeClr val="accent1"/>
+            </a:lnRef>
+            <a:fillRef idx="0">
+              <a:schemeClr val="accent1"/>
+            </a:fillRef>
+            <a:effectRef idx="0">
+              <a:schemeClr val="accent1"/>
+            </a:effectRef>
+            <a:fontRef idx="minor">
+              <a:schemeClr val="tx1"/>
+            </a:fontRef>
+          </p:style>
+        </p:cxnSp>
+        <p:cxnSp>
+          <p:nvCxnSpPr>
+            <p:cNvPr id="14" name="Straight Arrow Connector 13"/>
+            <p:cNvCxnSpPr/>
+            <p:nvPr/>
+          </p:nvCxnSpPr>
+          <p:spPr>
+            <a:xfrm>
+              <a:off x="7124805" y="5688817"/>
+              <a:ext cx="116760" cy="170029"/>
+            </a:xfrm>
+            <a:prstGeom prst="straightConnector1">
+              <a:avLst/>
+            </a:prstGeom>
+            <a:ln>
+              <a:tailEnd type="triangle"/>
+            </a:ln>
+          </p:spPr>
+          <p:style>
+            <a:lnRef idx="1">
+              <a:schemeClr val="accent1"/>
+            </a:lnRef>
+            <a:fillRef idx="0">
+              <a:schemeClr val="accent1"/>
+            </a:fillRef>
+            <a:effectRef idx="0">
+              <a:schemeClr val="accent1"/>
+            </a:effectRef>
+            <a:fontRef idx="minor">
+              <a:schemeClr val="tx1"/>
+            </a:fontRef>
+          </p:style>
+        </p:cxnSp>
+        <p:cxnSp>
+          <p:nvCxnSpPr>
+            <p:cNvPr id="15" name="Straight Arrow Connector 14"/>
+            <p:cNvCxnSpPr/>
+            <p:nvPr/>
+          </p:nvCxnSpPr>
+          <p:spPr>
+            <a:xfrm>
+              <a:off x="7120710" y="5662183"/>
+              <a:ext cx="517586" cy="180973"/>
+            </a:xfrm>
+            <a:prstGeom prst="straightConnector1">
+              <a:avLst/>
+            </a:prstGeom>
+            <a:ln>
+              <a:tailEnd type="triangle"/>
+            </a:ln>
+          </p:spPr>
+          <p:style>
+            <a:lnRef idx="1">
+              <a:schemeClr val="accent1"/>
+            </a:lnRef>
+            <a:fillRef idx="0">
+              <a:schemeClr val="accent1"/>
+            </a:fillRef>
+            <a:effectRef idx="0">
+              <a:schemeClr val="accent1"/>
+            </a:effectRef>
+            <a:fontRef idx="minor">
+              <a:schemeClr val="tx1"/>
+            </a:fontRef>
+          </p:style>
+        </p:cxnSp>
+        <p:cxnSp>
+          <p:nvCxnSpPr>
+            <p:cNvPr id="16" name="Straight Arrow Connector 15"/>
+            <p:cNvCxnSpPr/>
+            <p:nvPr/>
+          </p:nvCxnSpPr>
+          <p:spPr>
+            <a:xfrm>
+              <a:off x="7108103" y="5662183"/>
+              <a:ext cx="967724" cy="163388"/>
+            </a:xfrm>
+            <a:prstGeom prst="straightConnector1">
+              <a:avLst/>
+            </a:prstGeom>
+            <a:ln>
+              <a:tailEnd type="triangle"/>
+            </a:ln>
+          </p:spPr>
+          <p:style>
+            <a:lnRef idx="1">
+              <a:schemeClr val="accent1"/>
+            </a:lnRef>
+            <a:fillRef idx="0">
+              <a:schemeClr val="accent1"/>
+            </a:fillRef>
+            <a:effectRef idx="0">
+              <a:schemeClr val="accent1"/>
+            </a:effectRef>
+            <a:fontRef idx="minor">
+              <a:schemeClr val="tx1"/>
+            </a:fontRef>
+          </p:style>
+        </p:cxnSp>
+        <p:cxnSp>
+          <p:nvCxnSpPr>
+            <p:cNvPr id="18" name="Straight Arrow Connector 17"/>
+            <p:cNvCxnSpPr/>
+            <p:nvPr/>
+          </p:nvCxnSpPr>
+          <p:spPr>
+            <a:xfrm flipH="1">
+              <a:off x="7025614" y="5986820"/>
+              <a:ext cx="152372" cy="0"/>
+            </a:xfrm>
+            <a:prstGeom prst="straightConnector1">
+              <a:avLst/>
+            </a:prstGeom>
+            <a:ln>
+              <a:tailEnd type="triangle"/>
+            </a:ln>
+          </p:spPr>
+          <p:style>
+            <a:lnRef idx="1">
+              <a:schemeClr val="accent1"/>
+            </a:lnRef>
+            <a:fillRef idx="0">
+              <a:schemeClr val="accent1"/>
+            </a:fillRef>
+            <a:effectRef idx="0">
+              <a:schemeClr val="accent1"/>
+            </a:effectRef>
+            <a:fontRef idx="minor">
+              <a:schemeClr val="tx1"/>
+            </a:fontRef>
+          </p:style>
+        </p:cxnSp>
+        <p:cxnSp>
+          <p:nvCxnSpPr>
+            <p:cNvPr id="19" name="Straight Arrow Connector 18"/>
+            <p:cNvCxnSpPr/>
+            <p:nvPr/>
+          </p:nvCxnSpPr>
+          <p:spPr>
+            <a:xfrm flipH="1">
+              <a:off x="7429334" y="5986820"/>
+              <a:ext cx="130725" cy="0"/>
+            </a:xfrm>
+            <a:prstGeom prst="straightConnector1">
+              <a:avLst/>
+            </a:prstGeom>
+            <a:ln>
+              <a:tailEnd type="triangle"/>
+            </a:ln>
+          </p:spPr>
+          <p:style>
+            <a:lnRef idx="1">
+              <a:schemeClr val="accent1"/>
+            </a:lnRef>
+            <a:fillRef idx="0">
+              <a:schemeClr val="accent1"/>
+            </a:fillRef>
+            <a:effectRef idx="0">
+              <a:schemeClr val="accent1"/>
+            </a:effectRef>
+            <a:fontRef idx="minor">
+              <a:schemeClr val="tx1"/>
+            </a:fontRef>
+          </p:style>
+        </p:cxnSp>
+        <p:cxnSp>
+          <p:nvCxnSpPr>
+            <p:cNvPr id="20" name="Straight Arrow Connector 19"/>
+            <p:cNvCxnSpPr/>
+            <p:nvPr/>
+          </p:nvCxnSpPr>
+          <p:spPr>
+            <a:xfrm flipH="1">
+              <a:off x="7833393" y="5986820"/>
+              <a:ext cx="125971" cy="0"/>
+            </a:xfrm>
+            <a:prstGeom prst="straightConnector1">
+              <a:avLst/>
+            </a:prstGeom>
+            <a:ln>
+              <a:tailEnd type="triangle"/>
+            </a:ln>
+          </p:spPr>
+          <p:style>
+            <a:lnRef idx="1">
+              <a:schemeClr val="accent1"/>
+            </a:lnRef>
+            <a:fillRef idx="0">
+              <a:schemeClr val="accent1"/>
+            </a:fillRef>
+            <a:effectRef idx="0">
+              <a:schemeClr val="accent1"/>
+            </a:effectRef>
+            <a:fontRef idx="minor">
+              <a:schemeClr val="tx1"/>
+            </a:fontRef>
+          </p:style>
+        </p:cxnSp>
+        <p:cxnSp>
+          <p:nvCxnSpPr>
+            <p:cNvPr id="21" name="Straight Arrow Connector 20"/>
+            <p:cNvCxnSpPr/>
+            <p:nvPr/>
+          </p:nvCxnSpPr>
+          <p:spPr>
+            <a:xfrm flipH="1" flipV="1">
+              <a:off x="6959402" y="6113584"/>
+              <a:ext cx="132426" cy="216927"/>
+            </a:xfrm>
+            <a:prstGeom prst="straightConnector1">
+              <a:avLst/>
+            </a:prstGeom>
+            <a:ln>
+              <a:tailEnd type="triangle"/>
+            </a:ln>
+          </p:spPr>
+          <p:style>
+            <a:lnRef idx="1">
+              <a:schemeClr val="accent1"/>
+            </a:lnRef>
+            <a:fillRef idx="0">
+              <a:schemeClr val="accent1"/>
+            </a:fillRef>
+            <a:effectRef idx="0">
+              <a:schemeClr val="accent1"/>
+            </a:effectRef>
+            <a:fontRef idx="minor">
+              <a:schemeClr val="tx1"/>
+            </a:fontRef>
+          </p:style>
+        </p:cxnSp>
+        <p:cxnSp>
+          <p:nvCxnSpPr>
+            <p:cNvPr id="22" name="Straight Arrow Connector 21"/>
+            <p:cNvCxnSpPr/>
+            <p:nvPr/>
+          </p:nvCxnSpPr>
+          <p:spPr>
+            <a:xfrm flipV="1">
+              <a:off x="7091827" y="6137726"/>
+              <a:ext cx="183877" cy="222892"/>
+            </a:xfrm>
+            <a:prstGeom prst="straightConnector1">
+              <a:avLst/>
+            </a:prstGeom>
+            <a:ln>
+              <a:tailEnd type="triangle"/>
+            </a:ln>
+          </p:spPr>
+          <p:style>
+            <a:lnRef idx="1">
+              <a:schemeClr val="accent1"/>
+            </a:lnRef>
+            <a:fillRef idx="0">
+              <a:schemeClr val="accent1"/>
+            </a:fillRef>
+            <a:effectRef idx="0">
+              <a:schemeClr val="accent1"/>
+            </a:effectRef>
+            <a:fontRef idx="minor">
+              <a:schemeClr val="tx1"/>
+            </a:fontRef>
+          </p:style>
+        </p:cxnSp>
+        <p:cxnSp>
+          <p:nvCxnSpPr>
+            <p:cNvPr id="23" name="Straight Arrow Connector 22"/>
+            <p:cNvCxnSpPr/>
+            <p:nvPr/>
+          </p:nvCxnSpPr>
+          <p:spPr>
+            <a:xfrm flipV="1">
+              <a:off x="7101800" y="6137726"/>
+              <a:ext cx="584626" cy="222892"/>
+            </a:xfrm>
+            <a:prstGeom prst="straightConnector1">
+              <a:avLst/>
+            </a:prstGeom>
+            <a:ln>
+              <a:tailEnd type="triangle"/>
+            </a:ln>
+          </p:spPr>
+          <p:style>
+            <a:lnRef idx="1">
+              <a:schemeClr val="accent1"/>
+            </a:lnRef>
+            <a:fillRef idx="0">
+              <a:schemeClr val="accent1"/>
+            </a:fillRef>
+            <a:effectRef idx="0">
+              <a:schemeClr val="accent1"/>
+            </a:effectRef>
+            <a:fontRef idx="minor">
+              <a:schemeClr val="tx1"/>
+            </a:fontRef>
+          </p:style>
+        </p:cxnSp>
+        <p:cxnSp>
+          <p:nvCxnSpPr>
+            <p:cNvPr id="24" name="Straight Arrow Connector 23"/>
+            <p:cNvCxnSpPr/>
+            <p:nvPr/>
+          </p:nvCxnSpPr>
+          <p:spPr>
+            <a:xfrm flipV="1">
+              <a:off x="7091827" y="6137726"/>
+              <a:ext cx="984001" cy="222892"/>
+            </a:xfrm>
+            <a:prstGeom prst="straightConnector1">
+              <a:avLst/>
+            </a:prstGeom>
+            <a:ln>
+              <a:tailEnd type="triangle"/>
+            </a:ln>
+          </p:spPr>
+          <p:style>
+            <a:lnRef idx="1">
+              <a:schemeClr val="accent1"/>
+            </a:lnRef>
+            <a:fillRef idx="0">
+              <a:schemeClr val="accent1"/>
+            </a:fillRef>
+            <a:effectRef idx="0">
+              <a:schemeClr val="accent1"/>
+            </a:effectRef>
+            <a:fontRef idx="minor">
+              <a:schemeClr val="tx1"/>
+            </a:fontRef>
+          </p:style>
+        </p:cxnSp>
+        <p:sp>
+          <p:nvSpPr>
+            <p:cNvPr id="25" name="Rectangle 24"/>
+            <p:cNvSpPr/>
+            <p:nvPr/>
+          </p:nvSpPr>
+          <p:spPr>
+            <a:xfrm>
+              <a:off x="6980944" y="5565526"/>
+              <a:ext cx="254319" cy="193314"/>
+            </a:xfrm>
+            <a:prstGeom prst="rect">
+              <a:avLst/>
+            </a:prstGeom>
+            <a:solidFill>
+              <a:schemeClr val="accent3">
+                <a:lumMod val="40000"/>
+                <a:lumOff val="60000"/>
+              </a:schemeClr>
+            </a:solidFill>
+          </p:spPr>
+          <p:style>
+            <a:lnRef idx="2">
+              <a:schemeClr val="accent1">
+                <a:shade val="50000"/>
+              </a:schemeClr>
+            </a:lnRef>
+            <a:fillRef idx="1">
+              <a:schemeClr val="accent1"/>
+            </a:fillRef>
+            <a:effectRef idx="0">
+              <a:schemeClr val="accent1"/>
+            </a:effectRef>
+            <a:fontRef idx="minor">
+              <a:schemeClr val="lt1"/>
+            </a:fontRef>
+          </p:style>
+          <p:txBody>
+            <a:bodyPr rtlCol="0" anchor="ctr"/>
+            <a:lstStyle/>
+            <a:p>
+              <a:pPr algn="ctr"/>
+              <a:endParaRPr lang="en-US" dirty="0">
+                <a:solidFill>
+                  <a:schemeClr val="tx1"/>
+                </a:solidFill>
+              </a:endParaRPr>
+            </a:p>
+          </p:txBody>
+        </p:sp>
+        <p:sp>
+          <p:nvSpPr>
+            <p:cNvPr id="28" name="Rectangle 27"/>
+            <p:cNvSpPr/>
+            <p:nvPr/>
+          </p:nvSpPr>
+          <p:spPr>
+            <a:xfrm>
+              <a:off x="6974641" y="6233855"/>
+              <a:ext cx="254319" cy="193314"/>
+            </a:xfrm>
+            <a:prstGeom prst="rect">
+              <a:avLst/>
+            </a:prstGeom>
+            <a:solidFill>
+              <a:schemeClr val="accent3">
+                <a:lumMod val="40000"/>
+                <a:lumOff val="60000"/>
+              </a:schemeClr>
+            </a:solidFill>
+          </p:spPr>
+          <p:style>
+            <a:lnRef idx="2">
+              <a:schemeClr val="accent1">
+                <a:shade val="50000"/>
+              </a:schemeClr>
+            </a:lnRef>
+            <a:fillRef idx="1">
+              <a:schemeClr val="accent1"/>
+            </a:fillRef>
+            <a:effectRef idx="0">
+              <a:schemeClr val="accent1"/>
+            </a:effectRef>
+            <a:fontRef idx="minor">
+              <a:schemeClr val="lt1"/>
+            </a:fontRef>
+          </p:style>
+          <p:txBody>
+            <a:bodyPr rtlCol="0" anchor="ctr"/>
+            <a:lstStyle/>
+            <a:p>
+              <a:pPr algn="ctr"/>
+              <a:endParaRPr lang="en-US" dirty="0">
+                <a:solidFill>
+                  <a:schemeClr val="tx1"/>
+                </a:solidFill>
+              </a:endParaRPr>
+            </a:p>
+          </p:txBody>
+        </p:sp>
+        <p:cxnSp>
+          <p:nvCxnSpPr>
+            <p:cNvPr id="33" name="Straight Arrow Connector 32"/>
+            <p:cNvCxnSpPr>
+              <a:stCxn id="7" idx="4"/>
+            </p:cNvCxnSpPr>
+            <p:nvPr/>
+          </p:nvCxnSpPr>
+          <p:spPr>
+            <a:xfrm>
+              <a:off x="6892175" y="6113585"/>
+              <a:ext cx="67227" cy="108463"/>
+            </a:xfrm>
+            <a:prstGeom prst="straightConnector1">
+              <a:avLst/>
+            </a:prstGeom>
+            <a:ln>
+              <a:tailEnd type="triangle"/>
+            </a:ln>
+          </p:spPr>
+          <p:style>
+            <a:lnRef idx="1">
+              <a:schemeClr val="accent1"/>
+            </a:lnRef>
+            <a:fillRef idx="0">
+              <a:schemeClr val="accent1"/>
+            </a:fillRef>
+            <a:effectRef idx="0">
+              <a:schemeClr val="accent1"/>
+            </a:effectRef>
+            <a:fontRef idx="minor">
+              <a:schemeClr val="tx1"/>
+            </a:fontRef>
+          </p:style>
+        </p:cxnSp>
+        <p:cxnSp>
+          <p:nvCxnSpPr>
+            <p:cNvPr id="34" name="Straight Arrow Connector 33"/>
+            <p:cNvCxnSpPr/>
+            <p:nvPr/>
+          </p:nvCxnSpPr>
+          <p:spPr>
+            <a:xfrm flipV="1">
+              <a:off x="6892174" y="5201152"/>
+              <a:ext cx="179414" cy="642004"/>
+            </a:xfrm>
+            <a:prstGeom prst="straightConnector1">
+              <a:avLst/>
+            </a:prstGeom>
+            <a:ln>
+              <a:tailEnd type="triangle"/>
+            </a:ln>
+          </p:spPr>
+          <p:style>
+            <a:lnRef idx="1">
+              <a:schemeClr val="accent1"/>
+            </a:lnRef>
+            <a:fillRef idx="0">
+              <a:schemeClr val="accent1"/>
+            </a:fillRef>
+            <a:effectRef idx="0">
+              <a:schemeClr val="accent1"/>
+            </a:effectRef>
+            <a:fontRef idx="minor">
+              <a:schemeClr val="tx1"/>
+            </a:fontRef>
+          </p:style>
+        </p:cxnSp>
+        <p:sp>
+          <p:nvSpPr>
+            <p:cNvPr id="61" name="Oval 60"/>
+            <p:cNvSpPr/>
+            <p:nvPr/>
+          </p:nvSpPr>
+          <p:spPr>
+            <a:xfrm>
+              <a:off x="6510845" y="5234038"/>
+              <a:ext cx="190145" cy="253527"/>
+            </a:xfrm>
+            <a:prstGeom prst="ellipse">
+              <a:avLst/>
+            </a:prstGeom>
+            <a:solidFill>
+              <a:srgbClr val="FF0000"/>
+            </a:solidFill>
+          </p:spPr>
+          <p:style>
+            <a:lnRef idx="2">
+              <a:schemeClr val="accent1">
+                <a:shade val="50000"/>
+              </a:schemeClr>
+            </a:lnRef>
+            <a:fillRef idx="1">
+              <a:schemeClr val="accent1"/>
+            </a:fillRef>
+            <a:effectRef idx="0">
+              <a:schemeClr val="accent1"/>
+            </a:effectRef>
+            <a:fontRef idx="minor">
+              <a:schemeClr val="lt1"/>
+            </a:fontRef>
+          </p:style>
+          <p:txBody>
+            <a:bodyPr rtlCol="0" anchor="ctr"/>
+            <a:lstStyle/>
+            <a:p>
+              <a:pPr algn="ctr"/>
+              <a:endParaRPr lang="en-US" dirty="0"/>
+            </a:p>
+          </p:txBody>
+        </p:sp>
+        <p:sp>
+          <p:nvSpPr>
+            <p:cNvPr id="62" name="Oval 61"/>
+            <p:cNvSpPr/>
+            <p:nvPr/>
+          </p:nvSpPr>
+          <p:spPr>
+            <a:xfrm>
+              <a:off x="6260884" y="5234038"/>
+              <a:ext cx="190145" cy="253527"/>
+            </a:xfrm>
+            <a:prstGeom prst="ellipse">
+              <a:avLst/>
+            </a:prstGeom>
+            <a:solidFill>
+              <a:srgbClr val="FF0000"/>
+            </a:solidFill>
+          </p:spPr>
+          <p:style>
+            <a:lnRef idx="2">
+              <a:schemeClr val="accent1">
+                <a:shade val="50000"/>
+              </a:schemeClr>
+            </a:lnRef>
+            <a:fillRef idx="1">
+              <a:schemeClr val="accent1"/>
+            </a:fillRef>
+            <a:effectRef idx="0">
+              <a:schemeClr val="accent1"/>
+            </a:effectRef>
+            <a:fontRef idx="minor">
+              <a:schemeClr val="lt1"/>
+            </a:fontRef>
+          </p:style>
+          <p:txBody>
+            <a:bodyPr rtlCol="0" anchor="ctr"/>
+            <a:lstStyle/>
+            <a:p>
+              <a:pPr algn="ctr"/>
+              <a:endParaRPr lang="en-US" dirty="0"/>
+            </a:p>
+          </p:txBody>
+        </p:sp>
+        <p:sp>
+          <p:nvSpPr>
+            <p:cNvPr id="63" name="Oval 62"/>
+            <p:cNvSpPr/>
+            <p:nvPr/>
+          </p:nvSpPr>
+          <p:spPr>
+            <a:xfrm>
+              <a:off x="6005557" y="5229656"/>
+              <a:ext cx="190145" cy="253527"/>
+            </a:xfrm>
+            <a:prstGeom prst="ellipse">
+              <a:avLst/>
+            </a:prstGeom>
+            <a:solidFill>
+              <a:srgbClr val="FF0000"/>
+            </a:solidFill>
+          </p:spPr>
+          <p:style>
+            <a:lnRef idx="2">
+              <a:schemeClr val="accent1">
+                <a:shade val="50000"/>
+              </a:schemeClr>
+            </a:lnRef>
+            <a:fillRef idx="1">
+              <a:schemeClr val="accent1"/>
+            </a:fillRef>
+            <a:effectRef idx="0">
+              <a:schemeClr val="accent1"/>
+            </a:effectRef>
+            <a:fontRef idx="minor">
+              <a:schemeClr val="lt1"/>
+            </a:fontRef>
+          </p:style>
+          <p:txBody>
+            <a:bodyPr rtlCol="0" anchor="ctr"/>
+            <a:lstStyle/>
+            <a:p>
+              <a:pPr algn="ctr"/>
+              <a:endParaRPr lang="en-US" dirty="0"/>
+            </a:p>
+          </p:txBody>
+        </p:sp>
+        <p:cxnSp>
+          <p:nvCxnSpPr>
+            <p:cNvPr id="68" name="Straight Arrow Connector 67"/>
+            <p:cNvCxnSpPr>
+              <a:stCxn id="63" idx="6"/>
+              <a:endCxn id="62" idx="2"/>
+            </p:cNvCxnSpPr>
+            <p:nvPr/>
+          </p:nvCxnSpPr>
+          <p:spPr>
+            <a:xfrm>
+              <a:off x="6195702" y="5356420"/>
+              <a:ext cx="65182" cy="4381"/>
+            </a:xfrm>
+            <a:prstGeom prst="straightConnector1">
+              <a:avLst/>
+            </a:prstGeom>
+            <a:ln>
+              <a:tailEnd type="triangle"/>
+            </a:ln>
+          </p:spPr>
+          <p:style>
+            <a:lnRef idx="1">
+              <a:schemeClr val="accent1"/>
+            </a:lnRef>
+            <a:fillRef idx="0">
+              <a:schemeClr val="accent1"/>
+            </a:fillRef>
+            <a:effectRef idx="0">
+              <a:schemeClr val="accent1"/>
+            </a:effectRef>
+            <a:fontRef idx="minor">
+              <a:schemeClr val="tx1"/>
+            </a:fontRef>
+          </p:style>
+        </p:cxnSp>
+        <p:cxnSp>
+          <p:nvCxnSpPr>
+            <p:cNvPr id="70" name="Straight Arrow Connector 69"/>
+            <p:cNvCxnSpPr>
+              <a:stCxn id="62" idx="6"/>
+              <a:endCxn id="61" idx="2"/>
+            </p:cNvCxnSpPr>
+            <p:nvPr/>
+          </p:nvCxnSpPr>
+          <p:spPr>
+            <a:xfrm>
+              <a:off x="6451029" y="5360801"/>
+              <a:ext cx="59816" cy="1"/>
+            </a:xfrm>
+            <a:prstGeom prst="straightConnector1">
+              <a:avLst/>
+            </a:prstGeom>
+            <a:ln>
+              <a:tailEnd type="triangle"/>
+            </a:ln>
+          </p:spPr>
+          <p:style>
+            <a:lnRef idx="1">
+              <a:schemeClr val="accent1"/>
+            </a:lnRef>
+            <a:fillRef idx="0">
+              <a:schemeClr val="accent1"/>
+            </a:fillRef>
+            <a:effectRef idx="0">
+              <a:schemeClr val="accent1"/>
+            </a:effectRef>
+            <a:fontRef idx="minor">
+              <a:schemeClr val="tx1"/>
+            </a:fontRef>
+          </p:style>
+        </p:cxnSp>
+        <p:cxnSp>
+          <p:nvCxnSpPr>
+            <p:cNvPr id="72" name="Straight Arrow Connector 71"/>
+            <p:cNvCxnSpPr>
+              <a:stCxn id="61" idx="6"/>
+              <a:endCxn id="5" idx="2"/>
+            </p:cNvCxnSpPr>
+            <p:nvPr/>
+          </p:nvCxnSpPr>
+          <p:spPr>
+            <a:xfrm flipV="1">
+              <a:off x="6700990" y="5358286"/>
+              <a:ext cx="96113" cy="2516"/>
+            </a:xfrm>
+            <a:prstGeom prst="straightConnector1">
+              <a:avLst/>
+            </a:prstGeom>
+            <a:ln>
+              <a:tailEnd type="triangle"/>
+            </a:ln>
+          </p:spPr>
+          <p:style>
+            <a:lnRef idx="1">
+              <a:schemeClr val="accent1"/>
+            </a:lnRef>
+            <a:fillRef idx="0">
+              <a:schemeClr val="accent1"/>
+            </a:fillRef>
+            <a:effectRef idx="0">
+              <a:schemeClr val="accent1"/>
+            </a:effectRef>
+            <a:fontRef idx="minor">
+              <a:schemeClr val="tx1"/>
+            </a:fontRef>
+          </p:style>
+        </p:cxnSp>
+        <p:sp>
+          <p:nvSpPr>
+            <p:cNvPr id="73" name="Oval 72"/>
+            <p:cNvSpPr/>
+            <p:nvPr/>
+          </p:nvSpPr>
+          <p:spPr>
+            <a:xfrm>
+              <a:off x="6512254" y="5860057"/>
+              <a:ext cx="190145" cy="253527"/>
+            </a:xfrm>
+            <a:prstGeom prst="ellipse">
+              <a:avLst/>
+            </a:prstGeom>
+            <a:solidFill>
+              <a:srgbClr val="FF0000"/>
+            </a:solidFill>
+          </p:spPr>
+          <p:style>
+            <a:lnRef idx="2">
+              <a:schemeClr val="accent1">
+                <a:shade val="50000"/>
+              </a:schemeClr>
+            </a:lnRef>
+            <a:fillRef idx="1">
+              <a:schemeClr val="accent1"/>
+            </a:fillRef>
+            <a:effectRef idx="0">
+              <a:schemeClr val="accent1"/>
+            </a:effectRef>
+            <a:fontRef idx="minor">
+              <a:schemeClr val="lt1"/>
+            </a:fontRef>
+          </p:style>
+          <p:txBody>
+            <a:bodyPr rtlCol="0" anchor="ctr"/>
+            <a:lstStyle/>
+            <a:p>
+              <a:pPr algn="ctr"/>
+              <a:endParaRPr lang="en-US" dirty="0"/>
+            </a:p>
+          </p:txBody>
+        </p:sp>
+        <p:sp>
+          <p:nvSpPr>
+            <p:cNvPr id="74" name="Oval 73"/>
+            <p:cNvSpPr/>
+            <p:nvPr/>
+          </p:nvSpPr>
+          <p:spPr>
+            <a:xfrm>
+              <a:off x="6262293" y="5860057"/>
+              <a:ext cx="190145" cy="253527"/>
+            </a:xfrm>
+            <a:prstGeom prst="ellipse">
+              <a:avLst/>
+            </a:prstGeom>
+            <a:solidFill>
+              <a:srgbClr val="FF0000"/>
+            </a:solidFill>
+          </p:spPr>
+          <p:style>
+            <a:lnRef idx="2">
+              <a:schemeClr val="accent1">
+                <a:shade val="50000"/>
+              </a:schemeClr>
+            </a:lnRef>
+            <a:fillRef idx="1">
+              <a:schemeClr val="accent1"/>
+            </a:fillRef>
+            <a:effectRef idx="0">
+              <a:schemeClr val="accent1"/>
+            </a:effectRef>
+            <a:fontRef idx="minor">
+              <a:schemeClr val="lt1"/>
+            </a:fontRef>
+          </p:style>
+          <p:txBody>
+            <a:bodyPr rtlCol="0" anchor="ctr"/>
+            <a:lstStyle/>
+            <a:p>
+              <a:pPr algn="ctr"/>
+              <a:endParaRPr lang="en-US" dirty="0"/>
+            </a:p>
+          </p:txBody>
+        </p:sp>
+        <p:sp>
+          <p:nvSpPr>
+            <p:cNvPr id="75" name="Oval 74"/>
+            <p:cNvSpPr/>
+            <p:nvPr/>
+          </p:nvSpPr>
+          <p:spPr>
+            <a:xfrm>
+              <a:off x="6006966" y="5855675"/>
+              <a:ext cx="190145" cy="253527"/>
+            </a:xfrm>
+            <a:prstGeom prst="ellipse">
+              <a:avLst/>
+            </a:prstGeom>
+            <a:solidFill>
+              <a:srgbClr val="FF0000"/>
+            </a:solidFill>
+          </p:spPr>
+          <p:style>
+            <a:lnRef idx="2">
+              <a:schemeClr val="accent1">
+                <a:shade val="50000"/>
+              </a:schemeClr>
+            </a:lnRef>
+            <a:fillRef idx="1">
+              <a:schemeClr val="accent1"/>
+            </a:fillRef>
+            <a:effectRef idx="0">
+              <a:schemeClr val="accent1"/>
+            </a:effectRef>
+            <a:fontRef idx="minor">
+              <a:schemeClr val="lt1"/>
+            </a:fontRef>
+          </p:style>
+          <p:txBody>
+            <a:bodyPr rtlCol="0" anchor="ctr"/>
+            <a:lstStyle/>
+            <a:p>
+              <a:pPr algn="ctr"/>
+              <a:endParaRPr lang="en-US" dirty="0"/>
+            </a:p>
+          </p:txBody>
+        </p:sp>
+        <p:cxnSp>
+          <p:nvCxnSpPr>
+            <p:cNvPr id="76" name="Straight Arrow Connector 75"/>
+            <p:cNvCxnSpPr>
+              <a:stCxn id="75" idx="6"/>
+              <a:endCxn id="74" idx="2"/>
+            </p:cNvCxnSpPr>
+            <p:nvPr/>
+          </p:nvCxnSpPr>
+          <p:spPr>
+            <a:xfrm>
+              <a:off x="6197111" y="5982439"/>
+              <a:ext cx="65182" cy="4381"/>
+            </a:xfrm>
+            <a:prstGeom prst="straightConnector1">
+              <a:avLst/>
+            </a:prstGeom>
+            <a:ln>
+              <a:tailEnd type="triangle"/>
+            </a:ln>
+          </p:spPr>
+          <p:style>
+            <a:lnRef idx="1">
+              <a:schemeClr val="accent1"/>
+            </a:lnRef>
+            <a:fillRef idx="0">
+              <a:schemeClr val="accent1"/>
+            </a:fillRef>
+            <a:effectRef idx="0">
+              <a:schemeClr val="accent1"/>
+            </a:effectRef>
+            <a:fontRef idx="minor">
+              <a:schemeClr val="tx1"/>
+            </a:fontRef>
+          </p:style>
+        </p:cxnSp>
+        <p:cxnSp>
+          <p:nvCxnSpPr>
+            <p:cNvPr id="77" name="Straight Arrow Connector 76"/>
+            <p:cNvCxnSpPr>
+              <a:stCxn id="74" idx="6"/>
+              <a:endCxn id="73" idx="2"/>
+            </p:cNvCxnSpPr>
+            <p:nvPr/>
+          </p:nvCxnSpPr>
+          <p:spPr>
+            <a:xfrm>
+              <a:off x="6452438" y="5986820"/>
+              <a:ext cx="59816" cy="1"/>
+            </a:xfrm>
+            <a:prstGeom prst="straightConnector1">
+              <a:avLst/>
+            </a:prstGeom>
+            <a:ln>
+              <a:tailEnd type="triangle"/>
+            </a:ln>
+          </p:spPr>
+          <p:style>
+            <a:lnRef idx="1">
+              <a:schemeClr val="accent1"/>
+            </a:lnRef>
+            <a:fillRef idx="0">
+              <a:schemeClr val="accent1"/>
+            </a:fillRef>
+            <a:effectRef idx="0">
+              <a:schemeClr val="accent1"/>
+            </a:effectRef>
+            <a:fontRef idx="minor">
+              <a:schemeClr val="tx1"/>
+            </a:fontRef>
+          </p:style>
+        </p:cxnSp>
+        <p:cxnSp>
+          <p:nvCxnSpPr>
+            <p:cNvPr id="78" name="Straight Arrow Connector 77"/>
+            <p:cNvCxnSpPr>
+              <a:stCxn id="73" idx="6"/>
+            </p:cNvCxnSpPr>
+            <p:nvPr/>
+          </p:nvCxnSpPr>
+          <p:spPr>
+            <a:xfrm flipV="1">
+              <a:off x="6702399" y="5984305"/>
+              <a:ext cx="96113" cy="2516"/>
+            </a:xfrm>
+            <a:prstGeom prst="straightConnector1">
+              <a:avLst/>
+            </a:prstGeom>
+            <a:ln>
+              <a:tailEnd type="triangle"/>
+            </a:ln>
+          </p:spPr>
+          <p:style>
+            <a:lnRef idx="1">
+              <a:schemeClr val="accent1"/>
+            </a:lnRef>
+            <a:fillRef idx="0">
+              <a:schemeClr val="accent1"/>
+            </a:fillRef>
+            <a:effectRef idx="0">
+              <a:schemeClr val="accent1"/>
+            </a:effectRef>
+            <a:fontRef idx="minor">
+              <a:schemeClr val="tx1"/>
+            </a:fontRef>
+          </p:style>
+        </p:cxnSp>
+        <p:cxnSp>
+          <p:nvCxnSpPr>
+            <p:cNvPr id="80" name="Straight Arrow Connector 79"/>
+            <p:cNvCxnSpPr>
+              <a:stCxn id="27" idx="3"/>
+              <a:endCxn id="63" idx="2"/>
+            </p:cNvCxnSpPr>
+            <p:nvPr/>
+          </p:nvCxnSpPr>
+          <p:spPr>
+            <a:xfrm>
+              <a:off x="5899159" y="5341766"/>
+              <a:ext cx="106398" cy="14654"/>
+            </a:xfrm>
+            <a:prstGeom prst="straightConnector1">
+              <a:avLst/>
+            </a:prstGeom>
+            <a:ln>
+              <a:tailEnd type="triangle"/>
+            </a:ln>
+          </p:spPr>
+          <p:style>
+            <a:lnRef idx="1">
+              <a:schemeClr val="accent1"/>
+            </a:lnRef>
+            <a:fillRef idx="0">
+              <a:schemeClr val="accent1"/>
+            </a:fillRef>
+            <a:effectRef idx="0">
+              <a:schemeClr val="accent1"/>
+            </a:effectRef>
+            <a:fontRef idx="minor">
+              <a:schemeClr val="tx1"/>
+            </a:fontRef>
+          </p:style>
+        </p:cxnSp>
+        <p:sp>
+          <p:nvSpPr>
+            <p:cNvPr id="213" name="Rectangle 212"/>
+            <p:cNvSpPr/>
+            <p:nvPr/>
+          </p:nvSpPr>
+          <p:spPr>
+            <a:xfrm>
+              <a:off x="5638625" y="4944192"/>
+              <a:ext cx="2649634" cy="1616954"/>
+            </a:xfrm>
+            <a:prstGeom prst="rect">
+              <a:avLst/>
+            </a:prstGeom>
+            <a:noFill/>
+          </p:spPr>
+          <p:style>
+            <a:lnRef idx="2">
+              <a:schemeClr val="accent1">
+                <a:shade val="50000"/>
+              </a:schemeClr>
+            </a:lnRef>
+            <a:fillRef idx="1">
+              <a:schemeClr val="accent1"/>
+            </a:fillRef>
+            <a:effectRef idx="0">
+              <a:schemeClr val="accent1"/>
+            </a:effectRef>
+            <a:fontRef idx="minor">
+              <a:schemeClr val="lt1"/>
+            </a:fontRef>
+          </p:style>
+          <p:txBody>
+            <a:bodyPr rtlCol="0" anchor="ctr"/>
+            <a:lstStyle/>
+            <a:p>
+              <a:pPr algn="ctr"/>
+              <a:endParaRPr lang="en-US"/>
+            </a:p>
+          </p:txBody>
+        </p:sp>
+      </p:grpSp>
       <p:cxnSp>
         <p:nvCxnSpPr>
           <p:cNvPr id="222" name="Straight Arrow Connector 221"/>
@@ -14519,37 +14550,71 @@
         <p:spPr/>
         <p:txBody>
           <a:bodyPr>
-            <a:normAutofit lnSpcReduction="10000"/>
+            <a:normAutofit/>
           </a:bodyPr>
           <a:lstStyle/>
           <a:p>
             <a:r>
-              <a:rPr lang="en-US" dirty="0" smtClean="0"/>
+              <a:rPr lang="en-US" sz="2400" dirty="0" smtClean="0"/>
               <a:t>Packet types differ in size and frequency of arrival</a:t>
             </a:r>
           </a:p>
           <a:p>
             <a:pPr lvl="1"/>
             <a:r>
-              <a:rPr lang="en-US" dirty="0" smtClean="0"/>
-              <a:t>E.g., video I packets are larger and less frequent than smaller D packets</a:t>
-            </a:r>
-          </a:p>
-          <a:p>
-            <a:r>
-              <a:rPr lang="en-US" dirty="0" smtClean="0"/>
-              <a:t>Each packet type has a “fixed” packet size, decided at the beginning of the lifetime of the packet</a:t>
+              <a:rPr lang="en-US" sz="2400" dirty="0" smtClean="0"/>
+              <a:t>I-Frame packets are larger but less frequent. B/P-Frame packets are more numerous but smaller</a:t>
             </a:r>
           </a:p>
           <a:p>
             <a:pPr lvl="1"/>
-            <a:endParaRPr lang="en-US" dirty="0" smtClean="0"/>
-          </a:p>
-          <a:p>
-            <a:r>
-              <a:rPr lang="en-US" dirty="0" smtClean="0"/>
-              <a:t>Packet type transitions are deterministic</a:t>
-            </a:r>
+            <a:r>
+              <a:rPr lang="en-US" sz="2400" dirty="0" smtClean="0"/>
+              <a:t>Web traffic may download a small HTML file followed by many large images.</a:t>
+            </a:r>
+            <a:endParaRPr lang="en-US" sz="2400" dirty="0" smtClean="0"/>
+          </a:p>
+          <a:p>
+            <a:pPr lvl="1"/>
+            <a:r>
+              <a:rPr lang="en-US" sz="2400" dirty="0" smtClean="0"/>
+              <a:t>Each </a:t>
+            </a:r>
+            <a:r>
+              <a:rPr lang="en-US" sz="2400" dirty="0" smtClean="0"/>
+              <a:t>packet type has a “fixed” packet size, decided at the beginning of the lifetime of the </a:t>
+            </a:r>
+            <a:r>
+              <a:rPr lang="en-US" sz="2400" dirty="0" smtClean="0"/>
+              <a:t>packet</a:t>
+            </a:r>
+          </a:p>
+          <a:p>
+            <a:pPr lvl="2"/>
+            <a:r>
+              <a:rPr lang="en-US" sz="2000" dirty="0" smtClean="0"/>
+              <a:t>Fixed for the lifetime of the duration, but “calculated” through the </a:t>
+            </a:r>
+            <a:r>
+              <a:rPr lang="en-US" sz="2000" dirty="0" err="1" smtClean="0"/>
+              <a:t>markov</a:t>
+            </a:r>
+            <a:r>
+              <a:rPr lang="en-US" sz="2000" dirty="0" smtClean="0"/>
+              <a:t> model</a:t>
+            </a:r>
+            <a:endParaRPr lang="en-US" sz="2400" dirty="0" smtClean="0"/>
+          </a:p>
+          <a:p>
+            <a:r>
+              <a:rPr lang="en-US" sz="2400" dirty="0" smtClean="0"/>
+              <a:t>Packet type transitions </a:t>
+            </a:r>
+            <a:r>
+              <a:rPr lang="en-US" sz="2400" dirty="0" smtClean="0"/>
+              <a:t>may be deterministic</a:t>
+            </a:r>
+            <a:endParaRPr lang="en-US" sz="2400" dirty="0" smtClean="0"/>
           </a:p>
         </p:txBody>
       </p:sp>
@@ -16207,288 +16272,124 @@
           <a:p>
             <a:r>
               <a:rPr lang="en-US" dirty="0" smtClean="0"/>
-              <a:t>Multimedia Illustrated</a:t>
+              <a:t>Multimedia Traffic</a:t>
             </a:r>
             <a:endParaRPr lang="en-US" dirty="0"/>
           </a:p>
         </p:txBody>
       </p:sp>
-      <p:pic>
-        <p:nvPicPr>
-          <p:cNvPr id="11" name="Picture 10" descr="multimedia.jpg"/>
-          <p:cNvPicPr>
-            <a:picLocks noChangeAspect="1"/>
-          </p:cNvPicPr>
-          <p:nvPr/>
-        </p:nvPicPr>
-        <p:blipFill>
-          <a:blip r:embed="rId2">
-            <a:extLst>
-              <a:ext uri="{28A0092B-C50C-407E-A947-70E740481C1C}">
-                <a14:useLocalDpi xmlns:a14="http://schemas.microsoft.com/office/drawing/2010/main" val="0"/>
-              </a:ext>
-            </a:extLst>
-          </a:blip>
-          <a:stretch>
-            <a:fillRect/>
-          </a:stretch>
-        </p:blipFill>
-        <p:spPr>
-          <a:xfrm>
-            <a:off x="689185" y="1762186"/>
-            <a:ext cx="9144000" cy="4667318"/>
-          </a:xfrm>
-          <a:prstGeom prst="rect">
-            <a:avLst/>
-          </a:prstGeom>
-        </p:spPr>
-      </p:pic>
-      <p:sp>
-        <p:nvSpPr>
-          <p:cNvPr id="18" name="TextBox 17"/>
-          <p:cNvSpPr txBox="1"/>
-          <p:nvPr/>
-        </p:nvSpPr>
-        <p:spPr>
-          <a:xfrm>
-            <a:off x="457200" y="3802026"/>
-            <a:ext cx="1433599" cy="369332"/>
-          </a:xfrm>
-          <a:prstGeom prst="rect">
-            <a:avLst/>
-          </a:prstGeom>
-          <a:noFill/>
-        </p:spPr>
-        <p:txBody>
-          <a:bodyPr wrap="square" rtlCol="0">
-            <a:spAutoFit/>
-          </a:bodyPr>
-          <a:lstStyle/>
-          <a:p>
-            <a:r>
-              <a:rPr lang="en-US" dirty="0" smtClean="0"/>
-              <a:t>Size Chain</a:t>
+      <p:sp>
+        <p:nvSpPr>
+          <p:cNvPr id="3" name="Content Placeholder 2"/>
+          <p:cNvSpPr>
+            <a:spLocks noGrp="1"/>
+          </p:cNvSpPr>
+          <p:nvPr>
+            <p:ph idx="1"/>
+          </p:nvPr>
+        </p:nvSpPr>
+        <p:spPr/>
+        <p:txBody>
+          <a:bodyPr/>
+          <a:lstStyle/>
+          <a:p>
+            <a:r>
+              <a:rPr lang="en-US" dirty="0" smtClean="0"/>
+              <a:t>MPEG-4 packet types include I/B/P Frames</a:t>
+            </a:r>
+          </a:p>
+          <a:p>
+            <a:pPr lvl="1"/>
+            <a:r>
+              <a:rPr lang="en-US" dirty="0" smtClean="0"/>
+              <a:t>GOP (group of pictures) ordering determines type</a:t>
+            </a:r>
+          </a:p>
+          <a:p>
+            <a:pPr lvl="2"/>
+            <a:r>
+              <a:rPr lang="en-US" dirty="0" smtClean="0"/>
+              <a:t>I B </a:t>
+            </a:r>
+            <a:r>
+              <a:rPr lang="en-US" dirty="0" err="1" smtClean="0"/>
+              <a:t>B</a:t>
+            </a:r>
+            <a:r>
+              <a:rPr lang="en-US" dirty="0" smtClean="0"/>
+              <a:t> P B </a:t>
+            </a:r>
+            <a:r>
+              <a:rPr lang="en-US" dirty="0" err="1" smtClean="0"/>
+              <a:t>B</a:t>
+            </a:r>
+            <a:r>
+              <a:rPr lang="en-US" dirty="0" smtClean="0"/>
+              <a:t> P B </a:t>
+            </a:r>
+            <a:r>
+              <a:rPr lang="en-US" dirty="0" err="1" smtClean="0"/>
+              <a:t>B</a:t>
+            </a:r>
+            <a:r>
+              <a:rPr lang="en-US" dirty="0" smtClean="0"/>
+              <a:t> P…</a:t>
+            </a:r>
+            <a:r>
+              <a:rPr lang="en-US" dirty="0" err="1" smtClean="0"/>
+              <a:t>etc</a:t>
+            </a:r>
+            <a:endParaRPr lang="en-US" dirty="0" smtClean="0"/>
+          </a:p>
+          <a:p>
+            <a:pPr lvl="1"/>
+            <a:r>
+              <a:rPr lang="en-US" dirty="0" smtClean="0"/>
+              <a:t>I-Frames are key frames, full images, no references</a:t>
+            </a:r>
+          </a:p>
+          <a:p>
+            <a:pPr lvl="2"/>
+            <a:r>
+              <a:rPr lang="en-US" dirty="0" smtClean="0"/>
+              <a:t>1 I-Frame per GOP. Around 2/second</a:t>
+            </a:r>
+          </a:p>
+          <a:p>
+            <a:pPr lvl="1"/>
+            <a:r>
+              <a:rPr lang="en-US" dirty="0" smtClean="0"/>
+              <a:t>P-Frames use data from previous frames</a:t>
+            </a:r>
+          </a:p>
+          <a:p>
+            <a:pPr lvl="2"/>
+            <a:r>
+              <a:rPr lang="en-US" dirty="0" smtClean="0"/>
+              <a:t>Comes in repeated groups of BBP. Around 10/sec</a:t>
+            </a:r>
+          </a:p>
+          <a:p>
+            <a:pPr lvl="1"/>
+            <a:r>
+              <a:rPr lang="en-US" dirty="0" smtClean="0"/>
+              <a:t>B-Frames are bi-directional. Heavily compressed</a:t>
+            </a:r>
+          </a:p>
+          <a:p>
+            <a:pPr lvl="2"/>
+            <a:r>
+              <a:rPr lang="en-US" dirty="0" smtClean="0"/>
+              <a:t>Around 20/second</a:t>
             </a:r>
             <a:endParaRPr lang="en-US" dirty="0"/>
-          </a:p>
-        </p:txBody>
-      </p:sp>
-      <p:sp>
-        <p:nvSpPr>
-          <p:cNvPr id="19" name="TextBox 18"/>
-          <p:cNvSpPr txBox="1"/>
-          <p:nvPr/>
-        </p:nvSpPr>
-        <p:spPr>
-          <a:xfrm>
-            <a:off x="602146" y="5563416"/>
-            <a:ext cx="2015517" cy="369332"/>
-          </a:xfrm>
-          <a:prstGeom prst="rect">
-            <a:avLst/>
-          </a:prstGeom>
-          <a:noFill/>
-        </p:spPr>
-        <p:txBody>
-          <a:bodyPr wrap="square" rtlCol="0">
-            <a:spAutoFit/>
-          </a:bodyPr>
-          <a:lstStyle/>
-          <a:p>
-            <a:r>
-              <a:rPr lang="en-US" dirty="0" smtClean="0"/>
-              <a:t>Success</a:t>
-            </a:r>
-            <a:endParaRPr lang="en-US" dirty="0"/>
-          </a:p>
-        </p:txBody>
-      </p:sp>
-      <p:sp>
-        <p:nvSpPr>
-          <p:cNvPr id="20" name="TextBox 19"/>
-          <p:cNvSpPr txBox="1"/>
-          <p:nvPr/>
-        </p:nvSpPr>
-        <p:spPr>
-          <a:xfrm>
-            <a:off x="759674" y="4401385"/>
-            <a:ext cx="1433599" cy="369332"/>
-          </a:xfrm>
-          <a:prstGeom prst="rect">
-            <a:avLst/>
-          </a:prstGeom>
-          <a:noFill/>
-        </p:spPr>
-        <p:txBody>
-          <a:bodyPr wrap="square" rtlCol="0">
-            <a:spAutoFit/>
-          </a:bodyPr>
-          <a:lstStyle/>
-          <a:p>
-            <a:r>
-              <a:rPr lang="en-US" dirty="0" smtClean="0"/>
-              <a:t>Wait</a:t>
-            </a:r>
-            <a:endParaRPr lang="en-US" dirty="0"/>
-          </a:p>
-        </p:txBody>
-      </p:sp>
-      <p:sp>
-        <p:nvSpPr>
-          <p:cNvPr id="21" name="TextBox 20"/>
-          <p:cNvSpPr txBox="1"/>
-          <p:nvPr/>
-        </p:nvSpPr>
-        <p:spPr>
-          <a:xfrm>
-            <a:off x="883040" y="5073592"/>
-            <a:ext cx="2015517" cy="369332"/>
-          </a:xfrm>
-          <a:prstGeom prst="rect">
-            <a:avLst/>
-          </a:prstGeom>
-          <a:noFill/>
-        </p:spPr>
-        <p:txBody>
-          <a:bodyPr wrap="square" rtlCol="0">
-            <a:spAutoFit/>
-          </a:bodyPr>
-          <a:lstStyle/>
-          <a:p>
-            <a:r>
-              <a:rPr lang="en-US" dirty="0" smtClean="0"/>
-              <a:t>Fail</a:t>
-            </a:r>
-            <a:endParaRPr lang="en-US" dirty="0"/>
-          </a:p>
-        </p:txBody>
-      </p:sp>
-      <p:sp>
-        <p:nvSpPr>
-          <p:cNvPr id="22" name="TextBox 21"/>
-          <p:cNvSpPr txBox="1"/>
-          <p:nvPr/>
-        </p:nvSpPr>
-        <p:spPr>
-          <a:xfrm>
-            <a:off x="457200" y="3053518"/>
-            <a:ext cx="1433599" cy="369332"/>
-          </a:xfrm>
-          <a:prstGeom prst="rect">
-            <a:avLst/>
-          </a:prstGeom>
-          <a:noFill/>
-        </p:spPr>
-        <p:txBody>
-          <a:bodyPr wrap="square" rtlCol="0">
-            <a:spAutoFit/>
-          </a:bodyPr>
-          <a:lstStyle/>
-          <a:p>
-            <a:r>
-              <a:rPr lang="en-US" dirty="0" err="1" smtClean="0"/>
-              <a:t>Interarrival</a:t>
-            </a:r>
-            <a:endParaRPr lang="en-US" dirty="0"/>
-          </a:p>
-        </p:txBody>
-      </p:sp>
-      <p:sp>
-        <p:nvSpPr>
-          <p:cNvPr id="23" name="TextBox 22"/>
-          <p:cNvSpPr txBox="1"/>
-          <p:nvPr/>
-        </p:nvSpPr>
-        <p:spPr>
-          <a:xfrm>
-            <a:off x="457200" y="1885896"/>
-            <a:ext cx="1433599" cy="369332"/>
-          </a:xfrm>
-          <a:prstGeom prst="rect">
-            <a:avLst/>
-          </a:prstGeom>
-          <a:noFill/>
-        </p:spPr>
-        <p:txBody>
-          <a:bodyPr wrap="square" rtlCol="0">
-            <a:spAutoFit/>
-          </a:bodyPr>
-          <a:lstStyle/>
-          <a:p>
-            <a:r>
-              <a:rPr lang="en-US" dirty="0" smtClean="0"/>
-              <a:t>Collapsible</a:t>
-            </a:r>
-            <a:endParaRPr lang="en-US" dirty="0"/>
-          </a:p>
-        </p:txBody>
-      </p:sp>
-      <p:cxnSp>
-        <p:nvCxnSpPr>
-          <p:cNvPr id="24" name="Straight Arrow Connector 23"/>
-          <p:cNvCxnSpPr/>
-          <p:nvPr/>
-        </p:nvCxnSpPr>
-        <p:spPr>
-          <a:xfrm flipV="1">
-            <a:off x="1807292" y="6252663"/>
-            <a:ext cx="7188778" cy="9622"/>
-          </a:xfrm>
-          <a:prstGeom prst="straightConnector1">
-            <a:avLst/>
-          </a:prstGeom>
-          <a:ln>
-            <a:tailEnd type="arrow"/>
-          </a:ln>
-        </p:spPr>
-        <p:style>
-          <a:lnRef idx="2">
-            <a:schemeClr val="accent1"/>
-          </a:lnRef>
-          <a:fillRef idx="0">
-            <a:schemeClr val="accent1"/>
-          </a:fillRef>
-          <a:effectRef idx="1">
-            <a:schemeClr val="accent1"/>
-          </a:effectRef>
-          <a:fontRef idx="minor">
-            <a:schemeClr val="tx1"/>
-          </a:fontRef>
-        </p:style>
-      </p:cxnSp>
-      <p:sp>
-        <p:nvSpPr>
-          <p:cNvPr id="25" name="TextBox 24"/>
-          <p:cNvSpPr txBox="1"/>
-          <p:nvPr/>
-        </p:nvSpPr>
-        <p:spPr>
-          <a:xfrm>
-            <a:off x="4864144" y="6204992"/>
-            <a:ext cx="2034127" cy="277485"/>
-          </a:xfrm>
-          <a:prstGeom prst="rect">
-            <a:avLst/>
-          </a:prstGeom>
-          <a:noFill/>
-        </p:spPr>
-        <p:txBody>
-          <a:bodyPr wrap="square" rtlCol="0">
-            <a:spAutoFit/>
-          </a:bodyPr>
-          <a:lstStyle/>
-          <a:p>
-            <a:r>
-              <a:rPr lang="en-US" dirty="0" smtClean="0"/>
-              <a:t>time</a:t>
-            </a:r>
           </a:p>
         </p:txBody>
       </p:sp>
     </p:spTree>
     <p:extLst>
       <p:ext uri="{BB962C8B-B14F-4D97-AF65-F5344CB8AC3E}">
-        <p14:creationId xmlns:p14="http://schemas.microsoft.com/office/powerpoint/2010/main" val="807016509"/>
+        <p14:creationId xmlns:p14="http://schemas.microsoft.com/office/powerpoint/2010/main" val="1305143583"/>
       </p:ext>
     </p:extLst>
   </p:cSld>
@@ -16515,9 +16416,32 @@
           <a:chExt cx="0" cy="0"/>
         </a:xfrm>
       </p:grpSpPr>
+      <p:sp>
+        <p:nvSpPr>
+          <p:cNvPr id="2" name="Title 1"/>
+          <p:cNvSpPr>
+            <a:spLocks noGrp="1"/>
+          </p:cNvSpPr>
+          <p:nvPr>
+            <p:ph type="title"/>
+          </p:nvPr>
+        </p:nvSpPr>
+        <p:spPr/>
+        <p:txBody>
+          <a:bodyPr/>
+          <a:lstStyle/>
+          <a:p>
+            <a:r>
+              <a:rPr lang="en-US" dirty="0" smtClean="0"/>
+              <a:t>Multimedia Illustrated</a:t>
+            </a:r>
+            <a:endParaRPr lang="en-US" dirty="0"/>
+          </a:p>
+        </p:txBody>
+      </p:sp>
       <p:pic>
         <p:nvPicPr>
-          <p:cNvPr id="14" name="Picture 13" descr="all.jpg"/>
+          <p:cNvPr id="11" name="Picture 10" descr="multimedia.jpg"/>
           <p:cNvPicPr>
             <a:picLocks noChangeAspect="1"/>
           </p:cNvPicPr>
@@ -16537,8 +16461,8 @@
         </p:blipFill>
         <p:spPr>
           <a:xfrm>
-            <a:off x="669493" y="1417638"/>
-            <a:ext cx="9518129" cy="5258718"/>
+            <a:off x="689185" y="1762186"/>
+            <a:ext cx="9144000" cy="4667318"/>
           </a:xfrm>
           <a:prstGeom prst="rect">
             <a:avLst/>
@@ -16547,37 +16471,14 @@
       </p:pic>
       <p:sp>
         <p:nvSpPr>
-          <p:cNvPr id="2" name="Title 1"/>
-          <p:cNvSpPr>
-            <a:spLocks noGrp="1"/>
-          </p:cNvSpPr>
-          <p:nvPr>
-            <p:ph type="title"/>
-          </p:nvPr>
-        </p:nvSpPr>
-        <p:spPr/>
-        <p:txBody>
-          <a:bodyPr/>
-          <a:lstStyle/>
-          <a:p>
-            <a:r>
-              <a:rPr lang="en-US" dirty="0" smtClean="0"/>
-              <a:t>All Together</a:t>
-            </a:r>
-            <a:endParaRPr lang="en-US" dirty="0"/>
-          </a:p>
-        </p:txBody>
-      </p:sp>
-      <p:sp>
-        <p:nvSpPr>
-          <p:cNvPr id="7" name="TextBox 6"/>
+          <p:cNvPr id="18" name="TextBox 17"/>
           <p:cNvSpPr txBox="1"/>
           <p:nvPr/>
         </p:nvSpPr>
         <p:spPr>
           <a:xfrm>
-            <a:off x="279023" y="2068706"/>
-            <a:ext cx="1202683" cy="646331"/>
+            <a:off x="457200" y="3802026"/>
+            <a:ext cx="1433599" cy="369332"/>
           </a:xfrm>
           <a:prstGeom prst="rect">
             <a:avLst/>
@@ -16592,13 +16493,7 @@
           <a:p>
             <a:r>
               <a:rPr lang="en-US" dirty="0" smtClean="0"/>
-              <a:t>Web</a:t>
-            </a:r>
-          </a:p>
-          <a:p>
-            <a:r>
-              <a:rPr lang="en-US" dirty="0" smtClean="0"/>
-              <a:t>Browsing</a:t>
+              <a:t>Size Chain</a:t>
             </a:r>
             <a:endParaRPr lang="en-US" dirty="0"/>
           </a:p>
@@ -16606,14 +16501,14 @@
       </p:sp>
       <p:sp>
         <p:nvSpPr>
-          <p:cNvPr id="8" name="TextBox 7"/>
+          <p:cNvPr id="19" name="TextBox 18"/>
           <p:cNvSpPr txBox="1"/>
           <p:nvPr/>
         </p:nvSpPr>
         <p:spPr>
           <a:xfrm>
-            <a:off x="211673" y="3702877"/>
-            <a:ext cx="1528269" cy="646331"/>
+            <a:off x="602146" y="5563416"/>
+            <a:ext cx="2015517" cy="369332"/>
           </a:xfrm>
           <a:prstGeom prst="rect">
             <a:avLst/>
@@ -16628,13 +16523,7 @@
           <a:p>
             <a:r>
               <a:rPr lang="en-US" dirty="0" smtClean="0"/>
-              <a:t>File</a:t>
-            </a:r>
-          </a:p>
-          <a:p>
-            <a:r>
-              <a:rPr lang="en-US" dirty="0" smtClean="0"/>
-              <a:t>Downloads</a:t>
+              <a:t>Success</a:t>
             </a:r>
             <a:endParaRPr lang="en-US" dirty="0"/>
           </a:p>
@@ -16642,14 +16531,14 @@
       </p:sp>
       <p:sp>
         <p:nvSpPr>
-          <p:cNvPr id="9" name="TextBox 8"/>
+          <p:cNvPr id="20" name="TextBox 19"/>
           <p:cNvSpPr txBox="1"/>
           <p:nvPr/>
         </p:nvSpPr>
         <p:spPr>
           <a:xfrm>
-            <a:off x="279023" y="5279317"/>
-            <a:ext cx="1528269" cy="646331"/>
+            <a:off x="759674" y="4401385"/>
+            <a:ext cx="1433599" cy="369332"/>
           </a:xfrm>
           <a:prstGeom prst="rect">
             <a:avLst/>
@@ -16664,13 +16553,97 @@
           <a:p>
             <a:r>
               <a:rPr lang="en-US" dirty="0" smtClean="0"/>
-              <a:t>Multimedia</a:t>
-            </a:r>
-          </a:p>
-          <a:p>
-            <a:r>
-              <a:rPr lang="en-US" dirty="0" smtClean="0"/>
-              <a:t>Streaming</a:t>
+              <a:t>Wait</a:t>
+            </a:r>
+            <a:endParaRPr lang="en-US" dirty="0"/>
+          </a:p>
+        </p:txBody>
+      </p:sp>
+      <p:sp>
+        <p:nvSpPr>
+          <p:cNvPr id="21" name="TextBox 20"/>
+          <p:cNvSpPr txBox="1"/>
+          <p:nvPr/>
+        </p:nvSpPr>
+        <p:spPr>
+          <a:xfrm>
+            <a:off x="883040" y="5073592"/>
+            <a:ext cx="2015517" cy="369332"/>
+          </a:xfrm>
+          <a:prstGeom prst="rect">
+            <a:avLst/>
+          </a:prstGeom>
+          <a:noFill/>
+        </p:spPr>
+        <p:txBody>
+          <a:bodyPr wrap="square" rtlCol="0">
+            <a:spAutoFit/>
+          </a:bodyPr>
+          <a:lstStyle/>
+          <a:p>
+            <a:r>
+              <a:rPr lang="en-US" dirty="0" smtClean="0"/>
+              <a:t>Fail</a:t>
+            </a:r>
+            <a:endParaRPr lang="en-US" dirty="0"/>
+          </a:p>
+        </p:txBody>
+      </p:sp>
+      <p:sp>
+        <p:nvSpPr>
+          <p:cNvPr id="22" name="TextBox 21"/>
+          <p:cNvSpPr txBox="1"/>
+          <p:nvPr/>
+        </p:nvSpPr>
+        <p:spPr>
+          <a:xfrm>
+            <a:off x="457200" y="3053518"/>
+            <a:ext cx="1433599" cy="369332"/>
+          </a:xfrm>
+          <a:prstGeom prst="rect">
+            <a:avLst/>
+          </a:prstGeom>
+          <a:noFill/>
+        </p:spPr>
+        <p:txBody>
+          <a:bodyPr wrap="square" rtlCol="0">
+            <a:spAutoFit/>
+          </a:bodyPr>
+          <a:lstStyle/>
+          <a:p>
+            <a:r>
+              <a:rPr lang="en-US" dirty="0" err="1" smtClean="0"/>
+              <a:t>Interarrival</a:t>
+            </a:r>
+            <a:endParaRPr lang="en-US" dirty="0"/>
+          </a:p>
+        </p:txBody>
+      </p:sp>
+      <p:sp>
+        <p:nvSpPr>
+          <p:cNvPr id="23" name="TextBox 22"/>
+          <p:cNvSpPr txBox="1"/>
+          <p:nvPr/>
+        </p:nvSpPr>
+        <p:spPr>
+          <a:xfrm>
+            <a:off x="457200" y="1885896"/>
+            <a:ext cx="1433599" cy="369332"/>
+          </a:xfrm>
+          <a:prstGeom prst="rect">
+            <a:avLst/>
+          </a:prstGeom>
+          <a:noFill/>
+        </p:spPr>
+        <p:txBody>
+          <a:bodyPr wrap="square" rtlCol="0">
+            <a:spAutoFit/>
+          </a:bodyPr>
+          <a:lstStyle/>
+          <a:p>
+            <a:r>
+              <a:rPr lang="en-US" dirty="0" smtClean="0"/>
+              <a:t>Collapsible</a:t>
             </a:r>
             <a:endParaRPr lang="en-US" dirty="0"/>
           </a:p>
@@ -16678,13 +16651,13 @@
       </p:sp>
       <p:cxnSp>
         <p:nvCxnSpPr>
-          <p:cNvPr id="11" name="Straight Arrow Connector 10"/>
+          <p:cNvPr id="24" name="Straight Arrow Connector 23"/>
           <p:cNvCxnSpPr/>
           <p:nvPr/>
         </p:nvCxnSpPr>
         <p:spPr>
           <a:xfrm flipV="1">
-            <a:off x="1807292" y="6523639"/>
+            <a:off x="1807292" y="6252663"/>
             <a:ext cx="7188778" cy="9622"/>
           </a:xfrm>
           <a:prstGeom prst="straightConnector1">
@@ -16711,13 +16684,13 @@
       </p:cxnSp>
       <p:sp>
         <p:nvSpPr>
-          <p:cNvPr id="12" name="TextBox 11"/>
+          <p:cNvPr id="25" name="TextBox 24"/>
           <p:cNvSpPr txBox="1"/>
           <p:nvPr/>
         </p:nvSpPr>
         <p:spPr>
           <a:xfrm>
-            <a:off x="4864144" y="6475968"/>
+            <a:off x="4864144" y="6204992"/>
             <a:ext cx="2034127" cy="277485"/>
           </a:xfrm>
           <a:prstGeom prst="rect">
@@ -16741,7 +16714,7 @@
     </p:spTree>
     <p:extLst>
       <p:ext uri="{BB962C8B-B14F-4D97-AF65-F5344CB8AC3E}">
-        <p14:creationId xmlns:p14="http://schemas.microsoft.com/office/powerpoint/2010/main" val="2180034387"/>
+        <p14:creationId xmlns:p14="http://schemas.microsoft.com/office/powerpoint/2010/main" val="807016509"/>
       </p:ext>
     </p:extLst>
   </p:cSld>
@@ -16768,6 +16741,36 @@
           <a:chExt cx="0" cy="0"/>
         </a:xfrm>
       </p:grpSpPr>
+      <p:pic>
+        <p:nvPicPr>
+          <p:cNvPr id="14" name="Picture 13" descr="all.jpg"/>
+          <p:cNvPicPr>
+            <a:picLocks noChangeAspect="1"/>
+          </p:cNvPicPr>
+          <p:nvPr/>
+        </p:nvPicPr>
+        <p:blipFill>
+          <a:blip r:embed="rId2">
+            <a:extLst>
+              <a:ext uri="{28A0092B-C50C-407E-A947-70E740481C1C}">
+                <a14:useLocalDpi xmlns:a14="http://schemas.microsoft.com/office/drawing/2010/main" val="0"/>
+              </a:ext>
+            </a:extLst>
+          </a:blip>
+          <a:stretch>
+            <a:fillRect/>
+          </a:stretch>
+        </p:blipFill>
+        <p:spPr>
+          <a:xfrm>
+            <a:off x="669493" y="1417638"/>
+            <a:ext cx="9518129" cy="5258718"/>
+          </a:xfrm>
+          <a:prstGeom prst="rect">
+            <a:avLst/>
+          </a:prstGeom>
+        </p:spPr>
+      </p:pic>
       <p:sp>
         <p:nvSpPr>
           <p:cNvPr id="2" name="Title 1"/>
@@ -16785,7 +16788,7 @@
           <a:p>
             <a:r>
               <a:rPr lang="en-US" dirty="0" smtClean="0"/>
-              <a:t>Experimental Metrics</a:t>
+              <a:t>All Together</a:t>
             </a:r>
             <a:endParaRPr lang="en-US" dirty="0"/>
           </a:p>
@@ -16793,66 +16796,170 @@
       </p:sp>
       <p:sp>
         <p:nvSpPr>
-          <p:cNvPr id="3" name="Content Placeholder 2"/>
-          <p:cNvSpPr>
-            <a:spLocks noGrp="1"/>
-          </p:cNvSpPr>
-          <p:nvPr>
-            <p:ph idx="1"/>
-          </p:nvPr>
-        </p:nvSpPr>
-        <p:spPr/>
-        <p:txBody>
-          <a:bodyPr/>
-          <a:lstStyle/>
-          <a:p>
-            <a:r>
-              <a:rPr lang="en-US" dirty="0" smtClean="0"/>
-              <a:t>Average and individual node:</a:t>
-            </a:r>
-          </a:p>
-          <a:p>
-            <a:pPr lvl="1"/>
-            <a:r>
-              <a:rPr lang="en-US" b="1" dirty="0" smtClean="0"/>
-              <a:t>Throughput (cumulative and variance)</a:t>
-            </a:r>
-          </a:p>
-          <a:p>
-            <a:pPr lvl="1"/>
-            <a:r>
-              <a:rPr lang="en-US" dirty="0" smtClean="0"/>
-              <a:t>Idle time (</a:t>
-            </a:r>
-            <a:r>
-              <a:rPr lang="en-US" dirty="0" err="1" smtClean="0"/>
-              <a:t>backoff</a:t>
-            </a:r>
-            <a:r>
-              <a:rPr lang="en-US" dirty="0" smtClean="0"/>
-              <a:t>, post-</a:t>
-            </a:r>
-            <a:r>
-              <a:rPr lang="en-US" dirty="0" err="1" smtClean="0"/>
-              <a:t>backoff</a:t>
-            </a:r>
-            <a:r>
-              <a:rPr lang="en-US" dirty="0" smtClean="0"/>
-              <a:t>)</a:t>
-            </a:r>
-          </a:p>
-          <a:p>
-            <a:pPr lvl="1"/>
-            <a:r>
-              <a:rPr lang="en-US" dirty="0" smtClean="0"/>
-              <a:t>Packet transmit probability</a:t>
-            </a:r>
-          </a:p>
-          <a:p>
-            <a:pPr lvl="1"/>
-            <a:r>
-              <a:rPr lang="en-US" dirty="0" smtClean="0"/>
-              <a:t>Packet loss probability</a:t>
+          <p:cNvPr id="7" name="TextBox 6"/>
+          <p:cNvSpPr txBox="1"/>
+          <p:nvPr/>
+        </p:nvSpPr>
+        <p:spPr>
+          <a:xfrm>
+            <a:off x="279023" y="2068706"/>
+            <a:ext cx="1202683" cy="646331"/>
+          </a:xfrm>
+          <a:prstGeom prst="rect">
+            <a:avLst/>
+          </a:prstGeom>
+          <a:noFill/>
+        </p:spPr>
+        <p:txBody>
+          <a:bodyPr wrap="square" rtlCol="0">
+            <a:spAutoFit/>
+          </a:bodyPr>
+          <a:lstStyle/>
+          <a:p>
+            <a:r>
+              <a:rPr lang="en-US" dirty="0" smtClean="0"/>
+              <a:t>Web</a:t>
+            </a:r>
+          </a:p>
+          <a:p>
+            <a:r>
+              <a:rPr lang="en-US" dirty="0" smtClean="0"/>
+              <a:t>Browsing</a:t>
+            </a:r>
+            <a:endParaRPr lang="en-US" dirty="0"/>
+          </a:p>
+        </p:txBody>
+      </p:sp>
+      <p:sp>
+        <p:nvSpPr>
+          <p:cNvPr id="8" name="TextBox 7"/>
+          <p:cNvSpPr txBox="1"/>
+          <p:nvPr/>
+        </p:nvSpPr>
+        <p:spPr>
+          <a:xfrm>
+            <a:off x="211673" y="3702877"/>
+            <a:ext cx="1528269" cy="646331"/>
+          </a:xfrm>
+          <a:prstGeom prst="rect">
+            <a:avLst/>
+          </a:prstGeom>
+          <a:noFill/>
+        </p:spPr>
+        <p:txBody>
+          <a:bodyPr wrap="square" rtlCol="0">
+            <a:spAutoFit/>
+          </a:bodyPr>
+          <a:lstStyle/>
+          <a:p>
+            <a:r>
+              <a:rPr lang="en-US" dirty="0" smtClean="0"/>
+              <a:t>File</a:t>
+            </a:r>
+          </a:p>
+          <a:p>
+            <a:r>
+              <a:rPr lang="en-US" dirty="0" smtClean="0"/>
+              <a:t>Downloads</a:t>
+            </a:r>
+            <a:endParaRPr lang="en-US" dirty="0"/>
+          </a:p>
+        </p:txBody>
+      </p:sp>
+      <p:sp>
+        <p:nvSpPr>
+          <p:cNvPr id="9" name="TextBox 8"/>
+          <p:cNvSpPr txBox="1"/>
+          <p:nvPr/>
+        </p:nvSpPr>
+        <p:spPr>
+          <a:xfrm>
+            <a:off x="279023" y="5279317"/>
+            <a:ext cx="1528269" cy="646331"/>
+          </a:xfrm>
+          <a:prstGeom prst="rect">
+            <a:avLst/>
+          </a:prstGeom>
+          <a:noFill/>
+        </p:spPr>
+        <p:txBody>
+          <a:bodyPr wrap="square" rtlCol="0">
+            <a:spAutoFit/>
+          </a:bodyPr>
+          <a:lstStyle/>
+          <a:p>
+            <a:r>
+              <a:rPr lang="en-US" dirty="0" smtClean="0"/>
+              <a:t>Multimedia</a:t>
+            </a:r>
+          </a:p>
+          <a:p>
+            <a:r>
+              <a:rPr lang="en-US" dirty="0" smtClean="0"/>
+              <a:t>Streaming</a:t>
+            </a:r>
+            <a:endParaRPr lang="en-US" dirty="0"/>
+          </a:p>
+        </p:txBody>
+      </p:sp>
+      <p:cxnSp>
+        <p:nvCxnSpPr>
+          <p:cNvPr id="11" name="Straight Arrow Connector 10"/>
+          <p:cNvCxnSpPr/>
+          <p:nvPr/>
+        </p:nvCxnSpPr>
+        <p:spPr>
+          <a:xfrm flipV="1">
+            <a:off x="1807292" y="6523639"/>
+            <a:ext cx="7188778" cy="9622"/>
+          </a:xfrm>
+          <a:prstGeom prst="straightConnector1">
+            <a:avLst/>
+          </a:prstGeom>
+          <a:ln>
+            <a:tailEnd type="arrow"/>
+          </a:ln>
+        </p:spPr>
+        <p:style>
+          <a:lnRef idx="2">
+            <a:schemeClr val="accent1"/>
+          </a:lnRef>
+          <a:fillRef idx="0">
+            <a:schemeClr val="accent1"/>
+          </a:fillRef>
+          <a:effectRef idx="1">
+            <a:schemeClr val="accent1"/>
+          </a:effectRef>
+          <a:fontRef idx="minor">
+            <a:schemeClr val="tx1"/>
+          </a:fontRef>
+        </p:style>
+      </p:cxnSp>
+      <p:sp>
+        <p:nvSpPr>
+          <p:cNvPr id="12" name="TextBox 11"/>
+          <p:cNvSpPr txBox="1"/>
+          <p:nvPr/>
+        </p:nvSpPr>
+        <p:spPr>
+          <a:xfrm>
+            <a:off x="4864144" y="6475968"/>
+            <a:ext cx="2034127" cy="277485"/>
+          </a:xfrm>
+          <a:prstGeom prst="rect">
+            <a:avLst/>
+          </a:prstGeom>
+          <a:noFill/>
+        </p:spPr>
+        <p:txBody>
+          <a:bodyPr wrap="square" rtlCol="0">
+            <a:spAutoFit/>
+          </a:bodyPr>
+          <a:lstStyle/>
+          <a:p>
+            <a:r>
+              <a:rPr lang="en-US" dirty="0" smtClean="0"/>
+              <a:t>time</a:t>
             </a:r>
           </a:p>
         </p:txBody>
@@ -16860,7 +16967,7 @@
     </p:spTree>
     <p:extLst>
       <p:ext uri="{BB962C8B-B14F-4D97-AF65-F5344CB8AC3E}">
-        <p14:creationId xmlns:p14="http://schemas.microsoft.com/office/powerpoint/2010/main" val="2065468025"/>
+        <p14:creationId xmlns:p14="http://schemas.microsoft.com/office/powerpoint/2010/main" val="2180034387"/>
       </p:ext>
     </p:extLst>
   </p:cSld>
@@ -16904,11 +17011,7 @@
           <a:p>
             <a:r>
               <a:rPr lang="en-US" dirty="0" smtClean="0"/>
-              <a:t>The Case for Small </a:t>
-            </a:r>
-            <a:r>
-              <a:rPr lang="en-US" dirty="0" err="1" smtClean="0"/>
-              <a:t>Backoffs</a:t>
+              <a:t>Experimental Metrics</a:t>
             </a:r>
             <a:endParaRPr lang="en-US" dirty="0"/>
           </a:p>
@@ -16929,12 +17032,23 @@
           <a:bodyPr/>
           <a:lstStyle/>
           <a:p>
-            <a:pPr marL="0" indent="0">
-              <a:buNone/>
-            </a:pPr>
-            <a:r>
-              <a:rPr lang="en-US" dirty="0" smtClean="0"/>
-              <a:t>Simulations with large </a:t>
+            <a:r>
+              <a:rPr lang="en-US" dirty="0" smtClean="0"/>
+              <a:t>Average and individual node:</a:t>
+            </a:r>
+          </a:p>
+          <a:p>
+            <a:pPr lvl="1"/>
+            <a:r>
+              <a:rPr lang="en-US" b="1" dirty="0" smtClean="0"/>
+              <a:t>Throughput (cumulative and variance)</a:t>
+            </a:r>
+          </a:p>
+          <a:p>
+            <a:pPr lvl="1"/>
+            <a:r>
+              <a:rPr lang="en-US" dirty="0" smtClean="0"/>
+              <a:t>Idle time (</a:t>
             </a:r>
             <a:r>
               <a:rPr lang="en-US" dirty="0" err="1" smtClean="0"/>
@@ -16942,76 +17056,37 @@
             </a:r>
             <a:r>
               <a:rPr lang="en-US" dirty="0" smtClean="0"/>
-              <a:t> values make metrics less “visible”</a:t>
-            </a:r>
-            <a:endParaRPr lang="en-US" baseline="-25000" dirty="0"/>
-          </a:p>
-        </p:txBody>
-      </p:sp>
-      <p:pic>
-        <p:nvPicPr>
-          <p:cNvPr id="4" name="Picture 3" descr="normal-largewmin-2.jpg"/>
-          <p:cNvPicPr>
-            <a:picLocks noChangeAspect="1"/>
-          </p:cNvPicPr>
-          <p:nvPr/>
-        </p:nvPicPr>
-        <p:blipFill>
-          <a:blip r:embed="rId2">
-            <a:extLst>
-              <a:ext uri="{28A0092B-C50C-407E-A947-70E740481C1C}">
-                <a14:useLocalDpi xmlns:a14="http://schemas.microsoft.com/office/drawing/2010/main" val="0"/>
-              </a:ext>
-            </a:extLst>
-          </a:blip>
-          <a:stretch>
-            <a:fillRect/>
-          </a:stretch>
-        </p:blipFill>
-        <p:spPr>
-          <a:xfrm>
-            <a:off x="4350685" y="2687580"/>
-            <a:ext cx="4555122" cy="3416341"/>
-          </a:xfrm>
-          <a:prstGeom prst="rect">
-            <a:avLst/>
-          </a:prstGeom>
-        </p:spPr>
-      </p:pic>
-      <p:pic>
-        <p:nvPicPr>
-          <p:cNvPr id="5" name="Picture 4" descr="normal-smallwmin-2.jpg"/>
-          <p:cNvPicPr>
-            <a:picLocks noChangeAspect="1"/>
-          </p:cNvPicPr>
-          <p:nvPr/>
-        </p:nvPicPr>
-        <p:blipFill>
-          <a:blip r:embed="rId3">
-            <a:extLst>
-              <a:ext uri="{28A0092B-C50C-407E-A947-70E740481C1C}">
-                <a14:useLocalDpi xmlns:a14="http://schemas.microsoft.com/office/drawing/2010/main" val="0"/>
-              </a:ext>
-            </a:extLst>
-          </a:blip>
-          <a:stretch>
-            <a:fillRect/>
-          </a:stretch>
-        </p:blipFill>
-        <p:spPr>
-          <a:xfrm>
-            <a:off x="339055" y="2713775"/>
-            <a:ext cx="4523597" cy="3392698"/>
-          </a:xfrm>
-          <a:prstGeom prst="rect">
-            <a:avLst/>
-          </a:prstGeom>
-        </p:spPr>
-      </p:pic>
+              <a:t>, post-</a:t>
+            </a:r>
+            <a:r>
+              <a:rPr lang="en-US" dirty="0" err="1" smtClean="0"/>
+              <a:t>backoff</a:t>
+            </a:r>
+            <a:r>
+              <a:rPr lang="en-US" dirty="0" smtClean="0"/>
+              <a:t>)</a:t>
+            </a:r>
+          </a:p>
+          <a:p>
+            <a:pPr lvl="1"/>
+            <a:r>
+              <a:rPr lang="en-US" dirty="0" smtClean="0"/>
+              <a:t>Packet transmit probability</a:t>
+            </a:r>
+          </a:p>
+          <a:p>
+            <a:pPr lvl="1"/>
+            <a:r>
+              <a:rPr lang="en-US" dirty="0" smtClean="0"/>
+              <a:t>Packet loss probability</a:t>
+            </a:r>
+          </a:p>
+        </p:txBody>
+      </p:sp>
     </p:spTree>
     <p:extLst>
       <p:ext uri="{BB962C8B-B14F-4D97-AF65-F5344CB8AC3E}">
-        <p14:creationId xmlns:p14="http://schemas.microsoft.com/office/powerpoint/2010/main" val="2793871312"/>
+        <p14:creationId xmlns:p14="http://schemas.microsoft.com/office/powerpoint/2010/main" val="2065468025"/>
       </p:ext>
     </p:extLst>
   </p:cSld>
@@ -17055,7 +17130,11 @@
           <a:p>
             <a:r>
               <a:rPr lang="en-US" dirty="0" smtClean="0"/>
-              <a:t>The Case for Few Nodes</a:t>
+              <a:t>The Case for Small </a:t>
+            </a:r>
+            <a:r>
+              <a:rPr lang="en-US" dirty="0" err="1" smtClean="0"/>
+              <a:t>Backoffs</a:t>
             </a:r>
             <a:endParaRPr lang="en-US" dirty="0"/>
           </a:p>
@@ -17081,15 +17160,23 @@
             </a:pPr>
             <a:r>
               <a:rPr lang="en-US" dirty="0" smtClean="0"/>
-              <a:t>Simulations with many nodes obfuscate the effects of traffic parameters </a:t>
-            </a:r>
-            <a:endParaRPr lang="en-US" dirty="0"/>
+              <a:t>Simulations with large </a:t>
+            </a:r>
+            <a:r>
+              <a:rPr lang="en-US" dirty="0" err="1" smtClean="0"/>
+              <a:t>backoff</a:t>
+            </a:r>
+            <a:r>
+              <a:rPr lang="en-US" dirty="0" smtClean="0"/>
+              <a:t> values make metrics less “visible”</a:t>
+            </a:r>
+            <a:endParaRPr lang="en-US" baseline="-25000" dirty="0"/>
           </a:p>
         </p:txBody>
       </p:sp>
       <p:pic>
         <p:nvPicPr>
-          <p:cNvPr id="5" name="Picture 4" descr="fig-multinode.jpg"/>
+          <p:cNvPr id="4" name="Picture 3" descr="normal-largewmin-2.jpg"/>
           <p:cNvPicPr>
             <a:picLocks noChangeAspect="1"/>
           </p:cNvPicPr>
@@ -17109,8 +17196,38 @@
         </p:blipFill>
         <p:spPr>
           <a:xfrm>
-            <a:off x="1522062" y="2597910"/>
-            <a:ext cx="6116313" cy="4260089"/>
+            <a:off x="4350685" y="2687580"/>
+            <a:ext cx="4555122" cy="3416341"/>
+          </a:xfrm>
+          <a:prstGeom prst="rect">
+            <a:avLst/>
+          </a:prstGeom>
+        </p:spPr>
+      </p:pic>
+      <p:pic>
+        <p:nvPicPr>
+          <p:cNvPr id="5" name="Picture 4" descr="normal-smallwmin-2.jpg"/>
+          <p:cNvPicPr>
+            <a:picLocks noChangeAspect="1"/>
+          </p:cNvPicPr>
+          <p:nvPr/>
+        </p:nvPicPr>
+        <p:blipFill>
+          <a:blip r:embed="rId3">
+            <a:extLst>
+              <a:ext uri="{28A0092B-C50C-407E-A947-70E740481C1C}">
+                <a14:useLocalDpi xmlns:a14="http://schemas.microsoft.com/office/drawing/2010/main" val="0"/>
+              </a:ext>
+            </a:extLst>
+          </a:blip>
+          <a:stretch>
+            <a:fillRect/>
+          </a:stretch>
+        </p:blipFill>
+        <p:spPr>
+          <a:xfrm>
+            <a:off x="339055" y="2713775"/>
+            <a:ext cx="4523597" cy="3392698"/>
           </a:xfrm>
           <a:prstGeom prst="rect">
             <a:avLst/>
@@ -17120,7 +17237,7 @@
     </p:spTree>
     <p:extLst>
       <p:ext uri="{BB962C8B-B14F-4D97-AF65-F5344CB8AC3E}">
-        <p14:creationId xmlns:p14="http://schemas.microsoft.com/office/powerpoint/2010/main" val="2835695773"/>
+        <p14:creationId xmlns:p14="http://schemas.microsoft.com/office/powerpoint/2010/main" val="2793871312"/>
       </p:ext>
     </p:extLst>
   </p:cSld>
@@ -17316,7 +17433,7 @@
           <a:p>
             <a:r>
               <a:rPr lang="en-US" dirty="0" smtClean="0"/>
-              <a:t>Experimental Setup</a:t>
+              <a:t>The Case for Few Nodes</a:t>
             </a:r>
             <a:endParaRPr lang="en-US" dirty="0"/>
           </a:p>
@@ -17337,73 +17454,51 @@
           <a:bodyPr/>
           <a:lstStyle/>
           <a:p>
-            <a:r>
-              <a:rPr lang="en-US" dirty="0" smtClean="0"/>
-              <a:t>Choose one </a:t>
-            </a:r>
-            <a:r>
-              <a:rPr lang="en-US" b="1" dirty="0" smtClean="0"/>
-              <a:t>fixed</a:t>
-            </a:r>
-            <a:r>
-              <a:rPr lang="en-US" dirty="0" smtClean="0"/>
-              <a:t> random node</a:t>
-            </a:r>
-          </a:p>
-          <a:p>
-            <a:r>
-              <a:rPr lang="en-US" dirty="0" smtClean="0"/>
-              <a:t>Choose another node of the target traffic type and vary a </a:t>
-            </a:r>
-            <a:r>
-              <a:rPr lang="en-US" b="1" dirty="0" smtClean="0"/>
-              <a:t>single </a:t>
-            </a:r>
-            <a:r>
-              <a:rPr lang="en-US" dirty="0" smtClean="0"/>
-              <a:t>parameters,</a:t>
-            </a:r>
-          </a:p>
-          <a:p>
-            <a:pPr lvl="1"/>
-            <a:r>
-              <a:rPr lang="en-US" dirty="0" err="1" smtClean="0"/>
-              <a:t>Interarrival</a:t>
-            </a:r>
-            <a:r>
-              <a:rPr lang="en-US" dirty="0" smtClean="0"/>
-              <a:t> time (chain length)</a:t>
-            </a:r>
-          </a:p>
-          <a:p>
-            <a:pPr lvl="1"/>
-            <a:r>
-              <a:rPr lang="en-US" dirty="0" smtClean="0"/>
-              <a:t>Packet size distribution</a:t>
+            <a:pPr marL="0" indent="0">
+              <a:buNone/>
+            </a:pPr>
+            <a:r>
+              <a:rPr lang="en-US" dirty="0" smtClean="0"/>
+              <a:t>Simulations with many nodes obfuscate the effects of traffic parameters </a:t>
             </a:r>
             <a:endParaRPr lang="en-US" dirty="0"/>
           </a:p>
-          <a:p>
-            <a:pPr lvl="1"/>
-            <a:r>
-              <a:rPr lang="en-US" dirty="0" smtClean="0"/>
-              <a:t>Likelihood of entering an </a:t>
-            </a:r>
-            <a:r>
-              <a:rPr lang="en-US" dirty="0" err="1" smtClean="0"/>
-              <a:t>interarrival</a:t>
-            </a:r>
-            <a:r>
-              <a:rPr lang="en-US" dirty="0" smtClean="0"/>
-              <a:t> chain</a:t>
-            </a:r>
-          </a:p>
-        </p:txBody>
-      </p:sp>
+        </p:txBody>
+      </p:sp>
+      <p:pic>
+        <p:nvPicPr>
+          <p:cNvPr id="5" name="Picture 4" descr="fig-multinode.jpg"/>
+          <p:cNvPicPr>
+            <a:picLocks noChangeAspect="1"/>
+          </p:cNvPicPr>
+          <p:nvPr/>
+        </p:nvPicPr>
+        <p:blipFill>
+          <a:blip r:embed="rId2">
+            <a:extLst>
+              <a:ext uri="{28A0092B-C50C-407E-A947-70E740481C1C}">
+                <a14:useLocalDpi xmlns:a14="http://schemas.microsoft.com/office/drawing/2010/main" val="0"/>
+              </a:ext>
+            </a:extLst>
+          </a:blip>
+          <a:stretch>
+            <a:fillRect/>
+          </a:stretch>
+        </p:blipFill>
+        <p:spPr>
+          <a:xfrm>
+            <a:off x="1522062" y="2597910"/>
+            <a:ext cx="6116313" cy="4260089"/>
+          </a:xfrm>
+          <a:prstGeom prst="rect">
+            <a:avLst/>
+          </a:prstGeom>
+        </p:spPr>
+      </p:pic>
     </p:spTree>
     <p:extLst>
       <p:ext uri="{BB962C8B-B14F-4D97-AF65-F5344CB8AC3E}">
-        <p14:creationId xmlns:p14="http://schemas.microsoft.com/office/powerpoint/2010/main" val="3927377414"/>
+        <p14:creationId xmlns:p14="http://schemas.microsoft.com/office/powerpoint/2010/main" val="2835695773"/>
       </p:ext>
     </p:extLst>
   </p:cSld>
@@ -17442,151 +17537,99 @@
         </p:nvSpPr>
         <p:spPr/>
         <p:txBody>
-          <a:bodyPr>
-            <a:normAutofit fontScale="90000"/>
-          </a:bodyPr>
-          <a:lstStyle/>
-          <a:p>
-            <a:r>
-              <a:rPr lang="en-US" dirty="0" smtClean="0"/>
-              <a:t>File Downloads: Varying </a:t>
-            </a:r>
+          <a:bodyPr/>
+          <a:lstStyle/>
+          <a:p>
+            <a:r>
+              <a:rPr lang="en-US" dirty="0" smtClean="0"/>
+              <a:t>Experimental Setup</a:t>
+            </a:r>
+            <a:endParaRPr lang="en-US" dirty="0"/>
+          </a:p>
+        </p:txBody>
+      </p:sp>
+      <p:sp>
+        <p:nvSpPr>
+          <p:cNvPr id="3" name="Content Placeholder 2"/>
+          <p:cNvSpPr>
+            <a:spLocks noGrp="1"/>
+          </p:cNvSpPr>
+          <p:nvPr>
+            <p:ph idx="1"/>
+          </p:nvPr>
+        </p:nvSpPr>
+        <p:spPr/>
+        <p:txBody>
+          <a:bodyPr/>
+          <a:lstStyle/>
+          <a:p>
+            <a:r>
+              <a:rPr lang="en-US" dirty="0" smtClean="0"/>
+              <a:t>Choose one </a:t>
+            </a:r>
+            <a:r>
+              <a:rPr lang="en-US" b="1" dirty="0" smtClean="0"/>
+              <a:t>fixed</a:t>
+            </a:r>
+            <a:r>
+              <a:rPr lang="en-US" dirty="0" smtClean="0"/>
+              <a:t> random node</a:t>
+            </a:r>
+          </a:p>
+          <a:p>
+            <a:r>
+              <a:rPr lang="en-US" dirty="0" smtClean="0"/>
+              <a:t>Choose another node of the target traffic type and vary a </a:t>
+            </a:r>
+            <a:r>
+              <a:rPr lang="en-US" b="1" dirty="0" smtClean="0"/>
+              <a:t>single </a:t>
+            </a:r>
+            <a:r>
+              <a:rPr lang="en-US" dirty="0" smtClean="0"/>
+              <a:t>parameters,</a:t>
+            </a:r>
+          </a:p>
+          <a:p>
+            <a:pPr lvl="1"/>
             <a:r>
               <a:rPr lang="en-US" dirty="0" err="1" smtClean="0"/>
               <a:t>Interarrival</a:t>
             </a:r>
             <a:r>
               <a:rPr lang="en-US" dirty="0" smtClean="0"/>
-              <a:t> Time</a:t>
+              <a:t> time (chain length)</a:t>
+            </a:r>
+          </a:p>
+          <a:p>
+            <a:pPr lvl="1"/>
+            <a:r>
+              <a:rPr lang="en-US" dirty="0" smtClean="0"/>
+              <a:t>Packet size distribution</a:t>
             </a:r>
             <a:endParaRPr lang="en-US" dirty="0"/>
           </a:p>
-        </p:txBody>
-      </p:sp>
-      <p:pic>
-        <p:nvPicPr>
-          <p:cNvPr id="5" name="Picture 4" descr="fig-simulation_random_download-interarival-1_0_1_0_1_1_25.jpg"/>
-          <p:cNvPicPr>
-            <a:picLocks noChangeAspect="1"/>
-          </p:cNvPicPr>
-          <p:nvPr/>
-        </p:nvPicPr>
-        <p:blipFill>
-          <a:blip r:embed="rId2">
-            <a:extLst>
-              <a:ext uri="{28A0092B-C50C-407E-A947-70E740481C1C}">
-                <a14:useLocalDpi xmlns:a14="http://schemas.microsoft.com/office/drawing/2010/main" val="0"/>
-              </a:ext>
-            </a:extLst>
-          </a:blip>
-          <a:stretch>
-            <a:fillRect/>
-          </a:stretch>
-        </p:blipFill>
-        <p:spPr>
-          <a:xfrm>
-            <a:off x="0" y="1919698"/>
-            <a:ext cx="4923676" cy="3692757"/>
-          </a:xfrm>
-          <a:prstGeom prst="rect">
-            <a:avLst/>
-          </a:prstGeom>
-        </p:spPr>
-      </p:pic>
-      <p:pic>
-        <p:nvPicPr>
-          <p:cNvPr id="4" name="Picture 3" descr="fig-simulation_random_download-interarival-1_0_5_0_1_1_25.jpg"/>
-          <p:cNvPicPr>
-            <a:picLocks noChangeAspect="1"/>
-          </p:cNvPicPr>
-          <p:nvPr/>
-        </p:nvPicPr>
-        <p:blipFill>
-          <a:blip r:embed="rId3">
-            <a:extLst>
-              <a:ext uri="{28A0092B-C50C-407E-A947-70E740481C1C}">
-                <a14:useLocalDpi xmlns:a14="http://schemas.microsoft.com/office/drawing/2010/main" val="0"/>
-              </a:ext>
-            </a:extLst>
-          </a:blip>
-          <a:stretch>
-            <a:fillRect/>
-          </a:stretch>
-        </p:blipFill>
-        <p:spPr>
-          <a:xfrm>
-            <a:off x="4558462" y="1919697"/>
-            <a:ext cx="4923675" cy="3692757"/>
-          </a:xfrm>
-          <a:prstGeom prst="rect">
-            <a:avLst/>
-          </a:prstGeom>
-        </p:spPr>
-      </p:pic>
-      <p:sp>
-        <p:nvSpPr>
-          <p:cNvPr id="6" name="TextBox 5"/>
-          <p:cNvSpPr txBox="1"/>
-          <p:nvPr/>
-        </p:nvSpPr>
-        <p:spPr>
-          <a:xfrm>
-            <a:off x="1466978" y="5675257"/>
-            <a:ext cx="2185699" cy="369332"/>
-          </a:xfrm>
-          <a:prstGeom prst="rect">
-            <a:avLst/>
-          </a:prstGeom>
-          <a:noFill/>
-        </p:spPr>
-        <p:txBody>
-          <a:bodyPr wrap="square" rtlCol="0">
-            <a:spAutoFit/>
-          </a:bodyPr>
-          <a:lstStyle/>
-          <a:p>
-            <a:r>
-              <a:rPr lang="en-US" dirty="0" smtClean="0"/>
-              <a:t>Packet Size = [1]</a:t>
-            </a:r>
-            <a:endParaRPr lang="en-US" dirty="0"/>
-          </a:p>
-        </p:txBody>
-      </p:sp>
-      <p:sp>
-        <p:nvSpPr>
-          <p:cNvPr id="7" name="TextBox 6"/>
-          <p:cNvSpPr txBox="1"/>
-          <p:nvPr/>
-        </p:nvSpPr>
-        <p:spPr>
-          <a:xfrm>
-            <a:off x="5769458" y="5646752"/>
-            <a:ext cx="2731919" cy="369332"/>
-          </a:xfrm>
-          <a:prstGeom prst="rect">
-            <a:avLst/>
-          </a:prstGeom>
-          <a:noFill/>
-        </p:spPr>
-        <p:txBody>
-          <a:bodyPr wrap="square" rtlCol="0">
-            <a:spAutoFit/>
-          </a:bodyPr>
-          <a:lstStyle/>
-          <a:p>
-            <a:r>
-              <a:rPr lang="en-US" dirty="0" smtClean="0"/>
-              <a:t>Packet Size = [1,2,3,4,5]</a:t>
-            </a:r>
-            <a:endParaRPr lang="en-US" dirty="0"/>
+          <a:p>
+            <a:pPr lvl="1"/>
+            <a:r>
+              <a:rPr lang="en-US" dirty="0" smtClean="0"/>
+              <a:t>Likelihood of entering an </a:t>
+            </a:r>
+            <a:r>
+              <a:rPr lang="en-US" dirty="0" err="1" smtClean="0"/>
+              <a:t>interarrival</a:t>
+            </a:r>
+            <a:r>
+              <a:rPr lang="en-US" dirty="0" smtClean="0"/>
+              <a:t> chain</a:t>
+            </a:r>
           </a:p>
         </p:txBody>
       </p:sp>
     </p:spTree>
     <p:extLst>
       <p:ext uri="{BB962C8B-B14F-4D97-AF65-F5344CB8AC3E}">
-        <p14:creationId xmlns:p14="http://schemas.microsoft.com/office/powerpoint/2010/main" val="451484042"/>
+        <p14:creationId xmlns:p14="http://schemas.microsoft.com/office/powerpoint/2010/main" val="3927377414"/>
       </p:ext>
     </p:extLst>
   </p:cSld>
@@ -17626,13 +17669,21 @@
         <p:spPr/>
         <p:txBody>
           <a:bodyPr>
-            <a:normAutofit/>
+            <a:normAutofit fontScale="90000"/>
           </a:bodyPr>
           <a:lstStyle/>
           <a:p>
             <a:r>
               <a:rPr lang="en-US" dirty="0" smtClean="0"/>
-              <a:t>File Downloads: Varying Packet Size</a:t>
+              <a:t>File Downloads: Varying </a:t>
+            </a:r>
+            <a:r>
+              <a:rPr lang="en-US" dirty="0" err="1" smtClean="0"/>
+              <a:t>Interarrival</a:t>
+            </a:r>
+            <a:r>
+              <a:rPr lang="en-US" dirty="0" smtClean="0"/>
+              <a:t> Time</a:t>
             </a:r>
             <a:endParaRPr lang="en-US" dirty="0"/>
           </a:p>
@@ -17640,7 +17691,7 @@
       </p:sp>
       <p:pic>
         <p:nvPicPr>
-          <p:cNvPr id="4" name="Picture 3" descr="fig-simulation_random_download-maxpackets-1_0_1_0_1_1_25.jpg"/>
+          <p:cNvPr id="5" name="Picture 4" descr="fig-simulation_random_download-interarival-1_0_1_0_1_1_25.jpg"/>
           <p:cNvPicPr>
             <a:picLocks noChangeAspect="1"/>
           </p:cNvPicPr>
@@ -17660,8 +17711,8 @@
         </p:blipFill>
         <p:spPr>
           <a:xfrm>
-            <a:off x="-246137" y="1772044"/>
-            <a:ext cx="5027293" cy="3770470"/>
+            <a:off x="0" y="1919698"/>
+            <a:ext cx="4923676" cy="3692757"/>
           </a:xfrm>
           <a:prstGeom prst="rect">
             <a:avLst/>
@@ -17670,7 +17721,7 @@
       </p:pic>
       <p:pic>
         <p:nvPicPr>
-          <p:cNvPr id="5" name="Picture 4" descr="fig-simulation_random_download-maxpackets-1_0_5_0_1_1_25.jpg"/>
+          <p:cNvPr id="4" name="Picture 3" descr="fig-simulation_random_download-interarival-1_0_5_0_1_1_25.jpg"/>
           <p:cNvPicPr>
             <a:picLocks noChangeAspect="1"/>
           </p:cNvPicPr>
@@ -17690,8 +17741,8 @@
         </p:blipFill>
         <p:spPr>
           <a:xfrm>
-            <a:off x="4302681" y="1772044"/>
-            <a:ext cx="5323749" cy="3841335"/>
+            <a:off x="4558462" y="1919697"/>
+            <a:ext cx="4923675" cy="3692757"/>
           </a:xfrm>
           <a:prstGeom prst="rect">
             <a:avLst/>
@@ -17761,7 +17812,7 @@
     </p:spTree>
     <p:extLst>
       <p:ext uri="{BB962C8B-B14F-4D97-AF65-F5344CB8AC3E}">
-        <p14:creationId xmlns:p14="http://schemas.microsoft.com/office/powerpoint/2010/main" val="3186649161"/>
+        <p14:creationId xmlns:p14="http://schemas.microsoft.com/office/powerpoint/2010/main" val="451484042"/>
       </p:ext>
     </p:extLst>
   </p:cSld>
@@ -17800,81 +17851,135 @@
         </p:nvSpPr>
         <p:spPr/>
         <p:txBody>
-          <a:bodyPr/>
-          <a:lstStyle/>
-          <a:p>
-            <a:r>
-              <a:rPr lang="en-US" dirty="0" smtClean="0"/>
-              <a:t>Observations</a:t>
+          <a:bodyPr>
+            <a:normAutofit/>
+          </a:bodyPr>
+          <a:lstStyle/>
+          <a:p>
+            <a:r>
+              <a:rPr lang="en-US" dirty="0" smtClean="0"/>
+              <a:t>File Downloads: Varying Packet Size</a:t>
             </a:r>
             <a:endParaRPr lang="en-US" dirty="0"/>
           </a:p>
         </p:txBody>
       </p:sp>
-      <p:sp>
-        <p:nvSpPr>
-          <p:cNvPr id="3" name="Content Placeholder 2"/>
-          <p:cNvSpPr>
-            <a:spLocks noGrp="1"/>
-          </p:cNvSpPr>
-          <p:nvPr>
-            <p:ph idx="1"/>
-          </p:nvPr>
-        </p:nvSpPr>
-        <p:spPr/>
-        <p:txBody>
-          <a:bodyPr>
-            <a:normAutofit fontScale="92500" lnSpcReduction="10000"/>
+      <p:pic>
+        <p:nvPicPr>
+          <p:cNvPr id="4" name="Picture 3" descr="fig-simulation_random_download-maxpackets-1_0_1_0_1_1_25.jpg"/>
+          <p:cNvPicPr>
+            <a:picLocks noChangeAspect="1"/>
+          </p:cNvPicPr>
+          <p:nvPr/>
+        </p:nvPicPr>
+        <p:blipFill>
+          <a:blip r:embed="rId2">
+            <a:extLst>
+              <a:ext uri="{28A0092B-C50C-407E-A947-70E740481C1C}">
+                <a14:useLocalDpi xmlns:a14="http://schemas.microsoft.com/office/drawing/2010/main" val="0"/>
+              </a:ext>
+            </a:extLst>
+          </a:blip>
+          <a:stretch>
+            <a:fillRect/>
+          </a:stretch>
+        </p:blipFill>
+        <p:spPr>
+          <a:xfrm>
+            <a:off x="-246137" y="1772044"/>
+            <a:ext cx="5027293" cy="3770470"/>
+          </a:xfrm>
+          <a:prstGeom prst="rect">
+            <a:avLst/>
+          </a:prstGeom>
+        </p:spPr>
+      </p:pic>
+      <p:pic>
+        <p:nvPicPr>
+          <p:cNvPr id="5" name="Picture 4" descr="fig-simulation_random_download-maxpackets-1_0_5_0_1_1_25.jpg"/>
+          <p:cNvPicPr>
+            <a:picLocks noChangeAspect="1"/>
+          </p:cNvPicPr>
+          <p:nvPr/>
+        </p:nvPicPr>
+        <p:blipFill>
+          <a:blip r:embed="rId3">
+            <a:extLst>
+              <a:ext uri="{28A0092B-C50C-407E-A947-70E740481C1C}">
+                <a14:useLocalDpi xmlns:a14="http://schemas.microsoft.com/office/drawing/2010/main" val="0"/>
+              </a:ext>
+            </a:extLst>
+          </a:blip>
+          <a:stretch>
+            <a:fillRect/>
+          </a:stretch>
+        </p:blipFill>
+        <p:spPr>
+          <a:xfrm>
+            <a:off x="4302681" y="1772044"/>
+            <a:ext cx="5323749" cy="3841335"/>
+          </a:xfrm>
+          <a:prstGeom prst="rect">
+            <a:avLst/>
+          </a:prstGeom>
+        </p:spPr>
+      </p:pic>
+      <p:sp>
+        <p:nvSpPr>
+          <p:cNvPr id="6" name="TextBox 5"/>
+          <p:cNvSpPr txBox="1"/>
+          <p:nvPr/>
+        </p:nvSpPr>
+        <p:spPr>
+          <a:xfrm>
+            <a:off x="1466978" y="5675257"/>
+            <a:ext cx="2185699" cy="369332"/>
+          </a:xfrm>
+          <a:prstGeom prst="rect">
+            <a:avLst/>
+          </a:prstGeom>
+          <a:noFill/>
+        </p:spPr>
+        <p:txBody>
+          <a:bodyPr wrap="square" rtlCol="0">
+            <a:spAutoFit/>
           </a:bodyPr>
           <a:lstStyle/>
           <a:p>
             <a:r>
-              <a:rPr lang="en-US" b="1" dirty="0" smtClean="0"/>
-              <a:t>Average throughput</a:t>
-            </a:r>
-            <a:r>
-              <a:rPr lang="en-US" dirty="0" smtClean="0"/>
-              <a:t> increases as the time between file download bursts of packets increases</a:t>
-            </a:r>
-          </a:p>
-          <a:p>
-            <a:r>
-              <a:rPr lang="en-US" b="1" dirty="0" smtClean="0"/>
-              <a:t>Average throughput</a:t>
-            </a:r>
-            <a:r>
-              <a:rPr lang="en-US" dirty="0" smtClean="0"/>
-              <a:t> increases as the size of packets increases</a:t>
-            </a:r>
-          </a:p>
-          <a:p>
-            <a:r>
-              <a:rPr lang="en-US" b="1" dirty="0" smtClean="0"/>
-              <a:t>Download throughput</a:t>
-            </a:r>
-            <a:r>
-              <a:rPr lang="en-US" dirty="0" smtClean="0"/>
-              <a:t> is starved due to increasing packet sizes and long </a:t>
-            </a:r>
-            <a:r>
-              <a:rPr lang="en-US" dirty="0" err="1" smtClean="0"/>
-              <a:t>interarrival</a:t>
-            </a:r>
-            <a:r>
-              <a:rPr lang="en-US" dirty="0" smtClean="0"/>
-              <a:t> time (longer time between attempts)</a:t>
-            </a:r>
-          </a:p>
-          <a:p>
-            <a:r>
-              <a:rPr lang="en-US" dirty="0" smtClean="0"/>
-              <a:t>Long times between bursts leave more room for other nodes to transmit </a:t>
-            </a:r>
-          </a:p>
-          <a:p>
-            <a:pPr marL="0" indent="0">
-              <a:buNone/>
-            </a:pPr>
+              <a:rPr lang="en-US" dirty="0" smtClean="0"/>
+              <a:t>Packet Size = [1]</a:t>
+            </a:r>
+            <a:endParaRPr lang="en-US" dirty="0"/>
+          </a:p>
+        </p:txBody>
+      </p:sp>
+      <p:sp>
+        <p:nvSpPr>
+          <p:cNvPr id="7" name="TextBox 6"/>
+          <p:cNvSpPr txBox="1"/>
+          <p:nvPr/>
+        </p:nvSpPr>
+        <p:spPr>
+          <a:xfrm>
+            <a:off x="5769458" y="5646752"/>
+            <a:ext cx="2731919" cy="369332"/>
+          </a:xfrm>
+          <a:prstGeom prst="rect">
+            <a:avLst/>
+          </a:prstGeom>
+          <a:noFill/>
+        </p:spPr>
+        <p:txBody>
+          <a:bodyPr wrap="square" rtlCol="0">
+            <a:spAutoFit/>
+          </a:bodyPr>
+          <a:lstStyle/>
+          <a:p>
+            <a:r>
+              <a:rPr lang="en-US" dirty="0" smtClean="0"/>
+              <a:t>Packet Size = [1,2,3,4,5]</a:t>
+            </a:r>
             <a:endParaRPr lang="en-US" dirty="0"/>
           </a:p>
         </p:txBody>
@@ -17882,7 +17987,7 @@
     </p:spTree>
     <p:extLst>
       <p:ext uri="{BB962C8B-B14F-4D97-AF65-F5344CB8AC3E}">
-        <p14:creationId xmlns:p14="http://schemas.microsoft.com/office/powerpoint/2010/main" val="68225269"/>
+        <p14:creationId xmlns:p14="http://schemas.microsoft.com/office/powerpoint/2010/main" val="3186649161"/>
       </p:ext>
     </p:extLst>
   </p:cSld>
@@ -17921,135 +18026,81 @@
         </p:nvSpPr>
         <p:spPr/>
         <p:txBody>
+          <a:bodyPr/>
+          <a:lstStyle/>
+          <a:p>
+            <a:r>
+              <a:rPr lang="en-US" dirty="0" smtClean="0"/>
+              <a:t>Observations</a:t>
+            </a:r>
+            <a:endParaRPr lang="en-US" dirty="0"/>
+          </a:p>
+        </p:txBody>
+      </p:sp>
+      <p:sp>
+        <p:nvSpPr>
+          <p:cNvPr id="3" name="Content Placeholder 2"/>
+          <p:cNvSpPr>
+            <a:spLocks noGrp="1"/>
+          </p:cNvSpPr>
+          <p:nvPr>
+            <p:ph idx="1"/>
+          </p:nvPr>
+        </p:nvSpPr>
+        <p:spPr/>
+        <p:txBody>
           <a:bodyPr>
-            <a:normAutofit fontScale="90000"/>
+            <a:normAutofit fontScale="92500" lnSpcReduction="10000"/>
           </a:bodyPr>
           <a:lstStyle/>
           <a:p>
             <a:r>
-              <a:rPr lang="en-US" dirty="0" smtClean="0"/>
-              <a:t>Web Browsing: Probability Traffic Gaps</a:t>
-            </a:r>
-            <a:endParaRPr lang="en-US" dirty="0"/>
-          </a:p>
-        </p:txBody>
-      </p:sp>
-      <p:pic>
-        <p:nvPicPr>
-          <p:cNvPr id="9" name="Picture 8" descr="enter.jpg"/>
-          <p:cNvPicPr>
-            <a:picLocks noChangeAspect="1"/>
-          </p:cNvPicPr>
-          <p:nvPr/>
-        </p:nvPicPr>
-        <p:blipFill>
-          <a:blip r:embed="rId2">
-            <a:extLst>
-              <a:ext uri="{28A0092B-C50C-407E-A947-70E740481C1C}">
-                <a14:useLocalDpi xmlns:a14="http://schemas.microsoft.com/office/drawing/2010/main" val="0"/>
-              </a:ext>
-            </a:extLst>
-          </a:blip>
-          <a:stretch>
-            <a:fillRect/>
-          </a:stretch>
-        </p:blipFill>
-        <p:spPr>
-          <a:xfrm>
-            <a:off x="4382074" y="1932352"/>
-            <a:ext cx="5244360" cy="3933270"/>
-          </a:xfrm>
-          <a:prstGeom prst="rect">
-            <a:avLst/>
-          </a:prstGeom>
-        </p:spPr>
-      </p:pic>
-      <p:pic>
-        <p:nvPicPr>
-          <p:cNvPr id="10" name="Picture 9" descr="enter1.jpg"/>
-          <p:cNvPicPr>
-            <a:picLocks noChangeAspect="1"/>
-          </p:cNvPicPr>
-          <p:nvPr/>
-        </p:nvPicPr>
-        <p:blipFill>
-          <a:blip r:embed="rId3">
-            <a:extLst>
-              <a:ext uri="{28A0092B-C50C-407E-A947-70E740481C1C}">
-                <a14:useLocalDpi xmlns:a14="http://schemas.microsoft.com/office/drawing/2010/main" val="0"/>
-              </a:ext>
-            </a:extLst>
-          </a:blip>
-          <a:stretch>
-            <a:fillRect/>
-          </a:stretch>
-        </p:blipFill>
-        <p:spPr>
-          <a:xfrm>
-            <a:off x="-255980" y="1932352"/>
-            <a:ext cx="4981819" cy="3736364"/>
-          </a:xfrm>
-          <a:prstGeom prst="rect">
-            <a:avLst/>
-          </a:prstGeom>
-        </p:spPr>
-      </p:pic>
-      <p:sp>
-        <p:nvSpPr>
-          <p:cNvPr id="11" name="TextBox 10"/>
-          <p:cNvSpPr txBox="1"/>
-          <p:nvPr/>
-        </p:nvSpPr>
-        <p:spPr>
-          <a:xfrm>
-            <a:off x="1466978" y="5675257"/>
-            <a:ext cx="2185699" cy="369332"/>
-          </a:xfrm>
-          <a:prstGeom prst="rect">
-            <a:avLst/>
-          </a:prstGeom>
-          <a:noFill/>
-        </p:spPr>
-        <p:txBody>
-          <a:bodyPr wrap="square" rtlCol="0">
-            <a:spAutoFit/>
-          </a:bodyPr>
-          <a:lstStyle/>
-          <a:p>
-            <a:r>
-              <a:rPr lang="en-US" dirty="0" smtClean="0"/>
-              <a:t>Packet Size = [1]</a:t>
-            </a:r>
-            <a:endParaRPr lang="en-US" dirty="0"/>
-          </a:p>
-        </p:txBody>
-      </p:sp>
-      <p:sp>
-        <p:nvSpPr>
-          <p:cNvPr id="12" name="TextBox 11"/>
-          <p:cNvSpPr txBox="1"/>
-          <p:nvPr/>
-        </p:nvSpPr>
-        <p:spPr>
-          <a:xfrm>
-            <a:off x="5769458" y="5646752"/>
-            <a:ext cx="2731919" cy="369332"/>
-          </a:xfrm>
-          <a:prstGeom prst="rect">
-            <a:avLst/>
-          </a:prstGeom>
-          <a:noFill/>
-        </p:spPr>
-        <p:txBody>
-          <a:bodyPr wrap="square" rtlCol="0">
-            <a:spAutoFit/>
-          </a:bodyPr>
-          <a:lstStyle/>
-          <a:p>
-            <a:r>
-              <a:rPr lang="en-US" dirty="0" smtClean="0"/>
-              <a:t>Packet Size = [1,2,3,4,5]</a:t>
-            </a:r>
+              <a:rPr lang="en-US" b="1" dirty="0" smtClean="0"/>
+              <a:t>Average throughput</a:t>
+            </a:r>
+            <a:r>
+              <a:rPr lang="en-US" dirty="0" smtClean="0"/>
+              <a:t> increases as the time between file download bursts of packets increases</a:t>
+            </a:r>
+          </a:p>
+          <a:p>
+            <a:r>
+              <a:rPr lang="en-US" b="1" dirty="0" smtClean="0"/>
+              <a:t>Average throughput</a:t>
+            </a:r>
+            <a:r>
+              <a:rPr lang="en-US" dirty="0" smtClean="0"/>
+              <a:t> increases as the size of packets increases</a:t>
+            </a:r>
+          </a:p>
+          <a:p>
+            <a:r>
+              <a:rPr lang="en-US" b="1" dirty="0" smtClean="0"/>
+              <a:t>Download throughput</a:t>
+            </a:r>
+            <a:r>
+              <a:rPr lang="en-US" dirty="0" smtClean="0"/>
+              <a:t> is starved due to increasing packet sizes and long </a:t>
+            </a:r>
+            <a:r>
+              <a:rPr lang="en-US" dirty="0" err="1" smtClean="0"/>
+              <a:t>interarrival</a:t>
+            </a:r>
+            <a:r>
+              <a:rPr lang="en-US" dirty="0" smtClean="0"/>
+              <a:t> time (longer time between attempts)</a:t>
+            </a:r>
+          </a:p>
+          <a:p>
+            <a:r>
+              <a:rPr lang="en-US" dirty="0" smtClean="0"/>
+              <a:t>Long times between bursts leave more room for other nodes to transmit </a:t>
+            </a:r>
+          </a:p>
+          <a:p>
+            <a:pPr marL="0" indent="0">
+              <a:buNone/>
+            </a:pPr>
             <a:endParaRPr lang="en-US" dirty="0"/>
           </a:p>
         </p:txBody>
@@ -18057,7 +18108,7 @@
     </p:spTree>
     <p:extLst>
       <p:ext uri="{BB962C8B-B14F-4D97-AF65-F5344CB8AC3E}">
-        <p14:creationId xmlns:p14="http://schemas.microsoft.com/office/powerpoint/2010/main" val="3605966855"/>
+        <p14:creationId xmlns:p14="http://schemas.microsoft.com/office/powerpoint/2010/main" val="68225269"/>
       </p:ext>
     </p:extLst>
   </p:cSld>
@@ -18096,58 +18147,135 @@
         </p:nvSpPr>
         <p:spPr/>
         <p:txBody>
-          <a:bodyPr/>
-          <a:lstStyle/>
-          <a:p>
-            <a:r>
-              <a:rPr lang="en-US" dirty="0" smtClean="0"/>
-              <a:t>Observations</a:t>
+          <a:bodyPr>
+            <a:normAutofit fontScale="90000"/>
+          </a:bodyPr>
+          <a:lstStyle/>
+          <a:p>
+            <a:r>
+              <a:rPr lang="en-US" dirty="0" smtClean="0"/>
+              <a:t>Web Browsing: Probability Traffic Gaps</a:t>
             </a:r>
             <a:endParaRPr lang="en-US" dirty="0"/>
           </a:p>
         </p:txBody>
       </p:sp>
-      <p:sp>
-        <p:nvSpPr>
-          <p:cNvPr id="3" name="Content Placeholder 2"/>
-          <p:cNvSpPr>
-            <a:spLocks noGrp="1"/>
-          </p:cNvSpPr>
-          <p:nvPr>
-            <p:ph idx="1"/>
-          </p:nvPr>
-        </p:nvSpPr>
-        <p:spPr/>
-        <p:txBody>
-          <a:bodyPr/>
-          <a:lstStyle/>
-          <a:p>
-            <a:r>
-              <a:rPr lang="en-US" dirty="0" smtClean="0"/>
-              <a:t>For small gaps, random node throughput unaffected</a:t>
-            </a:r>
-          </a:p>
-          <a:p>
-            <a:r>
-              <a:rPr lang="en-US" dirty="0" smtClean="0"/>
-              <a:t>For large gaps, random node throughput increases with respect</a:t>
-            </a:r>
-          </a:p>
-          <a:p>
-            <a:r>
-              <a:rPr lang="en-US" b="1" dirty="0" smtClean="0"/>
-              <a:t>Overall:</a:t>
-            </a:r>
-            <a:r>
-              <a:rPr lang="en-US" dirty="0" smtClean="0"/>
-              <a:t> Sporadic nature of web traffic characteristics favors other nodes in the system</a:t>
+      <p:pic>
+        <p:nvPicPr>
+          <p:cNvPr id="9" name="Picture 8" descr="enter.jpg"/>
+          <p:cNvPicPr>
+            <a:picLocks noChangeAspect="1"/>
+          </p:cNvPicPr>
+          <p:nvPr/>
+        </p:nvPicPr>
+        <p:blipFill>
+          <a:blip r:embed="rId2">
+            <a:extLst>
+              <a:ext uri="{28A0092B-C50C-407E-A947-70E740481C1C}">
+                <a14:useLocalDpi xmlns:a14="http://schemas.microsoft.com/office/drawing/2010/main" val="0"/>
+              </a:ext>
+            </a:extLst>
+          </a:blip>
+          <a:stretch>
+            <a:fillRect/>
+          </a:stretch>
+        </p:blipFill>
+        <p:spPr>
+          <a:xfrm>
+            <a:off x="4382074" y="1932352"/>
+            <a:ext cx="5244360" cy="3933270"/>
+          </a:xfrm>
+          <a:prstGeom prst="rect">
+            <a:avLst/>
+          </a:prstGeom>
+        </p:spPr>
+      </p:pic>
+      <p:pic>
+        <p:nvPicPr>
+          <p:cNvPr id="10" name="Picture 9" descr="enter1.jpg"/>
+          <p:cNvPicPr>
+            <a:picLocks noChangeAspect="1"/>
+          </p:cNvPicPr>
+          <p:nvPr/>
+        </p:nvPicPr>
+        <p:blipFill>
+          <a:blip r:embed="rId3">
+            <a:extLst>
+              <a:ext uri="{28A0092B-C50C-407E-A947-70E740481C1C}">
+                <a14:useLocalDpi xmlns:a14="http://schemas.microsoft.com/office/drawing/2010/main" val="0"/>
+              </a:ext>
+            </a:extLst>
+          </a:blip>
+          <a:stretch>
+            <a:fillRect/>
+          </a:stretch>
+        </p:blipFill>
+        <p:spPr>
+          <a:xfrm>
+            <a:off x="-255980" y="1932352"/>
+            <a:ext cx="4981819" cy="3736364"/>
+          </a:xfrm>
+          <a:prstGeom prst="rect">
+            <a:avLst/>
+          </a:prstGeom>
+        </p:spPr>
+      </p:pic>
+      <p:sp>
+        <p:nvSpPr>
+          <p:cNvPr id="11" name="TextBox 10"/>
+          <p:cNvSpPr txBox="1"/>
+          <p:nvPr/>
+        </p:nvSpPr>
+        <p:spPr>
+          <a:xfrm>
+            <a:off x="1466978" y="5675257"/>
+            <a:ext cx="2185699" cy="369332"/>
+          </a:xfrm>
+          <a:prstGeom prst="rect">
+            <a:avLst/>
+          </a:prstGeom>
+          <a:noFill/>
+        </p:spPr>
+        <p:txBody>
+          <a:bodyPr wrap="square" rtlCol="0">
+            <a:spAutoFit/>
+          </a:bodyPr>
+          <a:lstStyle/>
+          <a:p>
+            <a:r>
+              <a:rPr lang="en-US" dirty="0" smtClean="0"/>
+              <a:t>Packet Size = [1]</a:t>
             </a:r>
             <a:endParaRPr lang="en-US" dirty="0"/>
           </a:p>
-          <a:p>
-            <a:endParaRPr lang="en-US" b="1" dirty="0" smtClean="0"/>
-          </a:p>
-          <a:p>
+        </p:txBody>
+      </p:sp>
+      <p:sp>
+        <p:nvSpPr>
+          <p:cNvPr id="12" name="TextBox 11"/>
+          <p:cNvSpPr txBox="1"/>
+          <p:nvPr/>
+        </p:nvSpPr>
+        <p:spPr>
+          <a:xfrm>
+            <a:off x="5769458" y="5646752"/>
+            <a:ext cx="2731919" cy="369332"/>
+          </a:xfrm>
+          <a:prstGeom prst="rect">
+            <a:avLst/>
+          </a:prstGeom>
+          <a:noFill/>
+        </p:spPr>
+        <p:txBody>
+          <a:bodyPr wrap="square" rtlCol="0">
+            <a:spAutoFit/>
+          </a:bodyPr>
+          <a:lstStyle/>
+          <a:p>
+            <a:r>
+              <a:rPr lang="en-US" dirty="0" smtClean="0"/>
+              <a:t>Packet Size = [1,2,3,4,5]</a:t>
+            </a:r>
             <a:endParaRPr lang="en-US" dirty="0"/>
           </a:p>
         </p:txBody>
@@ -18155,7 +18283,7 @@
     </p:spTree>
     <p:extLst>
       <p:ext uri="{BB962C8B-B14F-4D97-AF65-F5344CB8AC3E}">
-        <p14:creationId xmlns:p14="http://schemas.microsoft.com/office/powerpoint/2010/main" val="3202165143"/>
+        <p14:creationId xmlns:p14="http://schemas.microsoft.com/office/powerpoint/2010/main" val="3605966855"/>
       </p:ext>
     </p:extLst>
   </p:cSld>
@@ -18199,128 +18327,53 @@
           <a:p>
             <a:r>
               <a:rPr lang="en-US" dirty="0" smtClean="0"/>
-              <a:t>Multimedia: Varying Streaming BPS</a:t>
+              <a:t>Observations</a:t>
             </a:r>
             <a:endParaRPr lang="en-US" dirty="0"/>
           </a:p>
         </p:txBody>
       </p:sp>
-      <p:pic>
-        <p:nvPicPr>
-          <p:cNvPr id="4" name="Picture 3" descr="fig-simulation_random_multimedia-bps-1_0_5_0_12000.jpg"/>
-          <p:cNvPicPr>
-            <a:picLocks noChangeAspect="1"/>
-          </p:cNvPicPr>
-          <p:nvPr/>
-        </p:nvPicPr>
-        <p:blipFill>
-          <a:blip r:embed="rId2">
-            <a:extLst>
-              <a:ext uri="{28A0092B-C50C-407E-A947-70E740481C1C}">
-                <a14:useLocalDpi xmlns:a14="http://schemas.microsoft.com/office/drawing/2010/main" val="0"/>
-              </a:ext>
-            </a:extLst>
-          </a:blip>
-          <a:stretch>
-            <a:fillRect/>
-          </a:stretch>
-        </p:blipFill>
-        <p:spPr>
-          <a:xfrm>
-            <a:off x="4558461" y="1610879"/>
-            <a:ext cx="4975513" cy="3923859"/>
-          </a:xfrm>
-          <a:prstGeom prst="rect">
-            <a:avLst/>
-          </a:prstGeom>
-        </p:spPr>
-      </p:pic>
-      <p:pic>
-        <p:nvPicPr>
-          <p:cNvPr id="5" name="Picture 4" descr="fig-simulation_random_multimedia-bps-1_0_1_0_12000.jpg"/>
-          <p:cNvPicPr>
-            <a:picLocks noChangeAspect="1"/>
-          </p:cNvPicPr>
-          <p:nvPr/>
-        </p:nvPicPr>
-        <p:blipFill>
-          <a:blip r:embed="rId3">
-            <a:extLst>
-              <a:ext uri="{28A0092B-C50C-407E-A947-70E740481C1C}">
-                <a14:useLocalDpi xmlns:a14="http://schemas.microsoft.com/office/drawing/2010/main" val="0"/>
-              </a:ext>
-            </a:extLst>
-          </a:blip>
-          <a:stretch>
-            <a:fillRect/>
-          </a:stretch>
-        </p:blipFill>
-        <p:spPr>
-          <a:xfrm>
-            <a:off x="-277993" y="1610879"/>
-            <a:ext cx="5182476" cy="3886857"/>
-          </a:xfrm>
-          <a:prstGeom prst="rect">
-            <a:avLst/>
-          </a:prstGeom>
-        </p:spPr>
-      </p:pic>
-      <p:sp>
-        <p:nvSpPr>
-          <p:cNvPr id="6" name="TextBox 5"/>
-          <p:cNvSpPr txBox="1"/>
-          <p:nvPr/>
-        </p:nvSpPr>
-        <p:spPr>
-          <a:xfrm>
-            <a:off x="1466978" y="5675257"/>
-            <a:ext cx="2185699" cy="369332"/>
-          </a:xfrm>
-          <a:prstGeom prst="rect">
-            <a:avLst/>
-          </a:prstGeom>
-          <a:noFill/>
-        </p:spPr>
-        <p:txBody>
-          <a:bodyPr wrap="square" rtlCol="0">
-            <a:spAutoFit/>
-          </a:bodyPr>
-          <a:lstStyle/>
-          <a:p>
-            <a:r>
-              <a:rPr lang="en-US" dirty="0" smtClean="0"/>
-              <a:t>Packet Size = [1]</a:t>
+      <p:sp>
+        <p:nvSpPr>
+          <p:cNvPr id="3" name="Content Placeholder 2"/>
+          <p:cNvSpPr>
+            <a:spLocks noGrp="1"/>
+          </p:cNvSpPr>
+          <p:nvPr>
+            <p:ph idx="1"/>
+          </p:nvPr>
+        </p:nvSpPr>
+        <p:spPr/>
+        <p:txBody>
+          <a:bodyPr/>
+          <a:lstStyle/>
+          <a:p>
+            <a:r>
+              <a:rPr lang="en-US" dirty="0" smtClean="0"/>
+              <a:t>For small gaps, random node throughput unaffected</a:t>
+            </a:r>
+          </a:p>
+          <a:p>
+            <a:r>
+              <a:rPr lang="en-US" dirty="0" smtClean="0"/>
+              <a:t>For large gaps, random node throughput increases with respect</a:t>
+            </a:r>
+          </a:p>
+          <a:p>
+            <a:r>
+              <a:rPr lang="en-US" b="1" dirty="0" smtClean="0"/>
+              <a:t>Overall:</a:t>
+            </a:r>
+            <a:r>
+              <a:rPr lang="en-US" dirty="0" smtClean="0"/>
+              <a:t> Sporadic nature of web traffic characteristics favors other nodes in the system</a:t>
             </a:r>
             <a:endParaRPr lang="en-US" dirty="0"/>
           </a:p>
-        </p:txBody>
-      </p:sp>
-      <p:sp>
-        <p:nvSpPr>
-          <p:cNvPr id="7" name="TextBox 6"/>
-          <p:cNvSpPr txBox="1"/>
-          <p:nvPr/>
-        </p:nvSpPr>
-        <p:spPr>
-          <a:xfrm>
-            <a:off x="5769458" y="5646752"/>
-            <a:ext cx="2731919" cy="369332"/>
-          </a:xfrm>
-          <a:prstGeom prst="rect">
-            <a:avLst/>
-          </a:prstGeom>
-          <a:noFill/>
-        </p:spPr>
-        <p:txBody>
-          <a:bodyPr wrap="square" rtlCol="0">
-            <a:spAutoFit/>
-          </a:bodyPr>
-          <a:lstStyle/>
-          <a:p>
-            <a:r>
-              <a:rPr lang="en-US" dirty="0" smtClean="0"/>
-              <a:t>Packet Size = [1,2,3,4,5]</a:t>
-            </a:r>
+          <a:p>
+            <a:endParaRPr lang="en-US" b="1" dirty="0" smtClean="0"/>
+          </a:p>
+          <a:p>
             <a:endParaRPr lang="en-US" dirty="0"/>
           </a:p>
         </p:txBody>
@@ -18328,7 +18381,7 @@
     </p:spTree>
     <p:extLst>
       <p:ext uri="{BB962C8B-B14F-4D97-AF65-F5344CB8AC3E}">
-        <p14:creationId xmlns:p14="http://schemas.microsoft.com/office/powerpoint/2010/main" val="1110711269"/>
+        <p14:creationId xmlns:p14="http://schemas.microsoft.com/office/powerpoint/2010/main" val="3202165143"/>
       </p:ext>
     </p:extLst>
   </p:cSld>
@@ -18372,63 +18425,136 @@
           <a:p>
             <a:r>
               <a:rPr lang="en-US" dirty="0" smtClean="0"/>
-              <a:t>Observations</a:t>
+              <a:t>Multimedia: Varying Streaming BPS</a:t>
             </a:r>
             <a:endParaRPr lang="en-US" dirty="0"/>
           </a:p>
         </p:txBody>
       </p:sp>
-      <p:sp>
-        <p:nvSpPr>
-          <p:cNvPr id="3" name="Content Placeholder 2"/>
-          <p:cNvSpPr>
-            <a:spLocks noGrp="1"/>
-          </p:cNvSpPr>
-          <p:nvPr>
-            <p:ph idx="1"/>
-          </p:nvPr>
-        </p:nvSpPr>
-        <p:spPr/>
-        <p:txBody>
-          <a:bodyPr/>
-          <a:lstStyle/>
-          <a:p>
-            <a:r>
-              <a:rPr lang="en-US" dirty="0" smtClean="0"/>
-              <a:t>Higher streaming constraints starve other nodes in the network</a:t>
-            </a:r>
-          </a:p>
-          <a:p>
-            <a:pPr lvl="1"/>
-            <a:r>
-              <a:rPr lang="en-US" dirty="0" smtClean="0"/>
-              <a:t>Multimedia node throughput increases and random node throughput decreases as a function of streaming quality</a:t>
-            </a:r>
-          </a:p>
-          <a:p>
-            <a:r>
-              <a:rPr lang="en-US" dirty="0" smtClean="0"/>
-              <a:t>Small packet sizes for random nodes aren’t affected by multimedia streaming</a:t>
-            </a:r>
-          </a:p>
-          <a:p>
-            <a:pPr lvl="1"/>
-            <a:r>
-              <a:rPr lang="en-US" dirty="0" smtClean="0"/>
-              <a:t>Probable cause: streams of traffic are </a:t>
-            </a:r>
-            <a:r>
-              <a:rPr lang="en-US" i="1" dirty="0" smtClean="0"/>
-              <a:t>mixed together</a:t>
-            </a:r>
-            <a:endParaRPr lang="en-US" i="1" dirty="0"/>
+      <p:pic>
+        <p:nvPicPr>
+          <p:cNvPr id="4" name="Picture 3" descr="fig-simulation_random_multimedia-bps-1_0_5_0_12000.jpg"/>
+          <p:cNvPicPr>
+            <a:picLocks noChangeAspect="1"/>
+          </p:cNvPicPr>
+          <p:nvPr/>
+        </p:nvPicPr>
+        <p:blipFill>
+          <a:blip r:embed="rId2">
+            <a:extLst>
+              <a:ext uri="{28A0092B-C50C-407E-A947-70E740481C1C}">
+                <a14:useLocalDpi xmlns:a14="http://schemas.microsoft.com/office/drawing/2010/main" val="0"/>
+              </a:ext>
+            </a:extLst>
+          </a:blip>
+          <a:stretch>
+            <a:fillRect/>
+          </a:stretch>
+        </p:blipFill>
+        <p:spPr>
+          <a:xfrm>
+            <a:off x="4558461" y="1610879"/>
+            <a:ext cx="4975513" cy="3923859"/>
+          </a:xfrm>
+          <a:prstGeom prst="rect">
+            <a:avLst/>
+          </a:prstGeom>
+        </p:spPr>
+      </p:pic>
+      <p:pic>
+        <p:nvPicPr>
+          <p:cNvPr id="5" name="Picture 4" descr="fig-simulation_random_multimedia-bps-1_0_1_0_12000.jpg"/>
+          <p:cNvPicPr>
+            <a:picLocks noChangeAspect="1"/>
+          </p:cNvPicPr>
+          <p:nvPr/>
+        </p:nvPicPr>
+        <p:blipFill>
+          <a:blip r:embed="rId3">
+            <a:extLst>
+              <a:ext uri="{28A0092B-C50C-407E-A947-70E740481C1C}">
+                <a14:useLocalDpi xmlns:a14="http://schemas.microsoft.com/office/drawing/2010/main" val="0"/>
+              </a:ext>
+            </a:extLst>
+          </a:blip>
+          <a:stretch>
+            <a:fillRect/>
+          </a:stretch>
+        </p:blipFill>
+        <p:spPr>
+          <a:xfrm>
+            <a:off x="-277993" y="1610879"/>
+            <a:ext cx="5182476" cy="3886857"/>
+          </a:xfrm>
+          <a:prstGeom prst="rect">
+            <a:avLst/>
+          </a:prstGeom>
+        </p:spPr>
+      </p:pic>
+      <p:sp>
+        <p:nvSpPr>
+          <p:cNvPr id="6" name="TextBox 5"/>
+          <p:cNvSpPr txBox="1"/>
+          <p:nvPr/>
+        </p:nvSpPr>
+        <p:spPr>
+          <a:xfrm>
+            <a:off x="1466978" y="5675257"/>
+            <a:ext cx="2185699" cy="369332"/>
+          </a:xfrm>
+          <a:prstGeom prst="rect">
+            <a:avLst/>
+          </a:prstGeom>
+          <a:noFill/>
+        </p:spPr>
+        <p:txBody>
+          <a:bodyPr wrap="square" rtlCol="0">
+            <a:spAutoFit/>
+          </a:bodyPr>
+          <a:lstStyle/>
+          <a:p>
+            <a:r>
+              <a:rPr lang="en-US" dirty="0" smtClean="0"/>
+              <a:t>Packet Size = [1]</a:t>
+            </a:r>
+            <a:endParaRPr lang="en-US" dirty="0"/>
+          </a:p>
+        </p:txBody>
+      </p:sp>
+      <p:sp>
+        <p:nvSpPr>
+          <p:cNvPr id="7" name="TextBox 6"/>
+          <p:cNvSpPr txBox="1"/>
+          <p:nvPr/>
+        </p:nvSpPr>
+        <p:spPr>
+          <a:xfrm>
+            <a:off x="5769458" y="5646752"/>
+            <a:ext cx="2731919" cy="369332"/>
+          </a:xfrm>
+          <a:prstGeom prst="rect">
+            <a:avLst/>
+          </a:prstGeom>
+          <a:noFill/>
+        </p:spPr>
+        <p:txBody>
+          <a:bodyPr wrap="square" rtlCol="0">
+            <a:spAutoFit/>
+          </a:bodyPr>
+          <a:lstStyle/>
+          <a:p>
+            <a:r>
+              <a:rPr lang="en-US" dirty="0" smtClean="0"/>
+              <a:t>Packet Size = [1,2,3,4,5]</a:t>
+            </a:r>
+            <a:endParaRPr lang="en-US" dirty="0"/>
           </a:p>
         </p:txBody>
       </p:sp>
     </p:spTree>
     <p:extLst>
       <p:ext uri="{BB962C8B-B14F-4D97-AF65-F5344CB8AC3E}">
-        <p14:creationId xmlns:p14="http://schemas.microsoft.com/office/powerpoint/2010/main" val="3600294198"/>
+        <p14:creationId xmlns:p14="http://schemas.microsoft.com/office/powerpoint/2010/main" val="1110711269"/>
       </p:ext>
     </p:extLst>
   </p:cSld>
@@ -18472,7 +18598,7 @@
           <a:p>
             <a:r>
               <a:rPr lang="en-US" dirty="0" smtClean="0"/>
-              <a:t>Conclusions</a:t>
+              <a:t>Observations</a:t>
             </a:r>
             <a:endParaRPr lang="en-US" dirty="0"/>
           </a:p>
@@ -18490,59 +18616,45 @@
         </p:nvSpPr>
         <p:spPr/>
         <p:txBody>
-          <a:bodyPr>
-            <a:normAutofit fontScale="85000" lnSpcReduction="10000"/>
-          </a:bodyPr>
-          <a:lstStyle/>
-          <a:p>
-            <a:r>
-              <a:rPr lang="en-US" dirty="0" smtClean="0"/>
-              <a:t>The 802.11 DCF function behaves differently depending on the type of traffic being transmitted</a:t>
-            </a:r>
-          </a:p>
-          <a:p>
-            <a:r>
-              <a:rPr lang="en-US" dirty="0" smtClean="0"/>
-              <a:t>Throughput quickly degrades as more than one node is using the channel (higher collision probability)</a:t>
-            </a:r>
-          </a:p>
-          <a:p>
-            <a:r>
-              <a:rPr lang="en-US" dirty="0" smtClean="0"/>
-              <a:t>Application-agnostic random </a:t>
-            </a:r>
-            <a:r>
-              <a:rPr lang="en-US" dirty="0" err="1" smtClean="0"/>
-              <a:t>backoffs</a:t>
-            </a:r>
-            <a:r>
-              <a:rPr lang="en-US" dirty="0" smtClean="0"/>
-              <a:t> are perhaps not the best choice for collision avoidance when dealing with non-multimedia streams</a:t>
-            </a:r>
-          </a:p>
-          <a:p>
-            <a:r>
-              <a:rPr lang="en-US" dirty="0" smtClean="0"/>
-              <a:t>Random </a:t>
-            </a:r>
-            <a:r>
-              <a:rPr lang="en-US" dirty="0" err="1" smtClean="0"/>
-              <a:t>backoffs</a:t>
-            </a:r>
-            <a:r>
-              <a:rPr lang="en-US" dirty="0" smtClean="0"/>
-              <a:t> serve multimedia traffic quite well in the presence of other nodes</a:t>
-            </a:r>
-          </a:p>
-          <a:p>
-            <a:endParaRPr lang="en-US" dirty="0"/>
+          <a:bodyPr/>
+          <a:lstStyle/>
+          <a:p>
+            <a:r>
+              <a:rPr lang="en-US" dirty="0" smtClean="0"/>
+              <a:t>Higher streaming constraints starve other nodes in the network</a:t>
+            </a:r>
+          </a:p>
+          <a:p>
+            <a:pPr lvl="1"/>
+            <a:r>
+              <a:rPr lang="en-US" dirty="0" smtClean="0"/>
+              <a:t>Multimedia node throughput increases and random node throughput decreases as a function of streaming quality</a:t>
+            </a:r>
+          </a:p>
+          <a:p>
+            <a:r>
+              <a:rPr lang="en-US" dirty="0" smtClean="0"/>
+              <a:t>Small packet sizes for random nodes aren’t affected by multimedia streaming</a:t>
+            </a:r>
+          </a:p>
+          <a:p>
+            <a:pPr lvl="1"/>
+            <a:r>
+              <a:rPr lang="en-US" dirty="0" smtClean="0"/>
+              <a:t>Probable cause: streams of traffic are </a:t>
+            </a:r>
+            <a:r>
+              <a:rPr lang="en-US" i="1" dirty="0" smtClean="0"/>
+              <a:t>mixed together</a:t>
+            </a:r>
+            <a:endParaRPr lang="en-US" i="1" dirty="0"/>
           </a:p>
         </p:txBody>
       </p:sp>
     </p:spTree>
     <p:extLst>
       <p:ext uri="{BB962C8B-B14F-4D97-AF65-F5344CB8AC3E}">
-        <p14:creationId xmlns:p14="http://schemas.microsoft.com/office/powerpoint/2010/main" val="1278045240"/>
+        <p14:creationId xmlns:p14="http://schemas.microsoft.com/office/powerpoint/2010/main" val="3600294198"/>
       </p:ext>
     </p:extLst>
   </p:cSld>
@@ -18579,20 +18691,76 @@
             <p:ph type="title"/>
           </p:nvPr>
         </p:nvSpPr>
-        <p:spPr>
-          <a:xfrm>
-            <a:off x="388281" y="2706255"/>
-            <a:ext cx="8229600" cy="1143000"/>
-          </a:xfrm>
-        </p:spPr>
+        <p:spPr/>
         <p:txBody>
           <a:bodyPr/>
           <a:lstStyle/>
           <a:p>
             <a:r>
               <a:rPr lang="en-US" dirty="0" smtClean="0"/>
-              <a:t>Questions?</a:t>
-            </a:r>
+              <a:t>Conclusions</a:t>
+            </a:r>
+            <a:endParaRPr lang="en-US" dirty="0"/>
+          </a:p>
+        </p:txBody>
+      </p:sp>
+      <p:sp>
+        <p:nvSpPr>
+          <p:cNvPr id="3" name="Content Placeholder 2"/>
+          <p:cNvSpPr>
+            <a:spLocks noGrp="1"/>
+          </p:cNvSpPr>
+          <p:nvPr>
+            <p:ph idx="1"/>
+          </p:nvPr>
+        </p:nvSpPr>
+        <p:spPr/>
+        <p:txBody>
+          <a:bodyPr>
+            <a:normAutofit fontScale="85000" lnSpcReduction="10000"/>
+          </a:bodyPr>
+          <a:lstStyle/>
+          <a:p>
+            <a:r>
+              <a:rPr lang="en-US" dirty="0" smtClean="0"/>
+              <a:t>The 802.11 DCF function behaves differently depending on the type of traffic being transmitted</a:t>
+            </a:r>
+          </a:p>
+          <a:p>
+            <a:r>
+              <a:rPr lang="en-US" dirty="0" smtClean="0"/>
+              <a:t>Throughput quickly degrades as more than one node is using the channel (higher collision probability)</a:t>
+            </a:r>
+          </a:p>
+          <a:p>
+            <a:r>
+              <a:rPr lang="en-US" dirty="0" smtClean="0"/>
+              <a:t>Application-agnostic random </a:t>
+            </a:r>
+            <a:r>
+              <a:rPr lang="en-US" dirty="0" err="1" smtClean="0"/>
+              <a:t>backoffs</a:t>
+            </a:r>
+            <a:r>
+              <a:rPr lang="en-US" dirty="0" smtClean="0"/>
+              <a:t> are perhaps not the best choice for collision avoidance when dealing with non-multimedia streams</a:t>
+            </a:r>
+          </a:p>
+          <a:p>
+            <a:r>
+              <a:rPr lang="en-US" dirty="0" smtClean="0"/>
+              <a:t>Random </a:t>
+            </a:r>
+            <a:r>
+              <a:rPr lang="en-US" dirty="0" err="1" smtClean="0"/>
+              <a:t>backoffs</a:t>
+            </a:r>
+            <a:r>
+              <a:rPr lang="en-US" dirty="0" smtClean="0"/>
+              <a:t> serve multimedia traffic quite well in the presence of other nodes</a:t>
+            </a:r>
+          </a:p>
+          <a:p>
             <a:endParaRPr lang="en-US" dirty="0"/>
           </a:p>
         </p:txBody>
@@ -18600,7 +18768,7 @@
     </p:spTree>
     <p:extLst>
       <p:ext uri="{BB962C8B-B14F-4D97-AF65-F5344CB8AC3E}">
-        <p14:creationId xmlns:p14="http://schemas.microsoft.com/office/powerpoint/2010/main" val="2962913224"/>
+        <p14:creationId xmlns:p14="http://schemas.microsoft.com/office/powerpoint/2010/main" val="1278045240"/>
       </p:ext>
     </p:extLst>
   </p:cSld>
@@ -18926,6 +19094,64 @@
     <p:extLst>
       <p:ext uri="{BB962C8B-B14F-4D97-AF65-F5344CB8AC3E}">
         <p14:creationId xmlns:p14="http://schemas.microsoft.com/office/powerpoint/2010/main" val="1164583717"/>
+      </p:ext>
+    </p:extLst>
+  </p:cSld>
+  <p:clrMapOvr>
+    <a:masterClrMapping/>
+  </p:clrMapOvr>
+</p:sld>
+</file>
+
+<file path=ppt/slides/slide40.xml><?xml version="1.0" encoding="utf-8"?>
+<p:sld xmlns:a="http://schemas.openxmlformats.org/drawingml/2006/main" xmlns:r="http://schemas.openxmlformats.org/officeDocument/2006/relationships" xmlns:p="http://schemas.openxmlformats.org/presentationml/2006/main">
+  <p:cSld>
+    <p:spTree>
+      <p:nvGrpSpPr>
+        <p:cNvPr id="1" name=""/>
+        <p:cNvGrpSpPr/>
+        <p:nvPr/>
+      </p:nvGrpSpPr>
+      <p:grpSpPr>
+        <a:xfrm>
+          <a:off x="0" y="0"/>
+          <a:ext cx="0" cy="0"/>
+          <a:chOff x="0" y="0"/>
+          <a:chExt cx="0" cy="0"/>
+        </a:xfrm>
+      </p:grpSpPr>
+      <p:sp>
+        <p:nvSpPr>
+          <p:cNvPr id="2" name="Title 1"/>
+          <p:cNvSpPr>
+            <a:spLocks noGrp="1"/>
+          </p:cNvSpPr>
+          <p:nvPr>
+            <p:ph type="title"/>
+          </p:nvPr>
+        </p:nvSpPr>
+        <p:spPr>
+          <a:xfrm>
+            <a:off x="388281" y="2706255"/>
+            <a:ext cx="8229600" cy="1143000"/>
+          </a:xfrm>
+        </p:spPr>
+        <p:txBody>
+          <a:bodyPr/>
+          <a:lstStyle/>
+          <a:p>
+            <a:r>
+              <a:rPr lang="en-US" dirty="0" smtClean="0"/>
+              <a:t>Questions?</a:t>
+            </a:r>
+            <a:endParaRPr lang="en-US" dirty="0"/>
+          </a:p>
+        </p:txBody>
+      </p:sp>
+    </p:spTree>
+    <p:extLst>
+      <p:ext uri="{BB962C8B-B14F-4D97-AF65-F5344CB8AC3E}">
+        <p14:creationId xmlns:p14="http://schemas.microsoft.com/office/powerpoint/2010/main" val="2962913224"/>
       </p:ext>
     </p:extLst>
   </p:cSld>

--- a/presentation/slides.pptx
+++ b/presentation/slides.pptx
@@ -14726,24 +14726,46 @@
               <a:rPr lang="en-US" dirty="0"/>
               <a:t>Packet size </a:t>
             </a:r>
+            <a:r>
+              <a:rPr lang="en-US" dirty="0" smtClean="0"/>
+              <a:t>(bytes per transmission)</a:t>
+            </a:r>
+            <a:endParaRPr lang="en-US" dirty="0"/>
           </a:p>
           <a:p>
             <a:pPr lvl="1"/>
             <a:r>
-              <a:rPr lang="en-US" dirty="0" err="1"/>
+              <a:rPr lang="en-US" dirty="0" err="1" smtClean="0"/>
               <a:t>Interarrival</a:t>
             </a:r>
             <a:r>
+              <a:rPr lang="en-US" dirty="0" smtClean="0"/>
+              <a:t> </a:t>
+            </a:r>
+            <a:r>
               <a:rPr lang="en-US" dirty="0"/>
-              <a:t> time and packet queue saturation</a:t>
+              <a:t>time </a:t>
+            </a:r>
+            <a:r>
+              <a:rPr lang="en-US" dirty="0" smtClean="0"/>
+              <a:t>(between successful transmissions)</a:t>
             </a:r>
           </a:p>
           <a:p>
             <a:pPr lvl="1"/>
             <a:r>
+              <a:rPr lang="en-US" dirty="0" smtClean="0"/>
+              <a:t>Packet </a:t>
+            </a:r>
+            <a:r>
               <a:rPr lang="en-US" dirty="0"/>
-              <a:t>Type of packet</a:t>
-            </a:r>
+              <a:t>queue </a:t>
+            </a:r>
+            <a:r>
+              <a:rPr lang="en-US" dirty="0" smtClean="0"/>
+              <a:t>saturation (buffer saturation level)</a:t>
+            </a:r>
+            <a:endParaRPr lang="en-US" dirty="0"/>
           </a:p>
           <a:p>
             <a:pPr marL="0" indent="0">
@@ -14757,11 +14779,19 @@
             </a:pPr>
             <a:r>
               <a:rPr lang="en-US" b="1" dirty="0"/>
-              <a:t>Consequence: </a:t>
+              <a:t>Consequence</a:t>
+            </a:r>
+            <a:r>
+              <a:rPr lang="en-US" b="1"/>
+              <a:t>: </a:t>
+            </a:r>
+            <a:r>
+              <a:rPr lang="en-US" smtClean="0"/>
+              <a:t>Our </a:t>
             </a:r>
             <a:r>
               <a:rPr lang="en-US" dirty="0"/>
-              <a:t>our model needs to </a:t>
+              <a:t>model needs to </a:t>
             </a:r>
             <a:r>
               <a:rPr lang="en-US" i="1" dirty="0"/>

--- a/presentation/slides.pptx
+++ b/presentation/slides.pptx
@@ -3789,87 +3789,820 @@
             <p:ph idx="1"/>
           </p:nvPr>
         </p:nvSpPr>
-        <p:spPr/>
+        <p:spPr>
+          <a:xfrm>
+            <a:off x="457200" y="1600200"/>
+            <a:ext cx="8229600" cy="2745769"/>
+          </a:xfrm>
+        </p:spPr>
         <p:txBody>
           <a:bodyPr>
-            <a:normAutofit fontScale="92500"/>
+            <a:normAutofit/>
           </a:bodyPr>
           <a:lstStyle/>
           <a:p>
             <a:r>
-              <a:rPr lang="en-US" dirty="0" smtClean="0"/>
-              <a:t>Adding features adds new dimensions to the 2D DCF</a:t>
+              <a:rPr lang="en-US" sz="2400" dirty="0" smtClean="0"/>
+              <a:t>Adding features adds new dimensions to the 2D </a:t>
+            </a:r>
+            <a:r>
+              <a:rPr lang="en-US" sz="2400" dirty="0" smtClean="0"/>
+              <a:t>DCF</a:t>
+            </a:r>
+          </a:p>
+          <a:p>
+            <a:r>
+              <a:rPr lang="en-US" sz="2400" dirty="0" smtClean="0"/>
+              <a:t>Create </a:t>
+            </a:r>
+            <a:r>
+              <a:rPr lang="en-US" sz="2400" dirty="0" smtClean="0"/>
+              <a:t>small Markov models</a:t>
             </a:r>
           </a:p>
           <a:p>
             <a:pPr lvl="1"/>
             <a:r>
-              <a:rPr lang="en-US" dirty="0" err="1" smtClean="0"/>
-              <a:t>Packetsize</a:t>
-            </a:r>
-            <a:r>
-              <a:rPr lang="en-US" dirty="0" smtClean="0"/>
-              <a:t>, </a:t>
-            </a:r>
-            <a:r>
-              <a:rPr lang="en-US" dirty="0" err="1" smtClean="0"/>
-              <a:t>interarrival</a:t>
-            </a:r>
-            <a:r>
-              <a:rPr lang="en-US" dirty="0" smtClean="0"/>
-              <a:t>, </a:t>
-            </a:r>
-            <a:r>
-              <a:rPr lang="en-US" dirty="0" err="1" smtClean="0"/>
-              <a:t>postbackoff</a:t>
-            </a:r>
-            <a:r>
-              <a:rPr lang="en-US" dirty="0" smtClean="0"/>
-              <a:t>, etc…</a:t>
-            </a:r>
-          </a:p>
-          <a:p>
-            <a:r>
-              <a:rPr lang="en-US" dirty="0" smtClean="0"/>
-              <a:t>Create small Markov models</a:t>
+              <a:rPr lang="en-US" sz="2400" dirty="0" smtClean="0"/>
+              <a:t>Treat each as a black box</a:t>
             </a:r>
           </a:p>
           <a:p>
             <a:pPr lvl="1"/>
             <a:r>
-              <a:rPr lang="en-US" dirty="0" smtClean="0"/>
-              <a:t>Treat each as a black box</a:t>
+              <a:rPr lang="en-US" sz="2400" dirty="0" smtClean="0"/>
+              <a:t>Connect them through instantaneous transitions</a:t>
+            </a:r>
+          </a:p>
+          <a:p>
+            <a:r>
+              <a:rPr lang="en-US" sz="2400" dirty="0" smtClean="0"/>
+              <a:t>Compressible states</a:t>
             </a:r>
           </a:p>
           <a:p>
             <a:pPr lvl="1"/>
             <a:r>
-              <a:rPr lang="en-US" dirty="0" smtClean="0"/>
-              <a:t>Connect them through instantaneous transitions</a:t>
-            </a:r>
-          </a:p>
-          <a:p>
-            <a:r>
-              <a:rPr lang="en-US" dirty="0" smtClean="0"/>
-              <a:t>Compressible states</a:t>
-            </a:r>
-          </a:p>
-          <a:p>
-            <a:pPr lvl="1"/>
-            <a:r>
-              <a:rPr lang="en-US" dirty="0" smtClean="0"/>
+              <a:rPr lang="en-US" sz="2400" dirty="0" smtClean="0"/>
               <a:t>Temporary logical states</a:t>
             </a:r>
           </a:p>
           <a:p>
-            <a:pPr lvl="1"/>
-            <a:r>
-              <a:rPr lang="en-US" dirty="0" smtClean="0"/>
-              <a:t>Probabilities distributed to real states in preprocessing</a:t>
-            </a:r>
-          </a:p>
-          <a:p>
+            <a:pPr marL="0" indent="0">
+              <a:buNone/>
+            </a:pPr>
+            <a:endParaRPr lang="en-US" sz="2400" dirty="0"/>
+          </a:p>
+        </p:txBody>
+      </p:sp>
+      <p:sp>
+        <p:nvSpPr>
+          <p:cNvPr id="4" name="TextBox 3"/>
+          <p:cNvSpPr txBox="1"/>
+          <p:nvPr/>
+        </p:nvSpPr>
+        <p:spPr>
+          <a:xfrm>
+            <a:off x="667820" y="4603360"/>
+            <a:ext cx="1767156" cy="369332"/>
+          </a:xfrm>
+          <a:prstGeom prst="rect">
+            <a:avLst/>
+          </a:prstGeom>
+          <a:noFill/>
+        </p:spPr>
+        <p:txBody>
+          <a:bodyPr wrap="square" rtlCol="0">
+            <a:spAutoFit/>
+          </a:bodyPr>
+          <a:lstStyle/>
+          <a:p>
+            <a:r>
+              <a:rPr lang="en-US" dirty="0" smtClean="0"/>
+              <a:t>Markov Models</a:t>
+            </a:r>
             <a:endParaRPr lang="en-US" dirty="0"/>
+          </a:p>
+        </p:txBody>
+      </p:sp>
+      <p:sp>
+        <p:nvSpPr>
+          <p:cNvPr id="5" name="Rectangle 4"/>
+          <p:cNvSpPr/>
+          <p:nvPr/>
+        </p:nvSpPr>
+        <p:spPr>
+          <a:xfrm>
+            <a:off x="369870" y="4972692"/>
+            <a:ext cx="2614773" cy="1592495"/>
+          </a:xfrm>
+          <a:prstGeom prst="rect">
+            <a:avLst/>
+          </a:prstGeom>
+        </p:spPr>
+        <p:style>
+          <a:lnRef idx="1">
+            <a:schemeClr val="accent1"/>
+          </a:lnRef>
+          <a:fillRef idx="3">
+            <a:schemeClr val="accent1"/>
+          </a:fillRef>
+          <a:effectRef idx="2">
+            <a:schemeClr val="accent1"/>
+          </a:effectRef>
+          <a:fontRef idx="minor">
+            <a:schemeClr val="lt1"/>
+          </a:fontRef>
+        </p:style>
+        <p:txBody>
+          <a:bodyPr rtlCol="0" anchor="ctr"/>
+          <a:lstStyle/>
+          <a:p>
+            <a:pPr algn="ctr"/>
+            <a:endParaRPr lang="en-US"/>
+          </a:p>
+        </p:txBody>
+      </p:sp>
+      <p:sp>
+        <p:nvSpPr>
+          <p:cNvPr id="6" name="Oval 5"/>
+          <p:cNvSpPr/>
+          <p:nvPr/>
+        </p:nvSpPr>
+        <p:spPr>
+          <a:xfrm>
+            <a:off x="667820" y="5239820"/>
+            <a:ext cx="308225" cy="308225"/>
+          </a:xfrm>
+          <a:prstGeom prst="ellipse">
+            <a:avLst/>
+          </a:prstGeom>
+          <a:solidFill>
+            <a:srgbClr val="FF0000"/>
+          </a:solidFill>
+        </p:spPr>
+        <p:style>
+          <a:lnRef idx="1">
+            <a:schemeClr val="accent1"/>
+          </a:lnRef>
+          <a:fillRef idx="3">
+            <a:schemeClr val="accent1"/>
+          </a:fillRef>
+          <a:effectRef idx="2">
+            <a:schemeClr val="accent1"/>
+          </a:effectRef>
+          <a:fontRef idx="minor">
+            <a:schemeClr val="lt1"/>
+          </a:fontRef>
+        </p:style>
+        <p:txBody>
+          <a:bodyPr rtlCol="0" anchor="ctr"/>
+          <a:lstStyle/>
+          <a:p>
+            <a:pPr algn="ctr"/>
+            <a:endParaRPr lang="en-US"/>
+          </a:p>
+        </p:txBody>
+      </p:sp>
+      <p:sp>
+        <p:nvSpPr>
+          <p:cNvPr id="7" name="Oval 6"/>
+          <p:cNvSpPr/>
+          <p:nvPr/>
+        </p:nvSpPr>
+        <p:spPr>
+          <a:xfrm>
+            <a:off x="645559" y="5661060"/>
+            <a:ext cx="308225" cy="308225"/>
+          </a:xfrm>
+          <a:prstGeom prst="ellipse">
+            <a:avLst/>
+          </a:prstGeom>
+          <a:solidFill>
+            <a:srgbClr val="FF0000"/>
+          </a:solidFill>
+        </p:spPr>
+        <p:style>
+          <a:lnRef idx="1">
+            <a:schemeClr val="accent1"/>
+          </a:lnRef>
+          <a:fillRef idx="3">
+            <a:schemeClr val="accent1"/>
+          </a:fillRef>
+          <a:effectRef idx="2">
+            <a:schemeClr val="accent1"/>
+          </a:effectRef>
+          <a:fontRef idx="minor">
+            <a:schemeClr val="lt1"/>
+          </a:fontRef>
+        </p:style>
+        <p:txBody>
+          <a:bodyPr rtlCol="0" anchor="ctr"/>
+          <a:lstStyle/>
+          <a:p>
+            <a:pPr algn="ctr"/>
+            <a:endParaRPr lang="en-US"/>
+          </a:p>
+        </p:txBody>
+      </p:sp>
+      <p:sp>
+        <p:nvSpPr>
+          <p:cNvPr id="8" name="Oval 7"/>
+          <p:cNvSpPr/>
+          <p:nvPr/>
+        </p:nvSpPr>
+        <p:spPr>
+          <a:xfrm>
+            <a:off x="1128445" y="5690171"/>
+            <a:ext cx="308225" cy="308225"/>
+          </a:xfrm>
+          <a:prstGeom prst="ellipse">
+            <a:avLst/>
+          </a:prstGeom>
+          <a:solidFill>
+            <a:srgbClr val="FF0000"/>
+          </a:solidFill>
+        </p:spPr>
+        <p:style>
+          <a:lnRef idx="1">
+            <a:schemeClr val="accent1"/>
+          </a:lnRef>
+          <a:fillRef idx="3">
+            <a:schemeClr val="accent1"/>
+          </a:fillRef>
+          <a:effectRef idx="2">
+            <a:schemeClr val="accent1"/>
+          </a:effectRef>
+          <a:fontRef idx="minor">
+            <a:schemeClr val="lt1"/>
+          </a:fontRef>
+        </p:style>
+        <p:txBody>
+          <a:bodyPr rtlCol="0" anchor="ctr"/>
+          <a:lstStyle/>
+          <a:p>
+            <a:pPr algn="ctr"/>
+            <a:endParaRPr lang="en-US"/>
+          </a:p>
+        </p:txBody>
+      </p:sp>
+      <p:sp>
+        <p:nvSpPr>
+          <p:cNvPr id="9" name="Oval 8"/>
+          <p:cNvSpPr/>
+          <p:nvPr/>
+        </p:nvSpPr>
+        <p:spPr>
+          <a:xfrm>
+            <a:off x="1611331" y="5690170"/>
+            <a:ext cx="308225" cy="308225"/>
+          </a:xfrm>
+          <a:prstGeom prst="ellipse">
+            <a:avLst/>
+          </a:prstGeom>
+          <a:solidFill>
+            <a:srgbClr val="FF0000"/>
+          </a:solidFill>
+        </p:spPr>
+        <p:style>
+          <a:lnRef idx="1">
+            <a:schemeClr val="accent1"/>
+          </a:lnRef>
+          <a:fillRef idx="3">
+            <a:schemeClr val="accent1"/>
+          </a:fillRef>
+          <a:effectRef idx="2">
+            <a:schemeClr val="accent1"/>
+          </a:effectRef>
+          <a:fontRef idx="minor">
+            <a:schemeClr val="lt1"/>
+          </a:fontRef>
+        </p:style>
+        <p:txBody>
+          <a:bodyPr rtlCol="0" anchor="ctr"/>
+          <a:lstStyle/>
+          <a:p>
+            <a:pPr algn="ctr"/>
+            <a:endParaRPr lang="en-US"/>
+          </a:p>
+        </p:txBody>
+      </p:sp>
+      <p:sp>
+        <p:nvSpPr>
+          <p:cNvPr id="10" name="Isosceles Triangle 9"/>
+          <p:cNvSpPr/>
+          <p:nvPr/>
+        </p:nvSpPr>
+        <p:spPr>
+          <a:xfrm>
+            <a:off x="2195245" y="5239820"/>
+            <a:ext cx="455488" cy="359595"/>
+          </a:xfrm>
+          <a:prstGeom prst="triangle">
+            <a:avLst/>
+          </a:prstGeom>
+          <a:solidFill>
+            <a:srgbClr val="92D050"/>
+          </a:solidFill>
+        </p:spPr>
+        <p:style>
+          <a:lnRef idx="1">
+            <a:schemeClr val="accent1"/>
+          </a:lnRef>
+          <a:fillRef idx="3">
+            <a:schemeClr val="accent1"/>
+          </a:fillRef>
+          <a:effectRef idx="2">
+            <a:schemeClr val="accent1"/>
+          </a:effectRef>
+          <a:fontRef idx="minor">
+            <a:schemeClr val="lt1"/>
+          </a:fontRef>
+        </p:style>
+        <p:txBody>
+          <a:bodyPr rtlCol="0" anchor="ctr"/>
+          <a:lstStyle/>
+          <a:p>
+            <a:pPr algn="ctr"/>
+            <a:endParaRPr lang="en-US"/>
+          </a:p>
+        </p:txBody>
+      </p:sp>
+      <p:sp>
+        <p:nvSpPr>
+          <p:cNvPr id="11" name="Isosceles Triangle 10"/>
+          <p:cNvSpPr/>
+          <p:nvPr/>
+        </p:nvSpPr>
+        <p:spPr>
+          <a:xfrm>
+            <a:off x="2195245" y="5902503"/>
+            <a:ext cx="455488" cy="359595"/>
+          </a:xfrm>
+          <a:prstGeom prst="triangle">
+            <a:avLst/>
+          </a:prstGeom>
+          <a:solidFill>
+            <a:srgbClr val="7030A0"/>
+          </a:solidFill>
+        </p:spPr>
+        <p:style>
+          <a:lnRef idx="1">
+            <a:schemeClr val="accent1"/>
+          </a:lnRef>
+          <a:fillRef idx="3">
+            <a:schemeClr val="accent1"/>
+          </a:fillRef>
+          <a:effectRef idx="2">
+            <a:schemeClr val="accent1"/>
+          </a:effectRef>
+          <a:fontRef idx="minor">
+            <a:schemeClr val="lt1"/>
+          </a:fontRef>
+        </p:style>
+        <p:txBody>
+          <a:bodyPr rtlCol="0" anchor="ctr"/>
+          <a:lstStyle/>
+          <a:p>
+            <a:pPr algn="ctr"/>
+            <a:endParaRPr lang="en-US"/>
+          </a:p>
+        </p:txBody>
+      </p:sp>
+      <p:sp>
+        <p:nvSpPr>
+          <p:cNvPr id="12" name="Rectangle 11"/>
+          <p:cNvSpPr/>
+          <p:nvPr/>
+        </p:nvSpPr>
+        <p:spPr>
+          <a:xfrm>
+            <a:off x="4078840" y="4972692"/>
+            <a:ext cx="1510302" cy="871590"/>
+          </a:xfrm>
+          <a:prstGeom prst="rect">
+            <a:avLst/>
+          </a:prstGeom>
+          <a:noFill/>
+        </p:spPr>
+        <p:style>
+          <a:lnRef idx="1">
+            <a:schemeClr val="accent1"/>
+          </a:lnRef>
+          <a:fillRef idx="3">
+            <a:schemeClr val="accent1"/>
+          </a:fillRef>
+          <a:effectRef idx="2">
+            <a:schemeClr val="accent1"/>
+          </a:effectRef>
+          <a:fontRef idx="minor">
+            <a:schemeClr val="lt1"/>
+          </a:fontRef>
+        </p:style>
+        <p:txBody>
+          <a:bodyPr rtlCol="0" anchor="ctr"/>
+          <a:lstStyle/>
+          <a:p>
+            <a:pPr algn="ctr"/>
+            <a:endParaRPr lang="en-US"/>
+          </a:p>
+        </p:txBody>
+      </p:sp>
+      <p:cxnSp>
+        <p:nvCxnSpPr>
+          <p:cNvPr id="14" name="Straight Connector 13"/>
+          <p:cNvCxnSpPr>
+            <a:stCxn id="12" idx="0"/>
+            <a:endCxn id="12" idx="2"/>
+          </p:cNvCxnSpPr>
+          <p:nvPr/>
+        </p:nvCxnSpPr>
+        <p:spPr>
+          <a:xfrm>
+            <a:off x="4833991" y="4972692"/>
+            <a:ext cx="0" cy="871590"/>
+          </a:xfrm>
+          <a:prstGeom prst="line">
+            <a:avLst/>
+          </a:prstGeom>
+        </p:spPr>
+        <p:style>
+          <a:lnRef idx="2">
+            <a:schemeClr val="accent1"/>
+          </a:lnRef>
+          <a:fillRef idx="0">
+            <a:schemeClr val="accent1"/>
+          </a:fillRef>
+          <a:effectRef idx="1">
+            <a:schemeClr val="accent1"/>
+          </a:effectRef>
+          <a:fontRef idx="minor">
+            <a:schemeClr val="tx1"/>
+          </a:fontRef>
+        </p:style>
+      </p:cxnSp>
+      <p:cxnSp>
+        <p:nvCxnSpPr>
+          <p:cNvPr id="16" name="Straight Connector 15"/>
+          <p:cNvCxnSpPr>
+            <a:stCxn id="12" idx="1"/>
+            <a:endCxn id="12" idx="3"/>
+          </p:cNvCxnSpPr>
+          <p:nvPr/>
+        </p:nvCxnSpPr>
+        <p:spPr>
+          <a:xfrm>
+            <a:off x="4078840" y="5408487"/>
+            <a:ext cx="1510302" cy="0"/>
+          </a:xfrm>
+          <a:prstGeom prst="line">
+            <a:avLst/>
+          </a:prstGeom>
+        </p:spPr>
+        <p:style>
+          <a:lnRef idx="2">
+            <a:schemeClr val="accent1"/>
+          </a:lnRef>
+          <a:fillRef idx="0">
+            <a:schemeClr val="accent1"/>
+          </a:fillRef>
+          <a:effectRef idx="1">
+            <a:schemeClr val="accent1"/>
+          </a:effectRef>
+          <a:fontRef idx="minor">
+            <a:schemeClr val="tx1"/>
+          </a:fontRef>
+        </p:style>
+      </p:cxnSp>
+      <p:cxnSp>
+        <p:nvCxnSpPr>
+          <p:cNvPr id="18" name="Straight Connector 17"/>
+          <p:cNvCxnSpPr/>
+          <p:nvPr/>
+        </p:nvCxnSpPr>
+        <p:spPr>
+          <a:xfrm>
+            <a:off x="4407613" y="4972692"/>
+            <a:ext cx="0" cy="871590"/>
+          </a:xfrm>
+          <a:prstGeom prst="line">
+            <a:avLst/>
+          </a:prstGeom>
+        </p:spPr>
+        <p:style>
+          <a:lnRef idx="2">
+            <a:schemeClr val="accent1"/>
+          </a:lnRef>
+          <a:fillRef idx="0">
+            <a:schemeClr val="accent1"/>
+          </a:fillRef>
+          <a:effectRef idx="1">
+            <a:schemeClr val="accent1"/>
+          </a:effectRef>
+          <a:fontRef idx="minor">
+            <a:schemeClr val="tx1"/>
+          </a:fontRef>
+        </p:style>
+      </p:cxnSp>
+      <p:cxnSp>
+        <p:nvCxnSpPr>
+          <p:cNvPr id="20" name="Straight Connector 19"/>
+          <p:cNvCxnSpPr/>
+          <p:nvPr/>
+        </p:nvCxnSpPr>
+        <p:spPr>
+          <a:xfrm>
+            <a:off x="5219272" y="4972692"/>
+            <a:ext cx="0" cy="871590"/>
+          </a:xfrm>
+          <a:prstGeom prst="line">
+            <a:avLst/>
+          </a:prstGeom>
+        </p:spPr>
+        <p:style>
+          <a:lnRef idx="2">
+            <a:schemeClr val="accent1"/>
+          </a:lnRef>
+          <a:fillRef idx="0">
+            <a:schemeClr val="accent1"/>
+          </a:fillRef>
+          <a:effectRef idx="1">
+            <a:schemeClr val="accent1"/>
+          </a:effectRef>
+          <a:fontRef idx="minor">
+            <a:schemeClr val="tx1"/>
+          </a:fontRef>
+        </p:style>
+      </p:cxnSp>
+      <p:cxnSp>
+        <p:nvCxnSpPr>
+          <p:cNvPr id="22" name="Straight Connector 21"/>
+          <p:cNvCxnSpPr/>
+          <p:nvPr/>
+        </p:nvCxnSpPr>
+        <p:spPr>
+          <a:xfrm>
+            <a:off x="4078840" y="5123378"/>
+            <a:ext cx="1510302" cy="0"/>
+          </a:xfrm>
+          <a:prstGeom prst="line">
+            <a:avLst/>
+          </a:prstGeom>
+        </p:spPr>
+        <p:style>
+          <a:lnRef idx="2">
+            <a:schemeClr val="accent1"/>
+          </a:lnRef>
+          <a:fillRef idx="0">
+            <a:schemeClr val="accent1"/>
+          </a:fillRef>
+          <a:effectRef idx="1">
+            <a:schemeClr val="accent1"/>
+          </a:effectRef>
+          <a:fontRef idx="minor">
+            <a:schemeClr val="tx1"/>
+          </a:fontRef>
+        </p:style>
+      </p:cxnSp>
+      <p:cxnSp>
+        <p:nvCxnSpPr>
+          <p:cNvPr id="24" name="Straight Connector 23"/>
+          <p:cNvCxnSpPr/>
+          <p:nvPr/>
+        </p:nvCxnSpPr>
+        <p:spPr>
+          <a:xfrm>
+            <a:off x="4078840" y="5661060"/>
+            <a:ext cx="1510302" cy="0"/>
+          </a:xfrm>
+          <a:prstGeom prst="line">
+            <a:avLst/>
+          </a:prstGeom>
+        </p:spPr>
+        <p:style>
+          <a:lnRef idx="2">
+            <a:schemeClr val="accent1"/>
+          </a:lnRef>
+          <a:fillRef idx="0">
+            <a:schemeClr val="accent1"/>
+          </a:fillRef>
+          <a:effectRef idx="1">
+            <a:schemeClr val="accent1"/>
+          </a:effectRef>
+          <a:fontRef idx="minor">
+            <a:schemeClr val="tx1"/>
+          </a:fontRef>
+        </p:style>
+      </p:cxnSp>
+      <p:sp>
+        <p:nvSpPr>
+          <p:cNvPr id="25" name="TextBox 24"/>
+          <p:cNvSpPr txBox="1"/>
+          <p:nvPr/>
+        </p:nvSpPr>
+        <p:spPr>
+          <a:xfrm>
+            <a:off x="4027469" y="4603360"/>
+            <a:ext cx="1880171" cy="369332"/>
+          </a:xfrm>
+          <a:prstGeom prst="rect">
+            <a:avLst/>
+          </a:prstGeom>
+          <a:noFill/>
+        </p:spPr>
+        <p:txBody>
+          <a:bodyPr wrap="square" rtlCol="0">
+            <a:spAutoFit/>
+          </a:bodyPr>
+          <a:lstStyle/>
+          <a:p>
+            <a:r>
+              <a:rPr lang="en-US" dirty="0" smtClean="0"/>
+              <a:t>Transition Matrix</a:t>
+            </a:r>
+            <a:endParaRPr lang="en-US" dirty="0"/>
+          </a:p>
+        </p:txBody>
+      </p:sp>
+      <p:sp>
+        <p:nvSpPr>
+          <p:cNvPr id="26" name="Cube 25"/>
+          <p:cNvSpPr/>
+          <p:nvPr/>
+        </p:nvSpPr>
+        <p:spPr>
+          <a:xfrm>
+            <a:off x="6575461" y="4972692"/>
+            <a:ext cx="1150705" cy="1109608"/>
+          </a:xfrm>
+          <a:prstGeom prst="cube">
+            <a:avLst/>
+          </a:prstGeom>
+        </p:spPr>
+        <p:style>
+          <a:lnRef idx="1">
+            <a:schemeClr val="accent1"/>
+          </a:lnRef>
+          <a:fillRef idx="3">
+            <a:schemeClr val="accent1"/>
+          </a:fillRef>
+          <a:effectRef idx="2">
+            <a:schemeClr val="accent1"/>
+          </a:effectRef>
+          <a:fontRef idx="minor">
+            <a:schemeClr val="lt1"/>
+          </a:fontRef>
+        </p:style>
+        <p:txBody>
+          <a:bodyPr rtlCol="0" anchor="ctr"/>
+          <a:lstStyle/>
+          <a:p>
+            <a:pPr algn="ctr"/>
+            <a:endParaRPr lang="en-US"/>
+          </a:p>
+        </p:txBody>
+      </p:sp>
+      <p:sp>
+        <p:nvSpPr>
+          <p:cNvPr id="27" name="TextBox 26"/>
+          <p:cNvSpPr txBox="1"/>
+          <p:nvPr/>
+        </p:nvSpPr>
+        <p:spPr>
+          <a:xfrm>
+            <a:off x="6667927" y="4518257"/>
+            <a:ext cx="1191800" cy="369332"/>
+          </a:xfrm>
+          <a:prstGeom prst="rect">
+            <a:avLst/>
+          </a:prstGeom>
+          <a:noFill/>
+        </p:spPr>
+        <p:txBody>
+          <a:bodyPr wrap="square" rtlCol="0">
+            <a:spAutoFit/>
+          </a:bodyPr>
+          <a:lstStyle/>
+          <a:p>
+            <a:r>
+              <a:rPr lang="en-US" dirty="0" smtClean="0"/>
+              <a:t>Simulator</a:t>
+            </a:r>
+            <a:endParaRPr lang="en-US" dirty="0"/>
+          </a:p>
+        </p:txBody>
+      </p:sp>
+      <p:sp>
+        <p:nvSpPr>
+          <p:cNvPr id="28" name="Right Arrow 27"/>
+          <p:cNvSpPr/>
+          <p:nvPr/>
+        </p:nvSpPr>
+        <p:spPr>
+          <a:xfrm>
+            <a:off x="3411020" y="5239820"/>
+            <a:ext cx="534256" cy="179797"/>
+          </a:xfrm>
+          <a:prstGeom prst="rightArrow">
+            <a:avLst/>
+          </a:prstGeom>
+        </p:spPr>
+        <p:style>
+          <a:lnRef idx="1">
+            <a:schemeClr val="accent1"/>
+          </a:lnRef>
+          <a:fillRef idx="3">
+            <a:schemeClr val="accent1"/>
+          </a:fillRef>
+          <a:effectRef idx="2">
+            <a:schemeClr val="accent1"/>
+          </a:effectRef>
+          <a:fontRef idx="minor">
+            <a:schemeClr val="lt1"/>
+          </a:fontRef>
+        </p:style>
+        <p:txBody>
+          <a:bodyPr rtlCol="0" anchor="ctr"/>
+          <a:lstStyle/>
+          <a:p>
+            <a:pPr algn="ctr"/>
+            <a:endParaRPr lang="en-US"/>
+          </a:p>
+        </p:txBody>
+      </p:sp>
+      <p:sp>
+        <p:nvSpPr>
+          <p:cNvPr id="29" name="Right Arrow 28"/>
+          <p:cNvSpPr/>
+          <p:nvPr/>
+        </p:nvSpPr>
+        <p:spPr>
+          <a:xfrm>
+            <a:off x="5815173" y="5239820"/>
+            <a:ext cx="534256" cy="179797"/>
+          </a:xfrm>
+          <a:prstGeom prst="rightArrow">
+            <a:avLst/>
+          </a:prstGeom>
+        </p:spPr>
+        <p:style>
+          <a:lnRef idx="1">
+            <a:schemeClr val="accent1"/>
+          </a:lnRef>
+          <a:fillRef idx="3">
+            <a:schemeClr val="accent1"/>
+          </a:fillRef>
+          <a:effectRef idx="2">
+            <a:schemeClr val="accent1"/>
+          </a:effectRef>
+          <a:fontRef idx="minor">
+            <a:schemeClr val="lt1"/>
+          </a:fontRef>
+        </p:style>
+        <p:txBody>
+          <a:bodyPr rtlCol="0" anchor="ctr"/>
+          <a:lstStyle/>
+          <a:p>
+            <a:pPr algn="ctr"/>
+            <a:endParaRPr lang="en-US"/>
+          </a:p>
+        </p:txBody>
+      </p:sp>
+      <p:sp>
+        <p:nvSpPr>
+          <p:cNvPr id="30" name="Right Arrow 29"/>
+          <p:cNvSpPr/>
+          <p:nvPr/>
+        </p:nvSpPr>
+        <p:spPr>
+          <a:xfrm>
+            <a:off x="7995864" y="5239819"/>
+            <a:ext cx="534256" cy="179797"/>
+          </a:xfrm>
+          <a:prstGeom prst="rightArrow">
+            <a:avLst/>
+          </a:prstGeom>
+        </p:spPr>
+        <p:style>
+          <a:lnRef idx="1">
+            <a:schemeClr val="accent1"/>
+          </a:lnRef>
+          <a:fillRef idx="3">
+            <a:schemeClr val="accent1"/>
+          </a:fillRef>
+          <a:effectRef idx="2">
+            <a:schemeClr val="accent1"/>
+          </a:effectRef>
+          <a:fontRef idx="minor">
+            <a:schemeClr val="lt1"/>
+          </a:fontRef>
+        </p:style>
+        <p:txBody>
+          <a:bodyPr rtlCol="0" anchor="ctr"/>
+          <a:lstStyle/>
+          <a:p>
+            <a:pPr algn="ctr"/>
+            <a:endParaRPr lang="en-US"/>
           </a:p>
         </p:txBody>
       </p:sp>
@@ -14779,14 +15512,10 @@
             </a:pPr>
             <a:r>
               <a:rPr lang="en-US" b="1" dirty="0"/>
-              <a:t>Consequence</a:t>
-            </a:r>
-            <a:r>
-              <a:rPr lang="en-US" b="1"/>
-              <a:t>: </a:t>
-            </a:r>
-            <a:r>
-              <a:rPr lang="en-US" smtClean="0"/>
+              <a:t>Consequence: </a:t>
+            </a:r>
+            <a:r>
+              <a:rPr lang="en-US" dirty="0" smtClean="0"/>
               <a:t>Our </a:t>
             </a:r>
             <a:r>

--- a/presentation/slides.pptx
+++ b/presentation/slides.pptx
@@ -5,7 +5,7 @@
     <p:sldMasterId id="2147483648" r:id="rId1"/>
   </p:sldMasterIdLst>
   <p:notesMasterIdLst>
-    <p:notesMasterId r:id="rId42"/>
+    <p:notesMasterId r:id="rId41"/>
   </p:notesMasterIdLst>
   <p:sldIdLst>
     <p:sldId id="256" r:id="rId2"/>
@@ -39,15 +39,14 @@
     <p:sldId id="277" r:id="rId30"/>
     <p:sldId id="279" r:id="rId31"/>
     <p:sldId id="282" r:id="rId32"/>
-    <p:sldId id="280" r:id="rId33"/>
-    <p:sldId id="281" r:id="rId34"/>
-    <p:sldId id="288" r:id="rId35"/>
-    <p:sldId id="283" r:id="rId36"/>
-    <p:sldId id="289" r:id="rId37"/>
-    <p:sldId id="285" r:id="rId38"/>
-    <p:sldId id="290" r:id="rId39"/>
-    <p:sldId id="287" r:id="rId40"/>
-    <p:sldId id="291" r:id="rId41"/>
+    <p:sldId id="281" r:id="rId33"/>
+    <p:sldId id="288" r:id="rId34"/>
+    <p:sldId id="283" r:id="rId35"/>
+    <p:sldId id="289" r:id="rId36"/>
+    <p:sldId id="285" r:id="rId37"/>
+    <p:sldId id="290" r:id="rId38"/>
+    <p:sldId id="287" r:id="rId39"/>
+    <p:sldId id="291" r:id="rId40"/>
   </p:sldIdLst>
   <p:sldSz cx="9144000" cy="6858000" type="screen4x3"/>
   <p:notesSz cx="6858000" cy="9144000"/>
@@ -148,7 +147,7 @@
   </p:defaultTextStyle>
   <p:extLst>
     <p:ext uri="{EFAFB233-063F-42B5-8137-9DF3F51BA10A}">
-      <p15:sldGuideLst xmlns:p15="http://schemas.microsoft.com/office/powerpoint/2012/main">
+      <p15:sldGuideLst xmlns:p15="http://schemas.microsoft.com/office/powerpoint/2012/main" xmlns="">
         <p15:guide id="1" orient="horz" pos="2160">
           <p15:clr>
             <a:srgbClr val="A4A3A4"/>
@@ -247,7 +246,7 @@
           <a:p>
             <a:fld id="{81A0CA93-770D-5346-B8C8-0E7C9C8E8EDB}" type="datetimeFigureOut">
               <a:rPr lang="en-US" smtClean="0"/>
-              <a:t>3/10/2015</a:t>
+              <a:t>3/10/15</a:t>
             </a:fld>
             <a:endParaRPr lang="en-US"/>
           </a:p>
@@ -780,7 +779,7 @@
           <a:p>
             <a:fld id="{439BD6C3-830F-9543-8A1D-F37F17474F11}" type="datetimeFigureOut">
               <a:rPr lang="en-US" smtClean="0"/>
-              <a:t>3/10/2015</a:t>
+              <a:t>3/10/15</a:t>
             </a:fld>
             <a:endParaRPr lang="en-US"/>
           </a:p>
@@ -950,7 +949,7 @@
           <a:p>
             <a:fld id="{439BD6C3-830F-9543-8A1D-F37F17474F11}" type="datetimeFigureOut">
               <a:rPr lang="en-US" smtClean="0"/>
-              <a:t>3/10/2015</a:t>
+              <a:t>3/10/15</a:t>
             </a:fld>
             <a:endParaRPr lang="en-US"/>
           </a:p>
@@ -1130,7 +1129,7 @@
           <a:p>
             <a:fld id="{439BD6C3-830F-9543-8A1D-F37F17474F11}" type="datetimeFigureOut">
               <a:rPr lang="en-US" smtClean="0"/>
-              <a:t>3/10/2015</a:t>
+              <a:t>3/10/15</a:t>
             </a:fld>
             <a:endParaRPr lang="en-US"/>
           </a:p>
@@ -1300,7 +1299,7 @@
           <a:p>
             <a:fld id="{439BD6C3-830F-9543-8A1D-F37F17474F11}" type="datetimeFigureOut">
               <a:rPr lang="en-US" smtClean="0"/>
-              <a:t>3/10/2015</a:t>
+              <a:t>3/10/15</a:t>
             </a:fld>
             <a:endParaRPr lang="en-US"/>
           </a:p>
@@ -1546,7 +1545,7 @@
           <a:p>
             <a:fld id="{439BD6C3-830F-9543-8A1D-F37F17474F11}" type="datetimeFigureOut">
               <a:rPr lang="en-US" smtClean="0"/>
-              <a:t>3/10/2015</a:t>
+              <a:t>3/10/15</a:t>
             </a:fld>
             <a:endParaRPr lang="en-US"/>
           </a:p>
@@ -1834,7 +1833,7 @@
           <a:p>
             <a:fld id="{439BD6C3-830F-9543-8A1D-F37F17474F11}" type="datetimeFigureOut">
               <a:rPr lang="en-US" smtClean="0"/>
-              <a:t>3/10/2015</a:t>
+              <a:t>3/10/15</a:t>
             </a:fld>
             <a:endParaRPr lang="en-US"/>
           </a:p>
@@ -2256,7 +2255,7 @@
           <a:p>
             <a:fld id="{439BD6C3-830F-9543-8A1D-F37F17474F11}" type="datetimeFigureOut">
               <a:rPr lang="en-US" smtClean="0"/>
-              <a:t>3/10/2015</a:t>
+              <a:t>3/10/15</a:t>
             </a:fld>
             <a:endParaRPr lang="en-US"/>
           </a:p>
@@ -2374,7 +2373,7 @@
           <a:p>
             <a:fld id="{439BD6C3-830F-9543-8A1D-F37F17474F11}" type="datetimeFigureOut">
               <a:rPr lang="en-US" smtClean="0"/>
-              <a:t>3/10/2015</a:t>
+              <a:t>3/10/15</a:t>
             </a:fld>
             <a:endParaRPr lang="en-US"/>
           </a:p>
@@ -2469,7 +2468,7 @@
           <a:p>
             <a:fld id="{439BD6C3-830F-9543-8A1D-F37F17474F11}" type="datetimeFigureOut">
               <a:rPr lang="en-US" smtClean="0"/>
-              <a:t>3/10/2015</a:t>
+              <a:t>3/10/15</a:t>
             </a:fld>
             <a:endParaRPr lang="en-US"/>
           </a:p>
@@ -2746,7 +2745,7 @@
           <a:p>
             <a:fld id="{439BD6C3-830F-9543-8A1D-F37F17474F11}" type="datetimeFigureOut">
               <a:rPr lang="en-US" smtClean="0"/>
-              <a:t>3/10/2015</a:t>
+              <a:t>3/10/15</a:t>
             </a:fld>
             <a:endParaRPr lang="en-US"/>
           </a:p>
@@ -2999,7 +2998,7 @@
           <a:p>
             <a:fld id="{439BD6C3-830F-9543-8A1D-F37F17474F11}" type="datetimeFigureOut">
               <a:rPr lang="en-US" smtClean="0"/>
-              <a:t>3/10/2015</a:t>
+              <a:t>3/10/15</a:t>
             </a:fld>
             <a:endParaRPr lang="en-US"/>
           </a:p>
@@ -3212,7 +3211,7 @@
           <a:p>
             <a:fld id="{439BD6C3-830F-9543-8A1D-F37F17474F11}" type="datetimeFigureOut">
               <a:rPr lang="en-US" smtClean="0"/>
-              <a:t>3/10/2015</a:t>
+              <a:t>3/10/15</a:t>
             </a:fld>
             <a:endParaRPr lang="en-US"/>
           </a:p>
@@ -3803,21 +3802,13 @@
           <a:p>
             <a:r>
               <a:rPr lang="en-US" sz="2400" dirty="0" smtClean="0"/>
-              <a:t>Adding features adds new dimensions to the 2D </a:t>
-            </a:r>
+              <a:t>Adding features adds new dimensions to the 2D DCF</a:t>
+            </a:r>
+          </a:p>
+          <a:p>
             <a:r>
               <a:rPr lang="en-US" sz="2400" dirty="0" smtClean="0"/>
-              <a:t>DCF</a:t>
-            </a:r>
-          </a:p>
-          <a:p>
-            <a:r>
-              <a:rPr lang="en-US" sz="2400" dirty="0" smtClean="0"/>
-              <a:t>Create </a:t>
-            </a:r>
-            <a:r>
-              <a:rPr lang="en-US" sz="2400" dirty="0" smtClean="0"/>
-              <a:t>small Markov models</a:t>
+              <a:t>Create small Markov models</a:t>
             </a:r>
           </a:p>
           <a:p>
@@ -4619,7 +4610,7 @@
   <p:timing>
     <p:tnLst>
       <p:par>
-        <p:cTn id="1" dur="indefinite" restart="never" nodeType="tmRoot"/>
+        <p:cTn xmlns:p14="http://schemas.microsoft.com/office/powerpoint/2010/main" id="1" dur="indefinite" restart="never" nodeType="tmRoot"/>
       </p:par>
     </p:tnLst>
   </p:timing>
@@ -5475,7 +5466,7 @@
   <p:timing>
     <p:tnLst>
       <p:par>
-        <p:cTn id="1" dur="indefinite" restart="never" nodeType="tmRoot"/>
+        <p:cTn xmlns:p14="http://schemas.microsoft.com/office/powerpoint/2010/main" id="1" dur="indefinite" restart="never" nodeType="tmRoot"/>
       </p:par>
     </p:tnLst>
   </p:timing>
@@ -6672,7 +6663,7 @@
   <p:timing>
     <p:tnLst>
       <p:par>
-        <p:cTn id="1" dur="indefinite" restart="never" nodeType="tmRoot"/>
+        <p:cTn xmlns:p14="http://schemas.microsoft.com/office/powerpoint/2010/main" id="1" dur="indefinite" restart="never" nodeType="tmRoot"/>
       </p:par>
     </p:tnLst>
   </p:timing>
@@ -6777,13 +6768,8 @@
             </a:pPr>
             <a:r>
               <a:rPr lang="en-US" sz="1600" dirty="0" smtClean="0"/>
-              <a:t>Green: Compressible </a:t>
-            </a:r>
-            <a:r>
-              <a:rPr lang="en-US" sz="1600" dirty="0" smtClean="0"/>
-              <a:t>states</a:t>
-            </a:r>
-            <a:endParaRPr lang="en-US" sz="1600" dirty="0" smtClean="0"/>
+              <a:t>Green: Compressible states</a:t>
+            </a:r>
           </a:p>
         </p:txBody>
       </p:sp>
@@ -8063,7 +8049,7 @@
   <p:timing>
     <p:tnLst>
       <p:par>
-        <p:cTn id="1" dur="indefinite" restart="never" nodeType="tmRoot"/>
+        <p:cTn xmlns:p14="http://schemas.microsoft.com/office/powerpoint/2010/main" id="1" dur="indefinite" restart="never" nodeType="tmRoot"/>
       </p:par>
     </p:tnLst>
   </p:timing>
@@ -9912,7 +9898,7 @@
   <p:timing>
     <p:tnLst>
       <p:par>
-        <p:cTn id="1" dur="indefinite" restart="never" nodeType="tmRoot"/>
+        <p:cTn xmlns:p14="http://schemas.microsoft.com/office/powerpoint/2010/main" id="1" dur="indefinite" restart="never" nodeType="tmRoot"/>
       </p:par>
     </p:tnLst>
   </p:timing>
@@ -9963,22 +9949,14 @@
             </a:r>
             <a:r>
               <a:rPr lang="en-US" dirty="0" smtClean="0"/>
-              <a:t> </a:t>
-            </a:r>
-            <a:r>
-              <a:rPr lang="en-US" dirty="0" smtClean="0"/>
-              <a:t>Chains</a:t>
+              <a:t> Chains</a:t>
             </a:r>
             <a:br>
               <a:rPr lang="en-US" dirty="0" smtClean="0"/>
             </a:br>
             <a:r>
               <a:rPr lang="en-US" dirty="0" smtClean="0"/>
-              <a:t>(a </a:t>
-            </a:r>
-            <a:r>
-              <a:rPr lang="en-US" dirty="0" smtClean="0"/>
-              <a:t>new dimension)</a:t>
+              <a:t>(a new dimension)</a:t>
             </a:r>
             <a:endParaRPr lang="en-US" dirty="0"/>
           </a:p>
@@ -15140,7 +15118,7 @@
   <p:timing>
     <p:tnLst>
       <p:par>
-        <p:cTn id="1" dur="indefinite" restart="never" nodeType="tmRoot"/>
+        <p:cTn xmlns:p14="http://schemas.microsoft.com/office/powerpoint/2010/main" id="1" dur="indefinite" restart="never" nodeType="tmRoot"/>
       </p:par>
     </p:tnLst>
   </p:timing>
@@ -15305,21 +15283,12 @@
               <a:rPr lang="en-US" sz="2400" dirty="0" smtClean="0"/>
               <a:t>Web traffic may download a small HTML file followed by many large images.</a:t>
             </a:r>
-            <a:endParaRPr lang="en-US" sz="2400" dirty="0" smtClean="0"/>
           </a:p>
           <a:p>
             <a:pPr lvl="1"/>
             <a:r>
               <a:rPr lang="en-US" sz="2400" dirty="0" smtClean="0"/>
-              <a:t>Each </a:t>
-            </a:r>
-            <a:r>
-              <a:rPr lang="en-US" sz="2400" dirty="0" smtClean="0"/>
-              <a:t>packet type has a “fixed” packet size, decided at the beginning of the lifetime of the </a:t>
-            </a:r>
-            <a:r>
-              <a:rPr lang="en-US" sz="2400" dirty="0" smtClean="0"/>
-              <a:t>packet</a:t>
+              <a:t>Each packet type has a “fixed” packet size, decided at the beginning of the lifetime of the packet</a:t>
             </a:r>
           </a:p>
           <a:p>
@@ -15341,13 +15310,8 @@
           <a:p>
             <a:r>
               <a:rPr lang="en-US" sz="2400" dirty="0" smtClean="0"/>
-              <a:t>Packet type transitions </a:t>
-            </a:r>
-            <a:r>
-              <a:rPr lang="en-US" sz="2400" dirty="0" smtClean="0"/>
-              <a:t>may be deterministic</a:t>
-            </a:r>
-            <a:endParaRPr lang="en-US" sz="2400" dirty="0" smtClean="0"/>
+              <a:t>Packet type transitions may be deterministic</a:t>
+            </a:r>
           </a:p>
         </p:txBody>
       </p:sp>
@@ -17049,7 +17013,9 @@
         </p:nvSpPr>
         <p:spPr/>
         <p:txBody>
-          <a:bodyPr/>
+          <a:bodyPr>
+            <a:normAutofit lnSpcReduction="10000"/>
+          </a:bodyPr>
           <a:lstStyle/>
           <a:p>
             <a:r>
@@ -18346,8 +18312,9 @@
             </a:r>
             <a:r>
               <a:rPr lang="en-US" dirty="0" smtClean="0"/>
-              <a:t>parameters,</a:t>
-            </a:r>
+              <a:t>parameter:</a:t>
+            </a:r>
+            <a:endParaRPr lang="en-US" dirty="0" smtClean="0"/>
           </a:p>
           <a:p>
             <a:pPr lvl="1"/>
@@ -18428,21 +18395,21 @@
         <p:spPr/>
         <p:txBody>
           <a:bodyPr>
-            <a:normAutofit fontScale="90000"/>
+            <a:normAutofit/>
           </a:bodyPr>
           <a:lstStyle/>
           <a:p>
             <a:r>
               <a:rPr lang="en-US" dirty="0" smtClean="0"/>
-              <a:t>File Downloads: Varying </a:t>
-            </a:r>
-            <a:r>
-              <a:rPr lang="en-US" dirty="0" err="1" smtClean="0"/>
-              <a:t>Interarrival</a:t>
-            </a:r>
-            <a:r>
-              <a:rPr lang="en-US" dirty="0" smtClean="0"/>
-              <a:t> Time</a:t>
+              <a:t>File Downloads: </a:t>
+            </a:r>
+            <a:r>
+              <a:rPr lang="en-US" dirty="0" smtClean="0"/>
+              <a:t>Packet </a:t>
+            </a:r>
+            <a:r>
+              <a:rPr lang="en-US" dirty="0" smtClean="0"/>
+              <a:t>Size</a:t>
             </a:r>
             <a:endParaRPr lang="en-US" dirty="0"/>
           </a:p>
@@ -18450,7 +18417,7 @@
       </p:sp>
       <p:pic>
         <p:nvPicPr>
-          <p:cNvPr id="5" name="Picture 4" descr="fig-simulation_random_download-interarival-1_0_1_0_1_1_25.jpg"/>
+          <p:cNvPr id="4" name="Picture 3" descr="fig-simulation_random_download-maxpackets-1_0_1_0_1_1_25.jpg"/>
           <p:cNvPicPr>
             <a:picLocks noChangeAspect="1"/>
           </p:cNvPicPr>
@@ -18470,8 +18437,8 @@
         </p:blipFill>
         <p:spPr>
           <a:xfrm>
-            <a:off x="0" y="1919698"/>
-            <a:ext cx="4923676" cy="3692757"/>
+            <a:off x="-246137" y="1772044"/>
+            <a:ext cx="5027293" cy="3770470"/>
           </a:xfrm>
           <a:prstGeom prst="rect">
             <a:avLst/>
@@ -18480,7 +18447,7 @@
       </p:pic>
       <p:pic>
         <p:nvPicPr>
-          <p:cNvPr id="4" name="Picture 3" descr="fig-simulation_random_download-interarival-1_0_5_0_1_1_25.jpg"/>
+          <p:cNvPr id="5" name="Picture 4" descr="fig-simulation_random_download-maxpackets-1_0_5_0_1_1_25.jpg"/>
           <p:cNvPicPr>
             <a:picLocks noChangeAspect="1"/>
           </p:cNvPicPr>
@@ -18500,8 +18467,8 @@
         </p:blipFill>
         <p:spPr>
           <a:xfrm>
-            <a:off x="4558462" y="1919697"/>
-            <a:ext cx="4923675" cy="3692757"/>
+            <a:off x="4302681" y="1772044"/>
+            <a:ext cx="5323749" cy="3841335"/>
           </a:xfrm>
           <a:prstGeom prst="rect">
             <a:avLst/>
@@ -18571,7 +18538,7 @@
     </p:spTree>
     <p:extLst>
       <p:ext uri="{BB962C8B-B14F-4D97-AF65-F5344CB8AC3E}">
-        <p14:creationId xmlns:p14="http://schemas.microsoft.com/office/powerpoint/2010/main" val="451484042"/>
+        <p14:creationId xmlns:p14="http://schemas.microsoft.com/office/powerpoint/2010/main" val="3186649161"/>
       </p:ext>
     </p:extLst>
   </p:cSld>
@@ -18610,135 +18577,88 @@
         </p:nvSpPr>
         <p:spPr/>
         <p:txBody>
+          <a:bodyPr/>
+          <a:lstStyle/>
+          <a:p>
+            <a:r>
+              <a:rPr lang="en-US" dirty="0" smtClean="0"/>
+              <a:t>Observations</a:t>
+            </a:r>
+            <a:endParaRPr lang="en-US" dirty="0"/>
+          </a:p>
+        </p:txBody>
+      </p:sp>
+      <p:sp>
+        <p:nvSpPr>
+          <p:cNvPr id="3" name="Content Placeholder 2"/>
+          <p:cNvSpPr>
+            <a:spLocks noGrp="1"/>
+          </p:cNvSpPr>
+          <p:nvPr>
+            <p:ph idx="1"/>
+          </p:nvPr>
+        </p:nvSpPr>
+        <p:spPr/>
+        <p:txBody>
           <a:bodyPr>
             <a:normAutofit/>
           </a:bodyPr>
           <a:lstStyle/>
           <a:p>
             <a:r>
-              <a:rPr lang="en-US" dirty="0" smtClean="0"/>
-              <a:t>File Downloads: Varying Packet Size</a:t>
-            </a:r>
-            <a:endParaRPr lang="en-US" dirty="0"/>
-          </a:p>
-        </p:txBody>
-      </p:sp>
-      <p:pic>
-        <p:nvPicPr>
-          <p:cNvPr id="4" name="Picture 3" descr="fig-simulation_random_download-maxpackets-1_0_1_0_1_1_25.jpg"/>
-          <p:cNvPicPr>
-            <a:picLocks noChangeAspect="1"/>
-          </p:cNvPicPr>
-          <p:nvPr/>
-        </p:nvPicPr>
-        <p:blipFill>
-          <a:blip r:embed="rId2">
-            <a:extLst>
-              <a:ext uri="{28A0092B-C50C-407E-A947-70E740481C1C}">
-                <a14:useLocalDpi xmlns:a14="http://schemas.microsoft.com/office/drawing/2010/main" val="0"/>
-              </a:ext>
-            </a:extLst>
-          </a:blip>
-          <a:stretch>
-            <a:fillRect/>
-          </a:stretch>
-        </p:blipFill>
-        <p:spPr>
-          <a:xfrm>
-            <a:off x="-246137" y="1772044"/>
-            <a:ext cx="5027293" cy="3770470"/>
-          </a:xfrm>
-          <a:prstGeom prst="rect">
-            <a:avLst/>
-          </a:prstGeom>
-        </p:spPr>
-      </p:pic>
-      <p:pic>
-        <p:nvPicPr>
-          <p:cNvPr id="5" name="Picture 4" descr="fig-simulation_random_download-maxpackets-1_0_5_0_1_1_25.jpg"/>
-          <p:cNvPicPr>
-            <a:picLocks noChangeAspect="1"/>
-          </p:cNvPicPr>
-          <p:nvPr/>
-        </p:nvPicPr>
-        <p:blipFill>
-          <a:blip r:embed="rId3">
-            <a:extLst>
-              <a:ext uri="{28A0092B-C50C-407E-A947-70E740481C1C}">
-                <a14:useLocalDpi xmlns:a14="http://schemas.microsoft.com/office/drawing/2010/main" val="0"/>
-              </a:ext>
-            </a:extLst>
-          </a:blip>
-          <a:stretch>
-            <a:fillRect/>
-          </a:stretch>
-        </p:blipFill>
-        <p:spPr>
-          <a:xfrm>
-            <a:off x="4302681" y="1772044"/>
-            <a:ext cx="5323749" cy="3841335"/>
-          </a:xfrm>
-          <a:prstGeom prst="rect">
-            <a:avLst/>
-          </a:prstGeom>
-        </p:spPr>
-      </p:pic>
-      <p:sp>
-        <p:nvSpPr>
-          <p:cNvPr id="6" name="TextBox 5"/>
-          <p:cNvSpPr txBox="1"/>
-          <p:nvPr/>
-        </p:nvSpPr>
-        <p:spPr>
-          <a:xfrm>
-            <a:off x="1466978" y="5675257"/>
-            <a:ext cx="2185699" cy="369332"/>
-          </a:xfrm>
-          <a:prstGeom prst="rect">
-            <a:avLst/>
-          </a:prstGeom>
-          <a:noFill/>
-        </p:spPr>
-        <p:txBody>
-          <a:bodyPr wrap="square" rtlCol="0">
-            <a:spAutoFit/>
-          </a:bodyPr>
-          <a:lstStyle/>
-          <a:p>
-            <a:r>
-              <a:rPr lang="en-US" dirty="0" smtClean="0"/>
-              <a:t>Packet Size = [1]</a:t>
-            </a:r>
-            <a:endParaRPr lang="en-US" dirty="0"/>
-          </a:p>
-        </p:txBody>
-      </p:sp>
-      <p:sp>
-        <p:nvSpPr>
-          <p:cNvPr id="7" name="TextBox 6"/>
-          <p:cNvSpPr txBox="1"/>
-          <p:nvPr/>
-        </p:nvSpPr>
-        <p:spPr>
-          <a:xfrm>
-            <a:off x="5769458" y="5646752"/>
-            <a:ext cx="2731919" cy="369332"/>
-          </a:xfrm>
-          <a:prstGeom prst="rect">
-            <a:avLst/>
-          </a:prstGeom>
-          <a:noFill/>
-        </p:spPr>
-        <p:txBody>
-          <a:bodyPr wrap="square" rtlCol="0">
-            <a:spAutoFit/>
-          </a:bodyPr>
-          <a:lstStyle/>
-          <a:p>
-            <a:r>
-              <a:rPr lang="en-US" dirty="0" smtClean="0"/>
-              <a:t>Packet Size = [1,2,3,4,5]</a:t>
-            </a:r>
+              <a:rPr lang="en-US" b="1" dirty="0" smtClean="0"/>
+              <a:t>Average </a:t>
+            </a:r>
+            <a:r>
+              <a:rPr lang="en-US" b="1" dirty="0" smtClean="0"/>
+              <a:t>throughput</a:t>
+            </a:r>
+            <a:r>
+              <a:rPr lang="en-US" dirty="0" smtClean="0"/>
+              <a:t> increases as the size of packets increases</a:t>
+            </a:r>
+          </a:p>
+          <a:p>
+            <a:r>
+              <a:rPr lang="en-US" b="1" dirty="0" smtClean="0"/>
+              <a:t>Download throughput</a:t>
+            </a:r>
+            <a:r>
+              <a:rPr lang="en-US" dirty="0" smtClean="0"/>
+              <a:t> is </a:t>
+            </a:r>
+            <a:r>
+              <a:rPr lang="en-US" dirty="0" smtClean="0"/>
+              <a:t>nearly </a:t>
+            </a:r>
+            <a:r>
+              <a:rPr lang="en-US" dirty="0" smtClean="0"/>
+              <a:t>starved </a:t>
+            </a:r>
+            <a:r>
+              <a:rPr lang="en-US" dirty="0" smtClean="0"/>
+              <a:t>due to increasing packet sizes and long </a:t>
+            </a:r>
+            <a:r>
+              <a:rPr lang="en-US" dirty="0" err="1" smtClean="0"/>
+              <a:t>interarrival</a:t>
+            </a:r>
+            <a:r>
+              <a:rPr lang="en-US" dirty="0" smtClean="0"/>
+              <a:t> time (longer time between attempts)</a:t>
+            </a:r>
+          </a:p>
+          <a:p>
+            <a:r>
+              <a:rPr lang="en-US" dirty="0" smtClean="0"/>
+              <a:t>Longer packet transmission times increase likelihood of error</a:t>
+            </a:r>
+            <a:endParaRPr lang="en-US" dirty="0" smtClean="0"/>
+          </a:p>
+          <a:p>
+            <a:pPr marL="0" indent="0">
+              <a:buNone/>
+            </a:pPr>
             <a:endParaRPr lang="en-US" dirty="0"/>
           </a:p>
         </p:txBody>
@@ -18746,7 +18666,7 @@
     </p:spTree>
     <p:extLst>
       <p:ext uri="{BB962C8B-B14F-4D97-AF65-F5344CB8AC3E}">
-        <p14:creationId xmlns:p14="http://schemas.microsoft.com/office/powerpoint/2010/main" val="3186649161"/>
+        <p14:creationId xmlns:p14="http://schemas.microsoft.com/office/powerpoint/2010/main" val="68225269"/>
       </p:ext>
     </p:extLst>
   </p:cSld>
@@ -18785,81 +18705,135 @@
         </p:nvSpPr>
         <p:spPr/>
         <p:txBody>
-          <a:bodyPr/>
-          <a:lstStyle/>
-          <a:p>
-            <a:r>
-              <a:rPr lang="en-US" dirty="0" smtClean="0"/>
-              <a:t>Observations</a:t>
+          <a:bodyPr>
+            <a:normAutofit fontScale="90000"/>
+          </a:bodyPr>
+          <a:lstStyle/>
+          <a:p>
+            <a:r>
+              <a:rPr lang="en-US" dirty="0" smtClean="0"/>
+              <a:t>Web Browsing: Probability Traffic Gaps</a:t>
             </a:r>
             <a:endParaRPr lang="en-US" dirty="0"/>
           </a:p>
         </p:txBody>
       </p:sp>
-      <p:sp>
-        <p:nvSpPr>
-          <p:cNvPr id="3" name="Content Placeholder 2"/>
-          <p:cNvSpPr>
-            <a:spLocks noGrp="1"/>
-          </p:cNvSpPr>
-          <p:nvPr>
-            <p:ph idx="1"/>
-          </p:nvPr>
-        </p:nvSpPr>
-        <p:spPr/>
-        <p:txBody>
-          <a:bodyPr>
-            <a:normAutofit fontScale="92500" lnSpcReduction="10000"/>
+      <p:pic>
+        <p:nvPicPr>
+          <p:cNvPr id="9" name="Picture 8" descr="enter.jpg"/>
+          <p:cNvPicPr>
+            <a:picLocks noChangeAspect="1"/>
+          </p:cNvPicPr>
+          <p:nvPr/>
+        </p:nvPicPr>
+        <p:blipFill>
+          <a:blip r:embed="rId2">
+            <a:extLst>
+              <a:ext uri="{28A0092B-C50C-407E-A947-70E740481C1C}">
+                <a14:useLocalDpi xmlns:a14="http://schemas.microsoft.com/office/drawing/2010/main" val="0"/>
+              </a:ext>
+            </a:extLst>
+          </a:blip>
+          <a:stretch>
+            <a:fillRect/>
+          </a:stretch>
+        </p:blipFill>
+        <p:spPr>
+          <a:xfrm>
+            <a:off x="4382074" y="1932352"/>
+            <a:ext cx="5244360" cy="3933270"/>
+          </a:xfrm>
+          <a:prstGeom prst="rect">
+            <a:avLst/>
+          </a:prstGeom>
+        </p:spPr>
+      </p:pic>
+      <p:pic>
+        <p:nvPicPr>
+          <p:cNvPr id="10" name="Picture 9" descr="enter1.jpg"/>
+          <p:cNvPicPr>
+            <a:picLocks noChangeAspect="1"/>
+          </p:cNvPicPr>
+          <p:nvPr/>
+        </p:nvPicPr>
+        <p:blipFill>
+          <a:blip r:embed="rId3">
+            <a:extLst>
+              <a:ext uri="{28A0092B-C50C-407E-A947-70E740481C1C}">
+                <a14:useLocalDpi xmlns:a14="http://schemas.microsoft.com/office/drawing/2010/main" val="0"/>
+              </a:ext>
+            </a:extLst>
+          </a:blip>
+          <a:stretch>
+            <a:fillRect/>
+          </a:stretch>
+        </p:blipFill>
+        <p:spPr>
+          <a:xfrm>
+            <a:off x="-255980" y="1932352"/>
+            <a:ext cx="4981819" cy="3736364"/>
+          </a:xfrm>
+          <a:prstGeom prst="rect">
+            <a:avLst/>
+          </a:prstGeom>
+        </p:spPr>
+      </p:pic>
+      <p:sp>
+        <p:nvSpPr>
+          <p:cNvPr id="11" name="TextBox 10"/>
+          <p:cNvSpPr txBox="1"/>
+          <p:nvPr/>
+        </p:nvSpPr>
+        <p:spPr>
+          <a:xfrm>
+            <a:off x="1466978" y="5675257"/>
+            <a:ext cx="2185699" cy="369332"/>
+          </a:xfrm>
+          <a:prstGeom prst="rect">
+            <a:avLst/>
+          </a:prstGeom>
+          <a:noFill/>
+        </p:spPr>
+        <p:txBody>
+          <a:bodyPr wrap="square" rtlCol="0">
+            <a:spAutoFit/>
           </a:bodyPr>
           <a:lstStyle/>
           <a:p>
             <a:r>
-              <a:rPr lang="en-US" b="1" dirty="0" smtClean="0"/>
-              <a:t>Average throughput</a:t>
-            </a:r>
-            <a:r>
-              <a:rPr lang="en-US" dirty="0" smtClean="0"/>
-              <a:t> increases as the time between file download bursts of packets increases</a:t>
-            </a:r>
-          </a:p>
-          <a:p>
-            <a:r>
-              <a:rPr lang="en-US" b="1" dirty="0" smtClean="0"/>
-              <a:t>Average throughput</a:t>
-            </a:r>
-            <a:r>
-              <a:rPr lang="en-US" dirty="0" smtClean="0"/>
-              <a:t> increases as the size of packets increases</a:t>
-            </a:r>
-          </a:p>
-          <a:p>
-            <a:r>
-              <a:rPr lang="en-US" b="1" dirty="0" smtClean="0"/>
-              <a:t>Download throughput</a:t>
-            </a:r>
-            <a:r>
-              <a:rPr lang="en-US" dirty="0" smtClean="0"/>
-              <a:t> is starved due to increasing packet sizes and long </a:t>
-            </a:r>
-            <a:r>
-              <a:rPr lang="en-US" dirty="0" err="1" smtClean="0"/>
-              <a:t>interarrival</a:t>
-            </a:r>
-            <a:r>
-              <a:rPr lang="en-US" dirty="0" smtClean="0"/>
-              <a:t> time (longer time between attempts)</a:t>
-            </a:r>
-          </a:p>
-          <a:p>
-            <a:r>
-              <a:rPr lang="en-US" dirty="0" smtClean="0"/>
-              <a:t>Long times between bursts leave more room for other nodes to transmit </a:t>
-            </a:r>
-          </a:p>
-          <a:p>
-            <a:pPr marL="0" indent="0">
-              <a:buNone/>
-            </a:pPr>
+              <a:rPr lang="en-US" dirty="0" smtClean="0"/>
+              <a:t>Packet Size = [1]</a:t>
+            </a:r>
+            <a:endParaRPr lang="en-US" dirty="0"/>
+          </a:p>
+        </p:txBody>
+      </p:sp>
+      <p:sp>
+        <p:nvSpPr>
+          <p:cNvPr id="12" name="TextBox 11"/>
+          <p:cNvSpPr txBox="1"/>
+          <p:nvPr/>
+        </p:nvSpPr>
+        <p:spPr>
+          <a:xfrm>
+            <a:off x="5769458" y="5646752"/>
+            <a:ext cx="2731919" cy="369332"/>
+          </a:xfrm>
+          <a:prstGeom prst="rect">
+            <a:avLst/>
+          </a:prstGeom>
+          <a:noFill/>
+        </p:spPr>
+        <p:txBody>
+          <a:bodyPr wrap="square" rtlCol="0">
+            <a:spAutoFit/>
+          </a:bodyPr>
+          <a:lstStyle/>
+          <a:p>
+            <a:r>
+              <a:rPr lang="en-US" dirty="0" smtClean="0"/>
+              <a:t>Packet Size = [1,2,3,4,5]</a:t>
+            </a:r>
             <a:endParaRPr lang="en-US" dirty="0"/>
           </a:p>
         </p:txBody>
@@ -18867,7 +18841,7 @@
     </p:spTree>
     <p:extLst>
       <p:ext uri="{BB962C8B-B14F-4D97-AF65-F5344CB8AC3E}">
-        <p14:creationId xmlns:p14="http://schemas.microsoft.com/office/powerpoint/2010/main" val="68225269"/>
+        <p14:creationId xmlns:p14="http://schemas.microsoft.com/office/powerpoint/2010/main" val="3605966855"/>
       </p:ext>
     </p:extLst>
   </p:cSld>
@@ -18906,135 +18880,58 @@
         </p:nvSpPr>
         <p:spPr/>
         <p:txBody>
-          <a:bodyPr>
-            <a:normAutofit fontScale="90000"/>
-          </a:bodyPr>
-          <a:lstStyle/>
-          <a:p>
-            <a:r>
-              <a:rPr lang="en-US" dirty="0" smtClean="0"/>
-              <a:t>Web Browsing: Probability Traffic Gaps</a:t>
+          <a:bodyPr/>
+          <a:lstStyle/>
+          <a:p>
+            <a:r>
+              <a:rPr lang="en-US" dirty="0" smtClean="0"/>
+              <a:t>Observations</a:t>
             </a:r>
             <a:endParaRPr lang="en-US" dirty="0"/>
           </a:p>
         </p:txBody>
       </p:sp>
-      <p:pic>
-        <p:nvPicPr>
-          <p:cNvPr id="9" name="Picture 8" descr="enter.jpg"/>
-          <p:cNvPicPr>
-            <a:picLocks noChangeAspect="1"/>
-          </p:cNvPicPr>
-          <p:nvPr/>
-        </p:nvPicPr>
-        <p:blipFill>
-          <a:blip r:embed="rId2">
-            <a:extLst>
-              <a:ext uri="{28A0092B-C50C-407E-A947-70E740481C1C}">
-                <a14:useLocalDpi xmlns:a14="http://schemas.microsoft.com/office/drawing/2010/main" val="0"/>
-              </a:ext>
-            </a:extLst>
-          </a:blip>
-          <a:stretch>
-            <a:fillRect/>
-          </a:stretch>
-        </p:blipFill>
-        <p:spPr>
-          <a:xfrm>
-            <a:off x="4382074" y="1932352"/>
-            <a:ext cx="5244360" cy="3933270"/>
-          </a:xfrm>
-          <a:prstGeom prst="rect">
-            <a:avLst/>
-          </a:prstGeom>
-        </p:spPr>
-      </p:pic>
-      <p:pic>
-        <p:nvPicPr>
-          <p:cNvPr id="10" name="Picture 9" descr="enter1.jpg"/>
-          <p:cNvPicPr>
-            <a:picLocks noChangeAspect="1"/>
-          </p:cNvPicPr>
-          <p:nvPr/>
-        </p:nvPicPr>
-        <p:blipFill>
-          <a:blip r:embed="rId3">
-            <a:extLst>
-              <a:ext uri="{28A0092B-C50C-407E-A947-70E740481C1C}">
-                <a14:useLocalDpi xmlns:a14="http://schemas.microsoft.com/office/drawing/2010/main" val="0"/>
-              </a:ext>
-            </a:extLst>
-          </a:blip>
-          <a:stretch>
-            <a:fillRect/>
-          </a:stretch>
-        </p:blipFill>
-        <p:spPr>
-          <a:xfrm>
-            <a:off x="-255980" y="1932352"/>
-            <a:ext cx="4981819" cy="3736364"/>
-          </a:xfrm>
-          <a:prstGeom prst="rect">
-            <a:avLst/>
-          </a:prstGeom>
-        </p:spPr>
-      </p:pic>
-      <p:sp>
-        <p:nvSpPr>
-          <p:cNvPr id="11" name="TextBox 10"/>
-          <p:cNvSpPr txBox="1"/>
-          <p:nvPr/>
-        </p:nvSpPr>
-        <p:spPr>
-          <a:xfrm>
-            <a:off x="1466978" y="5675257"/>
-            <a:ext cx="2185699" cy="369332"/>
-          </a:xfrm>
-          <a:prstGeom prst="rect">
-            <a:avLst/>
-          </a:prstGeom>
-          <a:noFill/>
-        </p:spPr>
-        <p:txBody>
-          <a:bodyPr wrap="square" rtlCol="0">
-            <a:spAutoFit/>
-          </a:bodyPr>
-          <a:lstStyle/>
-          <a:p>
-            <a:r>
-              <a:rPr lang="en-US" dirty="0" smtClean="0"/>
-              <a:t>Packet Size = [1]</a:t>
+      <p:sp>
+        <p:nvSpPr>
+          <p:cNvPr id="3" name="Content Placeholder 2"/>
+          <p:cNvSpPr>
+            <a:spLocks noGrp="1"/>
+          </p:cNvSpPr>
+          <p:nvPr>
+            <p:ph idx="1"/>
+          </p:nvPr>
+        </p:nvSpPr>
+        <p:spPr/>
+        <p:txBody>
+          <a:bodyPr/>
+          <a:lstStyle/>
+          <a:p>
+            <a:r>
+              <a:rPr lang="en-US" dirty="0" smtClean="0"/>
+              <a:t>For small gaps, random node throughput unaffected</a:t>
+            </a:r>
+          </a:p>
+          <a:p>
+            <a:r>
+              <a:rPr lang="en-US" dirty="0" smtClean="0"/>
+              <a:t>For large gaps, random node throughput increases with respect</a:t>
+            </a:r>
+          </a:p>
+          <a:p>
+            <a:r>
+              <a:rPr lang="en-US" b="1" dirty="0" smtClean="0"/>
+              <a:t>Overall:</a:t>
+            </a:r>
+            <a:r>
+              <a:rPr lang="en-US" dirty="0" smtClean="0"/>
+              <a:t> Sporadic nature of web traffic characteristics favors other nodes in the system</a:t>
             </a:r>
             <a:endParaRPr lang="en-US" dirty="0"/>
           </a:p>
-        </p:txBody>
-      </p:sp>
-      <p:sp>
-        <p:nvSpPr>
-          <p:cNvPr id="12" name="TextBox 11"/>
-          <p:cNvSpPr txBox="1"/>
-          <p:nvPr/>
-        </p:nvSpPr>
-        <p:spPr>
-          <a:xfrm>
-            <a:off x="5769458" y="5646752"/>
-            <a:ext cx="2731919" cy="369332"/>
-          </a:xfrm>
-          <a:prstGeom prst="rect">
-            <a:avLst/>
-          </a:prstGeom>
-          <a:noFill/>
-        </p:spPr>
-        <p:txBody>
-          <a:bodyPr wrap="square" rtlCol="0">
-            <a:spAutoFit/>
-          </a:bodyPr>
-          <a:lstStyle/>
-          <a:p>
-            <a:r>
-              <a:rPr lang="en-US" dirty="0" smtClean="0"/>
-              <a:t>Packet Size = [1,2,3,4,5]</a:t>
-            </a:r>
+          <a:p>
+            <a:endParaRPr lang="en-US" b="1" dirty="0" smtClean="0"/>
+          </a:p>
+          <a:p>
             <a:endParaRPr lang="en-US" dirty="0"/>
           </a:p>
         </p:txBody>
@@ -19042,7 +18939,7 @@
     </p:spTree>
     <p:extLst>
       <p:ext uri="{BB962C8B-B14F-4D97-AF65-F5344CB8AC3E}">
-        <p14:creationId xmlns:p14="http://schemas.microsoft.com/office/powerpoint/2010/main" val="3605966855"/>
+        <p14:creationId xmlns:p14="http://schemas.microsoft.com/office/powerpoint/2010/main" val="3202165143"/>
       </p:ext>
     </p:extLst>
   </p:cSld>
@@ -19086,53 +18983,136 @@
           <a:p>
             <a:r>
               <a:rPr lang="en-US" dirty="0" smtClean="0"/>
-              <a:t>Observations</a:t>
+              <a:t>Multimedia: </a:t>
+            </a:r>
+            <a:r>
+              <a:rPr lang="en-US" dirty="0" smtClean="0"/>
+              <a:t>Streaming </a:t>
+            </a:r>
+            <a:r>
+              <a:rPr lang="en-US" dirty="0" smtClean="0"/>
+              <a:t>BPS</a:t>
             </a:r>
             <a:endParaRPr lang="en-US" dirty="0"/>
           </a:p>
         </p:txBody>
       </p:sp>
-      <p:sp>
-        <p:nvSpPr>
-          <p:cNvPr id="3" name="Content Placeholder 2"/>
-          <p:cNvSpPr>
-            <a:spLocks noGrp="1"/>
-          </p:cNvSpPr>
-          <p:nvPr>
-            <p:ph idx="1"/>
-          </p:nvPr>
-        </p:nvSpPr>
-        <p:spPr/>
-        <p:txBody>
-          <a:bodyPr/>
-          <a:lstStyle/>
-          <a:p>
-            <a:r>
-              <a:rPr lang="en-US" dirty="0" smtClean="0"/>
-              <a:t>For small gaps, random node throughput unaffected</a:t>
-            </a:r>
-          </a:p>
-          <a:p>
-            <a:r>
-              <a:rPr lang="en-US" dirty="0" smtClean="0"/>
-              <a:t>For large gaps, random node throughput increases with respect</a:t>
-            </a:r>
-          </a:p>
-          <a:p>
-            <a:r>
-              <a:rPr lang="en-US" b="1" dirty="0" smtClean="0"/>
-              <a:t>Overall:</a:t>
-            </a:r>
-            <a:r>
-              <a:rPr lang="en-US" dirty="0" smtClean="0"/>
-              <a:t> Sporadic nature of web traffic characteristics favors other nodes in the system</a:t>
+      <p:pic>
+        <p:nvPicPr>
+          <p:cNvPr id="4" name="Picture 3" descr="fig-simulation_random_multimedia-bps-1_0_5_0_12000.jpg"/>
+          <p:cNvPicPr>
+            <a:picLocks noChangeAspect="1"/>
+          </p:cNvPicPr>
+          <p:nvPr/>
+        </p:nvPicPr>
+        <p:blipFill>
+          <a:blip r:embed="rId2">
+            <a:extLst>
+              <a:ext uri="{28A0092B-C50C-407E-A947-70E740481C1C}">
+                <a14:useLocalDpi xmlns:a14="http://schemas.microsoft.com/office/drawing/2010/main" val="0"/>
+              </a:ext>
+            </a:extLst>
+          </a:blip>
+          <a:stretch>
+            <a:fillRect/>
+          </a:stretch>
+        </p:blipFill>
+        <p:spPr>
+          <a:xfrm>
+            <a:off x="4558461" y="1610879"/>
+            <a:ext cx="4975513" cy="3923859"/>
+          </a:xfrm>
+          <a:prstGeom prst="rect">
+            <a:avLst/>
+          </a:prstGeom>
+        </p:spPr>
+      </p:pic>
+      <p:pic>
+        <p:nvPicPr>
+          <p:cNvPr id="5" name="Picture 4" descr="fig-simulation_random_multimedia-bps-1_0_1_0_12000.jpg"/>
+          <p:cNvPicPr>
+            <a:picLocks noChangeAspect="1"/>
+          </p:cNvPicPr>
+          <p:nvPr/>
+        </p:nvPicPr>
+        <p:blipFill>
+          <a:blip r:embed="rId3">
+            <a:extLst>
+              <a:ext uri="{28A0092B-C50C-407E-A947-70E740481C1C}">
+                <a14:useLocalDpi xmlns:a14="http://schemas.microsoft.com/office/drawing/2010/main" val="0"/>
+              </a:ext>
+            </a:extLst>
+          </a:blip>
+          <a:stretch>
+            <a:fillRect/>
+          </a:stretch>
+        </p:blipFill>
+        <p:spPr>
+          <a:xfrm>
+            <a:off x="-277993" y="1610879"/>
+            <a:ext cx="5182476" cy="3886857"/>
+          </a:xfrm>
+          <a:prstGeom prst="rect">
+            <a:avLst/>
+          </a:prstGeom>
+        </p:spPr>
+      </p:pic>
+      <p:sp>
+        <p:nvSpPr>
+          <p:cNvPr id="6" name="TextBox 5"/>
+          <p:cNvSpPr txBox="1"/>
+          <p:nvPr/>
+        </p:nvSpPr>
+        <p:spPr>
+          <a:xfrm>
+            <a:off x="1466978" y="5675257"/>
+            <a:ext cx="2185699" cy="369332"/>
+          </a:xfrm>
+          <a:prstGeom prst="rect">
+            <a:avLst/>
+          </a:prstGeom>
+          <a:noFill/>
+        </p:spPr>
+        <p:txBody>
+          <a:bodyPr wrap="square" rtlCol="0">
+            <a:spAutoFit/>
+          </a:bodyPr>
+          <a:lstStyle/>
+          <a:p>
+            <a:r>
+              <a:rPr lang="en-US" dirty="0" smtClean="0"/>
+              <a:t>Packet Size = [1]</a:t>
             </a:r>
             <a:endParaRPr lang="en-US" dirty="0"/>
           </a:p>
-          <a:p>
-            <a:endParaRPr lang="en-US" b="1" dirty="0" smtClean="0"/>
-          </a:p>
-          <a:p>
+        </p:txBody>
+      </p:sp>
+      <p:sp>
+        <p:nvSpPr>
+          <p:cNvPr id="7" name="TextBox 6"/>
+          <p:cNvSpPr txBox="1"/>
+          <p:nvPr/>
+        </p:nvSpPr>
+        <p:spPr>
+          <a:xfrm>
+            <a:off x="5769458" y="5646752"/>
+            <a:ext cx="2731919" cy="369332"/>
+          </a:xfrm>
+          <a:prstGeom prst="rect">
+            <a:avLst/>
+          </a:prstGeom>
+          <a:noFill/>
+        </p:spPr>
+        <p:txBody>
+          <a:bodyPr wrap="square" rtlCol="0">
+            <a:spAutoFit/>
+          </a:bodyPr>
+          <a:lstStyle/>
+          <a:p>
+            <a:r>
+              <a:rPr lang="en-US" dirty="0" smtClean="0"/>
+              <a:t>Packet Size = [1,2,3,4,5]</a:t>
+            </a:r>
             <a:endParaRPr lang="en-US" dirty="0"/>
           </a:p>
         </p:txBody>
@@ -19140,7 +19120,7 @@
     </p:spTree>
     <p:extLst>
       <p:ext uri="{BB962C8B-B14F-4D97-AF65-F5344CB8AC3E}">
-        <p14:creationId xmlns:p14="http://schemas.microsoft.com/office/powerpoint/2010/main" val="3202165143"/>
+        <p14:creationId xmlns:p14="http://schemas.microsoft.com/office/powerpoint/2010/main" val="1110711269"/>
       </p:ext>
     </p:extLst>
   </p:cSld>
@@ -19184,136 +19164,63 @@
           <a:p>
             <a:r>
               <a:rPr lang="en-US" dirty="0" smtClean="0"/>
-              <a:t>Multimedia: Varying Streaming BPS</a:t>
+              <a:t>Observations</a:t>
             </a:r>
             <a:endParaRPr lang="en-US" dirty="0"/>
           </a:p>
         </p:txBody>
       </p:sp>
-      <p:pic>
-        <p:nvPicPr>
-          <p:cNvPr id="4" name="Picture 3" descr="fig-simulation_random_multimedia-bps-1_0_5_0_12000.jpg"/>
-          <p:cNvPicPr>
-            <a:picLocks noChangeAspect="1"/>
-          </p:cNvPicPr>
-          <p:nvPr/>
-        </p:nvPicPr>
-        <p:blipFill>
-          <a:blip r:embed="rId2">
-            <a:extLst>
-              <a:ext uri="{28A0092B-C50C-407E-A947-70E740481C1C}">
-                <a14:useLocalDpi xmlns:a14="http://schemas.microsoft.com/office/drawing/2010/main" val="0"/>
-              </a:ext>
-            </a:extLst>
-          </a:blip>
-          <a:stretch>
-            <a:fillRect/>
-          </a:stretch>
-        </p:blipFill>
-        <p:spPr>
-          <a:xfrm>
-            <a:off x="4558461" y="1610879"/>
-            <a:ext cx="4975513" cy="3923859"/>
-          </a:xfrm>
-          <a:prstGeom prst="rect">
-            <a:avLst/>
-          </a:prstGeom>
-        </p:spPr>
-      </p:pic>
-      <p:pic>
-        <p:nvPicPr>
-          <p:cNvPr id="5" name="Picture 4" descr="fig-simulation_random_multimedia-bps-1_0_1_0_12000.jpg"/>
-          <p:cNvPicPr>
-            <a:picLocks noChangeAspect="1"/>
-          </p:cNvPicPr>
-          <p:nvPr/>
-        </p:nvPicPr>
-        <p:blipFill>
-          <a:blip r:embed="rId3">
-            <a:extLst>
-              <a:ext uri="{28A0092B-C50C-407E-A947-70E740481C1C}">
-                <a14:useLocalDpi xmlns:a14="http://schemas.microsoft.com/office/drawing/2010/main" val="0"/>
-              </a:ext>
-            </a:extLst>
-          </a:blip>
-          <a:stretch>
-            <a:fillRect/>
-          </a:stretch>
-        </p:blipFill>
-        <p:spPr>
-          <a:xfrm>
-            <a:off x="-277993" y="1610879"/>
-            <a:ext cx="5182476" cy="3886857"/>
-          </a:xfrm>
-          <a:prstGeom prst="rect">
-            <a:avLst/>
-          </a:prstGeom>
-        </p:spPr>
-      </p:pic>
-      <p:sp>
-        <p:nvSpPr>
-          <p:cNvPr id="6" name="TextBox 5"/>
-          <p:cNvSpPr txBox="1"/>
-          <p:nvPr/>
-        </p:nvSpPr>
-        <p:spPr>
-          <a:xfrm>
-            <a:off x="1466978" y="5675257"/>
-            <a:ext cx="2185699" cy="369332"/>
-          </a:xfrm>
-          <a:prstGeom prst="rect">
-            <a:avLst/>
-          </a:prstGeom>
-          <a:noFill/>
-        </p:spPr>
-        <p:txBody>
-          <a:bodyPr wrap="square" rtlCol="0">
-            <a:spAutoFit/>
-          </a:bodyPr>
-          <a:lstStyle/>
-          <a:p>
-            <a:r>
-              <a:rPr lang="en-US" dirty="0" smtClean="0"/>
-              <a:t>Packet Size = [1]</a:t>
-            </a:r>
-            <a:endParaRPr lang="en-US" dirty="0"/>
-          </a:p>
-        </p:txBody>
-      </p:sp>
-      <p:sp>
-        <p:nvSpPr>
-          <p:cNvPr id="7" name="TextBox 6"/>
-          <p:cNvSpPr txBox="1"/>
-          <p:nvPr/>
-        </p:nvSpPr>
-        <p:spPr>
-          <a:xfrm>
-            <a:off x="5769458" y="5646752"/>
-            <a:ext cx="2731919" cy="369332"/>
-          </a:xfrm>
-          <a:prstGeom prst="rect">
-            <a:avLst/>
-          </a:prstGeom>
-          <a:noFill/>
-        </p:spPr>
-        <p:txBody>
-          <a:bodyPr wrap="square" rtlCol="0">
-            <a:spAutoFit/>
-          </a:bodyPr>
-          <a:lstStyle/>
-          <a:p>
-            <a:r>
-              <a:rPr lang="en-US" dirty="0" smtClean="0"/>
-              <a:t>Packet Size = [1,2,3,4,5]</a:t>
-            </a:r>
-            <a:endParaRPr lang="en-US" dirty="0"/>
+      <p:sp>
+        <p:nvSpPr>
+          <p:cNvPr id="3" name="Content Placeholder 2"/>
+          <p:cNvSpPr>
+            <a:spLocks noGrp="1"/>
+          </p:cNvSpPr>
+          <p:nvPr>
+            <p:ph idx="1"/>
+          </p:nvPr>
+        </p:nvSpPr>
+        <p:spPr/>
+        <p:txBody>
+          <a:bodyPr/>
+          <a:lstStyle/>
+          <a:p>
+            <a:r>
+              <a:rPr lang="en-US" dirty="0" smtClean="0"/>
+              <a:t>Higher streaming constraints starve other nodes in the network</a:t>
+            </a:r>
+          </a:p>
+          <a:p>
+            <a:pPr lvl="1"/>
+            <a:r>
+              <a:rPr lang="en-US" dirty="0" smtClean="0"/>
+              <a:t>Multimedia node throughput increases and random node throughput decreases as a function of streaming quality</a:t>
+            </a:r>
+          </a:p>
+          <a:p>
+            <a:r>
+              <a:rPr lang="en-US" dirty="0" smtClean="0"/>
+              <a:t>Small packet sizes for random nodes aren’t affected by multimedia streaming</a:t>
+            </a:r>
+          </a:p>
+          <a:p>
+            <a:pPr lvl="1"/>
+            <a:r>
+              <a:rPr lang="en-US" dirty="0" smtClean="0"/>
+              <a:t>Probable cause: streams of traffic are </a:t>
+            </a:r>
+            <a:r>
+              <a:rPr lang="en-US" i="1" dirty="0" smtClean="0"/>
+              <a:t>mixed together</a:t>
+            </a:r>
+            <a:endParaRPr lang="en-US" i="1" dirty="0"/>
           </a:p>
         </p:txBody>
       </p:sp>
     </p:spTree>
     <p:extLst>
       <p:ext uri="{BB962C8B-B14F-4D97-AF65-F5344CB8AC3E}">
-        <p14:creationId xmlns:p14="http://schemas.microsoft.com/office/powerpoint/2010/main" val="1110711269"/>
+        <p14:creationId xmlns:p14="http://schemas.microsoft.com/office/powerpoint/2010/main" val="3600294198"/>
       </p:ext>
     </p:extLst>
   </p:cSld>
@@ -19357,7 +19264,7 @@
           <a:p>
             <a:r>
               <a:rPr lang="en-US" dirty="0" smtClean="0"/>
-              <a:t>Observations</a:t>
+              <a:t>Conclusions</a:t>
             </a:r>
             <a:endParaRPr lang="en-US" dirty="0"/>
           </a:p>
@@ -19375,45 +19282,59 @@
         </p:nvSpPr>
         <p:spPr/>
         <p:txBody>
-          <a:bodyPr/>
-          <a:lstStyle/>
-          <a:p>
-            <a:r>
-              <a:rPr lang="en-US" dirty="0" smtClean="0"/>
-              <a:t>Higher streaming constraints starve other nodes in the network</a:t>
-            </a:r>
-          </a:p>
-          <a:p>
-            <a:pPr lvl="1"/>
-            <a:r>
-              <a:rPr lang="en-US" dirty="0" smtClean="0"/>
-              <a:t>Multimedia node throughput increases and random node throughput decreases as a function of streaming quality</a:t>
-            </a:r>
-          </a:p>
-          <a:p>
-            <a:r>
-              <a:rPr lang="en-US" dirty="0" smtClean="0"/>
-              <a:t>Small packet sizes for random nodes aren’t affected by multimedia streaming</a:t>
-            </a:r>
-          </a:p>
-          <a:p>
-            <a:pPr lvl="1"/>
-            <a:r>
-              <a:rPr lang="en-US" dirty="0" smtClean="0"/>
-              <a:t>Probable cause: streams of traffic are </a:t>
-            </a:r>
-            <a:r>
-              <a:rPr lang="en-US" i="1" dirty="0" smtClean="0"/>
-              <a:t>mixed together</a:t>
-            </a:r>
-            <a:endParaRPr lang="en-US" i="1" dirty="0"/>
+          <a:bodyPr>
+            <a:normAutofit fontScale="85000" lnSpcReduction="10000"/>
+          </a:bodyPr>
+          <a:lstStyle/>
+          <a:p>
+            <a:r>
+              <a:rPr lang="en-US" dirty="0" smtClean="0"/>
+              <a:t>The 802.11 DCF function behaves differently depending on the type of traffic being transmitted</a:t>
+            </a:r>
+          </a:p>
+          <a:p>
+            <a:r>
+              <a:rPr lang="en-US" dirty="0" smtClean="0"/>
+              <a:t>Throughput quickly degrades as more than one node is using the channel (higher collision probability)</a:t>
+            </a:r>
+          </a:p>
+          <a:p>
+            <a:r>
+              <a:rPr lang="en-US" dirty="0" smtClean="0"/>
+              <a:t>Application-agnostic random </a:t>
+            </a:r>
+            <a:r>
+              <a:rPr lang="en-US" dirty="0" err="1" smtClean="0"/>
+              <a:t>backoffs</a:t>
+            </a:r>
+            <a:r>
+              <a:rPr lang="en-US" dirty="0" smtClean="0"/>
+              <a:t> are perhaps not the best choice for collision avoidance when dealing with non-multimedia streams</a:t>
+            </a:r>
+          </a:p>
+          <a:p>
+            <a:r>
+              <a:rPr lang="en-US" dirty="0" smtClean="0"/>
+              <a:t>Random </a:t>
+            </a:r>
+            <a:r>
+              <a:rPr lang="en-US" dirty="0" err="1" smtClean="0"/>
+              <a:t>backoffs</a:t>
+            </a:r>
+            <a:r>
+              <a:rPr lang="en-US" dirty="0" smtClean="0"/>
+              <a:t> serve multimedia traffic quite well in the presence of other nodes</a:t>
+            </a:r>
+          </a:p>
+          <a:p>
+            <a:endParaRPr lang="en-US" dirty="0"/>
           </a:p>
         </p:txBody>
       </p:sp>
     </p:spTree>
     <p:extLst>
       <p:ext uri="{BB962C8B-B14F-4D97-AF65-F5344CB8AC3E}">
-        <p14:creationId xmlns:p14="http://schemas.microsoft.com/office/powerpoint/2010/main" val="3600294198"/>
+        <p14:creationId xmlns:p14="http://schemas.microsoft.com/office/powerpoint/2010/main" val="1278045240"/>
       </p:ext>
     </p:extLst>
   </p:cSld>
@@ -19450,76 +19371,20 @@
             <p:ph type="title"/>
           </p:nvPr>
         </p:nvSpPr>
-        <p:spPr/>
+        <p:spPr>
+          <a:xfrm>
+            <a:off x="388281" y="2706255"/>
+            <a:ext cx="8229600" cy="1143000"/>
+          </a:xfrm>
+        </p:spPr>
         <p:txBody>
           <a:bodyPr/>
           <a:lstStyle/>
           <a:p>
             <a:r>
               <a:rPr lang="en-US" dirty="0" smtClean="0"/>
-              <a:t>Conclusions</a:t>
-            </a:r>
-            <a:endParaRPr lang="en-US" dirty="0"/>
-          </a:p>
-        </p:txBody>
-      </p:sp>
-      <p:sp>
-        <p:nvSpPr>
-          <p:cNvPr id="3" name="Content Placeholder 2"/>
-          <p:cNvSpPr>
-            <a:spLocks noGrp="1"/>
-          </p:cNvSpPr>
-          <p:nvPr>
-            <p:ph idx="1"/>
-          </p:nvPr>
-        </p:nvSpPr>
-        <p:spPr/>
-        <p:txBody>
-          <a:bodyPr>
-            <a:normAutofit fontScale="85000" lnSpcReduction="10000"/>
-          </a:bodyPr>
-          <a:lstStyle/>
-          <a:p>
-            <a:r>
-              <a:rPr lang="en-US" dirty="0" smtClean="0"/>
-              <a:t>The 802.11 DCF function behaves differently depending on the type of traffic being transmitted</a:t>
-            </a:r>
-          </a:p>
-          <a:p>
-            <a:r>
-              <a:rPr lang="en-US" dirty="0" smtClean="0"/>
-              <a:t>Throughput quickly degrades as more than one node is using the channel (higher collision probability)</a:t>
-            </a:r>
-          </a:p>
-          <a:p>
-            <a:r>
-              <a:rPr lang="en-US" dirty="0" smtClean="0"/>
-              <a:t>Application-agnostic random </a:t>
-            </a:r>
-            <a:r>
-              <a:rPr lang="en-US" dirty="0" err="1" smtClean="0"/>
-              <a:t>backoffs</a:t>
-            </a:r>
-            <a:r>
-              <a:rPr lang="en-US" dirty="0" smtClean="0"/>
-              <a:t> are perhaps not the best choice for collision avoidance when dealing with non-multimedia streams</a:t>
-            </a:r>
-          </a:p>
-          <a:p>
-            <a:r>
-              <a:rPr lang="en-US" dirty="0" smtClean="0"/>
-              <a:t>Random </a:t>
-            </a:r>
-            <a:r>
-              <a:rPr lang="en-US" dirty="0" err="1" smtClean="0"/>
-              <a:t>backoffs</a:t>
-            </a:r>
-            <a:r>
-              <a:rPr lang="en-US" dirty="0" smtClean="0"/>
-              <a:t> serve multimedia traffic quite well in the presence of other nodes</a:t>
-            </a:r>
-          </a:p>
-          <a:p>
+              <a:t>Questions?</a:t>
+            </a:r>
             <a:endParaRPr lang="en-US" dirty="0"/>
           </a:p>
         </p:txBody>
@@ -19527,7 +19392,7 @@
     </p:spTree>
     <p:extLst>
       <p:ext uri="{BB962C8B-B14F-4D97-AF65-F5344CB8AC3E}">
-        <p14:creationId xmlns:p14="http://schemas.microsoft.com/office/powerpoint/2010/main" val="1278045240"/>
+        <p14:creationId xmlns:p14="http://schemas.microsoft.com/office/powerpoint/2010/main" val="2962913224"/>
       </p:ext>
     </p:extLst>
   </p:cSld>
@@ -19853,64 +19718,6 @@
     <p:extLst>
       <p:ext uri="{BB962C8B-B14F-4D97-AF65-F5344CB8AC3E}">
         <p14:creationId xmlns:p14="http://schemas.microsoft.com/office/powerpoint/2010/main" val="1164583717"/>
-      </p:ext>
-    </p:extLst>
-  </p:cSld>
-  <p:clrMapOvr>
-    <a:masterClrMapping/>
-  </p:clrMapOvr>
-</p:sld>
-</file>
-
-<file path=ppt/slides/slide40.xml><?xml version="1.0" encoding="utf-8"?>
-<p:sld xmlns:a="http://schemas.openxmlformats.org/drawingml/2006/main" xmlns:r="http://schemas.openxmlformats.org/officeDocument/2006/relationships" xmlns:p="http://schemas.openxmlformats.org/presentationml/2006/main">
-  <p:cSld>
-    <p:spTree>
-      <p:nvGrpSpPr>
-        <p:cNvPr id="1" name=""/>
-        <p:cNvGrpSpPr/>
-        <p:nvPr/>
-      </p:nvGrpSpPr>
-      <p:grpSpPr>
-        <a:xfrm>
-          <a:off x="0" y="0"/>
-          <a:ext cx="0" cy="0"/>
-          <a:chOff x="0" y="0"/>
-          <a:chExt cx="0" cy="0"/>
-        </a:xfrm>
-      </p:grpSpPr>
-      <p:sp>
-        <p:nvSpPr>
-          <p:cNvPr id="2" name="Title 1"/>
-          <p:cNvSpPr>
-            <a:spLocks noGrp="1"/>
-          </p:cNvSpPr>
-          <p:nvPr>
-            <p:ph type="title"/>
-          </p:nvPr>
-        </p:nvSpPr>
-        <p:spPr>
-          <a:xfrm>
-            <a:off x="388281" y="2706255"/>
-            <a:ext cx="8229600" cy="1143000"/>
-          </a:xfrm>
-        </p:spPr>
-        <p:txBody>
-          <a:bodyPr/>
-          <a:lstStyle/>
-          <a:p>
-            <a:r>
-              <a:rPr lang="en-US" dirty="0" smtClean="0"/>
-              <a:t>Questions?</a:t>
-            </a:r>
-            <a:endParaRPr lang="en-US" dirty="0"/>
-          </a:p>
-        </p:txBody>
-      </p:sp>
-    </p:spTree>
-    <p:extLst>
-      <p:ext uri="{BB962C8B-B14F-4D97-AF65-F5344CB8AC3E}">
-        <p14:creationId xmlns:p14="http://schemas.microsoft.com/office/powerpoint/2010/main" val="2962913224"/>
       </p:ext>
     </p:extLst>
   </p:cSld>
